--- a/Courses/Software-Sciences/Module-2-DS-and-Algo/05.1-Sets-and-Dictionaries-Basics/05.1-Sets-and-Dictionaries-Basics.pptx
+++ b/Courses/Software-Sciences/Module-2-DS-and-Algo/05.1-Sets-and-Dictionaries-Basics/05.1-Sets-and-Dictionaries-Basics.pptx
@@ -37,8 +37,8 @@
     <p:sldId id="352" r:id="rId25"/>
     <p:sldId id="353" r:id="rId26"/>
     <p:sldId id="354" r:id="rId27"/>
-    <p:sldId id="355" r:id="rId28"/>
-    <p:sldId id="356" r:id="rId29"/>
+    <p:sldId id="356" r:id="rId28"/>
+    <p:sldId id="355" r:id="rId29"/>
     <p:sldId id="357" r:id="rId30"/>
     <p:sldId id="358" r:id="rId31"/>
     <p:sldId id="359" r:id="rId32"/>
@@ -165,7 +165,7 @@
             <p14:sldId id="504"/>
           </p14:sldIdLst>
         </p14:section>
-        <p14:section name="Мулри-речници" id="{958D45CA-355E-47B7-A6B1-19CEECBDE735}">
+        <p14:section name="Мулти-речници" id="{958D45CA-355E-47B7-A6B1-19CEECBDE735}">
           <p14:sldIdLst>
             <p14:sldId id="340"/>
             <p14:sldId id="341"/>
@@ -182,12 +182,12 @@
             <p14:sldId id="352"/>
           </p14:sldIdLst>
         </p14:section>
-        <p14:section name="Сетове" id="{F0BAEDD0-4A13-411D-99C1-316E5C21AC2F}">
+        <p14:section name="Множества" id="{F0BAEDD0-4A13-411D-99C1-316E5C21AC2F}">
           <p14:sldIdLst>
             <p14:sldId id="353"/>
             <p14:sldId id="354"/>
+            <p14:sldId id="356"/>
             <p14:sldId id="355"/>
-            <p14:sldId id="356"/>
             <p14:sldId id="357"/>
             <p14:sldId id="358"/>
             <p14:sldId id="359"/>
@@ -326,7 +326,7 @@
           <a:p>
             <a:fld id="{4E087215-0C8F-4762-A664-737A353EC9A4}" type="datetimeFigureOut">
               <a:rPr lang="bg-BG" smtClean="0"/>
-              <a:t>6.7.2023 г.</a:t>
+              <a:t>19.08.23 г.</a:t>
             </a:fld>
             <a:endParaRPr lang="bg-BG" dirty="0"/>
           </a:p>
@@ -517,7 +517,7 @@
           <a:p>
             <a:fld id="{72D84649-876A-46C9-8472-14CB09C070D8}" type="datetimeFigureOut">
               <a:rPr lang="en-US" smtClean="0"/>
-              <a:t>7/6/2023</a:t>
+              <a:t>8/19/23</a:t>
             </a:fld>
             <a:endParaRPr lang="en-US" dirty="0"/>
           </a:p>
@@ -915,6 +915,247 @@
 </p:notes>
 </file>
 
+<file path=ppt/notesSlides/notesSlide10.xml><?xml version="1.0" encoding="utf-8"?>
+<p:notes xmlns:a="http://schemas.openxmlformats.org/drawingml/2006/main" xmlns:r="http://schemas.openxmlformats.org/officeDocument/2006/relationships" xmlns:p="http://schemas.openxmlformats.org/presentationml/2006/main">
+  <p:cSld>
+    <p:spTree>
+      <p:nvGrpSpPr>
+        <p:cNvPr id="1" name=""/>
+        <p:cNvGrpSpPr/>
+        <p:nvPr/>
+      </p:nvGrpSpPr>
+      <p:grpSpPr>
+        <a:xfrm>
+          <a:off x="0" y="0"/>
+          <a:ext cx="0" cy="0"/>
+          <a:chOff x="0" y="0"/>
+          <a:chExt cx="0" cy="0"/>
+        </a:xfrm>
+      </p:grpSpPr>
+      <p:sp>
+        <p:nvSpPr>
+          <p:cNvPr id="2" name="Slide Image Placeholder 1"/>
+          <p:cNvSpPr>
+            <a:spLocks noGrp="1" noRot="1" noChangeAspect="1"/>
+          </p:cNvSpPr>
+          <p:nvPr>
+            <p:ph type="sldImg"/>
+          </p:nvPr>
+        </p:nvSpPr>
+        <p:spPr/>
+      </p:sp>
+      <p:sp>
+        <p:nvSpPr>
+          <p:cNvPr id="3" name="Notes Placeholder 2"/>
+          <p:cNvSpPr>
+            <a:spLocks noGrp="1"/>
+          </p:cNvSpPr>
+          <p:nvPr>
+            <p:ph type="body" idx="1"/>
+          </p:nvPr>
+        </p:nvSpPr>
+        <p:spPr/>
+        <p:txBody>
+          <a:bodyPr/>
+          <a:lstStyle/>
+          <a:p>
+            <a:endParaRPr lang="en-US" dirty="0"/>
+          </a:p>
+        </p:txBody>
+      </p:sp>
+      <p:sp>
+        <p:nvSpPr>
+          <p:cNvPr id="6" name="Slide Number Placeholder 5">
+            <a:extLst>
+              <a:ext uri="{FF2B5EF4-FFF2-40B4-BE49-F238E27FC236}">
+                <a16:creationId xmlns:a16="http://schemas.microsoft.com/office/drawing/2014/main" id="{6627548A-4D3C-449B-81A5-FA4BE4628490}"/>
+              </a:ext>
+            </a:extLst>
+          </p:cNvPr>
+          <p:cNvSpPr txBox="1">
+            <a:spLocks/>
+          </p:cNvSpPr>
+          <p:nvPr/>
+        </p:nvSpPr>
+        <p:spPr>
+          <a:xfrm>
+            <a:off x="6488999" y="8847000"/>
+            <a:ext cx="367414" cy="297000"/>
+          </a:xfrm>
+          <a:prstGeom prst="rect">
+            <a:avLst/>
+          </a:prstGeom>
+        </p:spPr>
+        <p:txBody>
+          <a:bodyPr vert="horz" lIns="91440" tIns="45720" rIns="91440" bIns="45720" rtlCol="0" anchor="b"/>
+          <a:lstStyle>
+            <a:defPPr>
+              <a:defRPr lang="en-US"/>
+            </a:defPPr>
+            <a:lvl1pPr marL="0" algn="r" defTabSz="914400" rtl="0" eaLnBrk="1" latinLnBrk="0" hangingPunct="1">
+              <a:defRPr sz="1200" kern="1200">
+                <a:solidFill>
+                  <a:schemeClr val="tx1"/>
+                </a:solidFill>
+                <a:latin typeface="+mn-lt"/>
+                <a:ea typeface="+mn-ea"/>
+                <a:cs typeface="+mn-cs"/>
+              </a:defRPr>
+            </a:lvl1pPr>
+            <a:lvl2pPr marL="457200" algn="l" defTabSz="914400" rtl="0" eaLnBrk="1" latinLnBrk="0" hangingPunct="1">
+              <a:defRPr sz="1800" kern="1200">
+                <a:solidFill>
+                  <a:schemeClr val="tx1"/>
+                </a:solidFill>
+                <a:latin typeface="+mn-lt"/>
+                <a:ea typeface="+mn-ea"/>
+                <a:cs typeface="+mn-cs"/>
+              </a:defRPr>
+            </a:lvl2pPr>
+            <a:lvl3pPr marL="914400" algn="l" defTabSz="914400" rtl="0" eaLnBrk="1" latinLnBrk="0" hangingPunct="1">
+              <a:defRPr sz="1800" kern="1200">
+                <a:solidFill>
+                  <a:schemeClr val="tx1"/>
+                </a:solidFill>
+                <a:latin typeface="+mn-lt"/>
+                <a:ea typeface="+mn-ea"/>
+                <a:cs typeface="+mn-cs"/>
+              </a:defRPr>
+            </a:lvl3pPr>
+            <a:lvl4pPr marL="1371600" algn="l" defTabSz="914400" rtl="0" eaLnBrk="1" latinLnBrk="0" hangingPunct="1">
+              <a:defRPr sz="1800" kern="1200">
+                <a:solidFill>
+                  <a:schemeClr val="tx1"/>
+                </a:solidFill>
+                <a:latin typeface="+mn-lt"/>
+                <a:ea typeface="+mn-ea"/>
+                <a:cs typeface="+mn-cs"/>
+              </a:defRPr>
+            </a:lvl4pPr>
+            <a:lvl5pPr marL="1828800" algn="l" defTabSz="914400" rtl="0" eaLnBrk="1" latinLnBrk="0" hangingPunct="1">
+              <a:defRPr sz="1800" kern="1200">
+                <a:solidFill>
+                  <a:schemeClr val="tx1"/>
+                </a:solidFill>
+                <a:latin typeface="+mn-lt"/>
+                <a:ea typeface="+mn-ea"/>
+                <a:cs typeface="+mn-cs"/>
+              </a:defRPr>
+            </a:lvl5pPr>
+            <a:lvl6pPr marL="2286000" algn="l" defTabSz="914400" rtl="0" eaLnBrk="1" latinLnBrk="0" hangingPunct="1">
+              <a:defRPr sz="1800" kern="1200">
+                <a:solidFill>
+                  <a:schemeClr val="tx1"/>
+                </a:solidFill>
+                <a:latin typeface="+mn-lt"/>
+                <a:ea typeface="+mn-ea"/>
+                <a:cs typeface="+mn-cs"/>
+              </a:defRPr>
+            </a:lvl6pPr>
+            <a:lvl7pPr marL="2743200" algn="l" defTabSz="914400" rtl="0" eaLnBrk="1" latinLnBrk="0" hangingPunct="1">
+              <a:defRPr sz="1800" kern="1200">
+                <a:solidFill>
+                  <a:schemeClr val="tx1"/>
+                </a:solidFill>
+                <a:latin typeface="+mn-lt"/>
+                <a:ea typeface="+mn-ea"/>
+                <a:cs typeface="+mn-cs"/>
+              </a:defRPr>
+            </a:lvl7pPr>
+            <a:lvl8pPr marL="3200400" algn="l" defTabSz="914400" rtl="0" eaLnBrk="1" latinLnBrk="0" hangingPunct="1">
+              <a:defRPr sz="1800" kern="1200">
+                <a:solidFill>
+                  <a:schemeClr val="tx1"/>
+                </a:solidFill>
+                <a:latin typeface="+mn-lt"/>
+                <a:ea typeface="+mn-ea"/>
+                <a:cs typeface="+mn-cs"/>
+              </a:defRPr>
+            </a:lvl8pPr>
+            <a:lvl9pPr marL="3657600" algn="l" defTabSz="914400" rtl="0" eaLnBrk="1" latinLnBrk="0" hangingPunct="1">
+              <a:defRPr sz="1800" kern="1200">
+                <a:solidFill>
+                  <a:schemeClr val="tx1"/>
+                </a:solidFill>
+                <a:latin typeface="+mn-lt"/>
+                <a:ea typeface="+mn-ea"/>
+                <a:cs typeface="+mn-cs"/>
+              </a:defRPr>
+            </a:lvl9pPr>
+          </a:lstStyle>
+          <a:p>
+            <a:fld id="{3EBA5BD7-F043-4D1B-AA17-CD412FC534DE}" type="slidenum">
+              <a:rPr lang="en-US" smtClean="0"/>
+              <a:pPr/>
+              <a:t>34</a:t>
+            </a:fld>
+            <a:endParaRPr lang="en-US" dirty="0"/>
+          </a:p>
+        </p:txBody>
+      </p:sp>
+      <p:sp>
+        <p:nvSpPr>
+          <p:cNvPr id="7" name="Footer Placeholder 7">
+            <a:extLst>
+              <a:ext uri="{FF2B5EF4-FFF2-40B4-BE49-F238E27FC236}">
+                <a16:creationId xmlns:a16="http://schemas.microsoft.com/office/drawing/2014/main" id="{6440DE1F-FF39-450B-9BB2-FD91A9B92021}"/>
+              </a:ext>
+            </a:extLst>
+          </p:cNvPr>
+          <p:cNvSpPr>
+            <a:spLocks noGrp="1"/>
+          </p:cNvSpPr>
+          <p:nvPr>
+            <p:ph type="ftr" sz="quarter" idx="4"/>
+          </p:nvPr>
+        </p:nvSpPr>
+        <p:spPr>
+          <a:xfrm>
+            <a:off x="-1" y="8847000"/>
+            <a:ext cx="6488999" cy="297000"/>
+          </a:xfrm>
+          <a:prstGeom prst="rect">
+            <a:avLst/>
+          </a:prstGeom>
+        </p:spPr>
+        <p:txBody>
+          <a:bodyPr vert="horz" lIns="91440" tIns="45720" rIns="91440" bIns="45720" rtlCol="0" anchor="b"/>
+          <a:lstStyle>
+            <a:lvl1pPr algn="l">
+              <a:defRPr sz="1100"/>
+            </a:lvl1pPr>
+          </a:lstStyle>
+          <a:p>
+            <a:r>
+              <a:rPr lang="en-US" dirty="0"/>
+              <a:t>© SoftUni – </a:t>
+            </a:r>
+            <a:r>
+              <a:rPr lang="en-US" u="sng" dirty="0">
+                <a:hlinkClick r:id="rId3"/>
+              </a:rPr>
+              <a:t>https://softuni.org</a:t>
+            </a:r>
+            <a:r>
+              <a:rPr lang="en-US" dirty="0"/>
+              <a:t>. Copyrighted document. Unauthorized copy or reproduction is not permitted.</a:t>
+            </a:r>
+          </a:p>
+        </p:txBody>
+      </p:sp>
+    </p:spTree>
+    <p:extLst>
+      <p:ext uri="{BB962C8B-B14F-4D97-AF65-F5344CB8AC3E}">
+        <p14:creationId xmlns:p14="http://schemas.microsoft.com/office/powerpoint/2010/main" val="2767550425"/>
+      </p:ext>
+    </p:extLst>
+  </p:cSld>
+  <p:clrMapOvr>
+    <a:masterClrMapping/>
+  </p:clrMapOvr>
+</p:notes>
+</file>
+
 <file path=ppt/notesSlides/notesSlide2.xml><?xml version="1.0" encoding="utf-8"?>
 <p:notes xmlns:a="http://schemas.openxmlformats.org/drawingml/2006/main" xmlns:r="http://schemas.openxmlformats.org/officeDocument/2006/relationships" xmlns:p="http://schemas.openxmlformats.org/presentationml/2006/main">
   <p:cSld>
@@ -1072,7 +1313,7 @@
           <a:bodyPr/>
           <a:lstStyle/>
           <a:p>
-            <a:endParaRPr lang="en-US" dirty="0"/>
+            <a:endParaRPr lang="en-BG" dirty="0"/>
           </a:p>
         </p:txBody>
       </p:sp>
@@ -1083,7 +1324,7 @@
             <a:spLocks noGrp="1"/>
           </p:cNvSpPr>
           <p:nvPr>
-            <p:ph type="sldNum" sz="quarter" idx="10"/>
+            <p:ph type="sldNum" sz="quarter" idx="5"/>
           </p:nvPr>
         </p:nvSpPr>
         <p:spPr/>
@@ -1091,10 +1332,9 @@
           <a:bodyPr/>
           <a:lstStyle/>
           <a:p>
-            <a:fld id="{3EBA5BD7-F043-4D1B-AA17-CD412FC534DE}" type="slidenum">
+            <a:fld id="{2BF067CD-8E6B-4360-9AA8-C5DF2A48A6D1}" type="slidenum">
               <a:rPr lang="en-US" smtClean="0"/>
-              <a:pPr/>
-              <a:t>12</a:t>
+              <a:t>5</a:t>
             </a:fld>
             <a:endParaRPr lang="en-US" dirty="0"/>
           </a:p>
@@ -1102,13 +1342,7 @@
       </p:sp>
       <p:sp>
         <p:nvSpPr>
-          <p:cNvPr id="7" name="Footer Placeholder 7">
-            <a:extLst>
-              <a:ext uri="{FF2B5EF4-FFF2-40B4-BE49-F238E27FC236}">
-                <a16:creationId xmlns:a16="http://schemas.microsoft.com/office/drawing/2014/main" id="{4D9503B3-D998-410D-83C6-D0E086C182D4}"/>
-              </a:ext>
-            </a:extLst>
-          </p:cNvPr>
+          <p:cNvPr id="5" name="Footer Placeholder 4"/>
           <p:cNvSpPr>
             <a:spLocks noGrp="1"/>
           </p:cNvSpPr>
@@ -1116,44 +1350,33 @@
             <p:ph type="ftr" sz="quarter" idx="4"/>
           </p:nvPr>
         </p:nvSpPr>
-        <p:spPr>
-          <a:xfrm>
-            <a:off x="-1" y="8847000"/>
-            <a:ext cx="6488999" cy="297000"/>
-          </a:xfrm>
-          <a:prstGeom prst="rect">
-            <a:avLst/>
-          </a:prstGeom>
-        </p:spPr>
+        <p:spPr/>
         <p:txBody>
-          <a:bodyPr vert="horz" lIns="91440" tIns="45720" rIns="91440" bIns="45720" rtlCol="0" anchor="b"/>
-          <a:lstStyle>
-            <a:lvl1pPr algn="l">
-              <a:defRPr sz="1100"/>
-            </a:lvl1pPr>
-          </a:lstStyle>
-          <a:p>
-            <a:r>
-              <a:rPr lang="en-US" dirty="0"/>
+          <a:bodyPr/>
+          <a:lstStyle/>
+          <a:p>
+            <a:r>
+              <a:rPr lang="en-US"/>
               <a:t>© SoftUni – </a:t>
             </a:r>
             <a:r>
-              <a:rPr lang="en-US" u="sng" dirty="0">
+              <a:rPr lang="en-US" u="sng">
                 <a:hlinkClick r:id="rId3"/>
               </a:rPr>
               <a:t>https://softuni.org</a:t>
             </a:r>
             <a:r>
-              <a:rPr lang="en-US" dirty="0"/>
+              <a:rPr lang="en-US"/>
               <a:t>. Copyrighted document. Unauthorized copy or reproduction is not permitted.</a:t>
             </a:r>
+            <a:endParaRPr lang="en-US" dirty="0"/>
           </a:p>
         </p:txBody>
       </p:sp>
     </p:spTree>
     <p:extLst>
       <p:ext uri="{BB962C8B-B14F-4D97-AF65-F5344CB8AC3E}">
-        <p14:creationId xmlns:p14="http://schemas.microsoft.com/office/powerpoint/2010/main" val="4120256951"/>
+        <p14:creationId xmlns:p14="http://schemas.microsoft.com/office/powerpoint/2010/main" val="2225743327"/>
       </p:ext>
     </p:extLst>
   </p:cSld>
@@ -1213,12 +1436,12 @@
       </p:sp>
       <p:sp>
         <p:nvSpPr>
-          <p:cNvPr id="5" name="Slide Number Placeholder 4"/>
+          <p:cNvPr id="4" name="Slide Number Placeholder 3"/>
           <p:cNvSpPr>
             <a:spLocks noGrp="1"/>
           </p:cNvSpPr>
           <p:nvPr>
-            <p:ph type="sldNum" sz="quarter" idx="11"/>
+            <p:ph type="sldNum" sz="quarter" idx="10"/>
           </p:nvPr>
         </p:nvSpPr>
         <p:spPr/>
@@ -1229,7 +1452,7 @@
             <a:fld id="{3EBA5BD7-F043-4D1B-AA17-CD412FC534DE}" type="slidenum">
               <a:rPr lang="en-US" smtClean="0"/>
               <a:pPr/>
-              <a:t>32</a:t>
+              <a:t>12</a:t>
             </a:fld>
             <a:endParaRPr lang="en-US" dirty="0"/>
           </a:p>
@@ -1240,7 +1463,7 @@
           <p:cNvPr id="7" name="Footer Placeholder 7">
             <a:extLst>
               <a:ext uri="{FF2B5EF4-FFF2-40B4-BE49-F238E27FC236}">
-                <a16:creationId xmlns:a16="http://schemas.microsoft.com/office/drawing/2014/main" id="{6C725822-1B63-461E-8723-7F2F33DCD7AB}"/>
+                <a16:creationId xmlns:a16="http://schemas.microsoft.com/office/drawing/2014/main" id="{4D9503B3-D998-410D-83C6-D0E086C182D4}"/>
               </a:ext>
             </a:extLst>
           </p:cNvPr>
@@ -1288,7 +1511,7 @@
     </p:spTree>
     <p:extLst>
       <p:ext uri="{BB962C8B-B14F-4D97-AF65-F5344CB8AC3E}">
-        <p14:creationId xmlns:p14="http://schemas.microsoft.com/office/powerpoint/2010/main" val="699886575"/>
+        <p14:creationId xmlns:p14="http://schemas.microsoft.com/office/powerpoint/2010/main" val="4120256951"/>
       </p:ext>
     </p:extLst>
   </p:cSld>
@@ -1342,135 +1565,28 @@
           <a:bodyPr/>
           <a:lstStyle/>
           <a:p>
-            <a:endParaRPr lang="en-US" dirty="0"/>
+            <a:endParaRPr lang="en-BG" dirty="0"/>
           </a:p>
         </p:txBody>
       </p:sp>
       <p:sp>
         <p:nvSpPr>
-          <p:cNvPr id="7" name="Slide Number Placeholder 5">
-            <a:extLst>
-              <a:ext uri="{FF2B5EF4-FFF2-40B4-BE49-F238E27FC236}">
-                <a16:creationId xmlns:a16="http://schemas.microsoft.com/office/drawing/2014/main" id="{5049B984-F964-47FF-8179-0A3007CE21CD}"/>
-              </a:ext>
-            </a:extLst>
-          </p:cNvPr>
-          <p:cNvSpPr txBox="1">
-            <a:spLocks/>
+          <p:cNvPr id="4" name="Slide Number Placeholder 3"/>
+          <p:cNvSpPr>
+            <a:spLocks noGrp="1"/>
           </p:cNvSpPr>
-          <p:nvPr/>
+          <p:nvPr>
+            <p:ph type="sldNum" sz="quarter" idx="5"/>
+          </p:nvPr>
         </p:nvSpPr>
-        <p:spPr>
-          <a:xfrm>
-            <a:off x="6488999" y="8847000"/>
-            <a:ext cx="367414" cy="297000"/>
-          </a:xfrm>
-          <a:prstGeom prst="rect">
-            <a:avLst/>
-          </a:prstGeom>
-        </p:spPr>
+        <p:spPr/>
         <p:txBody>
-          <a:bodyPr vert="horz" lIns="91440" tIns="45720" rIns="91440" bIns="45720" rtlCol="0" anchor="b"/>
-          <a:lstStyle>
-            <a:defPPr>
-              <a:defRPr lang="en-US"/>
-            </a:defPPr>
-            <a:lvl1pPr marL="0" algn="r" defTabSz="914400" rtl="0" eaLnBrk="1" latinLnBrk="0" hangingPunct="1">
-              <a:defRPr sz="1200" kern="1200">
-                <a:solidFill>
-                  <a:schemeClr val="tx1"/>
-                </a:solidFill>
-                <a:latin typeface="+mn-lt"/>
-                <a:ea typeface="+mn-ea"/>
-                <a:cs typeface="+mn-cs"/>
-              </a:defRPr>
-            </a:lvl1pPr>
-            <a:lvl2pPr marL="457200" algn="l" defTabSz="914400" rtl="0" eaLnBrk="1" latinLnBrk="0" hangingPunct="1">
-              <a:defRPr sz="1800" kern="1200">
-                <a:solidFill>
-                  <a:schemeClr val="tx1"/>
-                </a:solidFill>
-                <a:latin typeface="+mn-lt"/>
-                <a:ea typeface="+mn-ea"/>
-                <a:cs typeface="+mn-cs"/>
-              </a:defRPr>
-            </a:lvl2pPr>
-            <a:lvl3pPr marL="914400" algn="l" defTabSz="914400" rtl="0" eaLnBrk="1" latinLnBrk="0" hangingPunct="1">
-              <a:defRPr sz="1800" kern="1200">
-                <a:solidFill>
-                  <a:schemeClr val="tx1"/>
-                </a:solidFill>
-                <a:latin typeface="+mn-lt"/>
-                <a:ea typeface="+mn-ea"/>
-                <a:cs typeface="+mn-cs"/>
-              </a:defRPr>
-            </a:lvl3pPr>
-            <a:lvl4pPr marL="1371600" algn="l" defTabSz="914400" rtl="0" eaLnBrk="1" latinLnBrk="0" hangingPunct="1">
-              <a:defRPr sz="1800" kern="1200">
-                <a:solidFill>
-                  <a:schemeClr val="tx1"/>
-                </a:solidFill>
-                <a:latin typeface="+mn-lt"/>
-                <a:ea typeface="+mn-ea"/>
-                <a:cs typeface="+mn-cs"/>
-              </a:defRPr>
-            </a:lvl4pPr>
-            <a:lvl5pPr marL="1828800" algn="l" defTabSz="914400" rtl="0" eaLnBrk="1" latinLnBrk="0" hangingPunct="1">
-              <a:defRPr sz="1800" kern="1200">
-                <a:solidFill>
-                  <a:schemeClr val="tx1"/>
-                </a:solidFill>
-                <a:latin typeface="+mn-lt"/>
-                <a:ea typeface="+mn-ea"/>
-                <a:cs typeface="+mn-cs"/>
-              </a:defRPr>
-            </a:lvl5pPr>
-            <a:lvl6pPr marL="2286000" algn="l" defTabSz="914400" rtl="0" eaLnBrk="1" latinLnBrk="0" hangingPunct="1">
-              <a:defRPr sz="1800" kern="1200">
-                <a:solidFill>
-                  <a:schemeClr val="tx1"/>
-                </a:solidFill>
-                <a:latin typeface="+mn-lt"/>
-                <a:ea typeface="+mn-ea"/>
-                <a:cs typeface="+mn-cs"/>
-              </a:defRPr>
-            </a:lvl6pPr>
-            <a:lvl7pPr marL="2743200" algn="l" defTabSz="914400" rtl="0" eaLnBrk="1" latinLnBrk="0" hangingPunct="1">
-              <a:defRPr sz="1800" kern="1200">
-                <a:solidFill>
-                  <a:schemeClr val="tx1"/>
-                </a:solidFill>
-                <a:latin typeface="+mn-lt"/>
-                <a:ea typeface="+mn-ea"/>
-                <a:cs typeface="+mn-cs"/>
-              </a:defRPr>
-            </a:lvl7pPr>
-            <a:lvl8pPr marL="3200400" algn="l" defTabSz="914400" rtl="0" eaLnBrk="1" latinLnBrk="0" hangingPunct="1">
-              <a:defRPr sz="1800" kern="1200">
-                <a:solidFill>
-                  <a:schemeClr val="tx1"/>
-                </a:solidFill>
-                <a:latin typeface="+mn-lt"/>
-                <a:ea typeface="+mn-ea"/>
-                <a:cs typeface="+mn-cs"/>
-              </a:defRPr>
-            </a:lvl8pPr>
-            <a:lvl9pPr marL="3657600" algn="l" defTabSz="914400" rtl="0" eaLnBrk="1" latinLnBrk="0" hangingPunct="1">
-              <a:defRPr sz="1800" kern="1200">
-                <a:solidFill>
-                  <a:schemeClr val="tx1"/>
-                </a:solidFill>
-                <a:latin typeface="+mn-lt"/>
-                <a:ea typeface="+mn-ea"/>
-                <a:cs typeface="+mn-cs"/>
-              </a:defRPr>
-            </a:lvl9pPr>
-          </a:lstStyle>
-          <a:p>
-            <a:fld id="{3EBA5BD7-F043-4D1B-AA17-CD412FC534DE}" type="slidenum">
+          <a:bodyPr/>
+          <a:lstStyle/>
+          <a:p>
+            <a:fld id="{2BF067CD-8E6B-4360-9AA8-C5DF2A48A6D1}" type="slidenum">
               <a:rPr lang="en-US" smtClean="0"/>
-              <a:pPr/>
-              <a:t>33</a:t>
+              <a:t>14</a:t>
             </a:fld>
             <a:endParaRPr lang="en-US" dirty="0"/>
           </a:p>
@@ -1478,13 +1594,7 @@
       </p:sp>
       <p:sp>
         <p:nvSpPr>
-          <p:cNvPr id="6" name="Footer Placeholder 7">
-            <a:extLst>
-              <a:ext uri="{FF2B5EF4-FFF2-40B4-BE49-F238E27FC236}">
-                <a16:creationId xmlns:a16="http://schemas.microsoft.com/office/drawing/2014/main" id="{9CFE5E97-8D68-4134-8407-17031A0C4EE4}"/>
-              </a:ext>
-            </a:extLst>
-          </p:cNvPr>
+          <p:cNvPr id="5" name="Footer Placeholder 4"/>
           <p:cNvSpPr>
             <a:spLocks noGrp="1"/>
           </p:cNvSpPr>
@@ -1492,44 +1602,33 @@
             <p:ph type="ftr" sz="quarter" idx="4"/>
           </p:nvPr>
         </p:nvSpPr>
-        <p:spPr>
-          <a:xfrm>
-            <a:off x="-1" y="8847000"/>
-            <a:ext cx="6488999" cy="297000"/>
-          </a:xfrm>
-          <a:prstGeom prst="rect">
-            <a:avLst/>
-          </a:prstGeom>
-        </p:spPr>
+        <p:spPr/>
         <p:txBody>
-          <a:bodyPr vert="horz" lIns="91440" tIns="45720" rIns="91440" bIns="45720" rtlCol="0" anchor="b"/>
-          <a:lstStyle>
-            <a:lvl1pPr algn="l">
-              <a:defRPr sz="1100"/>
-            </a:lvl1pPr>
-          </a:lstStyle>
-          <a:p>
-            <a:r>
-              <a:rPr lang="en-US" dirty="0"/>
+          <a:bodyPr/>
+          <a:lstStyle/>
+          <a:p>
+            <a:r>
+              <a:rPr lang="en-US"/>
               <a:t>© SoftUni – </a:t>
             </a:r>
             <a:r>
-              <a:rPr lang="en-US" u="sng" dirty="0">
+              <a:rPr lang="en-US" u="sng">
                 <a:hlinkClick r:id="rId3"/>
               </a:rPr>
               <a:t>https://softuni.org</a:t>
             </a:r>
             <a:r>
-              <a:rPr lang="en-US" dirty="0"/>
+              <a:rPr lang="en-US"/>
               <a:t>. Copyrighted document. Unauthorized copy or reproduction is not permitted.</a:t>
             </a:r>
+            <a:endParaRPr lang="en-US" dirty="0"/>
           </a:p>
         </p:txBody>
       </p:sp>
     </p:spTree>
     <p:extLst>
       <p:ext uri="{BB962C8B-B14F-4D97-AF65-F5344CB8AC3E}">
-        <p14:creationId xmlns:p14="http://schemas.microsoft.com/office/powerpoint/2010/main" val="93676303"/>
+        <p14:creationId xmlns:p14="http://schemas.microsoft.com/office/powerpoint/2010/main" val="2903165907"/>
       </p:ext>
     </p:extLst>
   </p:cSld>
@@ -1583,135 +1682,263 @@
           <a:bodyPr/>
           <a:lstStyle/>
           <a:p>
-            <a:endParaRPr lang="en-US" dirty="0"/>
+            <a:endParaRPr lang="en-BG" dirty="0"/>
           </a:p>
         </p:txBody>
       </p:sp>
       <p:sp>
         <p:nvSpPr>
-          <p:cNvPr id="6" name="Slide Number Placeholder 5">
-            <a:extLst>
-              <a:ext uri="{FF2B5EF4-FFF2-40B4-BE49-F238E27FC236}">
-                <a16:creationId xmlns:a16="http://schemas.microsoft.com/office/drawing/2014/main" id="{6627548A-4D3C-449B-81A5-FA4BE4628490}"/>
-              </a:ext>
-            </a:extLst>
-          </p:cNvPr>
-          <p:cNvSpPr txBox="1">
-            <a:spLocks/>
+          <p:cNvPr id="4" name="Slide Number Placeholder 3"/>
+          <p:cNvSpPr>
+            <a:spLocks noGrp="1"/>
           </p:cNvSpPr>
-          <p:nvPr/>
+          <p:nvPr>
+            <p:ph type="sldNum" sz="quarter" idx="5"/>
+          </p:nvPr>
         </p:nvSpPr>
-        <p:spPr>
-          <a:xfrm>
-            <a:off x="6488999" y="8847000"/>
-            <a:ext cx="367414" cy="297000"/>
-          </a:xfrm>
-          <a:prstGeom prst="rect">
-            <a:avLst/>
-          </a:prstGeom>
-        </p:spPr>
+        <p:spPr/>
         <p:txBody>
-          <a:bodyPr vert="horz" lIns="91440" tIns="45720" rIns="91440" bIns="45720" rtlCol="0" anchor="b"/>
-          <a:lstStyle>
-            <a:defPPr>
-              <a:defRPr lang="en-US"/>
-            </a:defPPr>
-            <a:lvl1pPr marL="0" algn="r" defTabSz="914400" rtl="0" eaLnBrk="1" latinLnBrk="0" hangingPunct="1">
-              <a:defRPr sz="1200" kern="1200">
-                <a:solidFill>
-                  <a:schemeClr val="tx1"/>
-                </a:solidFill>
-                <a:latin typeface="+mn-lt"/>
-                <a:ea typeface="+mn-ea"/>
-                <a:cs typeface="+mn-cs"/>
-              </a:defRPr>
-            </a:lvl1pPr>
-            <a:lvl2pPr marL="457200" algn="l" defTabSz="914400" rtl="0" eaLnBrk="1" latinLnBrk="0" hangingPunct="1">
-              <a:defRPr sz="1800" kern="1200">
-                <a:solidFill>
-                  <a:schemeClr val="tx1"/>
-                </a:solidFill>
-                <a:latin typeface="+mn-lt"/>
-                <a:ea typeface="+mn-ea"/>
-                <a:cs typeface="+mn-cs"/>
-              </a:defRPr>
-            </a:lvl2pPr>
-            <a:lvl3pPr marL="914400" algn="l" defTabSz="914400" rtl="0" eaLnBrk="1" latinLnBrk="0" hangingPunct="1">
-              <a:defRPr sz="1800" kern="1200">
-                <a:solidFill>
-                  <a:schemeClr val="tx1"/>
-                </a:solidFill>
-                <a:latin typeface="+mn-lt"/>
-                <a:ea typeface="+mn-ea"/>
-                <a:cs typeface="+mn-cs"/>
-              </a:defRPr>
-            </a:lvl3pPr>
-            <a:lvl4pPr marL="1371600" algn="l" defTabSz="914400" rtl="0" eaLnBrk="1" latinLnBrk="0" hangingPunct="1">
-              <a:defRPr sz="1800" kern="1200">
-                <a:solidFill>
-                  <a:schemeClr val="tx1"/>
-                </a:solidFill>
-                <a:latin typeface="+mn-lt"/>
-                <a:ea typeface="+mn-ea"/>
-                <a:cs typeface="+mn-cs"/>
-              </a:defRPr>
-            </a:lvl4pPr>
-            <a:lvl5pPr marL="1828800" algn="l" defTabSz="914400" rtl="0" eaLnBrk="1" latinLnBrk="0" hangingPunct="1">
-              <a:defRPr sz="1800" kern="1200">
-                <a:solidFill>
-                  <a:schemeClr val="tx1"/>
-                </a:solidFill>
-                <a:latin typeface="+mn-lt"/>
-                <a:ea typeface="+mn-ea"/>
-                <a:cs typeface="+mn-cs"/>
-              </a:defRPr>
-            </a:lvl5pPr>
-            <a:lvl6pPr marL="2286000" algn="l" defTabSz="914400" rtl="0" eaLnBrk="1" latinLnBrk="0" hangingPunct="1">
-              <a:defRPr sz="1800" kern="1200">
-                <a:solidFill>
-                  <a:schemeClr val="tx1"/>
-                </a:solidFill>
-                <a:latin typeface="+mn-lt"/>
-                <a:ea typeface="+mn-ea"/>
-                <a:cs typeface="+mn-cs"/>
-              </a:defRPr>
-            </a:lvl6pPr>
-            <a:lvl7pPr marL="2743200" algn="l" defTabSz="914400" rtl="0" eaLnBrk="1" latinLnBrk="0" hangingPunct="1">
-              <a:defRPr sz="1800" kern="1200">
-                <a:solidFill>
-                  <a:schemeClr val="tx1"/>
-                </a:solidFill>
-                <a:latin typeface="+mn-lt"/>
-                <a:ea typeface="+mn-ea"/>
-                <a:cs typeface="+mn-cs"/>
-              </a:defRPr>
-            </a:lvl7pPr>
-            <a:lvl8pPr marL="3200400" algn="l" defTabSz="914400" rtl="0" eaLnBrk="1" latinLnBrk="0" hangingPunct="1">
-              <a:defRPr sz="1800" kern="1200">
-                <a:solidFill>
-                  <a:schemeClr val="tx1"/>
-                </a:solidFill>
-                <a:latin typeface="+mn-lt"/>
-                <a:ea typeface="+mn-ea"/>
-                <a:cs typeface="+mn-cs"/>
-              </a:defRPr>
-            </a:lvl8pPr>
-            <a:lvl9pPr marL="3657600" algn="l" defTabSz="914400" rtl="0" eaLnBrk="1" latinLnBrk="0" hangingPunct="1">
-              <a:defRPr sz="1800" kern="1200">
-                <a:solidFill>
-                  <a:schemeClr val="tx1"/>
-                </a:solidFill>
-                <a:latin typeface="+mn-lt"/>
-                <a:ea typeface="+mn-ea"/>
-                <a:cs typeface="+mn-cs"/>
-              </a:defRPr>
-            </a:lvl9pPr>
-          </a:lstStyle>
+          <a:bodyPr/>
+          <a:lstStyle/>
+          <a:p>
+            <a:fld id="{2BF067CD-8E6B-4360-9AA8-C5DF2A48A6D1}" type="slidenum">
+              <a:rPr lang="en-US" smtClean="0"/>
+              <a:t>17</a:t>
+            </a:fld>
+            <a:endParaRPr lang="en-US" dirty="0"/>
+          </a:p>
+        </p:txBody>
+      </p:sp>
+      <p:sp>
+        <p:nvSpPr>
+          <p:cNvPr id="5" name="Footer Placeholder 4"/>
+          <p:cNvSpPr>
+            <a:spLocks noGrp="1"/>
+          </p:cNvSpPr>
+          <p:nvPr>
+            <p:ph type="ftr" sz="quarter" idx="4"/>
+          </p:nvPr>
+        </p:nvSpPr>
+        <p:spPr/>
+        <p:txBody>
+          <a:bodyPr/>
+          <a:lstStyle/>
+          <a:p>
+            <a:r>
+              <a:rPr lang="en-US"/>
+              <a:t>© SoftUni – </a:t>
+            </a:r>
+            <a:r>
+              <a:rPr lang="en-US" u="sng">
+                <a:hlinkClick r:id="rId3"/>
+              </a:rPr>
+              <a:t>https://softuni.org</a:t>
+            </a:r>
+            <a:r>
+              <a:rPr lang="en-US"/>
+              <a:t>. Copyrighted document. Unauthorized copy or reproduction is not permitted.</a:t>
+            </a:r>
+            <a:endParaRPr lang="en-US" dirty="0"/>
+          </a:p>
+        </p:txBody>
+      </p:sp>
+    </p:spTree>
+    <p:extLst>
+      <p:ext uri="{BB962C8B-B14F-4D97-AF65-F5344CB8AC3E}">
+        <p14:creationId xmlns:p14="http://schemas.microsoft.com/office/powerpoint/2010/main" val="1841332529"/>
+      </p:ext>
+    </p:extLst>
+  </p:cSld>
+  <p:clrMapOvr>
+    <a:masterClrMapping/>
+  </p:clrMapOvr>
+</p:notes>
+</file>
+
+<file path=ppt/notesSlides/notesSlide7.xml><?xml version="1.0" encoding="utf-8"?>
+<p:notes xmlns:a="http://schemas.openxmlformats.org/drawingml/2006/main" xmlns:r="http://schemas.openxmlformats.org/officeDocument/2006/relationships" xmlns:p="http://schemas.openxmlformats.org/presentationml/2006/main">
+  <p:cSld>
+    <p:spTree>
+      <p:nvGrpSpPr>
+        <p:cNvPr id="1" name=""/>
+        <p:cNvGrpSpPr/>
+        <p:nvPr/>
+      </p:nvGrpSpPr>
+      <p:grpSpPr>
+        <a:xfrm>
+          <a:off x="0" y="0"/>
+          <a:ext cx="0" cy="0"/>
+          <a:chOff x="0" y="0"/>
+          <a:chExt cx="0" cy="0"/>
+        </a:xfrm>
+      </p:grpSpPr>
+      <p:sp>
+        <p:nvSpPr>
+          <p:cNvPr id="2" name="Slide Image Placeholder 1"/>
+          <p:cNvSpPr>
+            <a:spLocks noGrp="1" noRot="1" noChangeAspect="1"/>
+          </p:cNvSpPr>
+          <p:nvPr>
+            <p:ph type="sldImg"/>
+          </p:nvPr>
+        </p:nvSpPr>
+        <p:spPr/>
+      </p:sp>
+      <p:sp>
+        <p:nvSpPr>
+          <p:cNvPr id="3" name="Notes Placeholder 2"/>
+          <p:cNvSpPr>
+            <a:spLocks noGrp="1"/>
+          </p:cNvSpPr>
+          <p:nvPr>
+            <p:ph type="body" idx="1"/>
+          </p:nvPr>
+        </p:nvSpPr>
+        <p:spPr/>
+        <p:txBody>
+          <a:bodyPr/>
+          <a:lstStyle/>
+          <a:p>
+            <a:endParaRPr lang="en-BG" dirty="0"/>
+          </a:p>
+        </p:txBody>
+      </p:sp>
+      <p:sp>
+        <p:nvSpPr>
+          <p:cNvPr id="4" name="Slide Number Placeholder 3"/>
+          <p:cNvSpPr>
+            <a:spLocks noGrp="1"/>
+          </p:cNvSpPr>
+          <p:nvPr>
+            <p:ph type="sldNum" sz="quarter" idx="5"/>
+          </p:nvPr>
+        </p:nvSpPr>
+        <p:spPr/>
+        <p:txBody>
+          <a:bodyPr/>
+          <a:lstStyle/>
+          <a:p>
+            <a:fld id="{2BF067CD-8E6B-4360-9AA8-C5DF2A48A6D1}" type="slidenum">
+              <a:rPr lang="en-US" smtClean="0"/>
+              <a:t>26</a:t>
+            </a:fld>
+            <a:endParaRPr lang="en-US" dirty="0"/>
+          </a:p>
+        </p:txBody>
+      </p:sp>
+      <p:sp>
+        <p:nvSpPr>
+          <p:cNvPr id="5" name="Footer Placeholder 4"/>
+          <p:cNvSpPr>
+            <a:spLocks noGrp="1"/>
+          </p:cNvSpPr>
+          <p:nvPr>
+            <p:ph type="ftr" sz="quarter" idx="4"/>
+          </p:nvPr>
+        </p:nvSpPr>
+        <p:spPr/>
+        <p:txBody>
+          <a:bodyPr/>
+          <a:lstStyle/>
+          <a:p>
+            <a:r>
+              <a:rPr lang="en-US"/>
+              <a:t>© SoftUni – </a:t>
+            </a:r>
+            <a:r>
+              <a:rPr lang="en-US" u="sng">
+                <a:hlinkClick r:id="rId3"/>
+              </a:rPr>
+              <a:t>https://softuni.org</a:t>
+            </a:r>
+            <a:r>
+              <a:rPr lang="en-US"/>
+              <a:t>. Copyrighted document. Unauthorized copy or reproduction is not permitted.</a:t>
+            </a:r>
+            <a:endParaRPr lang="en-US" dirty="0"/>
+          </a:p>
+        </p:txBody>
+      </p:sp>
+    </p:spTree>
+    <p:extLst>
+      <p:ext uri="{BB962C8B-B14F-4D97-AF65-F5344CB8AC3E}">
+        <p14:creationId xmlns:p14="http://schemas.microsoft.com/office/powerpoint/2010/main" val="2374747642"/>
+      </p:ext>
+    </p:extLst>
+  </p:cSld>
+  <p:clrMapOvr>
+    <a:masterClrMapping/>
+  </p:clrMapOvr>
+</p:notes>
+</file>
+
+<file path=ppt/notesSlides/notesSlide8.xml><?xml version="1.0" encoding="utf-8"?>
+<p:notes xmlns:a="http://schemas.openxmlformats.org/drawingml/2006/main" xmlns:r="http://schemas.openxmlformats.org/officeDocument/2006/relationships" xmlns:p="http://schemas.openxmlformats.org/presentationml/2006/main">
+  <p:cSld>
+    <p:spTree>
+      <p:nvGrpSpPr>
+        <p:cNvPr id="1" name=""/>
+        <p:cNvGrpSpPr/>
+        <p:nvPr/>
+      </p:nvGrpSpPr>
+      <p:grpSpPr>
+        <a:xfrm>
+          <a:off x="0" y="0"/>
+          <a:ext cx="0" cy="0"/>
+          <a:chOff x="0" y="0"/>
+          <a:chExt cx="0" cy="0"/>
+        </a:xfrm>
+      </p:grpSpPr>
+      <p:sp>
+        <p:nvSpPr>
+          <p:cNvPr id="2" name="Slide Image Placeholder 1"/>
+          <p:cNvSpPr>
+            <a:spLocks noGrp="1" noRot="1" noChangeAspect="1"/>
+          </p:cNvSpPr>
+          <p:nvPr>
+            <p:ph type="sldImg"/>
+          </p:nvPr>
+        </p:nvSpPr>
+        <p:spPr/>
+      </p:sp>
+      <p:sp>
+        <p:nvSpPr>
+          <p:cNvPr id="3" name="Notes Placeholder 2"/>
+          <p:cNvSpPr>
+            <a:spLocks noGrp="1"/>
+          </p:cNvSpPr>
+          <p:nvPr>
+            <p:ph type="body" idx="1"/>
+          </p:nvPr>
+        </p:nvSpPr>
+        <p:spPr/>
+        <p:txBody>
+          <a:bodyPr/>
+          <a:lstStyle/>
+          <a:p>
+            <a:endParaRPr lang="en-US" dirty="0"/>
+          </a:p>
+        </p:txBody>
+      </p:sp>
+      <p:sp>
+        <p:nvSpPr>
+          <p:cNvPr id="5" name="Slide Number Placeholder 4"/>
+          <p:cNvSpPr>
+            <a:spLocks noGrp="1"/>
+          </p:cNvSpPr>
+          <p:nvPr>
+            <p:ph type="sldNum" sz="quarter" idx="11"/>
+          </p:nvPr>
+        </p:nvSpPr>
+        <p:spPr/>
+        <p:txBody>
+          <a:bodyPr/>
+          <a:lstStyle/>
           <a:p>
             <a:fld id="{3EBA5BD7-F043-4D1B-AA17-CD412FC534DE}" type="slidenum">
               <a:rPr lang="en-US" smtClean="0"/>
               <a:pPr/>
-              <a:t>34</a:t>
+              <a:t>32</a:t>
             </a:fld>
             <a:endParaRPr lang="en-US" dirty="0"/>
           </a:p>
@@ -1722,7 +1949,7 @@
           <p:cNvPr id="7" name="Footer Placeholder 7">
             <a:extLst>
               <a:ext uri="{FF2B5EF4-FFF2-40B4-BE49-F238E27FC236}">
-                <a16:creationId xmlns:a16="http://schemas.microsoft.com/office/drawing/2014/main" id="{6440DE1F-FF39-450B-9BB2-FD91A9B92021}"/>
+                <a16:creationId xmlns:a16="http://schemas.microsoft.com/office/drawing/2014/main" id="{6C725822-1B63-461E-8723-7F2F33DCD7AB}"/>
               </a:ext>
             </a:extLst>
           </p:cNvPr>
@@ -1770,7 +1997,248 @@
     </p:spTree>
     <p:extLst>
       <p:ext uri="{BB962C8B-B14F-4D97-AF65-F5344CB8AC3E}">
-        <p14:creationId xmlns:p14="http://schemas.microsoft.com/office/powerpoint/2010/main" val="2767550425"/>
+        <p14:creationId xmlns:p14="http://schemas.microsoft.com/office/powerpoint/2010/main" val="699886575"/>
+      </p:ext>
+    </p:extLst>
+  </p:cSld>
+  <p:clrMapOvr>
+    <a:masterClrMapping/>
+  </p:clrMapOvr>
+</p:notes>
+</file>
+
+<file path=ppt/notesSlides/notesSlide9.xml><?xml version="1.0" encoding="utf-8"?>
+<p:notes xmlns:a="http://schemas.openxmlformats.org/drawingml/2006/main" xmlns:r="http://schemas.openxmlformats.org/officeDocument/2006/relationships" xmlns:p="http://schemas.openxmlformats.org/presentationml/2006/main">
+  <p:cSld>
+    <p:spTree>
+      <p:nvGrpSpPr>
+        <p:cNvPr id="1" name=""/>
+        <p:cNvGrpSpPr/>
+        <p:nvPr/>
+      </p:nvGrpSpPr>
+      <p:grpSpPr>
+        <a:xfrm>
+          <a:off x="0" y="0"/>
+          <a:ext cx="0" cy="0"/>
+          <a:chOff x="0" y="0"/>
+          <a:chExt cx="0" cy="0"/>
+        </a:xfrm>
+      </p:grpSpPr>
+      <p:sp>
+        <p:nvSpPr>
+          <p:cNvPr id="2" name="Slide Image Placeholder 1"/>
+          <p:cNvSpPr>
+            <a:spLocks noGrp="1" noRot="1" noChangeAspect="1"/>
+          </p:cNvSpPr>
+          <p:nvPr>
+            <p:ph type="sldImg"/>
+          </p:nvPr>
+        </p:nvSpPr>
+        <p:spPr/>
+      </p:sp>
+      <p:sp>
+        <p:nvSpPr>
+          <p:cNvPr id="3" name="Notes Placeholder 2"/>
+          <p:cNvSpPr>
+            <a:spLocks noGrp="1"/>
+          </p:cNvSpPr>
+          <p:nvPr>
+            <p:ph type="body" idx="1"/>
+          </p:nvPr>
+        </p:nvSpPr>
+        <p:spPr/>
+        <p:txBody>
+          <a:bodyPr/>
+          <a:lstStyle/>
+          <a:p>
+            <a:endParaRPr lang="en-US" dirty="0"/>
+          </a:p>
+        </p:txBody>
+      </p:sp>
+      <p:sp>
+        <p:nvSpPr>
+          <p:cNvPr id="7" name="Slide Number Placeholder 5">
+            <a:extLst>
+              <a:ext uri="{FF2B5EF4-FFF2-40B4-BE49-F238E27FC236}">
+                <a16:creationId xmlns:a16="http://schemas.microsoft.com/office/drawing/2014/main" id="{5049B984-F964-47FF-8179-0A3007CE21CD}"/>
+              </a:ext>
+            </a:extLst>
+          </p:cNvPr>
+          <p:cNvSpPr txBox="1">
+            <a:spLocks/>
+          </p:cNvSpPr>
+          <p:nvPr/>
+        </p:nvSpPr>
+        <p:spPr>
+          <a:xfrm>
+            <a:off x="6488999" y="8847000"/>
+            <a:ext cx="367414" cy="297000"/>
+          </a:xfrm>
+          <a:prstGeom prst="rect">
+            <a:avLst/>
+          </a:prstGeom>
+        </p:spPr>
+        <p:txBody>
+          <a:bodyPr vert="horz" lIns="91440" tIns="45720" rIns="91440" bIns="45720" rtlCol="0" anchor="b"/>
+          <a:lstStyle>
+            <a:defPPr>
+              <a:defRPr lang="en-US"/>
+            </a:defPPr>
+            <a:lvl1pPr marL="0" algn="r" defTabSz="914400" rtl="0" eaLnBrk="1" latinLnBrk="0" hangingPunct="1">
+              <a:defRPr sz="1200" kern="1200">
+                <a:solidFill>
+                  <a:schemeClr val="tx1"/>
+                </a:solidFill>
+                <a:latin typeface="+mn-lt"/>
+                <a:ea typeface="+mn-ea"/>
+                <a:cs typeface="+mn-cs"/>
+              </a:defRPr>
+            </a:lvl1pPr>
+            <a:lvl2pPr marL="457200" algn="l" defTabSz="914400" rtl="0" eaLnBrk="1" latinLnBrk="0" hangingPunct="1">
+              <a:defRPr sz="1800" kern="1200">
+                <a:solidFill>
+                  <a:schemeClr val="tx1"/>
+                </a:solidFill>
+                <a:latin typeface="+mn-lt"/>
+                <a:ea typeface="+mn-ea"/>
+                <a:cs typeface="+mn-cs"/>
+              </a:defRPr>
+            </a:lvl2pPr>
+            <a:lvl3pPr marL="914400" algn="l" defTabSz="914400" rtl="0" eaLnBrk="1" latinLnBrk="0" hangingPunct="1">
+              <a:defRPr sz="1800" kern="1200">
+                <a:solidFill>
+                  <a:schemeClr val="tx1"/>
+                </a:solidFill>
+                <a:latin typeface="+mn-lt"/>
+                <a:ea typeface="+mn-ea"/>
+                <a:cs typeface="+mn-cs"/>
+              </a:defRPr>
+            </a:lvl3pPr>
+            <a:lvl4pPr marL="1371600" algn="l" defTabSz="914400" rtl="0" eaLnBrk="1" latinLnBrk="0" hangingPunct="1">
+              <a:defRPr sz="1800" kern="1200">
+                <a:solidFill>
+                  <a:schemeClr val="tx1"/>
+                </a:solidFill>
+                <a:latin typeface="+mn-lt"/>
+                <a:ea typeface="+mn-ea"/>
+                <a:cs typeface="+mn-cs"/>
+              </a:defRPr>
+            </a:lvl4pPr>
+            <a:lvl5pPr marL="1828800" algn="l" defTabSz="914400" rtl="0" eaLnBrk="1" latinLnBrk="0" hangingPunct="1">
+              <a:defRPr sz="1800" kern="1200">
+                <a:solidFill>
+                  <a:schemeClr val="tx1"/>
+                </a:solidFill>
+                <a:latin typeface="+mn-lt"/>
+                <a:ea typeface="+mn-ea"/>
+                <a:cs typeface="+mn-cs"/>
+              </a:defRPr>
+            </a:lvl5pPr>
+            <a:lvl6pPr marL="2286000" algn="l" defTabSz="914400" rtl="0" eaLnBrk="1" latinLnBrk="0" hangingPunct="1">
+              <a:defRPr sz="1800" kern="1200">
+                <a:solidFill>
+                  <a:schemeClr val="tx1"/>
+                </a:solidFill>
+                <a:latin typeface="+mn-lt"/>
+                <a:ea typeface="+mn-ea"/>
+                <a:cs typeface="+mn-cs"/>
+              </a:defRPr>
+            </a:lvl6pPr>
+            <a:lvl7pPr marL="2743200" algn="l" defTabSz="914400" rtl="0" eaLnBrk="1" latinLnBrk="0" hangingPunct="1">
+              <a:defRPr sz="1800" kern="1200">
+                <a:solidFill>
+                  <a:schemeClr val="tx1"/>
+                </a:solidFill>
+                <a:latin typeface="+mn-lt"/>
+                <a:ea typeface="+mn-ea"/>
+                <a:cs typeface="+mn-cs"/>
+              </a:defRPr>
+            </a:lvl7pPr>
+            <a:lvl8pPr marL="3200400" algn="l" defTabSz="914400" rtl="0" eaLnBrk="1" latinLnBrk="0" hangingPunct="1">
+              <a:defRPr sz="1800" kern="1200">
+                <a:solidFill>
+                  <a:schemeClr val="tx1"/>
+                </a:solidFill>
+                <a:latin typeface="+mn-lt"/>
+                <a:ea typeface="+mn-ea"/>
+                <a:cs typeface="+mn-cs"/>
+              </a:defRPr>
+            </a:lvl8pPr>
+            <a:lvl9pPr marL="3657600" algn="l" defTabSz="914400" rtl="0" eaLnBrk="1" latinLnBrk="0" hangingPunct="1">
+              <a:defRPr sz="1800" kern="1200">
+                <a:solidFill>
+                  <a:schemeClr val="tx1"/>
+                </a:solidFill>
+                <a:latin typeface="+mn-lt"/>
+                <a:ea typeface="+mn-ea"/>
+                <a:cs typeface="+mn-cs"/>
+              </a:defRPr>
+            </a:lvl9pPr>
+          </a:lstStyle>
+          <a:p>
+            <a:fld id="{3EBA5BD7-F043-4D1B-AA17-CD412FC534DE}" type="slidenum">
+              <a:rPr lang="en-US" smtClean="0"/>
+              <a:pPr/>
+              <a:t>33</a:t>
+            </a:fld>
+            <a:endParaRPr lang="en-US" dirty="0"/>
+          </a:p>
+        </p:txBody>
+      </p:sp>
+      <p:sp>
+        <p:nvSpPr>
+          <p:cNvPr id="6" name="Footer Placeholder 7">
+            <a:extLst>
+              <a:ext uri="{FF2B5EF4-FFF2-40B4-BE49-F238E27FC236}">
+                <a16:creationId xmlns:a16="http://schemas.microsoft.com/office/drawing/2014/main" id="{9CFE5E97-8D68-4134-8407-17031A0C4EE4}"/>
+              </a:ext>
+            </a:extLst>
+          </p:cNvPr>
+          <p:cNvSpPr>
+            <a:spLocks noGrp="1"/>
+          </p:cNvSpPr>
+          <p:nvPr>
+            <p:ph type="ftr" sz="quarter" idx="4"/>
+          </p:nvPr>
+        </p:nvSpPr>
+        <p:spPr>
+          <a:xfrm>
+            <a:off x="-1" y="8847000"/>
+            <a:ext cx="6488999" cy="297000"/>
+          </a:xfrm>
+          <a:prstGeom prst="rect">
+            <a:avLst/>
+          </a:prstGeom>
+        </p:spPr>
+        <p:txBody>
+          <a:bodyPr vert="horz" lIns="91440" tIns="45720" rIns="91440" bIns="45720" rtlCol="0" anchor="b"/>
+          <a:lstStyle>
+            <a:lvl1pPr algn="l">
+              <a:defRPr sz="1100"/>
+            </a:lvl1pPr>
+          </a:lstStyle>
+          <a:p>
+            <a:r>
+              <a:rPr lang="en-US" dirty="0"/>
+              <a:t>© SoftUni – </a:t>
+            </a:r>
+            <a:r>
+              <a:rPr lang="en-US" u="sng" dirty="0">
+                <a:hlinkClick r:id="rId3"/>
+              </a:rPr>
+              <a:t>https://softuni.org</a:t>
+            </a:r>
+            <a:r>
+              <a:rPr lang="en-US" dirty="0"/>
+              <a:t>. Copyrighted document. Unauthorized copy or reproduction is not permitted.</a:t>
+            </a:r>
+          </a:p>
+        </p:txBody>
+      </p:sp>
+    </p:spTree>
+    <p:extLst>
+      <p:ext uri="{BB962C8B-B14F-4D97-AF65-F5344CB8AC3E}">
+        <p14:creationId xmlns:p14="http://schemas.microsoft.com/office/powerpoint/2010/main" val="93676303"/>
       </p:ext>
     </p:extLst>
   </p:cSld>
@@ -8281,17 +8749,29 @@
           <a:lstStyle/>
           <a:p>
             <a:r>
+              <a:rPr lang="bg-BG" sz="3550" dirty="0"/>
+              <a:t>Множества</a:t>
+            </a:r>
+            <a:r>
               <a:rPr lang="en-US" sz="3550" dirty="0"/>
-              <a:t>Сетове, мулти-речници и </a:t>
-            </a:r>
-            <a:r>
-              <a:rPr lang="en-US" sz="3550" dirty="0">
-                <a:ea typeface="+mn-lt"/>
-                <a:cs typeface="+mn-lt"/>
-              </a:rPr>
-              <a:t>вложени речници</a:t>
-            </a:r>
-            <a:endParaRPr lang="en-US" sz="3550" dirty="0"/>
+              <a:t>, </a:t>
+            </a:r>
+            <a:r>
+              <a:rPr lang="bg-BG" sz="3550" dirty="0"/>
+              <a:t>речници, </a:t>
+            </a:r>
+            <a:r>
+              <a:rPr lang="en-US" sz="3550" dirty="0"/>
+              <a:t>мулти</a:t>
+            </a:r>
+            <a:r>
+              <a:rPr lang="bg-BG" sz="3550" dirty="0"/>
+              <a:t>- и сложни </a:t>
+            </a:r>
+            <a:r>
+              <a:rPr lang="en-US" sz="3550" dirty="0"/>
+              <a:t>речници</a:t>
+            </a:r>
           </a:p>
         </p:txBody>
       </p:sp>
@@ -8313,8 +8793,12 @@
           <a:lstStyle/>
           <a:p>
             <a:r>
+              <a:rPr lang="bg-BG" sz="4750" dirty="0"/>
+              <a:t>Множества</a:t>
+            </a:r>
+            <a:r>
               <a:rPr lang="en-US" sz="4750" dirty="0"/>
-              <a:t>Сетове и речници</a:t>
+              <a:t> и речници</a:t>
             </a:r>
           </a:p>
         </p:txBody>
@@ -8542,25 +9026,30 @@
             <p:ph type="title"/>
           </p:nvPr>
         </p:nvSpPr>
-        <p:spPr/>
+        <p:spPr>
+          <a:xfrm>
+            <a:off x="111000" y="100750"/>
+            <a:ext cx="9820594" cy="882654"/>
+          </a:xfrm>
+        </p:spPr>
         <p:txBody>
           <a:bodyPr>
-            <a:normAutofit fontScale="90000"/>
+            <a:noAutofit/>
           </a:bodyPr>
           <a:lstStyle/>
           <a:p>
             <a:r>
-              <a:rPr lang="en-US" sz="3950" dirty="0"/>
+              <a:rPr lang="en-US" sz="4000" dirty="0"/>
               <a:t>Решение: </a:t>
             </a:r>
             <a:r>
-              <a:rPr lang="en-US" sz="3950" dirty="0">
+              <a:rPr lang="en-US" sz="4000" dirty="0">
                 <a:ea typeface="+mj-lt"/>
                 <a:cs typeface="+mj-lt"/>
               </a:rPr>
-              <a:t> Брой на еднакви стойности в масив</a:t>
-            </a:r>
-            <a:endParaRPr lang="en-US" sz="3950" b="0" dirty="0">
+              <a:t>Брой еднакви стойности в масив</a:t>
+            </a:r>
+            <a:endParaRPr lang="en-US" sz="4000" b="0" dirty="0">
               <a:ea typeface="+mj-lt"/>
               <a:cs typeface="+mj-lt"/>
             </a:endParaRPr>
@@ -9003,7 +9492,31 @@
                   <a:srgbClr val="FFFFFF"/>
                 </a:solidFill>
               </a:rPr>
-              <a:t> винаги ще съдържа колко числа се съдържат</a:t>
+              <a:t> винаги ще </a:t>
+            </a:r>
+            <a:r>
+              <a:rPr lang="bg-BG" sz="2350" b="1" noProof="1">
+                <a:solidFill>
+                  <a:srgbClr val="FFFFFF"/>
+                </a:solidFill>
+              </a:rPr>
+              <a:t>показва</a:t>
+            </a:r>
+            <a:r>
+              <a:rPr lang="en-US" sz="2350" b="1" noProof="1">
+                <a:solidFill>
+                  <a:srgbClr val="FFFFFF"/>
+                </a:solidFill>
+              </a:rPr>
+              <a:t> колко </a:t>
+            </a:r>
+            <a:r>
+              <a:rPr lang="bg-BG" sz="2350" b="1" noProof="1">
+                <a:solidFill>
+                  <a:srgbClr val="FFFFFF"/>
+                </a:solidFill>
+              </a:rPr>
+              <a:t>пъти се съдържа числото</a:t>
             </a:r>
             <a:endParaRPr lang="en-US" sz="2399" b="1" noProof="1">
               <a:solidFill>
@@ -9086,7 +9599,15 @@
             <a:pPr algn="ctr"/>
             <a:r>
               <a:rPr lang="en-US" sz="1950" dirty="0"/>
-              <a:t>Тествайте решението в Judge: </a:t>
+              <a:t>Тествайте решението</a:t>
+            </a:r>
+            <a:r>
+              <a:rPr lang="bg-BG" sz="1950" dirty="0"/>
+              <a:t> си</a:t>
+            </a:r>
+            <a:r>
+              <a:rPr lang="en-US" sz="1950" dirty="0"/>
+              <a:t> в Judge: </a:t>
             </a:r>
             <a:r>
               <a:rPr lang="en-US" sz="1950" dirty="0">
@@ -9589,16 +10110,30 @@
               </a:lnSpc>
             </a:pPr>
             <a:r>
+              <a:rPr lang="bg-BG" sz="3600" dirty="0"/>
+              <a:t>Можем да използваме</a:t>
+            </a:r>
+            <a:r>
               <a:rPr lang="en-GB" sz="3600" dirty="0"/>
-              <a:t>Използвайте </a:t>
+              <a:t> </a:t>
             </a:r>
             <a:r>
               <a:rPr lang="en-GB" sz="3600" b="1" dirty="0">
                 <a:solidFill>
                   <a:schemeClr val="bg1"/>
                 </a:solidFill>
-              </a:rPr>
-              <a:t>foreach-цикъл</a:t>
+                <a:latin typeface="Consolas" panose="020B0609020204030204" pitchFamily="49" charset="0"/>
+                <a:cs typeface="Consolas" panose="020B0609020204030204" pitchFamily="49" charset="0"/>
+              </a:rPr>
+              <a:t>foreach</a:t>
+            </a:r>
+            <a:r>
+              <a:rPr lang="en-GB" sz="3600" b="1" dirty="0">
+                <a:solidFill>
+                  <a:schemeClr val="bg1"/>
+                </a:solidFill>
+              </a:rPr>
+              <a:t>-цикъл</a:t>
             </a:r>
             <a:endParaRPr lang="en-GB" sz="3600" b="1" dirty="0">
               <a:solidFill>
@@ -9626,11 +10161,16 @@
                 <a:solidFill>
                   <a:schemeClr val="bg1"/>
                 </a:solidFill>
+                <a:latin typeface="Consolas" panose="020B0609020204030204" pitchFamily="49" charset="0"/>
+                <a:cs typeface="Consolas" panose="020B0609020204030204" pitchFamily="49" charset="0"/>
               </a:rPr>
               <a:t>KeyValuePair</a:t>
             </a:r>
             <a:r>
-              <a:rPr lang="en-GB" sz="3600" dirty="0"/>
+              <a:rPr lang="en-GB" sz="3600" dirty="0">
+                <a:latin typeface="Consolas" panose="020B0609020204030204" pitchFamily="49" charset="0"/>
+                <a:cs typeface="Consolas" panose="020B0609020204030204" pitchFamily="49" charset="0"/>
+              </a:rPr>
               <a:t>&lt;</a:t>
             </a:r>
             <a:r>
@@ -9638,11 +10178,16 @@
                 <a:solidFill>
                   <a:schemeClr val="bg1"/>
                 </a:solidFill>
+                <a:latin typeface="Consolas" panose="020B0609020204030204" pitchFamily="49" charset="0"/>
+                <a:cs typeface="Consolas" panose="020B0609020204030204" pitchFamily="49" charset="0"/>
               </a:rPr>
               <a:t>K</a:t>
             </a:r>
             <a:r>
-              <a:rPr lang="en-GB" sz="3600" dirty="0"/>
+              <a:rPr lang="en-GB" sz="3600" dirty="0">
+                <a:latin typeface="Consolas" panose="020B0609020204030204" pitchFamily="49" charset="0"/>
+                <a:cs typeface="Consolas" panose="020B0609020204030204" pitchFamily="49" charset="0"/>
+              </a:rPr>
               <a:t>,</a:t>
             </a:r>
             <a:r>
@@ -9650,11 +10195,16 @@
                 <a:solidFill>
                   <a:schemeClr val="bg1"/>
                 </a:solidFill>
+                <a:latin typeface="Consolas" panose="020B0609020204030204" pitchFamily="49" charset="0"/>
+                <a:cs typeface="Consolas" panose="020B0609020204030204" pitchFamily="49" charset="0"/>
               </a:rPr>
               <a:t> V</a:t>
             </a:r>
             <a:r>
-              <a:rPr lang="en-GB" sz="3600" dirty="0"/>
+              <a:rPr lang="en-GB" sz="3600" dirty="0">
+                <a:latin typeface="Consolas" panose="020B0609020204030204" pitchFamily="49" charset="0"/>
+                <a:cs typeface="Consolas" panose="020B0609020204030204" pitchFamily="49" charset="0"/>
+              </a:rPr>
               <a:t>&gt;</a:t>
             </a:r>
           </a:p>
@@ -9666,7 +10216,27 @@
             </a:pPr>
             <a:r>
               <a:rPr lang="en-GB" sz="3600" dirty="0"/>
-              <a:t>Речникът не може да се модифицира(</a:t>
+              <a:t>Речникът </a:t>
+            </a:r>
+            <a:r>
+              <a:rPr lang="en-GB" sz="3600" b="1" dirty="0">
+                <a:solidFill>
+                  <a:schemeClr val="bg1"/>
+                </a:solidFill>
+              </a:rPr>
+              <a:t>не може </a:t>
+            </a:r>
+            <a:r>
+              <a:rPr lang="en-GB" sz="3600" dirty="0"/>
+              <a:t>да се </a:t>
+            </a:r>
+            <a:r>
+              <a:rPr lang="bg-BG" sz="3600" dirty="0"/>
+              <a:t>модифицира</a:t>
+            </a:r>
+            <a:r>
+              <a:rPr lang="en-GB" sz="3600" dirty="0"/>
+              <a:t> (</a:t>
             </a:r>
             <a:r>
               <a:rPr lang="en-GB" sz="3600" b="1" dirty="0">
@@ -10123,7 +10693,23 @@
                   <a:srgbClr val="FFFFFF"/>
                 </a:solidFill>
               </a:rPr>
-              <a:t> -&gt;името на </a:t>
+              <a:t> -&gt;</a:t>
+            </a:r>
+            <a:r>
+              <a:rPr lang="bg-BG" sz="2750" b="1" noProof="1">
+                <a:solidFill>
+                  <a:srgbClr val="FFFFFF"/>
+                </a:solidFill>
+              </a:rPr>
+              <a:t> </a:t>
+            </a:r>
+            <a:r>
+              <a:rPr lang="en-US" sz="2750" b="1" noProof="1">
+                <a:solidFill>
+                  <a:srgbClr val="FFFFFF"/>
+                </a:solidFill>
+              </a:rPr>
+              <a:t>името на </a:t>
             </a:r>
             <a:r>
               <a:rPr lang="en-US" sz="2750" b="1" noProof="1">
@@ -10820,8 +11406,8 @@
         </p:nvSpPr>
         <p:spPr>
           <a:xfrm>
-            <a:off x="1261423" y="818637"/>
-            <a:ext cx="10029160" cy="5276048"/>
+            <a:off x="1865313" y="1044000"/>
+            <a:ext cx="10129837" cy="5546725"/>
           </a:xfrm>
         </p:spPr>
         <p:txBody>
@@ -10830,246 +11416,106 @@
           </a:bodyPr>
           <a:lstStyle/>
           <a:p>
-            <a:pPr marL="360045" indent="-360045">
-              <a:lnSpc>
-                <a:spcPct val="100000"/>
-              </a:lnSpc>
-              <a:buClr>
-                <a:schemeClr val="tx1"/>
-              </a:buClr>
-            </a:pPr>
-            <a:r>
-              <a:rPr lang="en-US" sz="3600" dirty="0"/>
-              <a:t> Речникът може да има </a:t>
-            </a:r>
-            <a:r>
-              <a:rPr lang="en-US" sz="3600" b="1" dirty="0">
+            <a:r>
+              <a:rPr lang="bg-BG" dirty="0"/>
+              <a:t>Един речник </a:t>
+            </a:r>
+            <a:r>
+              <a:rPr lang="en-US" dirty="0"/>
+              <a:t>може да има </a:t>
+            </a:r>
+            <a:r>
+              <a:rPr lang="en-US" b="1" dirty="0">
                 <a:solidFill>
                   <a:schemeClr val="bg1"/>
                 </a:solidFill>
               </a:rPr>
-              <a:t>множество от стойности</a:t>
-            </a:r>
-            <a:r>
-              <a:rPr lang="en-US" sz="3600" dirty="0"/>
-              <a:t> за даден ключ</a:t>
+              <a:t>множество от стойности </a:t>
+            </a:r>
+            <a:r>
+              <a:rPr lang="en-US" dirty="0"/>
+              <a:t>за даден ключ</a:t>
             </a:r>
             <a:endParaRPr lang="bg-BG" dirty="0"/>
           </a:p>
           <a:p>
-            <a:pPr lvl="1" indent="-360045">
-              <a:lnSpc>
-                <a:spcPct val="100000"/>
-              </a:lnSpc>
-              <a:buClr>
-                <a:schemeClr val="tx1"/>
-              </a:buClr>
-            </a:pPr>
-            <a:r>
-              <a:rPr lang="en-US" sz="3400" dirty="0"/>
+            <a:pPr lvl="1"/>
+            <a:r>
+              <a:rPr lang="en-US" dirty="0"/>
               <a:t>Пример: студентите могат да имат много оценки:</a:t>
             </a:r>
-            <a:endParaRPr lang="en-US" sz="3400" dirty="0">
-              <a:cs typeface="Calibri"/>
-            </a:endParaRPr>
-          </a:p>
-          <a:p>
-            <a:pPr marL="1255395" lvl="2" indent="-360045">
-              <a:lnSpc>
-                <a:spcPct val="100000"/>
-              </a:lnSpc>
-              <a:buClr>
-                <a:schemeClr val="tx1"/>
-              </a:buClr>
-            </a:pPr>
-            <a:r>
-              <a:rPr lang="en-US" sz="3200" dirty="0">
+          </a:p>
+          <a:p>
+            <a:pPr lvl="2"/>
+            <a:r>
+              <a:rPr lang="en-US" dirty="0">
                 <a:sym typeface="Wingdings" panose="05000000000000000000" pitchFamily="2" charset="2"/>
               </a:rPr>
-              <a:t>Петър [</a:t>
-            </a:r>
-            <a:r>
-              <a:rPr lang="en-US" sz="3200" b="1" dirty="0">
-                <a:solidFill>
-                  <a:schemeClr val="bg1"/>
-                </a:solidFill>
+              <a:t>Петър</a:t>
+            </a:r>
+            <a:r>
+              <a:rPr lang="bg-BG" dirty="0">
                 <a:sym typeface="Wingdings" panose="05000000000000000000" pitchFamily="2" charset="2"/>
               </a:rPr>
-              <a:t>5</a:t>
-            </a:r>
-            <a:r>
-              <a:rPr lang="en-US" sz="3200" dirty="0">
+              <a:t> </a:t>
+            </a:r>
+            <a:r>
+              <a:rPr lang="en-US" dirty="0">
                 <a:sym typeface="Wingdings" panose="05000000000000000000" pitchFamily="2" charset="2"/>
               </a:rPr>
-              <a:t>,</a:t>
-            </a:r>
-            <a:r>
-              <a:rPr lang="en-US" sz="3200" b="1" dirty="0">
-                <a:solidFill>
-                  <a:schemeClr val="bg1"/>
-                </a:solidFill>
+              <a:t> [5, 5, 6]</a:t>
+            </a:r>
+            <a:endParaRPr lang="en-US" dirty="0"/>
+          </a:p>
+          <a:p>
+            <a:pPr lvl="2"/>
+            <a:r>
+              <a:rPr lang="en-US" dirty="0">
                 <a:sym typeface="Wingdings" panose="05000000000000000000" pitchFamily="2" charset="2"/>
               </a:rPr>
-              <a:t> 5</a:t>
-            </a:r>
-            <a:r>
-              <a:rPr lang="en-US" sz="3200" dirty="0">
+              <a:t>Кирил</a:t>
+            </a:r>
+            <a:r>
+              <a:rPr lang="bg-BG" dirty="0">
                 <a:sym typeface="Wingdings" panose="05000000000000000000" pitchFamily="2" charset="2"/>
               </a:rPr>
-              <a:t>,</a:t>
-            </a:r>
-            <a:r>
-              <a:rPr lang="en-US" sz="3200" b="1" dirty="0">
-                <a:solidFill>
-                  <a:schemeClr val="bg1"/>
-                </a:solidFill>
+              <a:t> </a:t>
+            </a:r>
+            <a:r>
+              <a:rPr lang="en-US" dirty="0">
                 <a:sym typeface="Wingdings" panose="05000000000000000000" pitchFamily="2" charset="2"/>
               </a:rPr>
-              <a:t> 6</a:t>
-            </a:r>
-            <a:r>
-              <a:rPr lang="en-US" sz="3200" dirty="0">
+              <a:t></a:t>
+            </a:r>
+            <a:r>
+              <a:rPr lang="bg-BG" dirty="0">
                 <a:sym typeface="Wingdings" panose="05000000000000000000" pitchFamily="2" charset="2"/>
               </a:rPr>
-              <a:t>]</a:t>
-            </a:r>
-            <a:endParaRPr lang="en-US" sz="3200" dirty="0">
-              <a:cs typeface="Calibri"/>
-            </a:endParaRPr>
-          </a:p>
-          <a:p>
-            <a:pPr marL="1255395" lvl="2" indent="-360045">
-              <a:lnSpc>
-                <a:spcPct val="100000"/>
-              </a:lnSpc>
-              <a:buClr>
-                <a:schemeClr val="tx1"/>
-              </a:buClr>
-            </a:pPr>
-            <a:r>
-              <a:rPr lang="en-US" sz="3200" dirty="0">
+              <a:t> </a:t>
+            </a:r>
+            <a:r>
+              <a:rPr lang="en-US" dirty="0">
                 <a:sym typeface="Wingdings" panose="05000000000000000000" pitchFamily="2" charset="2"/>
               </a:rPr>
-              <a:t>Кирил[</a:t>
-            </a:r>
-            <a:r>
-              <a:rPr lang="en-US" sz="3200" b="1" dirty="0">
-                <a:solidFill>
-                  <a:schemeClr val="bg1"/>
-                </a:solidFill>
-                <a:sym typeface="Wingdings" panose="05000000000000000000" pitchFamily="2" charset="2"/>
-              </a:rPr>
-              <a:t>6</a:t>
-            </a:r>
-            <a:r>
-              <a:rPr lang="en-US" sz="3200" dirty="0">
-                <a:sym typeface="Wingdings" panose="05000000000000000000" pitchFamily="2" charset="2"/>
-              </a:rPr>
-              <a:t>,</a:t>
-            </a:r>
-            <a:r>
-              <a:rPr lang="en-US" sz="3200" b="1" dirty="0">
-                <a:solidFill>
-                  <a:schemeClr val="bg1"/>
-                </a:solidFill>
-                <a:sym typeface="Wingdings" panose="05000000000000000000" pitchFamily="2" charset="2"/>
-              </a:rPr>
-              <a:t> 6</a:t>
-            </a:r>
-            <a:r>
-              <a:rPr lang="en-US" sz="3200" dirty="0">
-                <a:sym typeface="Wingdings" panose="05000000000000000000" pitchFamily="2" charset="2"/>
-              </a:rPr>
-              <a:t>,</a:t>
-            </a:r>
-            <a:r>
-              <a:rPr lang="en-US" sz="3200" b="1" dirty="0">
-                <a:solidFill>
-                  <a:schemeClr val="bg1"/>
-                </a:solidFill>
-                <a:sym typeface="Wingdings" panose="05000000000000000000" pitchFamily="2" charset="2"/>
-              </a:rPr>
-              <a:t> 3</a:t>
-            </a:r>
-            <a:r>
-              <a:rPr lang="en-US" sz="3200" dirty="0">
-                <a:sym typeface="Wingdings" panose="05000000000000000000" pitchFamily="2" charset="2"/>
-              </a:rPr>
-              <a:t>,</a:t>
-            </a:r>
-            <a:r>
-              <a:rPr lang="en-US" sz="3200" b="1" dirty="0">
-                <a:solidFill>
-                  <a:schemeClr val="bg1"/>
-                </a:solidFill>
-                <a:sym typeface="Wingdings" panose="05000000000000000000" pitchFamily="2" charset="2"/>
-              </a:rPr>
-              <a:t> 4</a:t>
-            </a:r>
-            <a:r>
-              <a:rPr lang="en-US" sz="3200" dirty="0">
-                <a:sym typeface="Wingdings" panose="05000000000000000000" pitchFamily="2" charset="2"/>
-              </a:rPr>
-              <a:t>,</a:t>
-            </a:r>
-            <a:r>
-              <a:rPr lang="en-US" sz="3200" b="1" dirty="0">
-                <a:solidFill>
-                  <a:schemeClr val="bg1"/>
-                </a:solidFill>
-                <a:sym typeface="Wingdings" panose="05000000000000000000" pitchFamily="2" charset="2"/>
-              </a:rPr>
-              <a:t> 6</a:t>
-            </a:r>
-            <a:r>
-              <a:rPr lang="en-US" sz="3200" dirty="0">
-                <a:sym typeface="Wingdings" panose="05000000000000000000" pitchFamily="2" charset="2"/>
-              </a:rPr>
-              <a:t>]</a:t>
-            </a:r>
-            <a:endParaRPr lang="en-US" sz="3200" dirty="0">
-              <a:cs typeface="Calibri"/>
-            </a:endParaRPr>
-          </a:p>
-          <a:p>
-            <a:pPr marL="1255395" lvl="2" indent="-360045">
-              <a:buClr>
-                <a:schemeClr val="tx1"/>
-              </a:buClr>
-            </a:pPr>
-            <a:endParaRPr lang="en-US" sz="3397" dirty="0">
-              <a:cs typeface="Calibri"/>
-            </a:endParaRPr>
-          </a:p>
-          <a:p>
-            <a:pPr marL="1255395" lvl="2" indent="-360045">
-              <a:buClr>
-                <a:schemeClr val="tx1"/>
-              </a:buClr>
-            </a:pPr>
-            <a:endParaRPr lang="en-US" sz="3397" dirty="0">
-              <a:cs typeface="Calibri"/>
-            </a:endParaRPr>
-          </a:p>
-          <a:p>
-            <a:pPr marL="1255395" lvl="2" indent="-360045">
-              <a:buClr>
-                <a:schemeClr val="tx1"/>
-              </a:buClr>
-            </a:pPr>
-            <a:endParaRPr lang="en-US" sz="3397" dirty="0">
-              <a:cs typeface="Calibri"/>
-            </a:endParaRPr>
-          </a:p>
-          <a:p>
-            <a:pPr marL="1255395" lvl="2" indent="-360045">
-              <a:buClr>
-                <a:schemeClr val="tx1"/>
-              </a:buClr>
-            </a:pPr>
-            <a:endParaRPr lang="en-US" sz="3397" dirty="0">
-              <a:cs typeface="Calibri"/>
-            </a:endParaRPr>
+              <a:t>[6, 6, 3, 4, 6]</a:t>
+            </a:r>
+            <a:endParaRPr lang="en-US" dirty="0"/>
+          </a:p>
+          <a:p>
+            <a:pPr lvl="2"/>
+            <a:endParaRPr lang="en-US" dirty="0"/>
+          </a:p>
+          <a:p>
+            <a:pPr lvl="2"/>
+            <a:endParaRPr lang="en-US" dirty="0"/>
+          </a:p>
+          <a:p>
+            <a:pPr lvl="2"/>
+            <a:endParaRPr lang="en-US" dirty="0"/>
+          </a:p>
+          <a:p>
+            <a:pPr lvl="2"/>
+            <a:endParaRPr lang="en-US" dirty="0"/>
           </a:p>
         </p:txBody>
       </p:sp>
@@ -11083,16 +11529,24 @@
             <p:ph type="title"/>
           </p:nvPr>
         </p:nvSpPr>
-        <p:spPr/>
+        <p:spPr>
+          <a:xfrm>
+            <a:off x="1296957" y="100750"/>
+            <a:ext cx="8625520" cy="882654"/>
+          </a:xfrm>
+        </p:spPr>
         <p:txBody>
           <a:bodyPr/>
           <a:lstStyle/>
           <a:p>
             <a:r>
-              <a:rPr lang="en-US" sz="3950" dirty="0"/>
-              <a:t>Мулти-речник</a:t>
-            </a:r>
-            <a:endParaRPr lang="bg-BG" dirty="0"/>
+              <a:rPr lang="en-US" dirty="0"/>
+              <a:t>Мулти-</a:t>
+            </a:r>
+            <a:r>
+              <a:rPr lang="bg-BG" dirty="0"/>
+              <a:t>речници</a:t>
+            </a:r>
           </a:p>
         </p:txBody>
       </p:sp>
@@ -11112,7 +11566,7 @@
         </p:nvSpPr>
         <p:spPr>
           <a:xfrm>
-            <a:off x="1976915" y="4406070"/>
+            <a:off x="2069064" y="4284000"/>
             <a:ext cx="9381936" cy="2449433"/>
           </a:xfrm>
           <a:prstGeom prst="rect">
@@ -11654,68 +12108,6 @@
                                         <p:tgtEl>
                                           <p:spTgt spid="3">
                                             <p:txEl>
-                                              <p:pRg st="1" end="1"/>
-                                            </p:txEl>
-                                          </p:spTgt>
-                                        </p:tgtEl>
-                                        <p:attrNameLst>
-                                          <p:attrName>style.visibility</p:attrName>
-                                        </p:attrNameLst>
-                                      </p:cBhvr>
-                                      <p:to>
-                                        <p:strVal val="visible"/>
-                                      </p:to>
-                                    </p:set>
-                                  </p:childTnLst>
-                                </p:cTn>
-                              </p:par>
-                              <p:par>
-                                <p:cTn id="7" presetID="1" presetClass="entr" presetSubtype="0" fill="hold" nodeType="withEffect">
-                                  <p:stCondLst>
-                                    <p:cond delay="0"/>
-                                  </p:stCondLst>
-                                  <p:childTnLst>
-                                    <p:set>
-                                      <p:cBhvr>
-                                        <p:cTn id="8" dur="1" fill="hold">
-                                          <p:stCondLst>
-                                            <p:cond delay="0"/>
-                                          </p:stCondLst>
-                                        </p:cTn>
-                                        <p:tgtEl>
-                                          <p:spTgt spid="3">
-                                            <p:txEl>
-                                              <p:pRg st="2" end="2"/>
-                                            </p:txEl>
-                                          </p:spTgt>
-                                        </p:tgtEl>
-                                        <p:attrNameLst>
-                                          <p:attrName>style.visibility</p:attrName>
-                                        </p:attrNameLst>
-                                      </p:cBhvr>
-                                      <p:to>
-                                        <p:strVal val="visible"/>
-                                      </p:to>
-                                    </p:set>
-                                  </p:childTnLst>
-                                </p:cTn>
-                              </p:par>
-                              <p:par>
-                                <p:cTn id="9" presetID="1" presetClass="entr" presetSubtype="0" fill="hold" nodeType="withEffect">
-                                  <p:stCondLst>
-                                    <p:cond delay="0"/>
-                                  </p:stCondLst>
-                                  <p:childTnLst>
-                                    <p:set>
-                                      <p:cBhvr>
-                                        <p:cTn id="10" dur="1" fill="hold">
-                                          <p:stCondLst>
-                                            <p:cond delay="0"/>
-                                          </p:stCondLst>
-                                        </p:cTn>
-                                        <p:tgtEl>
-                                          <p:spTgt spid="3">
-                                            <p:txEl>
                                               <p:pRg st="3" end="3"/>
                                             </p:txEl>
                                           </p:spTgt>
@@ -11738,26 +12130,26 @@
                     </p:cTn>
                   </p:par>
                   <p:par>
-                    <p:cTn id="11" fill="hold">
+                    <p:cTn id="7" fill="hold">
                       <p:stCondLst>
                         <p:cond delay="indefinite"/>
                       </p:stCondLst>
                       <p:childTnLst>
                         <p:par>
-                          <p:cTn id="12" fill="hold">
+                          <p:cTn id="8" fill="hold">
                             <p:stCondLst>
                               <p:cond delay="0"/>
                             </p:stCondLst>
                             <p:childTnLst>
                               <p:par>
-                                <p:cTn id="13" presetID="1" presetClass="entr" presetSubtype="0" fill="hold" grpId="0" nodeType="clickEffect">
+                                <p:cTn id="9" presetID="1" presetClass="entr" presetSubtype="0" fill="hold" grpId="0" nodeType="clickEffect">
                                   <p:stCondLst>
                                     <p:cond delay="0"/>
                                   </p:stCondLst>
                                   <p:childTnLst>
                                     <p:set>
                                       <p:cBhvr>
-                                        <p:cTn id="14" dur="1" fill="hold">
+                                        <p:cTn id="10" dur="1" fill="hold">
                                           <p:stCondLst>
                                             <p:cond delay="0"/>
                                           </p:stCondLst>
@@ -11777,7 +12169,56 @@
                                 </p:cTn>
                               </p:par>
                               <p:par>
-                                <p:cTn id="15" presetID="1" presetClass="entr" presetSubtype="0" fill="hold" nodeType="withEffect">
+                                <p:cTn id="11" presetID="1" presetClass="entr" presetSubtype="0" fill="hold" nodeType="withEffect">
+                                  <p:stCondLst>
+                                    <p:cond delay="0"/>
+                                  </p:stCondLst>
+                                  <p:childTnLst>
+                                    <p:set>
+                                      <p:cBhvr>
+                                        <p:cTn id="12" dur="1" fill="hold">
+                                          <p:stCondLst>
+                                            <p:cond delay="0"/>
+                                          </p:stCondLst>
+                                        </p:cTn>
+                                        <p:tgtEl>
+                                          <p:spTgt spid="6">
+                                            <p:txEl>
+                                              <p:pRg st="0" end="0"/>
+                                            </p:txEl>
+                                          </p:spTgt>
+                                        </p:tgtEl>
+                                        <p:attrNameLst>
+                                          <p:attrName>style.visibility</p:attrName>
+                                        </p:attrNameLst>
+                                      </p:cBhvr>
+                                      <p:to>
+                                        <p:strVal val="visible"/>
+                                      </p:to>
+                                    </p:set>
+                                  </p:childTnLst>
+                                </p:cTn>
+                              </p:par>
+                            </p:childTnLst>
+                          </p:cTn>
+                        </p:par>
+                      </p:childTnLst>
+                    </p:cTn>
+                  </p:par>
+                  <p:par>
+                    <p:cTn id="13" fill="hold">
+                      <p:stCondLst>
+                        <p:cond delay="indefinite"/>
+                      </p:stCondLst>
+                      <p:childTnLst>
+                        <p:par>
+                          <p:cTn id="14" fill="hold">
+                            <p:stCondLst>
+                              <p:cond delay="0"/>
+                            </p:stCondLst>
+                            <p:childTnLst>
+                              <p:par>
+                                <p:cTn id="15" presetID="1" presetClass="entr" presetSubtype="0" fill="hold" nodeType="clickEffect">
                                   <p:stCondLst>
                                     <p:cond delay="0"/>
                                   </p:stCondLst>
@@ -11792,7 +12233,7 @@
                                         <p:tgtEl>
                                           <p:spTgt spid="6">
                                             <p:txEl>
-                                              <p:pRg st="0" end="0"/>
+                                              <p:pRg st="1" end="1"/>
                                             </p:txEl>
                                           </p:spTgt>
                                         </p:tgtEl>
@@ -11841,7 +12282,7 @@
                                         <p:tgtEl>
                                           <p:spTgt spid="6">
                                             <p:txEl>
-                                              <p:pRg st="1" end="1"/>
+                                              <p:pRg st="2" end="2"/>
                                             </p:txEl>
                                           </p:spTgt>
                                         </p:tgtEl>
@@ -11890,7 +12331,7 @@
                                         <p:tgtEl>
                                           <p:spTgt spid="6">
                                             <p:txEl>
-                                              <p:pRg st="2" end="2"/>
+                                              <p:pRg st="3" end="3"/>
                                             </p:txEl>
                                           </p:spTgt>
                                         </p:tgtEl>
@@ -11932,55 +12373,6 @@
                                     <p:set>
                                       <p:cBhvr>
                                         <p:cTn id="28" dur="1" fill="hold">
-                                          <p:stCondLst>
-                                            <p:cond delay="0"/>
-                                          </p:stCondLst>
-                                        </p:cTn>
-                                        <p:tgtEl>
-                                          <p:spTgt spid="6">
-                                            <p:txEl>
-                                              <p:pRg st="3" end="3"/>
-                                            </p:txEl>
-                                          </p:spTgt>
-                                        </p:tgtEl>
-                                        <p:attrNameLst>
-                                          <p:attrName>style.visibility</p:attrName>
-                                        </p:attrNameLst>
-                                      </p:cBhvr>
-                                      <p:to>
-                                        <p:strVal val="visible"/>
-                                      </p:to>
-                                    </p:set>
-                                  </p:childTnLst>
-                                </p:cTn>
-                              </p:par>
-                            </p:childTnLst>
-                          </p:cTn>
-                        </p:par>
-                      </p:childTnLst>
-                    </p:cTn>
-                  </p:par>
-                  <p:par>
-                    <p:cTn id="29" fill="hold">
-                      <p:stCondLst>
-                        <p:cond delay="indefinite"/>
-                      </p:stCondLst>
-                      <p:childTnLst>
-                        <p:par>
-                          <p:cTn id="30" fill="hold">
-                            <p:stCondLst>
-                              <p:cond delay="0"/>
-                            </p:stCondLst>
-                            <p:childTnLst>
-                              <p:par>
-                                <p:cTn id="31" presetID="1" presetClass="entr" presetSubtype="0" fill="hold" nodeType="clickEffect">
-                                  <p:stCondLst>
-                                    <p:cond delay="0"/>
-                                  </p:stCondLst>
-                                  <p:childTnLst>
-                                    <p:set>
-                                      <p:cBhvr>
-                                        <p:cTn id="32" dur="1" fill="hold">
                                           <p:stCondLst>
                                             <p:cond delay="0"/>
                                           </p:stCondLst>
@@ -12076,7 +12468,7 @@
               <a:rPr lang="en-US" sz="3600" dirty="0">
                 <a:cs typeface="Calibri"/>
               </a:rPr>
-              <a:t>Напишете програма, която </a:t>
+              <a:t>Напишете програма, която прочита</a:t>
             </a:r>
             <a:r>
               <a:rPr lang="en-US" sz="3600" b="1" dirty="0">
@@ -12085,7 +12477,22 @@
                 </a:solidFill>
                 <a:cs typeface="Calibri"/>
               </a:rPr>
-              <a:t>прочита имената на учениците и оценките</a:t>
+              <a:t> имената </a:t>
+            </a:r>
+            <a:r>
+              <a:rPr lang="en-US" sz="3600" dirty="0">
+                <a:cs typeface="Calibri"/>
+              </a:rPr>
+              <a:t>на учениците и </a:t>
+            </a:r>
+            <a:r>
+              <a:rPr lang="en-US" sz="3600" b="1" dirty="0">
+                <a:solidFill>
+                  <a:schemeClr val="bg1"/>
+                </a:solidFill>
+                <a:cs typeface="Calibri"/>
+              </a:rPr>
+              <a:t>оценките</a:t>
             </a:r>
             <a:endParaRPr lang="en-US" sz="3600" b="1" dirty="0">
               <a:solidFill>
@@ -12097,7 +12504,31 @@
             <a:pPr marL="360045" indent="-360045"/>
             <a:r>
               <a:rPr lang="en-US" sz="3600" dirty="0"/>
-              <a:t>Отпечатайте оцениките и средно аретметичния успех за всеки ученик</a:t>
+              <a:t>Отпечатайте </a:t>
+            </a:r>
+            <a:r>
+              <a:rPr lang="en-US" sz="3600" b="1" dirty="0">
+                <a:solidFill>
+                  <a:schemeClr val="bg1"/>
+                </a:solidFill>
+              </a:rPr>
+              <a:t>оцениките</a:t>
+            </a:r>
+            <a:r>
+              <a:rPr lang="en-US" sz="3600" dirty="0"/>
+              <a:t> и </a:t>
+            </a:r>
+            <a:r>
+              <a:rPr lang="en-US" sz="3600" b="1" dirty="0">
+                <a:solidFill>
+                  <a:schemeClr val="bg1"/>
+                </a:solidFill>
+              </a:rPr>
+              <a:t>средноаретметичния успех </a:t>
+            </a:r>
+            <a:r>
+              <a:rPr lang="en-US" sz="3600" dirty="0"/>
+              <a:t>за всеки ученик</a:t>
             </a:r>
             <a:endParaRPr lang="en-US" sz="3350" dirty="0">
               <a:cs typeface="Calibri"/>
@@ -12118,13 +12549,21 @@
         <p:spPr/>
         <p:txBody>
           <a:bodyPr>
-            <a:normAutofit fontScale="90000"/>
+            <a:normAutofit/>
           </a:bodyPr>
           <a:lstStyle/>
           <a:p>
             <a:r>
               <a:rPr lang="en-US" sz="3950" dirty="0"/>
-              <a:t>Задача: Средно аретметичен успех на ученици</a:t>
+              <a:t>Задача: </a:t>
+            </a:r>
+            <a:r>
+              <a:rPr lang="bg-BG" sz="3950" dirty="0"/>
+              <a:t>Средноаритметичен </a:t>
+            </a:r>
+            <a:r>
+              <a:rPr lang="en-US" sz="3950" dirty="0"/>
+              <a:t>успех</a:t>
             </a:r>
           </a:p>
         </p:txBody>
@@ -12139,8 +12578,8 @@
         </p:nvSpPr>
         <p:spPr bwMode="auto">
           <a:xfrm>
-            <a:off x="3233793" y="3351586"/>
-            <a:ext cx="2735357" cy="3295818"/>
+            <a:off x="3666000" y="3351586"/>
+            <a:ext cx="2097207" cy="3295818"/>
           </a:xfrm>
           <a:prstGeom prst="rect">
             <a:avLst/>
@@ -12286,7 +12725,7 @@
         </p:nvSpPr>
         <p:spPr>
           <a:xfrm>
-            <a:off x="6035307" y="4828833"/>
+            <a:off x="5899677" y="4826382"/>
             <a:ext cx="380901" cy="346090"/>
           </a:xfrm>
           <a:prstGeom prst="rightArrow">
@@ -12722,21 +13161,28 @@
           <a:lstStyle/>
           <a:p>
             <a:r>
-              <a:rPr lang="en-US" sz="3300" dirty="0"/>
+              <a:rPr lang="en-US" sz="4000" dirty="0"/>
               <a:t>Решение: </a:t>
             </a:r>
             <a:r>
-              <a:rPr lang="en-US" sz="3300" dirty="0">
+              <a:rPr lang="bg-BG" sz="4000" dirty="0">
                 <a:ea typeface="+mj-lt"/>
                 <a:cs typeface="+mj-lt"/>
               </a:rPr>
-              <a:t>Средно аретметичен успех на ученици</a:t>
-            </a:r>
-            <a:r>
-              <a:rPr lang="en-US" sz="3300" dirty="0"/>
-              <a:t> (1)</a:t>
-            </a:r>
-            <a:endParaRPr lang="en-US" sz="3300" b="0" dirty="0">
+              <a:t>Средноаритметичен</a:t>
+            </a:r>
+            <a:r>
+              <a:rPr lang="en-US" sz="4000" dirty="0">
+                <a:ea typeface="+mj-lt"/>
+                <a:cs typeface="+mj-lt"/>
+              </a:rPr>
+              <a:t> успех  </a:t>
+            </a:r>
+            <a:r>
+              <a:rPr lang="en-US" sz="4000" dirty="0"/>
+              <a:t>(1)</a:t>
+            </a:r>
+            <a:endParaRPr lang="en-US" sz="4000" b="0" dirty="0">
               <a:cs typeface="Calibri"/>
             </a:endParaRPr>
           </a:p>
@@ -13164,7 +13610,7 @@
                 </a:solidFill>
                 <a:latin typeface="Consolas"/>
               </a:rPr>
-              <a:t>// Продължаваме на следващият слайд ... </a:t>
+              <a:t>// Продължаваме на следващия слайд ... </a:t>
             </a:r>
             <a:endParaRPr lang="en-US" sz="2400" i="1" dirty="0">
               <a:solidFill>
@@ -13184,8 +13630,8 @@
         </p:nvSpPr>
         <p:spPr bwMode="auto">
           <a:xfrm>
-            <a:off x="8040217" y="3335563"/>
-            <a:ext cx="4073019" cy="1206891"/>
+            <a:off x="8040217" y="3474313"/>
+            <a:ext cx="4073019" cy="1068141"/>
           </a:xfrm>
           <a:prstGeom prst="wedgeRoundRectCallout">
             <a:avLst>
@@ -13258,12 +13704,12 @@
         <p:spPr bwMode="auto">
           <a:xfrm>
             <a:off x="8543274" y="4880859"/>
-            <a:ext cx="3087613" cy="1250433"/>
+            <a:ext cx="3402726" cy="1068141"/>
           </a:xfrm>
           <a:prstGeom prst="wedgeRoundRectCallout">
             <a:avLst>
-              <a:gd name="adj1" fmla="val -61523"/>
-              <a:gd name="adj2" fmla="val -25980"/>
+              <a:gd name="adj1" fmla="val -126055"/>
+              <a:gd name="adj2" fmla="val -26277"/>
               <a:gd name="adj3" fmla="val 16667"/>
             </a:avLst>
           </a:prstGeom>
@@ -13314,7 +13760,23 @@
                   <a:srgbClr val="FFFFFF"/>
                 </a:solidFill>
               </a:rPr>
-              <a:t>Добавете оценки в списъка</a:t>
+              <a:t>Добавете оценки</a:t>
+            </a:r>
+            <a:r>
+              <a:rPr lang="bg-BG" sz="2750" b="1" noProof="1">
+                <a:solidFill>
+                  <a:srgbClr val="FFFFFF"/>
+                </a:solidFill>
+              </a:rPr>
+              <a:t>те</a:t>
+            </a:r>
+            <a:r>
+              <a:rPr lang="nb-NO" sz="2750" b="1" noProof="1">
+                <a:solidFill>
+                  <a:srgbClr val="FFFFFF"/>
+                </a:solidFill>
+              </a:rPr>
+              <a:t> в списъка</a:t>
             </a:r>
             <a:endParaRPr lang="bg-BG" dirty="0"/>
           </a:p>
@@ -13929,28 +14391,35 @@
           <a:lstStyle/>
           <a:p>
             <a:r>
-              <a:rPr lang="en-US" sz="3300" dirty="0">
+              <a:rPr lang="en-US" sz="4000" dirty="0">
                 <a:ea typeface="+mj-lt"/>
                 <a:cs typeface="+mj-lt"/>
               </a:rPr>
               <a:t>Решение</a:t>
             </a:r>
             <a:r>
-              <a:rPr lang="en-US" sz="3300" dirty="0"/>
+              <a:rPr lang="en-US" sz="4000" dirty="0"/>
               <a:t>: </a:t>
             </a:r>
             <a:r>
-              <a:rPr lang="en-US" sz="3300" dirty="0">
+              <a:rPr lang="bg-BG" sz="4000" dirty="0">
                 <a:ea typeface="+mj-lt"/>
                 <a:cs typeface="+mj-lt"/>
               </a:rPr>
-              <a:t>Средно аретметичен успех на ученици</a:t>
-            </a:r>
-            <a:r>
-              <a:rPr lang="en-US" sz="3300" dirty="0"/>
-              <a:t> (2)</a:t>
-            </a:r>
-            <a:endParaRPr lang="bg-BG" sz="3300" dirty="0">
+              <a:t>Средноаритметичен </a:t>
+            </a:r>
+            <a:r>
+              <a:rPr lang="en-US" sz="4000" dirty="0">
+                <a:ea typeface="+mj-lt"/>
+                <a:cs typeface="+mj-lt"/>
+              </a:rPr>
+              <a:t>успех </a:t>
+            </a:r>
+            <a:r>
+              <a:rPr lang="en-US" sz="4000" dirty="0"/>
+              <a:t>(2)</a:t>
+            </a:r>
+            <a:endParaRPr lang="bg-BG" sz="4000" dirty="0">
               <a:cs typeface="Calibri"/>
             </a:endParaRPr>
           </a:p>
@@ -14491,7 +14960,15 @@
             <a:pPr algn="ctr"/>
             <a:r>
               <a:rPr lang="en-US" sz="1950" dirty="0"/>
-              <a:t>Тествайте решението в Judge: </a:t>
+              <a:t>Тествайте решението</a:t>
+            </a:r>
+            <a:r>
+              <a:rPr lang="bg-BG" sz="1950" dirty="0"/>
+              <a:t> си</a:t>
+            </a:r>
+            <a:r>
+              <a:rPr lang="en-US" sz="1950" dirty="0"/>
+              <a:t> в Judge: </a:t>
             </a:r>
             <a:r>
               <a:rPr lang="en-US" sz="1950" dirty="0">
@@ -14955,9 +15432,49 @@
               <a:rPr lang="en-US" sz="3600" dirty="0">
                 <a:cs typeface="Calibri"/>
               </a:rPr>
-              <a:t>Речници съдържащи речници като стойност</a:t>
-            </a:r>
-            <a:endParaRPr lang="en-US" sz="3600" dirty="0"/>
+              <a:t>Речници</a:t>
+            </a:r>
+            <a:r>
+              <a:rPr lang="bg-BG" sz="3600" dirty="0">
+                <a:cs typeface="Calibri"/>
+              </a:rPr>
+              <a:t>,</a:t>
+            </a:r>
+            <a:r>
+              <a:rPr lang="en-US" sz="3600" dirty="0">
+                <a:cs typeface="Calibri"/>
+              </a:rPr>
+              <a:t> съдържащи </a:t>
+            </a:r>
+            <a:r>
+              <a:rPr lang="en-US" sz="3600" b="1" dirty="0">
+                <a:solidFill>
+                  <a:schemeClr val="bg1"/>
+                </a:solidFill>
+                <a:cs typeface="Calibri"/>
+              </a:rPr>
+              <a:t>речници</a:t>
+            </a:r>
+            <a:r>
+              <a:rPr lang="en-US" sz="3600" dirty="0">
+                <a:cs typeface="Calibri"/>
+              </a:rPr>
+              <a:t> като </a:t>
+            </a:r>
+            <a:r>
+              <a:rPr lang="en-US" sz="3600" b="1" dirty="0">
+                <a:solidFill>
+                  <a:schemeClr val="bg1"/>
+                </a:solidFill>
+                <a:cs typeface="Calibri"/>
+              </a:rPr>
+              <a:t>стойност</a:t>
+            </a:r>
+            <a:endParaRPr lang="en-US" sz="3600" b="1" dirty="0">
+              <a:solidFill>
+                <a:schemeClr val="bg1"/>
+              </a:solidFill>
+            </a:endParaRPr>
           </a:p>
           <a:p>
             <a:pPr marL="360045" indent="-360045"/>
@@ -14987,11 +15504,18 @@
           <a:lstStyle/>
           <a:p>
             <a:r>
+              <a:rPr lang="bg-BG" sz="3950" dirty="0">
+                <a:ea typeface="+mj-lt"/>
+                <a:cs typeface="+mj-lt"/>
+              </a:rPr>
+              <a:t>Сложни</a:t>
+            </a:r>
+            <a:r>
               <a:rPr lang="en-US" sz="3950" dirty="0">
                 <a:ea typeface="+mj-lt"/>
                 <a:cs typeface="+mj-lt"/>
               </a:rPr>
-              <a:t>Вложени речници</a:t>
+              <a:t> речници</a:t>
             </a:r>
             <a:endParaRPr lang="bg-BG" dirty="0">
               <a:cs typeface="Calibri"/>
@@ -15007,7 +15531,7 @@
         </p:nvSpPr>
         <p:spPr>
           <a:xfrm>
-            <a:off x="4387881" y="2754177"/>
+            <a:off x="4387881" y="2979845"/>
             <a:ext cx="4972958" cy="953859"/>
           </a:xfrm>
           <a:prstGeom prst="rect">
@@ -15116,7 +15640,7 @@
         </p:nvSpPr>
         <p:spPr>
           <a:xfrm>
-            <a:off x="4387881" y="3930924"/>
+            <a:off x="4387881" y="4156592"/>
             <a:ext cx="4972958" cy="892713"/>
           </a:xfrm>
           <a:prstGeom prst="rect">
@@ -15225,7 +15749,7 @@
         </p:nvSpPr>
         <p:spPr>
           <a:xfrm>
-            <a:off x="4387881" y="5061138"/>
+            <a:off x="4387881" y="5286806"/>
             <a:ext cx="4972958" cy="932194"/>
           </a:xfrm>
           <a:prstGeom prst="rect">
@@ -15340,7 +15864,7 @@
         </p:nvSpPr>
         <p:spPr bwMode="auto">
           <a:xfrm>
-            <a:off x="2567609" y="3002565"/>
+            <a:off x="2567609" y="3228233"/>
             <a:ext cx="1063735" cy="457081"/>
           </a:xfrm>
           <a:prstGeom prst="rect">
@@ -15412,7 +15936,7 @@
         </p:nvSpPr>
         <p:spPr bwMode="auto">
           <a:xfrm>
-            <a:off x="3819160" y="3078745"/>
+            <a:off x="3819160" y="3304413"/>
             <a:ext cx="380901" cy="304721"/>
           </a:xfrm>
           <a:prstGeom prst="rightArrow">
@@ -15488,7 +16012,7 @@
         </p:nvSpPr>
         <p:spPr bwMode="auto">
           <a:xfrm>
-            <a:off x="2567609" y="4179705"/>
+            <a:off x="2567609" y="4405373"/>
             <a:ext cx="1063735" cy="457081"/>
           </a:xfrm>
           <a:prstGeom prst="rect">
@@ -15560,7 +16084,7 @@
         </p:nvSpPr>
         <p:spPr bwMode="auto">
           <a:xfrm>
-            <a:off x="3819160" y="4255885"/>
+            <a:off x="3819160" y="4481553"/>
             <a:ext cx="380901" cy="304721"/>
           </a:xfrm>
           <a:prstGeom prst="rightArrow">
@@ -15636,7 +16160,7 @@
         </p:nvSpPr>
         <p:spPr bwMode="auto">
           <a:xfrm>
-            <a:off x="2567609" y="5349402"/>
+            <a:off x="2567609" y="5575070"/>
             <a:ext cx="1063735" cy="457081"/>
           </a:xfrm>
           <a:prstGeom prst="rect">
@@ -15708,7 +16232,7 @@
         </p:nvSpPr>
         <p:spPr bwMode="auto">
           <a:xfrm>
-            <a:off x="3819160" y="5425582"/>
+            <a:off x="3819160" y="5651250"/>
             <a:ext cx="380901" cy="304721"/>
           </a:xfrm>
           <a:prstGeom prst="rightArrow">
@@ -16319,7 +16843,7 @@
         </p:nvSpPr>
         <p:spPr>
           <a:xfrm>
-            <a:off x="193479" y="1196706"/>
+            <a:off x="193479" y="1109288"/>
             <a:ext cx="11920754" cy="5199712"/>
           </a:xfrm>
         </p:spPr>
@@ -16357,7 +16881,19 @@
               <a:rPr lang="en-GB" sz="3350" dirty="0">
                 <a:cs typeface="Calibri"/>
               </a:rPr>
-              <a:t>Ако получите магазин, който съществува просто </a:t>
+              <a:t>Ако получите магазин, който съществува</a:t>
+            </a:r>
+            <a:r>
+              <a:rPr lang="bg-BG" sz="3350" dirty="0">
+                <a:cs typeface="Calibri"/>
+              </a:rPr>
+              <a:t>,</a:t>
+            </a:r>
+            <a:r>
+              <a:rPr lang="en-GB" sz="3350" dirty="0">
+                <a:cs typeface="Calibri"/>
+              </a:rPr>
+              <a:t> </a:t>
             </a:r>
             <a:r>
               <a:rPr lang="en-GB" sz="3350" b="1" dirty="0">
@@ -16381,7 +16917,7 @@
                   <a:schemeClr val="bg1"/>
                 </a:solidFill>
               </a:rPr>
-              <a:t>имена на магазина</a:t>
+              <a:t>име на магазина</a:t>
             </a:r>
             <a:endParaRPr lang="bg-BG" sz="3350" dirty="0">
               <a:solidFill>
@@ -16430,8 +16966,8 @@
         </p:nvSpPr>
         <p:spPr bwMode="auto">
           <a:xfrm>
-            <a:off x="469515" y="4466823"/>
-            <a:ext cx="3870956" cy="2033461"/>
+            <a:off x="469515" y="4014000"/>
+            <a:ext cx="3870956" cy="2526377"/>
           </a:xfrm>
           <a:prstGeom prst="rect">
             <a:avLst/>
@@ -16465,7 +17001,7 @@
               </a:spcAft>
             </a:pPr>
             <a:r>
-              <a:rPr lang="en-US" sz="2199" b="1" noProof="1">
+              <a:rPr lang="en-US" sz="2400" b="1" noProof="1">
                 <a:latin typeface="Consolas" pitchFamily="49" charset="0"/>
               </a:rPr>
               <a:t>lidl, juice, 2.30</a:t>
@@ -16481,7 +17017,7 @@
               </a:spcAft>
             </a:pPr>
             <a:r>
-              <a:rPr lang="en-US" sz="2199" b="1" noProof="1">
+              <a:rPr lang="en-US" sz="2400" b="1" noProof="1">
                 <a:latin typeface="Consolas" pitchFamily="49" charset="0"/>
               </a:rPr>
               <a:t>kaufland, banana, 1.10</a:t>
@@ -16497,7 +17033,7 @@
               </a:spcAft>
             </a:pPr>
             <a:r>
-              <a:rPr lang="en-US" sz="2199" b="1" noProof="1">
+              <a:rPr lang="en-US" sz="2400" b="1" noProof="1">
                 <a:latin typeface="Consolas" pitchFamily="49" charset="0"/>
               </a:rPr>
               <a:t>lidl, grape, 2.20</a:t>
@@ -16513,7 +17049,7 @@
               </a:spcAft>
             </a:pPr>
             <a:r>
-              <a:rPr lang="en-US" sz="2199" b="1" noProof="1">
+              <a:rPr lang="en-US" sz="2400" b="1" noProof="1">
                 <a:latin typeface="Consolas" pitchFamily="49" charset="0"/>
               </a:rPr>
               <a:t>Revision</a:t>
@@ -16535,8 +17071,8 @@
         </p:nvSpPr>
         <p:spPr>
           <a:xfrm>
-            <a:off x="4667599" y="5310506"/>
-            <a:ext cx="380901" cy="346090"/>
+            <a:off x="5088243" y="5109468"/>
+            <a:ext cx="618401" cy="346090"/>
           </a:xfrm>
           <a:prstGeom prst="rightArrow">
             <a:avLst/>
@@ -16613,8 +17149,8 @@
         </p:nvSpPr>
         <p:spPr bwMode="auto">
           <a:xfrm>
-            <a:off x="5473601" y="4275091"/>
-            <a:ext cx="5031251" cy="2525776"/>
+            <a:off x="6454417" y="3937055"/>
+            <a:ext cx="5031251" cy="2680265"/>
           </a:xfrm>
           <a:prstGeom prst="rect">
             <a:avLst/>
@@ -16648,7 +17184,7 @@
               </a:spcAft>
             </a:pPr>
             <a:r>
-              <a:rPr lang="en-GB" sz="2199" b="1" noProof="1">
+              <a:rPr lang="en-GB" sz="2400" b="1" noProof="1">
                 <a:latin typeface="Consolas" pitchFamily="49" charset="0"/>
               </a:rPr>
               <a:t>kaufland-&gt;</a:t>
@@ -16664,7 +17200,7 @@
               </a:spcAft>
             </a:pPr>
             <a:r>
-              <a:rPr lang="en-GB" sz="2199" b="1" noProof="1">
+              <a:rPr lang="en-GB" sz="2400" b="1" noProof="1">
                 <a:latin typeface="Consolas" pitchFamily="49" charset="0"/>
               </a:rPr>
               <a:t>Product: banana, Price: 1.1</a:t>
@@ -16680,7 +17216,7 @@
               </a:spcAft>
             </a:pPr>
             <a:r>
-              <a:rPr lang="en-GB" sz="2199" b="1" noProof="1">
+              <a:rPr lang="en-GB" sz="2400" b="1" noProof="1">
                 <a:latin typeface="Consolas" pitchFamily="49" charset="0"/>
               </a:rPr>
               <a:t>lidl-&gt;</a:t>
@@ -16696,7 +17232,7 @@
               </a:spcAft>
             </a:pPr>
             <a:r>
-              <a:rPr lang="en-GB" sz="2199" b="1" noProof="1">
+              <a:rPr lang="en-GB" sz="2400" b="1" noProof="1">
                 <a:latin typeface="Consolas" pitchFamily="49" charset="0"/>
               </a:rPr>
               <a:t>Product: juice, Price: 2.3</a:t>
@@ -16712,7 +17248,7 @@
               </a:spcAft>
             </a:pPr>
             <a:r>
-              <a:rPr lang="en-GB" sz="2199" b="1" noProof="1">
+              <a:rPr lang="en-GB" sz="2400" b="1" noProof="1">
                 <a:latin typeface="Consolas" pitchFamily="49" charset="0"/>
               </a:rPr>
               <a:t>Product: grape, Price: 2.2</a:t>
@@ -16736,13 +17272,13 @@
         </p:nvSpPr>
         <p:spPr bwMode="auto">
           <a:xfrm>
-            <a:off x="1826580" y="6341686"/>
-            <a:ext cx="3286987" cy="463012"/>
+            <a:off x="2091000" y="6271073"/>
+            <a:ext cx="3286987" cy="540698"/>
           </a:xfrm>
           <a:prstGeom prst="wedgeRoundRectCallout">
             <a:avLst>
-              <a:gd name="adj1" fmla="val -60002"/>
-              <a:gd name="adj2" fmla="val -41827"/>
+              <a:gd name="adj1" fmla="val -53710"/>
+              <a:gd name="adj2" fmla="val -55920"/>
               <a:gd name="adj3" fmla="val 16667"/>
             </a:avLst>
           </a:prstGeom>
@@ -16814,13 +17350,13 @@
         </p:nvSpPr>
         <p:spPr bwMode="auto">
           <a:xfrm>
-            <a:off x="1162328" y="4133269"/>
-            <a:ext cx="3958810" cy="463012"/>
+            <a:off x="3537248" y="3567426"/>
+            <a:ext cx="3958810" cy="626573"/>
           </a:xfrm>
           <a:prstGeom prst="wedgeRoundRectCallout">
             <a:avLst>
-              <a:gd name="adj1" fmla="val -55311"/>
-              <a:gd name="adj2" fmla="val 53129"/>
+              <a:gd name="adj1" fmla="val -56686"/>
+              <a:gd name="adj2" fmla="val 41243"/>
               <a:gd name="adj3" fmla="val 16667"/>
             </a:avLst>
           </a:prstGeom>
@@ -17297,21 +17833,21 @@
           <a:lstStyle/>
           <a:p>
             <a:r>
-              <a:rPr lang="en-US" sz="3950" dirty="0"/>
+              <a:rPr lang="en-US" sz="4000" dirty="0"/>
               <a:t>Решение: </a:t>
             </a:r>
             <a:r>
-              <a:rPr lang="en-US" sz="3950" dirty="0">
+              <a:rPr lang="en-US" sz="4000" dirty="0">
                 <a:ea typeface="+mj-lt"/>
                 <a:cs typeface="+mj-lt"/>
               </a:rPr>
-              <a:t> Хранителен магазин</a:t>
-            </a:r>
-            <a:r>
-              <a:rPr lang="en-US" sz="3950" dirty="0"/>
+              <a:t>Хранителен магазин</a:t>
+            </a:r>
+            <a:r>
+              <a:rPr lang="en-US" sz="4000" dirty="0"/>
               <a:t> (1)</a:t>
             </a:r>
-            <a:endParaRPr lang="en-US" sz="3950" dirty="0">
+            <a:endParaRPr lang="en-US" sz="4000" dirty="0">
               <a:cs typeface="Calibri"/>
             </a:endParaRPr>
           </a:p>
@@ -18105,7 +18641,7 @@
         </p:nvSpPr>
         <p:spPr>
           <a:xfrm>
-            <a:off x="190406" y="1359000"/>
+            <a:off x="286766" y="1359000"/>
             <a:ext cx="9049234" cy="5207396"/>
           </a:xfrm>
         </p:spPr>
@@ -18121,14 +18657,22 @@
               </a:buClr>
             </a:pPr>
             <a:r>
-              <a:rPr lang="en-US" sz="3599" b="1" dirty="0">
+              <a:rPr lang="en-US" dirty="0">
                 <a:solidFill>
                   <a:schemeClr val="bg1"/>
                 </a:solidFill>
               </a:rPr>
-              <a:t>Dictionary&lt;K, V&gt;</a:t>
-            </a:r>
-            <a:endParaRPr lang="en-US" sz="3599" dirty="0">
+              <a:t>͏</a:t>
+            </a:r>
+            <a:r>
+              <a:rPr lang="bg-BG" b="1" dirty="0">
+                <a:solidFill>
+                  <a:schemeClr val="bg1"/>
+                </a:solidFill>
+              </a:rPr>
+              <a:t>Речници</a:t>
+            </a:r>
+            <a:endParaRPr lang="en-US" dirty="0">
               <a:solidFill>
                 <a:schemeClr val="bg1"/>
               </a:solidFill>
@@ -18142,14 +18686,22 @@
               </a:buClr>
             </a:pPr>
             <a:r>
-              <a:rPr lang="en-US" sz="3550" b="1" dirty="0">
+              <a:rPr lang="en-US" dirty="0">
                 <a:solidFill>
                   <a:schemeClr val="bg1"/>
                 </a:solidFill>
               </a:rPr>
+              <a:t>͏͏</a:t>
+            </a:r>
+            <a:r>
+              <a:rPr lang="en-US" b="1" dirty="0">
+                <a:solidFill>
+                  <a:schemeClr val="bg1"/>
+                </a:solidFill>
+              </a:rPr>
               <a:t>Мулти-речници</a:t>
             </a:r>
-            <a:endParaRPr lang="en-US" sz="3550" b="1" dirty="0">
+            <a:endParaRPr lang="en-US" b="1" dirty="0">
               <a:solidFill>
                 <a:schemeClr val="bg1"/>
               </a:solidFill>
@@ -18159,20 +18711,10 @@
           <a:p>
             <a:pPr lvl="1" indent="-360045"/>
             <a:r>
-              <a:rPr lang="en-US" sz="3350" dirty="0"/>
-              <a:t>Ключ с множество стойности</a:t>
-            </a:r>
-            <a:endParaRPr lang="en-US" sz="3350" dirty="0">
-              <a:cs typeface="Calibri"/>
-            </a:endParaRPr>
-          </a:p>
-          <a:p>
-            <a:pPr lvl="1" indent="-360045"/>
-            <a:r>
-              <a:rPr lang="en-US" sz="3350" dirty="0"/>
-              <a:t>Речник, който съдържа много речници</a:t>
-            </a:r>
-            <a:endParaRPr lang="en-US" sz="3350" dirty="0">
+              <a:rPr lang="bg-BG" dirty="0"/>
+              <a:t>Сложни речници</a:t>
+            </a:r>
+            <a:endParaRPr lang="en-US" dirty="0">
               <a:cs typeface="Calibri"/>
             </a:endParaRPr>
           </a:p>
@@ -18183,12 +18725,20 @@
               </a:buClr>
             </a:pPr>
             <a:r>
-              <a:rPr lang="en-US" sz="3599" b="1" dirty="0">
+              <a:rPr lang="bg-BG" sz="3599" dirty="0">
                 <a:solidFill>
                   <a:schemeClr val="bg1"/>
                 </a:solidFill>
               </a:rPr>
-              <a:t>Set&lt;T&gt;</a:t>
+              <a:t>͏</a:t>
+            </a:r>
+            <a:r>
+              <a:rPr lang="bg-BG" sz="3599" b="1" dirty="0">
+                <a:solidFill>
+                  <a:schemeClr val="bg1"/>
+                </a:solidFill>
+              </a:rPr>
+              <a:t>Множества</a:t>
             </a:r>
             <a:endParaRPr lang="en-US" sz="3599" b="1" dirty="0">
               <a:solidFill>
@@ -18204,35 +18754,33 @@
               </a:buClr>
             </a:pPr>
             <a:r>
-              <a:rPr lang="en-US" sz="3350" b="1" noProof="1">
+              <a:rPr lang="en-US" b="1" noProof="1">
                 <a:solidFill>
                   <a:schemeClr val="bg1"/>
                 </a:solidFill>
+                <a:latin typeface="Consolas" panose="020B0609020204030204" pitchFamily="49" charset="0"/>
+                <a:cs typeface="Consolas" panose="020B0609020204030204" pitchFamily="49" charset="0"/>
               </a:rPr>
               <a:t>HashSet&lt;T&gt;</a:t>
             </a:r>
             <a:r>
-              <a:rPr lang="en-US" sz="3350" b="1" noProof="1"/>
+              <a:rPr lang="en-US" b="1" noProof="1"/>
               <a:t> </a:t>
             </a:r>
             <a:r>
-              <a:rPr lang="en-US" sz="3350" noProof="1"/>
+              <a:rPr lang="en-US" noProof="1"/>
               <a:t>и </a:t>
             </a:r>
             <a:r>
-              <a:rPr lang="en-US" sz="3350" b="1" noProof="1">
+              <a:rPr lang="en-US" b="1" noProof="1">
                 <a:solidFill>
                   <a:schemeClr val="bg1"/>
                 </a:solidFill>
+                <a:latin typeface="Consolas" panose="020B0609020204030204" pitchFamily="49" charset="0"/>
+                <a:cs typeface="Consolas" panose="020B0609020204030204" pitchFamily="49" charset="0"/>
               </a:rPr>
               <a:t>SortedSet&lt;T&gt;</a:t>
             </a:r>
-            <a:endParaRPr lang="en-US" sz="3350" b="1" noProof="1">
-              <a:solidFill>
-                <a:schemeClr val="bg1"/>
-              </a:solidFill>
-              <a:cs typeface="Calibri"/>
-            </a:endParaRPr>
           </a:p>
           <a:p>
             <a:pPr lvl="1" indent="-360045">
@@ -18241,35 +18789,33 @@
               </a:buClr>
             </a:pPr>
             <a:r>
-              <a:rPr lang="en-US" sz="3350" b="1" noProof="1">
+              <a:rPr lang="en-US" b="1" noProof="1">
                 <a:solidFill>
                   <a:schemeClr val="bg1"/>
                 </a:solidFill>
+                <a:latin typeface="Consolas" panose="020B0609020204030204" pitchFamily="49" charset="0"/>
+                <a:cs typeface="Consolas" panose="020B0609020204030204" pitchFamily="49" charset="0"/>
               </a:rPr>
               <a:t>List&lt;T&gt;</a:t>
             </a:r>
             <a:r>
-              <a:rPr lang="en-US" sz="3350" b="1" noProof="1"/>
+              <a:rPr lang="en-US" b="1" noProof="1"/>
               <a:t> </a:t>
             </a:r>
             <a:r>
-              <a:rPr lang="en-US" sz="3350" noProof="1"/>
+              <a:rPr lang="en-US" noProof="1"/>
               <a:t>срещу </a:t>
             </a:r>
             <a:r>
-              <a:rPr lang="en-US" sz="3350" b="1" noProof="1">
+              <a:rPr lang="en-US" b="1" noProof="1">
                 <a:solidFill>
                   <a:schemeClr val="bg1"/>
                 </a:solidFill>
-              </a:rPr>
-              <a:t>Set&lt;T&gt;</a:t>
-            </a:r>
-            <a:endParaRPr lang="en-US" sz="3350" b="1" noProof="1">
-              <a:solidFill>
-                <a:schemeClr val="bg1"/>
-              </a:solidFill>
-              <a:cs typeface="Calibri"/>
-            </a:endParaRPr>
+                <a:latin typeface="Consolas" panose="020B0609020204030204" pitchFamily="49" charset="0"/>
+                <a:cs typeface="Consolas" panose="020B0609020204030204" pitchFamily="49" charset="0"/>
+              </a:rPr>
+              <a:t>HashSet&lt;T&gt;</a:t>
+            </a:r>
           </a:p>
         </p:txBody>
       </p:sp>
@@ -18495,33 +19041,15 @@
                                   </p:childTnLst>
                                 </p:cTn>
                               </p:par>
-                            </p:childTnLst>
-                          </p:cTn>
-                        </p:par>
-                      </p:childTnLst>
-                    </p:cTn>
-                  </p:par>
-                  <p:par>
-                    <p:cTn id="7" fill="hold">
-                      <p:stCondLst>
-                        <p:cond delay="indefinite"/>
-                      </p:stCondLst>
-                      <p:childTnLst>
-                        <p:par>
-                          <p:cTn id="8" fill="hold">
-                            <p:stCondLst>
-                              <p:cond delay="0"/>
-                            </p:stCondLst>
-                            <p:childTnLst>
                               <p:par>
-                                <p:cTn id="9" presetID="1" presetClass="entr" presetSubtype="0" fill="hold" nodeType="clickEffect">
+                                <p:cTn id="7" presetID="1" presetClass="entr" presetSubtype="0" fill="hold" nodeType="withEffect">
                                   <p:stCondLst>
                                     <p:cond delay="0"/>
                                   </p:stCondLst>
                                   <p:childTnLst>
                                     <p:set>
                                       <p:cBhvr>
-                                        <p:cTn id="10" dur="1" fill="hold">
+                                        <p:cTn id="8" dur="1" fill="hold">
                                           <p:stCondLst>
                                             <p:cond delay="0"/>
                                           </p:stCondLst>
@@ -18551,19 +19079,50 @@
                     </p:cTn>
                   </p:par>
                   <p:par>
-                    <p:cTn id="11" fill="hold">
+                    <p:cTn id="9" fill="hold">
                       <p:stCondLst>
                         <p:cond delay="indefinite"/>
                       </p:stCondLst>
                       <p:childTnLst>
                         <p:par>
-                          <p:cTn id="12" fill="hold">
+                          <p:cTn id="10" fill="hold">
                             <p:stCondLst>
                               <p:cond delay="0"/>
                             </p:stCondLst>
                             <p:childTnLst>
                               <p:par>
-                                <p:cTn id="13" presetID="1" presetClass="entr" presetSubtype="0" fill="hold" nodeType="clickEffect">
+                                <p:cTn id="11" presetID="1" presetClass="entr" presetSubtype="0" fill="hold" nodeType="clickEffect">
+                                  <p:stCondLst>
+                                    <p:cond delay="0"/>
+                                  </p:stCondLst>
+                                  <p:childTnLst>
+                                    <p:set>
+                                      <p:cBhvr>
+                                        <p:cTn id="12" dur="1" fill="hold">
+                                          <p:stCondLst>
+                                            <p:cond delay="0"/>
+                                          </p:stCondLst>
+                                        </p:cTn>
+                                        <p:tgtEl>
+                                          <p:spTgt spid="444419">
+                                            <p:txEl>
+                                              <p:pRg st="3" end="3"/>
+                                            </p:txEl>
+                                          </p:spTgt>
+                                        </p:tgtEl>
+                                        <p:attrNameLst>
+                                          <p:attrName>style.visibility</p:attrName>
+                                        </p:attrNameLst>
+                                      </p:cBhvr>
+                                      <p:to>
+                                        <p:strVal val="visible"/>
+                                      </p:to>
+                                    </p:set>
+                                  </p:childTnLst>
+                                </p:cTn>
+                              </p:par>
+                              <p:par>
+                                <p:cTn id="13" presetID="1" presetClass="entr" presetSubtype="0" fill="hold" nodeType="withEffect">
                                   <p:stCondLst>
                                     <p:cond delay="0"/>
                                   </p:stCondLst>
@@ -18578,7 +19137,7 @@
                                         <p:tgtEl>
                                           <p:spTgt spid="444419">
                                             <p:txEl>
-                                              <p:pRg st="3" end="3"/>
+                                              <p:pRg st="4" end="4"/>
                                             </p:txEl>
                                           </p:spTgt>
                                         </p:tgtEl>
@@ -18627,105 +19186,7 @@
                                         <p:tgtEl>
                                           <p:spTgt spid="444419">
                                             <p:txEl>
-                                              <p:pRg st="4" end="4"/>
-                                            </p:txEl>
-                                          </p:spTgt>
-                                        </p:tgtEl>
-                                        <p:attrNameLst>
-                                          <p:attrName>style.visibility</p:attrName>
-                                        </p:attrNameLst>
-                                      </p:cBhvr>
-                                      <p:to>
-                                        <p:strVal val="visible"/>
-                                      </p:to>
-                                    </p:set>
-                                  </p:childTnLst>
-                                </p:cTn>
-                              </p:par>
-                            </p:childTnLst>
-                          </p:cTn>
-                        </p:par>
-                      </p:childTnLst>
-                    </p:cTn>
-                  </p:par>
-                  <p:par>
-                    <p:cTn id="19" fill="hold">
-                      <p:stCondLst>
-                        <p:cond delay="indefinite"/>
-                      </p:stCondLst>
-                      <p:childTnLst>
-                        <p:par>
-                          <p:cTn id="20" fill="hold">
-                            <p:stCondLst>
-                              <p:cond delay="0"/>
-                            </p:stCondLst>
-                            <p:childTnLst>
-                              <p:par>
-                                <p:cTn id="21" presetID="1" presetClass="entr" presetSubtype="0" fill="hold" nodeType="clickEffect">
-                                  <p:stCondLst>
-                                    <p:cond delay="0"/>
-                                  </p:stCondLst>
-                                  <p:childTnLst>
-                                    <p:set>
-                                      <p:cBhvr>
-                                        <p:cTn id="22" dur="1" fill="hold">
-                                          <p:stCondLst>
-                                            <p:cond delay="0"/>
-                                          </p:stCondLst>
-                                        </p:cTn>
-                                        <p:tgtEl>
-                                          <p:spTgt spid="444419">
-                                            <p:txEl>
                                               <p:pRg st="5" end="5"/>
-                                            </p:txEl>
-                                          </p:spTgt>
-                                        </p:tgtEl>
-                                        <p:attrNameLst>
-                                          <p:attrName>style.visibility</p:attrName>
-                                        </p:attrNameLst>
-                                      </p:cBhvr>
-                                      <p:to>
-                                        <p:strVal val="visible"/>
-                                      </p:to>
-                                    </p:set>
-                                  </p:childTnLst>
-                                </p:cTn>
-                              </p:par>
-                            </p:childTnLst>
-                          </p:cTn>
-                        </p:par>
-                      </p:childTnLst>
-                    </p:cTn>
-                  </p:par>
-                  <p:par>
-                    <p:cTn id="23" fill="hold">
-                      <p:stCondLst>
-                        <p:cond delay="indefinite"/>
-                      </p:stCondLst>
-                      <p:childTnLst>
-                        <p:par>
-                          <p:cTn id="24" fill="hold">
-                            <p:stCondLst>
-                              <p:cond delay="0"/>
-                            </p:stCondLst>
-                            <p:childTnLst>
-                              <p:par>
-                                <p:cTn id="25" presetID="1" presetClass="entr" presetSubtype="0" fill="hold" nodeType="clickEffect">
-                                  <p:stCondLst>
-                                    <p:cond delay="0"/>
-                                  </p:stCondLst>
-                                  <p:childTnLst>
-                                    <p:set>
-                                      <p:cBhvr>
-                                        <p:cTn id="26" dur="1" fill="hold">
-                                          <p:stCondLst>
-                                            <p:cond delay="0"/>
-                                          </p:stCondLst>
-                                        </p:cTn>
-                                        <p:tgtEl>
-                                          <p:spTgt spid="444419">
-                                            <p:txEl>
-                                              <p:pRg st="6" end="6"/>
                                             </p:txEl>
                                           </p:spTgt>
                                         </p:tgtEl>
@@ -18806,21 +19267,21 @@
           <a:lstStyle/>
           <a:p>
             <a:r>
-              <a:rPr lang="en-US" sz="3950" dirty="0"/>
+              <a:rPr lang="en-US" sz="4000" dirty="0"/>
               <a:t>Решение: </a:t>
             </a:r>
             <a:r>
-              <a:rPr lang="en-US" sz="3950" dirty="0">
+              <a:rPr lang="en-US" sz="4000" dirty="0">
                 <a:ea typeface="+mj-lt"/>
                 <a:cs typeface="+mj-lt"/>
               </a:rPr>
-              <a:t> Хранителен магазин</a:t>
-            </a:r>
-            <a:r>
-              <a:rPr lang="en-US" sz="3950" dirty="0"/>
+              <a:t>Хранителен магазин</a:t>
+            </a:r>
+            <a:r>
+              <a:rPr lang="en-US" sz="4000" dirty="0"/>
               <a:t> (2)</a:t>
             </a:r>
-            <a:endParaRPr lang="en-US" sz="3950" dirty="0">
+            <a:endParaRPr lang="en-US" sz="4000" dirty="0">
               <a:cs typeface="Calibri"/>
             </a:endParaRPr>
           </a:p>
@@ -19320,7 +19781,15 @@
             <a:pPr algn="ctr"/>
             <a:r>
               <a:rPr lang="en-US" sz="1950" dirty="0"/>
-              <a:t>Тествайте решението в Judge: </a:t>
+              <a:t>Тествайте решението </a:t>
+            </a:r>
+            <a:r>
+              <a:rPr lang="bg-BG" sz="1950" dirty="0"/>
+              <a:t>си</a:t>
+            </a:r>
+            <a:r>
+              <a:rPr lang="en-US" sz="1950" dirty="0"/>
+              <a:t> в Judge: </a:t>
             </a:r>
             <a:r>
               <a:rPr lang="en-US" sz="1950" dirty="0">
@@ -19720,8 +20189,8 @@
         </p:nvSpPr>
         <p:spPr>
           <a:xfrm>
-            <a:off x="5345" y="1119925"/>
-            <a:ext cx="12395038" cy="5528766"/>
+            <a:off x="140345" y="1119925"/>
+            <a:ext cx="11895655" cy="5528766"/>
           </a:xfrm>
         </p:spPr>
         <p:txBody>
@@ -19735,72 +20204,93 @@
               <a:buChar char="§"/>
             </a:pPr>
             <a:r>
-              <a:rPr lang="en-US" sz="3350" dirty="0">
+              <a:rPr lang="en-US" sz="3400" dirty="0">
                 <a:ea typeface="+mn-lt"/>
                 <a:cs typeface="+mn-lt"/>
               </a:rPr>
-              <a:t>Напишете програма, която чете </a:t>
-            </a:r>
-            <a:r>
-              <a:rPr lang="en-US" sz="3350" b="1" dirty="0">
-                <a:solidFill>
-                  <a:schemeClr val="bg1"/>
-                </a:solidFill>
+              <a:t>Напишете програма, която чете</a:t>
+            </a:r>
+            <a:r>
+              <a:rPr lang="bg-BG" sz="3400" dirty="0">
                 <a:ea typeface="+mn-lt"/>
                 <a:cs typeface="+mn-lt"/>
               </a:rPr>
-              <a:t>континенти, държави и </a:t>
-            </a:r>
-            <a:br>
-              <a:rPr lang="en-US" sz="3350" b="1" dirty="0">
-                <a:solidFill>
-                  <a:schemeClr val="bg1"/>
-                </a:solidFill>
+              <a:t> и съхранява информация за</a:t>
+            </a:r>
+            <a:r>
+              <a:rPr lang="en-US" sz="3400" dirty="0">
                 <a:ea typeface="+mn-lt"/>
                 <a:cs typeface="+mn-lt"/>
               </a:rPr>
-            </a:br>
-            <a:r>
-              <a:rPr lang="en-US" sz="3350" b="1" dirty="0">
+              <a:t> </a:t>
+            </a:r>
+            <a:r>
+              <a:rPr lang="en-US" sz="3400" b="1" dirty="0">
                 <a:solidFill>
                   <a:schemeClr val="bg1"/>
                 </a:solidFill>
                 <a:ea typeface="+mn-lt"/>
                 <a:cs typeface="+mn-lt"/>
               </a:rPr>
-              <a:t>градове</a:t>
-            </a:r>
-            <a:r>
-              <a:rPr lang="en-US" sz="3350" dirty="0">
+              <a:t>континенти</a:t>
+            </a:r>
+            <a:r>
+              <a:rPr lang="en-US" sz="3400" dirty="0">
                 <a:ea typeface="+mn-lt"/>
                 <a:cs typeface="+mn-lt"/>
               </a:rPr>
-              <a:t>. След това ги сложете в </a:t>
-            </a:r>
-            <a:r>
-              <a:rPr lang="en-US" sz="3350" b="1" dirty="0">
+              <a:t>,</a:t>
+            </a:r>
+            <a:r>
+              <a:rPr lang="en-US" sz="3400" b="1" dirty="0">
                 <a:solidFill>
                   <a:schemeClr val="bg1"/>
                 </a:solidFill>
                 <a:ea typeface="+mn-lt"/>
                 <a:cs typeface="+mn-lt"/>
               </a:rPr>
-              <a:t>сложен списък</a:t>
-            </a:r>
-            <a:r>
-              <a:rPr lang="en-US" sz="3350" dirty="0">
+              <a:t> държави </a:t>
+            </a:r>
+            <a:r>
+              <a:rPr lang="en-US" sz="3400" dirty="0">
                 <a:ea typeface="+mn-lt"/>
                 <a:cs typeface="+mn-lt"/>
               </a:rPr>
-              <a:t> и ги отпечатайте</a:t>
-            </a:r>
-          </a:p>
-          <a:p>
-            <a:pPr marL="0" indent="0">
-              <a:buNone/>
+              <a:t>и</a:t>
+            </a:r>
+            <a:r>
+              <a:rPr lang="en-US" sz="3400" b="1" dirty="0">
+                <a:solidFill>
+                  <a:schemeClr val="bg1"/>
+                </a:solidFill>
+                <a:ea typeface="+mn-lt"/>
+                <a:cs typeface="+mn-lt"/>
+              </a:rPr>
+              <a:t> градове</a:t>
+            </a:r>
+            <a:endParaRPr lang="bg-BG" sz="3400" b="1" dirty="0">
+              <a:solidFill>
+                <a:schemeClr val="bg1"/>
+              </a:solidFill>
+              <a:ea typeface="+mn-lt"/>
+              <a:cs typeface="+mn-lt"/>
+            </a:endParaRPr>
+          </a:p>
+          <a:p>
+            <a:pPr marL="360045" indent="-360045">
+              <a:buFont typeface="Wingdings"/>
+              <a:buChar char="§"/>
             </a:pPr>
-            <a:endParaRPr lang="en-US" sz="3350" dirty="0">
-              <a:cs typeface="Calibri"/>
+            <a:r>
+              <a:rPr lang="bg-BG" sz="3400" dirty="0">
+                <a:ea typeface="+mn-lt"/>
+                <a:cs typeface="+mn-lt"/>
+              </a:rPr>
+              <a:t>Отпечатайте ги в следния формат:</a:t>
+            </a:r>
+            <a:endParaRPr lang="en-US" sz="3400" dirty="0">
+              <a:ea typeface="+mn-lt"/>
+              <a:cs typeface="+mn-lt"/>
             </a:endParaRPr>
           </a:p>
         </p:txBody>
@@ -19840,7 +20330,7 @@
         </p:nvSpPr>
         <p:spPr bwMode="auto">
           <a:xfrm>
-            <a:off x="1458609" y="2521131"/>
+            <a:off x="1458609" y="3113595"/>
             <a:ext cx="3699564" cy="3510405"/>
           </a:xfrm>
           <a:prstGeom prst="rect">
@@ -19987,7 +20477,7 @@
         </p:nvSpPr>
         <p:spPr>
           <a:xfrm>
-            <a:off x="5475670" y="4103285"/>
+            <a:off x="5474727" y="4689461"/>
             <a:ext cx="380901" cy="346090"/>
           </a:xfrm>
           <a:prstGeom prst="rightArrow">
@@ -20059,7 +20549,7 @@
         </p:nvSpPr>
         <p:spPr bwMode="auto">
           <a:xfrm>
-            <a:off x="6172181" y="2514840"/>
+            <a:off x="6172181" y="3107304"/>
             <a:ext cx="4708773" cy="3510405"/>
           </a:xfrm>
           <a:prstGeom prst="rect">
@@ -20279,7 +20769,7 @@
                             </p:stCondLst>
                             <p:childTnLst>
                               <p:par>
-                                <p:cTn id="5" presetID="1" presetClass="entr" presetSubtype="0" fill="hold" grpId="0" nodeType="clickEffect">
+                                <p:cTn id="5" presetID="1" presetClass="entr" presetSubtype="0" fill="hold" nodeType="clickEffect">
                                   <p:stCondLst>
                                     <p:cond delay="0"/>
                                   </p:stCondLst>
@@ -20287,6 +20777,55 @@
                                     <p:set>
                                       <p:cBhvr>
                                         <p:cTn id="6" dur="1" fill="hold">
+                                          <p:stCondLst>
+                                            <p:cond delay="0"/>
+                                          </p:stCondLst>
+                                        </p:cTn>
+                                        <p:tgtEl>
+                                          <p:spTgt spid="3">
+                                            <p:txEl>
+                                              <p:pRg st="1" end="1"/>
+                                            </p:txEl>
+                                          </p:spTgt>
+                                        </p:tgtEl>
+                                        <p:attrNameLst>
+                                          <p:attrName>style.visibility</p:attrName>
+                                        </p:attrNameLst>
+                                      </p:cBhvr>
+                                      <p:to>
+                                        <p:strVal val="visible"/>
+                                      </p:to>
+                                    </p:set>
+                                  </p:childTnLst>
+                                </p:cTn>
+                              </p:par>
+                            </p:childTnLst>
+                          </p:cTn>
+                        </p:par>
+                      </p:childTnLst>
+                    </p:cTn>
+                  </p:par>
+                  <p:par>
+                    <p:cTn id="7" fill="hold">
+                      <p:stCondLst>
+                        <p:cond delay="indefinite"/>
+                      </p:stCondLst>
+                      <p:childTnLst>
+                        <p:par>
+                          <p:cTn id="8" fill="hold">
+                            <p:stCondLst>
+                              <p:cond delay="0"/>
+                            </p:stCondLst>
+                            <p:childTnLst>
+                              <p:par>
+                                <p:cTn id="9" presetID="1" presetClass="entr" presetSubtype="0" fill="hold" grpId="0" nodeType="clickEffect">
+                                  <p:stCondLst>
+                                    <p:cond delay="0"/>
+                                  </p:stCondLst>
+                                  <p:childTnLst>
+                                    <p:set>
+                                      <p:cBhvr>
+                                        <p:cTn id="10" dur="1" fill="hold">
                                           <p:stCondLst>
                                             <p:cond delay="0"/>
                                           </p:stCondLst>
@@ -20306,14 +20845,14 @@
                                 </p:cTn>
                               </p:par>
                               <p:par>
-                                <p:cTn id="7" presetID="1" presetClass="entr" presetSubtype="0" fill="hold" grpId="0" nodeType="withEffect">
+                                <p:cTn id="11" presetID="1" presetClass="entr" presetSubtype="0" fill="hold" grpId="0" nodeType="withEffect">
                                   <p:stCondLst>
                                     <p:cond delay="0"/>
                                   </p:stCondLst>
                                   <p:childTnLst>
                                     <p:set>
                                       <p:cBhvr>
-                                        <p:cTn id="8" dur="1" fill="hold">
+                                        <p:cTn id="12" dur="1" fill="hold">
                                           <p:stCondLst>
                                             <p:cond delay="0"/>
                                           </p:stCondLst>
@@ -20333,14 +20872,14 @@
                                 </p:cTn>
                               </p:par>
                               <p:par>
-                                <p:cTn id="9" presetID="1" presetClass="entr" presetSubtype="0" fill="hold" grpId="0" nodeType="withEffect">
+                                <p:cTn id="13" presetID="1" presetClass="entr" presetSubtype="0" fill="hold" grpId="0" nodeType="withEffect">
                                   <p:stCondLst>
                                     <p:cond delay="0"/>
                                   </p:stCondLst>
                                   <p:childTnLst>
                                     <p:set>
                                       <p:cBhvr>
-                                        <p:cTn id="10" dur="1" fill="hold">
+                                        <p:cTn id="14" dur="1" fill="hold">
                                           <p:stCondLst>
                                             <p:cond delay="0"/>
                                           </p:stCondLst>
@@ -20422,26 +20961,31 @@
             <p:ph type="title"/>
           </p:nvPr>
         </p:nvSpPr>
-        <p:spPr/>
+        <p:spPr>
+          <a:xfrm>
+            <a:off x="66000" y="99000"/>
+            <a:ext cx="9955594" cy="882654"/>
+          </a:xfrm>
+        </p:spPr>
         <p:txBody>
           <a:bodyPr>
-            <a:normAutofit fontScale="90000"/>
+            <a:noAutofit/>
           </a:bodyPr>
           <a:lstStyle/>
           <a:p>
             <a:r>
-              <a:rPr lang="en-US" sz="3950" dirty="0"/>
+              <a:rPr lang="en-US" sz="3800" dirty="0"/>
               <a:t>Решение: </a:t>
             </a:r>
             <a:r>
-              <a:rPr lang="en-US" sz="3950" dirty="0">
+              <a:rPr lang="en-US" sz="3800" dirty="0">
                 <a:ea typeface="+mj-lt"/>
                 <a:cs typeface="+mj-lt"/>
               </a:rPr>
               <a:t>Градове по континент и държава</a:t>
             </a:r>
             <a:r>
-              <a:rPr lang="en-US" sz="3950" dirty="0"/>
+              <a:rPr lang="en-US" sz="3800" dirty="0"/>
               <a:t> (1)</a:t>
             </a:r>
           </a:p>
@@ -21200,36 +21744,41 @@
             <p:ph type="title"/>
           </p:nvPr>
         </p:nvSpPr>
-        <p:spPr/>
+        <p:spPr>
+          <a:xfrm>
+            <a:off x="66000" y="100750"/>
+            <a:ext cx="10090594" cy="882654"/>
+          </a:xfrm>
+        </p:spPr>
         <p:txBody>
           <a:bodyPr>
-            <a:normAutofit fontScale="90000"/>
+            <a:noAutofit/>
           </a:bodyPr>
           <a:lstStyle/>
           <a:p>
             <a:r>
-              <a:rPr lang="en-US" sz="3950" dirty="0">
+              <a:rPr lang="en-US" sz="3800" dirty="0">
                 <a:ea typeface="+mj-lt"/>
                 <a:cs typeface="+mj-lt"/>
               </a:rPr>
               <a:t>Решение</a:t>
             </a:r>
             <a:r>
-              <a:rPr lang="en-US" sz="3950" dirty="0"/>
+              <a:rPr lang="en-US" sz="3800" dirty="0"/>
               <a:t>: </a:t>
             </a:r>
             <a:r>
-              <a:rPr lang="en-US" sz="3950" dirty="0">
+              <a:rPr lang="en-US" sz="3800" dirty="0">
                 <a:ea typeface="+mj-lt"/>
                 <a:cs typeface="+mj-lt"/>
               </a:rPr>
               <a:t>Градове по континент и държава</a:t>
             </a:r>
             <a:r>
-              <a:rPr lang="en-US" sz="3950" dirty="0"/>
+              <a:rPr lang="en-US" sz="3800" dirty="0"/>
               <a:t> (2)</a:t>
             </a:r>
-            <a:endParaRPr lang="bg-BG" dirty="0"/>
+            <a:endParaRPr lang="bg-BG" sz="3800" dirty="0"/>
           </a:p>
         </p:txBody>
       </p:sp>
@@ -21636,8 +22185,8 @@
         </p:nvSpPr>
         <p:spPr bwMode="auto">
           <a:xfrm>
-            <a:off x="8731554" y="1758001"/>
-            <a:ext cx="2834262" cy="820564"/>
+            <a:off x="8731554" y="1632960"/>
+            <a:ext cx="2834262" cy="945605"/>
           </a:xfrm>
           <a:prstGeom prst="wedgeRoundRectCallout">
             <a:avLst>
@@ -21693,9 +22242,26 @@
                   <a:srgbClr val="FFFFFF"/>
                 </a:solidFill>
               </a:rPr>
-              <a:t>Инициализираме континенти</a:t>
+              <a:t>Инициализираме </a:t>
+            </a:r>
+            <a:r>
+              <a:rPr lang="bg-BG" sz="2550" b="1" noProof="1">
+                <a:solidFill>
+                  <a:schemeClr val="bg1">
+                    <a:lumMod val="60000"/>
+                    <a:lumOff val="40000"/>
+                  </a:schemeClr>
+                </a:solidFill>
+              </a:rPr>
+              <a:t>континентите</a:t>
             </a:r>
             <a:endParaRPr lang="bg-BG" dirty="0">
+              <a:solidFill>
+                <a:schemeClr val="bg1">
+                  <a:lumMod val="60000"/>
+                  <a:lumOff val="40000"/>
+                </a:schemeClr>
+              </a:solidFill>
               <a:cs typeface="Calibri"/>
             </a:endParaRPr>
           </a:p>
@@ -21717,13 +22283,13 @@
         </p:nvSpPr>
         <p:spPr bwMode="auto">
           <a:xfrm>
-            <a:off x="8015059" y="5486455"/>
-            <a:ext cx="2626348" cy="958023"/>
+            <a:off x="7806956" y="5697477"/>
+            <a:ext cx="2625941" cy="958023"/>
           </a:xfrm>
           <a:prstGeom prst="wedgeRoundRectCallout">
             <a:avLst>
-              <a:gd name="adj1" fmla="val -64961"/>
-              <a:gd name="adj2" fmla="val -52488"/>
+              <a:gd name="adj1" fmla="val -43405"/>
+              <a:gd name="adj2" fmla="val -82031"/>
               <a:gd name="adj3" fmla="val 16667"/>
             </a:avLst>
           </a:prstGeom>
@@ -21774,7 +22340,34 @@
                   <a:srgbClr val="FFFFFF"/>
                 </a:solidFill>
               </a:rPr>
-              <a:t>Добавяме към държава град</a:t>
+              <a:t>Добавяме </a:t>
+            </a:r>
+            <a:r>
+              <a:rPr lang="bg-BG" sz="2550" b="1" noProof="1">
+                <a:solidFill>
+                  <a:schemeClr val="bg1">
+                    <a:lumMod val="60000"/>
+                    <a:lumOff val="40000"/>
+                  </a:schemeClr>
+                </a:solidFill>
+              </a:rPr>
+              <a:t>града </a:t>
+            </a:r>
+            <a:r>
+              <a:rPr lang="nb-NO" sz="2550" b="1" noProof="1">
+                <a:solidFill>
+                  <a:srgbClr val="FFFFFF"/>
+                </a:solidFill>
+              </a:rPr>
+              <a:t>към държава</a:t>
+            </a:r>
+            <a:r>
+              <a:rPr lang="bg-BG" sz="2550" b="1" noProof="1">
+                <a:solidFill>
+                  <a:srgbClr val="FFFFFF"/>
+                </a:solidFill>
+              </a:rPr>
+              <a:t>та</a:t>
             </a:r>
             <a:endParaRPr lang="nb-NO" sz="2550" b="1" noProof="1">
               <a:solidFill>
@@ -21802,7 +22395,7 @@
         <p:spPr bwMode="auto">
           <a:xfrm>
             <a:off x="9328234" y="4445914"/>
-            <a:ext cx="2611141" cy="779126"/>
+            <a:ext cx="2792210" cy="945604"/>
           </a:xfrm>
           <a:prstGeom prst="wedgeRoundRectCallout">
             <a:avLst>
@@ -21858,9 +22451,38 @@
                   <a:srgbClr val="FFFFFF"/>
                 </a:solidFill>
               </a:rPr>
-              <a:t>Инициализираме градове</a:t>
-            </a:r>
-            <a:endParaRPr lang="bg-BG" dirty="0"/>
+              <a:t>Инициализираме </a:t>
+            </a:r>
+            <a:r>
+              <a:rPr lang="nb-NO" sz="2550" b="1" noProof="1">
+                <a:solidFill>
+                  <a:schemeClr val="bg1">
+                    <a:lumMod val="60000"/>
+                    <a:lumOff val="40000"/>
+                  </a:schemeClr>
+                </a:solidFill>
+              </a:rPr>
+              <a:t>градове</a:t>
+            </a:r>
+            <a:r>
+              <a:rPr lang="bg-BG" sz="2550" b="1" noProof="1">
+                <a:solidFill>
+                  <a:schemeClr val="bg1">
+                    <a:lumMod val="60000"/>
+                    <a:lumOff val="40000"/>
+                  </a:schemeClr>
+                </a:solidFill>
+              </a:rPr>
+              <a:t>те</a:t>
+            </a:r>
+            <a:endParaRPr lang="bg-BG" dirty="0">
+              <a:solidFill>
+                <a:schemeClr val="bg1">
+                  <a:lumMod val="60000"/>
+                  <a:lumOff val="40000"/>
+                </a:schemeClr>
+              </a:solidFill>
+            </a:endParaRPr>
           </a:p>
         </p:txBody>
       </p:sp>
@@ -22480,36 +23102,41 @@
             <p:ph type="title"/>
           </p:nvPr>
         </p:nvSpPr>
-        <p:spPr/>
+        <p:spPr>
+          <a:xfrm>
+            <a:off x="66000" y="100750"/>
+            <a:ext cx="10045594" cy="882654"/>
+          </a:xfrm>
+        </p:spPr>
         <p:txBody>
           <a:bodyPr>
-            <a:normAutofit fontScale="90000"/>
+            <a:noAutofit/>
           </a:bodyPr>
           <a:lstStyle/>
           <a:p>
             <a:r>
-              <a:rPr lang="en-US" sz="3950" dirty="0">
+              <a:rPr lang="en-US" sz="3800" dirty="0">
                 <a:ea typeface="+mj-lt"/>
                 <a:cs typeface="+mj-lt"/>
               </a:rPr>
               <a:t>Решение</a:t>
             </a:r>
             <a:r>
-              <a:rPr lang="en-US" sz="3950" dirty="0"/>
+              <a:rPr lang="en-US" sz="3800" dirty="0"/>
               <a:t>:</a:t>
             </a:r>
             <a:r>
-              <a:rPr lang="en-US" sz="3950" dirty="0">
+              <a:rPr lang="en-US" sz="3800" dirty="0">
                 <a:ea typeface="+mj-lt"/>
                 <a:cs typeface="+mj-lt"/>
               </a:rPr>
               <a:t> Градове по континент и държава</a:t>
             </a:r>
             <a:r>
-              <a:rPr lang="en-US" sz="3950" dirty="0"/>
+              <a:rPr lang="en-US" sz="3800" dirty="0"/>
               <a:t> (3)</a:t>
             </a:r>
-            <a:endParaRPr lang="en-US" sz="3950" dirty="0">
+            <a:endParaRPr lang="en-US" sz="3800" dirty="0">
               <a:cs typeface="Calibri"/>
             </a:endParaRPr>
           </a:p>
@@ -22821,7 +23448,43 @@
                 </a:solidFill>
                 <a:latin typeface="Consolas"/>
               </a:rPr>
-              <a:t> Отпечатайте държавите с нейните градове</a:t>
+              <a:t> </a:t>
+            </a:r>
+            <a:r>
+              <a:rPr lang="bg-BG" sz="2400" i="1" dirty="0">
+                <a:solidFill>
+                  <a:schemeClr val="accent2"/>
+                </a:solidFill>
+                <a:latin typeface="Consolas"/>
+              </a:rPr>
+              <a:t>Отпечатайте</a:t>
+            </a:r>
+            <a:r>
+              <a:rPr lang="en-US" sz="2400" i="1" dirty="0">
+                <a:solidFill>
+                  <a:schemeClr val="accent2"/>
+                </a:solidFill>
+                <a:latin typeface="Consolas"/>
+              </a:rPr>
+              <a:t> </a:t>
+            </a:r>
+            <a:r>
+              <a:rPr lang="bg-BG" sz="2400" i="1" dirty="0">
+                <a:solidFill>
+                  <a:schemeClr val="accent2"/>
+                </a:solidFill>
+                <a:latin typeface="Consolas"/>
+              </a:rPr>
+              <a:t>държавата с нейните </a:t>
+            </a:r>
+            <a:r>
+              <a:rPr lang="en-US" sz="2400" i="1" dirty="0">
+                <a:solidFill>
+                  <a:schemeClr val="accent2"/>
+                </a:solidFill>
+                <a:latin typeface="Consolas"/>
+              </a:rPr>
+              <a:t>градове</a:t>
             </a:r>
             <a:endParaRPr lang="en-US" sz="2400" i="1" dirty="0">
               <a:solidFill>
@@ -23004,7 +23667,15 @@
             <a:pPr algn="ctr"/>
             <a:r>
               <a:rPr lang="en-US" sz="1950" dirty="0"/>
-              <a:t>Тествайте решението в Judge: </a:t>
+              <a:t>Тествайте решението </a:t>
+            </a:r>
+            <a:r>
+              <a:rPr lang="bg-BG" sz="1950" dirty="0"/>
+              <a:t>си </a:t>
+            </a:r>
+            <a:r>
+              <a:rPr lang="en-US" sz="1950" dirty="0"/>
+              <a:t>в Judge: </a:t>
             </a:r>
             <a:r>
               <a:rPr lang="en-US" sz="1950" dirty="0">
@@ -23470,6 +24141,54 @@
       </p:pic>
       <p:sp>
         <p:nvSpPr>
+          <p:cNvPr id="3" name="Subtitle 2">
+            <a:extLst>
+              <a:ext uri="{FF2B5EF4-FFF2-40B4-BE49-F238E27FC236}">
+                <a16:creationId xmlns:a16="http://schemas.microsoft.com/office/drawing/2014/main" id="{96488454-BE5F-F13B-6668-C99FDF892FBE}"/>
+              </a:ext>
+            </a:extLst>
+          </p:cNvPr>
+          <p:cNvSpPr>
+            <a:spLocks noGrp="1"/>
+          </p:cNvSpPr>
+          <p:nvPr>
+            <p:ph type="subTitle" sz="quarter" idx="11"/>
+          </p:nvPr>
+        </p:nvSpPr>
+        <p:spPr/>
+        <p:txBody>
+          <a:bodyPr/>
+          <a:lstStyle/>
+          <a:p>
+            <a:r>
+              <a:rPr lang="en-GB" sz="4000" dirty="0">
+                <a:latin typeface="Consolas" panose="020B0609020204030204" pitchFamily="49" charset="0"/>
+                <a:cs typeface="Consolas" panose="020B0609020204030204" pitchFamily="49" charset="0"/>
+              </a:rPr>
+              <a:t>HashSet&lt;T&gt;</a:t>
+            </a:r>
+            <a:r>
+              <a:rPr lang="en-GB" sz="4000" dirty="0">
+                <a:cs typeface="Arial"/>
+              </a:rPr>
+              <a:t> и </a:t>
+            </a:r>
+            <a:r>
+              <a:rPr lang="en-GB" sz="4000" dirty="0">
+                <a:latin typeface="Consolas" panose="020B0609020204030204" pitchFamily="49" charset="0"/>
+                <a:cs typeface="Consolas" panose="020B0609020204030204" pitchFamily="49" charset="0"/>
+              </a:rPr>
+              <a:t>SortedSet&lt;T&gt;</a:t>
+            </a:r>
+            <a:endParaRPr lang="en-BG" dirty="0">
+              <a:latin typeface="Consolas" panose="020B0609020204030204" pitchFamily="49" charset="0"/>
+              <a:cs typeface="Consolas" panose="020B0609020204030204" pitchFamily="49" charset="0"/>
+            </a:endParaRPr>
+          </a:p>
+        </p:txBody>
+      </p:sp>
+      <p:sp>
+        <p:nvSpPr>
           <p:cNvPr id="5" name="Title 4">
             <a:extLst>
               <a:ext uri="{FF2B5EF4-FFF2-40B4-BE49-F238E27FC236}">
@@ -23484,20 +24203,21 @@
             <p:ph type="title" sz="quarter" idx="10"/>
           </p:nvPr>
         </p:nvSpPr>
-        <p:spPr/>
+        <p:spPr>
+          <a:xfrm>
+            <a:off x="615109" y="4704825"/>
+            <a:ext cx="10961783" cy="768084"/>
+          </a:xfrm>
+        </p:spPr>
         <p:txBody>
           <a:bodyPr/>
           <a:lstStyle/>
           <a:p>
             <a:r>
-              <a:rPr lang="en-GB" sz="5350" dirty="0">
-                <a:cs typeface="Arial"/>
-              </a:rPr>
-              <a:t>HashSet&lt;T&gt; и SortedSet&lt;T&gt;</a:t>
-            </a:r>
-            <a:endParaRPr lang="en-US" sz="5350" dirty="0">
-              <a:cs typeface="Arial"/>
-            </a:endParaRPr>
+              <a:rPr lang="bg-BG" dirty="0"/>
+              <a:t>Множества</a:t>
+            </a:r>
+            <a:endParaRPr lang="en-US" dirty="0"/>
           </a:p>
         </p:txBody>
       </p:sp>
@@ -23552,7 +24272,7 @@
         <p:spPr/>
         <p:txBody>
           <a:bodyPr vert="horz" lIns="108000" tIns="36000" rIns="108000" bIns="36000" rtlCol="0" anchor="t">
-            <a:normAutofit/>
+            <a:normAutofit lnSpcReduction="10000"/>
           </a:bodyPr>
           <a:lstStyle/>
           <a:p>
@@ -23560,10 +24280,43 @@
               <a:lnSpc>
                 <a:spcPct val="100000"/>
               </a:lnSpc>
+              <a:buClr>
+                <a:schemeClr val="tx1"/>
+              </a:buClr>
             </a:pPr>
             <a:r>
+              <a:rPr lang="bg-BG" sz="3600" b="1" dirty="0">
+                <a:solidFill>
+                  <a:schemeClr val="bg1"/>
+                </a:solidFill>
+              </a:rPr>
+              <a:t>Множество </a:t>
+            </a:r>
+            <a:r>
+              <a:rPr lang="bg-BG" sz="3600" dirty="0"/>
+              <a:t>(</a:t>
+            </a:r>
+            <a:r>
+              <a:rPr lang="en-US" sz="3600" b="1" dirty="0">
+                <a:solidFill>
+                  <a:schemeClr val="bg1"/>
+                </a:solidFill>
+                <a:latin typeface="Consolas" panose="020B0609020204030204" pitchFamily="49" charset="0"/>
+                <a:cs typeface="Consolas" panose="020B0609020204030204" pitchFamily="49" charset="0"/>
+              </a:rPr>
+              <a:t>Set</a:t>
+            </a:r>
+            <a:r>
               <a:rPr lang="en-US" sz="3600" dirty="0"/>
-              <a:t>Сетът съдържа </a:t>
+              <a:t>) </a:t>
+            </a:r>
+            <a:r>
+              <a:rPr lang="bg-BG" sz="3600" dirty="0"/>
+              <a:t>== съвкупност от</a:t>
+            </a:r>
+            <a:r>
+              <a:rPr lang="en-US" sz="3600" dirty="0"/>
+              <a:t> </a:t>
             </a:r>
             <a:r>
               <a:rPr lang="en-US" sz="3600" b="1" dirty="0">
@@ -23638,20 +24391,9 @@
             </a:pPr>
             <a:r>
               <a:rPr lang="en-US" sz="3350" dirty="0"/>
-              <a:t>Много </a:t>
-            </a:r>
-            <a:r>
-              <a:rPr lang="en-US" sz="3350" b="1" dirty="0">
-                <a:solidFill>
-                  <a:schemeClr val="bg1"/>
-                </a:solidFill>
-              </a:rPr>
-              <a:t>бързо изпълнение </a:t>
-            </a:r>
-            <a:endParaRPr lang="en-US" sz="3350" b="1" dirty="0">
-              <a:solidFill>
-                <a:schemeClr val="bg1"/>
-              </a:solidFill>
+              <a:t>Много бързо изпълнение </a:t>
+            </a:r>
+            <a:endParaRPr lang="en-US" sz="3350" dirty="0">
               <a:cs typeface="Calibri"/>
             </a:endParaRPr>
           </a:p>
@@ -23782,13 +24524,16 @@
         </p:nvSpPr>
         <p:spPr/>
         <p:txBody>
-          <a:bodyPr/>
+          <a:bodyPr>
+            <a:normAutofit/>
+          </a:bodyPr>
           <a:lstStyle/>
           <a:p>
             <a:r>
-              <a:rPr lang="en-US" sz="3950" dirty="0"/>
-              <a:t>Сет в C#</a:t>
-            </a:r>
+              <a:rPr lang="bg-BG" sz="4000" dirty="0"/>
+              <a:t>Множества</a:t>
+            </a:r>
+            <a:endParaRPr lang="en-US" sz="4000" dirty="0"/>
           </a:p>
         </p:txBody>
       </p:sp>
@@ -23976,7 +24721,7 @@
                                         <p:tgtEl>
                                           <p:spTgt spid="3">
                                             <p:txEl>
-                                              <p:pRg st="1" end="1"/>
+                                              <p:pRg st="2" end="2"/>
                                             </p:txEl>
                                           </p:spTgt>
                                         </p:tgtEl>
@@ -24025,7 +24770,38 @@
                                         <p:tgtEl>
                                           <p:spTgt spid="3">
                                             <p:txEl>
-                                              <p:pRg st="2" end="2"/>
+                                              <p:pRg st="3" end="3"/>
+                                            </p:txEl>
+                                          </p:spTgt>
+                                        </p:tgtEl>
+                                        <p:attrNameLst>
+                                          <p:attrName>style.visibility</p:attrName>
+                                        </p:attrNameLst>
+                                      </p:cBhvr>
+                                      <p:to>
+                                        <p:strVal val="visible"/>
+                                      </p:to>
+                                    </p:set>
+                                  </p:childTnLst>
+                                </p:cTn>
+                              </p:par>
+                              <p:par>
+                                <p:cTn id="11" presetID="1" presetClass="entr" presetSubtype="0" fill="hold" nodeType="withEffect">
+                                  <p:stCondLst>
+                                    <p:cond delay="0"/>
+                                  </p:stCondLst>
+                                  <p:childTnLst>
+                                    <p:set>
+                                      <p:cBhvr>
+                                        <p:cTn id="12" dur="1" fill="hold">
+                                          <p:stCondLst>
+                                            <p:cond delay="0"/>
+                                          </p:stCondLst>
+                                        </p:cTn>
+                                        <p:tgtEl>
+                                          <p:spTgt spid="3">
+                                            <p:txEl>
+                                              <p:pRg st="4" end="4"/>
                                             </p:txEl>
                                           </p:spTgt>
                                         </p:tgtEl>
@@ -24047,50 +24823,19 @@
                     </p:cTn>
                   </p:par>
                   <p:par>
-                    <p:cTn id="11" fill="hold">
+                    <p:cTn id="13" fill="hold">
                       <p:stCondLst>
                         <p:cond delay="indefinite"/>
                       </p:stCondLst>
                       <p:childTnLst>
                         <p:par>
-                          <p:cTn id="12" fill="hold">
+                          <p:cTn id="14" fill="hold">
                             <p:stCondLst>
                               <p:cond delay="0"/>
                             </p:stCondLst>
                             <p:childTnLst>
                               <p:par>
-                                <p:cTn id="13" presetID="1" presetClass="entr" presetSubtype="0" fill="hold" nodeType="clickEffect">
-                                  <p:stCondLst>
-                                    <p:cond delay="0"/>
-                                  </p:stCondLst>
-                                  <p:childTnLst>
-                                    <p:set>
-                                      <p:cBhvr>
-                                        <p:cTn id="14" dur="1" fill="hold">
-                                          <p:stCondLst>
-                                            <p:cond delay="0"/>
-                                          </p:stCondLst>
-                                        </p:cTn>
-                                        <p:tgtEl>
-                                          <p:spTgt spid="3">
-                                            <p:txEl>
-                                              <p:pRg st="3" end="3"/>
-                                            </p:txEl>
-                                          </p:spTgt>
-                                        </p:tgtEl>
-                                        <p:attrNameLst>
-                                          <p:attrName>style.visibility</p:attrName>
-                                        </p:attrNameLst>
-                                      </p:cBhvr>
-                                      <p:to>
-                                        <p:strVal val="visible"/>
-                                      </p:to>
-                                    </p:set>
-                                  </p:childTnLst>
-                                </p:cTn>
-                              </p:par>
-                              <p:par>
-                                <p:cTn id="15" presetID="1" presetClass="entr" presetSubtype="0" fill="hold" nodeType="withEffect">
+                                <p:cTn id="15" presetID="1" presetClass="entr" presetSubtype="0" fill="hold" nodeType="clickEffect">
                                   <p:stCondLst>
                                     <p:cond delay="0"/>
                                   </p:stCondLst>
@@ -24105,7 +24850,7 @@
                                         <p:tgtEl>
                                           <p:spTgt spid="3">
                                             <p:txEl>
-                                              <p:pRg st="4" end="4"/>
+                                              <p:pRg st="5" end="5"/>
                                             </p:txEl>
                                           </p:spTgt>
                                         </p:tgtEl>
@@ -24147,55 +24892,6 @@
                                     <p:set>
                                       <p:cBhvr>
                                         <p:cTn id="20" dur="1" fill="hold">
-                                          <p:stCondLst>
-                                            <p:cond delay="0"/>
-                                          </p:stCondLst>
-                                        </p:cTn>
-                                        <p:tgtEl>
-                                          <p:spTgt spid="3">
-                                            <p:txEl>
-                                              <p:pRg st="5" end="5"/>
-                                            </p:txEl>
-                                          </p:spTgt>
-                                        </p:tgtEl>
-                                        <p:attrNameLst>
-                                          <p:attrName>style.visibility</p:attrName>
-                                        </p:attrNameLst>
-                                      </p:cBhvr>
-                                      <p:to>
-                                        <p:strVal val="visible"/>
-                                      </p:to>
-                                    </p:set>
-                                  </p:childTnLst>
-                                </p:cTn>
-                              </p:par>
-                            </p:childTnLst>
-                          </p:cTn>
-                        </p:par>
-                      </p:childTnLst>
-                    </p:cTn>
-                  </p:par>
-                  <p:par>
-                    <p:cTn id="21" fill="hold">
-                      <p:stCondLst>
-                        <p:cond delay="indefinite"/>
-                      </p:stCondLst>
-                      <p:childTnLst>
-                        <p:par>
-                          <p:cTn id="22" fill="hold">
-                            <p:stCondLst>
-                              <p:cond delay="0"/>
-                            </p:stCondLst>
-                            <p:childTnLst>
-                              <p:par>
-                                <p:cTn id="23" presetID="1" presetClass="entr" presetSubtype="0" fill="hold" nodeType="clickEffect">
-                                  <p:stCondLst>
-                                    <p:cond delay="0"/>
-                                  </p:stCondLst>
-                                  <p:childTnLst>
-                                    <p:set>
-                                      <p:cBhvr>
-                                        <p:cTn id="24" dur="1" fill="hold">
                                           <p:stCondLst>
                                             <p:cond delay="0"/>
                                           </p:stCondLst>
@@ -24268,757 +24964,6 @@
       </p:grpSpPr>
       <p:sp>
         <p:nvSpPr>
-          <p:cNvPr id="9" name="Text Placeholder 8">
-            <a:extLst>
-              <a:ext uri="{FF2B5EF4-FFF2-40B4-BE49-F238E27FC236}">
-                <a16:creationId xmlns:a16="http://schemas.microsoft.com/office/drawing/2014/main" id="{965E06A8-28FB-420A-AAEF-075575E840C0}"/>
-              </a:ext>
-            </a:extLst>
-          </p:cNvPr>
-          <p:cNvSpPr>
-            <a:spLocks noGrp="1"/>
-          </p:cNvSpPr>
-          <p:nvPr>
-            <p:ph type="body" sz="quarter" idx="11"/>
-          </p:nvPr>
-        </p:nvSpPr>
-        <p:spPr/>
-        <p:txBody>
-          <a:bodyPr vert="horz" lIns="108000" tIns="36000" rIns="108000" bIns="36000" rtlCol="0" anchor="t">
-            <a:normAutofit lnSpcReduction="10000"/>
-          </a:bodyPr>
-          <a:lstStyle/>
-          <a:p>
-            <a:pPr marL="360045" indent="-360045">
-              <a:buClr>
-                <a:schemeClr val="tx1"/>
-              </a:buClr>
-            </a:pPr>
-            <a:r>
-              <a:rPr lang="en-US" sz="3350" b="1" noProof="1">
-                <a:solidFill>
-                  <a:schemeClr val="bg1"/>
-                </a:solidFill>
-                <a:latin typeface="Consolas"/>
-              </a:rPr>
-              <a:t>HashSet</a:t>
-            </a:r>
-            <a:r>
-              <a:rPr lang="en-US" sz="3350" b="1" dirty="0">
-                <a:solidFill>
-                  <a:schemeClr val="bg1"/>
-                </a:solidFill>
-                <a:latin typeface="Consolas"/>
-              </a:rPr>
-              <a:t>&lt;T&gt;</a:t>
-            </a:r>
-            <a:endParaRPr lang="bg-BG" sz="3350" dirty="0">
-              <a:solidFill>
-                <a:schemeClr val="bg1"/>
-              </a:solidFill>
-              <a:latin typeface="Consolas"/>
-            </a:endParaRPr>
-          </a:p>
-          <a:p>
-            <a:pPr lvl="1" indent="-360045"/>
-            <a:r>
-              <a:rPr lang="en-US" sz="3150" dirty="0"/>
-              <a:t>Бързо "добавя", "търси" и "премахва" благодарение  на </a:t>
-            </a:r>
-            <a:r>
-              <a:rPr lang="en-US" sz="3150" b="1" dirty="0">
-                <a:solidFill>
-                  <a:schemeClr val="bg1"/>
-                </a:solidFill>
-              </a:rPr>
-              <a:t>hash-таблица</a:t>
-            </a:r>
-            <a:endParaRPr lang="en-US" sz="3150" b="1" dirty="0">
-              <a:solidFill>
-                <a:schemeClr val="bg1"/>
-              </a:solidFill>
-              <a:cs typeface="Calibri"/>
-            </a:endParaRPr>
-          </a:p>
-          <a:p>
-            <a:pPr lvl="1" indent="-360045"/>
-            <a:r>
-              <a:rPr lang="en-US" sz="3150" dirty="0">
-                <a:sym typeface="Wingdings" panose="05000000000000000000" pitchFamily="2" charset="2"/>
-              </a:rPr>
-              <a:t>Не позволява </a:t>
-            </a:r>
-            <a:r>
-              <a:rPr lang="en-US" sz="3150" b="1" dirty="0">
-                <a:solidFill>
-                  <a:schemeClr val="bg1"/>
-                </a:solidFill>
-                <a:sym typeface="Wingdings" panose="05000000000000000000" pitchFamily="2" charset="2"/>
-              </a:rPr>
-              <a:t>допликации</a:t>
-            </a:r>
-            <a:endParaRPr lang="en-US" sz="3150" b="1" dirty="0">
-              <a:solidFill>
-                <a:schemeClr val="bg1"/>
-              </a:solidFill>
-              <a:cs typeface="Calibri"/>
-            </a:endParaRPr>
-          </a:p>
-          <a:p>
-            <a:pPr lvl="1" indent="-360045"/>
-            <a:r>
-              <a:rPr lang="en-US" sz="3150" dirty="0">
-                <a:sym typeface="Wingdings" panose="05000000000000000000" pitchFamily="2" charset="2"/>
-              </a:rPr>
-              <a:t>Редът за вмъкване не е </a:t>
-            </a:r>
-            <a:r>
-              <a:rPr lang="en-US" sz="3150" b="1" dirty="0">
-                <a:solidFill>
-                  <a:schemeClr val="bg1"/>
-                </a:solidFill>
-                <a:sym typeface="Wingdings" panose="05000000000000000000" pitchFamily="2" charset="2"/>
-              </a:rPr>
-              <a:t>гарантиран</a:t>
-            </a:r>
-            <a:endParaRPr lang="en-GB" dirty="0">
-              <a:solidFill>
-                <a:schemeClr val="bg1"/>
-              </a:solidFill>
-              <a:cs typeface="Calibri"/>
-            </a:endParaRPr>
-          </a:p>
-        </p:txBody>
-      </p:sp>
-      <p:sp>
-        <p:nvSpPr>
-          <p:cNvPr id="3" name="Content Placeholder 2"/>
-          <p:cNvSpPr>
-            <a:spLocks noGrp="1"/>
-          </p:cNvSpPr>
-          <p:nvPr>
-            <p:ph type="body" sz="quarter" idx="10"/>
-          </p:nvPr>
-        </p:nvSpPr>
-        <p:spPr/>
-        <p:txBody>
-          <a:bodyPr vert="horz" lIns="108000" tIns="36000" rIns="108000" bIns="36000" rtlCol="0" anchor="t">
-            <a:normAutofit fontScale="92500"/>
-          </a:bodyPr>
-          <a:lstStyle/>
-          <a:p>
-            <a:pPr marL="360045" indent="-360045">
-              <a:buClr>
-                <a:schemeClr val="tx1"/>
-              </a:buClr>
-            </a:pPr>
-            <a:r>
-              <a:rPr lang="en-US" b="1" dirty="0">
-                <a:solidFill>
-                  <a:schemeClr val="bg1"/>
-                </a:solidFill>
-                <a:latin typeface="Consolas" panose="020B0609020204030204" pitchFamily="49" charset="0"/>
-              </a:rPr>
-              <a:t>List&lt;T&gt;</a:t>
-            </a:r>
-            <a:endParaRPr lang="bg-BG" dirty="0"/>
-          </a:p>
-          <a:p>
-            <a:pPr lvl="1" indent="-360045"/>
-            <a:r>
-              <a:rPr lang="en-US" sz="3150" dirty="0"/>
-              <a:t>Бързо "добавя", бавно "търси" и "премахва" (преминава през всеки елемент)</a:t>
-            </a:r>
-            <a:endParaRPr lang="en-US" sz="3150" dirty="0">
-              <a:cs typeface="Calibri"/>
-            </a:endParaRPr>
-          </a:p>
-          <a:p>
-            <a:pPr lvl="1" indent="-360045"/>
-            <a:r>
-              <a:rPr lang="en-US" sz="3150" dirty="0"/>
-              <a:t>Може да</a:t>
-            </a:r>
-            <a:r>
-              <a:rPr lang="en-US" sz="3150" dirty="0">
-                <a:solidFill>
-                  <a:srgbClr val="234465"/>
-                </a:solidFill>
-              </a:rPr>
-              <a:t> има </a:t>
-            </a:r>
-            <a:r>
-              <a:rPr lang="en-US" sz="3150" b="1" dirty="0">
-                <a:solidFill>
-                  <a:schemeClr val="bg1"/>
-                </a:solidFill>
-              </a:rPr>
-              <a:t>допликации</a:t>
-            </a:r>
-            <a:endParaRPr lang="en-US" sz="3150" b="1" dirty="0">
-              <a:solidFill>
-                <a:schemeClr val="bg1"/>
-              </a:solidFill>
-              <a:cs typeface="Calibri"/>
-            </a:endParaRPr>
-          </a:p>
-          <a:p>
-            <a:pPr lvl="1" indent="-360045"/>
-            <a:r>
-              <a:rPr lang="en-US" sz="3150" dirty="0">
-                <a:ea typeface="+mn-lt"/>
-                <a:cs typeface="+mn-lt"/>
-              </a:rPr>
-              <a:t>Редът за вмъкване е </a:t>
-            </a:r>
-            <a:r>
-              <a:rPr lang="en-US" sz="3150" b="1" dirty="0">
-                <a:solidFill>
-                  <a:schemeClr val="bg1"/>
-                </a:solidFill>
-                <a:ea typeface="+mn-lt"/>
-                <a:cs typeface="+mn-lt"/>
-              </a:rPr>
-              <a:t>гарантиран</a:t>
-            </a:r>
-            <a:endParaRPr lang="en-US" b="1" dirty="0">
-              <a:solidFill>
-                <a:schemeClr val="bg1"/>
-              </a:solidFill>
-            </a:endParaRPr>
-          </a:p>
-          <a:p>
-            <a:pPr marL="360045" indent="-360045"/>
-            <a:endParaRPr lang="en-US" dirty="0">
-              <a:cs typeface="Calibri"/>
-            </a:endParaRPr>
-          </a:p>
-        </p:txBody>
-      </p:sp>
-      <p:sp>
-        <p:nvSpPr>
-          <p:cNvPr id="4" name="Title 3"/>
-          <p:cNvSpPr>
-            <a:spLocks noGrp="1"/>
-          </p:cNvSpPr>
-          <p:nvPr>
-            <p:ph type="title"/>
-          </p:nvPr>
-        </p:nvSpPr>
-        <p:spPr/>
-        <p:txBody>
-          <a:bodyPr/>
-          <a:lstStyle/>
-          <a:p>
-            <a:r>
-              <a:rPr lang="en-US" sz="3950" dirty="0"/>
-              <a:t>List&lt;T&gt; срещу </a:t>
-            </a:r>
-            <a:r>
-              <a:rPr lang="en-US" sz="3950" noProof="1"/>
-              <a:t>HashSet</a:t>
-            </a:r>
-            <a:r>
-              <a:rPr lang="en-US" sz="3950" dirty="0"/>
-              <a:t>&lt;T&gt;</a:t>
-            </a:r>
-          </a:p>
-        </p:txBody>
-      </p:sp>
-      <p:sp>
-        <p:nvSpPr>
-          <p:cNvPr id="6" name="Slide Number">
-            <a:extLst>
-              <a:ext uri="{FF2B5EF4-FFF2-40B4-BE49-F238E27FC236}">
-                <a16:creationId xmlns:a16="http://schemas.microsoft.com/office/drawing/2014/main" id="{EE80A8AB-6CAF-43C5-8823-BA1026B0DE88}"/>
-              </a:ext>
-            </a:extLst>
-          </p:cNvPr>
-          <p:cNvSpPr txBox="1">
-            <a:spLocks/>
-          </p:cNvSpPr>
-          <p:nvPr/>
-        </p:nvSpPr>
-        <p:spPr>
-          <a:xfrm>
-            <a:off x="11753030" y="6507000"/>
-            <a:ext cx="367414" cy="297000"/>
-          </a:xfrm>
-          <a:prstGeom prst="rect">
-            <a:avLst/>
-          </a:prstGeom>
-        </p:spPr>
-        <p:txBody>
-          <a:bodyPr vert="horz" lIns="91440" tIns="45720" rIns="91440" bIns="45720" rtlCol="0" anchor="b"/>
-          <a:lstStyle>
-            <a:defPPr>
-              <a:defRPr lang="en-US"/>
-            </a:defPPr>
-            <a:lvl1pPr marL="0" algn="r" defTabSz="914400" rtl="0" eaLnBrk="1" latinLnBrk="0" hangingPunct="1">
-              <a:defRPr sz="1000" kern="1200">
-                <a:solidFill>
-                  <a:schemeClr val="tx1"/>
-                </a:solidFill>
-                <a:latin typeface="+mn-lt"/>
-                <a:ea typeface="+mn-ea"/>
-                <a:cs typeface="+mn-cs"/>
-              </a:defRPr>
-            </a:lvl1pPr>
-            <a:lvl2pPr marL="457200" algn="l" defTabSz="914400" rtl="0" eaLnBrk="1" latinLnBrk="0" hangingPunct="1">
-              <a:defRPr sz="1800" kern="1200">
-                <a:solidFill>
-                  <a:schemeClr val="tx1"/>
-                </a:solidFill>
-                <a:latin typeface="+mn-lt"/>
-                <a:ea typeface="+mn-ea"/>
-                <a:cs typeface="+mn-cs"/>
-              </a:defRPr>
-            </a:lvl2pPr>
-            <a:lvl3pPr marL="914400" algn="l" defTabSz="914400" rtl="0" eaLnBrk="1" latinLnBrk="0" hangingPunct="1">
-              <a:defRPr sz="1800" kern="1200">
-                <a:solidFill>
-                  <a:schemeClr val="tx1"/>
-                </a:solidFill>
-                <a:latin typeface="+mn-lt"/>
-                <a:ea typeface="+mn-ea"/>
-                <a:cs typeface="+mn-cs"/>
-              </a:defRPr>
-            </a:lvl3pPr>
-            <a:lvl4pPr marL="1371600" algn="l" defTabSz="914400" rtl="0" eaLnBrk="1" latinLnBrk="0" hangingPunct="1">
-              <a:defRPr sz="1800" kern="1200">
-                <a:solidFill>
-                  <a:schemeClr val="tx1"/>
-                </a:solidFill>
-                <a:latin typeface="+mn-lt"/>
-                <a:ea typeface="+mn-ea"/>
-                <a:cs typeface="+mn-cs"/>
-              </a:defRPr>
-            </a:lvl4pPr>
-            <a:lvl5pPr marL="1828800" algn="l" defTabSz="914400" rtl="0" eaLnBrk="1" latinLnBrk="0" hangingPunct="1">
-              <a:defRPr sz="1800" kern="1200">
-                <a:solidFill>
-                  <a:schemeClr val="tx1"/>
-                </a:solidFill>
-                <a:latin typeface="+mn-lt"/>
-                <a:ea typeface="+mn-ea"/>
-                <a:cs typeface="+mn-cs"/>
-              </a:defRPr>
-            </a:lvl5pPr>
-            <a:lvl6pPr marL="2286000" algn="l" defTabSz="914400" rtl="0" eaLnBrk="1" latinLnBrk="0" hangingPunct="1">
-              <a:defRPr sz="1800" kern="1200">
-                <a:solidFill>
-                  <a:schemeClr val="tx1"/>
-                </a:solidFill>
-                <a:latin typeface="+mn-lt"/>
-                <a:ea typeface="+mn-ea"/>
-                <a:cs typeface="+mn-cs"/>
-              </a:defRPr>
-            </a:lvl6pPr>
-            <a:lvl7pPr marL="2743200" algn="l" defTabSz="914400" rtl="0" eaLnBrk="1" latinLnBrk="0" hangingPunct="1">
-              <a:defRPr sz="1800" kern="1200">
-                <a:solidFill>
-                  <a:schemeClr val="tx1"/>
-                </a:solidFill>
-                <a:latin typeface="+mn-lt"/>
-                <a:ea typeface="+mn-ea"/>
-                <a:cs typeface="+mn-cs"/>
-              </a:defRPr>
-            </a:lvl7pPr>
-            <a:lvl8pPr marL="3200400" algn="l" defTabSz="914400" rtl="0" eaLnBrk="1" latinLnBrk="0" hangingPunct="1">
-              <a:defRPr sz="1800" kern="1200">
-                <a:solidFill>
-                  <a:schemeClr val="tx1"/>
-                </a:solidFill>
-                <a:latin typeface="+mn-lt"/>
-                <a:ea typeface="+mn-ea"/>
-                <a:cs typeface="+mn-cs"/>
-              </a:defRPr>
-            </a:lvl8pPr>
-            <a:lvl9pPr marL="3657600" algn="l" defTabSz="914400" rtl="0" eaLnBrk="1" latinLnBrk="0" hangingPunct="1">
-              <a:defRPr sz="1800" kern="1200">
-                <a:solidFill>
-                  <a:schemeClr val="tx1"/>
-                </a:solidFill>
-                <a:latin typeface="+mn-lt"/>
-                <a:ea typeface="+mn-ea"/>
-                <a:cs typeface="+mn-cs"/>
-              </a:defRPr>
-            </a:lvl9pPr>
-          </a:lstStyle>
-          <a:p>
-            <a:fld id="{2BF067CD-8E6B-4360-9AA8-C5DF2A48A6D1}" type="slidenum">
-              <a:rPr lang="en-US" smtClean="0"/>
-              <a:pPr/>
-              <a:t>27</a:t>
-            </a:fld>
-            <a:endParaRPr lang="en-US" dirty="0"/>
-          </a:p>
-        </p:txBody>
-      </p:sp>
-    </p:spTree>
-    <p:extLst>
-      <p:ext uri="{BB962C8B-B14F-4D97-AF65-F5344CB8AC3E}">
-        <p14:creationId xmlns:p14="http://schemas.microsoft.com/office/powerpoint/2010/main" val="1838741737"/>
-      </p:ext>
-    </p:extLst>
-  </p:cSld>
-  <p:clrMapOvr>
-    <a:masterClrMapping/>
-  </p:clrMapOvr>
-  <mc:AlternateContent xmlns:mc="http://schemas.openxmlformats.org/markup-compatibility/2006" xmlns:p14="http://schemas.microsoft.com/office/powerpoint/2010/main">
-    <mc:Choice Requires="p14">
-      <p:transition p14:dur="0" advClick="0" advTm="5000"/>
-    </mc:Choice>
-    <mc:Fallback xmlns="">
-      <p:transition advClick="0" advTm="5000"/>
-    </mc:Fallback>
-  </mc:AlternateContent>
-  <p:timing>
-    <p:tnLst>
-      <p:par>
-        <p:cTn id="1" dur="indefinite" restart="never" nodeType="tmRoot">
-          <p:childTnLst>
-            <p:seq concurrent="1" nextAc="seek">
-              <p:cTn id="2" dur="indefinite" nodeType="mainSeq">
-                <p:childTnLst>
-                  <p:par>
-                    <p:cTn id="3" fill="hold">
-                      <p:stCondLst>
-                        <p:cond delay="indefinite"/>
-                      </p:stCondLst>
-                      <p:childTnLst>
-                        <p:par>
-                          <p:cTn id="4" fill="hold">
-                            <p:stCondLst>
-                              <p:cond delay="0"/>
-                            </p:stCondLst>
-                            <p:childTnLst>
-                              <p:par>
-                                <p:cTn id="5" presetID="1" presetClass="entr" presetSubtype="0" fill="hold" nodeType="clickEffect">
-                                  <p:stCondLst>
-                                    <p:cond delay="0"/>
-                                  </p:stCondLst>
-                                  <p:childTnLst>
-                                    <p:set>
-                                      <p:cBhvr>
-                                        <p:cTn id="6" dur="1" fill="hold">
-                                          <p:stCondLst>
-                                            <p:cond delay="0"/>
-                                          </p:stCondLst>
-                                        </p:cTn>
-                                        <p:tgtEl>
-                                          <p:spTgt spid="3">
-                                            <p:txEl>
-                                              <p:pRg st="1" end="1"/>
-                                            </p:txEl>
-                                          </p:spTgt>
-                                        </p:tgtEl>
-                                        <p:attrNameLst>
-                                          <p:attrName>style.visibility</p:attrName>
-                                        </p:attrNameLst>
-                                      </p:cBhvr>
-                                      <p:to>
-                                        <p:strVal val="visible"/>
-                                      </p:to>
-                                    </p:set>
-                                  </p:childTnLst>
-                                </p:cTn>
-                              </p:par>
-                            </p:childTnLst>
-                          </p:cTn>
-                        </p:par>
-                      </p:childTnLst>
-                    </p:cTn>
-                  </p:par>
-                  <p:par>
-                    <p:cTn id="7" fill="hold">
-                      <p:stCondLst>
-                        <p:cond delay="indefinite"/>
-                      </p:stCondLst>
-                      <p:childTnLst>
-                        <p:par>
-                          <p:cTn id="8" fill="hold">
-                            <p:stCondLst>
-                              <p:cond delay="0"/>
-                            </p:stCondLst>
-                            <p:childTnLst>
-                              <p:par>
-                                <p:cTn id="9" presetID="1" presetClass="entr" presetSubtype="0" fill="hold" nodeType="clickEffect">
-                                  <p:stCondLst>
-                                    <p:cond delay="0"/>
-                                  </p:stCondLst>
-                                  <p:childTnLst>
-                                    <p:set>
-                                      <p:cBhvr>
-                                        <p:cTn id="10" dur="1" fill="hold">
-                                          <p:stCondLst>
-                                            <p:cond delay="0"/>
-                                          </p:stCondLst>
-                                        </p:cTn>
-                                        <p:tgtEl>
-                                          <p:spTgt spid="3">
-                                            <p:txEl>
-                                              <p:pRg st="2" end="2"/>
-                                            </p:txEl>
-                                          </p:spTgt>
-                                        </p:tgtEl>
-                                        <p:attrNameLst>
-                                          <p:attrName>style.visibility</p:attrName>
-                                        </p:attrNameLst>
-                                      </p:cBhvr>
-                                      <p:to>
-                                        <p:strVal val="visible"/>
-                                      </p:to>
-                                    </p:set>
-                                  </p:childTnLst>
-                                </p:cTn>
-                              </p:par>
-                            </p:childTnLst>
-                          </p:cTn>
-                        </p:par>
-                      </p:childTnLst>
-                    </p:cTn>
-                  </p:par>
-                  <p:par>
-                    <p:cTn id="11" fill="hold">
-                      <p:stCondLst>
-                        <p:cond delay="indefinite"/>
-                      </p:stCondLst>
-                      <p:childTnLst>
-                        <p:par>
-                          <p:cTn id="12" fill="hold">
-                            <p:stCondLst>
-                              <p:cond delay="0"/>
-                            </p:stCondLst>
-                            <p:childTnLst>
-                              <p:par>
-                                <p:cTn id="13" presetID="1" presetClass="entr" presetSubtype="0" fill="hold" nodeType="clickEffect">
-                                  <p:stCondLst>
-                                    <p:cond delay="0"/>
-                                  </p:stCondLst>
-                                  <p:childTnLst>
-                                    <p:set>
-                                      <p:cBhvr>
-                                        <p:cTn id="14" dur="1" fill="hold">
-                                          <p:stCondLst>
-                                            <p:cond delay="0"/>
-                                          </p:stCondLst>
-                                        </p:cTn>
-                                        <p:tgtEl>
-                                          <p:spTgt spid="3">
-                                            <p:txEl>
-                                              <p:pRg st="3" end="3"/>
-                                            </p:txEl>
-                                          </p:spTgt>
-                                        </p:tgtEl>
-                                        <p:attrNameLst>
-                                          <p:attrName>style.visibility</p:attrName>
-                                        </p:attrNameLst>
-                                      </p:cBhvr>
-                                      <p:to>
-                                        <p:strVal val="visible"/>
-                                      </p:to>
-                                    </p:set>
-                                  </p:childTnLst>
-                                </p:cTn>
-                              </p:par>
-                            </p:childTnLst>
-                          </p:cTn>
-                        </p:par>
-                      </p:childTnLst>
-                    </p:cTn>
-                  </p:par>
-                  <p:par>
-                    <p:cTn id="15" fill="hold">
-                      <p:stCondLst>
-                        <p:cond delay="indefinite"/>
-                      </p:stCondLst>
-                      <p:childTnLst>
-                        <p:par>
-                          <p:cTn id="16" fill="hold">
-                            <p:stCondLst>
-                              <p:cond delay="0"/>
-                            </p:stCondLst>
-                            <p:childTnLst>
-                              <p:par>
-                                <p:cTn id="17" presetID="1" presetClass="entr" presetSubtype="0" fill="hold" nodeType="clickEffect">
-                                  <p:stCondLst>
-                                    <p:cond delay="0"/>
-                                  </p:stCondLst>
-                                  <p:childTnLst>
-                                    <p:set>
-                                      <p:cBhvr>
-                                        <p:cTn id="18" dur="1" fill="hold">
-                                          <p:stCondLst>
-                                            <p:cond delay="0"/>
-                                          </p:stCondLst>
-                                        </p:cTn>
-                                        <p:tgtEl>
-                                          <p:spTgt spid="9">
-                                            <p:txEl>
-                                              <p:pRg st="1" end="1"/>
-                                            </p:txEl>
-                                          </p:spTgt>
-                                        </p:tgtEl>
-                                        <p:attrNameLst>
-                                          <p:attrName>style.visibility</p:attrName>
-                                        </p:attrNameLst>
-                                      </p:cBhvr>
-                                      <p:to>
-                                        <p:strVal val="visible"/>
-                                      </p:to>
-                                    </p:set>
-                                  </p:childTnLst>
-                                </p:cTn>
-                              </p:par>
-                            </p:childTnLst>
-                          </p:cTn>
-                        </p:par>
-                      </p:childTnLst>
-                    </p:cTn>
-                  </p:par>
-                  <p:par>
-                    <p:cTn id="19" fill="hold">
-                      <p:stCondLst>
-                        <p:cond delay="indefinite"/>
-                      </p:stCondLst>
-                      <p:childTnLst>
-                        <p:par>
-                          <p:cTn id="20" fill="hold">
-                            <p:stCondLst>
-                              <p:cond delay="0"/>
-                            </p:stCondLst>
-                            <p:childTnLst>
-                              <p:par>
-                                <p:cTn id="21" presetID="1" presetClass="entr" presetSubtype="0" fill="hold" nodeType="clickEffect">
-                                  <p:stCondLst>
-                                    <p:cond delay="0"/>
-                                  </p:stCondLst>
-                                  <p:childTnLst>
-                                    <p:set>
-                                      <p:cBhvr>
-                                        <p:cTn id="22" dur="1" fill="hold">
-                                          <p:stCondLst>
-                                            <p:cond delay="0"/>
-                                          </p:stCondLst>
-                                        </p:cTn>
-                                        <p:tgtEl>
-                                          <p:spTgt spid="9">
-                                            <p:txEl>
-                                              <p:pRg st="2" end="2"/>
-                                            </p:txEl>
-                                          </p:spTgt>
-                                        </p:tgtEl>
-                                        <p:attrNameLst>
-                                          <p:attrName>style.visibility</p:attrName>
-                                        </p:attrNameLst>
-                                      </p:cBhvr>
-                                      <p:to>
-                                        <p:strVal val="visible"/>
-                                      </p:to>
-                                    </p:set>
-                                  </p:childTnLst>
-                                </p:cTn>
-                              </p:par>
-                            </p:childTnLst>
-                          </p:cTn>
-                        </p:par>
-                      </p:childTnLst>
-                    </p:cTn>
-                  </p:par>
-                  <p:par>
-                    <p:cTn id="23" fill="hold">
-                      <p:stCondLst>
-                        <p:cond delay="indefinite"/>
-                      </p:stCondLst>
-                      <p:childTnLst>
-                        <p:par>
-                          <p:cTn id="24" fill="hold">
-                            <p:stCondLst>
-                              <p:cond delay="0"/>
-                            </p:stCondLst>
-                            <p:childTnLst>
-                              <p:par>
-                                <p:cTn id="25" presetID="1" presetClass="entr" presetSubtype="0" fill="hold" nodeType="clickEffect">
-                                  <p:stCondLst>
-                                    <p:cond delay="0"/>
-                                  </p:stCondLst>
-                                  <p:childTnLst>
-                                    <p:set>
-                                      <p:cBhvr>
-                                        <p:cTn id="26" dur="1" fill="hold">
-                                          <p:stCondLst>
-                                            <p:cond delay="0"/>
-                                          </p:stCondLst>
-                                        </p:cTn>
-                                        <p:tgtEl>
-                                          <p:spTgt spid="9">
-                                            <p:txEl>
-                                              <p:pRg st="3" end="3"/>
-                                            </p:txEl>
-                                          </p:spTgt>
-                                        </p:tgtEl>
-                                        <p:attrNameLst>
-                                          <p:attrName>style.visibility</p:attrName>
-                                        </p:attrNameLst>
-                                      </p:cBhvr>
-                                      <p:to>
-                                        <p:strVal val="visible"/>
-                                      </p:to>
-                                    </p:set>
-                                  </p:childTnLst>
-                                </p:cTn>
-                              </p:par>
-                            </p:childTnLst>
-                          </p:cTn>
-                        </p:par>
-                      </p:childTnLst>
-                    </p:cTn>
-                  </p:par>
-                </p:childTnLst>
-              </p:cTn>
-              <p:prevCondLst>
-                <p:cond evt="onPrev" delay="0">
-                  <p:tgtEl>
-                    <p:sldTgt/>
-                  </p:tgtEl>
-                </p:cond>
-              </p:prevCondLst>
-              <p:nextCondLst>
-                <p:cond evt="onNext" delay="0">
-                  <p:tgtEl>
-                    <p:sldTgt/>
-                  </p:tgtEl>
-                </p:cond>
-              </p:nextCondLst>
-            </p:seq>
-          </p:childTnLst>
-        </p:cTn>
-      </p:par>
-    </p:tnLst>
-  </p:timing>
-</p:sld>
-</file>
-
-<file path=ppt/slides/slide28.xml><?xml version="1.0" encoding="utf-8"?>
-<p:sld xmlns:a="http://schemas.openxmlformats.org/drawingml/2006/main" xmlns:r="http://schemas.openxmlformats.org/officeDocument/2006/relationships" xmlns:p="http://schemas.openxmlformats.org/presentationml/2006/main">
-  <p:cSld>
-    <p:spTree>
-      <p:nvGrpSpPr>
-        <p:cNvPr id="1" name=""/>
-        <p:cNvGrpSpPr/>
-        <p:nvPr/>
-      </p:nvGrpSpPr>
-      <p:grpSpPr>
-        <a:xfrm>
-          <a:off x="0" y="0"/>
-          <a:ext cx="0" cy="0"/>
-          <a:chOff x="0" y="0"/>
-          <a:chExt cx="0" cy="0"/>
-        </a:xfrm>
-      </p:grpSpPr>
-      <p:sp>
-        <p:nvSpPr>
           <p:cNvPr id="4" name="Title 3"/>
           <p:cNvSpPr>
             <a:spLocks noGrp="1"/>
@@ -25520,7 +25465,7 @@
             <a:fld id="{2BF067CD-8E6B-4360-9AA8-C5DF2A48A6D1}" type="slidenum">
               <a:rPr lang="en-US" noProof="0" smtClean="0"/>
               <a:pPr/>
-              <a:t>28</a:t>
+              <a:t>27</a:t>
             </a:fld>
             <a:endParaRPr lang="en-US" noProof="0" dirty="0"/>
           </a:p>
@@ -25773,8 +25718,869 @@
                                   </p:childTnLst>
                                 </p:cTn>
                               </p:par>
+                            </p:childTnLst>
+                          </p:cTn>
+                        </p:par>
+                      </p:childTnLst>
+                    </p:cTn>
+                  </p:par>
+                  <p:par>
+                    <p:cTn id="21" fill="hold">
+                      <p:stCondLst>
+                        <p:cond delay="indefinite"/>
+                      </p:stCondLst>
+                      <p:childTnLst>
+                        <p:par>
+                          <p:cTn id="22" fill="hold">
+                            <p:stCondLst>
+                              <p:cond delay="0"/>
+                            </p:stCondLst>
+                            <p:childTnLst>
                               <p:par>
-                                <p:cTn id="21" presetID="1" presetClass="entr" presetSubtype="0" fill="hold" nodeType="withEffect">
+                                <p:cTn id="23" presetID="1" presetClass="entr" presetSubtype="0" fill="hold" nodeType="clickEffect">
+                                  <p:stCondLst>
+                                    <p:cond delay="0"/>
+                                  </p:stCondLst>
+                                  <p:childTnLst>
+                                    <p:set>
+                                      <p:cBhvr>
+                                        <p:cTn id="24" dur="1" fill="hold">
+                                          <p:stCondLst>
+                                            <p:cond delay="0"/>
+                                          </p:stCondLst>
+                                        </p:cTn>
+                                        <p:tgtEl>
+                                          <p:spTgt spid="5">
+                                            <p:txEl>
+                                              <p:pRg st="6" end="6"/>
+                                            </p:txEl>
+                                          </p:spTgt>
+                                        </p:tgtEl>
+                                        <p:attrNameLst>
+                                          <p:attrName>style.visibility</p:attrName>
+                                        </p:attrNameLst>
+                                      </p:cBhvr>
+                                      <p:to>
+                                        <p:strVal val="visible"/>
+                                      </p:to>
+                                    </p:set>
+                                  </p:childTnLst>
+                                </p:cTn>
+                              </p:par>
+                            </p:childTnLst>
+                          </p:cTn>
+                        </p:par>
+                      </p:childTnLst>
+                    </p:cTn>
+                  </p:par>
+                  <p:par>
+                    <p:cTn id="25" fill="hold">
+                      <p:stCondLst>
+                        <p:cond delay="indefinite"/>
+                      </p:stCondLst>
+                      <p:childTnLst>
+                        <p:par>
+                          <p:cTn id="26" fill="hold">
+                            <p:stCondLst>
+                              <p:cond delay="0"/>
+                            </p:stCondLst>
+                            <p:childTnLst>
+                              <p:par>
+                                <p:cTn id="27" presetID="1" presetClass="entr" presetSubtype="0" fill="hold" nodeType="clickEffect">
+                                  <p:stCondLst>
+                                    <p:cond delay="0"/>
+                                  </p:stCondLst>
+                                  <p:childTnLst>
+                                    <p:set>
+                                      <p:cBhvr>
+                                        <p:cTn id="28" dur="1" fill="hold">
+                                          <p:stCondLst>
+                                            <p:cond delay="0"/>
+                                          </p:stCondLst>
+                                        </p:cTn>
+                                        <p:tgtEl>
+                                          <p:spTgt spid="5">
+                                            <p:txEl>
+                                              <p:pRg st="7" end="7"/>
+                                            </p:txEl>
+                                          </p:spTgt>
+                                        </p:tgtEl>
+                                        <p:attrNameLst>
+                                          <p:attrName>style.visibility</p:attrName>
+                                        </p:attrNameLst>
+                                      </p:cBhvr>
+                                      <p:to>
+                                        <p:strVal val="visible"/>
+                                      </p:to>
+                                    </p:set>
+                                  </p:childTnLst>
+                                </p:cTn>
+                              </p:par>
+                            </p:childTnLst>
+                          </p:cTn>
+                        </p:par>
+                      </p:childTnLst>
+                    </p:cTn>
+                  </p:par>
+                  <p:par>
+                    <p:cTn id="29" fill="hold">
+                      <p:stCondLst>
+                        <p:cond delay="indefinite"/>
+                      </p:stCondLst>
+                      <p:childTnLst>
+                        <p:par>
+                          <p:cTn id="30" fill="hold">
+                            <p:stCondLst>
+                              <p:cond delay="0"/>
+                            </p:stCondLst>
+                            <p:childTnLst>
+                              <p:par>
+                                <p:cTn id="31" presetID="1" presetClass="entr" presetSubtype="0" fill="hold" nodeType="clickEffect">
+                                  <p:stCondLst>
+                                    <p:cond delay="0"/>
+                                  </p:stCondLst>
+                                  <p:childTnLst>
+                                    <p:set>
+                                      <p:cBhvr>
+                                        <p:cTn id="32" dur="1" fill="hold">
+                                          <p:stCondLst>
+                                            <p:cond delay="0"/>
+                                          </p:stCondLst>
+                                        </p:cTn>
+                                        <p:tgtEl>
+                                          <p:spTgt spid="5">
+                                            <p:txEl>
+                                              <p:pRg st="8" end="8"/>
+                                            </p:txEl>
+                                          </p:spTgt>
+                                        </p:tgtEl>
+                                        <p:attrNameLst>
+                                          <p:attrName>style.visibility</p:attrName>
+                                        </p:attrNameLst>
+                                      </p:cBhvr>
+                                      <p:to>
+                                        <p:strVal val="visible"/>
+                                      </p:to>
+                                    </p:set>
+                                  </p:childTnLst>
+                                </p:cTn>
+                              </p:par>
+                            </p:childTnLst>
+                          </p:cTn>
+                        </p:par>
+                      </p:childTnLst>
+                    </p:cTn>
+                  </p:par>
+                </p:childTnLst>
+              </p:cTn>
+              <p:prevCondLst>
+                <p:cond evt="onPrev" delay="0">
+                  <p:tgtEl>
+                    <p:sldTgt/>
+                  </p:tgtEl>
+                </p:cond>
+              </p:prevCondLst>
+              <p:nextCondLst>
+                <p:cond evt="onNext" delay="0">
+                  <p:tgtEl>
+                    <p:sldTgt/>
+                  </p:tgtEl>
+                </p:cond>
+              </p:nextCondLst>
+            </p:seq>
+          </p:childTnLst>
+        </p:cTn>
+      </p:par>
+    </p:tnLst>
+  </p:timing>
+</p:sld>
+</file>
+
+<file path=ppt/slides/slide28.xml><?xml version="1.0" encoding="utf-8"?>
+<p:sld xmlns:a="http://schemas.openxmlformats.org/drawingml/2006/main" xmlns:r="http://schemas.openxmlformats.org/officeDocument/2006/relationships" xmlns:p="http://schemas.openxmlformats.org/presentationml/2006/main">
+  <p:cSld>
+    <p:spTree>
+      <p:nvGrpSpPr>
+        <p:cNvPr id="1" name=""/>
+        <p:cNvGrpSpPr/>
+        <p:nvPr/>
+      </p:nvGrpSpPr>
+      <p:grpSpPr>
+        <a:xfrm>
+          <a:off x="0" y="0"/>
+          <a:ext cx="0" cy="0"/>
+          <a:chOff x="0" y="0"/>
+          <a:chExt cx="0" cy="0"/>
+        </a:xfrm>
+      </p:grpSpPr>
+      <p:sp>
+        <p:nvSpPr>
+          <p:cNvPr id="9" name="Text Placeholder 8">
+            <a:extLst>
+              <a:ext uri="{FF2B5EF4-FFF2-40B4-BE49-F238E27FC236}">
+                <a16:creationId xmlns:a16="http://schemas.microsoft.com/office/drawing/2014/main" id="{965E06A8-28FB-420A-AAEF-075575E840C0}"/>
+              </a:ext>
+            </a:extLst>
+          </p:cNvPr>
+          <p:cNvSpPr>
+            <a:spLocks noGrp="1"/>
+          </p:cNvSpPr>
+          <p:nvPr>
+            <p:ph type="body" sz="quarter" idx="11"/>
+          </p:nvPr>
+        </p:nvSpPr>
+        <p:spPr>
+          <a:xfrm>
+            <a:off x="5871000" y="1195931"/>
+            <a:ext cx="6249444" cy="4957073"/>
+          </a:xfrm>
+        </p:spPr>
+        <p:txBody>
+          <a:bodyPr vert="horz" lIns="108000" tIns="36000" rIns="108000" bIns="36000" rtlCol="0" anchor="t">
+            <a:normAutofit/>
+          </a:bodyPr>
+          <a:lstStyle/>
+          <a:p>
+            <a:pPr marL="360045" indent="-360045">
+              <a:buClr>
+                <a:schemeClr val="tx1"/>
+              </a:buClr>
+            </a:pPr>
+            <a:r>
+              <a:rPr lang="en-US" sz="3400" b="1" noProof="1">
+                <a:solidFill>
+                  <a:schemeClr val="bg1"/>
+                </a:solidFill>
+                <a:latin typeface="Consolas"/>
+              </a:rPr>
+              <a:t>HashSet</a:t>
+            </a:r>
+            <a:r>
+              <a:rPr lang="en-US" sz="3400" b="1" dirty="0">
+                <a:solidFill>
+                  <a:schemeClr val="bg1"/>
+                </a:solidFill>
+                <a:latin typeface="Consolas"/>
+              </a:rPr>
+              <a:t>&lt;T&gt;</a:t>
+            </a:r>
+            <a:endParaRPr lang="bg-BG" sz="3400" dirty="0">
+              <a:solidFill>
+                <a:schemeClr val="bg1"/>
+              </a:solidFill>
+              <a:latin typeface="Consolas"/>
+            </a:endParaRPr>
+          </a:p>
+          <a:p>
+            <a:pPr lvl="1" indent="-360045"/>
+            <a:r>
+              <a:rPr lang="bg-BG" sz="3200" dirty="0"/>
+              <a:t>Бързо добавя, търси и премахва (чрез </a:t>
+            </a:r>
+            <a:r>
+              <a:rPr lang="en-US" sz="3200" b="1" dirty="0">
+                <a:solidFill>
+                  <a:schemeClr val="bg1"/>
+                </a:solidFill>
+              </a:rPr>
+              <a:t>hash-таблица</a:t>
+            </a:r>
+            <a:r>
+              <a:rPr lang="bg-BG" sz="3200" dirty="0"/>
+              <a:t>)</a:t>
+            </a:r>
+            <a:endParaRPr lang="en-US" sz="3200" dirty="0">
+              <a:cs typeface="Calibri"/>
+            </a:endParaRPr>
+          </a:p>
+          <a:p>
+            <a:pPr lvl="1" indent="-360045">
+              <a:buClr>
+                <a:schemeClr val="tx1"/>
+              </a:buClr>
+            </a:pPr>
+            <a:r>
+              <a:rPr lang="en-US" sz="3200" b="1" dirty="0">
+                <a:solidFill>
+                  <a:schemeClr val="bg1"/>
+                </a:solidFill>
+                <a:sym typeface="Wingdings" panose="05000000000000000000" pitchFamily="2" charset="2"/>
+              </a:rPr>
+              <a:t>Не</a:t>
+            </a:r>
+            <a:r>
+              <a:rPr lang="en-US" sz="3200" dirty="0">
+                <a:sym typeface="Wingdings" panose="05000000000000000000" pitchFamily="2" charset="2"/>
+              </a:rPr>
+              <a:t> позволява </a:t>
+            </a:r>
+            <a:r>
+              <a:rPr lang="bg-BG" sz="3200" b="1" dirty="0">
+                <a:solidFill>
+                  <a:schemeClr val="bg1"/>
+                </a:solidFill>
+                <a:sym typeface="Wingdings" panose="05000000000000000000" pitchFamily="2" charset="2"/>
+              </a:rPr>
+              <a:t>повторения</a:t>
+            </a:r>
+            <a:endParaRPr lang="en-US" sz="3200" b="1" dirty="0">
+              <a:solidFill>
+                <a:schemeClr val="bg1"/>
+              </a:solidFill>
+              <a:cs typeface="Calibri"/>
+            </a:endParaRPr>
+          </a:p>
+          <a:p>
+            <a:pPr lvl="1" indent="-360045">
+              <a:buClr>
+                <a:schemeClr val="tx1"/>
+              </a:buClr>
+            </a:pPr>
+            <a:r>
+              <a:rPr lang="en-US" sz="3200" b="1" dirty="0">
+                <a:solidFill>
+                  <a:schemeClr val="bg1"/>
+                </a:solidFill>
+                <a:sym typeface="Wingdings" panose="05000000000000000000" pitchFamily="2" charset="2"/>
+              </a:rPr>
+              <a:t>Редът</a:t>
+            </a:r>
+            <a:r>
+              <a:rPr lang="en-US" sz="3200" dirty="0">
+                <a:sym typeface="Wingdings" panose="05000000000000000000" pitchFamily="2" charset="2"/>
+              </a:rPr>
+              <a:t> за вмъкване не е </a:t>
+            </a:r>
+            <a:r>
+              <a:rPr lang="en-US" sz="3200" b="1" dirty="0">
+                <a:solidFill>
+                  <a:schemeClr val="bg1"/>
+                </a:solidFill>
+                <a:sym typeface="Wingdings" panose="05000000000000000000" pitchFamily="2" charset="2"/>
+              </a:rPr>
+              <a:t>гарантиран</a:t>
+            </a:r>
+            <a:endParaRPr lang="en-GB" sz="3200" dirty="0">
+              <a:solidFill>
+                <a:schemeClr val="bg1"/>
+              </a:solidFill>
+              <a:cs typeface="Calibri"/>
+            </a:endParaRPr>
+          </a:p>
+        </p:txBody>
+      </p:sp>
+      <p:sp>
+        <p:nvSpPr>
+          <p:cNvPr id="3" name="Content Placeholder 2"/>
+          <p:cNvSpPr>
+            <a:spLocks noGrp="1"/>
+          </p:cNvSpPr>
+          <p:nvPr>
+            <p:ph type="body" sz="quarter" idx="10"/>
+          </p:nvPr>
+        </p:nvSpPr>
+        <p:spPr/>
+        <p:txBody>
+          <a:bodyPr vert="horz" lIns="108000" tIns="36000" rIns="108000" bIns="36000" rtlCol="0" anchor="t">
+            <a:normAutofit/>
+          </a:bodyPr>
+          <a:lstStyle/>
+          <a:p>
+            <a:pPr marL="360045" indent="-360045">
+              <a:buClr>
+                <a:schemeClr val="tx1"/>
+              </a:buClr>
+            </a:pPr>
+            <a:r>
+              <a:rPr lang="en-US" b="1" dirty="0">
+                <a:solidFill>
+                  <a:schemeClr val="bg1"/>
+                </a:solidFill>
+                <a:latin typeface="Consolas" panose="020B0609020204030204" pitchFamily="49" charset="0"/>
+              </a:rPr>
+              <a:t>List&lt;T&gt;</a:t>
+            </a:r>
+            <a:endParaRPr lang="bg-BG" dirty="0"/>
+          </a:p>
+          <a:p>
+            <a:pPr lvl="1" indent="-360045"/>
+            <a:r>
+              <a:rPr lang="bg-BG" sz="3200" dirty="0"/>
+              <a:t>Бързо добавя, бавно търси и премахва</a:t>
+            </a:r>
+          </a:p>
+          <a:p>
+            <a:pPr lvl="1" indent="-360045"/>
+            <a:r>
+              <a:rPr lang="en-US" sz="3200" dirty="0"/>
+              <a:t>Може да</a:t>
+            </a:r>
+            <a:r>
+              <a:rPr lang="en-US" sz="3200" dirty="0">
+                <a:solidFill>
+                  <a:srgbClr val="234465"/>
+                </a:solidFill>
+              </a:rPr>
+              <a:t> има </a:t>
+            </a:r>
+            <a:r>
+              <a:rPr lang="bg-BG" sz="3200" b="1" dirty="0">
+                <a:solidFill>
+                  <a:schemeClr val="bg1"/>
+                </a:solidFill>
+              </a:rPr>
+              <a:t>повторения</a:t>
+            </a:r>
+            <a:endParaRPr lang="en-US" sz="3200" b="1" dirty="0">
+              <a:solidFill>
+                <a:schemeClr val="bg1"/>
+              </a:solidFill>
+              <a:cs typeface="Calibri"/>
+            </a:endParaRPr>
+          </a:p>
+          <a:p>
+            <a:pPr lvl="1" indent="-360045">
+              <a:buClr>
+                <a:schemeClr val="tx1"/>
+              </a:buClr>
+            </a:pPr>
+            <a:r>
+              <a:rPr lang="en-US" sz="3200" b="1" dirty="0">
+                <a:solidFill>
+                  <a:schemeClr val="bg1"/>
+                </a:solidFill>
+                <a:ea typeface="+mn-lt"/>
+                <a:cs typeface="+mn-lt"/>
+              </a:rPr>
+              <a:t>Редът</a:t>
+            </a:r>
+            <a:r>
+              <a:rPr lang="en-US" sz="3200" dirty="0">
+                <a:ea typeface="+mn-lt"/>
+                <a:cs typeface="+mn-lt"/>
+              </a:rPr>
+              <a:t> за вмъкване е </a:t>
+            </a:r>
+            <a:r>
+              <a:rPr lang="en-US" sz="3200" b="1" dirty="0">
+                <a:solidFill>
+                  <a:schemeClr val="bg1"/>
+                </a:solidFill>
+                <a:ea typeface="+mn-lt"/>
+                <a:cs typeface="+mn-lt"/>
+              </a:rPr>
+              <a:t>гарантиран</a:t>
+            </a:r>
+            <a:endParaRPr lang="en-US" sz="3200" b="1" dirty="0">
+              <a:solidFill>
+                <a:schemeClr val="bg1"/>
+              </a:solidFill>
+            </a:endParaRPr>
+          </a:p>
+          <a:p>
+            <a:pPr marL="360045" indent="-360045"/>
+            <a:endParaRPr lang="en-US" dirty="0">
+              <a:cs typeface="Calibri"/>
+            </a:endParaRPr>
+          </a:p>
+        </p:txBody>
+      </p:sp>
+      <p:sp>
+        <p:nvSpPr>
+          <p:cNvPr id="4" name="Title 3"/>
+          <p:cNvSpPr>
+            <a:spLocks noGrp="1"/>
+          </p:cNvSpPr>
+          <p:nvPr>
+            <p:ph type="title"/>
+          </p:nvPr>
+        </p:nvSpPr>
+        <p:spPr/>
+        <p:txBody>
+          <a:bodyPr/>
+          <a:lstStyle/>
+          <a:p>
+            <a:r>
+              <a:rPr lang="en-US" sz="3950" dirty="0"/>
+              <a:t>List&lt;T&gt; срещу </a:t>
+            </a:r>
+            <a:r>
+              <a:rPr lang="en-US" sz="3950" noProof="1"/>
+              <a:t>HashSet</a:t>
+            </a:r>
+            <a:r>
+              <a:rPr lang="en-US" sz="3950" dirty="0"/>
+              <a:t>&lt;T&gt;</a:t>
+            </a:r>
+          </a:p>
+        </p:txBody>
+      </p:sp>
+      <p:sp>
+        <p:nvSpPr>
+          <p:cNvPr id="6" name="Slide Number">
+            <a:extLst>
+              <a:ext uri="{FF2B5EF4-FFF2-40B4-BE49-F238E27FC236}">
+                <a16:creationId xmlns:a16="http://schemas.microsoft.com/office/drawing/2014/main" id="{EE80A8AB-6CAF-43C5-8823-BA1026B0DE88}"/>
+              </a:ext>
+            </a:extLst>
+          </p:cNvPr>
+          <p:cNvSpPr txBox="1">
+            <a:spLocks/>
+          </p:cNvSpPr>
+          <p:nvPr/>
+        </p:nvSpPr>
+        <p:spPr>
+          <a:xfrm>
+            <a:off x="11753030" y="6507000"/>
+            <a:ext cx="367414" cy="297000"/>
+          </a:xfrm>
+          <a:prstGeom prst="rect">
+            <a:avLst/>
+          </a:prstGeom>
+        </p:spPr>
+        <p:txBody>
+          <a:bodyPr vert="horz" lIns="91440" tIns="45720" rIns="91440" bIns="45720" rtlCol="0" anchor="b"/>
+          <a:lstStyle>
+            <a:defPPr>
+              <a:defRPr lang="en-US"/>
+            </a:defPPr>
+            <a:lvl1pPr marL="0" algn="r" defTabSz="914400" rtl="0" eaLnBrk="1" latinLnBrk="0" hangingPunct="1">
+              <a:defRPr sz="1000" kern="1200">
+                <a:solidFill>
+                  <a:schemeClr val="tx1"/>
+                </a:solidFill>
+                <a:latin typeface="+mn-lt"/>
+                <a:ea typeface="+mn-ea"/>
+                <a:cs typeface="+mn-cs"/>
+              </a:defRPr>
+            </a:lvl1pPr>
+            <a:lvl2pPr marL="457200" algn="l" defTabSz="914400" rtl="0" eaLnBrk="1" latinLnBrk="0" hangingPunct="1">
+              <a:defRPr sz="1800" kern="1200">
+                <a:solidFill>
+                  <a:schemeClr val="tx1"/>
+                </a:solidFill>
+                <a:latin typeface="+mn-lt"/>
+                <a:ea typeface="+mn-ea"/>
+                <a:cs typeface="+mn-cs"/>
+              </a:defRPr>
+            </a:lvl2pPr>
+            <a:lvl3pPr marL="914400" algn="l" defTabSz="914400" rtl="0" eaLnBrk="1" latinLnBrk="0" hangingPunct="1">
+              <a:defRPr sz="1800" kern="1200">
+                <a:solidFill>
+                  <a:schemeClr val="tx1"/>
+                </a:solidFill>
+                <a:latin typeface="+mn-lt"/>
+                <a:ea typeface="+mn-ea"/>
+                <a:cs typeface="+mn-cs"/>
+              </a:defRPr>
+            </a:lvl3pPr>
+            <a:lvl4pPr marL="1371600" algn="l" defTabSz="914400" rtl="0" eaLnBrk="1" latinLnBrk="0" hangingPunct="1">
+              <a:defRPr sz="1800" kern="1200">
+                <a:solidFill>
+                  <a:schemeClr val="tx1"/>
+                </a:solidFill>
+                <a:latin typeface="+mn-lt"/>
+                <a:ea typeface="+mn-ea"/>
+                <a:cs typeface="+mn-cs"/>
+              </a:defRPr>
+            </a:lvl4pPr>
+            <a:lvl5pPr marL="1828800" algn="l" defTabSz="914400" rtl="0" eaLnBrk="1" latinLnBrk="0" hangingPunct="1">
+              <a:defRPr sz="1800" kern="1200">
+                <a:solidFill>
+                  <a:schemeClr val="tx1"/>
+                </a:solidFill>
+                <a:latin typeface="+mn-lt"/>
+                <a:ea typeface="+mn-ea"/>
+                <a:cs typeface="+mn-cs"/>
+              </a:defRPr>
+            </a:lvl5pPr>
+            <a:lvl6pPr marL="2286000" algn="l" defTabSz="914400" rtl="0" eaLnBrk="1" latinLnBrk="0" hangingPunct="1">
+              <a:defRPr sz="1800" kern="1200">
+                <a:solidFill>
+                  <a:schemeClr val="tx1"/>
+                </a:solidFill>
+                <a:latin typeface="+mn-lt"/>
+                <a:ea typeface="+mn-ea"/>
+                <a:cs typeface="+mn-cs"/>
+              </a:defRPr>
+            </a:lvl6pPr>
+            <a:lvl7pPr marL="2743200" algn="l" defTabSz="914400" rtl="0" eaLnBrk="1" latinLnBrk="0" hangingPunct="1">
+              <a:defRPr sz="1800" kern="1200">
+                <a:solidFill>
+                  <a:schemeClr val="tx1"/>
+                </a:solidFill>
+                <a:latin typeface="+mn-lt"/>
+                <a:ea typeface="+mn-ea"/>
+                <a:cs typeface="+mn-cs"/>
+              </a:defRPr>
+            </a:lvl7pPr>
+            <a:lvl8pPr marL="3200400" algn="l" defTabSz="914400" rtl="0" eaLnBrk="1" latinLnBrk="0" hangingPunct="1">
+              <a:defRPr sz="1800" kern="1200">
+                <a:solidFill>
+                  <a:schemeClr val="tx1"/>
+                </a:solidFill>
+                <a:latin typeface="+mn-lt"/>
+                <a:ea typeface="+mn-ea"/>
+                <a:cs typeface="+mn-cs"/>
+              </a:defRPr>
+            </a:lvl8pPr>
+            <a:lvl9pPr marL="3657600" algn="l" defTabSz="914400" rtl="0" eaLnBrk="1" latinLnBrk="0" hangingPunct="1">
+              <a:defRPr sz="1800" kern="1200">
+                <a:solidFill>
+                  <a:schemeClr val="tx1"/>
+                </a:solidFill>
+                <a:latin typeface="+mn-lt"/>
+                <a:ea typeface="+mn-ea"/>
+                <a:cs typeface="+mn-cs"/>
+              </a:defRPr>
+            </a:lvl9pPr>
+          </a:lstStyle>
+          <a:p>
+            <a:fld id="{2BF067CD-8E6B-4360-9AA8-C5DF2A48A6D1}" type="slidenum">
+              <a:rPr lang="en-US" smtClean="0"/>
+              <a:pPr/>
+              <a:t>28</a:t>
+            </a:fld>
+            <a:endParaRPr lang="en-US" dirty="0"/>
+          </a:p>
+        </p:txBody>
+      </p:sp>
+    </p:spTree>
+    <p:extLst>
+      <p:ext uri="{BB962C8B-B14F-4D97-AF65-F5344CB8AC3E}">
+        <p14:creationId xmlns:p14="http://schemas.microsoft.com/office/powerpoint/2010/main" val="1838741737"/>
+      </p:ext>
+    </p:extLst>
+  </p:cSld>
+  <p:clrMapOvr>
+    <a:masterClrMapping/>
+  </p:clrMapOvr>
+  <mc:AlternateContent xmlns:mc="http://schemas.openxmlformats.org/markup-compatibility/2006" xmlns:p14="http://schemas.microsoft.com/office/powerpoint/2010/main">
+    <mc:Choice Requires="p14">
+      <p:transition p14:dur="0" advClick="0" advTm="5000"/>
+    </mc:Choice>
+    <mc:Fallback xmlns="">
+      <p:transition advClick="0" advTm="5000"/>
+    </mc:Fallback>
+  </mc:AlternateContent>
+  <p:timing>
+    <p:tnLst>
+      <p:par>
+        <p:cTn id="1" dur="indefinite" restart="never" nodeType="tmRoot">
+          <p:childTnLst>
+            <p:seq concurrent="1" nextAc="seek">
+              <p:cTn id="2" dur="indefinite" nodeType="mainSeq">
+                <p:childTnLst>
+                  <p:par>
+                    <p:cTn id="3" fill="hold">
+                      <p:stCondLst>
+                        <p:cond delay="indefinite"/>
+                      </p:stCondLst>
+                      <p:childTnLst>
+                        <p:par>
+                          <p:cTn id="4" fill="hold">
+                            <p:stCondLst>
+                              <p:cond delay="0"/>
+                            </p:stCondLst>
+                            <p:childTnLst>
+                              <p:par>
+                                <p:cTn id="5" presetID="1" presetClass="entr" presetSubtype="0" fill="hold" nodeType="clickEffect">
+                                  <p:stCondLst>
+                                    <p:cond delay="0"/>
+                                  </p:stCondLst>
+                                  <p:childTnLst>
+                                    <p:set>
+                                      <p:cBhvr>
+                                        <p:cTn id="6" dur="1" fill="hold">
+                                          <p:stCondLst>
+                                            <p:cond delay="0"/>
+                                          </p:stCondLst>
+                                        </p:cTn>
+                                        <p:tgtEl>
+                                          <p:spTgt spid="3">
+                                            <p:txEl>
+                                              <p:pRg st="1" end="1"/>
+                                            </p:txEl>
+                                          </p:spTgt>
+                                        </p:tgtEl>
+                                        <p:attrNameLst>
+                                          <p:attrName>style.visibility</p:attrName>
+                                        </p:attrNameLst>
+                                      </p:cBhvr>
+                                      <p:to>
+                                        <p:strVal val="visible"/>
+                                      </p:to>
+                                    </p:set>
+                                  </p:childTnLst>
+                                </p:cTn>
+                              </p:par>
+                            </p:childTnLst>
+                          </p:cTn>
+                        </p:par>
+                      </p:childTnLst>
+                    </p:cTn>
+                  </p:par>
+                  <p:par>
+                    <p:cTn id="7" fill="hold">
+                      <p:stCondLst>
+                        <p:cond delay="indefinite"/>
+                      </p:stCondLst>
+                      <p:childTnLst>
+                        <p:par>
+                          <p:cTn id="8" fill="hold">
+                            <p:stCondLst>
+                              <p:cond delay="0"/>
+                            </p:stCondLst>
+                            <p:childTnLst>
+                              <p:par>
+                                <p:cTn id="9" presetID="1" presetClass="entr" presetSubtype="0" fill="hold" nodeType="clickEffect">
+                                  <p:stCondLst>
+                                    <p:cond delay="0"/>
+                                  </p:stCondLst>
+                                  <p:childTnLst>
+                                    <p:set>
+                                      <p:cBhvr>
+                                        <p:cTn id="10" dur="1" fill="hold">
+                                          <p:stCondLst>
+                                            <p:cond delay="0"/>
+                                          </p:stCondLst>
+                                        </p:cTn>
+                                        <p:tgtEl>
+                                          <p:spTgt spid="9">
+                                            <p:txEl>
+                                              <p:pRg st="1" end="1"/>
+                                            </p:txEl>
+                                          </p:spTgt>
+                                        </p:tgtEl>
+                                        <p:attrNameLst>
+                                          <p:attrName>style.visibility</p:attrName>
+                                        </p:attrNameLst>
+                                      </p:cBhvr>
+                                      <p:to>
+                                        <p:strVal val="visible"/>
+                                      </p:to>
+                                    </p:set>
+                                  </p:childTnLst>
+                                </p:cTn>
+                              </p:par>
+                            </p:childTnLst>
+                          </p:cTn>
+                        </p:par>
+                      </p:childTnLst>
+                    </p:cTn>
+                  </p:par>
+                  <p:par>
+                    <p:cTn id="11" fill="hold">
+                      <p:stCondLst>
+                        <p:cond delay="indefinite"/>
+                      </p:stCondLst>
+                      <p:childTnLst>
+                        <p:par>
+                          <p:cTn id="12" fill="hold">
+                            <p:stCondLst>
+                              <p:cond delay="0"/>
+                            </p:stCondLst>
+                            <p:childTnLst>
+                              <p:par>
+                                <p:cTn id="13" presetID="1" presetClass="entr" presetSubtype="0" fill="hold" nodeType="clickEffect">
+                                  <p:stCondLst>
+                                    <p:cond delay="0"/>
+                                  </p:stCondLst>
+                                  <p:childTnLst>
+                                    <p:set>
+                                      <p:cBhvr>
+                                        <p:cTn id="14" dur="1" fill="hold">
+                                          <p:stCondLst>
+                                            <p:cond delay="0"/>
+                                          </p:stCondLst>
+                                        </p:cTn>
+                                        <p:tgtEl>
+                                          <p:spTgt spid="3">
+                                            <p:txEl>
+                                              <p:pRg st="2" end="2"/>
+                                            </p:txEl>
+                                          </p:spTgt>
+                                        </p:tgtEl>
+                                        <p:attrNameLst>
+                                          <p:attrName>style.visibility</p:attrName>
+                                        </p:attrNameLst>
+                                      </p:cBhvr>
+                                      <p:to>
+                                        <p:strVal val="visible"/>
+                                      </p:to>
+                                    </p:set>
+                                  </p:childTnLst>
+                                </p:cTn>
+                              </p:par>
+                            </p:childTnLst>
+                          </p:cTn>
+                        </p:par>
+                      </p:childTnLst>
+                    </p:cTn>
+                  </p:par>
+                  <p:par>
+                    <p:cTn id="15" fill="hold">
+                      <p:stCondLst>
+                        <p:cond delay="indefinite"/>
+                      </p:stCondLst>
+                      <p:childTnLst>
+                        <p:par>
+                          <p:cTn id="16" fill="hold">
+                            <p:stCondLst>
+                              <p:cond delay="0"/>
+                            </p:stCondLst>
+                            <p:childTnLst>
+                              <p:par>
+                                <p:cTn id="17" presetID="1" presetClass="entr" presetSubtype="0" fill="hold" nodeType="clickEffect">
+                                  <p:stCondLst>
+                                    <p:cond delay="0"/>
+                                  </p:stCondLst>
+                                  <p:childTnLst>
+                                    <p:set>
+                                      <p:cBhvr>
+                                        <p:cTn id="18" dur="1" fill="hold">
+                                          <p:stCondLst>
+                                            <p:cond delay="0"/>
+                                          </p:stCondLst>
+                                        </p:cTn>
+                                        <p:tgtEl>
+                                          <p:spTgt spid="9">
+                                            <p:txEl>
+                                              <p:pRg st="2" end="2"/>
+                                            </p:txEl>
+                                          </p:spTgt>
+                                        </p:tgtEl>
+                                        <p:attrNameLst>
+                                          <p:attrName>style.visibility</p:attrName>
+                                        </p:attrNameLst>
+                                      </p:cBhvr>
+                                      <p:to>
+                                        <p:strVal val="visible"/>
+                                      </p:to>
+                                    </p:set>
+                                  </p:childTnLst>
+                                </p:cTn>
+                              </p:par>
+                            </p:childTnLst>
+                          </p:cTn>
+                        </p:par>
+                      </p:childTnLst>
+                    </p:cTn>
+                  </p:par>
+                  <p:par>
+                    <p:cTn id="19" fill="hold">
+                      <p:stCondLst>
+                        <p:cond delay="indefinite"/>
+                      </p:stCondLst>
+                      <p:childTnLst>
+                        <p:par>
+                          <p:cTn id="20" fill="hold">
+                            <p:stCondLst>
+                              <p:cond delay="0"/>
+                            </p:stCondLst>
+                            <p:childTnLst>
+                              <p:par>
+                                <p:cTn id="21" presetID="1" presetClass="entr" presetSubtype="0" fill="hold" nodeType="clickEffect">
                                   <p:stCondLst>
                                     <p:cond delay="0"/>
                                   </p:stCondLst>
@@ -25787,9 +26593,9 @@
                                           </p:stCondLst>
                                         </p:cTn>
                                         <p:tgtEl>
-                                          <p:spTgt spid="5">
+                                          <p:spTgt spid="3">
                                             <p:txEl>
-                                              <p:pRg st="6" end="6"/>
+                                              <p:pRg st="3" end="3"/>
                                             </p:txEl>
                                           </p:spTgt>
                                         </p:tgtEl>
@@ -25836,58 +26642,9 @@
                                           </p:stCondLst>
                                         </p:cTn>
                                         <p:tgtEl>
-                                          <p:spTgt spid="5">
+                                          <p:spTgt spid="9">
                                             <p:txEl>
-                                              <p:pRg st="7" end="7"/>
-                                            </p:txEl>
-                                          </p:spTgt>
-                                        </p:tgtEl>
-                                        <p:attrNameLst>
-                                          <p:attrName>style.visibility</p:attrName>
-                                        </p:attrNameLst>
-                                      </p:cBhvr>
-                                      <p:to>
-                                        <p:strVal val="visible"/>
-                                      </p:to>
-                                    </p:set>
-                                  </p:childTnLst>
-                                </p:cTn>
-                              </p:par>
-                            </p:childTnLst>
-                          </p:cTn>
-                        </p:par>
-                      </p:childTnLst>
-                    </p:cTn>
-                  </p:par>
-                  <p:par>
-                    <p:cTn id="27" fill="hold">
-                      <p:stCondLst>
-                        <p:cond delay="indefinite"/>
-                      </p:stCondLst>
-                      <p:childTnLst>
-                        <p:par>
-                          <p:cTn id="28" fill="hold">
-                            <p:stCondLst>
-                              <p:cond delay="0"/>
-                            </p:stCondLst>
-                            <p:childTnLst>
-                              <p:par>
-                                <p:cTn id="29" presetID="1" presetClass="entr" presetSubtype="0" fill="hold" nodeType="clickEffect">
-                                  <p:stCondLst>
-                                    <p:cond delay="0"/>
-                                  </p:stCondLst>
-                                  <p:childTnLst>
-                                    <p:set>
-                                      <p:cBhvr>
-                                        <p:cTn id="30" dur="1" fill="hold">
-                                          <p:stCondLst>
-                                            <p:cond delay="0"/>
-                                          </p:stCondLst>
-                                        </p:cTn>
-                                        <p:tgtEl>
-                                          <p:spTgt spid="5">
-                                            <p:txEl>
-                                              <p:pRg st="8" end="8"/>
+                                              <p:pRg st="3" end="3"/>
                                             </p:txEl>
                                           </p:spTgt>
                                         </p:tgtEl>
@@ -25978,12 +26735,20 @@
               <a:t>Прочетете </a:t>
             </a:r>
             <a:r>
+              <a:rPr lang="bg-BG" sz="3600" b="1" dirty="0">
+                <a:solidFill>
+                  <a:schemeClr val="bg1"/>
+                </a:solidFill>
+              </a:rPr>
+              <a:t>поредица</a:t>
+            </a:r>
+            <a:r>
               <a:rPr lang="en-US" sz="3600" b="1" dirty="0">
                 <a:solidFill>
                   <a:schemeClr val="bg1"/>
                 </a:solidFill>
               </a:rPr>
-              <a:t>редица от имена</a:t>
+              <a:t> от имена</a:t>
             </a:r>
             <a:r>
               <a:rPr lang="en-US" sz="3600" dirty="0">
@@ -25991,7 +26756,39 @@
                   <a:srgbClr val="234465"/>
                 </a:solidFill>
               </a:rPr>
-              <a:t> и принтирайте всички уникални </a:t>
+              <a:t> и </a:t>
+            </a:r>
+            <a:r>
+              <a:rPr lang="bg-BG" sz="3600" dirty="0">
+                <a:solidFill>
+                  <a:srgbClr val="234465"/>
+                </a:solidFill>
+              </a:rPr>
+              <a:t>отпечатайте</a:t>
+            </a:r>
+            <a:r>
+              <a:rPr lang="en-US" sz="3600" dirty="0">
+                <a:solidFill>
+                  <a:srgbClr val="234465"/>
+                </a:solidFill>
+              </a:rPr>
+              <a:t> всички </a:t>
+            </a:r>
+            <a:r>
+              <a:rPr lang="en-US" sz="3600" b="1" dirty="0">
+                <a:solidFill>
+                  <a:schemeClr val="bg1"/>
+                </a:solidFill>
+              </a:rPr>
+              <a:t>уникални</a:t>
+            </a:r>
+            <a:r>
+              <a:rPr lang="en-US" sz="3600" dirty="0">
+                <a:solidFill>
+                  <a:srgbClr val="234465"/>
+                </a:solidFill>
+              </a:rPr>
+              <a:t> </a:t>
             </a:r>
             <a:r>
               <a:rPr lang="en-US" sz="3600" b="1" dirty="0">
@@ -26022,14 +26819,16 @@
         </p:nvSpPr>
         <p:spPr/>
         <p:txBody>
-          <a:bodyPr/>
+          <a:bodyPr>
+            <a:normAutofit/>
+          </a:bodyPr>
           <a:lstStyle/>
           <a:p>
             <a:r>
-              <a:rPr lang="en-US" sz="3950" dirty="0"/>
+              <a:rPr lang="en-US" sz="4000" dirty="0"/>
               <a:t>Задача: Уникални имена</a:t>
             </a:r>
-            <a:endParaRPr lang="en-US" sz="3950" dirty="0">
+            <a:endParaRPr lang="en-US" sz="4000" dirty="0">
               <a:cs typeface="Calibri"/>
             </a:endParaRPr>
           </a:p>
@@ -27413,12 +28212,17 @@
           <a:lstStyle/>
           <a:p>
             <a:r>
-              <a:rPr lang="bg-BG" sz="3950" dirty="0">
-                <a:cs typeface="Arial"/>
-              </a:rPr>
-              <a:t>Видове речници</a:t>
-            </a:r>
-            <a:endParaRPr lang="bg-BG" dirty="0"/>
+              <a:rPr lang="en-US" sz="4000" dirty="0">
+                <a:latin typeface="Consolas" panose="020B0609020204030204" pitchFamily="49" charset="0"/>
+                <a:ea typeface="+mj-lt"/>
+                <a:cs typeface="Consolas" panose="020B0609020204030204" pitchFamily="49" charset="0"/>
+              </a:rPr>
+              <a:t>Dictionary&lt;K, V&gt;</a:t>
+            </a:r>
+            <a:endParaRPr lang="bg-BG" dirty="0">
+              <a:latin typeface="Consolas" panose="020B0609020204030204" pitchFamily="49" charset="0"/>
+              <a:cs typeface="Consolas" panose="020B0609020204030204" pitchFamily="49" charset="0"/>
+            </a:endParaRPr>
           </a:p>
         </p:txBody>
       </p:sp>
@@ -27444,16 +28248,12 @@
           <a:lstStyle/>
           <a:p>
             <a:r>
-              <a:rPr lang="en-US" sz="5350" dirty="0">
+              <a:rPr lang="bg-BG" sz="5400" dirty="0">
                 <a:ea typeface="+mj-lt"/>
                 <a:cs typeface="+mj-lt"/>
               </a:rPr>
-              <a:t>Dictionary&lt;K, V&gt;</a:t>
-            </a:r>
-            <a:endParaRPr lang="bg-BG" sz="5350" b="0" dirty="0">
-              <a:ea typeface="+mj-lt"/>
-              <a:cs typeface="+mj-lt"/>
-            </a:endParaRPr>
+              <a:t>Речници</a:t>
+            </a:r>
           </a:p>
         </p:txBody>
       </p:sp>
@@ -27543,17 +28343,17 @@
           <a:lstStyle/>
           <a:p>
             <a:r>
-              <a:rPr lang="en-US" sz="3950" dirty="0"/>
+              <a:rPr lang="en-US" sz="4000" dirty="0"/>
               <a:t>Решение: </a:t>
             </a:r>
             <a:r>
-              <a:rPr lang="en-US" sz="3950" dirty="0">
+              <a:rPr lang="en-US" sz="4000" dirty="0">
                 <a:ea typeface="+mj-lt"/>
                 <a:cs typeface="+mj-lt"/>
               </a:rPr>
               <a:t>Уникални имена</a:t>
             </a:r>
-            <a:endParaRPr lang="en-US" sz="3950" b="0" dirty="0">
+            <a:endParaRPr lang="en-US" sz="4000" b="0" dirty="0">
               <a:ea typeface="+mj-lt"/>
               <a:cs typeface="+mj-lt"/>
             </a:endParaRPr>
@@ -27940,8 +28740,8 @@
         </p:nvSpPr>
         <p:spPr bwMode="auto">
           <a:xfrm>
-            <a:off x="8256240" y="1410783"/>
-            <a:ext cx="3541218" cy="882424"/>
+            <a:off x="8256240" y="1359000"/>
+            <a:ext cx="3541218" cy="934207"/>
           </a:xfrm>
           <a:prstGeom prst="wedgeRoundRectCallout">
             <a:avLst>
@@ -28017,13 +28817,13 @@
         </p:nvSpPr>
         <p:spPr bwMode="auto">
           <a:xfrm>
-            <a:off x="5118564" y="4252406"/>
-            <a:ext cx="4494629" cy="560905"/>
+            <a:off x="5118565" y="4252406"/>
+            <a:ext cx="2957436" cy="560905"/>
           </a:xfrm>
           <a:prstGeom prst="wedgeRoundRectCallout">
             <a:avLst>
-              <a:gd name="adj1" fmla="val -59098"/>
-              <a:gd name="adj2" fmla="val -32115"/>
+              <a:gd name="adj1" fmla="val -67932"/>
+              <a:gd name="adj2" fmla="val -30174"/>
               <a:gd name="adj3" fmla="val 16667"/>
             </a:avLst>
           </a:prstGeom>
@@ -28074,7 +28874,31 @@
                   <a:srgbClr val="FFFFFF"/>
                 </a:solidFill>
               </a:rPr>
-              <a:t>Добавя имената</a:t>
+              <a:t>Добавя</a:t>
+            </a:r>
+            <a:r>
+              <a:rPr lang="bg-BG" sz="2550" b="1" noProof="1">
+                <a:solidFill>
+                  <a:srgbClr val="FFFFFF"/>
+                </a:solidFill>
+              </a:rPr>
+              <a:t>ме</a:t>
+            </a:r>
+            <a:r>
+              <a:rPr lang="nb-NO" sz="2550" b="1" noProof="1">
+                <a:solidFill>
+                  <a:srgbClr val="FFFFFF"/>
+                </a:solidFill>
+              </a:rPr>
+              <a:t> име</a:t>
+            </a:r>
+            <a:r>
+              <a:rPr lang="bg-BG" sz="2550" b="1" noProof="1">
+                <a:solidFill>
+                  <a:srgbClr val="FFFFFF"/>
+                </a:solidFill>
+              </a:rPr>
+              <a:t>то</a:t>
             </a:r>
             <a:endParaRPr lang="bg-BG" dirty="0"/>
           </a:p>
@@ -28136,7 +28960,7 @@
         </p:nvSpPr>
         <p:spPr>
           <a:xfrm>
-            <a:off x="625262" y="6319283"/>
+            <a:off x="625262" y="6404123"/>
             <a:ext cx="10938303" cy="399877"/>
           </a:xfrm>
           <a:prstGeom prst="rect">
@@ -28153,7 +28977,15 @@
             <a:pPr algn="ctr"/>
             <a:r>
               <a:rPr lang="en-US" sz="1950" dirty="0"/>
-              <a:t>Тествайте решението в Judge: </a:t>
+              <a:t>Тествайте решението</a:t>
+            </a:r>
+            <a:r>
+              <a:rPr lang="bg-BG" sz="1950" dirty="0"/>
+              <a:t> си</a:t>
+            </a:r>
+            <a:r>
+              <a:rPr lang="en-US" sz="1950" dirty="0"/>
+              <a:t> в Judge: </a:t>
             </a:r>
             <a:r>
               <a:rPr lang="en-US" sz="1950" dirty="0">
@@ -28658,11 +29490,23 @@
             </a:r>
             <a:r>
               <a:rPr lang="en-US" sz="3350" noProof="1"/>
-              <a:t> подрежда елементите постепенно</a:t>
-            </a:r>
-            <a:r>
-              <a:rPr lang="en-US" sz="3350" dirty="0"/>
-              <a:t> </a:t>
+              <a:t> подрежда елементите</a:t>
+            </a:r>
+            <a:r>
+              <a:rPr lang="bg-BG" sz="3350" noProof="1"/>
+              <a:t> в </a:t>
+            </a:r>
+            <a:r>
+              <a:rPr lang="bg-BG" sz="3350" b="1" noProof="1">
+                <a:solidFill>
+                  <a:schemeClr val="bg1"/>
+                </a:solidFill>
+              </a:rPr>
+              <a:t>сортиран ред </a:t>
+            </a:r>
+            <a:r>
+              <a:rPr lang="bg-BG" sz="3350" noProof="1"/>
+              <a:t>(азбучен или по големина)</a:t>
             </a:r>
             <a:endParaRPr lang="en-US" sz="3350" b="1" dirty="0">
               <a:solidFill>
@@ -29342,26 +30186,39 @@
                                   </p:childTnLst>
                                 </p:cTn>
                               </p:par>
-                            </p:childTnLst>
-                          </p:cTn>
-                        </p:par>
-                      </p:childTnLst>
-                    </p:cTn>
-                  </p:par>
-                  <p:par>
-                    <p:cTn id="7" fill="hold">
-                      <p:stCondLst>
-                        <p:cond delay="indefinite"/>
-                      </p:stCondLst>
-                      <p:childTnLst>
-                        <p:par>
-                          <p:cTn id="8" fill="hold">
-                            <p:stCondLst>
-                              <p:cond delay="0"/>
-                            </p:stCondLst>
-                            <p:childTnLst>
                               <p:par>
-                                <p:cTn id="9" presetID="1" presetClass="entr" presetSubtype="0" fill="hold" nodeType="clickEffect">
+                                <p:cTn id="7" presetID="1" presetClass="entr" presetSubtype="0" fill="hold" nodeType="withEffect">
+                                  <p:stCondLst>
+                                    <p:cond delay="0"/>
+                                  </p:stCondLst>
+                                  <p:childTnLst>
+                                    <p:set>
+                                      <p:cBhvr>
+                                        <p:cTn id="8" dur="1" fill="hold">
+                                          <p:stCondLst>
+                                            <p:cond delay="0"/>
+                                          </p:stCondLst>
+                                        </p:cTn>
+                                        <p:tgtEl>
+                                          <p:spTgt spid="10">
+                                            <p:txEl>
+                                              <p:pRg st="2" end="2"/>
+                                            </p:txEl>
+                                          </p:spTgt>
+                                        </p:tgtEl>
+                                        <p:attrNameLst>
+                                          <p:attrName>style.visibility</p:attrName>
+                                        </p:attrNameLst>
+                                      </p:cBhvr>
+                                      <p:to>
+                                        <p:strVal val="visible"/>
+                                      </p:to>
+                                    </p:set>
+                                  </p:childTnLst>
+                                </p:cTn>
+                              </p:par>
+                              <p:par>
+                                <p:cTn id="9" presetID="1" presetClass="entr" presetSubtype="0" fill="hold" nodeType="withEffect">
                                   <p:stCondLst>
                                     <p:cond delay="0"/>
                                   </p:stCondLst>
@@ -29376,7 +30233,7 @@
                                         <p:tgtEl>
                                           <p:spTgt spid="10">
                                             <p:txEl>
-                                              <p:pRg st="2" end="2"/>
+                                              <p:pRg st="3" end="3"/>
                                             </p:txEl>
                                           </p:spTgt>
                                         </p:tgtEl>
@@ -29407,7 +30264,7 @@
                                         <p:tgtEl>
                                           <p:spTgt spid="10">
                                             <p:txEl>
-                                              <p:pRg st="3" end="3"/>
+                                              <p:pRg st="4" end="4"/>
                                             </p:txEl>
                                           </p:spTgt>
                                         </p:tgtEl>
@@ -29438,37 +30295,6 @@
                                         <p:tgtEl>
                                           <p:spTgt spid="10">
                                             <p:txEl>
-                                              <p:pRg st="4" end="4"/>
-                                            </p:txEl>
-                                          </p:spTgt>
-                                        </p:tgtEl>
-                                        <p:attrNameLst>
-                                          <p:attrName>style.visibility</p:attrName>
-                                        </p:attrNameLst>
-                                      </p:cBhvr>
-                                      <p:to>
-                                        <p:strVal val="visible"/>
-                                      </p:to>
-                                    </p:set>
-                                  </p:childTnLst>
-                                </p:cTn>
-                              </p:par>
-                              <p:par>
-                                <p:cTn id="15" presetID="1" presetClass="entr" presetSubtype="0" fill="hold" nodeType="withEffect">
-                                  <p:stCondLst>
-                                    <p:cond delay="0"/>
-                                  </p:stCondLst>
-                                  <p:childTnLst>
-                                    <p:set>
-                                      <p:cBhvr>
-                                        <p:cTn id="16" dur="1" fill="hold">
-                                          <p:stCondLst>
-                                            <p:cond delay="0"/>
-                                          </p:stCondLst>
-                                        </p:cTn>
-                                        <p:tgtEl>
-                                          <p:spTgt spid="10">
-                                            <p:txEl>
                                               <p:pRg st="5" end="5"/>
                                             </p:txEl>
                                           </p:spTgt>
@@ -29491,26 +30317,26 @@
                     </p:cTn>
                   </p:par>
                   <p:par>
-                    <p:cTn id="17" fill="hold">
+                    <p:cTn id="15" fill="hold">
                       <p:stCondLst>
                         <p:cond delay="indefinite"/>
                       </p:stCondLst>
                       <p:childTnLst>
                         <p:par>
-                          <p:cTn id="18" fill="hold">
+                          <p:cTn id="16" fill="hold">
                             <p:stCondLst>
                               <p:cond delay="0"/>
                             </p:stCondLst>
                             <p:childTnLst>
                               <p:par>
-                                <p:cTn id="19" presetID="1" presetClass="entr" presetSubtype="0" fill="hold" nodeType="clickEffect">
+                                <p:cTn id="17" presetID="1" presetClass="entr" presetSubtype="0" fill="hold" nodeType="clickEffect">
                                   <p:stCondLst>
                                     <p:cond delay="0"/>
                                   </p:stCondLst>
                                   <p:childTnLst>
                                     <p:set>
                                       <p:cBhvr>
-                                        <p:cTn id="20" dur="1" fill="hold">
+                                        <p:cTn id="18" dur="1" fill="hold">
                                           <p:stCondLst>
                                             <p:cond delay="0"/>
                                           </p:stCondLst>
@@ -29540,26 +30366,26 @@
                     </p:cTn>
                   </p:par>
                   <p:par>
-                    <p:cTn id="21" fill="hold">
+                    <p:cTn id="19" fill="hold">
                       <p:stCondLst>
                         <p:cond delay="indefinite"/>
                       </p:stCondLst>
                       <p:childTnLst>
                         <p:par>
-                          <p:cTn id="22" fill="hold">
+                          <p:cTn id="20" fill="hold">
                             <p:stCondLst>
                               <p:cond delay="0"/>
                             </p:stCondLst>
                             <p:childTnLst>
                               <p:par>
-                                <p:cTn id="23" presetID="1" presetClass="entr" presetSubtype="0" fill="hold" grpId="0" nodeType="clickEffect">
+                                <p:cTn id="21" presetID="1" presetClass="entr" presetSubtype="0" fill="hold" grpId="0" nodeType="clickEffect">
                                   <p:stCondLst>
                                     <p:cond delay="0"/>
                                   </p:stCondLst>
                                   <p:childTnLst>
                                     <p:set>
                                       <p:cBhvr>
-                                        <p:cTn id="24" dur="1" fill="hold">
+                                        <p:cTn id="22" dur="1" fill="hold">
                                           <p:stCondLst>
                                             <p:cond delay="0"/>
                                           </p:stCondLst>
@@ -29972,7 +30798,7 @@
         </p:nvSpPr>
         <p:spPr>
           <a:xfrm>
-            <a:off x="700948" y="1648614"/>
+            <a:off x="700948" y="1584000"/>
             <a:ext cx="10939668" cy="4876730"/>
           </a:xfrm>
           <a:prstGeom prst="rect">
@@ -29981,7 +30807,7 @@
         </p:spPr>
         <p:txBody>
           <a:bodyPr vert="horz" lIns="107972" tIns="35991" rIns="107972" bIns="35991" rtlCol="0" anchor="t">
-            <a:normAutofit/>
+            <a:normAutofit fontScale="92500"/>
           </a:bodyPr>
           <a:lstStyle>
             <a:lvl1pPr marL="456915" indent="-456915" algn="l" defTabSz="1218438" rtl="0" eaLnBrk="1" latinLnBrk="1" hangingPunct="1">
@@ -30161,18 +30987,12 @@
               <a:spcAft>
                 <a:spcPts val="400"/>
               </a:spcAft>
+              <a:buClr>
+                <a:schemeClr val="bg2"/>
+              </a:buClr>
             </a:pPr>
             <a:r>
-              <a:rPr lang="en-GB" sz="3550" dirty="0">
-                <a:solidFill>
-                  <a:schemeClr val="bg2"/>
-                </a:solidFill>
-                <a:cs typeface="Calibri"/>
-              </a:rPr>
-              <a:t>Мулти-речниците </a:t>
-            </a:r>
-            <a:r>
-              <a:rPr lang="en-GB" sz="3550" b="1" dirty="0">
+              <a:rPr lang="bg-BG" sz="3600" b="1" dirty="0">
                 <a:solidFill>
                   <a:schemeClr val="bg1">
                     <a:lumMod val="60000"/>
@@ -30181,19 +31001,88 @@
                 </a:solidFill>
                 <a:cs typeface="Calibri"/>
               </a:rPr>
-              <a:t>съдържат колекции</a:t>
-            </a:r>
-            <a:r>
-              <a:rPr lang="en-GB" sz="3550" dirty="0">
+              <a:t>Речник ==</a:t>
+            </a:r>
+            <a:r>
+              <a:rPr lang="bg-BG" sz="3600" b="1" dirty="0">
                 <a:solidFill>
                   <a:schemeClr val="bg2"/>
                 </a:solidFill>
                 <a:cs typeface="Calibri"/>
               </a:rPr>
-              <a:t> като </a:t>
-            </a:r>
-            <a:r>
-              <a:rPr lang="en-GB" sz="3550" b="1" dirty="0">
+              <a:t> </a:t>
+            </a:r>
+            <a:r>
+              <a:rPr lang="en-US" sz="3600" dirty="0">
+                <a:solidFill>
+                  <a:schemeClr val="bg2"/>
+                </a:solidFill>
+              </a:rPr>
+              <a:t>колекция от двойки {</a:t>
+            </a:r>
+            <a:r>
+              <a:rPr lang="bg-BG" sz="3600" dirty="0">
+                <a:solidFill>
+                  <a:schemeClr val="bg2"/>
+                </a:solidFill>
+              </a:rPr>
+              <a:t>ключ</a:t>
+            </a:r>
+            <a:r>
+              <a:rPr lang="en-US" sz="3600" dirty="0">
+                <a:sym typeface="Wingdings" panose="05000000000000000000" pitchFamily="2" charset="2"/>
+              </a:rPr>
+              <a:t> </a:t>
+            </a:r>
+            <a:r>
+              <a:rPr lang="en-US" sz="3600" dirty="0">
+                <a:solidFill>
+                  <a:schemeClr val="bg2"/>
+                </a:solidFill>
+                <a:sym typeface="Wingdings" panose="05000000000000000000" pitchFamily="2" charset="2"/>
+              </a:rPr>
+              <a:t></a:t>
+            </a:r>
+            <a:r>
+              <a:rPr lang="bg-BG" sz="3600" dirty="0">
+                <a:solidFill>
+                  <a:schemeClr val="bg2"/>
+                </a:solidFill>
+              </a:rPr>
+              <a:t> стойност</a:t>
+            </a:r>
+            <a:r>
+              <a:rPr lang="en-US" sz="3600" dirty="0">
+                <a:solidFill>
+                  <a:schemeClr val="bg2"/>
+                </a:solidFill>
+              </a:rPr>
+              <a:t>}</a:t>
+            </a:r>
+            <a:endParaRPr lang="bg-BG" sz="3600" b="1" dirty="0">
+              <a:solidFill>
+                <a:schemeClr val="bg2"/>
+              </a:solidFill>
+              <a:cs typeface="Calibri"/>
+            </a:endParaRPr>
+          </a:p>
+          <a:p>
+            <a:pPr marL="456565" indent="-456565" latinLnBrk="0">
+              <a:lnSpc>
+                <a:spcPct val="100000"/>
+              </a:lnSpc>
+              <a:spcBef>
+                <a:spcPts val="400"/>
+              </a:spcBef>
+              <a:spcAft>
+                <a:spcPts val="400"/>
+              </a:spcAft>
+              <a:buClr>
+                <a:schemeClr val="bg2"/>
+              </a:buClr>
+            </a:pPr>
+            <a:r>
+              <a:rPr lang="en-GB" sz="3600" b="1" dirty="0">
                 <a:solidFill>
                   <a:schemeClr val="bg1">
                     <a:lumMod val="60000"/>
@@ -30202,6 +31091,60 @@
                 </a:solidFill>
                 <a:cs typeface="Calibri"/>
               </a:rPr>
+              <a:t>Мулти-речниците</a:t>
+            </a:r>
+            <a:r>
+              <a:rPr lang="en-GB" sz="3600" dirty="0">
+                <a:solidFill>
+                  <a:schemeClr val="bg1">
+                    <a:lumMod val="60000"/>
+                    <a:lumOff val="40000"/>
+                  </a:schemeClr>
+                </a:solidFill>
+                <a:cs typeface="Calibri"/>
+              </a:rPr>
+              <a:t> </a:t>
+            </a:r>
+            <a:r>
+              <a:rPr lang="en-GB" sz="3600" dirty="0">
+                <a:solidFill>
+                  <a:schemeClr val="bg2"/>
+                </a:solidFill>
+                <a:cs typeface="Calibri"/>
+              </a:rPr>
+              <a:t>съдържат</a:t>
+            </a:r>
+            <a:r>
+              <a:rPr lang="en-GB" sz="3600" b="1" dirty="0">
+                <a:solidFill>
+                  <a:schemeClr val="bg1">
+                    <a:lumMod val="60000"/>
+                    <a:lumOff val="40000"/>
+                  </a:schemeClr>
+                </a:solidFill>
+                <a:cs typeface="Calibri"/>
+              </a:rPr>
+              <a:t> колекции</a:t>
+            </a:r>
+            <a:r>
+              <a:rPr lang="en-GB" sz="3600" dirty="0">
+                <a:solidFill>
+                  <a:schemeClr val="bg2"/>
+                </a:solidFill>
+                <a:cs typeface="Calibri"/>
+              </a:rPr>
+              <a:t> като </a:t>
+            </a:r>
+            <a:r>
+              <a:rPr lang="en-GB" sz="3600" b="1" dirty="0">
+                <a:solidFill>
+                  <a:schemeClr val="bg1">
+                    <a:lumMod val="60000"/>
+                    <a:lumOff val="40000"/>
+                  </a:schemeClr>
+                </a:solidFill>
+                <a:cs typeface="Calibri"/>
+              </a:rPr>
               <a:t>стойности</a:t>
             </a:r>
           </a:p>
@@ -30216,18 +31159,12 @@
               <a:spcAft>
                 <a:spcPts val="400"/>
               </a:spcAft>
+              <a:buClr>
+                <a:schemeClr val="bg2"/>
+              </a:buClr>
             </a:pPr>
             <a:r>
-              <a:rPr lang="en-GB" sz="3550" dirty="0">
-                <a:solidFill>
-                  <a:schemeClr val="bg2"/>
-                </a:solidFill>
-                <a:cs typeface="Calibri"/>
-              </a:rPr>
-              <a:t>Сложните речници </a:t>
-            </a:r>
-            <a:r>
-              <a:rPr lang="en-GB" sz="3550" b="1" dirty="0">
+              <a:rPr lang="en-GB" sz="3600" b="1" dirty="0">
                 <a:solidFill>
                   <a:schemeClr val="bg1">
                     <a:lumMod val="60000"/>
@@ -30236,19 +31173,19 @@
                 </a:solidFill>
                 <a:cs typeface="Calibri"/>
               </a:rPr>
-              <a:t>съдържат речници</a:t>
-            </a:r>
-            <a:r>
-              <a:rPr lang="en-GB" sz="3550" dirty="0">
+              <a:t>Сложните речници</a:t>
+            </a:r>
+            <a:r>
+              <a:rPr lang="en-GB" sz="3600" dirty="0">
                 <a:solidFill>
                   <a:schemeClr val="bg2"/>
                 </a:solidFill>
                 <a:cs typeface="Calibri"/>
               </a:rPr>
-              <a:t> като </a:t>
-            </a:r>
-            <a:r>
-              <a:rPr lang="en-GB" sz="3550" b="1" dirty="0">
+              <a:t> съдържат</a:t>
+            </a:r>
+            <a:r>
+              <a:rPr lang="en-GB" sz="3600" b="1" dirty="0">
                 <a:solidFill>
                   <a:schemeClr val="bg1">
                     <a:lumMod val="60000"/>
@@ -30257,9 +31194,30 @@
                 </a:solidFill>
                 <a:cs typeface="Calibri"/>
               </a:rPr>
+              <a:t> речници</a:t>
+            </a:r>
+            <a:r>
+              <a:rPr lang="en-GB" sz="3600" dirty="0">
+                <a:solidFill>
+                  <a:schemeClr val="bg2"/>
+                </a:solidFill>
+                <a:cs typeface="Calibri"/>
+              </a:rPr>
+              <a:t> като </a:t>
+            </a:r>
+            <a:r>
+              <a:rPr lang="en-GB" sz="3600" b="1" dirty="0">
+                <a:solidFill>
+                  <a:schemeClr val="bg1">
+                    <a:lumMod val="60000"/>
+                    <a:lumOff val="40000"/>
+                  </a:schemeClr>
+                </a:solidFill>
+                <a:cs typeface="Calibri"/>
+              </a:rPr>
               <a:t>стойности</a:t>
             </a:r>
-            <a:endParaRPr lang="en-GB" sz="3550" b="1" dirty="0">
+            <a:endParaRPr lang="en-GB" sz="3600" b="1" dirty="0">
               <a:solidFill>
                 <a:schemeClr val="bg1">
                   <a:lumMod val="60000"/>
@@ -30281,15 +31239,23 @@
               </a:spcAft>
             </a:pPr>
             <a:r>
-              <a:rPr lang="en-GB" sz="3550" dirty="0">
+              <a:rPr lang="bg-BG" sz="3600" dirty="0">
                 <a:solidFill>
                   <a:schemeClr val="bg2"/>
                 </a:solidFill>
               </a:rPr>
-              <a:t>Сет съдържа </a:t>
-            </a:r>
-            <a:r>
-              <a:rPr lang="en-GB" sz="3550" b="1" dirty="0">
+              <a:t>Множеството</a:t>
+            </a:r>
+            <a:r>
+              <a:rPr lang="en-GB" sz="3600" dirty="0">
+                <a:solidFill>
+                  <a:schemeClr val="bg2"/>
+                </a:solidFill>
+              </a:rPr>
+              <a:t> съдържа </a:t>
+            </a:r>
+            <a:r>
+              <a:rPr lang="en-GB" sz="3600" b="1" dirty="0">
                 <a:solidFill>
                   <a:schemeClr val="bg1">
                     <a:lumMod val="60000"/>
@@ -30297,18 +31263,18 @@
                   </a:schemeClr>
                 </a:solidFill>
               </a:rPr>
-              <a:t>уникални стойности </a:t>
-            </a:r>
-            <a:r>
-              <a:rPr lang="en-GB" sz="3550" dirty="0">
+              <a:t>уникални </a:t>
+            </a:r>
+            <a:r>
+              <a:rPr lang="en-GB" sz="3600" dirty="0">
                 <a:solidFill>
                   <a:schemeClr val="bg2"/>
                 </a:solidFill>
               </a:rPr>
-              <a:t>в </a:t>
-            </a:r>
-            <a:r>
-              <a:rPr lang="en-GB" sz="3550" b="1" dirty="0">
+              <a:t>стойности </a:t>
+            </a:r>
+            <a:r>
+              <a:rPr lang="bg-BG" sz="3600" b="1" dirty="0">
                 <a:solidFill>
                   <a:schemeClr val="bg1">
                     <a:lumMod val="60000"/>
@@ -30316,9 +31282,20 @@
                   </a:schemeClr>
                 </a:solidFill>
               </a:rPr>
-              <a:t>неспецефично подреждане</a:t>
-            </a:r>
-            <a:endParaRPr lang="en-GB" sz="3550" b="1" dirty="0">
+              <a:t>без конкретно</a:t>
+            </a:r>
+            <a:r>
+              <a:rPr lang="en-GB" sz="3600" b="1" dirty="0">
+                <a:solidFill>
+                  <a:schemeClr val="bg1">
+                    <a:lumMod val="60000"/>
+                    <a:lumOff val="40000"/>
+                  </a:schemeClr>
+                </a:solidFill>
+              </a:rPr>
+              <a:t> подреждане</a:t>
+            </a:r>
+            <a:endParaRPr lang="en-GB" sz="3600" b="1" dirty="0">
               <a:solidFill>
                 <a:schemeClr val="bg1">
                   <a:lumMod val="60000"/>
@@ -30341,14 +31318,22 @@
               </a:spcAft>
             </a:pPr>
             <a:r>
-              <a:rPr lang="en-GB" sz="3350" dirty="0">
+              <a:rPr lang="en-GB" sz="3400" dirty="0">
                 <a:solidFill>
                   <a:schemeClr val="bg2"/>
                 </a:solidFill>
               </a:rPr>
-              <a:t>Без дупликации</a:t>
-            </a:r>
-            <a:endParaRPr lang="en-GB" dirty="0">
+              <a:t>Без </a:t>
+            </a:r>
+            <a:r>
+              <a:rPr lang="bg-BG" sz="3400" dirty="0">
+                <a:solidFill>
+                  <a:schemeClr val="bg2"/>
+                </a:solidFill>
+              </a:rPr>
+              <a:t>повторения</a:t>
+            </a:r>
+            <a:endParaRPr lang="en-GB" sz="3400" dirty="0">
               <a:solidFill>
                 <a:schemeClr val="bg2"/>
               </a:solidFill>
@@ -30367,14 +31352,14 @@
               </a:spcAft>
             </a:pPr>
             <a:r>
-              <a:rPr lang="en-GB" sz="3350" dirty="0">
+              <a:rPr lang="en-GB" sz="3400" dirty="0">
                 <a:solidFill>
                   <a:schemeClr val="bg2"/>
                 </a:solidFill>
               </a:rPr>
               <a:t>Бързо добавяне, търсене и премахване</a:t>
             </a:r>
-            <a:endParaRPr lang="en-GB" sz="3350" dirty="0">
+            <a:endParaRPr lang="en-GB" sz="3400" dirty="0">
               <a:solidFill>
                 <a:schemeClr val="bg2"/>
               </a:solidFill>
@@ -30592,33 +31577,15 @@
                                   </p:childTnLst>
                                 </p:cTn>
                               </p:par>
-                            </p:childTnLst>
-                          </p:cTn>
-                        </p:par>
-                      </p:childTnLst>
-                    </p:cTn>
-                  </p:par>
-                  <p:par>
-                    <p:cTn id="15" fill="hold">
-                      <p:stCondLst>
-                        <p:cond delay="indefinite"/>
-                      </p:stCondLst>
-                      <p:childTnLst>
-                        <p:par>
-                          <p:cTn id="16" fill="hold">
-                            <p:stCondLst>
-                              <p:cond delay="0"/>
-                            </p:stCondLst>
-                            <p:childTnLst>
                               <p:par>
-                                <p:cTn id="17" presetID="1" presetClass="entr" presetSubtype="0" fill="hold" nodeType="clickEffect">
+                                <p:cTn id="15" presetID="1" presetClass="entr" presetSubtype="0" fill="hold" nodeType="withEffect">
                                   <p:stCondLst>
                                     <p:cond delay="0"/>
                                   </p:stCondLst>
                                   <p:childTnLst>
                                     <p:set>
                                       <p:cBhvr>
-                                        <p:cTn id="18" dur="1" fill="hold">
+                                        <p:cTn id="16" dur="1" fill="hold">
                                           <p:stCondLst>
                                             <p:cond delay="0"/>
                                           </p:stCondLst>
@@ -30627,6 +31594,55 @@
                                           <p:spTgt spid="15">
                                             <p:txEl>
                                               <p:pRg st="4" end="4"/>
+                                            </p:txEl>
+                                          </p:spTgt>
+                                        </p:tgtEl>
+                                        <p:attrNameLst>
+                                          <p:attrName>style.visibility</p:attrName>
+                                        </p:attrNameLst>
+                                      </p:cBhvr>
+                                      <p:to>
+                                        <p:strVal val="visible"/>
+                                      </p:to>
+                                    </p:set>
+                                  </p:childTnLst>
+                                </p:cTn>
+                              </p:par>
+                            </p:childTnLst>
+                          </p:cTn>
+                        </p:par>
+                      </p:childTnLst>
+                    </p:cTn>
+                  </p:par>
+                  <p:par>
+                    <p:cTn id="17" fill="hold">
+                      <p:stCondLst>
+                        <p:cond delay="indefinite"/>
+                      </p:stCondLst>
+                      <p:childTnLst>
+                        <p:par>
+                          <p:cTn id="18" fill="hold">
+                            <p:stCondLst>
+                              <p:cond delay="0"/>
+                            </p:stCondLst>
+                            <p:childTnLst>
+                              <p:par>
+                                <p:cTn id="19" presetID="1" presetClass="entr" presetSubtype="0" fill="hold" nodeType="clickEffect">
+                                  <p:stCondLst>
+                                    <p:cond delay="0"/>
+                                  </p:stCondLst>
+                                  <p:childTnLst>
+                                    <p:set>
+                                      <p:cBhvr>
+                                        <p:cTn id="20" dur="1" fill="hold">
+                                          <p:stCondLst>
+                                            <p:cond delay="0"/>
+                                          </p:stCondLst>
+                                        </p:cTn>
+                                        <p:tgtEl>
+                                          <p:spTgt spid="15">
+                                            <p:txEl>
+                                              <p:pRg st="5" end="5"/>
                                             </p:txEl>
                                           </p:spTgt>
                                         </p:tgtEl>
@@ -31063,8 +32079,8 @@
         </p:nvSpPr>
         <p:spPr>
           <a:xfrm>
-            <a:off x="1548855" y="1089088"/>
-            <a:ext cx="10646220" cy="5534260"/>
+            <a:off x="1956000" y="1121240"/>
+            <a:ext cx="11160000" cy="5534260"/>
           </a:xfrm>
         </p:spPr>
         <p:txBody>
@@ -31077,15 +32093,106 @@
               <a:lnSpc>
                 <a:spcPct val="100000"/>
               </a:lnSpc>
+              <a:buClr>
+                <a:schemeClr val="tx1"/>
+              </a:buClr>
             </a:pPr>
             <a:r>
-              <a:rPr lang="en-US" sz="3800" dirty="0">
+              <a:rPr lang="bg-BG" sz="3500" b="1" dirty="0">
+                <a:solidFill>
+                  <a:schemeClr val="bg1"/>
+                </a:solidFill>
                 <a:latin typeface="Calibri"/>
                 <a:cs typeface="Calibri"/>
               </a:rPr>
-              <a:t>Асоциативните масиви са масиви индиксирани чрез ключове</a:t>
-            </a:r>
-            <a:endParaRPr lang="bg-BG" dirty="0">
+              <a:t>Асоциативни</a:t>
+            </a:r>
+            <a:r>
+              <a:rPr lang="en-US" sz="3500" b="1" dirty="0">
+                <a:solidFill>
+                  <a:schemeClr val="bg1"/>
+                </a:solidFill>
+                <a:latin typeface="Calibri"/>
+                <a:cs typeface="Calibri"/>
+              </a:rPr>
+              <a:t> масив</a:t>
+            </a:r>
+            <a:r>
+              <a:rPr lang="bg-BG" sz="3500" b="1" dirty="0">
+                <a:solidFill>
+                  <a:schemeClr val="bg1"/>
+                </a:solidFill>
+                <a:latin typeface="Calibri"/>
+                <a:cs typeface="Calibri"/>
+              </a:rPr>
+              <a:t>и</a:t>
+            </a:r>
+            <a:r>
+              <a:rPr lang="en-US" sz="3500" b="1" dirty="0">
+                <a:solidFill>
+                  <a:schemeClr val="bg1"/>
+                </a:solidFill>
+                <a:latin typeface="Calibri"/>
+                <a:cs typeface="Calibri"/>
+              </a:rPr>
+              <a:t> </a:t>
+            </a:r>
+            <a:r>
+              <a:rPr lang="bg-BG" sz="3500" dirty="0">
+                <a:latin typeface="Calibri"/>
+                <a:cs typeface="Calibri"/>
+              </a:rPr>
+              <a:t>==</a:t>
+            </a:r>
+            <a:r>
+              <a:rPr lang="en-US" sz="3500" dirty="0">
+                <a:latin typeface="Calibri"/>
+                <a:cs typeface="Calibri"/>
+              </a:rPr>
+              <a:t> масив</a:t>
+            </a:r>
+            <a:r>
+              <a:rPr lang="bg-BG" sz="3500" dirty="0">
+                <a:latin typeface="Calibri"/>
+                <a:cs typeface="Calibri"/>
+              </a:rPr>
+              <a:t>и</a:t>
+            </a:r>
+            <a:r>
+              <a:rPr lang="en-US" sz="3500" dirty="0">
+                <a:latin typeface="Calibri"/>
+                <a:cs typeface="Calibri"/>
+              </a:rPr>
+              <a:t>, </a:t>
+            </a:r>
+            <a:r>
+              <a:rPr lang="bg-BG" sz="3500" dirty="0">
+                <a:latin typeface="Calibri"/>
+                <a:cs typeface="Calibri"/>
+              </a:rPr>
+              <a:t>индексирани </a:t>
+            </a:r>
+            <a:r>
+              <a:rPr lang="en-US" sz="3500" dirty="0">
+                <a:latin typeface="Calibri"/>
+                <a:cs typeface="Calibri"/>
+              </a:rPr>
+              <a:t>чрез </a:t>
+            </a:r>
+            <a:r>
+              <a:rPr lang="en-US" sz="3500" b="1" dirty="0">
+                <a:solidFill>
+                  <a:schemeClr val="bg1"/>
+                </a:solidFill>
+                <a:latin typeface="Calibri"/>
+                <a:cs typeface="Calibri"/>
+              </a:rPr>
+              <a:t>ключове</a:t>
+            </a:r>
+            <a:endParaRPr lang="bg-BG" sz="3500" b="1" dirty="0">
+              <a:solidFill>
+                <a:schemeClr val="bg1"/>
+              </a:solidFill>
               <a:latin typeface="Calibri"/>
               <a:cs typeface="Calibri"/>
             </a:endParaRPr>
@@ -31097,10 +32204,26 @@
               </a:lnSpc>
             </a:pPr>
             <a:r>
-              <a:rPr lang="en-US" sz="3600" dirty="0"/>
-              <a:t>Не по номера 0, 1, 2, … (като масиви)</a:t>
-            </a:r>
-            <a:endParaRPr lang="en-US" sz="3600" dirty="0">
+              <a:rPr lang="en-US" sz="3500" dirty="0"/>
+              <a:t>Не по номера 0, 1, 2, … (</a:t>
+            </a:r>
+            <a:r>
+              <a:rPr lang="bg-BG" sz="3500" dirty="0"/>
+              <a:t>както при</a:t>
+            </a:r>
+            <a:r>
+              <a:rPr lang="en-US" sz="3500" dirty="0"/>
+              <a:t> масиви</a:t>
+            </a:r>
+            <a:r>
+              <a:rPr lang="bg-BG" sz="3500" dirty="0"/>
+              <a:t>те</a:t>
+            </a:r>
+            <a:r>
+              <a:rPr lang="en-US" sz="3500" dirty="0"/>
+              <a:t>)</a:t>
+            </a:r>
+            <a:endParaRPr lang="en-US" sz="3500" dirty="0">
               <a:cs typeface="Calibri"/>
             </a:endParaRPr>
           </a:p>
@@ -31111,25 +32234,32 @@
               </a:lnSpc>
             </a:pPr>
             <a:r>
-              <a:rPr lang="en-US" sz="3800" dirty="0"/>
-              <a:t>Съдържа колекция</a:t>
-            </a:r>
-            <a:r>
-              <a:rPr lang="en-US" sz="3800" dirty="0">
+              <a:rPr lang="bg-BG" sz="3500" dirty="0"/>
+              <a:t>Съдържат колекция</a:t>
+            </a:r>
+            <a:r>
+              <a:rPr lang="en-US" sz="3500" dirty="0">
                 <a:latin typeface="Calibri"/>
                 <a:cs typeface="Calibri"/>
               </a:rPr>
               <a:t> от двойки</a:t>
             </a:r>
             <a:r>
-              <a:rPr lang="en-US" sz="3800" dirty="0">
+              <a:rPr lang="bg-BG" sz="3500" dirty="0">
+                <a:latin typeface="Calibri"/>
+                <a:cs typeface="Calibri"/>
+              </a:rPr>
+              <a:t> </a:t>
+            </a:r>
+            <a:r>
+              <a:rPr lang="en-US" sz="3500" dirty="0">
                 <a:latin typeface="Consolas"/>
                 <a:cs typeface="Consolas" panose="020B0609020204030204" pitchFamily="49" charset="0"/>
               </a:rPr>
               <a:t>{</a:t>
             </a:r>
             <a:r>
-              <a:rPr lang="en-US" sz="3800" b="1" dirty="0">
+              <a:rPr lang="en-US" sz="3500" b="1" dirty="0">
                 <a:solidFill>
                   <a:schemeClr val="bg1"/>
                 </a:solidFill>
@@ -31139,13 +32269,23 @@
               <a:t>ключ</a:t>
             </a:r>
             <a:r>
-              <a:rPr lang="en-US" sz="3800" dirty="0">
+              <a:rPr lang="bg-BG" sz="3500" b="1" dirty="0">
+                <a:solidFill>
+                  <a:schemeClr val="bg1"/>
+                </a:solidFill>
+                <a:latin typeface="Calibri"/>
+                <a:cs typeface="Consolas" panose="020B0609020204030204" pitchFamily="49" charset="0"/>
+              </a:rPr>
+              <a:t> </a:t>
+            </a:r>
+            <a:r>
+              <a:rPr lang="en-US" sz="3500" dirty="0">
                 <a:sym typeface="Wingdings" panose="05000000000000000000" pitchFamily="2" charset="2"/>
               </a:rPr>
               <a:t></a:t>
             </a:r>
             <a:r>
-              <a:rPr lang="en-US" sz="3800" b="1" dirty="0">
+              <a:rPr lang="en-US" sz="3500" b="1" dirty="0">
                 <a:solidFill>
                   <a:schemeClr val="bg1"/>
                 </a:solidFill>
@@ -31154,7 +32294,7 @@
               <a:t> </a:t>
             </a:r>
             <a:r>
-              <a:rPr lang="en-US" sz="3800" b="1" dirty="0">
+              <a:rPr lang="en-US" sz="3500" b="1" dirty="0">
                 <a:solidFill>
                   <a:schemeClr val="bg1"/>
                 </a:solidFill>
@@ -31163,23 +32303,12 @@
               <a:t>стойност</a:t>
             </a:r>
             <a:r>
-              <a:rPr lang="en-US" sz="3800" dirty="0">
+              <a:rPr lang="en-US" sz="3500" dirty="0">
                 <a:latin typeface="Consolas"/>
                 <a:cs typeface="Consolas" panose="020B0609020204030204" pitchFamily="49" charset="0"/>
               </a:rPr>
               <a:t>}</a:t>
             </a:r>
-          </a:p>
-          <a:p>
-            <a:pPr marL="360045" indent="-360045">
-              <a:lnSpc>
-                <a:spcPct val="100000"/>
-              </a:lnSpc>
-            </a:pPr>
-            <a:endParaRPr lang="en-US" sz="3800" dirty="0">
-              <a:latin typeface="Consolas" panose="020B0609020204030204" pitchFamily="49" charset="0"/>
-              <a:cs typeface="Consolas" panose="020B0609020204030204" pitchFamily="49" charset="0"/>
-            </a:endParaRPr>
           </a:p>
         </p:txBody>
       </p:sp>
@@ -31206,8 +32335,8 @@
           <a:lstStyle/>
           <a:p>
             <a:r>
-              <a:rPr lang="en-US" sz="3950" dirty="0"/>
-              <a:t>Асоциативни масиви (карти, речници)</a:t>
+              <a:rPr lang="en-US" sz="4000" dirty="0"/>
+              <a:t>Асоциативни масиви</a:t>
             </a:r>
           </a:p>
         </p:txBody>
@@ -31220,8 +32349,8 @@
         </p:nvGrpSpPr>
         <p:grpSpPr>
           <a:xfrm>
-            <a:off x="2744362" y="4049488"/>
-            <a:ext cx="5483543" cy="2467661"/>
+            <a:off x="3621000" y="3888370"/>
+            <a:ext cx="5871638" cy="2683149"/>
             <a:chOff x="6206471" y="3931801"/>
             <a:chExt cx="5486400" cy="2530476"/>
           </a:xfrm>
@@ -31294,7 +32423,7 @@
           </p:nvGraphicFramePr>
           <p:xfrm>
             <a:off x="6532879" y="4600769"/>
-            <a:ext cx="4859328" cy="1594050"/>
+            <a:ext cx="4538144" cy="1466029"/>
           </p:xfrm>
           <a:graphic>
             <a:graphicData uri="http://schemas.openxmlformats.org/drawingml/2006/table">
@@ -32630,8 +33759,12 @@
               <a:t> </a:t>
             </a:r>
             <a:r>
+              <a:rPr lang="bg-BG" sz="3800" dirty="0"/>
+              <a:t>– </a:t>
+            </a:r>
+            <a:r>
               <a:rPr lang="en-US" sz="3800" dirty="0"/>
-              <a:t>-представлява колекция от двойки </a:t>
+              <a:t>представлява колекция от двойки </a:t>
             </a:r>
             <a:endParaRPr lang="bg-BG" dirty="0"/>
           </a:p>
@@ -32642,8 +33775,12 @@
               </a:buClr>
             </a:pPr>
             <a:r>
+              <a:rPr lang="bg-BG" sz="3800" dirty="0"/>
+              <a:t>Ключовете </a:t>
+            </a:r>
+            <a:r>
               <a:rPr lang="en-US" sz="3800" dirty="0"/>
-              <a:t>Ключовите са </a:t>
+              <a:t>са </a:t>
             </a:r>
             <a:r>
               <a:rPr lang="en-US" sz="3800" b="1" dirty="0">
@@ -32671,9 +33808,22 @@
                 <a:ea typeface="+mn-lt"/>
                 <a:cs typeface="+mn-lt"/>
               </a:rPr>
-              <a:t>Поддържа ключовете в техния ред на добавяне</a:t>
-            </a:r>
-            <a:endParaRPr lang="en-US" sz="3800" dirty="0">
+              <a:t>Поддържа ключовете в техния </a:t>
+            </a:r>
+            <a:r>
+              <a:rPr lang="en-US" sz="3800" b="1" dirty="0">
+                <a:solidFill>
+                  <a:schemeClr val="bg1"/>
+                </a:solidFill>
+                <a:ea typeface="+mn-lt"/>
+                <a:cs typeface="+mn-lt"/>
+              </a:rPr>
+              <a:t>ред на добавяне</a:t>
+            </a:r>
+            <a:endParaRPr lang="en-US" sz="3800" b="1" dirty="0">
+              <a:solidFill>
+                <a:schemeClr val="bg1"/>
+              </a:solidFill>
               <a:cs typeface="Calibri"/>
             </a:endParaRPr>
           </a:p>
@@ -32706,7 +33856,7 @@
           <a:lstStyle/>
           <a:p>
             <a:r>
-              <a:rPr lang="en-US" sz="3950" dirty="0"/>
+              <a:rPr lang="bg-BG" sz="3950" dirty="0"/>
               <a:t>Речници</a:t>
             </a:r>
             <a:endParaRPr lang="en-US" dirty="0"/>
@@ -32729,8 +33879,8 @@
         </p:nvSpPr>
         <p:spPr>
           <a:xfrm>
-            <a:off x="775733" y="3501008"/>
-            <a:ext cx="9567151" cy="2376264"/>
+            <a:off x="775733" y="3572736"/>
+            <a:ext cx="9567151" cy="1941658"/>
           </a:xfrm>
           <a:prstGeom prst="rect">
             <a:avLst/>
@@ -33022,7 +34172,7 @@
             </a:r>
           </a:p>
           <a:p>
-            <a:pPr>
+            <a:pPr marL="0">
               <a:lnSpc>
                 <a:spcPct val="100000"/>
               </a:lnSpc>
@@ -33809,10 +34959,29 @@
               </a:buClr>
             </a:pPr>
             <a:r>
+              <a:rPr lang="bg-BG" sz="3800" dirty="0"/>
+              <a:t>Поддържа</a:t>
+            </a:r>
+            <a:r>
               <a:rPr lang="en-US" sz="3800" dirty="0"/>
-              <a:t>Поддържа ключовите сортирани</a:t>
-            </a:r>
-            <a:endParaRPr lang="en-US" sz="3800" dirty="0">
+              <a:t> </a:t>
+            </a:r>
+            <a:r>
+              <a:rPr lang="bg-BG" sz="3800" dirty="0"/>
+              <a:t>ключовете </a:t>
+            </a:r>
+            <a:r>
+              <a:rPr lang="bg-BG" sz="3800" b="1" dirty="0">
+                <a:solidFill>
+                  <a:schemeClr val="bg1"/>
+                </a:solidFill>
+              </a:rPr>
+              <a:t>сортирани</a:t>
+            </a:r>
+            <a:endParaRPr lang="en-US" sz="3800" b="1" dirty="0">
+              <a:solidFill>
+                <a:schemeClr val="bg1"/>
+              </a:solidFill>
               <a:cs typeface="Calibri"/>
             </a:endParaRPr>
           </a:p>
@@ -33859,8 +35028,16 @@
           <a:lstStyle/>
           <a:p>
             <a:r>
+              <a:rPr lang="bg-BG" sz="3950" dirty="0"/>
+              <a:t>Сортирани</a:t>
+            </a:r>
+            <a:r>
               <a:rPr lang="en-US" sz="3950" dirty="0"/>
-              <a:t>Сортиран речник</a:t>
+              <a:t> </a:t>
+            </a:r>
+            <a:r>
+              <a:rPr lang="bg-BG" sz="3950" dirty="0"/>
+              <a:t>речници</a:t>
             </a:r>
             <a:endParaRPr lang="bg-BG" dirty="0"/>
           </a:p>
@@ -34954,6 +36131,8 @@
                 <a:solidFill>
                   <a:schemeClr val="bg1"/>
                 </a:solidFill>
+                <a:latin typeface="Consolas" panose="020B0609020204030204" pitchFamily="49" charset="0"/>
+                <a:cs typeface="Consolas" panose="020B0609020204030204" pitchFamily="49" charset="0"/>
               </a:rPr>
               <a:t>Add</a:t>
             </a:r>
@@ -34983,7 +36162,7 @@
             </a:r>
             <a:r>
               <a:rPr lang="en-US" sz="3800" dirty="0"/>
-              <a:t>) метод</a:t>
+              <a:t>)</a:t>
             </a:r>
             <a:endParaRPr lang="bg-BG" dirty="0"/>
           </a:p>
@@ -35041,8 +36220,11 @@
                 <a:spcPct val="100000"/>
               </a:lnSpc>
               <a:spcBef>
-                <a:spcPts val="0"/>
-              </a:spcBef>
+                <a:spcPts val="400"/>
+              </a:spcBef>
+              <a:spcAft>
+                <a:spcPts val="200"/>
+              </a:spcAft>
               <a:buClr>
                 <a:schemeClr val="tx1"/>
               </a:buClr>
@@ -35052,6 +36234,8 @@
                 <a:solidFill>
                   <a:schemeClr val="bg1"/>
                 </a:solidFill>
+                <a:latin typeface="Consolas" panose="020B0609020204030204" pitchFamily="49" charset="0"/>
+                <a:cs typeface="Consolas" panose="020B0609020204030204" pitchFamily="49" charset="0"/>
               </a:rPr>
               <a:t>Remove</a:t>
             </a:r>
@@ -35073,7 +36257,7 @@
                   <a:srgbClr val="234465"/>
                 </a:solidFill>
               </a:rPr>
-              <a:t>) метод</a:t>
+              <a:t>)</a:t>
             </a:r>
             <a:endParaRPr lang="en-US" sz="3800" dirty="0">
               <a:solidFill>
@@ -35107,14 +36291,19 @@
           </a:xfrm>
         </p:spPr>
         <p:txBody>
-          <a:bodyPr/>
+          <a:bodyPr>
+            <a:normAutofit/>
+          </a:bodyPr>
           <a:lstStyle/>
           <a:p>
             <a:r>
-              <a:rPr lang="en-US" sz="3950" dirty="0"/>
+              <a:rPr lang="en-US" sz="4000" dirty="0"/>
               <a:t>Вградени методи</a:t>
             </a:r>
-            <a:endParaRPr lang="bg-BG" dirty="0"/>
+            <a:r>
+              <a:rPr lang="bg-BG" sz="4000" dirty="0"/>
+              <a:t> (1)</a:t>
+            </a:r>
           </a:p>
         </p:txBody>
       </p:sp>
@@ -35135,7 +36324,7 @@
         <p:spPr>
           <a:xfrm>
             <a:off x="752724" y="2018391"/>
-            <a:ext cx="9734176" cy="1635068"/>
+            <a:ext cx="9734176" cy="1767444"/>
           </a:xfrm>
           <a:prstGeom prst="rect">
             <a:avLst/>
@@ -35326,7 +36515,7 @@
             </a:lvl9pPr>
           </a:lstStyle>
           <a:p>
-            <a:pPr>
+            <a:pPr marL="0">
               <a:spcBef>
                 <a:spcPts val="300"/>
               </a:spcBef>
@@ -35457,7 +36646,7 @@
         </p:nvSpPr>
         <p:spPr>
           <a:xfrm>
-            <a:off x="752724" y="4740466"/>
+            <a:off x="752724" y="4718506"/>
             <a:ext cx="9734176" cy="1635494"/>
           </a:xfrm>
           <a:prstGeom prst="rect">
@@ -35803,7 +36992,7 @@
                             </p:stCondLst>
                             <p:childTnLst>
                               <p:par>
-                                <p:cTn id="5" presetID="1" presetClass="entr" presetSubtype="0" fill="hold" grpId="0" nodeType="clickEffect">
+                                <p:cTn id="5" presetID="1" presetClass="entr" presetSubtype="0" fill="hold" nodeType="clickEffect">
                                   <p:stCondLst>
                                     <p:cond delay="0"/>
                                   </p:stCondLst>
@@ -35811,51 +37000,6 @@
                                     <p:set>
                                       <p:cBhvr>
                                         <p:cTn id="6" dur="1" fill="hold">
-                                          <p:stCondLst>
-                                            <p:cond delay="0"/>
-                                          </p:stCondLst>
-                                        </p:cTn>
-                                        <p:tgtEl>
-                                          <p:spTgt spid="15"/>
-                                        </p:tgtEl>
-                                        <p:attrNameLst>
-                                          <p:attrName>style.visibility</p:attrName>
-                                        </p:attrNameLst>
-                                      </p:cBhvr>
-                                      <p:to>
-                                        <p:strVal val="visible"/>
-                                      </p:to>
-                                    </p:set>
-                                  </p:childTnLst>
-                                </p:cTn>
-                              </p:par>
-                            </p:childTnLst>
-                          </p:cTn>
-                        </p:par>
-                      </p:childTnLst>
-                    </p:cTn>
-                  </p:par>
-                  <p:par>
-                    <p:cTn id="7" fill="hold">
-                      <p:stCondLst>
-                        <p:cond delay="indefinite"/>
-                      </p:stCondLst>
-                      <p:childTnLst>
-                        <p:par>
-                          <p:cTn id="8" fill="hold">
-                            <p:stCondLst>
-                              <p:cond delay="0"/>
-                            </p:stCondLst>
-                            <p:childTnLst>
-                              <p:par>
-                                <p:cTn id="9" presetID="1" presetClass="entr" presetSubtype="0" fill="hold" nodeType="clickEffect">
-                                  <p:stCondLst>
-                                    <p:cond delay="0"/>
-                                  </p:stCondLst>
-                                  <p:childTnLst>
-                                    <p:set>
-                                      <p:cBhvr>
-                                        <p:cTn id="10" dur="1" fill="hold">
                                           <p:stCondLst>
                                             <p:cond delay="0"/>
                                           </p:stCondLst>
@@ -35878,33 +37022,15 @@
                                   </p:childTnLst>
                                 </p:cTn>
                               </p:par>
-                            </p:childTnLst>
-                          </p:cTn>
-                        </p:par>
-                      </p:childTnLst>
-                    </p:cTn>
-                  </p:par>
-                  <p:par>
-                    <p:cTn id="11" fill="hold">
-                      <p:stCondLst>
-                        <p:cond delay="indefinite"/>
-                      </p:stCondLst>
-                      <p:childTnLst>
-                        <p:par>
-                          <p:cTn id="12" fill="hold">
-                            <p:stCondLst>
-                              <p:cond delay="0"/>
-                            </p:stCondLst>
-                            <p:childTnLst>
                               <p:par>
-                                <p:cTn id="13" presetID="1" presetClass="entr" presetSubtype="0" fill="hold" grpId="0" nodeType="clickEffect">
+                                <p:cTn id="7" presetID="1" presetClass="entr" presetSubtype="0" fill="hold" grpId="0" nodeType="withEffect">
                                   <p:stCondLst>
                                     <p:cond delay="0"/>
                                   </p:stCondLst>
                                   <p:childTnLst>
                                     <p:set>
                                       <p:cBhvr>
-                                        <p:cTn id="14" dur="1" fill="hold">
+                                        <p:cTn id="8" dur="1" fill="hold">
                                           <p:stCondLst>
                                             <p:cond delay="0"/>
                                           </p:stCondLst>
@@ -35951,7 +37077,6 @@
       </p:par>
     </p:tnLst>
     <p:bldLst>
-      <p:bldP spid="15" grpId="0" animBg="1"/>
       <p:bldP spid="16" grpId="0" animBg="1"/>
     </p:bldLst>
   </p:timing>
@@ -36186,6 +37311,8 @@
                 <a:solidFill>
                   <a:schemeClr val="bg1"/>
                 </a:solidFill>
+                <a:latin typeface="Consolas" panose="020B0609020204030204" pitchFamily="49" charset="0"/>
+                <a:cs typeface="Consolas" panose="020B0609020204030204" pitchFamily="49" charset="0"/>
               </a:rPr>
               <a:t>ContainsKey</a:t>
             </a:r>
@@ -36280,6 +37407,8 @@
                 <a:solidFill>
                   <a:schemeClr val="bg1"/>
                 </a:solidFill>
+                <a:latin typeface="Consolas" panose="020B0609020204030204" pitchFamily="49" charset="0"/>
+                <a:cs typeface="Consolas" panose="020B0609020204030204" pitchFamily="49" charset="0"/>
               </a:rPr>
               <a:t>ContainsValue</a:t>
             </a:r>
@@ -36345,17 +37474,17 @@
           <a:lstStyle/>
           <a:p>
             <a:r>
-              <a:rPr lang="en-US" sz="3950" dirty="0">
+              <a:rPr lang="en-US" sz="4000" dirty="0">
                 <a:ea typeface="+mj-lt"/>
                 <a:cs typeface="+mj-lt"/>
               </a:rPr>
               <a:t>Вградени методи</a:t>
             </a:r>
             <a:r>
-              <a:rPr lang="en-US" sz="3950" dirty="0"/>
+              <a:rPr lang="en-US" sz="4000" dirty="0"/>
               <a:t> (2)</a:t>
             </a:r>
-            <a:endParaRPr lang="en-US" sz="3950" dirty="0">
+            <a:endParaRPr lang="en-US" sz="4000" dirty="0">
               <a:cs typeface="Calibri"/>
             </a:endParaRPr>
           </a:p>
@@ -37169,7 +38298,7 @@
                             </p:stCondLst>
                             <p:childTnLst>
                               <p:par>
-                                <p:cTn id="5" presetID="1" presetClass="entr" presetSubtype="0" fill="hold" grpId="0" nodeType="clickEffect">
+                                <p:cTn id="5" presetID="1" presetClass="entr" presetSubtype="0" fill="hold" nodeType="clickEffect">
                                   <p:stCondLst>
                                     <p:cond delay="0"/>
                                   </p:stCondLst>
@@ -37182,8 +38311,10 @@
                                           </p:stCondLst>
                                         </p:cTn>
                                         <p:tgtEl>
-                                          <p:spTgt spid="15">
-                                            <p:bg/>
+                                          <p:spTgt spid="13">
+                                            <p:txEl>
+                                              <p:pRg st="4" end="4"/>
+                                            </p:txEl>
                                           </p:spTgt>
                                         </p:tgtEl>
                                         <p:attrNameLst>
@@ -37211,10 +38342,8 @@
                                           </p:stCondLst>
                                         </p:cTn>
                                         <p:tgtEl>
-                                          <p:spTgt spid="15">
-                                            <p:txEl>
-                                              <p:pRg st="0" end="0"/>
-                                            </p:txEl>
+                                          <p:spTgt spid="16">
+                                            <p:bg/>
                                           </p:spTgt>
                                         </p:tgtEl>
                                         <p:attrNameLst>
@@ -37242,9 +38371,9 @@
                                           </p:stCondLst>
                                         </p:cTn>
                                         <p:tgtEl>
-                                          <p:spTgt spid="15">
+                                          <p:spTgt spid="16">
                                             <p:txEl>
-                                              <p:pRg st="1" end="1"/>
+                                              <p:pRg st="0" end="0"/>
                                             </p:txEl>
                                           </p:spTgt>
                                         </p:tgtEl>
@@ -37273,9 +38402,9 @@
                                           </p:stCondLst>
                                         </p:cTn>
                                         <p:tgtEl>
-                                          <p:spTgt spid="15">
+                                          <p:spTgt spid="16">
                                             <p:txEl>
-                                              <p:pRg st="2" end="2"/>
+                                              <p:pRg st="1" end="1"/>
                                             </p:txEl>
                                           </p:spTgt>
                                         </p:tgtEl>
@@ -37304,195 +38433,6 @@
                                           </p:stCondLst>
                                         </p:cTn>
                                         <p:tgtEl>
-                                          <p:spTgt spid="15">
-                                            <p:txEl>
-                                              <p:pRg st="3" end="3"/>
-                                            </p:txEl>
-                                          </p:spTgt>
-                                        </p:tgtEl>
-                                        <p:attrNameLst>
-                                          <p:attrName>style.visibility</p:attrName>
-                                        </p:attrNameLst>
-                                      </p:cBhvr>
-                                      <p:to>
-                                        <p:strVal val="visible"/>
-                                      </p:to>
-                                    </p:set>
-                                  </p:childTnLst>
-                                </p:cTn>
-                              </p:par>
-                            </p:childTnLst>
-                          </p:cTn>
-                        </p:par>
-                      </p:childTnLst>
-                    </p:cTn>
-                  </p:par>
-                  <p:par>
-                    <p:cTn id="15" fill="hold">
-                      <p:stCondLst>
-                        <p:cond delay="indefinite"/>
-                      </p:stCondLst>
-                      <p:childTnLst>
-                        <p:par>
-                          <p:cTn id="16" fill="hold">
-                            <p:stCondLst>
-                              <p:cond delay="0"/>
-                            </p:stCondLst>
-                            <p:childTnLst>
-                              <p:par>
-                                <p:cTn id="17" presetID="1" presetClass="entr" presetSubtype="0" fill="hold" nodeType="clickEffect">
-                                  <p:stCondLst>
-                                    <p:cond delay="0"/>
-                                  </p:stCondLst>
-                                  <p:childTnLst>
-                                    <p:set>
-                                      <p:cBhvr>
-                                        <p:cTn id="18" dur="1" fill="hold">
-                                          <p:stCondLst>
-                                            <p:cond delay="0"/>
-                                          </p:stCondLst>
-                                        </p:cTn>
-                                        <p:tgtEl>
-                                          <p:spTgt spid="13">
-                                            <p:txEl>
-                                              <p:pRg st="4" end="4"/>
-                                            </p:txEl>
-                                          </p:spTgt>
-                                        </p:tgtEl>
-                                        <p:attrNameLst>
-                                          <p:attrName>style.visibility</p:attrName>
-                                        </p:attrNameLst>
-                                      </p:cBhvr>
-                                      <p:to>
-                                        <p:strVal val="visible"/>
-                                      </p:to>
-                                    </p:set>
-                                  </p:childTnLst>
-                                </p:cTn>
-                              </p:par>
-                            </p:childTnLst>
-                          </p:cTn>
-                        </p:par>
-                      </p:childTnLst>
-                    </p:cTn>
-                  </p:par>
-                  <p:par>
-                    <p:cTn id="19" fill="hold">
-                      <p:stCondLst>
-                        <p:cond delay="indefinite"/>
-                      </p:stCondLst>
-                      <p:childTnLst>
-                        <p:par>
-                          <p:cTn id="20" fill="hold">
-                            <p:stCondLst>
-                              <p:cond delay="0"/>
-                            </p:stCondLst>
-                            <p:childTnLst>
-                              <p:par>
-                                <p:cTn id="21" presetID="1" presetClass="entr" presetSubtype="0" fill="hold" grpId="0" nodeType="clickEffect">
-                                  <p:stCondLst>
-                                    <p:cond delay="0"/>
-                                  </p:stCondLst>
-                                  <p:childTnLst>
-                                    <p:set>
-                                      <p:cBhvr>
-                                        <p:cTn id="22" dur="1" fill="hold">
-                                          <p:stCondLst>
-                                            <p:cond delay="0"/>
-                                          </p:stCondLst>
-                                        </p:cTn>
-                                        <p:tgtEl>
-                                          <p:spTgt spid="16">
-                                            <p:bg/>
-                                          </p:spTgt>
-                                        </p:tgtEl>
-                                        <p:attrNameLst>
-                                          <p:attrName>style.visibility</p:attrName>
-                                        </p:attrNameLst>
-                                      </p:cBhvr>
-                                      <p:to>
-                                        <p:strVal val="visible"/>
-                                      </p:to>
-                                    </p:set>
-                                  </p:childTnLst>
-                                </p:cTn>
-                              </p:par>
-                              <p:par>
-                                <p:cTn id="23" presetID="1" presetClass="entr" presetSubtype="0" fill="hold" grpId="0" nodeType="withEffect">
-                                  <p:stCondLst>
-                                    <p:cond delay="0"/>
-                                  </p:stCondLst>
-                                  <p:childTnLst>
-                                    <p:set>
-                                      <p:cBhvr>
-                                        <p:cTn id="24" dur="1" fill="hold">
-                                          <p:stCondLst>
-                                            <p:cond delay="0"/>
-                                          </p:stCondLst>
-                                        </p:cTn>
-                                        <p:tgtEl>
-                                          <p:spTgt spid="16">
-                                            <p:txEl>
-                                              <p:pRg st="0" end="0"/>
-                                            </p:txEl>
-                                          </p:spTgt>
-                                        </p:tgtEl>
-                                        <p:attrNameLst>
-                                          <p:attrName>style.visibility</p:attrName>
-                                        </p:attrNameLst>
-                                      </p:cBhvr>
-                                      <p:to>
-                                        <p:strVal val="visible"/>
-                                      </p:to>
-                                    </p:set>
-                                  </p:childTnLst>
-                                </p:cTn>
-                              </p:par>
-                              <p:par>
-                                <p:cTn id="25" presetID="1" presetClass="entr" presetSubtype="0" fill="hold" grpId="0" nodeType="withEffect">
-                                  <p:stCondLst>
-                                    <p:cond delay="0"/>
-                                  </p:stCondLst>
-                                  <p:childTnLst>
-                                    <p:set>
-                                      <p:cBhvr>
-                                        <p:cTn id="26" dur="1" fill="hold">
-                                          <p:stCondLst>
-                                            <p:cond delay="0"/>
-                                          </p:stCondLst>
-                                        </p:cTn>
-                                        <p:tgtEl>
-                                          <p:spTgt spid="16">
-                                            <p:txEl>
-                                              <p:pRg st="1" end="1"/>
-                                            </p:txEl>
-                                          </p:spTgt>
-                                        </p:tgtEl>
-                                        <p:attrNameLst>
-                                          <p:attrName>style.visibility</p:attrName>
-                                        </p:attrNameLst>
-                                      </p:cBhvr>
-                                      <p:to>
-                                        <p:strVal val="visible"/>
-                                      </p:to>
-                                    </p:set>
-                                  </p:childTnLst>
-                                </p:cTn>
-                              </p:par>
-                              <p:par>
-                                <p:cTn id="27" presetID="1" presetClass="entr" presetSubtype="0" fill="hold" grpId="0" nodeType="withEffect">
-                                  <p:stCondLst>
-                                    <p:cond delay="0"/>
-                                  </p:stCondLst>
-                                  <p:childTnLst>
-                                    <p:set>
-                                      <p:cBhvr>
-                                        <p:cTn id="28" dur="1" fill="hold">
-                                          <p:stCondLst>
-                                            <p:cond delay="0"/>
-                                          </p:stCondLst>
-                                        </p:cTn>
-                                        <p:tgtEl>
                                           <p:spTgt spid="16">
                                             <p:txEl>
                                               <p:pRg st="2" end="2"/>
@@ -37511,14 +38451,14 @@
                                 </p:cTn>
                               </p:par>
                               <p:par>
-                                <p:cTn id="29" presetID="1" presetClass="entr" presetSubtype="0" fill="hold" grpId="0" nodeType="withEffect">
+                                <p:cTn id="15" presetID="1" presetClass="entr" presetSubtype="0" fill="hold" grpId="0" nodeType="withEffect">
                                   <p:stCondLst>
                                     <p:cond delay="0"/>
                                   </p:stCondLst>
                                   <p:childTnLst>
                                     <p:set>
                                       <p:cBhvr>
-                                        <p:cTn id="30" dur="1" fill="hold">
+                                        <p:cTn id="16" dur="1" fill="hold">
                                           <p:stCondLst>
                                             <p:cond delay="0"/>
                                           </p:stCondLst>
@@ -37569,8 +38509,7 @@
       </p:par>
     </p:tnLst>
     <p:bldLst>
-      <p:bldP spid="15" grpId="0" uiExpand="1" build="p" animBg="1"/>
-      <p:bldP spid="16" grpId="0" build="p" animBg="1"/>
+      <p:bldP spid="16" grpId="0" uiExpand="1" build="p" animBg="1"/>
     </p:bldLst>
   </p:timing>
 </p:sld>
@@ -37624,13 +38563,13 @@
                 </a:solidFill>
                 <a:cs typeface="Calibri"/>
               </a:rPr>
-              <a:t>масив от реални числа</a:t>
+              <a:t>масив </a:t>
             </a:r>
             <a:r>
               <a:rPr lang="en-US" sz="3600" dirty="0">
                 <a:cs typeface="Calibri"/>
               </a:rPr>
-              <a:t> и отпечатайте колко пъти се </a:t>
+              <a:t>от реални числа и отпечатайте </a:t>
             </a:r>
             <a:r>
               <a:rPr lang="en-US" sz="3600" b="1" dirty="0">
@@ -37639,8 +38578,23 @@
                 </a:solidFill>
                 <a:cs typeface="Calibri"/>
               </a:rPr>
-              <a:t>срещат</a:t>
-            </a:r>
+              <a:t>колко пъти се </a:t>
+            </a:r>
+            <a:r>
+              <a:rPr lang="bg-BG" sz="3600" b="1" dirty="0">
+                <a:solidFill>
+                  <a:schemeClr val="bg1"/>
+                </a:solidFill>
+                <a:cs typeface="Calibri"/>
+              </a:rPr>
+              <a:t>среща всяко от тях</a:t>
+            </a:r>
+            <a:endParaRPr lang="en-US" sz="3600" b="1" dirty="0">
+              <a:solidFill>
+                <a:schemeClr val="bg1"/>
+              </a:solidFill>
+              <a:cs typeface="Calibri"/>
+            </a:endParaRPr>
           </a:p>
           <a:p>
             <a:pPr marL="360045" indent="-360045"/>
@@ -37663,18 +38617,23 @@
             <p:ph type="title"/>
           </p:nvPr>
         </p:nvSpPr>
-        <p:spPr/>
+        <p:spPr>
+          <a:xfrm>
+            <a:off x="201000" y="100750"/>
+            <a:ext cx="9955594" cy="882654"/>
+          </a:xfrm>
+        </p:spPr>
         <p:txBody>
           <a:bodyPr>
-            <a:normAutofit fontScale="90000"/>
+            <a:noAutofit/>
           </a:bodyPr>
           <a:lstStyle/>
           <a:p>
             <a:r>
-              <a:rPr lang="en-US" sz="3950" dirty="0"/>
-              <a:t>Задача: Брой на еднакви стойности в масив</a:t>
-            </a:r>
-            <a:endParaRPr lang="en-US" sz="3950" dirty="0">
+              <a:rPr lang="en-US" sz="4000" dirty="0"/>
+              <a:t>Задача: Брой еднакви стойности в масив</a:t>
+            </a:r>
+            <a:endParaRPr lang="en-US" sz="4000" dirty="0">
               <a:cs typeface="Calibri"/>
             </a:endParaRPr>
           </a:p>
@@ -37690,7 +38649,7 @@
         </p:nvSpPr>
         <p:spPr bwMode="auto">
           <a:xfrm>
-            <a:off x="1877405" y="2818289"/>
+            <a:off x="1877405" y="3072833"/>
             <a:ext cx="3476091" cy="648659"/>
           </a:xfrm>
           <a:prstGeom prst="rect">
@@ -37746,7 +38705,7 @@
         </p:nvSpPr>
         <p:spPr bwMode="auto">
           <a:xfrm>
-            <a:off x="6317899" y="2524857"/>
+            <a:off x="6317899" y="2779401"/>
             <a:ext cx="3076040" cy="1233138"/>
           </a:xfrm>
           <a:prstGeom prst="rect">
@@ -37813,7 +38772,7 @@
         </p:nvSpPr>
         <p:spPr>
           <a:xfrm rot="16200000">
-            <a:off x="5620862" y="2841245"/>
+            <a:off x="5620862" y="3095789"/>
             <a:ext cx="429668" cy="602748"/>
           </a:xfrm>
           <a:prstGeom prst="downArrow">
@@ -37855,7 +38814,7 @@
         </p:nvSpPr>
         <p:spPr bwMode="auto">
           <a:xfrm>
-            <a:off x="2697662" y="4628830"/>
+            <a:off x="2697662" y="4883374"/>
             <a:ext cx="2655835" cy="648659"/>
           </a:xfrm>
           <a:prstGeom prst="rect">
@@ -37911,7 +38870,7 @@
         </p:nvSpPr>
         <p:spPr bwMode="auto">
           <a:xfrm>
-            <a:off x="6317899" y="4146823"/>
+            <a:off x="6317899" y="4401367"/>
             <a:ext cx="3076040" cy="1817633"/>
           </a:xfrm>
           <a:prstGeom prst="rect">
@@ -38003,7 +38962,7 @@
         </p:nvSpPr>
         <p:spPr>
           <a:xfrm rot="16200000">
-            <a:off x="5620863" y="4651786"/>
+            <a:off x="5620863" y="4906330"/>
             <a:ext cx="429668" cy="602748"/>
           </a:xfrm>
           <a:prstGeom prst="downArrow">

--- a/Courses/Software-Sciences/Module-2-DS-and-Algo/05.1-Sets-and-Dictionaries-Basics/05.1-Sets-and-Dictionaries-Basics.pptx
+++ b/Courses/Software-Sciences/Module-2-DS-and-Algo/05.1-Sets-and-Dictionaries-Basics/05.1-Sets-and-Dictionaries-Basics.pptx
@@ -43,8 +43,8 @@
     <p:sldId id="358" r:id="rId31"/>
     <p:sldId id="359" r:id="rId32"/>
     <p:sldId id="360" r:id="rId33"/>
-    <p:sldId id="506" r:id="rId34"/>
-    <p:sldId id="507" r:id="rId35"/>
+    <p:sldId id="508" r:id="rId34"/>
+    <p:sldId id="509" r:id="rId35"/>
   </p:sldIdLst>
   <p:sldSz cx="12192000" cy="6858000"/>
   <p:notesSz cx="6858000" cy="9144000"/>
@@ -146,13 +146,13 @@
   <p:extLst>
     <p:ext uri="{521415D9-36F7-43E2-AB2F-B90AF26B5E84}">
       <p14:sectionLst xmlns:p14="http://schemas.microsoft.com/office/powerpoint/2010/main">
-        <p14:section name="Въведение" id="{122DC630-C899-4167-8CA6-414F572F5FF3}">
+        <p14:section name="Въведение" id="{7474004C-7D62-4BFF-85CE-DD99FDEA5B78}">
           <p14:sldIdLst>
             <p14:sldId id="329"/>
             <p14:sldId id="330"/>
           </p14:sldIdLst>
         </p14:section>
-        <p14:section name="Речници" id="{1BD731F2-5EE3-4F3D-9EF1-3E09A1035DE9}">
+        <p14:section name="Речници" id="{649A3343-1D76-4231-864C-89D8BABEC0BE}">
           <p14:sldIdLst>
             <p14:sldId id="505"/>
             <p14:sldId id="333"/>
@@ -165,7 +165,7 @@
             <p14:sldId id="504"/>
           </p14:sldIdLst>
         </p14:section>
-        <p14:section name="Мулти-речници" id="{958D45CA-355E-47B7-A6B1-19CEECBDE735}">
+        <p14:section name="Мулти-речници" id="{978ED39D-6862-4D4B-8CAB-693BACAA9B0A}">
           <p14:sldIdLst>
             <p14:sldId id="340"/>
             <p14:sldId id="341"/>
@@ -182,7 +182,7 @@
             <p14:sldId id="352"/>
           </p14:sldIdLst>
         </p14:section>
-        <p14:section name="Множества" id="{F0BAEDD0-4A13-411D-99C1-316E5C21AC2F}">
+        <p14:section name="Множества" id="{B61148B5-A3FB-4434-8B53-E9C48C0CE089}">
           <p14:sldIdLst>
             <p14:sldId id="353"/>
             <p14:sldId id="354"/>
@@ -193,11 +193,11 @@
             <p14:sldId id="359"/>
           </p14:sldIdLst>
         </p14:section>
-        <p14:section name="Обобщение" id="{C5E06FFC-757F-4858-A231-D8F2D65F3F1E}">
+        <p14:section name="Обобщение" id="{8AAB6882-A760-4142-97D6-5475C89508BA}">
           <p14:sldIdLst>
             <p14:sldId id="360"/>
-            <p14:sldId id="506"/>
-            <p14:sldId id="507"/>
+            <p14:sldId id="508"/>
+            <p14:sldId id="509"/>
           </p14:sldIdLst>
         </p14:section>
       </p14:sectionLst>
@@ -221,15 +221,6 @@
     </p:ext>
   </p:extLst>
 </p:presentation>
-</file>
-
-<file path=ppt/revisionInfo.xml><?xml version="1.0" encoding="utf-8"?>
-<p1510:revInfo xmlns:a="http://schemas.openxmlformats.org/drawingml/2006/main" xmlns:r="http://schemas.openxmlformats.org/officeDocument/2006/relationships" xmlns:p1510="http://schemas.microsoft.com/office/powerpoint/2015/10/main">
-  <p1510:revLst>
-    <p1510:client id="{7D34454B-E08E-587C-AF8C-95D07249B0EF}" v="316" dt="2023-01-26T20:45:09.878"/>
-    <p1510:client id="{CE338CDF-A2F6-4FBE-AEF9-BF2C3D02BE88}" v="1853" dt="2023-01-25T20:31:53.058"/>
-  </p1510:revLst>
-</p1510:revInfo>
 </file>
 
 <file path=ppt/handoutMasters/handoutMaster1.xml><?xml version="1.0" encoding="utf-8"?>
@@ -287,7 +278,7 @@
             </a:lvl1pPr>
           </a:lstStyle>
           <a:p>
-            <a:endParaRPr lang="bg-BG" dirty="0"/>
+            <a:endParaRPr lang="bg-BG"/>
           </a:p>
         </p:txBody>
       </p:sp>
@@ -326,9 +317,9 @@
           <a:p>
             <a:fld id="{4E087215-0C8F-4762-A664-737A353EC9A4}" type="datetimeFigureOut">
               <a:rPr lang="bg-BG" smtClean="0"/>
-              <a:t>19.08.23 г.</a:t>
+              <a:t>17.9.2023 г.</a:t>
             </a:fld>
-            <a:endParaRPr lang="bg-BG" dirty="0"/>
+            <a:endParaRPr lang="bg-BG"/>
           </a:p>
         </p:txBody>
       </p:sp>
@@ -350,8 +341,8 @@
         </p:nvSpPr>
         <p:spPr>
           <a:xfrm>
-            <a:off x="-1" y="8847000"/>
-            <a:ext cx="6443999" cy="297000"/>
+            <a:off x="-1" y="8892000"/>
+            <a:ext cx="6443999" cy="252000"/>
           </a:xfrm>
           <a:prstGeom prst="rect">
             <a:avLst/>
@@ -366,19 +357,24 @@
           </a:lstStyle>
           <a:p>
             <a:r>
-              <a:rPr lang="en-US" sz="1100" dirty="0"/>
-              <a:t>© SoftUni – </a:t>
-            </a:r>
-            <a:r>
-              <a:rPr lang="en-US" sz="1100" u="sng" dirty="0">
+              <a:rPr lang="bg-BG" sz="1100" dirty="0"/>
+              <a:t>Работна група </a:t>
+            </a:r>
+            <a:r>
+              <a:rPr lang="ru-RU" sz="1100" dirty="0"/>
+              <a:t>"Образование по програмиране и ИТ</a:t>
+            </a:r>
+            <a:r>
+              <a:rPr lang="bg-BG" sz="1100" dirty="0"/>
+              <a:t>", с подкрепата на </a:t>
+            </a:r>
+            <a:r>
+              <a:rPr lang="en-US" sz="1100" dirty="0">
                 <a:hlinkClick r:id="rId2"/>
               </a:rPr>
-              <a:t>https://softuni.org</a:t>
-            </a:r>
-            <a:r>
-              <a:rPr lang="en-US" sz="1100" dirty="0"/>
-              <a:t>. Copyrighted document. Unauthorized copy or reproduction is not permitted.</a:t>
-            </a:r>
+              <a:t>SoftUni</a:t>
+            </a:r>
+            <a:endParaRPr lang="en-US" sz="1100" dirty="0"/>
           </a:p>
         </p:txBody>
       </p:sp>
@@ -400,8 +396,8 @@
         </p:nvSpPr>
         <p:spPr>
           <a:xfrm>
-            <a:off x="6443999" y="8847000"/>
-            <a:ext cx="412413" cy="297000"/>
+            <a:off x="6443999" y="8892000"/>
+            <a:ext cx="412413" cy="252000"/>
           </a:xfrm>
           <a:prstGeom prst="rect">
             <a:avLst/>
@@ -484,7 +480,7 @@
             </a:lvl1pPr>
           </a:lstStyle>
           <a:p>
-            <a:endParaRPr lang="en-US" dirty="0"/>
+            <a:endParaRPr lang="en-US"/>
           </a:p>
         </p:txBody>
       </p:sp>
@@ -517,9 +513,9 @@
           <a:p>
             <a:fld id="{72D84649-876A-46C9-8472-14CB09C070D8}" type="datetimeFigureOut">
               <a:rPr lang="en-US" smtClean="0"/>
-              <a:t>8/19/23</a:t>
+              <a:t>9/17/2023</a:t>
             </a:fld>
-            <a:endParaRPr lang="en-US" dirty="0"/>
+            <a:endParaRPr lang="en-US"/>
           </a:p>
         </p:txBody>
       </p:sp>
@@ -552,7 +548,7 @@
           <a:bodyPr vert="horz" lIns="91440" tIns="45720" rIns="91440" bIns="45720" rtlCol="0" anchor="ctr"/>
           <a:lstStyle/>
           <a:p>
-            <a:endParaRPr lang="en-US" dirty="0"/>
+            <a:endParaRPr lang="en-US"/>
           </a:p>
         </p:txBody>
       </p:sp>
@@ -627,8 +623,8 @@
         </p:nvSpPr>
         <p:spPr>
           <a:xfrm>
-            <a:off x="6488999" y="8847000"/>
-            <a:ext cx="367414" cy="297000"/>
+            <a:off x="6488999" y="8892000"/>
+            <a:ext cx="367414" cy="252000"/>
           </a:xfrm>
           <a:prstGeom prst="rect">
             <a:avLst/>
@@ -668,8 +664,8 @@
         </p:nvSpPr>
         <p:spPr>
           <a:xfrm>
-            <a:off x="-1" y="8847000"/>
-            <a:ext cx="6488999" cy="297000"/>
+            <a:off x="-1" y="8892000"/>
+            <a:ext cx="6488999" cy="252000"/>
           </a:xfrm>
           <a:prstGeom prst="rect">
             <a:avLst/>
@@ -684,19 +680,24 @@
           </a:lstStyle>
           <a:p>
             <a:r>
-              <a:rPr lang="en-US" dirty="0"/>
-              <a:t>© SoftUni – </a:t>
-            </a:r>
-            <a:r>
-              <a:rPr lang="en-US" u="sng" dirty="0">
+              <a:rPr lang="bg-BG" sz="1100" dirty="0"/>
+              <a:t>Работна група </a:t>
+            </a:r>
+            <a:r>
+              <a:rPr lang="bg-BG" dirty="0"/>
+              <a:t>"Образование по програмиране и ИТ"</a:t>
+            </a:r>
+            <a:r>
+              <a:rPr lang="bg-BG" sz="1100" dirty="0"/>
+              <a:t>, с подкрепата на </a:t>
+            </a:r>
+            <a:r>
+              <a:rPr lang="en-US" sz="1100" dirty="0">
                 <a:hlinkClick r:id="rId2"/>
               </a:rPr>
-              <a:t>https://softuni.org</a:t>
-            </a:r>
-            <a:r>
-              <a:rPr lang="en-US" dirty="0"/>
-              <a:t>. Copyrighted document. Unauthorized copy or reproduction is not permitted.</a:t>
-            </a:r>
+              <a:t>SoftUni</a:t>
+            </a:r>
+            <a:endParaRPr lang="en-US" sz="1100" dirty="0"/>
           </a:p>
         </p:txBody>
       </p:sp>
@@ -854,10 +855,10 @@
       </p:sp>
       <p:sp>
         <p:nvSpPr>
-          <p:cNvPr id="5" name="Footer Placeholder 7">
+          <p:cNvPr id="4" name="Footer Placeholder 7">
             <a:extLst>
               <a:ext uri="{FF2B5EF4-FFF2-40B4-BE49-F238E27FC236}">
-                <a16:creationId xmlns:a16="http://schemas.microsoft.com/office/drawing/2014/main" id="{BA0569E9-9458-4171-98FB-EDB004A27B4F}"/>
+                <a16:creationId xmlns:a16="http://schemas.microsoft.com/office/drawing/2014/main" id="{1D70A090-E4CA-A9BF-341C-E8DE8FAE8704}"/>
               </a:ext>
             </a:extLst>
           </p:cNvPr>
@@ -870,8 +871,8 @@
         </p:nvSpPr>
         <p:spPr>
           <a:xfrm>
-            <a:off x="-1" y="8847000"/>
-            <a:ext cx="6488999" cy="297000"/>
+            <a:off x="-1" y="8892000"/>
+            <a:ext cx="6488999" cy="252000"/>
           </a:xfrm>
           <a:prstGeom prst="rect">
             <a:avLst/>
@@ -886,26 +887,31 @@
           </a:lstStyle>
           <a:p>
             <a:r>
-              <a:rPr lang="en-US" dirty="0"/>
-              <a:t>© SoftUni – </a:t>
-            </a:r>
-            <a:r>
-              <a:rPr lang="en-US" u="sng" dirty="0">
+              <a:rPr lang="bg-BG" sz="1100" dirty="0"/>
+              <a:t>Работна група </a:t>
+            </a:r>
+            <a:r>
+              <a:rPr lang="bg-BG" dirty="0"/>
+              <a:t>"Образование по програмиране и ИТ"</a:t>
+            </a:r>
+            <a:r>
+              <a:rPr lang="bg-BG" sz="1100" dirty="0"/>
+              <a:t>, с подкрепата на </a:t>
+            </a:r>
+            <a:r>
+              <a:rPr lang="en-US" sz="1100" dirty="0">
                 <a:hlinkClick r:id="rId3"/>
               </a:rPr>
-              <a:t>https://softuni.org</a:t>
-            </a:r>
-            <a:r>
-              <a:rPr lang="en-US" dirty="0"/>
-              <a:t>. Copyrighted document. Unauthorized copy or reproduction is not permitted.</a:t>
-            </a:r>
+              <a:t>SoftUni</a:t>
+            </a:r>
+            <a:endParaRPr lang="en-US" sz="1100" dirty="0"/>
           </a:p>
         </p:txBody>
       </p:sp>
     </p:spTree>
     <p:extLst>
       <p:ext uri="{BB962C8B-B14F-4D97-AF65-F5344CB8AC3E}">
-        <p14:creationId xmlns:p14="http://schemas.microsoft.com/office/powerpoint/2010/main" val="402409755"/>
+        <p14:creationId xmlns:p14="http://schemas.microsoft.com/office/powerpoint/2010/main" val="2981037346"/>
       </p:ext>
     </p:extLst>
   </p:cSld>
@@ -959,7 +965,7 @@
           <a:bodyPr/>
           <a:lstStyle/>
           <a:p>
-            <a:endParaRPr lang="en-US" dirty="0"/>
+            <a:endParaRPr lang="en-US"/>
           </a:p>
         </p:txBody>
       </p:sp>
@@ -1095,10 +1101,10 @@
       </p:sp>
       <p:sp>
         <p:nvSpPr>
-          <p:cNvPr id="7" name="Footer Placeholder 7">
+          <p:cNvPr id="5" name="Footer Placeholder 7">
             <a:extLst>
               <a:ext uri="{FF2B5EF4-FFF2-40B4-BE49-F238E27FC236}">
-                <a16:creationId xmlns:a16="http://schemas.microsoft.com/office/drawing/2014/main" id="{6440DE1F-FF39-450B-9BB2-FD91A9B92021}"/>
+                <a16:creationId xmlns:a16="http://schemas.microsoft.com/office/drawing/2014/main" id="{5E819A61-B0D4-3CCA-3348-F45AF9AE607A}"/>
               </a:ext>
             </a:extLst>
           </p:cNvPr>
@@ -1111,8 +1117,8 @@
         </p:nvSpPr>
         <p:spPr>
           <a:xfrm>
-            <a:off x="-1" y="8847000"/>
-            <a:ext cx="6488999" cy="297000"/>
+            <a:off x="-1" y="8892000"/>
+            <a:ext cx="6488999" cy="252000"/>
           </a:xfrm>
           <a:prstGeom prst="rect">
             <a:avLst/>
@@ -1127,26 +1133,31 @@
           </a:lstStyle>
           <a:p>
             <a:r>
-              <a:rPr lang="en-US" dirty="0"/>
-              <a:t>© SoftUni – </a:t>
-            </a:r>
-            <a:r>
-              <a:rPr lang="en-US" u="sng" dirty="0">
+              <a:rPr lang="bg-BG" sz="1100" dirty="0"/>
+              <a:t>Работна група </a:t>
+            </a:r>
+            <a:r>
+              <a:rPr lang="bg-BG" dirty="0"/>
+              <a:t>"Образование по програмиране и ИТ"</a:t>
+            </a:r>
+            <a:r>
+              <a:rPr lang="bg-BG" sz="1100" dirty="0"/>
+              <a:t>, с подкрепата на </a:t>
+            </a:r>
+            <a:r>
+              <a:rPr lang="en-US" sz="1100" dirty="0">
                 <a:hlinkClick r:id="rId3"/>
               </a:rPr>
-              <a:t>https://softuni.org</a:t>
-            </a:r>
-            <a:r>
-              <a:rPr lang="en-US" dirty="0"/>
-              <a:t>. Copyrighted document. Unauthorized copy or reproduction is not permitted.</a:t>
-            </a:r>
+              <a:t>SoftUni</a:t>
+            </a:r>
+            <a:endParaRPr lang="en-US" sz="1100" dirty="0"/>
           </a:p>
         </p:txBody>
       </p:sp>
     </p:spTree>
     <p:extLst>
       <p:ext uri="{BB962C8B-B14F-4D97-AF65-F5344CB8AC3E}">
-        <p14:creationId xmlns:p14="http://schemas.microsoft.com/office/powerpoint/2010/main" val="2767550425"/>
+        <p14:creationId xmlns:p14="http://schemas.microsoft.com/office/powerpoint/2010/main" val="1791724301"/>
       </p:ext>
     </p:extLst>
   </p:cSld>
@@ -1208,10 +1219,10 @@
       </p:sp>
       <p:sp>
         <p:nvSpPr>
-          <p:cNvPr id="5" name="Footer Placeholder 7">
+          <p:cNvPr id="2" name="Footer Placeholder 7">
             <a:extLst>
               <a:ext uri="{FF2B5EF4-FFF2-40B4-BE49-F238E27FC236}">
-                <a16:creationId xmlns:a16="http://schemas.microsoft.com/office/drawing/2014/main" id="{0609E29C-22A6-4A35-9051-F30D70DE6C2D}"/>
+                <a16:creationId xmlns:a16="http://schemas.microsoft.com/office/drawing/2014/main" id="{29E3AD08-FC7B-7180-4D59-8D65409B099A}"/>
               </a:ext>
             </a:extLst>
           </p:cNvPr>
@@ -1224,8 +1235,8 @@
         </p:nvSpPr>
         <p:spPr>
           <a:xfrm>
-            <a:off x="-1" y="8847000"/>
-            <a:ext cx="6488999" cy="297000"/>
+            <a:off x="-1" y="8892000"/>
+            <a:ext cx="6488999" cy="252000"/>
           </a:xfrm>
           <a:prstGeom prst="rect">
             <a:avLst/>
@@ -1240,26 +1251,31 @@
           </a:lstStyle>
           <a:p>
             <a:r>
-              <a:rPr lang="en-US" dirty="0"/>
-              <a:t>© SoftUni – </a:t>
-            </a:r>
-            <a:r>
-              <a:rPr lang="en-US" u="sng" dirty="0">
+              <a:rPr lang="bg-BG" sz="1100" dirty="0"/>
+              <a:t>Работна група </a:t>
+            </a:r>
+            <a:r>
+              <a:rPr lang="bg-BG" dirty="0"/>
+              <a:t>"Образование по програмиране и ИТ"</a:t>
+            </a:r>
+            <a:r>
+              <a:rPr lang="bg-BG" sz="1100" dirty="0"/>
+              <a:t>, с подкрепата на </a:t>
+            </a:r>
+            <a:r>
+              <a:rPr lang="en-US" sz="1100" dirty="0">
                 <a:hlinkClick r:id="rId3"/>
               </a:rPr>
-              <a:t>https://softuni.org</a:t>
-            </a:r>
-            <a:r>
-              <a:rPr lang="en-US" dirty="0"/>
-              <a:t>. Copyrighted document. Unauthorized copy or reproduction is not permitted.</a:t>
-            </a:r>
+              <a:t>SoftUni</a:t>
+            </a:r>
+            <a:endParaRPr lang="en-US" sz="1100" dirty="0"/>
           </a:p>
         </p:txBody>
       </p:sp>
     </p:spTree>
     <p:extLst>
       <p:ext uri="{BB962C8B-B14F-4D97-AF65-F5344CB8AC3E}">
-        <p14:creationId xmlns:p14="http://schemas.microsoft.com/office/powerpoint/2010/main" val="1758305905"/>
+        <p14:creationId xmlns:p14="http://schemas.microsoft.com/office/powerpoint/2010/main" val="3413876138"/>
       </p:ext>
     </p:extLst>
   </p:cSld>
@@ -1342,7 +1358,13 @@
       </p:sp>
       <p:sp>
         <p:nvSpPr>
-          <p:cNvPr id="5" name="Footer Placeholder 4"/>
+          <p:cNvPr id="6" name="Footer Placeholder 7">
+            <a:extLst>
+              <a:ext uri="{FF2B5EF4-FFF2-40B4-BE49-F238E27FC236}">
+                <a16:creationId xmlns:a16="http://schemas.microsoft.com/office/drawing/2014/main" id="{DE701A46-8727-777B-7E90-9F0E2B8F3242}"/>
+              </a:ext>
+            </a:extLst>
+          </p:cNvPr>
           <p:cNvSpPr>
             <a:spLocks noGrp="1"/>
           </p:cNvSpPr>
@@ -1350,33 +1372,49 @@
             <p:ph type="ftr" sz="quarter" idx="4"/>
           </p:nvPr>
         </p:nvSpPr>
-        <p:spPr/>
+        <p:spPr>
+          <a:xfrm>
+            <a:off x="-1" y="8892000"/>
+            <a:ext cx="6488999" cy="252000"/>
+          </a:xfrm>
+          <a:prstGeom prst="rect">
+            <a:avLst/>
+          </a:prstGeom>
+        </p:spPr>
         <p:txBody>
-          <a:bodyPr/>
-          <a:lstStyle/>
-          <a:p>
-            <a:r>
-              <a:rPr lang="en-US"/>
-              <a:t>© SoftUni – </a:t>
-            </a:r>
-            <a:r>
-              <a:rPr lang="en-US" u="sng">
+          <a:bodyPr vert="horz" lIns="91440" tIns="45720" rIns="91440" bIns="45720" rtlCol="0" anchor="b"/>
+          <a:lstStyle>
+            <a:lvl1pPr algn="l">
+              <a:defRPr sz="1100"/>
+            </a:lvl1pPr>
+          </a:lstStyle>
+          <a:p>
+            <a:r>
+              <a:rPr lang="bg-BG" sz="1100" dirty="0"/>
+              <a:t>Работна група </a:t>
+            </a:r>
+            <a:r>
+              <a:rPr lang="bg-BG" dirty="0"/>
+              <a:t>"Образование по програмиране и ИТ"</a:t>
+            </a:r>
+            <a:r>
+              <a:rPr lang="bg-BG" sz="1100" dirty="0"/>
+              <a:t>, с подкрепата на </a:t>
+            </a:r>
+            <a:r>
+              <a:rPr lang="en-US" sz="1100" dirty="0">
                 <a:hlinkClick r:id="rId3"/>
               </a:rPr>
-              <a:t>https://softuni.org</a:t>
-            </a:r>
-            <a:r>
-              <a:rPr lang="en-US"/>
-              <a:t>. Copyrighted document. Unauthorized copy or reproduction is not permitted.</a:t>
-            </a:r>
-            <a:endParaRPr lang="en-US" dirty="0"/>
+              <a:t>SoftUni</a:t>
+            </a:r>
+            <a:endParaRPr lang="en-US" sz="1100" dirty="0"/>
           </a:p>
         </p:txBody>
       </p:sp>
     </p:spTree>
     <p:extLst>
       <p:ext uri="{BB962C8B-B14F-4D97-AF65-F5344CB8AC3E}">
-        <p14:creationId xmlns:p14="http://schemas.microsoft.com/office/powerpoint/2010/main" val="2225743327"/>
+        <p14:creationId xmlns:p14="http://schemas.microsoft.com/office/powerpoint/2010/main" val="4231410782"/>
       </p:ext>
     </p:extLst>
   </p:cSld>
@@ -1460,10 +1498,10 @@
       </p:sp>
       <p:sp>
         <p:nvSpPr>
-          <p:cNvPr id="7" name="Footer Placeholder 7">
+          <p:cNvPr id="5" name="Footer Placeholder 7">
             <a:extLst>
               <a:ext uri="{FF2B5EF4-FFF2-40B4-BE49-F238E27FC236}">
-                <a16:creationId xmlns:a16="http://schemas.microsoft.com/office/drawing/2014/main" id="{4D9503B3-D998-410D-83C6-D0E086C182D4}"/>
+                <a16:creationId xmlns:a16="http://schemas.microsoft.com/office/drawing/2014/main" id="{7579D502-E715-7256-2293-16C166B48AF7}"/>
               </a:ext>
             </a:extLst>
           </p:cNvPr>
@@ -1476,8 +1514,8 @@
         </p:nvSpPr>
         <p:spPr>
           <a:xfrm>
-            <a:off x="-1" y="8847000"/>
-            <a:ext cx="6488999" cy="297000"/>
+            <a:off x="-1" y="8892000"/>
+            <a:ext cx="6488999" cy="252000"/>
           </a:xfrm>
           <a:prstGeom prst="rect">
             <a:avLst/>
@@ -1492,26 +1530,31 @@
           </a:lstStyle>
           <a:p>
             <a:r>
-              <a:rPr lang="en-US" dirty="0"/>
-              <a:t>© SoftUni – </a:t>
-            </a:r>
-            <a:r>
-              <a:rPr lang="en-US" u="sng" dirty="0">
+              <a:rPr lang="bg-BG" sz="1100" dirty="0"/>
+              <a:t>Работна група </a:t>
+            </a:r>
+            <a:r>
+              <a:rPr lang="bg-BG" dirty="0"/>
+              <a:t>"Образование по програмиране и ИТ"</a:t>
+            </a:r>
+            <a:r>
+              <a:rPr lang="bg-BG" sz="1100" dirty="0"/>
+              <a:t>, с подкрепата на </a:t>
+            </a:r>
+            <a:r>
+              <a:rPr lang="en-US" sz="1100" dirty="0">
                 <a:hlinkClick r:id="rId3"/>
               </a:rPr>
-              <a:t>https://softuni.org</a:t>
-            </a:r>
-            <a:r>
-              <a:rPr lang="en-US" dirty="0"/>
-              <a:t>. Copyrighted document. Unauthorized copy or reproduction is not permitted.</a:t>
-            </a:r>
+              <a:t>SoftUni</a:t>
+            </a:r>
+            <a:endParaRPr lang="en-US" sz="1100" dirty="0"/>
           </a:p>
         </p:txBody>
       </p:sp>
     </p:spTree>
     <p:extLst>
       <p:ext uri="{BB962C8B-B14F-4D97-AF65-F5344CB8AC3E}">
-        <p14:creationId xmlns:p14="http://schemas.microsoft.com/office/powerpoint/2010/main" val="4120256951"/>
+        <p14:creationId xmlns:p14="http://schemas.microsoft.com/office/powerpoint/2010/main" val="593788994"/>
       </p:ext>
     </p:extLst>
   </p:cSld>
@@ -1594,7 +1637,13 @@
       </p:sp>
       <p:sp>
         <p:nvSpPr>
-          <p:cNvPr id="5" name="Footer Placeholder 4"/>
+          <p:cNvPr id="6" name="Footer Placeholder 7">
+            <a:extLst>
+              <a:ext uri="{FF2B5EF4-FFF2-40B4-BE49-F238E27FC236}">
+                <a16:creationId xmlns:a16="http://schemas.microsoft.com/office/drawing/2014/main" id="{21F1FE0C-750A-DEE4-2831-DED5B225804F}"/>
+              </a:ext>
+            </a:extLst>
+          </p:cNvPr>
           <p:cNvSpPr>
             <a:spLocks noGrp="1"/>
           </p:cNvSpPr>
@@ -1602,33 +1651,49 @@
             <p:ph type="ftr" sz="quarter" idx="4"/>
           </p:nvPr>
         </p:nvSpPr>
-        <p:spPr/>
+        <p:spPr>
+          <a:xfrm>
+            <a:off x="-1" y="8892000"/>
+            <a:ext cx="6488999" cy="252000"/>
+          </a:xfrm>
+          <a:prstGeom prst="rect">
+            <a:avLst/>
+          </a:prstGeom>
+        </p:spPr>
         <p:txBody>
-          <a:bodyPr/>
-          <a:lstStyle/>
-          <a:p>
-            <a:r>
-              <a:rPr lang="en-US"/>
-              <a:t>© SoftUni – </a:t>
-            </a:r>
-            <a:r>
-              <a:rPr lang="en-US" u="sng">
+          <a:bodyPr vert="horz" lIns="91440" tIns="45720" rIns="91440" bIns="45720" rtlCol="0" anchor="b"/>
+          <a:lstStyle>
+            <a:lvl1pPr algn="l">
+              <a:defRPr sz="1100"/>
+            </a:lvl1pPr>
+          </a:lstStyle>
+          <a:p>
+            <a:r>
+              <a:rPr lang="bg-BG" sz="1100" dirty="0"/>
+              <a:t>Работна група </a:t>
+            </a:r>
+            <a:r>
+              <a:rPr lang="bg-BG" dirty="0"/>
+              <a:t>"Образование по програмиране и ИТ"</a:t>
+            </a:r>
+            <a:r>
+              <a:rPr lang="bg-BG" sz="1100" dirty="0"/>
+              <a:t>, с подкрепата на </a:t>
+            </a:r>
+            <a:r>
+              <a:rPr lang="en-US" sz="1100" dirty="0">
                 <a:hlinkClick r:id="rId3"/>
               </a:rPr>
-              <a:t>https://softuni.org</a:t>
-            </a:r>
-            <a:r>
-              <a:rPr lang="en-US"/>
-              <a:t>. Copyrighted document. Unauthorized copy or reproduction is not permitted.</a:t>
-            </a:r>
-            <a:endParaRPr lang="en-US" dirty="0"/>
+              <a:t>SoftUni</a:t>
+            </a:r>
+            <a:endParaRPr lang="en-US" sz="1100" dirty="0"/>
           </a:p>
         </p:txBody>
       </p:sp>
     </p:spTree>
     <p:extLst>
       <p:ext uri="{BB962C8B-B14F-4D97-AF65-F5344CB8AC3E}">
-        <p14:creationId xmlns:p14="http://schemas.microsoft.com/office/powerpoint/2010/main" val="2903165907"/>
+        <p14:creationId xmlns:p14="http://schemas.microsoft.com/office/powerpoint/2010/main" val="961586126"/>
       </p:ext>
     </p:extLst>
   </p:cSld>
@@ -1711,7 +1776,13 @@
       </p:sp>
       <p:sp>
         <p:nvSpPr>
-          <p:cNvPr id="5" name="Footer Placeholder 4"/>
+          <p:cNvPr id="6" name="Footer Placeholder 7">
+            <a:extLst>
+              <a:ext uri="{FF2B5EF4-FFF2-40B4-BE49-F238E27FC236}">
+                <a16:creationId xmlns:a16="http://schemas.microsoft.com/office/drawing/2014/main" id="{6D196530-C5C1-31E7-0681-FC055833C8D1}"/>
+              </a:ext>
+            </a:extLst>
+          </p:cNvPr>
           <p:cNvSpPr>
             <a:spLocks noGrp="1"/>
           </p:cNvSpPr>
@@ -1719,33 +1790,49 @@
             <p:ph type="ftr" sz="quarter" idx="4"/>
           </p:nvPr>
         </p:nvSpPr>
-        <p:spPr/>
+        <p:spPr>
+          <a:xfrm>
+            <a:off x="-1" y="8892000"/>
+            <a:ext cx="6488999" cy="252000"/>
+          </a:xfrm>
+          <a:prstGeom prst="rect">
+            <a:avLst/>
+          </a:prstGeom>
+        </p:spPr>
         <p:txBody>
-          <a:bodyPr/>
-          <a:lstStyle/>
-          <a:p>
-            <a:r>
-              <a:rPr lang="en-US"/>
-              <a:t>© SoftUni – </a:t>
-            </a:r>
-            <a:r>
-              <a:rPr lang="en-US" u="sng">
+          <a:bodyPr vert="horz" lIns="91440" tIns="45720" rIns="91440" bIns="45720" rtlCol="0" anchor="b"/>
+          <a:lstStyle>
+            <a:lvl1pPr algn="l">
+              <a:defRPr sz="1100"/>
+            </a:lvl1pPr>
+          </a:lstStyle>
+          <a:p>
+            <a:r>
+              <a:rPr lang="bg-BG" sz="1100" dirty="0"/>
+              <a:t>Работна група </a:t>
+            </a:r>
+            <a:r>
+              <a:rPr lang="bg-BG" dirty="0"/>
+              <a:t>"Образование по програмиране и ИТ"</a:t>
+            </a:r>
+            <a:r>
+              <a:rPr lang="bg-BG" sz="1100" dirty="0"/>
+              <a:t>, с подкрепата на </a:t>
+            </a:r>
+            <a:r>
+              <a:rPr lang="en-US" sz="1100" dirty="0">
                 <a:hlinkClick r:id="rId3"/>
               </a:rPr>
-              <a:t>https://softuni.org</a:t>
-            </a:r>
-            <a:r>
-              <a:rPr lang="en-US"/>
-              <a:t>. Copyrighted document. Unauthorized copy or reproduction is not permitted.</a:t>
-            </a:r>
-            <a:endParaRPr lang="en-US" dirty="0"/>
+              <a:t>SoftUni</a:t>
+            </a:r>
+            <a:endParaRPr lang="en-US" sz="1100" dirty="0"/>
           </a:p>
         </p:txBody>
       </p:sp>
     </p:spTree>
     <p:extLst>
       <p:ext uri="{BB962C8B-B14F-4D97-AF65-F5344CB8AC3E}">
-        <p14:creationId xmlns:p14="http://schemas.microsoft.com/office/powerpoint/2010/main" val="1841332529"/>
+        <p14:creationId xmlns:p14="http://schemas.microsoft.com/office/powerpoint/2010/main" val="3220186888"/>
       </p:ext>
     </p:extLst>
   </p:cSld>
@@ -1828,7 +1915,13 @@
       </p:sp>
       <p:sp>
         <p:nvSpPr>
-          <p:cNvPr id="5" name="Footer Placeholder 4"/>
+          <p:cNvPr id="6" name="Footer Placeholder 7">
+            <a:extLst>
+              <a:ext uri="{FF2B5EF4-FFF2-40B4-BE49-F238E27FC236}">
+                <a16:creationId xmlns:a16="http://schemas.microsoft.com/office/drawing/2014/main" id="{1A213DEB-F680-B064-5109-F4B5EB8F2E9E}"/>
+              </a:ext>
+            </a:extLst>
+          </p:cNvPr>
           <p:cNvSpPr>
             <a:spLocks noGrp="1"/>
           </p:cNvSpPr>
@@ -1836,33 +1929,49 @@
             <p:ph type="ftr" sz="quarter" idx="4"/>
           </p:nvPr>
         </p:nvSpPr>
-        <p:spPr/>
+        <p:spPr>
+          <a:xfrm>
+            <a:off x="-1" y="8892000"/>
+            <a:ext cx="6488999" cy="252000"/>
+          </a:xfrm>
+          <a:prstGeom prst="rect">
+            <a:avLst/>
+          </a:prstGeom>
+        </p:spPr>
         <p:txBody>
-          <a:bodyPr/>
-          <a:lstStyle/>
-          <a:p>
-            <a:r>
-              <a:rPr lang="en-US"/>
-              <a:t>© SoftUni – </a:t>
-            </a:r>
-            <a:r>
-              <a:rPr lang="en-US" u="sng">
+          <a:bodyPr vert="horz" lIns="91440" tIns="45720" rIns="91440" bIns="45720" rtlCol="0" anchor="b"/>
+          <a:lstStyle>
+            <a:lvl1pPr algn="l">
+              <a:defRPr sz="1100"/>
+            </a:lvl1pPr>
+          </a:lstStyle>
+          <a:p>
+            <a:r>
+              <a:rPr lang="bg-BG" sz="1100" dirty="0"/>
+              <a:t>Работна група </a:t>
+            </a:r>
+            <a:r>
+              <a:rPr lang="bg-BG" dirty="0"/>
+              <a:t>"Образование по програмиране и ИТ"</a:t>
+            </a:r>
+            <a:r>
+              <a:rPr lang="bg-BG" sz="1100" dirty="0"/>
+              <a:t>, с подкрепата на </a:t>
+            </a:r>
+            <a:r>
+              <a:rPr lang="en-US" sz="1100" dirty="0">
                 <a:hlinkClick r:id="rId3"/>
               </a:rPr>
-              <a:t>https://softuni.org</a:t>
-            </a:r>
-            <a:r>
-              <a:rPr lang="en-US"/>
-              <a:t>. Copyrighted document. Unauthorized copy or reproduction is not permitted.</a:t>
-            </a:r>
-            <a:endParaRPr lang="en-US" dirty="0"/>
+              <a:t>SoftUni</a:t>
+            </a:r>
+            <a:endParaRPr lang="en-US" sz="1100" dirty="0"/>
           </a:p>
         </p:txBody>
       </p:sp>
     </p:spTree>
     <p:extLst>
       <p:ext uri="{BB962C8B-B14F-4D97-AF65-F5344CB8AC3E}">
-        <p14:creationId xmlns:p14="http://schemas.microsoft.com/office/powerpoint/2010/main" val="2374747642"/>
+        <p14:creationId xmlns:p14="http://schemas.microsoft.com/office/powerpoint/2010/main" val="979608591"/>
       </p:ext>
     </p:extLst>
   </p:cSld>
@@ -1946,10 +2055,10 @@
       </p:sp>
       <p:sp>
         <p:nvSpPr>
-          <p:cNvPr id="7" name="Footer Placeholder 7">
+          <p:cNvPr id="4" name="Footer Placeholder 7">
             <a:extLst>
               <a:ext uri="{FF2B5EF4-FFF2-40B4-BE49-F238E27FC236}">
-                <a16:creationId xmlns:a16="http://schemas.microsoft.com/office/drawing/2014/main" id="{6C725822-1B63-461E-8723-7F2F33DCD7AB}"/>
+                <a16:creationId xmlns:a16="http://schemas.microsoft.com/office/drawing/2014/main" id="{35102757-8EB6-7BC2-3063-5045FDF5E832}"/>
               </a:ext>
             </a:extLst>
           </p:cNvPr>
@@ -1962,8 +2071,8 @@
         </p:nvSpPr>
         <p:spPr>
           <a:xfrm>
-            <a:off x="-1" y="8847000"/>
-            <a:ext cx="6488999" cy="297000"/>
+            <a:off x="-1" y="8892000"/>
+            <a:ext cx="6488999" cy="252000"/>
           </a:xfrm>
           <a:prstGeom prst="rect">
             <a:avLst/>
@@ -1978,26 +2087,31 @@
           </a:lstStyle>
           <a:p>
             <a:r>
-              <a:rPr lang="en-US" dirty="0"/>
-              <a:t>© SoftUni – </a:t>
-            </a:r>
-            <a:r>
-              <a:rPr lang="en-US" u="sng" dirty="0">
+              <a:rPr lang="bg-BG" sz="1100" dirty="0"/>
+              <a:t>Работна група </a:t>
+            </a:r>
+            <a:r>
+              <a:rPr lang="bg-BG" dirty="0"/>
+              <a:t>"Образование по програмиране и ИТ"</a:t>
+            </a:r>
+            <a:r>
+              <a:rPr lang="bg-BG" sz="1100" dirty="0"/>
+              <a:t>, с подкрепата на </a:t>
+            </a:r>
+            <a:r>
+              <a:rPr lang="en-US" sz="1100" dirty="0">
                 <a:hlinkClick r:id="rId3"/>
               </a:rPr>
-              <a:t>https://softuni.org</a:t>
-            </a:r>
-            <a:r>
-              <a:rPr lang="en-US" dirty="0"/>
-              <a:t>. Copyrighted document. Unauthorized copy or reproduction is not permitted.</a:t>
-            </a:r>
+              <a:t>SoftUni</a:t>
+            </a:r>
+            <a:endParaRPr lang="en-US" sz="1100" dirty="0"/>
           </a:p>
         </p:txBody>
       </p:sp>
     </p:spTree>
     <p:extLst>
       <p:ext uri="{BB962C8B-B14F-4D97-AF65-F5344CB8AC3E}">
-        <p14:creationId xmlns:p14="http://schemas.microsoft.com/office/powerpoint/2010/main" val="699886575"/>
+        <p14:creationId xmlns:p14="http://schemas.microsoft.com/office/powerpoint/2010/main" val="2016850881"/>
       </p:ext>
     </p:extLst>
   </p:cSld>
@@ -2187,10 +2301,10 @@
       </p:sp>
       <p:sp>
         <p:nvSpPr>
-          <p:cNvPr id="6" name="Footer Placeholder 7">
+          <p:cNvPr id="5" name="Footer Placeholder 7">
             <a:extLst>
               <a:ext uri="{FF2B5EF4-FFF2-40B4-BE49-F238E27FC236}">
-                <a16:creationId xmlns:a16="http://schemas.microsoft.com/office/drawing/2014/main" id="{9CFE5E97-8D68-4134-8407-17031A0C4EE4}"/>
+                <a16:creationId xmlns:a16="http://schemas.microsoft.com/office/drawing/2014/main" id="{FB750703-D7FE-80FE-8E01-02C9E6A87989}"/>
               </a:ext>
             </a:extLst>
           </p:cNvPr>
@@ -2203,8 +2317,8 @@
         </p:nvSpPr>
         <p:spPr>
           <a:xfrm>
-            <a:off x="-1" y="8847000"/>
-            <a:ext cx="6488999" cy="297000"/>
+            <a:off x="-1" y="8892000"/>
+            <a:ext cx="6488999" cy="252000"/>
           </a:xfrm>
           <a:prstGeom prst="rect">
             <a:avLst/>
@@ -2219,26 +2333,31 @@
           </a:lstStyle>
           <a:p>
             <a:r>
-              <a:rPr lang="en-US" dirty="0"/>
-              <a:t>© SoftUni – </a:t>
-            </a:r>
-            <a:r>
-              <a:rPr lang="en-US" u="sng" dirty="0">
+              <a:rPr lang="bg-BG" sz="1100" dirty="0"/>
+              <a:t>Работна група </a:t>
+            </a:r>
+            <a:r>
+              <a:rPr lang="bg-BG" dirty="0"/>
+              <a:t>"Образование по програмиране и ИТ"</a:t>
+            </a:r>
+            <a:r>
+              <a:rPr lang="bg-BG" sz="1100" dirty="0"/>
+              <a:t>, с подкрепата на </a:t>
+            </a:r>
+            <a:r>
+              <a:rPr lang="en-US" sz="1100" dirty="0">
                 <a:hlinkClick r:id="rId3"/>
               </a:rPr>
-              <a:t>https://softuni.org</a:t>
-            </a:r>
-            <a:r>
-              <a:rPr lang="en-US" dirty="0"/>
-              <a:t>. Copyrighted document. Unauthorized copy or reproduction is not permitted.</a:t>
-            </a:r>
+              <a:t>SoftUni</a:t>
+            </a:r>
+            <a:endParaRPr lang="en-US" sz="1100" dirty="0"/>
           </a:p>
         </p:txBody>
       </p:sp>
     </p:spTree>
     <p:extLst>
       <p:ext uri="{BB962C8B-B14F-4D97-AF65-F5344CB8AC3E}">
-        <p14:creationId xmlns:p14="http://schemas.microsoft.com/office/powerpoint/2010/main" val="93676303"/>
+        <p14:creationId xmlns:p14="http://schemas.microsoft.com/office/powerpoint/2010/main" val="802378633"/>
       </p:ext>
     </p:extLst>
   </p:cSld>
@@ -2249,7 +2368,7 @@
 </file>
 
 <file path=ppt/slideLayouts/slideLayout1.xml><?xml version="1.0" encoding="utf-8"?>
-<p:sldLayout xmlns:a="http://schemas.openxmlformats.org/drawingml/2006/main" xmlns:r="http://schemas.openxmlformats.org/officeDocument/2006/relationships" xmlns:p="http://schemas.openxmlformats.org/presentationml/2006/main" preserve="1">
+<p:sldLayout xmlns:a="http://schemas.openxmlformats.org/drawingml/2006/main" xmlns:r="http://schemas.openxmlformats.org/officeDocument/2006/relationships" xmlns:p="http://schemas.openxmlformats.org/presentationml/2006/main" preserve="1" userDrawn="1">
   <p:cSld name="Presentation Title Slide">
     <p:spTree>
       <p:nvGrpSpPr>
@@ -2275,7 +2394,7 @@
             </a:extLst>
           </p:cNvPr>
           <p:cNvSpPr/>
-          <p:nvPr/>
+          <p:nvPr userDrawn="1"/>
         </p:nvSpPr>
         <p:spPr>
           <a:xfrm>
@@ -2329,7 +2448,7 @@
               <a:tabLst/>
               <a:defRPr/>
             </a:pPr>
-            <a:endParaRPr kumimoji="0" lang="en-US" altLang="ko-KR" sz="2398" b="0" i="0" u="none" strike="noStrike" kern="1200" cap="none" spc="0" normalizeH="0" baseline="0" noProof="0" dirty="0">
+            <a:endParaRPr kumimoji="0" lang="en-US" altLang="ko-KR" sz="2398" b="0" i="0" u="none" strike="noStrike" kern="1200" cap="none" spc="0" normalizeH="0" baseline="0" noProof="0">
               <a:ln>
                 <a:noFill/>
               </a:ln>
@@ -2346,55 +2465,139 @@
           </a:p>
         </p:txBody>
       </p:sp>
-      <p:pic>
-        <p:nvPicPr>
-          <p:cNvPr id="14" name="Picture Logo SoftUni" descr="SoftUni logo">
+      <p:sp>
+        <p:nvSpPr>
+          <p:cNvPr id="33" name="Picture Placeholder Title Image">
             <a:extLst>
               <a:ext uri="{FF2B5EF4-FFF2-40B4-BE49-F238E27FC236}">
-                <a16:creationId xmlns:a16="http://schemas.microsoft.com/office/drawing/2014/main" id="{C4D6B2A2-DFF0-4712-BFEC-6676BEC99FEC}"/>
+                <a16:creationId xmlns:a16="http://schemas.microsoft.com/office/drawing/2014/main" id="{A04D819A-89E2-4714-8C56-1838BF467EF7}"/>
               </a:ext>
             </a:extLst>
           </p:cNvPr>
-          <p:cNvPicPr>
-            <a:picLocks noChangeAspect="1"/>
-          </p:cNvPicPr>
-          <p:nvPr userDrawn="1"/>
-        </p:nvPicPr>
-        <p:blipFill>
-          <a:blip r:embed="rId2">
-            <a:clrChange>
-              <a:clrFrom>
-                <a:srgbClr val="FFFFFF"/>
-              </a:clrFrom>
-              <a:clrTo>
-                <a:srgbClr val="FFFFFF">
-                  <a:alpha val="0"/>
-                </a:srgbClr>
-              </a:clrTo>
-            </a:clrChange>
+          <p:cNvSpPr>
+            <a:spLocks noGrp="1"/>
+          </p:cNvSpPr>
+          <p:nvPr>
+            <p:ph type="pic" sz="quarter" idx="10"/>
+          </p:nvPr>
+        </p:nvSpPr>
+        <p:spPr>
+          <a:xfrm>
+            <a:off x="6390123" y="3400017"/>
+            <a:ext cx="5248260" cy="2188983"/>
+          </a:xfrm>
+        </p:spPr>
+        <p:txBody>
+          <a:bodyPr/>
+          <a:lstStyle>
+            <a:lvl1pPr marL="0" indent="0" algn="ctr" latinLnBrk="0">
+              <a:buNone/>
+              <a:defRPr>
+                <a:solidFill>
+                  <a:schemeClr val="bg1"/>
+                </a:solidFill>
+              </a:defRPr>
+            </a:lvl1pPr>
+          </a:lstStyle>
+          <a:p>
+            <a:r>
+              <a:rPr lang="en-US" noProof="0" dirty="0"/>
+              <a:t>Click icon to add picture</a:t>
+            </a:r>
+          </a:p>
+        </p:txBody>
+      </p:sp>
+      <p:sp>
+        <p:nvSpPr>
+          <p:cNvPr id="10" name="Company Web Site">
             <a:extLst>
-              <a:ext uri="{28A0092B-C50C-407E-A947-70E740481C1C}">
-                <a14:useLocalDpi xmlns:a14="http://schemas.microsoft.com/office/drawing/2010/main" val="0"/>
+              <a:ext uri="{FF2B5EF4-FFF2-40B4-BE49-F238E27FC236}">
+                <a16:creationId xmlns:a16="http://schemas.microsoft.com/office/drawing/2014/main" id="{0B99B1EE-62FA-4AA4-920C-D444D6C0B778}"/>
               </a:ext>
             </a:extLst>
-          </a:blip>
-          <a:stretch>
-            <a:fillRect/>
-          </a:stretch>
-        </p:blipFill>
+          </p:cNvPr>
+          <p:cNvSpPr>
+            <a:spLocks noGrp="1"/>
+          </p:cNvSpPr>
+          <p:nvPr>
+            <p:ph type="body" sz="quarter" idx="22" hasCustomPrompt="1"/>
+          </p:nvPr>
+        </p:nvSpPr>
         <p:spPr>
           <a:xfrm>
-            <a:off x="4324460" y="5184000"/>
-            <a:ext cx="3751540" cy="1297655"/>
+            <a:off x="6390120" y="6086106"/>
+            <a:ext cx="5248260" cy="341313"/>
           </a:xfrm>
-          <a:prstGeom prst="rect">
-            <a:avLst/>
-          </a:prstGeom>
         </p:spPr>
-      </p:pic>
+        <p:txBody>
+          <a:bodyPr lIns="36000" rIns="36000" anchor="ctr" anchorCtr="0">
+            <a:noAutofit/>
+          </a:bodyPr>
+          <a:lstStyle>
+            <a:lvl1pPr marL="0" indent="0" algn="r">
+              <a:buNone/>
+              <a:defRPr sz="1800"/>
+            </a:lvl1pPr>
+          </a:lstStyle>
+          <a:p>
+            <a:pPr lvl="0"/>
+            <a:r>
+              <a:rPr lang="en-US" dirty="0"/>
+              <a:t>https://softuni.foundation  </a:t>
+            </a:r>
+          </a:p>
+        </p:txBody>
+      </p:sp>
       <p:sp>
         <p:nvSpPr>
-          <p:cNvPr id="31" name="Text Placeholder Company Site">
+          <p:cNvPr id="6" name="Company Name">
+            <a:extLst>
+              <a:ext uri="{FF2B5EF4-FFF2-40B4-BE49-F238E27FC236}">
+                <a16:creationId xmlns:a16="http://schemas.microsoft.com/office/drawing/2014/main" id="{2A76510A-0BAE-A827-E77C-BE88E38F52AA}"/>
+              </a:ext>
+            </a:extLst>
+          </p:cNvPr>
+          <p:cNvSpPr>
+            <a:spLocks noGrp="1"/>
+          </p:cNvSpPr>
+          <p:nvPr>
+            <p:ph type="body" sz="quarter" idx="21" hasCustomPrompt="1"/>
+          </p:nvPr>
+        </p:nvSpPr>
+        <p:spPr>
+          <a:xfrm>
+            <a:off x="6390122" y="5698189"/>
+            <a:ext cx="5248260" cy="374236"/>
+          </a:xfrm>
+        </p:spPr>
+        <p:txBody>
+          <a:bodyPr lIns="36000" rIns="36000" anchor="ctr" anchorCtr="0">
+            <a:normAutofit/>
+          </a:bodyPr>
+          <a:lstStyle>
+            <a:lvl1pPr marL="0" indent="0" algn="r">
+              <a:buNone/>
+              <a:defRPr sz="2000" b="1">
+                <a:solidFill>
+                  <a:schemeClr val="tx1">
+                    <a:lumMod val="75000"/>
+                  </a:schemeClr>
+                </a:solidFill>
+              </a:defRPr>
+            </a:lvl1pPr>
+          </a:lstStyle>
+          <a:p>
+            <a:pPr lvl="0"/>
+            <a:r>
+              <a:rPr lang="en-US" dirty="0"/>
+              <a:t>SoftUni Foundation</a:t>
+            </a:r>
+          </a:p>
+        </p:txBody>
+      </p:sp>
+      <p:sp>
+        <p:nvSpPr>
+          <p:cNvPr id="31" name="Author Position">
             <a:extLst>
               <a:ext uri="{FF2B5EF4-FFF2-40B4-BE49-F238E27FC236}">
                 <a16:creationId xmlns:a16="http://schemas.microsoft.com/office/drawing/2014/main" id="{3E6B87B7-9D33-4EBB-BD4F-C0436BA3FD72}"/>
@@ -2410,274 +2613,8 @@
         </p:nvSpPr>
         <p:spPr bwMode="auto">
           <a:xfrm>
-            <a:off x="8708505" y="6130863"/>
-            <a:ext cx="2951518" cy="341556"/>
-          </a:xfrm>
-          <a:prstGeom prst="rect">
-            <a:avLst/>
-          </a:prstGeom>
-          <a:noFill/>
-          <a:effectLst/>
-        </p:spPr>
-        <p:txBody>
-          <a:bodyPr wrap="square" lIns="36000" tIns="36000" rIns="36000" bIns="36000" rtlCol="0" anchor="ctr" anchorCtr="0">
-            <a:noAutofit/>
-          </a:bodyPr>
-          <a:lstStyle>
-            <a:lvl1pPr marL="0" indent="0" algn="r" rtl="0" fontAlgn="base" latinLnBrk="0">
-              <a:spcBef>
-                <a:spcPct val="0"/>
-              </a:spcBef>
-              <a:spcAft>
-                <a:spcPct val="0"/>
-              </a:spcAft>
-              <a:buNone/>
-              <a:defRPr lang="en-US" sz="1798" b="1" kern="1200" dirty="0" smtClean="0">
-                <a:solidFill>
-                  <a:schemeClr val="tx1">
-                    <a:lumMod val="75000"/>
-                  </a:schemeClr>
-                </a:solidFill>
-                <a:effectLst/>
-                <a:latin typeface="+mn-lt"/>
-                <a:ea typeface="+mn-ea"/>
-                <a:cs typeface="+mn-cs"/>
-              </a:defRPr>
-            </a:lvl1pPr>
-          </a:lstStyle>
-          <a:p>
-            <a:pPr lvl="0"/>
-            <a:r>
-              <a:rPr lang="en-US" noProof="0" dirty="0"/>
-              <a:t>Company Web Site</a:t>
-            </a:r>
-          </a:p>
-        </p:txBody>
-      </p:sp>
-      <p:sp>
-        <p:nvSpPr>
-          <p:cNvPr id="30" name="Text Placeholder Company Name">
-            <a:extLst>
-              <a:ext uri="{FF2B5EF4-FFF2-40B4-BE49-F238E27FC236}">
-                <a16:creationId xmlns:a16="http://schemas.microsoft.com/office/drawing/2014/main" id="{2EA92DCA-4DB5-4D03-ACD3-A6A296592D0C}"/>
-              </a:ext>
-            </a:extLst>
-          </p:cNvPr>
-          <p:cNvSpPr>
-            <a:spLocks noGrp="1"/>
-          </p:cNvSpPr>
-          <p:nvPr>
-            <p:ph type="body" sz="quarter" idx="17" hasCustomPrompt="1"/>
-          </p:nvPr>
-        </p:nvSpPr>
-        <p:spPr bwMode="auto">
-          <a:xfrm>
-            <a:off x="8708505" y="5756628"/>
-            <a:ext cx="2951518" cy="367080"/>
-          </a:xfrm>
-          <a:prstGeom prst="rect">
-            <a:avLst/>
-          </a:prstGeom>
-          <a:noFill/>
-          <a:effectLst/>
-        </p:spPr>
-        <p:txBody>
-          <a:bodyPr wrap="square" lIns="36000" tIns="36000" rIns="36000" bIns="36000" rtlCol="0" anchor="ctr" anchorCtr="0">
-            <a:noAutofit/>
-          </a:bodyPr>
-          <a:lstStyle>
-            <a:lvl1pPr marL="0" indent="0" algn="r" rtl="0" fontAlgn="base" latinLnBrk="0">
-              <a:spcBef>
-                <a:spcPct val="0"/>
-              </a:spcBef>
-              <a:spcAft>
-                <a:spcPct val="0"/>
-              </a:spcAft>
-              <a:buNone/>
-              <a:defRPr lang="en-US" sz="1998" b="1" kern="1200" dirty="0" smtClean="0">
-                <a:solidFill>
-                  <a:schemeClr val="tx1">
-                    <a:lumMod val="75000"/>
-                  </a:schemeClr>
-                </a:solidFill>
-                <a:effectLst/>
-                <a:latin typeface="+mn-lt"/>
-                <a:ea typeface="+mn-ea"/>
-                <a:cs typeface="+mn-cs"/>
-              </a:defRPr>
-            </a:lvl1pPr>
-          </a:lstStyle>
-          <a:p>
-            <a:pPr lvl="0"/>
-            <a:r>
-              <a:rPr lang="en-US" noProof="0" dirty="0"/>
-              <a:t>Company Name</a:t>
-            </a:r>
-          </a:p>
-        </p:txBody>
-      </p:sp>
-      <p:pic>
-        <p:nvPicPr>
-          <p:cNvPr id="35" name="Picture SoftUni Mascot" descr="SoftUni mascot">
-            <a:extLst>
-              <a:ext uri="{FF2B5EF4-FFF2-40B4-BE49-F238E27FC236}">
-                <a16:creationId xmlns:a16="http://schemas.microsoft.com/office/drawing/2014/main" id="{951E7DA9-C5F0-43D9-B013-3BDF9EEF029D}"/>
-              </a:ext>
-            </a:extLst>
-          </p:cNvPr>
-          <p:cNvPicPr>
-            <a:picLocks noChangeAspect="1"/>
-          </p:cNvPicPr>
-          <p:nvPr/>
-        </p:nvPicPr>
-        <p:blipFill rotWithShape="1">
-          <a:blip r:embed="rId3" cstate="print">
-            <a:extLst>
-              <a:ext uri="{28A0092B-C50C-407E-A947-70E740481C1C}">
-                <a14:useLocalDpi xmlns:a14="http://schemas.microsoft.com/office/drawing/2010/main" val="0"/>
-              </a:ext>
-            </a:extLst>
-          </a:blip>
-          <a:srcRect/>
-          <a:stretch/>
-        </p:blipFill>
-        <p:spPr>
-          <a:xfrm flipH="1">
-            <a:off x="8848924" y="2609644"/>
-            <a:ext cx="2788893" cy="3018284"/>
-          </a:xfrm>
-          <a:prstGeom prst="rect">
-            <a:avLst/>
-          </a:prstGeom>
-        </p:spPr>
-      </p:pic>
-      <p:pic>
-        <p:nvPicPr>
-          <p:cNvPr id="22" name="Picture Logo Software University" descr="Software University logo">
-            <a:hlinkClick r:id="rId4"/>
-            <a:extLst>
-              <a:ext uri="{FF2B5EF4-FFF2-40B4-BE49-F238E27FC236}">
-                <a16:creationId xmlns:a16="http://schemas.microsoft.com/office/drawing/2014/main" id="{F2315EB3-3FE4-4D3B-921E-5F209CEC13CB}"/>
-              </a:ext>
-            </a:extLst>
-          </p:cNvPr>
-          <p:cNvPicPr>
-            <a:picLocks noChangeAspect="1"/>
-          </p:cNvPicPr>
-          <p:nvPr userDrawn="1"/>
-        </p:nvPicPr>
-        <p:blipFill>
-          <a:blip r:embed="rId5">
-            <a:clrChange>
-              <a:clrFrom>
-                <a:srgbClr val="FFFFFF"/>
-              </a:clrFrom>
-              <a:clrTo>
-                <a:srgbClr val="FFFFFF">
-                  <a:alpha val="0"/>
-                </a:srgbClr>
-              </a:clrTo>
-            </a:clrChange>
-            <a:extLst>
-              <a:ext uri="{28A0092B-C50C-407E-A947-70E740481C1C}">
-                <a14:useLocalDpi xmlns:a14="http://schemas.microsoft.com/office/drawing/2010/main" val="0"/>
-              </a:ext>
-            </a:extLst>
-          </a:blip>
-          <a:stretch>
-            <a:fillRect/>
-          </a:stretch>
-        </p:blipFill>
-        <p:spPr>
-          <a:xfrm>
-            <a:off x="507944" y="5918567"/>
-            <a:ext cx="1830305" cy="628159"/>
-          </a:xfrm>
-          <a:prstGeom prst="rect">
-            <a:avLst/>
-          </a:prstGeom>
-        </p:spPr>
-      </p:pic>
-      <p:sp>
-        <p:nvSpPr>
-          <p:cNvPr id="40" name="Text Placeholder Author Position">
-            <a:extLst>
-              <a:ext uri="{FF2B5EF4-FFF2-40B4-BE49-F238E27FC236}">
-                <a16:creationId xmlns:a16="http://schemas.microsoft.com/office/drawing/2014/main" id="{CD940256-851E-46C8-8BFB-A5ECA6C7DA07}"/>
-              </a:ext>
-            </a:extLst>
-          </p:cNvPr>
-          <p:cNvSpPr>
-            <a:spLocks noGrp="1"/>
-          </p:cNvSpPr>
-          <p:nvPr>
-            <p:ph type="body" sz="quarter" idx="20" hasCustomPrompt="1"/>
-          </p:nvPr>
-        </p:nvSpPr>
-        <p:spPr bwMode="auto">
-          <a:xfrm>
-            <a:off x="553082" y="5344180"/>
-            <a:ext cx="2980696" cy="444793"/>
-          </a:xfrm>
-          <a:prstGeom prst="rect">
-            <a:avLst/>
-          </a:prstGeom>
-          <a:noFill/>
-          <a:effectLst/>
-        </p:spPr>
-        <p:txBody>
-          <a:bodyPr wrap="square" lIns="36000" tIns="36000" rIns="36000" bIns="36000" rtlCol="0" anchor="ctr" anchorCtr="0">
-            <a:spAutoFit/>
-          </a:bodyPr>
-          <a:lstStyle>
-            <a:lvl1pPr marL="0" indent="0" algn="l" rtl="0" fontAlgn="base" latinLnBrk="0">
-              <a:spcBef>
-                <a:spcPct val="0"/>
-              </a:spcBef>
-              <a:spcAft>
-                <a:spcPct val="0"/>
-              </a:spcAft>
-              <a:buNone/>
-              <a:defRPr lang="en-US" sz="2398" b="1" kern="1200" dirty="0" smtClean="0">
-                <a:solidFill>
-                  <a:schemeClr val="tx1"/>
-                </a:solidFill>
-                <a:effectLst/>
-                <a:latin typeface="+mn-lt"/>
-                <a:ea typeface="+mn-ea"/>
-                <a:cs typeface="+mn-cs"/>
-              </a:defRPr>
-            </a:lvl1pPr>
-          </a:lstStyle>
-          <a:p>
-            <a:pPr lvl="0"/>
-            <a:r>
-              <a:rPr lang="en-US" noProof="0" dirty="0"/>
-              <a:t>Position</a:t>
-            </a:r>
-          </a:p>
-        </p:txBody>
-      </p:sp>
-      <p:sp>
-        <p:nvSpPr>
-          <p:cNvPr id="36" name="Text Placeholder Author Name">
-            <a:extLst>
-              <a:ext uri="{FF2B5EF4-FFF2-40B4-BE49-F238E27FC236}">
-                <a16:creationId xmlns:a16="http://schemas.microsoft.com/office/drawing/2014/main" id="{3B21F47B-DE1F-442D-A2B7-6866F8786704}"/>
-              </a:ext>
-            </a:extLst>
-          </p:cNvPr>
-          <p:cNvSpPr>
-            <a:spLocks noGrp="1"/>
-          </p:cNvSpPr>
-          <p:nvPr>
-            <p:ph type="body" sz="quarter" idx="19" hasCustomPrompt="1"/>
-          </p:nvPr>
-        </p:nvSpPr>
-        <p:spPr bwMode="auto">
-          <a:xfrm>
-            <a:off x="553082" y="4851838"/>
-            <a:ext cx="2980696" cy="454398"/>
+            <a:off x="534045" y="6085863"/>
+            <a:ext cx="4751953" cy="341556"/>
           </a:xfrm>
           <a:prstGeom prst="rect">
             <a:avLst/>
@@ -2698,9 +2635,11 @@
                 <a:spcPct val="0"/>
               </a:spcAft>
               <a:buNone/>
-              <a:defRPr lang="en-US" sz="2798" b="1" kern="1200" dirty="0" smtClean="0">
-                <a:solidFill>
-                  <a:schemeClr val="tx1"/>
+              <a:defRPr lang="en-US" sz="1800" b="0" kern="1200" dirty="0" smtClean="0">
+                <a:solidFill>
+                  <a:schemeClr val="tx1">
+                    <a:lumMod val="75000"/>
+                  </a:schemeClr>
                 </a:solidFill>
                 <a:effectLst/>
                 <a:latin typeface="+mn-lt"/>
@@ -2713,17 +2652,17 @@
             <a:pPr lvl="0"/>
             <a:r>
               <a:rPr lang="en-US" noProof="0" dirty="0"/>
-              <a:t>Author Name</a:t>
+              <a:t>URL</a:t>
             </a:r>
           </a:p>
         </p:txBody>
       </p:sp>
       <p:sp>
         <p:nvSpPr>
-          <p:cNvPr id="33" name="Picture Placeholder Title Image">
+          <p:cNvPr id="30" name="Author Name">
             <a:extLst>
               <a:ext uri="{FF2B5EF4-FFF2-40B4-BE49-F238E27FC236}">
-                <a16:creationId xmlns:a16="http://schemas.microsoft.com/office/drawing/2014/main" id="{A04D819A-89E2-4714-8C56-1838BF467EF7}"/>
+                <a16:creationId xmlns:a16="http://schemas.microsoft.com/office/drawing/2014/main" id="{2EA92DCA-4DB5-4D03-ACD3-A6A296592D0C}"/>
               </a:ext>
             </a:extLst>
           </p:cNvPr>
@@ -2731,31 +2670,51 @@
             <a:spLocks noGrp="1"/>
           </p:cNvSpPr>
           <p:nvPr>
-            <p:ph type="pic" sz="quarter" idx="10"/>
+            <p:ph type="body" sz="quarter" idx="17" hasCustomPrompt="1"/>
           </p:nvPr>
         </p:nvSpPr>
-        <p:spPr>
+        <p:spPr bwMode="auto">
           <a:xfrm>
-            <a:off x="553082" y="2740913"/>
-            <a:ext cx="4642919" cy="1936503"/>
+            <a:off x="534046" y="5251106"/>
+            <a:ext cx="4751954" cy="724904"/>
           </a:xfrm>
+          <a:prstGeom prst="rect">
+            <a:avLst/>
+          </a:prstGeom>
+          <a:noFill/>
+          <a:effectLst/>
         </p:spPr>
         <p:txBody>
-          <a:bodyPr/>
+          <a:bodyPr wrap="square" lIns="36000" tIns="36000" rIns="36000" bIns="36000" rtlCol="0" anchor="ctr" anchorCtr="0">
+            <a:noAutofit/>
+          </a:bodyPr>
           <a:lstStyle>
-            <a:lvl1pPr marL="0" indent="0" algn="ctr" latinLnBrk="0">
+            <a:lvl1pPr marL="0" indent="0" algn="l" rtl="0" fontAlgn="base" latinLnBrk="0">
+              <a:spcBef>
+                <a:spcPct val="0"/>
+              </a:spcBef>
+              <a:spcAft>
+                <a:spcPct val="0"/>
+              </a:spcAft>
               <a:buNone/>
-              <a:defRPr>
-                <a:solidFill>
-                  <a:schemeClr val="bg1"/>
-                </a:solidFill>
+              <a:defRPr lang="en-US" sz="2000" b="1" kern="1200" dirty="0" smtClean="0">
+                <a:solidFill>
+                  <a:schemeClr val="tx1">
+                    <a:lumMod val="75000"/>
+                  </a:schemeClr>
+                </a:solidFill>
+                <a:effectLst/>
+                <a:latin typeface="+mn-lt"/>
+                <a:ea typeface="+mn-ea"/>
+                <a:cs typeface="+mn-cs"/>
               </a:defRPr>
             </a:lvl1pPr>
           </a:lstStyle>
           <a:p>
+            <a:pPr lvl="0"/>
             <a:r>
               <a:rPr lang="en-US" noProof="0" dirty="0"/>
-              <a:t>Click icon to add picture</a:t>
+              <a:t>Authors</a:t>
             </a:r>
           </a:p>
         </p:txBody>
@@ -2778,8 +2737,8 @@
         </p:nvSpPr>
         <p:spPr>
           <a:xfrm>
-            <a:off x="554182" y="1258272"/>
-            <a:ext cx="11083636" cy="1315728"/>
+            <a:off x="554746" y="1402942"/>
+            <a:ext cx="11083636" cy="1306057"/>
           </a:xfrm>
         </p:spPr>
         <p:txBody>
@@ -2789,7 +2748,7 @@
           <a:lstStyle>
             <a:lvl1pPr marL="0" indent="0" algn="ctr" latinLnBrk="0">
               <a:buNone/>
-              <a:defRPr sz="3598">
+              <a:defRPr sz="3600">
                 <a:solidFill>
                   <a:schemeClr val="tx1"/>
                 </a:solidFill>
@@ -2822,15 +2781,17 @@
         </p:nvSpPr>
         <p:spPr>
           <a:xfrm>
-            <a:off x="554182" y="321502"/>
-            <a:ext cx="11083636" cy="882654"/>
+            <a:off x="554746" y="321501"/>
+            <a:ext cx="11083636" cy="971589"/>
           </a:xfrm>
         </p:spPr>
         <p:txBody>
-          <a:bodyPr/>
+          <a:bodyPr>
+            <a:normAutofit/>
+          </a:bodyPr>
           <a:lstStyle>
             <a:lvl1pPr algn="ctr" latinLnBrk="0">
-              <a:defRPr sz="4798"/>
+              <a:defRPr sz="5400"/>
             </a:lvl1pPr>
           </a:lstStyle>
           <a:p>
@@ -2841,10 +2802,94 @@
           </a:p>
         </p:txBody>
       </p:sp>
+      <p:pic>
+        <p:nvPicPr>
+          <p:cNvPr id="4" name="Picture 3">
+            <a:extLst>
+              <a:ext uri="{FF2B5EF4-FFF2-40B4-BE49-F238E27FC236}">
+                <a16:creationId xmlns:a16="http://schemas.microsoft.com/office/drawing/2014/main" id="{324D0DB3-F60A-469B-7831-209CB666CCE4}"/>
+              </a:ext>
+            </a:extLst>
+          </p:cNvPr>
+          <p:cNvPicPr>
+            <a:picLocks noChangeAspect="1"/>
+          </p:cNvPicPr>
+          <p:nvPr userDrawn="1"/>
+        </p:nvPicPr>
+        <p:blipFill>
+          <a:blip r:embed="rId2" cstate="print">
+            <a:extLst>
+              <a:ext uri="{28A0092B-C50C-407E-A947-70E740481C1C}">
+                <a14:useLocalDpi xmlns:a14="http://schemas.microsoft.com/office/drawing/2010/main" val="0"/>
+              </a:ext>
+            </a:extLst>
+          </a:blip>
+          <a:stretch>
+            <a:fillRect/>
+          </a:stretch>
+        </p:blipFill>
+        <p:spPr>
+          <a:xfrm>
+            <a:off x="536549" y="4325954"/>
+            <a:ext cx="2538082" cy="633046"/>
+          </a:xfrm>
+          <a:prstGeom prst="rect">
+            <a:avLst/>
+          </a:prstGeom>
+        </p:spPr>
+      </p:pic>
+      <p:pic>
+        <p:nvPicPr>
+          <p:cNvPr id="5" name="Picture 4" title="CC-BY-NC-SA License">
+            <a:hlinkClick r:id="rId3" tooltip="This work is licensed under the &quot;Creative Commons Attribution-NonCommercial-ShareAlike 4.0 International&quot; license"/>
+            <a:extLst>
+              <a:ext uri="{FF2B5EF4-FFF2-40B4-BE49-F238E27FC236}">
+                <a16:creationId xmlns:a16="http://schemas.microsoft.com/office/drawing/2014/main" id="{2D40731C-0303-A69D-63FD-E048A73CA59F}"/>
+              </a:ext>
+            </a:extLst>
+          </p:cNvPr>
+          <p:cNvPicPr>
+            <a:picLocks noChangeAspect="1" noChangeArrowheads="1"/>
+          </p:cNvPicPr>
+          <p:nvPr userDrawn="1"/>
+        </p:nvPicPr>
+        <p:blipFill>
+          <a:blip r:embed="rId4">
+            <a:extLst>
+              <a:ext uri="{28A0092B-C50C-407E-A947-70E740481C1C}">
+                <a14:useLocalDpi xmlns:a14="http://schemas.microsoft.com/office/drawing/2010/main"/>
+              </a:ext>
+            </a:extLst>
+          </a:blip>
+          <a:srcRect/>
+          <a:stretch>
+            <a:fillRect/>
+          </a:stretch>
+        </p:blipFill>
+        <p:spPr bwMode="auto">
+          <a:xfrm>
+            <a:off x="3402682" y="4321352"/>
+            <a:ext cx="1809336" cy="633045"/>
+          </a:xfrm>
+          <a:prstGeom prst="roundRect">
+            <a:avLst>
+              <a:gd name="adj" fmla="val 3940"/>
+            </a:avLst>
+          </a:prstGeom>
+          <a:solidFill>
+            <a:srgbClr val="231F20">
+              <a:alpha val="50000"/>
+            </a:srgbClr>
+          </a:solidFill>
+          <a:ln>
+            <a:noFill/>
+          </a:ln>
+        </p:spPr>
+      </p:pic>
     </p:spTree>
     <p:extLst>
       <p:ext uri="{BB962C8B-B14F-4D97-AF65-F5344CB8AC3E}">
-        <p14:creationId xmlns:p14="http://schemas.microsoft.com/office/powerpoint/2010/main" val="970179299"/>
+        <p14:creationId xmlns:p14="http://schemas.microsoft.com/office/powerpoint/2010/main" val="370654144"/>
       </p:ext>
     </p:extLst>
   </p:cSld>
@@ -2958,7 +3003,7 @@
               <a:tabLst/>
               <a:defRPr/>
             </a:pPr>
-            <a:endParaRPr kumimoji="0" lang="en-US" altLang="ko-KR" sz="2398" b="0" i="0" u="none" strike="noStrike" kern="1200" cap="none" spc="0" normalizeH="0" baseline="0" noProof="0" dirty="0">
+            <a:endParaRPr kumimoji="0" lang="en-US" altLang="ko-KR" sz="2398" b="0" i="0" u="none" strike="noStrike" kern="1200" cap="none" spc="0" normalizeH="0" baseline="0" noProof="0">
               <a:ln>
                 <a:noFill/>
               </a:ln>
@@ -3081,7 +3126,7 @@
               <a:tabLst/>
               <a:defRPr/>
             </a:pPr>
-            <a:endParaRPr kumimoji="0" lang="en-US" altLang="ko-KR" sz="2398" b="0" i="0" u="none" strike="noStrike" kern="1200" cap="none" spc="0" normalizeH="0" baseline="0" noProof="0" dirty="0">
+            <a:endParaRPr kumimoji="0" lang="en-US" altLang="ko-KR" sz="2398" b="0" i="0" u="none" strike="noStrike" kern="1200" cap="none" spc="0" normalizeH="0" baseline="0" noProof="0">
               <a:ln>
                 <a:noFill/>
               </a:ln>
@@ -3098,42 +3143,6 @@
           </a:p>
         </p:txBody>
       </p:sp>
-      <p:pic>
-        <p:nvPicPr>
-          <p:cNvPr id="12" name="Logo Software University Down" descr="Software University logo">
-            <a:extLst>
-              <a:ext uri="{FF2B5EF4-FFF2-40B4-BE49-F238E27FC236}">
-                <a16:creationId xmlns:a16="http://schemas.microsoft.com/office/drawing/2014/main" id="{7028D2F0-1E67-414B-A93D-D3F8F131A132}"/>
-              </a:ext>
-            </a:extLst>
-          </p:cNvPr>
-          <p:cNvPicPr>
-            <a:picLocks noChangeAspect="1"/>
-          </p:cNvPicPr>
-          <p:nvPr/>
-        </p:nvPicPr>
-        <p:blipFill>
-          <a:blip r:embed="rId2" cstate="print">
-            <a:extLst>
-              <a:ext uri="{28A0092B-C50C-407E-A947-70E740481C1C}">
-                <a14:useLocalDpi xmlns:a14="http://schemas.microsoft.com/office/drawing/2010/main" val="0"/>
-              </a:ext>
-            </a:extLst>
-          </a:blip>
-          <a:stretch>
-            <a:fillRect/>
-          </a:stretch>
-        </p:blipFill>
-        <p:spPr>
-          <a:xfrm>
-            <a:off x="5616551" y="5206773"/>
-            <a:ext cx="958900" cy="1184869"/>
-          </a:xfrm>
-          <a:prstGeom prst="rect">
-            <a:avLst/>
-          </a:prstGeom>
-        </p:spPr>
-      </p:pic>
       <p:sp>
         <p:nvSpPr>
           <p:cNvPr id="10" name="Text Placeholder Right">
@@ -3354,7 +3363,7 @@
               <a:tabLst/>
               <a:defRPr/>
             </a:pPr>
-            <a:endParaRPr kumimoji="0" lang="en-US" altLang="ko-KR" sz="2398" b="0" i="0" u="none" strike="noStrike" kern="1200" cap="none" spc="0" normalizeH="0" baseline="0" noProof="0" dirty="0">
+            <a:endParaRPr kumimoji="0" lang="en-US" altLang="ko-KR" sz="2398" b="0" i="0" u="none" strike="noStrike" kern="1200" cap="none" spc="0" normalizeH="0" baseline="0" noProof="0">
               <a:ln>
                 <a:noFill/>
               </a:ln>
@@ -3371,42 +3380,6 @@
           </a:p>
         </p:txBody>
       </p:sp>
-      <p:pic>
-        <p:nvPicPr>
-          <p:cNvPr id="14" name="Logo Software University" descr="Software University logo">
-            <a:extLst>
-              <a:ext uri="{FF2B5EF4-FFF2-40B4-BE49-F238E27FC236}">
-                <a16:creationId xmlns:a16="http://schemas.microsoft.com/office/drawing/2014/main" id="{19A67BB9-D880-4EAD-B90E-89C4219BFC0B}"/>
-              </a:ext>
-            </a:extLst>
-          </p:cNvPr>
-          <p:cNvPicPr>
-            <a:picLocks noChangeAspect="1"/>
-          </p:cNvPicPr>
-          <p:nvPr userDrawn="1"/>
-        </p:nvPicPr>
-        <p:blipFill>
-          <a:blip r:embed="rId3">
-            <a:extLst>
-              <a:ext uri="{28A0092B-C50C-407E-A947-70E740481C1C}">
-                <a14:useLocalDpi xmlns:a14="http://schemas.microsoft.com/office/drawing/2010/main" val="0"/>
-              </a:ext>
-            </a:extLst>
-          </a:blip>
-          <a:stretch>
-            <a:fillRect/>
-          </a:stretch>
-        </p:blipFill>
-        <p:spPr>
-          <a:xfrm>
-            <a:off x="10067957" y="253936"/>
-            <a:ext cx="1915704" cy="559235"/>
-          </a:xfrm>
-          <a:prstGeom prst="rect">
-            <a:avLst/>
-          </a:prstGeom>
-        </p:spPr>
-      </p:pic>
       <p:sp>
         <p:nvSpPr>
           <p:cNvPr id="15" name="Slide Title">
@@ -3425,8 +3398,8 @@
         </p:nvSpPr>
         <p:spPr>
           <a:xfrm>
-            <a:off x="190406" y="100750"/>
-            <a:ext cx="9715594" cy="882654"/>
+            <a:off x="190405" y="100750"/>
+            <a:ext cx="10270595" cy="882654"/>
           </a:xfrm>
         </p:spPr>
         <p:txBody>
@@ -3448,6 +3421,72 @@
           </a:p>
         </p:txBody>
       </p:sp>
+      <p:pic>
+        <p:nvPicPr>
+          <p:cNvPr id="8" name="Picture 7">
+            <a:extLst>
+              <a:ext uri="{FF2B5EF4-FFF2-40B4-BE49-F238E27FC236}">
+                <a16:creationId xmlns:a16="http://schemas.microsoft.com/office/drawing/2014/main" id="{2C9792D8-D354-4699-B7D6-B8CB7F77594F}"/>
+              </a:ext>
+            </a:extLst>
+          </p:cNvPr>
+          <p:cNvPicPr>
+            <a:picLocks noChangeAspect="1"/>
+          </p:cNvPicPr>
+          <p:nvPr userDrawn="1"/>
+        </p:nvPicPr>
+        <p:blipFill>
+          <a:blip r:embed="rId2"/>
+          <a:stretch>
+            <a:fillRect/>
+          </a:stretch>
+        </p:blipFill>
+        <p:spPr>
+          <a:xfrm>
+            <a:off x="5398753" y="5340443"/>
+            <a:ext cx="1334859" cy="982867"/>
+          </a:xfrm>
+          <a:prstGeom prst="rect">
+            <a:avLst/>
+          </a:prstGeom>
+        </p:spPr>
+      </p:pic>
+      <p:pic>
+        <p:nvPicPr>
+          <p:cNvPr id="3" name="Picture 2">
+            <a:extLst>
+              <a:ext uri="{FF2B5EF4-FFF2-40B4-BE49-F238E27FC236}">
+                <a16:creationId xmlns:a16="http://schemas.microsoft.com/office/drawing/2014/main" id="{B6351E19-25DA-EAD2-9FBE-358B6135D728}"/>
+              </a:ext>
+            </a:extLst>
+          </p:cNvPr>
+          <p:cNvPicPr>
+            <a:picLocks noChangeAspect="1"/>
+          </p:cNvPicPr>
+          <p:nvPr userDrawn="1"/>
+        </p:nvPicPr>
+        <p:blipFill>
+          <a:blip r:embed="rId3" cstate="print">
+            <a:extLst>
+              <a:ext uri="{28A0092B-C50C-407E-A947-70E740481C1C}">
+                <a14:useLocalDpi xmlns:a14="http://schemas.microsoft.com/office/drawing/2010/main" val="0"/>
+              </a:ext>
+            </a:extLst>
+          </a:blip>
+          <a:stretch>
+            <a:fillRect/>
+          </a:stretch>
+        </p:blipFill>
+        <p:spPr>
+          <a:xfrm>
+            <a:off x="10553573" y="368999"/>
+            <a:ext cx="1443361" cy="360001"/>
+          </a:xfrm>
+          <a:prstGeom prst="rect">
+            <a:avLst/>
+          </a:prstGeom>
+        </p:spPr>
+      </p:pic>
     </p:spTree>
     <p:extLst>
       <p:ext uri="{BB962C8B-B14F-4D97-AF65-F5344CB8AC3E}">
@@ -3540,7 +3579,7 @@
               <a:pPr/>
               <a:t>‹#›</a:t>
             </a:fld>
-            <a:endParaRPr lang="en-US" noProof="0" dirty="0"/>
+            <a:endParaRPr lang="en-US" noProof="0"/>
           </a:p>
         </p:txBody>
       </p:sp>
@@ -3694,7 +3733,7 @@
           </a:lstStyle>
           <a:p>
             <a:r>
-              <a:rPr lang="en-US" altLang="ko-KR" noProof="0" dirty="0"/>
+              <a:rPr lang="en-US" altLang="ko-KR" noProof="0"/>
               <a:t>Your Picture Here</a:t>
             </a:r>
           </a:p>
@@ -3758,7 +3797,7 @@
               <a:tabLst/>
               <a:defRPr/>
             </a:pPr>
-            <a:endParaRPr kumimoji="0" lang="en-US" altLang="ko-KR" sz="2398" b="0" i="0" u="none" strike="noStrike" kern="1200" cap="none" spc="0" normalizeH="0" baseline="0" noProof="0" dirty="0">
+            <a:endParaRPr kumimoji="0" lang="en-US" altLang="ko-KR" sz="2398" b="0" i="0" u="none" strike="noStrike" kern="1200" cap="none" spc="0" normalizeH="0" baseline="0" noProof="0">
               <a:ln>
                 <a:noFill/>
               </a:ln>
@@ -3833,7 +3872,7 @@
               <a:tabLst/>
               <a:defRPr/>
             </a:pPr>
-            <a:endParaRPr kumimoji="0" lang="en-US" altLang="ko-KR" sz="2398" b="0" i="0" u="none" strike="noStrike" kern="1200" cap="none" spc="0" normalizeH="0" baseline="0" noProof="0" dirty="0">
+            <a:endParaRPr kumimoji="0" lang="en-US" altLang="ko-KR" sz="2398" b="0" i="0" u="none" strike="noStrike" kern="1200" cap="none" spc="0" normalizeH="0" baseline="0" noProof="0">
               <a:ln>
                 <a:noFill/>
               </a:ln>
@@ -3914,7 +3953,7 @@
               <a:tabLst/>
               <a:defRPr/>
             </a:pPr>
-            <a:endParaRPr kumimoji="0" lang="en-US" altLang="ko-KR" sz="2398" b="0" i="0" u="none" strike="noStrike" kern="1200" cap="none" spc="0" normalizeH="0" baseline="0" noProof="0" dirty="0">
+            <a:endParaRPr kumimoji="0" lang="en-US" altLang="ko-KR" sz="2398" b="0" i="0" u="none" strike="noStrike" kern="1200" cap="none" spc="0" normalizeH="0" baseline="0" noProof="0">
               <a:ln>
                 <a:noFill/>
               </a:ln>
@@ -3995,7 +4034,7 @@
               <a:tabLst/>
               <a:defRPr/>
             </a:pPr>
-            <a:endParaRPr kumimoji="0" lang="en-US" altLang="ko-KR" sz="2398" b="0" i="0" u="none" strike="noStrike" kern="1200" cap="none" spc="0" normalizeH="0" baseline="0" noProof="0" dirty="0">
+            <a:endParaRPr kumimoji="0" lang="en-US" altLang="ko-KR" sz="2398" b="0" i="0" u="none" strike="noStrike" kern="1200" cap="none" spc="0" normalizeH="0" baseline="0" noProof="0">
               <a:ln>
                 <a:noFill/>
               </a:ln>
@@ -4012,42 +4051,6 @@
           </a:p>
         </p:txBody>
       </p:sp>
-      <p:pic>
-        <p:nvPicPr>
-          <p:cNvPr id="12" name="Logo Software University" descr="Software University logo">
-            <a:extLst>
-              <a:ext uri="{FF2B5EF4-FFF2-40B4-BE49-F238E27FC236}">
-                <a16:creationId xmlns:a16="http://schemas.microsoft.com/office/drawing/2014/main" id="{233CBB95-791E-4630-B3D9-FADFCE7BCF52}"/>
-              </a:ext>
-            </a:extLst>
-          </p:cNvPr>
-          <p:cNvPicPr>
-            <a:picLocks noChangeAspect="1"/>
-          </p:cNvPicPr>
-          <p:nvPr userDrawn="1"/>
-        </p:nvPicPr>
-        <p:blipFill>
-          <a:blip r:embed="rId2">
-            <a:extLst>
-              <a:ext uri="{28A0092B-C50C-407E-A947-70E740481C1C}">
-                <a14:useLocalDpi xmlns:a14="http://schemas.microsoft.com/office/drawing/2010/main" val="0"/>
-              </a:ext>
-            </a:extLst>
-          </a:blip>
-          <a:stretch>
-            <a:fillRect/>
-          </a:stretch>
-        </p:blipFill>
-        <p:spPr>
-          <a:xfrm>
-            <a:off x="10067957" y="253936"/>
-            <a:ext cx="1915704" cy="559235"/>
-          </a:xfrm>
-          <a:prstGeom prst="rect">
-            <a:avLst/>
-          </a:prstGeom>
-        </p:spPr>
-      </p:pic>
       <p:sp>
         <p:nvSpPr>
           <p:cNvPr id="13" name="Slide Title">
@@ -4067,7 +4070,7 @@
         <p:spPr>
           <a:xfrm>
             <a:off x="190406" y="100750"/>
-            <a:ext cx="9715594" cy="882654"/>
+            <a:ext cx="10270594" cy="882654"/>
           </a:xfrm>
         </p:spPr>
         <p:txBody>
@@ -4089,6 +4092,42 @@
           </a:p>
         </p:txBody>
       </p:sp>
+      <p:pic>
+        <p:nvPicPr>
+          <p:cNvPr id="4" name="Picture 3">
+            <a:extLst>
+              <a:ext uri="{FF2B5EF4-FFF2-40B4-BE49-F238E27FC236}">
+                <a16:creationId xmlns:a16="http://schemas.microsoft.com/office/drawing/2014/main" id="{42F3DB3E-BDAA-8201-9A01-2F52640A84CA}"/>
+              </a:ext>
+            </a:extLst>
+          </p:cNvPr>
+          <p:cNvPicPr>
+            <a:picLocks noChangeAspect="1"/>
+          </p:cNvPicPr>
+          <p:nvPr userDrawn="1"/>
+        </p:nvPicPr>
+        <p:blipFill>
+          <a:blip r:embed="rId2" cstate="print">
+            <a:extLst>
+              <a:ext uri="{28A0092B-C50C-407E-A947-70E740481C1C}">
+                <a14:useLocalDpi xmlns:a14="http://schemas.microsoft.com/office/drawing/2010/main" val="0"/>
+              </a:ext>
+            </a:extLst>
+          </a:blip>
+          <a:stretch>
+            <a:fillRect/>
+          </a:stretch>
+        </p:blipFill>
+        <p:spPr>
+          <a:xfrm>
+            <a:off x="10553573" y="368999"/>
+            <a:ext cx="1443361" cy="360001"/>
+          </a:xfrm>
+          <a:prstGeom prst="rect">
+            <a:avLst/>
+          </a:prstGeom>
+        </p:spPr>
+      </p:pic>
     </p:spTree>
     <p:extLst>
       <p:ext uri="{BB962C8B-B14F-4D97-AF65-F5344CB8AC3E}">
@@ -4199,7 +4238,7 @@
               <a:tabLst/>
               <a:defRPr/>
             </a:pPr>
-            <a:endParaRPr kumimoji="0" lang="en-US" altLang="ko-KR" sz="2398" b="0" i="0" u="none" strike="noStrike" kern="1200" cap="none" spc="0" normalizeH="0" baseline="0" noProof="0" dirty="0">
+            <a:endParaRPr kumimoji="0" lang="en-US" altLang="ko-KR" sz="2398" b="0" i="0" u="none" strike="noStrike" kern="1200" cap="none" spc="0" normalizeH="0" baseline="0" noProof="0">
               <a:ln>
                 <a:noFill/>
               </a:ln>
@@ -4218,714 +4257,10 @@
       </p:sp>
       <p:sp>
         <p:nvSpPr>
-          <p:cNvPr id="53" name="Rectangle Bottom Copyright">
+          <p:cNvPr id="3" name="Title 2">
             <a:extLst>
               <a:ext uri="{FF2B5EF4-FFF2-40B4-BE49-F238E27FC236}">
-                <a16:creationId xmlns:a16="http://schemas.microsoft.com/office/drawing/2014/main" id="{B07FB7FB-DA6C-4F5D-B068-357F0FCE27D8}"/>
-              </a:ext>
-            </a:extLst>
-          </p:cNvPr>
-          <p:cNvSpPr/>
-          <p:nvPr userDrawn="1"/>
-        </p:nvSpPr>
-        <p:spPr>
-          <a:xfrm>
-            <a:off x="111000" y="6454758"/>
-            <a:ext cx="11970000" cy="258449"/>
-          </a:xfrm>
-          <a:prstGeom prst="rect">
-            <a:avLst/>
-          </a:prstGeom>
-        </p:spPr>
-        <p:txBody>
-          <a:bodyPr wrap="square">
-            <a:noAutofit/>
-          </a:bodyPr>
-          <a:lstStyle/>
-          <a:p>
-            <a:pPr algn="ctr">
-              <a:lnSpc>
-                <a:spcPct val="100000"/>
-              </a:lnSpc>
-              <a:spcBef>
-                <a:spcPts val="0"/>
-              </a:spcBef>
-              <a:spcAft>
-                <a:spcPts val="0"/>
-              </a:spcAft>
-            </a:pPr>
-            <a:r>
-              <a:rPr lang="en-US" sz="1600" noProof="0" dirty="0">
-                <a:solidFill>
-                  <a:schemeClr val="bg2"/>
-                </a:solidFill>
-                <a:effectLst/>
-                <a:latin typeface="Calibri" panose="020F0502020204030204" pitchFamily="34" charset="0"/>
-                <a:ea typeface="Calibri" panose="020F0502020204030204" pitchFamily="34" charset="0"/>
-                <a:cs typeface="Arial" panose="020B0604020202020204" pitchFamily="34" charset="0"/>
-              </a:rPr>
-              <a:t>© SoftUni – </a:t>
-            </a:r>
-            <a:r>
-              <a:rPr lang="en-US" sz="1600" u="sng" noProof="0" dirty="0">
-                <a:solidFill>
-                  <a:schemeClr val="bg2"/>
-                </a:solidFill>
-                <a:effectLst/>
-                <a:latin typeface="Calibri" panose="020F0502020204030204" pitchFamily="34" charset="0"/>
-                <a:ea typeface="Calibri" panose="020F0502020204030204" pitchFamily="34" charset="0"/>
-                <a:cs typeface="Arial" panose="020B0604020202020204" pitchFamily="34" charset="0"/>
-                <a:hlinkClick r:id="rId2">
-                  <a:extLst>
-                    <a:ext uri="{A12FA001-AC4F-418D-AE19-62706E023703}">
-                      <ahyp:hlinkClr xmlns:ahyp="http://schemas.microsoft.com/office/drawing/2018/hyperlinkcolor" val="tx"/>
-                    </a:ext>
-                  </a:extLst>
-                </a:hlinkClick>
-              </a:rPr>
-              <a:t>https://softuni.org</a:t>
-            </a:r>
-            <a:r>
-              <a:rPr lang="en-US" sz="1600" noProof="0" dirty="0">
-                <a:solidFill>
-                  <a:schemeClr val="bg2"/>
-                </a:solidFill>
-                <a:effectLst/>
-                <a:latin typeface="Calibri" panose="020F0502020204030204" pitchFamily="34" charset="0"/>
-                <a:ea typeface="Calibri" panose="020F0502020204030204" pitchFamily="34" charset="0"/>
-                <a:cs typeface="Arial" panose="020B0604020202020204" pitchFamily="34" charset="0"/>
-              </a:rPr>
-              <a:t>. Copyrighted document. Unauthorized copy, reproduction or use is not permitted.</a:t>
-            </a:r>
-            <a:endParaRPr lang="en-US" sz="2400" noProof="0" dirty="0">
-              <a:solidFill>
-                <a:schemeClr val="bg2"/>
-              </a:solidFill>
-              <a:effectLst/>
-              <a:latin typeface="Calibri" panose="020F0502020204030204" pitchFamily="34" charset="0"/>
-              <a:ea typeface="Calibri" panose="020F0502020204030204" pitchFamily="34" charset="0"/>
-              <a:cs typeface="Arial" panose="020B0604020202020204" pitchFamily="34" charset="0"/>
-            </a:endParaRPr>
-          </a:p>
-        </p:txBody>
-      </p:sp>
-      <p:pic>
-        <p:nvPicPr>
-          <p:cNvPr id="26" name="Picture SoftUni Mascot" descr="SoftUni mascot with open hand">
-            <a:extLst>
-              <a:ext uri="{FF2B5EF4-FFF2-40B4-BE49-F238E27FC236}">
-                <a16:creationId xmlns:a16="http://schemas.microsoft.com/office/drawing/2014/main" id="{247CFF3C-C4FA-493D-8505-DF469F4D36A4}"/>
-              </a:ext>
-            </a:extLst>
-          </p:cNvPr>
-          <p:cNvPicPr>
-            <a:picLocks noChangeAspect="1"/>
-          </p:cNvPicPr>
-          <p:nvPr/>
-        </p:nvPicPr>
-        <p:blipFill>
-          <a:blip r:embed="rId3" cstate="print">
-            <a:extLst>
-              <a:ext uri="{28A0092B-C50C-407E-A947-70E740481C1C}">
-                <a14:useLocalDpi xmlns:a14="http://schemas.microsoft.com/office/drawing/2010/main" val="0"/>
-              </a:ext>
-            </a:extLst>
-          </a:blip>
-          <a:stretch>
-            <a:fillRect/>
-          </a:stretch>
-        </p:blipFill>
-        <p:spPr>
-          <a:xfrm>
-            <a:off x="642586" y="2898830"/>
-            <a:ext cx="2451608" cy="2959741"/>
-          </a:xfrm>
-          <a:prstGeom prst="rect">
-            <a:avLst/>
-          </a:prstGeom>
-        </p:spPr>
-      </p:pic>
-      <p:grpSp>
-        <p:nvGrpSpPr>
-          <p:cNvPr id="2" name="Group SoftUni Brands">
-            <a:extLst>
-              <a:ext uri="{FF2B5EF4-FFF2-40B4-BE49-F238E27FC236}">
-                <a16:creationId xmlns:a16="http://schemas.microsoft.com/office/drawing/2014/main" id="{418FAE34-C1F8-46C7-A4AE-F270D1E70F25}"/>
-              </a:ext>
-            </a:extLst>
-          </p:cNvPr>
-          <p:cNvGrpSpPr/>
-          <p:nvPr userDrawn="1"/>
-        </p:nvGrpSpPr>
-        <p:grpSpPr>
-          <a:xfrm>
-            <a:off x="3332216" y="1702473"/>
-            <a:ext cx="8314909" cy="3543782"/>
-            <a:chOff x="3332216" y="1702473"/>
-            <a:chExt cx="8314909" cy="3543782"/>
-          </a:xfrm>
-        </p:grpSpPr>
-        <p:pic>
-          <p:nvPicPr>
-            <p:cNvPr id="24" name="Picture SoftUni Kids Logo" descr="SoftUni Kids logo">
-              <a:extLst>
-                <a:ext uri="{FF2B5EF4-FFF2-40B4-BE49-F238E27FC236}">
-                  <a16:creationId xmlns:a16="http://schemas.microsoft.com/office/drawing/2014/main" id="{B0812936-74B6-4265-8C08-AEDC8C798702}"/>
-                </a:ext>
-              </a:extLst>
-            </p:cNvPr>
-            <p:cNvPicPr>
-              <a:picLocks noChangeAspect="1"/>
-            </p:cNvPicPr>
-            <p:nvPr/>
-          </p:nvPicPr>
-          <p:blipFill>
-            <a:blip r:embed="rId4" cstate="print">
-              <a:extLst>
-                <a:ext uri="{28A0092B-C50C-407E-A947-70E740481C1C}">
-                  <a14:useLocalDpi xmlns:a14="http://schemas.microsoft.com/office/drawing/2010/main" val="0"/>
-                </a:ext>
-              </a:extLst>
-            </a:blip>
-            <a:stretch>
-              <a:fillRect/>
-            </a:stretch>
-          </p:blipFill>
-          <p:spPr>
-            <a:xfrm>
-              <a:off x="10516883" y="3776294"/>
-              <a:ext cx="1130242" cy="1389256"/>
-            </a:xfrm>
-            <a:prstGeom prst="rect">
-              <a:avLst/>
-            </a:prstGeom>
-          </p:spPr>
-        </p:pic>
-        <p:pic>
-          <p:nvPicPr>
-            <p:cNvPr id="23" name="Picture SoftUni Foundation Logo" descr="SoftUni Foundation logo">
-              <a:extLst>
-                <a:ext uri="{FF2B5EF4-FFF2-40B4-BE49-F238E27FC236}">
-                  <a16:creationId xmlns:a16="http://schemas.microsoft.com/office/drawing/2014/main" id="{6643F71A-2013-433A-8322-FBAAED3162D8}"/>
-                </a:ext>
-              </a:extLst>
-            </p:cNvPr>
-            <p:cNvPicPr>
-              <a:picLocks noChangeAspect="1"/>
-            </p:cNvPicPr>
-            <p:nvPr userDrawn="1"/>
-          </p:nvPicPr>
-          <p:blipFill>
-            <a:blip r:embed="rId5" cstate="print">
-              <a:extLst>
-                <a:ext uri="{28A0092B-C50C-407E-A947-70E740481C1C}">
-                  <a14:useLocalDpi xmlns:a14="http://schemas.microsoft.com/office/drawing/2010/main" val="0"/>
-                </a:ext>
-              </a:extLst>
-            </a:blip>
-            <a:stretch>
-              <a:fillRect/>
-            </a:stretch>
-          </p:blipFill>
-          <p:spPr>
-            <a:xfrm>
-              <a:off x="9053913" y="3788231"/>
-              <a:ext cx="1166400" cy="1350756"/>
-            </a:xfrm>
-            <a:prstGeom prst="rect">
-              <a:avLst/>
-            </a:prstGeom>
-          </p:spPr>
-        </p:pic>
-        <p:pic>
-          <p:nvPicPr>
-            <p:cNvPr id="22" name="Picture SoftUni Digital Logo" descr="SoftUni Digital logo">
-              <a:extLst>
-                <a:ext uri="{FF2B5EF4-FFF2-40B4-BE49-F238E27FC236}">
-                  <a16:creationId xmlns:a16="http://schemas.microsoft.com/office/drawing/2014/main" id="{0A83D66F-855B-463B-920B-BF239B01A206}"/>
-                </a:ext>
-              </a:extLst>
-            </p:cNvPr>
-            <p:cNvPicPr>
-              <a:picLocks noChangeAspect="1"/>
-            </p:cNvPicPr>
-            <p:nvPr userDrawn="1"/>
-          </p:nvPicPr>
-          <p:blipFill>
-            <a:blip r:embed="rId6" cstate="print">
-              <a:extLst>
-                <a:ext uri="{28A0092B-C50C-407E-A947-70E740481C1C}">
-                  <a14:useLocalDpi xmlns:a14="http://schemas.microsoft.com/office/drawing/2010/main" val="0"/>
-                </a:ext>
-              </a:extLst>
-            </a:blip>
-            <a:stretch>
-              <a:fillRect/>
-            </a:stretch>
-          </p:blipFill>
-          <p:spPr>
-            <a:xfrm>
-              <a:off x="7657695" y="3789000"/>
-              <a:ext cx="1084614" cy="1457255"/>
-            </a:xfrm>
-            <a:prstGeom prst="rect">
-              <a:avLst/>
-            </a:prstGeom>
-          </p:spPr>
-        </p:pic>
-        <p:pic>
-          <p:nvPicPr>
-            <p:cNvPr id="21" name="Picture SoftUni Creative Logo" descr="SoftUni Creative logo">
-              <a:extLst>
-                <a:ext uri="{FF2B5EF4-FFF2-40B4-BE49-F238E27FC236}">
-                  <a16:creationId xmlns:a16="http://schemas.microsoft.com/office/drawing/2014/main" id="{EA755AAE-BA08-481C-9224-0061170EE4B8}"/>
-                </a:ext>
-              </a:extLst>
-            </p:cNvPr>
-            <p:cNvPicPr>
-              <a:picLocks noChangeAspect="1"/>
-            </p:cNvPicPr>
-            <p:nvPr/>
-          </p:nvPicPr>
-          <p:blipFill>
-            <a:blip r:embed="rId7" cstate="print">
-              <a:extLst>
-                <a:ext uri="{28A0092B-C50C-407E-A947-70E740481C1C}">
-                  <a14:useLocalDpi xmlns:a14="http://schemas.microsoft.com/office/drawing/2010/main" val="0"/>
-                </a:ext>
-              </a:extLst>
-            </a:blip>
-            <a:stretch>
-              <a:fillRect/>
-            </a:stretch>
-          </p:blipFill>
-          <p:spPr>
-            <a:xfrm>
-              <a:off x="6173913" y="3776293"/>
-              <a:ext cx="1166400" cy="1389257"/>
-            </a:xfrm>
-            <a:prstGeom prst="rect">
-              <a:avLst/>
-            </a:prstGeom>
-          </p:spPr>
-        </p:pic>
-        <p:pic>
-          <p:nvPicPr>
-            <p:cNvPr id="20" name="Picture SoftUni Svetlina Logo" descr="SoftUni Svetlina logo">
-              <a:extLst>
-                <a:ext uri="{FF2B5EF4-FFF2-40B4-BE49-F238E27FC236}">
-                  <a16:creationId xmlns:a16="http://schemas.microsoft.com/office/drawing/2014/main" id="{827D15FD-4C66-4B85-98E6-7826AA8F61C6}"/>
-                </a:ext>
-              </a:extLst>
-            </p:cNvPr>
-            <p:cNvPicPr>
-              <a:picLocks noChangeAspect="1"/>
-            </p:cNvPicPr>
-            <p:nvPr/>
-          </p:nvPicPr>
-          <p:blipFill>
-            <a:blip r:embed="rId8">
-              <a:extLst>
-                <a:ext uri="{28A0092B-C50C-407E-A947-70E740481C1C}">
-                  <a14:useLocalDpi xmlns:a14="http://schemas.microsoft.com/office/drawing/2010/main" val="0"/>
-                </a:ext>
-              </a:extLst>
-            </a:blip>
-            <a:stretch>
-              <a:fillRect/>
-            </a:stretch>
-          </p:blipFill>
-          <p:spPr>
-            <a:xfrm>
-              <a:off x="4735029" y="3776293"/>
-              <a:ext cx="1166400" cy="1402229"/>
-            </a:xfrm>
-            <a:prstGeom prst="rect">
-              <a:avLst/>
-            </a:prstGeom>
-          </p:spPr>
-        </p:pic>
-        <p:pic>
-          <p:nvPicPr>
-            <p:cNvPr id="25" name="Picture Software University Logo" descr="Software University logo">
-              <a:extLst>
-                <a:ext uri="{FF2B5EF4-FFF2-40B4-BE49-F238E27FC236}">
-                  <a16:creationId xmlns:a16="http://schemas.microsoft.com/office/drawing/2014/main" id="{C74C190C-5856-41B9-8819-AE8DE0E10980}"/>
-                </a:ext>
-              </a:extLst>
-            </p:cNvPr>
-            <p:cNvPicPr>
-              <a:picLocks noChangeAspect="1"/>
-            </p:cNvPicPr>
-            <p:nvPr/>
-          </p:nvPicPr>
-          <p:blipFill>
-            <a:blip r:embed="rId9" cstate="print">
-              <a:extLst>
-                <a:ext uri="{28A0092B-C50C-407E-A947-70E740481C1C}">
-                  <a14:useLocalDpi xmlns:a14="http://schemas.microsoft.com/office/drawing/2010/main" val="0"/>
-                </a:ext>
-              </a:extLst>
-            </a:blip>
-            <a:stretch>
-              <a:fillRect/>
-            </a:stretch>
-          </p:blipFill>
-          <p:spPr>
-            <a:xfrm>
-              <a:off x="3332216" y="3776295"/>
-              <a:ext cx="1164654" cy="1440000"/>
-            </a:xfrm>
-            <a:prstGeom prst="rect">
-              <a:avLst/>
-            </a:prstGeom>
-          </p:spPr>
-        </p:pic>
-        <p:cxnSp>
-          <p:nvCxnSpPr>
-            <p:cNvPr id="33" name="Straight Connector 6">
-              <a:extLst>
-                <a:ext uri="{FF2B5EF4-FFF2-40B4-BE49-F238E27FC236}">
-                  <a16:creationId xmlns:a16="http://schemas.microsoft.com/office/drawing/2014/main" id="{5C63D1E8-4A92-4691-8A24-A2FC7E8008E5}"/>
-                </a:ext>
-              </a:extLst>
-            </p:cNvPr>
-            <p:cNvCxnSpPr>
-              <a:cxnSpLocks/>
-            </p:cNvCxnSpPr>
-            <p:nvPr userDrawn="1"/>
-          </p:nvCxnSpPr>
-          <p:spPr>
-            <a:xfrm>
-              <a:off x="11077113" y="3335565"/>
-              <a:ext cx="0" cy="236220"/>
-            </a:xfrm>
-            <a:prstGeom prst="line">
-              <a:avLst/>
-            </a:prstGeom>
-            <a:ln w="25400"/>
-          </p:spPr>
-          <p:style>
-            <a:lnRef idx="1">
-              <a:schemeClr val="accent1"/>
-            </a:lnRef>
-            <a:fillRef idx="0">
-              <a:schemeClr val="accent1"/>
-            </a:fillRef>
-            <a:effectRef idx="0">
-              <a:schemeClr val="accent1"/>
-            </a:effectRef>
-            <a:fontRef idx="minor">
-              <a:schemeClr val="tx1"/>
-            </a:fontRef>
-          </p:style>
-        </p:cxnSp>
-        <p:cxnSp>
-          <p:nvCxnSpPr>
-            <p:cNvPr id="32" name="Straight Connector 5">
-              <a:extLst>
-                <a:ext uri="{FF2B5EF4-FFF2-40B4-BE49-F238E27FC236}">
-                  <a16:creationId xmlns:a16="http://schemas.microsoft.com/office/drawing/2014/main" id="{6E91D320-3732-40B8-864D-142D0A277ED1}"/>
-                </a:ext>
-              </a:extLst>
-            </p:cNvPr>
-            <p:cNvCxnSpPr>
-              <a:cxnSpLocks/>
-            </p:cNvCxnSpPr>
-            <p:nvPr userDrawn="1"/>
-          </p:nvCxnSpPr>
-          <p:spPr>
-            <a:xfrm>
-              <a:off x="9637113" y="3329215"/>
-              <a:ext cx="0" cy="236220"/>
-            </a:xfrm>
-            <a:prstGeom prst="line">
-              <a:avLst/>
-            </a:prstGeom>
-            <a:ln w="25400"/>
-          </p:spPr>
-          <p:style>
-            <a:lnRef idx="1">
-              <a:schemeClr val="accent1"/>
-            </a:lnRef>
-            <a:fillRef idx="0">
-              <a:schemeClr val="accent1"/>
-            </a:fillRef>
-            <a:effectRef idx="0">
-              <a:schemeClr val="accent1"/>
-            </a:effectRef>
-            <a:fontRef idx="minor">
-              <a:schemeClr val="tx1"/>
-            </a:fontRef>
-          </p:style>
-        </p:cxnSp>
-        <p:cxnSp>
-          <p:nvCxnSpPr>
-            <p:cNvPr id="31" name="Straight Connector 4">
-              <a:extLst>
-                <a:ext uri="{FF2B5EF4-FFF2-40B4-BE49-F238E27FC236}">
-                  <a16:creationId xmlns:a16="http://schemas.microsoft.com/office/drawing/2014/main" id="{299ABE09-E33C-46B7-A80D-7BF4A6956211}"/>
-                </a:ext>
-              </a:extLst>
-            </p:cNvPr>
-            <p:cNvCxnSpPr/>
-            <p:nvPr userDrawn="1"/>
-          </p:nvCxnSpPr>
-          <p:spPr>
-            <a:xfrm>
-              <a:off x="8197113" y="3329215"/>
-              <a:ext cx="0" cy="236220"/>
-            </a:xfrm>
-            <a:prstGeom prst="line">
-              <a:avLst/>
-            </a:prstGeom>
-            <a:ln w="25400"/>
-          </p:spPr>
-          <p:style>
-            <a:lnRef idx="1">
-              <a:schemeClr val="accent1"/>
-            </a:lnRef>
-            <a:fillRef idx="0">
-              <a:schemeClr val="accent1"/>
-            </a:fillRef>
-            <a:effectRef idx="0">
-              <a:schemeClr val="accent1"/>
-            </a:effectRef>
-            <a:fontRef idx="minor">
-              <a:schemeClr val="tx1"/>
-            </a:fontRef>
-          </p:style>
-        </p:cxnSp>
-        <p:cxnSp>
-          <p:nvCxnSpPr>
-            <p:cNvPr id="30" name="Straight Connector 3">
-              <a:extLst>
-                <a:ext uri="{FF2B5EF4-FFF2-40B4-BE49-F238E27FC236}">
-                  <a16:creationId xmlns:a16="http://schemas.microsoft.com/office/drawing/2014/main" id="{93DDBF37-0764-47AA-94E3-9A44F3ED8FB5}"/>
-                </a:ext>
-              </a:extLst>
-            </p:cNvPr>
-            <p:cNvCxnSpPr/>
-            <p:nvPr userDrawn="1"/>
-          </p:nvCxnSpPr>
-          <p:spPr>
-            <a:xfrm>
-              <a:off x="6757113" y="3329215"/>
-              <a:ext cx="0" cy="236220"/>
-            </a:xfrm>
-            <a:prstGeom prst="line">
-              <a:avLst/>
-            </a:prstGeom>
-            <a:ln w="25400"/>
-          </p:spPr>
-          <p:style>
-            <a:lnRef idx="1">
-              <a:schemeClr val="accent1"/>
-            </a:lnRef>
-            <a:fillRef idx="0">
-              <a:schemeClr val="accent1"/>
-            </a:fillRef>
-            <a:effectRef idx="0">
-              <a:schemeClr val="accent1"/>
-            </a:effectRef>
-            <a:fontRef idx="minor">
-              <a:schemeClr val="tx1"/>
-            </a:fontRef>
-          </p:style>
-        </p:cxnSp>
-        <p:cxnSp>
-          <p:nvCxnSpPr>
-            <p:cNvPr id="29" name="Straight Connector 2">
-              <a:extLst>
-                <a:ext uri="{FF2B5EF4-FFF2-40B4-BE49-F238E27FC236}">
-                  <a16:creationId xmlns:a16="http://schemas.microsoft.com/office/drawing/2014/main" id="{72BFE2F3-0845-4E5B-9375-E9D4027DD675}"/>
-                </a:ext>
-              </a:extLst>
-            </p:cNvPr>
-            <p:cNvCxnSpPr/>
-            <p:nvPr userDrawn="1"/>
-          </p:nvCxnSpPr>
-          <p:spPr>
-            <a:xfrm>
-              <a:off x="5309913" y="3335565"/>
-              <a:ext cx="0" cy="236220"/>
-            </a:xfrm>
-            <a:prstGeom prst="line">
-              <a:avLst/>
-            </a:prstGeom>
-            <a:ln w="25400"/>
-          </p:spPr>
-          <p:style>
-            <a:lnRef idx="1">
-              <a:schemeClr val="accent1"/>
-            </a:lnRef>
-            <a:fillRef idx="0">
-              <a:schemeClr val="accent1"/>
-            </a:fillRef>
-            <a:effectRef idx="0">
-              <a:schemeClr val="accent1"/>
-            </a:effectRef>
-            <a:fontRef idx="minor">
-              <a:schemeClr val="tx1"/>
-            </a:fontRef>
-          </p:style>
-        </p:cxnSp>
-        <p:cxnSp>
-          <p:nvCxnSpPr>
-            <p:cNvPr id="28" name="Straight Connector 1">
-              <a:extLst>
-                <a:ext uri="{FF2B5EF4-FFF2-40B4-BE49-F238E27FC236}">
-                  <a16:creationId xmlns:a16="http://schemas.microsoft.com/office/drawing/2014/main" id="{D4E5982E-3110-47E1-A5BB-91B7BECC3093}"/>
-                </a:ext>
-              </a:extLst>
-            </p:cNvPr>
-            <p:cNvCxnSpPr/>
-            <p:nvPr userDrawn="1"/>
-          </p:nvCxnSpPr>
-          <p:spPr>
-            <a:xfrm>
-              <a:off x="3915327" y="3335565"/>
-              <a:ext cx="0" cy="236220"/>
-            </a:xfrm>
-            <a:prstGeom prst="line">
-              <a:avLst/>
-            </a:prstGeom>
-            <a:ln w="25400"/>
-          </p:spPr>
-          <p:style>
-            <a:lnRef idx="1">
-              <a:schemeClr val="accent1"/>
-            </a:lnRef>
-            <a:fillRef idx="0">
-              <a:schemeClr val="accent1"/>
-            </a:fillRef>
-            <a:effectRef idx="0">
-              <a:schemeClr val="accent1"/>
-            </a:effectRef>
-            <a:fontRef idx="minor">
-              <a:schemeClr val="tx1"/>
-            </a:fontRef>
-          </p:style>
-        </p:cxnSp>
-        <p:cxnSp>
-          <p:nvCxnSpPr>
-            <p:cNvPr id="27" name="Straight Connector Horizontal">
-              <a:extLst>
-                <a:ext uri="{FF2B5EF4-FFF2-40B4-BE49-F238E27FC236}">
-                  <a16:creationId xmlns:a16="http://schemas.microsoft.com/office/drawing/2014/main" id="{5F62FB7C-BD6E-4383-98C1-2CF30F34CAFD}"/>
-                </a:ext>
-              </a:extLst>
-            </p:cNvPr>
-            <p:cNvCxnSpPr>
-              <a:cxnSpLocks/>
-            </p:cNvCxnSpPr>
-            <p:nvPr userDrawn="1"/>
-          </p:nvCxnSpPr>
-          <p:spPr>
-            <a:xfrm>
-              <a:off x="3915327" y="3335565"/>
-              <a:ext cx="7161786" cy="0"/>
-            </a:xfrm>
-            <a:prstGeom prst="line">
-              <a:avLst/>
-            </a:prstGeom>
-            <a:ln w="25400"/>
-          </p:spPr>
-          <p:style>
-            <a:lnRef idx="1">
-              <a:schemeClr val="accent1"/>
-            </a:lnRef>
-            <a:fillRef idx="0">
-              <a:schemeClr val="accent1"/>
-            </a:fillRef>
-            <a:effectRef idx="0">
-              <a:schemeClr val="accent1"/>
-            </a:effectRef>
-            <a:fontRef idx="minor">
-              <a:schemeClr val="tx1"/>
-            </a:fontRef>
-          </p:style>
-        </p:cxnSp>
-        <p:cxnSp>
-          <p:nvCxnSpPr>
-            <p:cNvPr id="34" name="Straight Connector 0">
-              <a:extLst>
-                <a:ext uri="{FF2B5EF4-FFF2-40B4-BE49-F238E27FC236}">
-                  <a16:creationId xmlns:a16="http://schemas.microsoft.com/office/drawing/2014/main" id="{C84A0FE1-723D-4682-8682-77BAD950EE15}"/>
-                </a:ext>
-              </a:extLst>
-            </p:cNvPr>
-            <p:cNvCxnSpPr/>
-            <p:nvPr userDrawn="1"/>
-          </p:nvCxnSpPr>
-          <p:spPr>
-            <a:xfrm>
-              <a:off x="7496220" y="3092995"/>
-              <a:ext cx="0" cy="236220"/>
-            </a:xfrm>
-            <a:prstGeom prst="line">
-              <a:avLst/>
-            </a:prstGeom>
-            <a:ln w="25400"/>
-          </p:spPr>
-          <p:style>
-            <a:lnRef idx="1">
-              <a:schemeClr val="accent1"/>
-            </a:lnRef>
-            <a:fillRef idx="0">
-              <a:schemeClr val="accent1"/>
-            </a:fillRef>
-            <a:effectRef idx="0">
-              <a:schemeClr val="accent1"/>
-            </a:effectRef>
-            <a:fontRef idx="minor">
-              <a:schemeClr val="tx1"/>
-            </a:fontRef>
-          </p:style>
-        </p:cxnSp>
-        <p:pic>
-          <p:nvPicPr>
-            <p:cNvPr id="18" name="Picture SoftUni Logo" descr="SoftUni logo">
-              <a:extLst>
-                <a:ext uri="{FF2B5EF4-FFF2-40B4-BE49-F238E27FC236}">
-                  <a16:creationId xmlns:a16="http://schemas.microsoft.com/office/drawing/2014/main" id="{A0675455-B7FA-4569-A5FD-A3B0F20B2A26}"/>
-                </a:ext>
-              </a:extLst>
-            </p:cNvPr>
-            <p:cNvPicPr>
-              <a:picLocks noChangeAspect="1"/>
-            </p:cNvPicPr>
-            <p:nvPr/>
-          </p:nvPicPr>
-          <p:blipFill>
-            <a:blip r:embed="rId10" cstate="print">
-              <a:extLst>
-                <a:ext uri="{28A0092B-C50C-407E-A947-70E740481C1C}">
-                  <a14:useLocalDpi xmlns:a14="http://schemas.microsoft.com/office/drawing/2010/main" val="0"/>
-                </a:ext>
-              </a:extLst>
-            </a:blip>
-            <a:stretch>
-              <a:fillRect/>
-            </a:stretch>
-          </p:blipFill>
-          <p:spPr>
-            <a:xfrm>
-              <a:off x="6896770" y="1702473"/>
-              <a:ext cx="1198901" cy="1198901"/>
-            </a:xfrm>
-            <a:prstGeom prst="rect">
-              <a:avLst/>
-            </a:prstGeom>
-          </p:spPr>
-        </p:pic>
-      </p:grpSp>
-      <p:sp>
-        <p:nvSpPr>
-          <p:cNvPr id="19" name="Slide Title">
-            <a:extLst>
-              <a:ext uri="{FF2B5EF4-FFF2-40B4-BE49-F238E27FC236}">
-                <a16:creationId xmlns:a16="http://schemas.microsoft.com/office/drawing/2014/main" id="{7CFDBB16-985C-4CC7-B6DB-B81B36037922}"/>
+                <a16:creationId xmlns:a16="http://schemas.microsoft.com/office/drawing/2014/main" id="{3107753B-8639-4399-B782-EE5377184D2E}"/>
               </a:ext>
             </a:extLst>
           </p:cNvPr>
@@ -4933,142 +4268,33 @@
             <a:spLocks noGrp="1"/>
           </p:cNvSpPr>
           <p:nvPr>
-            <p:ph type="title"/>
+            <p:ph type="title" hasCustomPrompt="1"/>
           </p:nvPr>
         </p:nvSpPr>
         <p:spPr>
           <a:xfrm>
-            <a:off x="809628" y="703244"/>
-            <a:ext cx="5916372" cy="1033303"/>
+            <a:off x="726988" y="1461842"/>
+            <a:ext cx="10731663" cy="3047158"/>
           </a:xfrm>
-          <a:prstGeom prst="rect">
-            <a:avLst/>
-          </a:prstGeom>
         </p:spPr>
         <p:txBody>
-          <a:bodyPr wrap="none" lIns="0" tIns="0" rIns="0" bIns="0" anchor="ctr" anchorCtr="0">
-            <a:noAutofit/>
-            <a:scene3d>
-              <a:camera prst="orthographicFront"/>
-              <a:lightRig rig="soft" dir="t">
-                <a:rot lat="0" lon="0" rev="10800000"/>
-              </a:lightRig>
-            </a:scene3d>
-            <a:sp3d>
-              <a:bevelT w="27940" h="12700"/>
-              <a:contourClr>
-                <a:srgbClr val="DDDDDD"/>
-              </a:contourClr>
-            </a:sp3d>
+          <a:bodyPr>
+            <a:normAutofit/>
           </a:bodyPr>
-          <a:lstStyle/>
-          <a:p>
-            <a:pPr marL="0" marR="0" lvl="0" indent="0" algn="l" defTabSz="913852" rtl="0" eaLnBrk="0" fontAlgn="auto" latinLnBrk="0" hangingPunct="0">
-              <a:lnSpc>
-                <a:spcPct val="100000"/>
-              </a:lnSpc>
-              <a:spcBef>
-                <a:spcPts val="0"/>
-              </a:spcBef>
-              <a:spcAft>
-                <a:spcPts val="0"/>
-              </a:spcAft>
-              <a:buClr>
-                <a:srgbClr val="67748E">
-                  <a:lumMod val="40000"/>
-                  <a:lumOff val="60000"/>
-                </a:srgbClr>
-              </a:buClr>
-              <a:buSzPct val="70000"/>
-              <a:buFont typeface="Wingdings 2" pitchFamily="18" charset="2"/>
-              <a:buNone/>
-              <a:tabLst/>
-              <a:defRPr/>
-            </a:pPr>
-            <a:r>
-              <a:rPr kumimoji="0" lang="en-US" sz="8797" b="1" i="0" u="none" strike="noStrike" kern="1200" cap="none" spc="0" normalizeH="0" baseline="0" noProof="0" dirty="0">
-                <a:ln>
-                  <a:noFill/>
-                </a:ln>
-                <a:solidFill>
-                  <a:srgbClr val="234465"/>
-                </a:solidFill>
-                <a:effectLst/>
-                <a:uLnTx/>
-                <a:uFillTx/>
-                <a:latin typeface="Calibri" panose="020F0502020204030204"/>
-                <a:ea typeface="+mn-ea"/>
-                <a:cs typeface="+mn-cs"/>
-              </a:rPr>
-              <a:t>Questions?</a:t>
-            </a:r>
-            <a:endParaRPr kumimoji="0" lang="en-US" sz="8797" b="1" i="0" u="none" strike="noStrike" kern="1200" cap="none" spc="150" normalizeH="0" baseline="0" noProof="0" dirty="0">
-              <a:ln w="11430"/>
-              <a:solidFill>
-                <a:srgbClr val="234465"/>
-              </a:solidFill>
-              <a:effectLst>
-                <a:outerShdw blurRad="25400" algn="tl" rotWithShape="0">
-                  <a:srgbClr val="000000">
-                    <a:alpha val="43000"/>
-                  </a:srgbClr>
-                </a:outerShdw>
-              </a:effectLst>
-              <a:uLnTx/>
-              <a:uFillTx/>
-              <a:latin typeface="Calibri" panose="020F0502020204030204"/>
-              <a:ea typeface="+mn-ea"/>
-              <a:cs typeface="+mn-cs"/>
-            </a:endParaRPr>
+          <a:lstStyle>
+            <a:lvl1pPr algn="ctr">
+              <a:defRPr sz="13800"/>
+            </a:lvl1pPr>
+          </a:lstStyle>
+          <a:p>
+            <a:r>
+              <a:rPr lang="bg-BG" dirty="0"/>
+              <a:t>Въпроси?</a:t>
+            </a:r>
+            <a:endParaRPr lang="en-US" dirty="0"/>
           </a:p>
         </p:txBody>
       </p:sp>
-      <p:pic>
-        <p:nvPicPr>
-          <p:cNvPr id="36" name="Logo Software University" descr="Software University logo">
-            <a:extLst>
-              <a:ext uri="{FF2B5EF4-FFF2-40B4-BE49-F238E27FC236}">
-                <a16:creationId xmlns:a16="http://schemas.microsoft.com/office/drawing/2014/main" id="{67FC4D2E-913D-432A-B658-F0D82839FA5E}"/>
-              </a:ext>
-            </a:extLst>
-          </p:cNvPr>
-          <p:cNvPicPr>
-            <a:picLocks noChangeAspect="1"/>
-          </p:cNvPicPr>
-          <p:nvPr userDrawn="1"/>
-        </p:nvPicPr>
-        <p:blipFill>
-          <a:blip r:embed="rId11">
-            <a:clrChange>
-              <a:clrFrom>
-                <a:srgbClr val="FFFFFF"/>
-              </a:clrFrom>
-              <a:clrTo>
-                <a:srgbClr val="FFFFFF">
-                  <a:alpha val="0"/>
-                </a:srgbClr>
-              </a:clrTo>
-            </a:clrChange>
-            <a:extLst>
-              <a:ext uri="{28A0092B-C50C-407E-A947-70E740481C1C}">
-                <a14:useLocalDpi xmlns:a14="http://schemas.microsoft.com/office/drawing/2010/main" val="0"/>
-              </a:ext>
-            </a:extLst>
-          </a:blip>
-          <a:stretch>
-            <a:fillRect/>
-          </a:stretch>
-        </p:blipFill>
-        <p:spPr>
-          <a:xfrm>
-            <a:off x="10008761" y="190267"/>
-            <a:ext cx="2013336" cy="690975"/>
-          </a:xfrm>
-          <a:prstGeom prst="rect">
-            <a:avLst/>
-          </a:prstGeom>
-        </p:spPr>
-      </p:pic>
     </p:spTree>
     <p:extLst>
       <p:ext uri="{BB962C8B-B14F-4D97-AF65-F5344CB8AC3E}">
@@ -5103,528 +4329,6 @@
       </p15:sldGuideLst>
     </p:ext>
   </p:extLst>
-</p:sldLayout>
-</file>
-
-<file path=ppt/slideLayouts/slideLayout13.xml><?xml version="1.0" encoding="utf-8"?>
-<p:sldLayout xmlns:a="http://schemas.openxmlformats.org/drawingml/2006/main" xmlns:r="http://schemas.openxmlformats.org/officeDocument/2006/relationships" xmlns:p="http://schemas.openxmlformats.org/presentationml/2006/main" preserve="1" userDrawn="1">
-  <p:cSld name="About Slide">
-    <p:spTree>
-      <p:nvGrpSpPr>
-        <p:cNvPr id="1" name=""/>
-        <p:cNvGrpSpPr/>
-        <p:nvPr/>
-      </p:nvGrpSpPr>
-      <p:grpSpPr>
-        <a:xfrm>
-          <a:off x="0" y="0"/>
-          <a:ext cx="0" cy="0"/>
-          <a:chOff x="0" y="0"/>
-          <a:chExt cx="0" cy="0"/>
-        </a:xfrm>
-      </p:grpSpPr>
-      <p:sp>
-        <p:nvSpPr>
-          <p:cNvPr id="13" name="Slide Number">
-            <a:extLst>
-              <a:ext uri="{FF2B5EF4-FFF2-40B4-BE49-F238E27FC236}">
-                <a16:creationId xmlns:a16="http://schemas.microsoft.com/office/drawing/2014/main" id="{5B8761D8-B42F-4A70-A0CE-682CEB2AE31B}"/>
-              </a:ext>
-            </a:extLst>
-          </p:cNvPr>
-          <p:cNvSpPr>
-            <a:spLocks noGrp="1"/>
-          </p:cNvSpPr>
-          <p:nvPr>
-            <p:ph type="sldNum" sz="quarter" idx="4"/>
-          </p:nvPr>
-        </p:nvSpPr>
-        <p:spPr>
-          <a:xfrm>
-            <a:off x="11753030" y="6507000"/>
-            <a:ext cx="367414" cy="297000"/>
-          </a:xfrm>
-          <a:prstGeom prst="rect">
-            <a:avLst/>
-          </a:prstGeom>
-        </p:spPr>
-        <p:txBody>
-          <a:bodyPr vert="horz" lIns="91440" tIns="45720" rIns="91440" bIns="45720" rtlCol="0" anchor="b"/>
-          <a:lstStyle>
-            <a:lvl1pPr algn="r">
-              <a:defRPr sz="1000"/>
-            </a:lvl1pPr>
-          </a:lstStyle>
-          <a:p>
-            <a:fld id="{2BF067CD-8E6B-4360-9AA8-C5DF2A48A6D1}" type="slidenum">
-              <a:rPr lang="en-US" noProof="0" smtClean="0"/>
-              <a:pPr/>
-              <a:t>‹#›</a:t>
-            </a:fld>
-            <a:endParaRPr lang="en-US" noProof="0" dirty="0"/>
-          </a:p>
-        </p:txBody>
-      </p:sp>
-      <p:pic>
-        <p:nvPicPr>
-          <p:cNvPr id="19" name="Picture Forum" descr="Forum icon">
-            <a:hlinkClick r:id="rId2" tooltip="Software University Discussion Forum"/>
-            <a:extLst>
-              <a:ext uri="{FF2B5EF4-FFF2-40B4-BE49-F238E27FC236}">
-                <a16:creationId xmlns:a16="http://schemas.microsoft.com/office/drawing/2014/main" id="{98C579AD-FAF5-4B28-9B52-5457F1E90061}"/>
-              </a:ext>
-            </a:extLst>
-          </p:cNvPr>
-          <p:cNvPicPr>
-            <a:picLocks noChangeAspect="1"/>
-          </p:cNvPicPr>
-          <p:nvPr userDrawn="1"/>
-        </p:nvPicPr>
-        <p:blipFill>
-          <a:blip r:embed="rId3" cstate="print">
-            <a:extLst>
-              <a:ext uri="{28A0092B-C50C-407E-A947-70E740481C1C}">
-                <a14:useLocalDpi xmlns:a14="http://schemas.microsoft.com/office/drawing/2010/main"/>
-              </a:ext>
-            </a:extLst>
-          </a:blip>
-          <a:stretch>
-            <a:fillRect/>
-          </a:stretch>
-        </p:blipFill>
-        <p:spPr>
-          <a:xfrm>
-            <a:off x="10524350" y="5249556"/>
-            <a:ext cx="970156" cy="965726"/>
-          </a:xfrm>
-          <a:prstGeom prst="rect">
-            <a:avLst/>
-          </a:prstGeom>
-        </p:spPr>
-      </p:pic>
-      <p:pic>
-        <p:nvPicPr>
-          <p:cNvPr id="17" name="Picture Logo FB" descr="Facebook logo">
-            <a:hlinkClick r:id="rId4" tooltip="Software University @ Facebook"/>
-            <a:extLst>
-              <a:ext uri="{FF2B5EF4-FFF2-40B4-BE49-F238E27FC236}">
-                <a16:creationId xmlns:a16="http://schemas.microsoft.com/office/drawing/2014/main" id="{6B2C510E-5EF2-49F6-B926-2BD74CD3C7F8}"/>
-              </a:ext>
-            </a:extLst>
-          </p:cNvPr>
-          <p:cNvPicPr>
-            <a:picLocks noChangeAspect="1" noChangeArrowheads="1"/>
-          </p:cNvPicPr>
-          <p:nvPr userDrawn="1"/>
-        </p:nvPicPr>
-        <p:blipFill rotWithShape="1">
-          <a:blip r:embed="rId5" cstate="print">
-            <a:extLst>
-              <a:ext uri="{28A0092B-C50C-407E-A947-70E740481C1C}">
-                <a14:useLocalDpi xmlns:a14="http://schemas.microsoft.com/office/drawing/2010/main"/>
-              </a:ext>
-            </a:extLst>
-          </a:blip>
-          <a:srcRect/>
-          <a:stretch/>
-        </p:blipFill>
-        <p:spPr bwMode="auto">
-          <a:xfrm>
-            <a:off x="10507451" y="3689937"/>
-            <a:ext cx="1003954" cy="1017562"/>
-          </a:xfrm>
-          <a:prstGeom prst="rect">
-            <a:avLst/>
-          </a:prstGeom>
-          <a:noFill/>
-          <a:extLst>
-            <a:ext uri="{909E8E84-426E-40DD-AFC4-6F175D3DCCD1}">
-              <a14:hiddenFill xmlns:a14="http://schemas.microsoft.com/office/drawing/2010/main">
-                <a:solidFill>
-                  <a:srgbClr val="FFFFFF"/>
-                </a:solidFill>
-              </a14:hiddenFill>
-            </a:ext>
-          </a:extLst>
-        </p:spPr>
-      </p:pic>
-      <p:pic>
-        <p:nvPicPr>
-          <p:cNvPr id="20" name="Picture Logo SoftUni Right" descr="Software University logo">
-            <a:hlinkClick r:id="rId6"/>
-            <a:extLst>
-              <a:ext uri="{FF2B5EF4-FFF2-40B4-BE49-F238E27FC236}">
-                <a16:creationId xmlns:a16="http://schemas.microsoft.com/office/drawing/2014/main" id="{F4604840-E810-44B7-9FF1-3B28CD68B758}"/>
-              </a:ext>
-            </a:extLst>
-          </p:cNvPr>
-          <p:cNvPicPr>
-            <a:picLocks noChangeAspect="1"/>
-          </p:cNvPicPr>
-          <p:nvPr userDrawn="1"/>
-        </p:nvPicPr>
-        <p:blipFill>
-          <a:blip r:embed="rId7">
-            <a:extLst>
-              <a:ext uri="{28A0092B-C50C-407E-A947-70E740481C1C}">
-                <a14:useLocalDpi xmlns:a14="http://schemas.microsoft.com/office/drawing/2010/main" val="0"/>
-              </a:ext>
-            </a:extLst>
-          </a:blip>
-          <a:stretch>
-            <a:fillRect/>
-          </a:stretch>
-        </p:blipFill>
-        <p:spPr>
-          <a:xfrm>
-            <a:off x="10413401" y="1674000"/>
-            <a:ext cx="1192055" cy="1473880"/>
-          </a:xfrm>
-          <a:prstGeom prst="rect">
-            <a:avLst/>
-          </a:prstGeom>
-        </p:spPr>
-      </p:pic>
-      <p:pic>
-        <p:nvPicPr>
-          <p:cNvPr id="16" name="Picture SoftUni Mascot" descr="SoftUni mascot">
-            <a:hlinkClick r:id="rId8"/>
-            <a:extLst>
-              <a:ext uri="{FF2B5EF4-FFF2-40B4-BE49-F238E27FC236}">
-                <a16:creationId xmlns:a16="http://schemas.microsoft.com/office/drawing/2014/main" id="{07C965FA-A87E-4824-AFA8-C67AF548A76A}"/>
-              </a:ext>
-            </a:extLst>
-          </p:cNvPr>
-          <p:cNvPicPr>
-            <a:picLocks noChangeAspect="1"/>
-          </p:cNvPicPr>
-          <p:nvPr/>
-        </p:nvPicPr>
-        <p:blipFill>
-          <a:blip r:embed="rId9">
-            <a:extLst>
-              <a:ext uri="{28A0092B-C50C-407E-A947-70E740481C1C}">
-                <a14:useLocalDpi xmlns:a14="http://schemas.microsoft.com/office/drawing/2010/main" val="0"/>
-              </a:ext>
-            </a:extLst>
-          </a:blip>
-          <a:srcRect/>
-          <a:stretch/>
-        </p:blipFill>
-        <p:spPr>
-          <a:xfrm>
-            <a:off x="7181957" y="2584289"/>
-            <a:ext cx="2732955" cy="3630993"/>
-          </a:xfrm>
-          <a:prstGeom prst="rect">
-            <a:avLst/>
-          </a:prstGeom>
-        </p:spPr>
-      </p:pic>
-      <p:sp>
-        <p:nvSpPr>
-          <p:cNvPr id="12" name="Slide Body Text">
-            <a:extLst>
-              <a:ext uri="{FF2B5EF4-FFF2-40B4-BE49-F238E27FC236}">
-                <a16:creationId xmlns:a16="http://schemas.microsoft.com/office/drawing/2014/main" id="{0C1F9416-8B6E-46DE-973C-777785E27A26}"/>
-              </a:ext>
-            </a:extLst>
-          </p:cNvPr>
-          <p:cNvSpPr>
-            <a:spLocks noGrp="1"/>
-          </p:cNvSpPr>
-          <p:nvPr>
-            <p:ph idx="4294967295" hasCustomPrompt="1"/>
-          </p:nvPr>
-        </p:nvSpPr>
-        <p:spPr>
-          <a:xfrm>
-            <a:off x="152410" y="1186307"/>
-            <a:ext cx="8688590" cy="5496127"/>
-          </a:xfrm>
-        </p:spPr>
-        <p:txBody>
-          <a:bodyPr wrap="square">
-            <a:noAutofit/>
-          </a:bodyPr>
-          <a:lstStyle>
-            <a:lvl1pPr latinLnBrk="0">
-              <a:buClr>
-                <a:schemeClr val="tx1"/>
-              </a:buClr>
-              <a:defRPr sz="2798"/>
-            </a:lvl1pPr>
-            <a:lvl2pPr marL="989981" marR="0" indent="-380762" algn="l" defTabSz="1218438" rtl="0" eaLnBrk="1" fontAlgn="auto" latinLnBrk="1" hangingPunct="1">
-              <a:lnSpc>
-                <a:spcPct val="100000"/>
-              </a:lnSpc>
-              <a:spcBef>
-                <a:spcPts val="600"/>
-              </a:spcBef>
-              <a:spcAft>
-                <a:spcPts val="600"/>
-              </a:spcAft>
-              <a:buClrTx/>
-              <a:buSzTx/>
-              <a:buFont typeface="Wingdings" panose="05000000000000000000" pitchFamily="2" charset="2"/>
-              <a:buChar char="§"/>
-              <a:tabLst>
-                <a:tab pos="282405" algn="l"/>
-              </a:tabLst>
-              <a:defRPr sz="2800"/>
-            </a:lvl2pPr>
-            <a:lvl3pPr>
-              <a:buClr>
-                <a:schemeClr val="tx1"/>
-              </a:buClr>
-              <a:defRPr/>
-            </a:lvl3pPr>
-          </a:lstStyle>
-          <a:p>
-            <a:r>
-              <a:rPr lang="en-US" sz="3000" noProof="0" dirty="0"/>
-              <a:t>Software University – High-Quality Education, Profession and Job for Software Developers</a:t>
-            </a:r>
-          </a:p>
-          <a:p>
-            <a:pPr lvl="1"/>
-            <a:r>
-              <a:rPr lang="en-US" noProof="1">
-                <a:hlinkClick r:id="rId8"/>
-              </a:rPr>
-              <a:t>softuni.bg</a:t>
-            </a:r>
-            <a:r>
-              <a:rPr lang="en-US" noProof="1"/>
-              <a:t> </a:t>
-            </a:r>
-          </a:p>
-          <a:p>
-            <a:r>
-              <a:rPr lang="en-US" sz="3000" noProof="0" dirty="0"/>
-              <a:t>Software University Foundation</a:t>
-            </a:r>
-          </a:p>
-          <a:p>
-            <a:pPr lvl="1"/>
-            <a:r>
-              <a:rPr lang="en-US" noProof="1">
-                <a:hlinkClick r:id="rId10"/>
-              </a:rPr>
-              <a:t>softuni.foundation</a:t>
-            </a:r>
-            <a:endParaRPr lang="en-US" noProof="1"/>
-          </a:p>
-          <a:p>
-            <a:r>
-              <a:rPr lang="en-US" sz="3000" noProof="0" dirty="0"/>
-              <a:t>Software University @ Facebook</a:t>
-            </a:r>
-          </a:p>
-          <a:p>
-            <a:pPr lvl="1"/>
-            <a:r>
-              <a:rPr lang="en-US" noProof="1">
-                <a:hlinkClick r:id="rId4"/>
-              </a:rPr>
-              <a:t>facebook.com/SoftwareUniversity</a:t>
-            </a:r>
-            <a:endParaRPr lang="en-US" noProof="1"/>
-          </a:p>
-          <a:p>
-            <a:r>
-              <a:rPr lang="en-US" sz="3000" noProof="0" dirty="0"/>
-              <a:t>Software University Forums</a:t>
-            </a:r>
-          </a:p>
-          <a:p>
-            <a:pPr lvl="1"/>
-            <a:r>
-              <a:rPr lang="en-US" noProof="1">
-                <a:hlinkClick r:id="rId2"/>
-              </a:rPr>
-              <a:t>forum.softuni.bg</a:t>
-            </a:r>
-            <a:endParaRPr lang="en-US" noProof="1"/>
-          </a:p>
-        </p:txBody>
-      </p:sp>
-      <p:sp>
-        <p:nvSpPr>
-          <p:cNvPr id="10" name="Rectangle Top">
-            <a:extLst>
-              <a:ext uri="{FF2B5EF4-FFF2-40B4-BE49-F238E27FC236}">
-                <a16:creationId xmlns:a16="http://schemas.microsoft.com/office/drawing/2014/main" id="{86646B95-5E3B-4DE8-9118-031C2C296D8C}"/>
-              </a:ext>
-            </a:extLst>
-          </p:cNvPr>
-          <p:cNvSpPr/>
-          <p:nvPr userDrawn="1"/>
-        </p:nvSpPr>
-        <p:spPr>
-          <a:xfrm>
-            <a:off x="0" y="0"/>
-            <a:ext cx="12195176" cy="1095376"/>
-          </a:xfrm>
-          <a:prstGeom prst="rect">
-            <a:avLst/>
-          </a:prstGeom>
-          <a:solidFill>
-            <a:schemeClr val="tx2"/>
-          </a:solidFill>
-          <a:ln>
-            <a:noFill/>
-          </a:ln>
-        </p:spPr>
-        <p:style>
-          <a:lnRef idx="2">
-            <a:schemeClr val="accent1">
-              <a:shade val="50000"/>
-            </a:schemeClr>
-          </a:lnRef>
-          <a:fillRef idx="1">
-            <a:schemeClr val="accent1"/>
-          </a:fillRef>
-          <a:effectRef idx="0">
-            <a:schemeClr val="accent1"/>
-          </a:effectRef>
-          <a:fontRef idx="minor">
-            <a:schemeClr val="lt1"/>
-          </a:fontRef>
-        </p:style>
-        <p:txBody>
-          <a:bodyPr rtlCol="0" anchor="ctr"/>
-          <a:lstStyle/>
-          <a:p>
-            <a:pPr marL="0" marR="0" lvl="0" indent="0" algn="ctr" defTabSz="913852" rtl="0" eaLnBrk="1" fontAlgn="auto" latinLnBrk="0" hangingPunct="1">
-              <a:lnSpc>
-                <a:spcPct val="100000"/>
-              </a:lnSpc>
-              <a:spcBef>
-                <a:spcPts val="0"/>
-              </a:spcBef>
-              <a:spcAft>
-                <a:spcPts val="0"/>
-              </a:spcAft>
-              <a:buClrTx/>
-              <a:buSzTx/>
-              <a:buFontTx/>
-              <a:buNone/>
-              <a:tabLst/>
-              <a:defRPr/>
-            </a:pPr>
-            <a:endParaRPr kumimoji="0" lang="en-US" altLang="ko-KR" sz="2398" b="0" i="0" u="none" strike="noStrike" kern="1200" cap="none" spc="0" normalizeH="0" baseline="0" noProof="0" dirty="0">
-              <a:ln>
-                <a:noFill/>
-              </a:ln>
-              <a:solidFill>
-                <a:srgbClr val="F7C86D"/>
-              </a:solidFill>
-              <a:effectLst/>
-              <a:uLnTx/>
-              <a:uFillTx/>
-              <a:latin typeface="Calibri" panose="020F0502020204030204"/>
-              <a:ea typeface="맑은 고딕" panose="020B0503020000020004" pitchFamily="34" charset="-127"/>
-              <a:cs typeface="+mn-cs"/>
-            </a:endParaRPr>
-          </a:p>
-        </p:txBody>
-      </p:sp>
-      <p:pic>
-        <p:nvPicPr>
-          <p:cNvPr id="11" name="Logo Software University" descr="Software University logo">
-            <a:extLst>
-              <a:ext uri="{FF2B5EF4-FFF2-40B4-BE49-F238E27FC236}">
-                <a16:creationId xmlns:a16="http://schemas.microsoft.com/office/drawing/2014/main" id="{58AB1944-B146-4E89-B2D9-426EB610F319}"/>
-              </a:ext>
-            </a:extLst>
-          </p:cNvPr>
-          <p:cNvPicPr>
-            <a:picLocks noChangeAspect="1"/>
-          </p:cNvPicPr>
-          <p:nvPr userDrawn="1"/>
-        </p:nvPicPr>
-        <p:blipFill>
-          <a:blip r:embed="rId11">
-            <a:extLst>
-              <a:ext uri="{28A0092B-C50C-407E-A947-70E740481C1C}">
-                <a14:useLocalDpi xmlns:a14="http://schemas.microsoft.com/office/drawing/2010/main" val="0"/>
-              </a:ext>
-            </a:extLst>
-          </a:blip>
-          <a:stretch>
-            <a:fillRect/>
-          </a:stretch>
-        </p:blipFill>
-        <p:spPr>
-          <a:xfrm>
-            <a:off x="10067957" y="253936"/>
-            <a:ext cx="1915704" cy="559235"/>
-          </a:xfrm>
-          <a:prstGeom prst="rect">
-            <a:avLst/>
-          </a:prstGeom>
-        </p:spPr>
-      </p:pic>
-      <p:sp>
-        <p:nvSpPr>
-          <p:cNvPr id="18" name="Slide Title">
-            <a:extLst>
-              <a:ext uri="{FF2B5EF4-FFF2-40B4-BE49-F238E27FC236}">
-                <a16:creationId xmlns:a16="http://schemas.microsoft.com/office/drawing/2014/main" id="{AE87ED9C-76E1-4D85-9B06-3AF44AABB668}"/>
-              </a:ext>
-            </a:extLst>
-          </p:cNvPr>
-          <p:cNvSpPr>
-            <a:spLocks noGrp="1"/>
-          </p:cNvSpPr>
-          <p:nvPr>
-            <p:ph type="title" hasCustomPrompt="1"/>
-          </p:nvPr>
-        </p:nvSpPr>
-        <p:spPr>
-          <a:xfrm>
-            <a:off x="172286" y="108873"/>
-            <a:ext cx="9742626" cy="882654"/>
-          </a:xfrm>
-        </p:spPr>
-        <p:txBody>
-          <a:bodyPr/>
-          <a:lstStyle>
-            <a:lvl1pPr latinLnBrk="0">
-              <a:defRPr>
-                <a:solidFill>
-                  <a:schemeClr val="bg2"/>
-                </a:solidFill>
-              </a:defRPr>
-            </a:lvl1pPr>
-          </a:lstStyle>
-          <a:p>
-            <a:r>
-              <a:rPr lang="en-US" noProof="0" dirty="0"/>
-              <a:t>Trainings @ Software University (SoftUni)</a:t>
-            </a:r>
-          </a:p>
-        </p:txBody>
-      </p:sp>
-    </p:spTree>
-    <p:extLst>
-      <p:ext uri="{BB962C8B-B14F-4D97-AF65-F5344CB8AC3E}">
-        <p14:creationId xmlns:p14="http://schemas.microsoft.com/office/powerpoint/2010/main" val="2196466322"/>
-      </p:ext>
-    </p:extLst>
-  </p:cSld>
-  <p:clrMapOvr>
-    <a:masterClrMapping/>
-  </p:clrMapOvr>
-  <mc:AlternateContent xmlns:mc="http://schemas.openxmlformats.org/markup-compatibility/2006" xmlns:p14="http://schemas.microsoft.com/office/powerpoint/2010/main">
-    <mc:Choice Requires="p14">
-      <p:transition spd="slow" p14:dur="2000" advClick="0" advTm="5000"/>
-    </mc:Choice>
-    <mc:Fallback xmlns="">
-      <p:transition spd="slow" advClick="0" advTm="5000"/>
-    </mc:Fallback>
-  </mc:AlternateContent>
 </p:sldLayout>
 </file>
 
@@ -5705,7 +4409,7 @@
               <a:tabLst/>
               <a:defRPr/>
             </a:pPr>
-            <a:endParaRPr kumimoji="0" lang="en-US" altLang="ko-KR" sz="2398" b="0" i="0" u="none" strike="noStrike" kern="1200" cap="none" spc="0" normalizeH="0" baseline="0" noProof="0" dirty="0">
+            <a:endParaRPr kumimoji="0" lang="en-US" altLang="ko-KR" sz="2398" b="0" i="0" u="none" strike="noStrike" kern="1200" cap="none" spc="0" normalizeH="0" baseline="0" noProof="0">
               <a:ln>
                 <a:noFill/>
               </a:ln>
@@ -6033,7 +4737,7 @@
               <a:tabLst/>
               <a:defRPr/>
             </a:pPr>
-            <a:endParaRPr kumimoji="0" lang="en-US" altLang="ko-KR" sz="2398" b="0" i="0" u="none" strike="noStrike" kern="1200" cap="none" spc="0" normalizeH="0" baseline="0" noProof="0" dirty="0">
+            <a:endParaRPr kumimoji="0" lang="en-US" altLang="ko-KR" sz="2398" b="0" i="0" u="none" strike="noStrike" kern="1200" cap="none" spc="0" normalizeH="0" baseline="0" noProof="0">
               <a:ln>
                 <a:noFill/>
               </a:ln>
@@ -6050,42 +4754,6 @@
           </a:p>
         </p:txBody>
       </p:sp>
-      <p:pic>
-        <p:nvPicPr>
-          <p:cNvPr id="12" name="Logo Software University" descr="Software University logo">
-            <a:extLst>
-              <a:ext uri="{FF2B5EF4-FFF2-40B4-BE49-F238E27FC236}">
-                <a16:creationId xmlns:a16="http://schemas.microsoft.com/office/drawing/2014/main" id="{B1D3B425-B9BF-43ED-9DEC-C05002FBA22F}"/>
-              </a:ext>
-            </a:extLst>
-          </p:cNvPr>
-          <p:cNvPicPr>
-            <a:picLocks noChangeAspect="1"/>
-          </p:cNvPicPr>
-          <p:nvPr userDrawn="1"/>
-        </p:nvPicPr>
-        <p:blipFill>
-          <a:blip r:embed="rId2">
-            <a:extLst>
-              <a:ext uri="{28A0092B-C50C-407E-A947-70E740481C1C}">
-                <a14:useLocalDpi xmlns:a14="http://schemas.microsoft.com/office/drawing/2010/main" val="0"/>
-              </a:ext>
-            </a:extLst>
-          </a:blip>
-          <a:stretch>
-            <a:fillRect/>
-          </a:stretch>
-        </p:blipFill>
-        <p:spPr>
-          <a:xfrm>
-            <a:off x="10067957" y="253936"/>
-            <a:ext cx="1915704" cy="559235"/>
-          </a:xfrm>
-          <a:prstGeom prst="rect">
-            <a:avLst/>
-          </a:prstGeom>
-        </p:spPr>
-      </p:pic>
       <p:sp>
         <p:nvSpPr>
           <p:cNvPr id="6" name="Slide Title">
@@ -6105,7 +4773,7 @@
         <p:spPr>
           <a:xfrm>
             <a:off x="190406" y="100750"/>
-            <a:ext cx="9715594" cy="882654"/>
+            <a:ext cx="10270594" cy="882654"/>
           </a:xfrm>
         </p:spPr>
         <p:txBody>
@@ -6127,6 +4795,42 @@
           </a:p>
         </p:txBody>
       </p:sp>
+      <p:pic>
+        <p:nvPicPr>
+          <p:cNvPr id="4" name="Picture 3">
+            <a:extLst>
+              <a:ext uri="{FF2B5EF4-FFF2-40B4-BE49-F238E27FC236}">
+                <a16:creationId xmlns:a16="http://schemas.microsoft.com/office/drawing/2014/main" id="{4B9A1D0F-F579-6A3C-C698-4E2E7F1AB265}"/>
+              </a:ext>
+            </a:extLst>
+          </p:cNvPr>
+          <p:cNvPicPr>
+            <a:picLocks noChangeAspect="1"/>
+          </p:cNvPicPr>
+          <p:nvPr userDrawn="1"/>
+        </p:nvPicPr>
+        <p:blipFill>
+          <a:blip r:embed="rId2" cstate="print">
+            <a:extLst>
+              <a:ext uri="{28A0092B-C50C-407E-A947-70E740481C1C}">
+                <a14:useLocalDpi xmlns:a14="http://schemas.microsoft.com/office/drawing/2010/main" val="0"/>
+              </a:ext>
+            </a:extLst>
+          </a:blip>
+          <a:stretch>
+            <a:fillRect/>
+          </a:stretch>
+        </p:blipFill>
+        <p:spPr>
+          <a:xfrm>
+            <a:off x="10553573" y="368999"/>
+            <a:ext cx="1443361" cy="360001"/>
+          </a:xfrm>
+          <a:prstGeom prst="rect">
+            <a:avLst/>
+          </a:prstGeom>
+        </p:spPr>
+      </p:pic>
     </p:spTree>
     <p:extLst>
       <p:ext uri="{BB962C8B-B14F-4D97-AF65-F5344CB8AC3E}">
@@ -6149,371 +4853,6 @@
 </file>
 
 <file path=ppt/slideLayouts/slideLayout4.xml><?xml version="1.0" encoding="utf-8"?>
-<p:sldLayout xmlns:a="http://schemas.openxmlformats.org/drawingml/2006/main" xmlns:r="http://schemas.openxmlformats.org/officeDocument/2006/relationships" xmlns:p="http://schemas.openxmlformats.org/presentationml/2006/main" preserve="1" userDrawn="1">
-  <p:cSld name="Table of Contents">
-    <p:spTree>
-      <p:nvGrpSpPr>
-        <p:cNvPr id="1" name=""/>
-        <p:cNvGrpSpPr/>
-        <p:nvPr/>
-      </p:nvGrpSpPr>
-      <p:grpSpPr>
-        <a:xfrm>
-          <a:off x="0" y="0"/>
-          <a:ext cx="0" cy="0"/>
-          <a:chOff x="0" y="0"/>
-          <a:chExt cx="0" cy="0"/>
-        </a:xfrm>
-      </p:grpSpPr>
-      <p:sp>
-        <p:nvSpPr>
-          <p:cNvPr id="10" name="Slide Number">
-            <a:extLst>
-              <a:ext uri="{FF2B5EF4-FFF2-40B4-BE49-F238E27FC236}">
-                <a16:creationId xmlns:a16="http://schemas.microsoft.com/office/drawing/2014/main" id="{39DDE17E-5472-41F3-AF5F-54DFF10DC63C}"/>
-              </a:ext>
-            </a:extLst>
-          </p:cNvPr>
-          <p:cNvSpPr>
-            <a:spLocks noGrp="1"/>
-          </p:cNvSpPr>
-          <p:nvPr>
-            <p:ph type="sldNum" sz="quarter" idx="4"/>
-          </p:nvPr>
-        </p:nvSpPr>
-        <p:spPr>
-          <a:xfrm>
-            <a:off x="11753030" y="6507000"/>
-            <a:ext cx="367414" cy="297000"/>
-          </a:xfrm>
-          <a:prstGeom prst="rect">
-            <a:avLst/>
-          </a:prstGeom>
-        </p:spPr>
-        <p:txBody>
-          <a:bodyPr vert="horz" lIns="91440" tIns="45720" rIns="91440" bIns="45720" rtlCol="0" anchor="b"/>
-          <a:lstStyle>
-            <a:lvl1pPr algn="r">
-              <a:defRPr sz="1000"/>
-            </a:lvl1pPr>
-          </a:lstStyle>
-          <a:p>
-            <a:fld id="{2BF067CD-8E6B-4360-9AA8-C5DF2A48A6D1}" type="slidenum">
-              <a:rPr lang="en-US" noProof="0" smtClean="0"/>
-              <a:pPr/>
-              <a:t>‹#›</a:t>
-            </a:fld>
-            <a:endParaRPr lang="en-US" noProof="0" dirty="0"/>
-          </a:p>
-        </p:txBody>
-      </p:sp>
-      <p:pic>
-        <p:nvPicPr>
-          <p:cNvPr id="9" name="Picture SoftUni Mascot" descr="SoftUni mascot with laptop">
-            <a:extLst>
-              <a:ext uri="{FF2B5EF4-FFF2-40B4-BE49-F238E27FC236}">
-                <a16:creationId xmlns:a16="http://schemas.microsoft.com/office/drawing/2014/main" id="{DC4365F6-D2C1-47B4-8477-38FD2C7711AA}"/>
-              </a:ext>
-            </a:extLst>
-          </p:cNvPr>
-          <p:cNvPicPr>
-            <a:picLocks noChangeAspect="1"/>
-          </p:cNvPicPr>
-          <p:nvPr/>
-        </p:nvPicPr>
-        <p:blipFill>
-          <a:blip r:embed="rId2" cstate="print">
-            <a:extLst>
-              <a:ext uri="{28A0092B-C50C-407E-A947-70E740481C1C}">
-                <a14:useLocalDpi xmlns:a14="http://schemas.microsoft.com/office/drawing/2010/main" val="0"/>
-              </a:ext>
-            </a:extLst>
-          </a:blip>
-          <a:stretch>
-            <a:fillRect/>
-          </a:stretch>
-        </p:blipFill>
-        <p:spPr>
-          <a:xfrm flipH="1">
-            <a:off x="9516000" y="3408496"/>
-            <a:ext cx="2251057" cy="3044431"/>
-          </a:xfrm>
-          <a:prstGeom prst="rect">
-            <a:avLst/>
-          </a:prstGeom>
-        </p:spPr>
-      </p:pic>
-      <p:sp>
-        <p:nvSpPr>
-          <p:cNvPr id="23" name="Slide Body Text">
-            <a:extLst>
-              <a:ext uri="{FF2B5EF4-FFF2-40B4-BE49-F238E27FC236}">
-                <a16:creationId xmlns:a16="http://schemas.microsoft.com/office/drawing/2014/main" id="{889D93F4-ABFA-46BF-8E5D-FE6562ACB20F}"/>
-              </a:ext>
-            </a:extLst>
-          </p:cNvPr>
-          <p:cNvSpPr>
-            <a:spLocks noGrp="1"/>
-          </p:cNvSpPr>
-          <p:nvPr>
-            <p:ph type="body" sz="quarter" idx="13" hasCustomPrompt="1"/>
-          </p:nvPr>
-        </p:nvSpPr>
-        <p:spPr>
-          <a:xfrm>
-            <a:off x="196766" y="1371604"/>
-            <a:ext cx="9049234" cy="5207396"/>
-          </a:xfrm>
-        </p:spPr>
-        <p:txBody>
-          <a:bodyPr>
-            <a:normAutofit/>
-          </a:bodyPr>
-          <a:lstStyle>
-            <a:lvl1pPr marL="514042" indent="-514042" latinLnBrk="0">
-              <a:buFont typeface="+mj-lt"/>
-              <a:buAutoNum type="arabicPeriod"/>
-              <a:defRPr sz="3600">
-                <a:solidFill>
-                  <a:schemeClr val="tx1"/>
-                </a:solidFill>
-              </a:defRPr>
-            </a:lvl1pPr>
-            <a:lvl2pPr>
-              <a:defRPr sz="3400"/>
-            </a:lvl2pPr>
-          </a:lstStyle>
-          <a:p>
-            <a:pPr lvl="0"/>
-            <a:r>
-              <a:rPr lang="en-US" noProof="0"/>
-              <a:t>…</a:t>
-            </a:r>
-          </a:p>
-          <a:p>
-            <a:pPr lvl="1"/>
-            <a:r>
-              <a:rPr lang="en-US" noProof="0"/>
-              <a:t>…</a:t>
-            </a:r>
-          </a:p>
-          <a:p>
-            <a:pPr lvl="1"/>
-            <a:r>
-              <a:rPr lang="en-US" noProof="0"/>
-              <a:t>…</a:t>
-            </a:r>
-          </a:p>
-          <a:p>
-            <a:pPr lvl="0"/>
-            <a:r>
-              <a:rPr lang="en-US" noProof="0"/>
-              <a:t>…</a:t>
-            </a:r>
-          </a:p>
-          <a:p>
-            <a:pPr lvl="1"/>
-            <a:r>
-              <a:rPr lang="en-US" noProof="0"/>
-              <a:t>…</a:t>
-            </a:r>
-          </a:p>
-          <a:p>
-            <a:pPr lvl="1"/>
-            <a:r>
-              <a:rPr lang="en-US" noProof="0"/>
-              <a:t>…</a:t>
-            </a:r>
-          </a:p>
-          <a:p>
-            <a:pPr lvl="0"/>
-            <a:r>
-              <a:rPr lang="en-US" noProof="0"/>
-              <a:t>…</a:t>
-            </a:r>
-          </a:p>
-        </p:txBody>
-      </p:sp>
-      <p:sp>
-        <p:nvSpPr>
-          <p:cNvPr id="8" name="Rectangle Top">
-            <a:extLst>
-              <a:ext uri="{FF2B5EF4-FFF2-40B4-BE49-F238E27FC236}">
-                <a16:creationId xmlns:a16="http://schemas.microsoft.com/office/drawing/2014/main" id="{930E0800-9260-4369-8330-8264DD33C5CE}"/>
-              </a:ext>
-            </a:extLst>
-          </p:cNvPr>
-          <p:cNvSpPr/>
-          <p:nvPr userDrawn="1"/>
-        </p:nvSpPr>
-        <p:spPr>
-          <a:xfrm>
-            <a:off x="0" y="0"/>
-            <a:ext cx="12196800" cy="1095376"/>
-          </a:xfrm>
-          <a:prstGeom prst="rect">
-            <a:avLst/>
-          </a:prstGeom>
-          <a:solidFill>
-            <a:schemeClr val="tx2"/>
-          </a:solidFill>
-          <a:ln>
-            <a:noFill/>
-          </a:ln>
-        </p:spPr>
-        <p:style>
-          <a:lnRef idx="2">
-            <a:schemeClr val="accent1">
-              <a:shade val="50000"/>
-            </a:schemeClr>
-          </a:lnRef>
-          <a:fillRef idx="1">
-            <a:schemeClr val="accent1"/>
-          </a:fillRef>
-          <a:effectRef idx="0">
-            <a:schemeClr val="accent1"/>
-          </a:effectRef>
-          <a:fontRef idx="minor">
-            <a:schemeClr val="lt1"/>
-          </a:fontRef>
-        </p:style>
-        <p:txBody>
-          <a:bodyPr rtlCol="0" anchor="ctr"/>
-          <a:lstStyle/>
-          <a:p>
-            <a:pPr marL="0" marR="0" lvl="0" indent="0" algn="ctr" defTabSz="913852" rtl="0" eaLnBrk="1" fontAlgn="auto" latinLnBrk="0" hangingPunct="1">
-              <a:lnSpc>
-                <a:spcPct val="100000"/>
-              </a:lnSpc>
-              <a:spcBef>
-                <a:spcPts val="0"/>
-              </a:spcBef>
-              <a:spcAft>
-                <a:spcPts val="0"/>
-              </a:spcAft>
-              <a:buClrTx/>
-              <a:buSzTx/>
-              <a:buFontTx/>
-              <a:buNone/>
-              <a:tabLst/>
-              <a:defRPr/>
-            </a:pPr>
-            <a:endParaRPr kumimoji="0" lang="en-US" altLang="ko-KR" sz="2398" b="0" i="0" u="none" strike="noStrike" kern="1200" cap="none" spc="0" normalizeH="0" baseline="0" noProof="0" dirty="0">
-              <a:ln>
-                <a:noFill/>
-              </a:ln>
-              <a:solidFill>
-                <a:srgbClr val="F7C86D"/>
-              </a:solidFill>
-              <a:effectLst/>
-              <a:uLnTx/>
-              <a:uFillTx/>
-              <a:latin typeface="Calibri" panose="020F0502020204030204"/>
-              <a:ea typeface="맑은 고딕" panose="020B0503020000020004" pitchFamily="34" charset="-127"/>
-              <a:cs typeface="+mn-cs"/>
-            </a:endParaRPr>
-          </a:p>
-        </p:txBody>
-      </p:sp>
-      <p:pic>
-        <p:nvPicPr>
-          <p:cNvPr id="11" name="Logo Software University" descr="Software University logo">
-            <a:extLst>
-              <a:ext uri="{FF2B5EF4-FFF2-40B4-BE49-F238E27FC236}">
-                <a16:creationId xmlns:a16="http://schemas.microsoft.com/office/drawing/2014/main" id="{14F779A7-4A91-448B-BEFA-956C70A1C22F}"/>
-              </a:ext>
-            </a:extLst>
-          </p:cNvPr>
-          <p:cNvPicPr>
-            <a:picLocks noChangeAspect="1"/>
-          </p:cNvPicPr>
-          <p:nvPr userDrawn="1"/>
-        </p:nvPicPr>
-        <p:blipFill>
-          <a:blip r:embed="rId3">
-            <a:extLst>
-              <a:ext uri="{28A0092B-C50C-407E-A947-70E740481C1C}">
-                <a14:useLocalDpi xmlns:a14="http://schemas.microsoft.com/office/drawing/2010/main" val="0"/>
-              </a:ext>
-            </a:extLst>
-          </a:blip>
-          <a:stretch>
-            <a:fillRect/>
-          </a:stretch>
-        </p:blipFill>
-        <p:spPr>
-          <a:xfrm>
-            <a:off x="10067957" y="253936"/>
-            <a:ext cx="1915704" cy="559235"/>
-          </a:xfrm>
-          <a:prstGeom prst="rect">
-            <a:avLst/>
-          </a:prstGeom>
-        </p:spPr>
-      </p:pic>
-      <p:sp>
-        <p:nvSpPr>
-          <p:cNvPr id="13" name="Slide Title">
-            <a:extLst>
-              <a:ext uri="{FF2B5EF4-FFF2-40B4-BE49-F238E27FC236}">
-                <a16:creationId xmlns:a16="http://schemas.microsoft.com/office/drawing/2014/main" id="{357D7BE1-6358-42CC-94F3-7BCDD91DCB6D}"/>
-              </a:ext>
-            </a:extLst>
-          </p:cNvPr>
-          <p:cNvSpPr>
-            <a:spLocks noGrp="1"/>
-          </p:cNvSpPr>
-          <p:nvPr>
-            <p:ph type="title" hasCustomPrompt="1"/>
-          </p:nvPr>
-        </p:nvSpPr>
-        <p:spPr>
-          <a:xfrm>
-            <a:off x="190406" y="100750"/>
-            <a:ext cx="9715594" cy="882654"/>
-          </a:xfrm>
-        </p:spPr>
-        <p:txBody>
-          <a:bodyPr/>
-          <a:lstStyle>
-            <a:lvl1pPr latinLnBrk="0">
-              <a:defRPr>
-                <a:solidFill>
-                  <a:schemeClr val="bg2"/>
-                </a:solidFill>
-              </a:defRPr>
-            </a:lvl1pPr>
-          </a:lstStyle>
-          <a:p>
-            <a:r>
-              <a:rPr lang="en-US" noProof="0" dirty="0"/>
-              <a:t>Table of Contents</a:t>
-            </a:r>
-          </a:p>
-        </p:txBody>
-      </p:sp>
-    </p:spTree>
-    <p:extLst>
-      <p:ext uri="{BB962C8B-B14F-4D97-AF65-F5344CB8AC3E}">
-        <p14:creationId xmlns:p14="http://schemas.microsoft.com/office/powerpoint/2010/main" val="1028724482"/>
-      </p:ext>
-    </p:extLst>
-  </p:cSld>
-  <p:clrMapOvr>
-    <a:masterClrMapping/>
-  </p:clrMapOvr>
-  <mc:AlternateContent xmlns:mc="http://schemas.openxmlformats.org/markup-compatibility/2006" xmlns:p14="http://schemas.microsoft.com/office/powerpoint/2010/main">
-    <mc:Choice Requires="p14">
-      <p:transition spd="slow" p14:dur="2000" advClick="0" advTm="5000"/>
-    </mc:Choice>
-    <mc:Fallback xmlns="">
-      <p:transition spd="slow" advClick="0" advTm="5000"/>
-    </mc:Fallback>
-  </mc:AlternateContent>
-</p:sldLayout>
-</file>
-
-<file path=ppt/slideLayouts/slideLayout5.xml><?xml version="1.0" encoding="utf-8"?>
 <p:sldLayout xmlns:a="http://schemas.openxmlformats.org/drawingml/2006/main" xmlns:r="http://schemas.openxmlformats.org/officeDocument/2006/relationships" xmlns:p="http://schemas.openxmlformats.org/presentationml/2006/main" preserve="1" userDrawn="1">
   <p:cSld name="Important Concept">
     <p:spTree>
@@ -6784,52 +5123,6 @@
           </a:p>
         </p:txBody>
       </p:sp>
-      <p:pic>
-        <p:nvPicPr>
-          <p:cNvPr id="3" name="Logo Software University" descr="Software University logo">
-            <a:extLst>
-              <a:ext uri="{FF2B5EF4-FFF2-40B4-BE49-F238E27FC236}">
-                <a16:creationId xmlns:a16="http://schemas.microsoft.com/office/drawing/2014/main" id="{5573C101-930B-47AC-967A-A64513DFFDEE}"/>
-              </a:ext>
-            </a:extLst>
-          </p:cNvPr>
-          <p:cNvPicPr>
-            <a:picLocks noChangeAspect="1"/>
-          </p:cNvPicPr>
-          <p:nvPr userDrawn="1"/>
-        </p:nvPicPr>
-        <p:blipFill>
-          <a:blip r:embed="rId3">
-            <a:clrChange>
-              <a:clrFrom>
-                <a:srgbClr val="FFFFFF"/>
-              </a:clrFrom>
-              <a:clrTo>
-                <a:srgbClr val="FFFFFF">
-                  <a:alpha val="0"/>
-                </a:srgbClr>
-              </a:clrTo>
-            </a:clrChange>
-            <a:extLst>
-              <a:ext uri="{28A0092B-C50C-407E-A947-70E740481C1C}">
-                <a14:useLocalDpi xmlns:a14="http://schemas.microsoft.com/office/drawing/2010/main" val="0"/>
-              </a:ext>
-            </a:extLst>
-          </a:blip>
-          <a:stretch>
-            <a:fillRect/>
-          </a:stretch>
-        </p:blipFill>
-        <p:spPr>
-          <a:xfrm>
-            <a:off x="10008761" y="190267"/>
-            <a:ext cx="2013336" cy="690975"/>
-          </a:xfrm>
-          <a:prstGeom prst="rect">
-            <a:avLst/>
-          </a:prstGeom>
-        </p:spPr>
-      </p:pic>
       <p:sp>
         <p:nvSpPr>
           <p:cNvPr id="8" name="Slide Title">
@@ -6848,8 +5141,8 @@
         </p:nvSpPr>
         <p:spPr>
           <a:xfrm>
-            <a:off x="1296957" y="100750"/>
-            <a:ext cx="8625520" cy="882654"/>
+            <a:off x="1296956" y="100750"/>
+            <a:ext cx="9164044" cy="882654"/>
           </a:xfrm>
         </p:spPr>
         <p:txBody>
@@ -6867,6 +5160,42 @@
           </a:p>
         </p:txBody>
       </p:sp>
+      <p:pic>
+        <p:nvPicPr>
+          <p:cNvPr id="2" name="Picture 1">
+            <a:extLst>
+              <a:ext uri="{FF2B5EF4-FFF2-40B4-BE49-F238E27FC236}">
+                <a16:creationId xmlns:a16="http://schemas.microsoft.com/office/drawing/2014/main" id="{78CA5371-2597-CF8F-1859-226395807433}"/>
+              </a:ext>
+            </a:extLst>
+          </p:cNvPr>
+          <p:cNvPicPr>
+            <a:picLocks noChangeAspect="1"/>
+          </p:cNvPicPr>
+          <p:nvPr userDrawn="1"/>
+        </p:nvPicPr>
+        <p:blipFill>
+          <a:blip r:embed="rId3" cstate="print">
+            <a:extLst>
+              <a:ext uri="{28A0092B-C50C-407E-A947-70E740481C1C}">
+                <a14:useLocalDpi xmlns:a14="http://schemas.microsoft.com/office/drawing/2010/main" val="0"/>
+              </a:ext>
+            </a:extLst>
+          </a:blip>
+          <a:stretch>
+            <a:fillRect/>
+          </a:stretch>
+        </p:blipFill>
+        <p:spPr>
+          <a:xfrm>
+            <a:off x="10551877" y="362077"/>
+            <a:ext cx="1443357" cy="360000"/>
+          </a:xfrm>
+          <a:prstGeom prst="rect">
+            <a:avLst/>
+          </a:prstGeom>
+        </p:spPr>
+      </p:pic>
     </p:spTree>
     <p:extLst>
       <p:ext uri="{BB962C8B-B14F-4D97-AF65-F5344CB8AC3E}">
@@ -6888,7 +5217,7 @@
 </p:sldLayout>
 </file>
 
-<file path=ppt/slideLayouts/slideLayout6.xml><?xml version="1.0" encoding="utf-8"?>
+<file path=ppt/slideLayouts/slideLayout5.xml><?xml version="1.0" encoding="utf-8"?>
 <p:sldLayout xmlns:a="http://schemas.openxmlformats.org/drawingml/2006/main" xmlns:r="http://schemas.openxmlformats.org/officeDocument/2006/relationships" xmlns:p="http://schemas.openxmlformats.org/presentationml/2006/main" preserve="1">
   <p:cSld name="Important Example">
     <p:spTree>
@@ -7165,52 +5494,6 @@
           </a:p>
         </p:txBody>
       </p:sp>
-      <p:pic>
-        <p:nvPicPr>
-          <p:cNvPr id="16" name="Logo Software University" descr="Software University logo">
-            <a:extLst>
-              <a:ext uri="{FF2B5EF4-FFF2-40B4-BE49-F238E27FC236}">
-                <a16:creationId xmlns:a16="http://schemas.microsoft.com/office/drawing/2014/main" id="{EFEBB553-EACE-4B4F-8B4F-7629FDD910A4}"/>
-              </a:ext>
-            </a:extLst>
-          </p:cNvPr>
-          <p:cNvPicPr>
-            <a:picLocks noChangeAspect="1"/>
-          </p:cNvPicPr>
-          <p:nvPr userDrawn="1"/>
-        </p:nvPicPr>
-        <p:blipFill>
-          <a:blip r:embed="rId3">
-            <a:clrChange>
-              <a:clrFrom>
-                <a:srgbClr val="FFFFFF"/>
-              </a:clrFrom>
-              <a:clrTo>
-                <a:srgbClr val="FFFFFF">
-                  <a:alpha val="0"/>
-                </a:srgbClr>
-              </a:clrTo>
-            </a:clrChange>
-            <a:extLst>
-              <a:ext uri="{28A0092B-C50C-407E-A947-70E740481C1C}">
-                <a14:useLocalDpi xmlns:a14="http://schemas.microsoft.com/office/drawing/2010/main" val="0"/>
-              </a:ext>
-            </a:extLst>
-          </a:blip>
-          <a:stretch>
-            <a:fillRect/>
-          </a:stretch>
-        </p:blipFill>
-        <p:spPr>
-          <a:xfrm>
-            <a:off x="10008761" y="190267"/>
-            <a:ext cx="2013336" cy="690975"/>
-          </a:xfrm>
-          <a:prstGeom prst="rect">
-            <a:avLst/>
-          </a:prstGeom>
-        </p:spPr>
-      </p:pic>
       <p:sp>
         <p:nvSpPr>
           <p:cNvPr id="13" name="Slide Title">
@@ -7229,8 +5512,8 @@
         </p:nvSpPr>
         <p:spPr>
           <a:xfrm>
-            <a:off x="1296957" y="100750"/>
-            <a:ext cx="8625520" cy="882654"/>
+            <a:off x="1296956" y="100750"/>
+            <a:ext cx="9164044" cy="882654"/>
           </a:xfrm>
         </p:spPr>
         <p:txBody>
@@ -7248,6 +5531,42 @@
           </a:p>
         </p:txBody>
       </p:sp>
+      <p:pic>
+        <p:nvPicPr>
+          <p:cNvPr id="2" name="Picture 1">
+            <a:extLst>
+              <a:ext uri="{FF2B5EF4-FFF2-40B4-BE49-F238E27FC236}">
+                <a16:creationId xmlns:a16="http://schemas.microsoft.com/office/drawing/2014/main" id="{A37AF1B9-D67A-246A-86B6-E28F19C52390}"/>
+              </a:ext>
+            </a:extLst>
+          </p:cNvPr>
+          <p:cNvPicPr>
+            <a:picLocks noChangeAspect="1"/>
+          </p:cNvPicPr>
+          <p:nvPr userDrawn="1"/>
+        </p:nvPicPr>
+        <p:blipFill>
+          <a:blip r:embed="rId3" cstate="print">
+            <a:extLst>
+              <a:ext uri="{28A0092B-C50C-407E-A947-70E740481C1C}">
+                <a14:useLocalDpi xmlns:a14="http://schemas.microsoft.com/office/drawing/2010/main" val="0"/>
+              </a:ext>
+            </a:extLst>
+          </a:blip>
+          <a:stretch>
+            <a:fillRect/>
+          </a:stretch>
+        </p:blipFill>
+        <p:spPr>
+          <a:xfrm>
+            <a:off x="10551877" y="362077"/>
+            <a:ext cx="1443357" cy="360000"/>
+          </a:xfrm>
+          <a:prstGeom prst="rect">
+            <a:avLst/>
+          </a:prstGeom>
+        </p:spPr>
+      </p:pic>
     </p:spTree>
     <p:extLst>
       <p:ext uri="{BB962C8B-B14F-4D97-AF65-F5344CB8AC3E}">
@@ -7269,7 +5588,7 @@
 </p:sldLayout>
 </file>
 
-<file path=ppt/slideLayouts/slideLayout7.xml><?xml version="1.0" encoding="utf-8"?>
+<file path=ppt/slideLayouts/slideLayout6.xml><?xml version="1.0" encoding="utf-8"?>
 <p:sldLayout xmlns:a="http://schemas.openxmlformats.org/drawingml/2006/main" xmlns:r="http://schemas.openxmlformats.org/officeDocument/2006/relationships" xmlns:p="http://schemas.openxmlformats.org/presentationml/2006/main" preserve="1" userDrawn="1">
   <p:cSld name="Blank Slide">
     <p:spTree>
@@ -7564,8 +5883,8 @@
         </p:nvSpPr>
         <p:spPr>
           <a:xfrm>
-            <a:off x="585176" y="100750"/>
-            <a:ext cx="11410061" cy="882654"/>
+            <a:off x="585177" y="100750"/>
+            <a:ext cx="9875824" cy="882654"/>
           </a:xfrm>
         </p:spPr>
         <p:txBody>
@@ -7583,6 +5902,42 @@
           </a:p>
         </p:txBody>
       </p:sp>
+      <p:pic>
+        <p:nvPicPr>
+          <p:cNvPr id="2" name="Picture 1">
+            <a:extLst>
+              <a:ext uri="{FF2B5EF4-FFF2-40B4-BE49-F238E27FC236}">
+                <a16:creationId xmlns:a16="http://schemas.microsoft.com/office/drawing/2014/main" id="{9C2C375B-43BF-D1DD-F160-1500A111885C}"/>
+              </a:ext>
+            </a:extLst>
+          </p:cNvPr>
+          <p:cNvPicPr>
+            <a:picLocks noChangeAspect="1"/>
+          </p:cNvPicPr>
+          <p:nvPr userDrawn="1"/>
+        </p:nvPicPr>
+        <p:blipFill>
+          <a:blip r:embed="rId3" cstate="print">
+            <a:extLst>
+              <a:ext uri="{28A0092B-C50C-407E-A947-70E740481C1C}">
+                <a14:useLocalDpi xmlns:a14="http://schemas.microsoft.com/office/drawing/2010/main" val="0"/>
+              </a:ext>
+            </a:extLst>
+          </a:blip>
+          <a:stretch>
+            <a:fillRect/>
+          </a:stretch>
+        </p:blipFill>
+        <p:spPr>
+          <a:xfrm>
+            <a:off x="10551877" y="362077"/>
+            <a:ext cx="1443357" cy="360000"/>
+          </a:xfrm>
+          <a:prstGeom prst="rect">
+            <a:avLst/>
+          </a:prstGeom>
+        </p:spPr>
+      </p:pic>
     </p:spTree>
     <p:extLst>
       <p:ext uri="{BB962C8B-B14F-4D97-AF65-F5344CB8AC3E}">
@@ -7604,7 +5959,7 @@
 </p:sldLayout>
 </file>
 
-<file path=ppt/slideLayouts/slideLayout8.xml><?xml version="1.0" encoding="utf-8"?>
+<file path=ppt/slideLayouts/slideLayout7.xml><?xml version="1.0" encoding="utf-8"?>
 <p:sldLayout xmlns:a="http://schemas.openxmlformats.org/drawingml/2006/main" xmlns:r="http://schemas.openxmlformats.org/officeDocument/2006/relationships" xmlns:p="http://schemas.openxmlformats.org/presentationml/2006/main" preserve="1" userDrawn="1">
   <p:cSld name="Source Code Example">
     <p:spTree>
@@ -7659,7 +6014,7 @@
               <a:pPr/>
               <a:t>‹#›</a:t>
             </a:fld>
-            <a:endParaRPr lang="en-US" noProof="0" dirty="0"/>
+            <a:endParaRPr lang="en-US" noProof="0"/>
           </a:p>
         </p:txBody>
       </p:sp>
@@ -7677,7 +6032,7 @@
         </p:nvSpPr>
         <p:spPr>
           <a:xfrm>
-            <a:off x="0" y="0"/>
+            <a:off x="0" y="1311"/>
             <a:ext cx="12196800" cy="1095376"/>
           </a:xfrm>
           <a:prstGeom prst="rect">
@@ -7744,48 +6099,12 @@
           </a:p>
         </p:txBody>
       </p:sp>
-      <p:pic>
-        <p:nvPicPr>
-          <p:cNvPr id="10" name="Logo Software University" descr="Software University logo">
+      <p:sp>
+        <p:nvSpPr>
+          <p:cNvPr id="12" name="Slide Body Text">
             <a:extLst>
               <a:ext uri="{FF2B5EF4-FFF2-40B4-BE49-F238E27FC236}">
-                <a16:creationId xmlns:a16="http://schemas.microsoft.com/office/drawing/2014/main" id="{8C01D7AF-7CBD-46E1-99F3-8EB60E838D91}"/>
-              </a:ext>
-            </a:extLst>
-          </p:cNvPr>
-          <p:cNvPicPr>
-            <a:picLocks noChangeAspect="1"/>
-          </p:cNvPicPr>
-          <p:nvPr userDrawn="1"/>
-        </p:nvPicPr>
-        <p:blipFill>
-          <a:blip r:embed="rId2">
-            <a:extLst>
-              <a:ext uri="{28A0092B-C50C-407E-A947-70E740481C1C}">
-                <a14:useLocalDpi xmlns:a14="http://schemas.microsoft.com/office/drawing/2010/main" val="0"/>
-              </a:ext>
-            </a:extLst>
-          </a:blip>
-          <a:stretch>
-            <a:fillRect/>
-          </a:stretch>
-        </p:blipFill>
-        <p:spPr>
-          <a:xfrm>
-            <a:off x="10067957" y="253936"/>
-            <a:ext cx="1915704" cy="559235"/>
-          </a:xfrm>
-          <a:prstGeom prst="rect">
-            <a:avLst/>
-          </a:prstGeom>
-        </p:spPr>
-      </p:pic>
-      <p:sp>
-        <p:nvSpPr>
-          <p:cNvPr id="17" name="Slide Body Text">
-            <a:extLst>
-              <a:ext uri="{FF2B5EF4-FFF2-40B4-BE49-F238E27FC236}">
-                <a16:creationId xmlns:a16="http://schemas.microsoft.com/office/drawing/2014/main" id="{1E60575F-8475-4C78-97A7-27D7891D2770}"/>
+                <a16:creationId xmlns:a16="http://schemas.microsoft.com/office/drawing/2014/main" id="{B608ED73-CE88-49E4-8BFC-DBD6E9AE6B10}"/>
               </a:ext>
             </a:extLst>
           </p:cNvPr>
@@ -7793,32 +6112,52 @@
             <a:spLocks noGrp="1"/>
           </p:cNvSpPr>
           <p:nvPr>
-            <p:ph type="body" sz="quarter" idx="12" hasCustomPrompt="1"/>
+            <p:ph type="body" sz="quarter" idx="10" hasCustomPrompt="1"/>
           </p:nvPr>
         </p:nvSpPr>
         <p:spPr>
           <a:xfrm>
-            <a:off x="190402" y="1196125"/>
-            <a:ext cx="11818096" cy="5528766"/>
+            <a:off x="190406" y="1206668"/>
+            <a:ext cx="11804831" cy="5550582"/>
           </a:xfrm>
         </p:spPr>
         <p:txBody>
           <a:bodyPr/>
           <a:lstStyle>
             <a:lvl1pPr latinLnBrk="0">
-              <a:defRPr/>
+              <a:defRPr>
+                <a:solidFill>
+                  <a:schemeClr val="tx1"/>
+                </a:solidFill>
+              </a:defRPr>
             </a:lvl1pPr>
             <a:lvl2pPr latinLnBrk="0">
-              <a:defRPr/>
+              <a:defRPr>
+                <a:solidFill>
+                  <a:schemeClr val="tx1"/>
+                </a:solidFill>
+              </a:defRPr>
             </a:lvl2pPr>
             <a:lvl3pPr latinLnBrk="0">
-              <a:defRPr/>
+              <a:defRPr>
+                <a:solidFill>
+                  <a:schemeClr val="tx1"/>
+                </a:solidFill>
+              </a:defRPr>
             </a:lvl3pPr>
             <a:lvl4pPr latinLnBrk="0">
-              <a:defRPr/>
+              <a:defRPr>
+                <a:solidFill>
+                  <a:schemeClr val="tx1"/>
+                </a:solidFill>
+              </a:defRPr>
             </a:lvl4pPr>
             <a:lvl5pPr latinLnBrk="0">
-              <a:defRPr/>
+              <a:defRPr>
+                <a:solidFill>
+                  <a:schemeClr val="tx1"/>
+                </a:solidFill>
+              </a:defRPr>
             </a:lvl5pPr>
           </a:lstStyle>
           <a:p>
@@ -7832,10 +6171,10 @@
       </p:sp>
       <p:sp>
         <p:nvSpPr>
-          <p:cNvPr id="15" name="Code Box">
+          <p:cNvPr id="4" name="Code Box">
             <a:extLst>
               <a:ext uri="{FF2B5EF4-FFF2-40B4-BE49-F238E27FC236}">
-                <a16:creationId xmlns:a16="http://schemas.microsoft.com/office/drawing/2014/main" id="{29C63EC2-5578-406B-8C2A-23FDE6C14C82}"/>
+                <a16:creationId xmlns:a16="http://schemas.microsoft.com/office/drawing/2014/main" id="{F4E021E9-D6DB-4272-8C9F-CEF4940FDC10}"/>
               </a:ext>
             </a:extLst>
           </p:cNvPr>
@@ -7849,7 +6188,7 @@
         <p:spPr>
           <a:xfrm>
             <a:off x="674683" y="2034000"/>
-            <a:ext cx="10836275" cy="2318684"/>
+            <a:ext cx="10836275" cy="2237893"/>
           </a:xfrm>
           <a:solidFill>
             <a:schemeClr val="accent6">
@@ -7871,15 +6210,6 @@
           </a:bodyPr>
           <a:lstStyle>
             <a:lvl1pPr>
-              <a:lnSpc>
-                <a:spcPct val="110000"/>
-              </a:lnSpc>
-              <a:spcBef>
-                <a:spcPts val="0"/>
-              </a:spcBef>
-              <a:spcAft>
-                <a:spcPts val="0"/>
-              </a:spcAft>
               <a:buNone/>
               <a:defRPr lang="en-US" sz="2800" b="1" smtClean="0">
                 <a:latin typeface="Consolas" pitchFamily="49" charset="0"/>
@@ -7974,8 +6304,8 @@
         </p:nvSpPr>
         <p:spPr>
           <a:xfrm>
-            <a:off x="190406" y="100750"/>
-            <a:ext cx="9715594" cy="882654"/>
+            <a:off x="190405" y="100750"/>
+            <a:ext cx="10239658" cy="882654"/>
           </a:xfrm>
         </p:spPr>
         <p:txBody>
@@ -7997,6 +6327,42 @@
           </a:p>
         </p:txBody>
       </p:sp>
+      <p:pic>
+        <p:nvPicPr>
+          <p:cNvPr id="3" name="Picture 2">
+            <a:extLst>
+              <a:ext uri="{FF2B5EF4-FFF2-40B4-BE49-F238E27FC236}">
+                <a16:creationId xmlns:a16="http://schemas.microsoft.com/office/drawing/2014/main" id="{4B69A4E8-9221-8F79-65B4-BF9AA7F87DD7}"/>
+              </a:ext>
+            </a:extLst>
+          </p:cNvPr>
+          <p:cNvPicPr>
+            <a:picLocks noChangeAspect="1"/>
+          </p:cNvPicPr>
+          <p:nvPr userDrawn="1"/>
+        </p:nvPicPr>
+        <p:blipFill>
+          <a:blip r:embed="rId2" cstate="print">
+            <a:extLst>
+              <a:ext uri="{28A0092B-C50C-407E-A947-70E740481C1C}">
+                <a14:useLocalDpi xmlns:a14="http://schemas.microsoft.com/office/drawing/2010/main" val="0"/>
+              </a:ext>
+            </a:extLst>
+          </a:blip>
+          <a:stretch>
+            <a:fillRect/>
+          </a:stretch>
+        </p:blipFill>
+        <p:spPr>
+          <a:xfrm>
+            <a:off x="10553573" y="368999"/>
+            <a:ext cx="1443361" cy="360001"/>
+          </a:xfrm>
+          <a:prstGeom prst="rect">
+            <a:avLst/>
+          </a:prstGeom>
+        </p:spPr>
+      </p:pic>
     </p:spTree>
     <p:extLst>
       <p:ext uri="{BB962C8B-B14F-4D97-AF65-F5344CB8AC3E}">
@@ -8018,7 +6384,7 @@
 </p:sldLayout>
 </file>
 
-<file path=ppt/slideLayouts/slideLayout9.xml><?xml version="1.0" encoding="utf-8"?>
+<file path=ppt/slideLayouts/slideLayout8.xml><?xml version="1.0" encoding="utf-8"?>
 <p:sldLayout xmlns:a="http://schemas.openxmlformats.org/drawingml/2006/main" xmlns:r="http://schemas.openxmlformats.org/officeDocument/2006/relationships" xmlns:p="http://schemas.openxmlformats.org/presentationml/2006/main" preserve="1">
   <p:cSld name="Demo Slide">
     <p:spTree>
@@ -8095,7 +6461,7 @@
               <a:tabLst/>
               <a:defRPr/>
             </a:pPr>
-            <a:endParaRPr kumimoji="0" lang="en-US" altLang="ko-KR" sz="2398" b="0" i="0" u="none" strike="noStrike" kern="1200" cap="none" spc="0" normalizeH="0" baseline="0" noProof="0" dirty="0">
+            <a:endParaRPr kumimoji="0" lang="en-US" altLang="ko-KR" sz="2398" b="0" i="0" u="none" strike="noStrike" kern="1200" cap="none" spc="0" normalizeH="0" baseline="0" noProof="0">
               <a:ln>
                 <a:noFill/>
               </a:ln>
@@ -8205,6 +6571,335 @@
     <p:extLst>
       <p:ext uri="{BB962C8B-B14F-4D97-AF65-F5344CB8AC3E}">
         <p14:creationId xmlns:p14="http://schemas.microsoft.com/office/powerpoint/2010/main" val="2423919747"/>
+      </p:ext>
+    </p:extLst>
+  </p:cSld>
+  <p:clrMapOvr>
+    <a:masterClrMapping/>
+  </p:clrMapOvr>
+  <mc:AlternateContent xmlns:mc="http://schemas.openxmlformats.org/markup-compatibility/2006" xmlns:p14="http://schemas.microsoft.com/office/powerpoint/2010/main">
+    <mc:Choice Requires="p14">
+      <p:transition spd="slow" p14:dur="2000" advClick="0" advTm="5000"/>
+    </mc:Choice>
+    <mc:Fallback xmlns="">
+      <p:transition spd="slow" advClick="0" advTm="5000"/>
+    </mc:Fallback>
+  </mc:AlternateContent>
+</p:sldLayout>
+</file>
+
+<file path=ppt/slideLayouts/slideLayout9.xml><?xml version="1.0" encoding="utf-8"?>
+<p:sldLayout xmlns:a="http://schemas.openxmlformats.org/drawingml/2006/main" xmlns:r="http://schemas.openxmlformats.org/officeDocument/2006/relationships" xmlns:p="http://schemas.openxmlformats.org/presentationml/2006/main" preserve="1" userDrawn="1">
+  <p:cSld name="Table of Contents">
+    <p:spTree>
+      <p:nvGrpSpPr>
+        <p:cNvPr id="1" name=""/>
+        <p:cNvGrpSpPr/>
+        <p:nvPr/>
+      </p:nvGrpSpPr>
+      <p:grpSpPr>
+        <a:xfrm>
+          <a:off x="0" y="0"/>
+          <a:ext cx="0" cy="0"/>
+          <a:chOff x="0" y="0"/>
+          <a:chExt cx="0" cy="0"/>
+        </a:xfrm>
+      </p:grpSpPr>
+      <p:sp>
+        <p:nvSpPr>
+          <p:cNvPr id="10" name="Slide Number">
+            <a:extLst>
+              <a:ext uri="{FF2B5EF4-FFF2-40B4-BE49-F238E27FC236}">
+                <a16:creationId xmlns:a16="http://schemas.microsoft.com/office/drawing/2014/main" id="{39DDE17E-5472-41F3-AF5F-54DFF10DC63C}"/>
+              </a:ext>
+            </a:extLst>
+          </p:cNvPr>
+          <p:cNvSpPr>
+            <a:spLocks noGrp="1"/>
+          </p:cNvSpPr>
+          <p:nvPr>
+            <p:ph type="sldNum" sz="quarter" idx="4"/>
+          </p:nvPr>
+        </p:nvSpPr>
+        <p:spPr>
+          <a:xfrm>
+            <a:off x="11753030" y="6507000"/>
+            <a:ext cx="367414" cy="297000"/>
+          </a:xfrm>
+          <a:prstGeom prst="rect">
+            <a:avLst/>
+          </a:prstGeom>
+        </p:spPr>
+        <p:txBody>
+          <a:bodyPr vert="horz" lIns="91440" tIns="45720" rIns="91440" bIns="45720" rtlCol="0" anchor="b"/>
+          <a:lstStyle>
+            <a:lvl1pPr algn="r">
+              <a:defRPr sz="1000"/>
+            </a:lvl1pPr>
+          </a:lstStyle>
+          <a:p>
+            <a:fld id="{2BF067CD-8E6B-4360-9AA8-C5DF2A48A6D1}" type="slidenum">
+              <a:rPr lang="en-US" noProof="0" smtClean="0"/>
+              <a:pPr/>
+              <a:t>‹#›</a:t>
+            </a:fld>
+            <a:endParaRPr lang="en-US" noProof="0"/>
+          </a:p>
+        </p:txBody>
+      </p:sp>
+      <p:sp>
+        <p:nvSpPr>
+          <p:cNvPr id="23" name="Slide Body Text">
+            <a:extLst>
+              <a:ext uri="{FF2B5EF4-FFF2-40B4-BE49-F238E27FC236}">
+                <a16:creationId xmlns:a16="http://schemas.microsoft.com/office/drawing/2014/main" id="{889D93F4-ABFA-46BF-8E5D-FE6562ACB20F}"/>
+              </a:ext>
+            </a:extLst>
+          </p:cNvPr>
+          <p:cNvSpPr>
+            <a:spLocks noGrp="1"/>
+          </p:cNvSpPr>
+          <p:nvPr>
+            <p:ph type="body" sz="quarter" idx="13" hasCustomPrompt="1"/>
+          </p:nvPr>
+        </p:nvSpPr>
+        <p:spPr>
+          <a:xfrm>
+            <a:off x="196766" y="1371604"/>
+            <a:ext cx="11781606" cy="5207396"/>
+          </a:xfrm>
+        </p:spPr>
+        <p:txBody>
+          <a:bodyPr>
+            <a:normAutofit/>
+          </a:bodyPr>
+          <a:lstStyle>
+            <a:lvl1pPr marL="514042" indent="-514042" latinLnBrk="0">
+              <a:buFont typeface="+mj-lt"/>
+              <a:buAutoNum type="arabicPeriod"/>
+              <a:defRPr sz="3600">
+                <a:solidFill>
+                  <a:schemeClr val="tx1"/>
+                </a:solidFill>
+              </a:defRPr>
+            </a:lvl1pPr>
+            <a:lvl2pPr>
+              <a:defRPr sz="3400"/>
+            </a:lvl2pPr>
+          </a:lstStyle>
+          <a:p>
+            <a:pPr lvl="0"/>
+            <a:r>
+              <a:rPr lang="en-US" noProof="0" dirty="0"/>
+              <a:t>…</a:t>
+            </a:r>
+          </a:p>
+          <a:p>
+            <a:pPr lvl="1"/>
+            <a:r>
+              <a:rPr lang="en-US" noProof="0" dirty="0"/>
+              <a:t>…</a:t>
+            </a:r>
+          </a:p>
+          <a:p>
+            <a:pPr lvl="1"/>
+            <a:r>
+              <a:rPr lang="en-US" noProof="0" dirty="0"/>
+              <a:t>…</a:t>
+            </a:r>
+          </a:p>
+          <a:p>
+            <a:pPr lvl="0"/>
+            <a:r>
+              <a:rPr lang="en-US" noProof="0" dirty="0"/>
+              <a:t>…</a:t>
+            </a:r>
+          </a:p>
+          <a:p>
+            <a:pPr lvl="1"/>
+            <a:r>
+              <a:rPr lang="en-US" noProof="0" dirty="0"/>
+              <a:t>…</a:t>
+            </a:r>
+          </a:p>
+          <a:p>
+            <a:pPr lvl="1"/>
+            <a:r>
+              <a:rPr lang="en-US" noProof="0" dirty="0"/>
+              <a:t>…</a:t>
+            </a:r>
+          </a:p>
+          <a:p>
+            <a:pPr lvl="0"/>
+            <a:r>
+              <a:rPr lang="en-US" noProof="0" dirty="0"/>
+              <a:t>…</a:t>
+            </a:r>
+          </a:p>
+        </p:txBody>
+      </p:sp>
+      <p:sp>
+        <p:nvSpPr>
+          <p:cNvPr id="8" name="Rectangle Top">
+            <a:extLst>
+              <a:ext uri="{FF2B5EF4-FFF2-40B4-BE49-F238E27FC236}">
+                <a16:creationId xmlns:a16="http://schemas.microsoft.com/office/drawing/2014/main" id="{930E0800-9260-4369-8330-8264DD33C5CE}"/>
+              </a:ext>
+            </a:extLst>
+          </p:cNvPr>
+          <p:cNvSpPr/>
+          <p:nvPr userDrawn="1"/>
+        </p:nvSpPr>
+        <p:spPr>
+          <a:xfrm>
+            <a:off x="0" y="0"/>
+            <a:ext cx="12196800" cy="1095376"/>
+          </a:xfrm>
+          <a:prstGeom prst="rect">
+            <a:avLst/>
+          </a:prstGeom>
+          <a:solidFill>
+            <a:schemeClr val="tx2"/>
+          </a:solidFill>
+          <a:ln>
+            <a:noFill/>
+          </a:ln>
+        </p:spPr>
+        <p:style>
+          <a:lnRef idx="2">
+            <a:schemeClr val="accent1">
+              <a:shade val="50000"/>
+            </a:schemeClr>
+          </a:lnRef>
+          <a:fillRef idx="1">
+            <a:schemeClr val="accent1"/>
+          </a:fillRef>
+          <a:effectRef idx="0">
+            <a:schemeClr val="accent1"/>
+          </a:effectRef>
+          <a:fontRef idx="minor">
+            <a:schemeClr val="lt1"/>
+          </a:fontRef>
+        </p:style>
+        <p:txBody>
+          <a:bodyPr rtlCol="0" anchor="ctr"/>
+          <a:lstStyle/>
+          <a:p>
+            <a:pPr marL="0" marR="0" lvl="0" indent="0" algn="ctr" defTabSz="913852" rtl="0" eaLnBrk="1" fontAlgn="auto" latinLnBrk="0" hangingPunct="1">
+              <a:lnSpc>
+                <a:spcPct val="100000"/>
+              </a:lnSpc>
+              <a:spcBef>
+                <a:spcPts val="0"/>
+              </a:spcBef>
+              <a:spcAft>
+                <a:spcPts val="0"/>
+              </a:spcAft>
+              <a:buClrTx/>
+              <a:buSzTx/>
+              <a:buFontTx/>
+              <a:buNone/>
+              <a:tabLst/>
+              <a:defRPr/>
+            </a:pPr>
+            <a:endParaRPr kumimoji="0" lang="en-US" altLang="ko-KR" sz="2398" b="0" i="0" u="none" strike="noStrike" kern="1200" cap="none" spc="0" normalizeH="0" baseline="0" noProof="0">
+              <a:ln>
+                <a:noFill/>
+              </a:ln>
+              <a:solidFill>
+                <a:srgbClr val="F7C86D"/>
+              </a:solidFill>
+              <a:effectLst/>
+              <a:uLnTx/>
+              <a:uFillTx/>
+              <a:latin typeface="Calibri" panose="020F0502020204030204"/>
+              <a:ea typeface="맑은 고딕" panose="020B0503020000020004" pitchFamily="34" charset="-127"/>
+              <a:cs typeface="+mn-cs"/>
+            </a:endParaRPr>
+          </a:p>
+        </p:txBody>
+      </p:sp>
+      <p:sp>
+        <p:nvSpPr>
+          <p:cNvPr id="13" name="Slide Title">
+            <a:extLst>
+              <a:ext uri="{FF2B5EF4-FFF2-40B4-BE49-F238E27FC236}">
+                <a16:creationId xmlns:a16="http://schemas.microsoft.com/office/drawing/2014/main" id="{357D7BE1-6358-42CC-94F3-7BCDD91DCB6D}"/>
+              </a:ext>
+            </a:extLst>
+          </p:cNvPr>
+          <p:cNvSpPr>
+            <a:spLocks noGrp="1"/>
+          </p:cNvSpPr>
+          <p:nvPr>
+            <p:ph type="title" hasCustomPrompt="1"/>
+          </p:nvPr>
+        </p:nvSpPr>
+        <p:spPr>
+          <a:xfrm>
+            <a:off x="190406" y="100750"/>
+            <a:ext cx="10270594" cy="882654"/>
+          </a:xfrm>
+        </p:spPr>
+        <p:txBody>
+          <a:bodyPr/>
+          <a:lstStyle>
+            <a:lvl1pPr latinLnBrk="0">
+              <a:defRPr>
+                <a:solidFill>
+                  <a:schemeClr val="bg2"/>
+                </a:solidFill>
+              </a:defRPr>
+            </a:lvl1pPr>
+          </a:lstStyle>
+          <a:p>
+            <a:r>
+              <a:rPr lang="en-US" noProof="0" dirty="0"/>
+              <a:t>Table of Contents</a:t>
+            </a:r>
+          </a:p>
+        </p:txBody>
+      </p:sp>
+      <p:pic>
+        <p:nvPicPr>
+          <p:cNvPr id="3" name="Picture 2">
+            <a:extLst>
+              <a:ext uri="{FF2B5EF4-FFF2-40B4-BE49-F238E27FC236}">
+                <a16:creationId xmlns:a16="http://schemas.microsoft.com/office/drawing/2014/main" id="{4FD808AB-EC49-1578-0005-D58D2A365AA1}"/>
+              </a:ext>
+            </a:extLst>
+          </p:cNvPr>
+          <p:cNvPicPr>
+            <a:picLocks noChangeAspect="1"/>
+          </p:cNvPicPr>
+          <p:nvPr userDrawn="1"/>
+        </p:nvPicPr>
+        <p:blipFill>
+          <a:blip r:embed="rId2" cstate="print">
+            <a:extLst>
+              <a:ext uri="{28A0092B-C50C-407E-A947-70E740481C1C}">
+                <a14:useLocalDpi xmlns:a14="http://schemas.microsoft.com/office/drawing/2010/main" val="0"/>
+              </a:ext>
+            </a:extLst>
+          </a:blip>
+          <a:stretch>
+            <a:fillRect/>
+          </a:stretch>
+        </p:blipFill>
+        <p:spPr>
+          <a:xfrm>
+            <a:off x="10553573" y="368999"/>
+            <a:ext cx="1443361" cy="360001"/>
+          </a:xfrm>
+          <a:prstGeom prst="rect">
+            <a:avLst/>
+          </a:prstGeom>
+        </p:spPr>
+      </p:pic>
+    </p:spTree>
+    <p:extLst>
+      <p:ext uri="{BB962C8B-B14F-4D97-AF65-F5344CB8AC3E}">
+        <p14:creationId xmlns:p14="http://schemas.microsoft.com/office/powerpoint/2010/main" val="1028724482"/>
       </p:ext>
     </p:extLst>
   </p:cSld>
@@ -8247,35 +6942,6 @@
           <a:chExt cx="0" cy="0"/>
         </a:xfrm>
       </p:grpSpPr>
-      <p:pic>
-        <p:nvPicPr>
-          <p:cNvPr id="4" name="Picture Background" descr="SoftUni Background">
-            <a:extLst>
-              <a:ext uri="{FF2B5EF4-FFF2-40B4-BE49-F238E27FC236}">
-                <a16:creationId xmlns:a16="http://schemas.microsoft.com/office/drawing/2014/main" id="{5BE90A63-DDD9-4B3B-A234-DF69B9BC812F}"/>
-              </a:ext>
-            </a:extLst>
-          </p:cNvPr>
-          <p:cNvPicPr>
-            <a:picLocks noChangeAspect="1"/>
-          </p:cNvPicPr>
-          <p:nvPr userDrawn="1"/>
-        </p:nvPicPr>
-        <p:blipFill rotWithShape="1">
-          <a:blip r:embed="rId15"/>
-          <a:srcRect b="1672"/>
-          <a:stretch/>
-        </p:blipFill>
-        <p:spPr>
-          <a:xfrm>
-            <a:off x="0" y="1"/>
-            <a:ext cx="12192000" cy="6857999"/>
-          </a:xfrm>
-          <a:prstGeom prst="rect">
-            <a:avLst/>
-          </a:prstGeom>
-        </p:spPr>
-      </p:pic>
       <p:sp>
         <p:nvSpPr>
           <p:cNvPr id="11" name="Slide Body Text">
@@ -8392,19 +7058,18 @@
   </p:cSld>
   <p:clrMap bg1="lt1" tx1="dk1" bg2="lt2" tx2="dk2" accent1="accent1" accent2="accent2" accent3="accent3" accent4="accent4" accent5="accent5" accent6="accent6" hlink="hlink" folHlink="folHlink"/>
   <p:sldLayoutIdLst>
-    <p:sldLayoutId id="2147483676" r:id="rId1"/>
+    <p:sldLayoutId id="2147483691" r:id="rId1"/>
     <p:sldLayoutId id="2147483689" r:id="rId2"/>
     <p:sldLayoutId id="2147483681" r:id="rId3"/>
-    <p:sldLayoutId id="2147483677" r:id="rId4"/>
-    <p:sldLayoutId id="2147483679" r:id="rId5"/>
-    <p:sldLayoutId id="2147483680" r:id="rId6"/>
-    <p:sldLayoutId id="2147483688" r:id="rId7"/>
-    <p:sldLayoutId id="2147483684" r:id="rId8"/>
-    <p:sldLayoutId id="2147483690" r:id="rId9"/>
+    <p:sldLayoutId id="2147483679" r:id="rId4"/>
+    <p:sldLayoutId id="2147483680" r:id="rId5"/>
+    <p:sldLayoutId id="2147483688" r:id="rId6"/>
+    <p:sldLayoutId id="2147483684" r:id="rId7"/>
+    <p:sldLayoutId id="2147483690" r:id="rId8"/>
+    <p:sldLayoutId id="2147483677" r:id="rId9"/>
     <p:sldLayoutId id="2147483683" r:id="rId10"/>
     <p:sldLayoutId id="2147483685" r:id="rId11"/>
     <p:sldLayoutId id="2147483686" r:id="rId12"/>
-    <p:sldLayoutId id="2147483687" r:id="rId13"/>
   </p:sldLayoutIdLst>
   <mc:AlternateContent xmlns:mc="http://schemas.openxmlformats.org/markup-compatibility/2006" xmlns:p14="http://schemas.microsoft.com/office/powerpoint/2010/main">
     <mc:Choice Requires="p14">
@@ -8733,90 +7398,18 @@
       </p:grpSpPr>
       <p:sp>
         <p:nvSpPr>
-          <p:cNvPr id="6" name="Subtitle 5"/>
+          <p:cNvPr id="12" name="Text Placeholder 11"/>
           <p:cNvSpPr>
             <a:spLocks noGrp="1"/>
           </p:cNvSpPr>
           <p:nvPr>
-            <p:ph type="subTitle" idx="1"/>
-          </p:nvPr>
-        </p:nvSpPr>
-        <p:spPr/>
-        <p:txBody>
-          <a:bodyPr>
-            <a:normAutofit/>
-          </a:bodyPr>
-          <a:lstStyle/>
-          <a:p>
-            <a:r>
-              <a:rPr lang="bg-BG" sz="3550" dirty="0"/>
-              <a:t>Множества</a:t>
-            </a:r>
-            <a:r>
-              <a:rPr lang="en-US" sz="3550" dirty="0"/>
-              <a:t>, </a:t>
-            </a:r>
-            <a:r>
-              <a:rPr lang="bg-BG" sz="3550" dirty="0"/>
-              <a:t>речници, </a:t>
-            </a:r>
-            <a:r>
-              <a:rPr lang="en-US" sz="3550" dirty="0"/>
-              <a:t>мулти</a:t>
-            </a:r>
-            <a:r>
-              <a:rPr lang="bg-BG" sz="3550" dirty="0"/>
-              <a:t>- и сложни </a:t>
-            </a:r>
-            <a:r>
-              <a:rPr lang="en-US" sz="3550" dirty="0"/>
-              <a:t>речници</a:t>
-            </a:r>
-          </a:p>
-        </p:txBody>
-      </p:sp>
-      <p:sp>
-        <p:nvSpPr>
-          <p:cNvPr id="5" name="Title 4"/>
-          <p:cNvSpPr>
-            <a:spLocks noGrp="1"/>
-          </p:cNvSpPr>
-          <p:nvPr>
-            <p:ph type="title"/>
-          </p:nvPr>
-        </p:nvSpPr>
-        <p:spPr/>
-        <p:txBody>
-          <a:bodyPr>
-            <a:normAutofit/>
-          </a:bodyPr>
-          <a:lstStyle/>
-          <a:p>
-            <a:r>
-              <a:rPr lang="bg-BG" sz="4750" dirty="0"/>
-              <a:t>Множества</a:t>
-            </a:r>
-            <a:r>
-              <a:rPr lang="en-US" sz="4750" dirty="0"/>
-              <a:t> и речници</a:t>
-            </a:r>
-          </a:p>
-        </p:txBody>
-      </p:sp>
-      <p:sp>
-        <p:nvSpPr>
-          <p:cNvPr id="7" name="Text Placeholder 6"/>
-          <p:cNvSpPr>
-            <a:spLocks noGrp="1"/>
-          </p:cNvSpPr>
-          <p:nvPr>
-            <p:ph type="body" sz="quarter" idx="17"/>
+            <p:ph type="body" sz="quarter" idx="22"/>
           </p:nvPr>
         </p:nvSpPr>
         <p:spPr>
           <a:xfrm>
-            <a:off x="8642529" y="5930989"/>
-            <a:ext cx="2949981" cy="351662"/>
+            <a:off x="6390120" y="5857591"/>
+            <a:ext cx="5248260" cy="341313"/>
           </a:xfrm>
         </p:spPr>
         <p:txBody>
@@ -8824,16 +7417,58 @@
           <a:lstStyle/>
           <a:p>
             <a:r>
-              <a:rPr lang="en-US" sz="1800" dirty="0">
-                <a:ea typeface="+mn-lt"/>
-                <a:cs typeface="+mn-lt"/>
-              </a:rPr>
-              <a:t>Софтуерен университет</a:t>
-            </a:r>
-            <a:endParaRPr lang="en-US" sz="1800" b="0" dirty="0">
-              <a:ea typeface="+mn-lt"/>
-              <a:cs typeface="+mn-lt"/>
-            </a:endParaRPr>
+              <a:rPr lang="bg-BG" sz="1800" dirty="0"/>
+              <a:t>Софтуерни и хардуерни науки</a:t>
+            </a:r>
+          </a:p>
+        </p:txBody>
+      </p:sp>
+      <p:sp>
+        <p:nvSpPr>
+          <p:cNvPr id="11" name="Text Placeholder 10"/>
+          <p:cNvSpPr>
+            <a:spLocks noGrp="1"/>
+          </p:cNvSpPr>
+          <p:nvPr>
+            <p:ph type="body" sz="quarter" idx="21"/>
+          </p:nvPr>
+        </p:nvSpPr>
+        <p:spPr>
+          <a:xfrm>
+            <a:off x="6390120" y="5432342"/>
+            <a:ext cx="5248260" cy="374236"/>
+          </a:xfrm>
+        </p:spPr>
+        <p:txBody>
+          <a:bodyPr>
+            <a:normAutofit lnSpcReduction="10000"/>
+          </a:bodyPr>
+          <a:lstStyle/>
+          <a:p>
+            <a:r>
+              <a:rPr lang="bg-BG" sz="2000" dirty="0">
+                <a:solidFill>
+                  <a:srgbClr val="234465"/>
+                </a:solidFill>
+              </a:rPr>
+              <a:t>Курс "</a:t>
+            </a:r>
+            <a:r>
+              <a:rPr lang="ru-RU" sz="2000" dirty="0">
+                <a:solidFill>
+                  <a:srgbClr val="234465"/>
+                </a:solidFill>
+              </a:rPr>
+              <a:t>Структури от данни и алгоритми</a:t>
+            </a:r>
+            <a:r>
+              <a:rPr lang="bg-BG" sz="2000" dirty="0">
+                <a:solidFill>
+                  <a:srgbClr val="234465"/>
+                </a:solidFill>
+              </a:rPr>
+              <a:t>"</a:t>
+            </a:r>
           </a:p>
         </p:txBody>
       </p:sp>
@@ -8849,92 +7484,158 @@
         </p:nvSpPr>
         <p:spPr>
           <a:xfrm>
-            <a:off x="8642529" y="6355034"/>
-            <a:ext cx="2949981" cy="320636"/>
+            <a:off x="534045" y="5859000"/>
+            <a:ext cx="4751953" cy="341556"/>
           </a:xfrm>
         </p:spPr>
         <p:txBody>
           <a:bodyPr/>
           <a:lstStyle/>
           <a:p>
-            <a:r>
-              <a:rPr lang="en-US" sz="1600" dirty="0">
+            <a:pPr marL="0" indent="0" algn="l" rtl="0" eaLnBrk="1" fontAlgn="base" latinLnBrk="0" hangingPunct="1">
+              <a:lnSpc>
+                <a:spcPct val="105000"/>
+              </a:lnSpc>
+              <a:spcBef>
+                <a:spcPts val="0"/>
+              </a:spcBef>
+              <a:spcAft>
+                <a:spcPts val="0"/>
+              </a:spcAft>
+            </a:pPr>
+            <a:r>
+              <a:rPr lang="en-US" sz="1600" b="0" kern="1200">
+                <a:solidFill>
+                  <a:srgbClr val="1A334C"/>
+                </a:solidFill>
+                <a:effectLst/>
+                <a:latin typeface="Calibri" panose="020F0502020204030204" pitchFamily="34" charset="0"/>
+                <a:ea typeface="+mn-ea"/>
+                <a:cs typeface="+mn-cs"/>
                 <a:hlinkClick r:id="rId3"/>
               </a:rPr>
-              <a:t>https://about.softuni.bg/</a:t>
-            </a:r>
-            <a:endParaRPr lang="en-US" sz="1600" dirty="0"/>
+              <a:t>https://github.com/BG-IT-Edu</a:t>
+            </a:r>
+            <a:endParaRPr lang="bg-BG" sz="1600" dirty="0">
+              <a:effectLst/>
+            </a:endParaRPr>
           </a:p>
         </p:txBody>
       </p:sp>
       <p:sp>
         <p:nvSpPr>
-          <p:cNvPr id="11" name="Text Placeholder 10"/>
+          <p:cNvPr id="7" name="Text Placeholder 6"/>
           <p:cNvSpPr>
             <a:spLocks noGrp="1"/>
           </p:cNvSpPr>
           <p:nvPr>
-            <p:ph type="body" sz="quarter" idx="19"/>
+            <p:ph type="body" sz="quarter" idx="17"/>
+          </p:nvPr>
+        </p:nvSpPr>
+        <p:spPr/>
+        <p:txBody>
+          <a:bodyPr/>
+          <a:lstStyle/>
+          <a:p>
+            <a:r>
+              <a:rPr lang="bg-BG" sz="1800" dirty="0">
+                <a:solidFill>
+                  <a:srgbClr val="234465"/>
+                </a:solidFill>
+              </a:rPr>
+              <a:t>Проект "Отворено учебно съдържание по програмиране и ИТ", СофтУни Фондация</a:t>
+            </a:r>
+          </a:p>
+        </p:txBody>
+      </p:sp>
+      <p:sp>
+        <p:nvSpPr>
+          <p:cNvPr id="6" name="Subtitle 5"/>
+          <p:cNvSpPr>
+            <a:spLocks noGrp="1"/>
+          </p:cNvSpPr>
+          <p:nvPr>
+            <p:ph type="subTitle" idx="1"/>
           </p:nvPr>
         </p:nvSpPr>
         <p:spPr>
           <a:xfrm>
-            <a:off x="673975" y="4938411"/>
-            <a:ext cx="2949981" cy="382688"/>
+            <a:off x="554182" y="1381802"/>
+            <a:ext cx="11083636" cy="724905"/>
           </a:xfrm>
         </p:spPr>
         <p:txBody>
-          <a:bodyPr/>
+          <a:bodyPr>
+            <a:normAutofit/>
+          </a:bodyPr>
           <a:lstStyle/>
           <a:p>
             <a:r>
-              <a:rPr lang="en-US" sz="2000" dirty="0">
-                <a:ea typeface="+mn-lt"/>
-                <a:cs typeface="+mn-lt"/>
-              </a:rPr>
-              <a:t>СофтУни</a:t>
-            </a:r>
-            <a:endParaRPr lang="en-US" sz="1999" dirty="0"/>
+              <a:rPr lang="bg-BG" sz="3550" dirty="0"/>
+              <a:t>Множества</a:t>
+            </a:r>
+            <a:r>
+              <a:rPr lang="en-US" sz="3550" dirty="0"/>
+              <a:t>, </a:t>
+            </a:r>
+            <a:r>
+              <a:rPr lang="bg-BG" sz="3550" dirty="0"/>
+              <a:t>речници, </a:t>
+            </a:r>
+            <a:r>
+              <a:rPr lang="en-US" sz="3550" dirty="0"/>
+              <a:t>мулти</a:t>
+            </a:r>
+            <a:r>
+              <a:rPr lang="bg-BG" sz="3550" dirty="0"/>
+              <a:t>- и сложни </a:t>
+            </a:r>
+            <a:r>
+              <a:rPr lang="en-US" sz="3550" dirty="0"/>
+              <a:t>речници</a:t>
+            </a:r>
           </a:p>
         </p:txBody>
       </p:sp>
       <p:sp>
         <p:nvSpPr>
-          <p:cNvPr id="12" name="Text Placeholder 11"/>
+          <p:cNvPr id="5" name="Title 4"/>
           <p:cNvSpPr>
             <a:spLocks noGrp="1"/>
           </p:cNvSpPr>
           <p:nvPr>
-            <p:ph type="body" sz="quarter" idx="20"/>
+            <p:ph type="title"/>
           </p:nvPr>
         </p:nvSpPr>
         <p:spPr>
           <a:xfrm>
-            <a:off x="673975" y="5408846"/>
-            <a:ext cx="2949981" cy="363457"/>
+            <a:off x="921000" y="346770"/>
+            <a:ext cx="10003636" cy="971589"/>
           </a:xfrm>
         </p:spPr>
         <p:txBody>
-          <a:bodyPr/>
+          <a:bodyPr>
+            <a:normAutofit/>
+          </a:bodyPr>
           <a:lstStyle/>
           <a:p>
             <a:r>
-              <a:rPr lang="en-US" sz="1800" dirty="0">
-                <a:ea typeface="+mn-lt"/>
-                <a:cs typeface="+mn-lt"/>
-              </a:rPr>
-              <a:t>Преподавателски екип</a:t>
-            </a:r>
-            <a:endParaRPr lang="bg-BG" sz="1800" dirty="0"/>
+              <a:rPr lang="bg-BG" sz="4750" dirty="0"/>
+              <a:t>Множества</a:t>
+            </a:r>
+            <a:r>
+              <a:rPr lang="en-US" sz="4750" dirty="0"/>
+              <a:t> и речници</a:t>
+            </a:r>
           </a:p>
         </p:txBody>
       </p:sp>
       <p:pic>
         <p:nvPicPr>
-          <p:cNvPr id="16" name="Picture 2" descr="Image result for dictionary icon modern">
+          <p:cNvPr id="4" name="Picture 2" descr="Image result for dictionary icon modern">
             <a:extLst>
               <a:ext uri="{FF2B5EF4-FFF2-40B4-BE49-F238E27FC236}">
-                <a16:creationId xmlns:a16="http://schemas.microsoft.com/office/drawing/2014/main" id="{4CF25856-97A6-4DA1-816E-9C81958AAA3C}"/>
+                <a16:creationId xmlns:a16="http://schemas.microsoft.com/office/drawing/2014/main" id="{A720BE7B-4485-67A2-5CB5-3B42EC2D0690}"/>
               </a:ext>
             </a:extLst>
           </p:cNvPr>
@@ -8958,7 +7659,7 @@
         </p:blipFill>
         <p:spPr bwMode="auto">
           <a:xfrm>
-            <a:off x="3941126" y="2011276"/>
+            <a:off x="7626000" y="2545881"/>
             <a:ext cx="4309751" cy="2835448"/>
           </a:xfrm>
           <a:prstGeom prst="roundRect">
@@ -8981,7 +7682,7 @@
     </p:spTree>
     <p:extLst>
       <p:ext uri="{BB962C8B-B14F-4D97-AF65-F5344CB8AC3E}">
-        <p14:creationId xmlns:p14="http://schemas.microsoft.com/office/powerpoint/2010/main" val="2570981981"/>
+        <p14:creationId xmlns:p14="http://schemas.microsoft.com/office/powerpoint/2010/main" val="3973222603"/>
       </p:ext>
     </p:extLst>
   </p:cSld>
@@ -9292,10 +7993,14 @@
             </a:pPr>
             <a:r>
               <a:rPr lang="en-US" sz="2399" dirty="0"/>
-              <a:t>   if (counts.</a:t>
-            </a:r>
-            <a:r>
-              <a:rPr lang="en-US" sz="2399" dirty="0">
+              <a:t>   if (</a:t>
+            </a:r>
+            <a:r>
+              <a:rPr lang="en-US" sz="2399" dirty="0" err="1"/>
+              <a:t>counts.</a:t>
+            </a:r>
+            <a:r>
+              <a:rPr lang="en-US" sz="2399" dirty="0" err="1">
                 <a:solidFill>
                   <a:schemeClr val="bg1"/>
                 </a:solidFill>
@@ -9528,10 +8233,69 @@
       </p:sp>
       <p:sp>
         <p:nvSpPr>
-          <p:cNvPr id="7" name="Slide Number">
+          <p:cNvPr id="8" name="TextBox 7">
             <a:extLst>
               <a:ext uri="{FF2B5EF4-FFF2-40B4-BE49-F238E27FC236}">
-                <a16:creationId xmlns:a16="http://schemas.microsoft.com/office/drawing/2014/main" id="{8DE4223D-CFD6-4EF8-8F64-30ACB43EE572}"/>
+                <a16:creationId xmlns:a16="http://schemas.microsoft.com/office/drawing/2014/main" id="{52CB4AF6-16B3-4AB7-A8C4-A2802BD6E7BF}"/>
+              </a:ext>
+            </a:extLst>
+          </p:cNvPr>
+          <p:cNvSpPr txBox="1"/>
+          <p:nvPr/>
+        </p:nvSpPr>
+        <p:spPr>
+          <a:xfrm>
+            <a:off x="625262" y="6319283"/>
+            <a:ext cx="10938303" cy="399877"/>
+          </a:xfrm>
+          <a:prstGeom prst="rect">
+            <a:avLst/>
+          </a:prstGeom>
+          <a:noFill/>
+        </p:spPr>
+        <p:txBody>
+          <a:bodyPr wrap="square" lIns="91440" tIns="45720" rIns="91440" bIns="45720" rtlCol="0" anchor="t">
+            <a:spAutoFit/>
+          </a:bodyPr>
+          <a:lstStyle/>
+          <a:p>
+            <a:pPr algn="ctr"/>
+            <a:r>
+              <a:rPr lang="en-US" sz="1950" dirty="0"/>
+              <a:t>Тествайте решението</a:t>
+            </a:r>
+            <a:r>
+              <a:rPr lang="bg-BG" sz="1950" dirty="0"/>
+              <a:t> си</a:t>
+            </a:r>
+            <a:r>
+              <a:rPr lang="en-US" sz="1950" dirty="0"/>
+              <a:t> в Judge: </a:t>
+            </a:r>
+            <a:r>
+              <a:rPr lang="en-US" sz="1950" dirty="0">
+                <a:solidFill>
+                  <a:schemeClr val="bg1"/>
+                </a:solidFill>
+                <a:hlinkClick r:id="rId2"/>
+              </a:rPr>
+              <a:t>https://judge.softuni.org/Contests/Practice/Index/4160#0</a:t>
+            </a:r>
+            <a:endParaRPr lang="en-US" sz="1950" dirty="0">
+              <a:solidFill>
+                <a:schemeClr val="bg1"/>
+              </a:solidFill>
+              <a:cs typeface="Calibri"/>
+            </a:endParaRPr>
+          </a:p>
+        </p:txBody>
+      </p:sp>
+      <p:sp>
+        <p:nvSpPr>
+          <p:cNvPr id="2" name="Slide Number">
+            <a:extLst>
+              <a:ext uri="{FF2B5EF4-FFF2-40B4-BE49-F238E27FC236}">
+                <a16:creationId xmlns:a16="http://schemas.microsoft.com/office/drawing/2014/main" id="{2CA8806D-96A2-C86F-B177-5D86B0802AB7}"/>
               </a:ext>
             </a:extLst>
           </p:cNvPr>
@@ -9568,69 +8332,10 @@
           </a:p>
         </p:txBody>
       </p:sp>
-      <p:sp>
-        <p:nvSpPr>
-          <p:cNvPr id="8" name="TextBox 7">
-            <a:extLst>
-              <a:ext uri="{FF2B5EF4-FFF2-40B4-BE49-F238E27FC236}">
-                <a16:creationId xmlns:a16="http://schemas.microsoft.com/office/drawing/2014/main" id="{52CB4AF6-16B3-4AB7-A8C4-A2802BD6E7BF}"/>
-              </a:ext>
-            </a:extLst>
-          </p:cNvPr>
-          <p:cNvSpPr txBox="1"/>
-          <p:nvPr/>
-        </p:nvSpPr>
-        <p:spPr>
-          <a:xfrm>
-            <a:off x="625262" y="6319283"/>
-            <a:ext cx="10938303" cy="399877"/>
-          </a:xfrm>
-          <a:prstGeom prst="rect">
-            <a:avLst/>
-          </a:prstGeom>
-          <a:noFill/>
-        </p:spPr>
-        <p:txBody>
-          <a:bodyPr wrap="square" lIns="91440" tIns="45720" rIns="91440" bIns="45720" rtlCol="0" anchor="t">
-            <a:spAutoFit/>
-          </a:bodyPr>
-          <a:lstStyle/>
-          <a:p>
-            <a:pPr algn="ctr"/>
-            <a:r>
-              <a:rPr lang="en-US" sz="1950" dirty="0"/>
-              <a:t>Тествайте решението</a:t>
-            </a:r>
-            <a:r>
-              <a:rPr lang="bg-BG" sz="1950" dirty="0"/>
-              <a:t> си</a:t>
-            </a:r>
-            <a:r>
-              <a:rPr lang="en-US" sz="1950" dirty="0"/>
-              <a:t> в Judge: </a:t>
-            </a:r>
-            <a:r>
-              <a:rPr lang="en-US" sz="1950" dirty="0">
-                <a:solidFill>
-                  <a:schemeClr val="bg1"/>
-                </a:solidFill>
-                <a:hlinkClick r:id="rId2"/>
-              </a:rPr>
-              <a:t>https://judge.softuni.org/Contests/Practice/Index/4160#0</a:t>
-            </a:r>
-            <a:endParaRPr lang="en-US" sz="1950" dirty="0">
-              <a:solidFill>
-                <a:schemeClr val="bg1"/>
-              </a:solidFill>
-              <a:cs typeface="Calibri"/>
-            </a:endParaRPr>
-          </a:p>
-        </p:txBody>
-      </p:sp>
     </p:spTree>
     <p:extLst>
       <p:ext uri="{BB962C8B-B14F-4D97-AF65-F5344CB8AC3E}">
-        <p14:creationId xmlns:p14="http://schemas.microsoft.com/office/powerpoint/2010/main" val="3576536939"/>
+        <p14:creationId xmlns:p14="http://schemas.microsoft.com/office/powerpoint/2010/main" val="3791009315"/>
       </p:ext>
     </p:extLst>
   </p:cSld>
@@ -10767,10 +9472,10 @@
       </p:sp>
       <p:sp>
         <p:nvSpPr>
-          <p:cNvPr id="9" name="Slide Number">
+          <p:cNvPr id="2" name="Slide Number">
             <a:extLst>
               <a:ext uri="{FF2B5EF4-FFF2-40B4-BE49-F238E27FC236}">
-                <a16:creationId xmlns:a16="http://schemas.microsoft.com/office/drawing/2014/main" id="{C7921493-01BE-4272-A9E1-FCF4C3ACA165}"/>
+                <a16:creationId xmlns:a16="http://schemas.microsoft.com/office/drawing/2014/main" id="{26AD39DB-738A-7733-783F-C949B526BCF6}"/>
               </a:ext>
             </a:extLst>
           </p:cNvPr>
@@ -10810,7 +9515,7 @@
     </p:spTree>
     <p:extLst>
       <p:ext uri="{BB962C8B-B14F-4D97-AF65-F5344CB8AC3E}">
-        <p14:creationId xmlns:p14="http://schemas.microsoft.com/office/powerpoint/2010/main" val="3307303861"/>
+        <p14:creationId xmlns:p14="http://schemas.microsoft.com/office/powerpoint/2010/main" val="2481430840"/>
       </p:ext>
     </p:extLst>
   </p:cSld>
@@ -11327,10 +10032,10 @@
       </p:pic>
       <p:sp>
         <p:nvSpPr>
-          <p:cNvPr id="5" name="Title 4">
+          <p:cNvPr id="3" name="Заглавие 2">
             <a:extLst>
               <a:ext uri="{FF2B5EF4-FFF2-40B4-BE49-F238E27FC236}">
-                <a16:creationId xmlns:a16="http://schemas.microsoft.com/office/drawing/2014/main" id="{5BCB3485-32BD-495F-B28F-21EF7AF610CB}"/>
+                <a16:creationId xmlns:a16="http://schemas.microsoft.com/office/drawing/2014/main" id="{9F9A1A78-E26F-828B-5A2A-C1905E7E8D01}"/>
               </a:ext>
             </a:extLst>
           </p:cNvPr>
@@ -11347,19 +10052,16 @@
           <a:lstStyle/>
           <a:p>
             <a:r>
-              <a:rPr lang="en-US" sz="5350" dirty="0">
-                <a:cs typeface="Arial"/>
-              </a:rPr>
+              <a:rPr lang="bg-BG"/>
               <a:t>Мулти-речници</a:t>
             </a:r>
-            <a:endParaRPr lang="bg-BG" dirty="0"/>
           </a:p>
         </p:txBody>
       </p:sp>
     </p:spTree>
     <p:extLst>
       <p:ext uri="{BB962C8B-B14F-4D97-AF65-F5344CB8AC3E}">
-        <p14:creationId xmlns:p14="http://schemas.microsoft.com/office/powerpoint/2010/main" val="3065357567"/>
+        <p14:creationId xmlns:p14="http://schemas.microsoft.com/office/powerpoint/2010/main" val="4131406276"/>
       </p:ext>
     </p:extLst>
   </p:cSld>
@@ -11926,10 +10628,10 @@
       </p:sp>
       <p:sp>
         <p:nvSpPr>
-          <p:cNvPr id="8" name="Slide Number">
+          <p:cNvPr id="2" name="Slide Number">
             <a:extLst>
               <a:ext uri="{FF2B5EF4-FFF2-40B4-BE49-F238E27FC236}">
-                <a16:creationId xmlns:a16="http://schemas.microsoft.com/office/drawing/2014/main" id="{D5DFB5A9-2965-4997-81D0-B305C0641879}"/>
+                <a16:creationId xmlns:a16="http://schemas.microsoft.com/office/drawing/2014/main" id="{5652DB95-0AB6-AD3C-B25A-BAF289431106}"/>
               </a:ext>
             </a:extLst>
           </p:cNvPr>
@@ -12057,7 +10759,7 @@
     </p:spTree>
     <p:extLst>
       <p:ext uri="{BB962C8B-B14F-4D97-AF65-F5344CB8AC3E}">
-        <p14:creationId xmlns:p14="http://schemas.microsoft.com/office/powerpoint/2010/main" val="3751232363"/>
+        <p14:creationId xmlns:p14="http://schemas.microsoft.com/office/powerpoint/2010/main" val="3332460012"/>
       </p:ext>
     </p:extLst>
   </p:cSld>
@@ -12877,10 +11579,10 @@
       </p:sp>
       <p:sp>
         <p:nvSpPr>
-          <p:cNvPr id="10" name="Slide Number">
+          <p:cNvPr id="2" name="Slide Number">
             <a:extLst>
               <a:ext uri="{FF2B5EF4-FFF2-40B4-BE49-F238E27FC236}">
-                <a16:creationId xmlns:a16="http://schemas.microsoft.com/office/drawing/2014/main" id="{7E25BA72-4B51-4292-A11F-51056567E2A6}"/>
+                <a16:creationId xmlns:a16="http://schemas.microsoft.com/office/drawing/2014/main" id="{F3D94701-00CD-DA45-97D9-CFD8284FDACB}"/>
               </a:ext>
             </a:extLst>
           </p:cNvPr>
@@ -12920,7 +11622,7 @@
     </p:spTree>
     <p:extLst>
       <p:ext uri="{BB962C8B-B14F-4D97-AF65-F5344CB8AC3E}">
-        <p14:creationId xmlns:p14="http://schemas.microsoft.com/office/powerpoint/2010/main" val="1693155604"/>
+        <p14:creationId xmlns:p14="http://schemas.microsoft.com/office/powerpoint/2010/main" val="1901403758"/>
       </p:ext>
     </p:extLst>
   </p:cSld>
@@ -13525,7 +12227,15 @@
             </a:pPr>
             <a:r>
               <a:rPr lang="en-US" sz="2400" dirty="0"/>
-              <a:t>  if (!grades.ContainsKey(name))</a:t>
+              <a:t>  if (!</a:t>
+            </a:r>
+            <a:r>
+              <a:rPr lang="en-US" sz="2400" dirty="0" err="1"/>
+              <a:t>grades.ContainsKey</a:t>
+            </a:r>
+            <a:r>
+              <a:rPr lang="en-US" sz="2400" dirty="0"/>
+              <a:t>(name))</a:t>
             </a:r>
           </a:p>
           <a:p>
@@ -13784,10 +12494,10 @@
       </p:sp>
       <p:sp>
         <p:nvSpPr>
-          <p:cNvPr id="7" name="Slide Number">
+          <p:cNvPr id="2" name="Slide Number">
             <a:extLst>
               <a:ext uri="{FF2B5EF4-FFF2-40B4-BE49-F238E27FC236}">
-                <a16:creationId xmlns:a16="http://schemas.microsoft.com/office/drawing/2014/main" id="{E2704E59-7703-4555-AA16-D960AA5540C5}"/>
+                <a16:creationId xmlns:a16="http://schemas.microsoft.com/office/drawing/2014/main" id="{FDDA9A87-A9E6-95A1-221E-DF4A2D2E8EE5}"/>
               </a:ext>
             </a:extLst>
           </p:cNvPr>
@@ -13827,7 +12537,7 @@
     </p:spTree>
     <p:extLst>
       <p:ext uri="{BB962C8B-B14F-4D97-AF65-F5344CB8AC3E}">
-        <p14:creationId xmlns:p14="http://schemas.microsoft.com/office/powerpoint/2010/main" val="3060645340"/>
+        <p14:creationId xmlns:p14="http://schemas.microsoft.com/office/powerpoint/2010/main" val="982593324"/>
       </p:ext>
     </p:extLst>
   </p:cSld>
@@ -14889,10 +13599,63 @@
       </p:sp>
       <p:sp>
         <p:nvSpPr>
-          <p:cNvPr id="6" name="Slide Number">
+          <p:cNvPr id="9" name="TextBox 8">
             <a:extLst>
               <a:ext uri="{FF2B5EF4-FFF2-40B4-BE49-F238E27FC236}">
-                <a16:creationId xmlns:a16="http://schemas.microsoft.com/office/drawing/2014/main" id="{BB78CBA3-83F3-43A4-9BD9-F4DB4A9A47DA}"/>
+                <a16:creationId xmlns:a16="http://schemas.microsoft.com/office/drawing/2014/main" id="{0DD2992C-7F51-4271-926B-CC9E46FEDAB9}"/>
+              </a:ext>
+            </a:extLst>
+          </p:cNvPr>
+          <p:cNvSpPr txBox="1"/>
+          <p:nvPr/>
+        </p:nvSpPr>
+        <p:spPr>
+          <a:xfrm>
+            <a:off x="625262" y="6319283"/>
+            <a:ext cx="10938303" cy="399877"/>
+          </a:xfrm>
+          <a:prstGeom prst="rect">
+            <a:avLst/>
+          </a:prstGeom>
+          <a:noFill/>
+        </p:spPr>
+        <p:txBody>
+          <a:bodyPr wrap="square" lIns="91440" tIns="45720" rIns="91440" bIns="45720" rtlCol="0" anchor="t">
+            <a:spAutoFit/>
+          </a:bodyPr>
+          <a:lstStyle/>
+          <a:p>
+            <a:pPr algn="ctr"/>
+            <a:r>
+              <a:rPr lang="en-US" sz="1950" dirty="0"/>
+              <a:t>Тествайте решението</a:t>
+            </a:r>
+            <a:r>
+              <a:rPr lang="bg-BG" sz="1950" dirty="0"/>
+              <a:t> си</a:t>
+            </a:r>
+            <a:r>
+              <a:rPr lang="en-US" sz="1950" dirty="0"/>
+              <a:t> в Judge: </a:t>
+            </a:r>
+            <a:r>
+              <a:rPr lang="en-US" sz="1950" dirty="0">
+                <a:hlinkClick r:id="rId2"/>
+              </a:rPr>
+              <a:t>https://judge.softuni.org/Contests/Practice/Index/4160#1</a:t>
+            </a:r>
+            <a:endParaRPr lang="en-US" sz="1950" dirty="0">
+              <a:cs typeface="Calibri"/>
+            </a:endParaRPr>
+          </a:p>
+        </p:txBody>
+      </p:sp>
+      <p:sp>
+        <p:nvSpPr>
+          <p:cNvPr id="2" name="Slide Number">
+            <a:extLst>
+              <a:ext uri="{FF2B5EF4-FFF2-40B4-BE49-F238E27FC236}">
+                <a16:creationId xmlns:a16="http://schemas.microsoft.com/office/drawing/2014/main" id="{4333505C-C34F-74C4-3610-FF8E55482C23}"/>
               </a:ext>
             </a:extLst>
           </p:cNvPr>
@@ -14929,63 +13692,10 @@
           </a:p>
         </p:txBody>
       </p:sp>
-      <p:sp>
-        <p:nvSpPr>
-          <p:cNvPr id="9" name="TextBox 8">
-            <a:extLst>
-              <a:ext uri="{FF2B5EF4-FFF2-40B4-BE49-F238E27FC236}">
-                <a16:creationId xmlns:a16="http://schemas.microsoft.com/office/drawing/2014/main" id="{0DD2992C-7F51-4271-926B-CC9E46FEDAB9}"/>
-              </a:ext>
-            </a:extLst>
-          </p:cNvPr>
-          <p:cNvSpPr txBox="1"/>
-          <p:nvPr/>
-        </p:nvSpPr>
-        <p:spPr>
-          <a:xfrm>
-            <a:off x="625262" y="6319283"/>
-            <a:ext cx="10938303" cy="399877"/>
-          </a:xfrm>
-          <a:prstGeom prst="rect">
-            <a:avLst/>
-          </a:prstGeom>
-          <a:noFill/>
-        </p:spPr>
-        <p:txBody>
-          <a:bodyPr wrap="square" lIns="91440" tIns="45720" rIns="91440" bIns="45720" rtlCol="0" anchor="t">
-            <a:spAutoFit/>
-          </a:bodyPr>
-          <a:lstStyle/>
-          <a:p>
-            <a:pPr algn="ctr"/>
-            <a:r>
-              <a:rPr lang="en-US" sz="1950" dirty="0"/>
-              <a:t>Тествайте решението</a:t>
-            </a:r>
-            <a:r>
-              <a:rPr lang="bg-BG" sz="1950" dirty="0"/>
-              <a:t> си</a:t>
-            </a:r>
-            <a:r>
-              <a:rPr lang="en-US" sz="1950" dirty="0"/>
-              <a:t> в Judge: </a:t>
-            </a:r>
-            <a:r>
-              <a:rPr lang="en-US" sz="1950" dirty="0">
-                <a:hlinkClick r:id="rId2"/>
-              </a:rPr>
-              <a:t>https://judge.softuni.org/Contests/Practice/Index/4160#1</a:t>
-            </a:r>
-            <a:endParaRPr lang="en-US" sz="1950" dirty="0">
-              <a:cs typeface="Calibri"/>
-            </a:endParaRPr>
-          </a:p>
-        </p:txBody>
-      </p:sp>
     </p:spTree>
     <p:extLst>
       <p:ext uri="{BB962C8B-B14F-4D97-AF65-F5344CB8AC3E}">
-        <p14:creationId xmlns:p14="http://schemas.microsoft.com/office/powerpoint/2010/main" val="442622618"/>
+        <p14:creationId xmlns:p14="http://schemas.microsoft.com/office/powerpoint/2010/main" val="2178064097"/>
       </p:ext>
     </p:extLst>
   </p:cSld>
@@ -15525,7 +14235,7 @@
       </p:sp>
       <p:sp>
         <p:nvSpPr>
-          <p:cNvPr id="12" name="Rectangle 11"/>
+          <p:cNvPr id="12" name="Rounded Rectangle 11"/>
           <p:cNvSpPr/>
           <p:nvPr/>
         </p:nvSpPr>
@@ -15534,7 +14244,7 @@
             <a:off x="4387881" y="2979845"/>
             <a:ext cx="4972958" cy="953859"/>
           </a:xfrm>
-          <a:prstGeom prst="rect">
+          <a:prstGeom prst="roundRect">
             <a:avLst/>
           </a:prstGeom>
           <a:solidFill>
@@ -15634,7 +14344,7 @@
       </p:sp>
       <p:sp>
         <p:nvSpPr>
-          <p:cNvPr id="13" name="Rectangle 12"/>
+          <p:cNvPr id="13" name="Rounded Rectangle 12"/>
           <p:cNvSpPr/>
           <p:nvPr/>
         </p:nvSpPr>
@@ -15643,7 +14353,7 @@
             <a:off x="4387881" y="4156592"/>
             <a:ext cx="4972958" cy="892713"/>
           </a:xfrm>
-          <a:prstGeom prst="rect">
+          <a:prstGeom prst="roundRect">
             <a:avLst/>
           </a:prstGeom>
           <a:solidFill>
@@ -15743,7 +14453,7 @@
       </p:sp>
       <p:sp>
         <p:nvSpPr>
-          <p:cNvPr id="14" name="Rectangle 13"/>
+          <p:cNvPr id="14" name="Rounded Rectangle 13"/>
           <p:cNvSpPr/>
           <p:nvPr/>
         </p:nvSpPr>
@@ -15752,7 +14462,7 @@
             <a:off x="4387881" y="5286806"/>
             <a:ext cx="4972958" cy="932194"/>
           </a:xfrm>
-          <a:prstGeom prst="rect">
+          <a:prstGeom prst="roundRect">
             <a:avLst/>
           </a:prstGeom>
           <a:solidFill>
@@ -15852,7 +14562,7 @@
       </p:sp>
       <p:sp>
         <p:nvSpPr>
-          <p:cNvPr id="5" name="Rectangle 4">
+          <p:cNvPr id="5" name="Rounded Rectangle 4">
             <a:extLst>
               <a:ext uri="{FF2B5EF4-FFF2-40B4-BE49-F238E27FC236}">
                 <a16:creationId xmlns:a16="http://schemas.microsoft.com/office/drawing/2014/main" id="{B4B7BBB7-F52C-442D-A494-29DFD5323851}"/>
@@ -15867,7 +14577,7 @@
             <a:off x="2567609" y="3228233"/>
             <a:ext cx="1063735" cy="457081"/>
           </a:xfrm>
-          <a:prstGeom prst="rect">
+          <a:prstGeom prst="roundRect">
             <a:avLst/>
           </a:prstGeom>
           <a:solidFill>
@@ -16000,7 +14710,7 @@
       </p:sp>
       <p:sp>
         <p:nvSpPr>
-          <p:cNvPr id="16" name="Rectangle 15">
+          <p:cNvPr id="16" name="Rounded Rectangle 15">
             <a:extLst>
               <a:ext uri="{FF2B5EF4-FFF2-40B4-BE49-F238E27FC236}">
                 <a16:creationId xmlns:a16="http://schemas.microsoft.com/office/drawing/2014/main" id="{5C3E9AA6-FAC4-47E7-BE53-7E29E77104E8}"/>
@@ -16015,7 +14725,7 @@
             <a:off x="2567609" y="4405373"/>
             <a:ext cx="1063735" cy="457081"/>
           </a:xfrm>
-          <a:prstGeom prst="rect">
+          <a:prstGeom prst="roundRect">
             <a:avLst/>
           </a:prstGeom>
           <a:solidFill>
@@ -16148,7 +14858,7 @@
       </p:sp>
       <p:sp>
         <p:nvSpPr>
-          <p:cNvPr id="18" name="Rectangle 17">
+          <p:cNvPr id="18" name="Rounded Rectangle 17">
             <a:extLst>
               <a:ext uri="{FF2B5EF4-FFF2-40B4-BE49-F238E27FC236}">
                 <a16:creationId xmlns:a16="http://schemas.microsoft.com/office/drawing/2014/main" id="{C6A5FE84-E4E7-45E6-ACA7-102E817CF3C5}"/>
@@ -16163,7 +14873,7 @@
             <a:off x="2567609" y="5575070"/>
             <a:ext cx="1063735" cy="457081"/>
           </a:xfrm>
-          <a:prstGeom prst="rect">
+          <a:prstGeom prst="roundRect">
             <a:avLst/>
           </a:prstGeom>
           <a:solidFill>
@@ -16296,10 +15006,10 @@
       </p:sp>
       <p:sp>
         <p:nvSpPr>
-          <p:cNvPr id="20" name="Slide Number">
+          <p:cNvPr id="2" name="Slide Number">
             <a:extLst>
               <a:ext uri="{FF2B5EF4-FFF2-40B4-BE49-F238E27FC236}">
-                <a16:creationId xmlns:a16="http://schemas.microsoft.com/office/drawing/2014/main" id="{8B01A79B-8161-4847-A09A-F5CE1DCADAFD}"/>
+                <a16:creationId xmlns:a16="http://schemas.microsoft.com/office/drawing/2014/main" id="{6B8D88E2-00F5-CB47-212A-8F47187AB0F0}"/>
               </a:ext>
             </a:extLst>
           </p:cNvPr>
@@ -16427,7 +15137,7 @@
     </p:spTree>
     <p:extLst>
       <p:ext uri="{BB962C8B-B14F-4D97-AF65-F5344CB8AC3E}">
-        <p14:creationId xmlns:p14="http://schemas.microsoft.com/office/powerpoint/2010/main" val="3068000498"/>
+        <p14:creationId xmlns:p14="http://schemas.microsoft.com/office/powerpoint/2010/main" val="1641881117"/>
       </p:ext>
     </p:extLst>
   </p:cSld>
@@ -17413,10 +16123,10 @@
       </p:sp>
       <p:sp>
         <p:nvSpPr>
-          <p:cNvPr id="15" name="Slide Number">
+          <p:cNvPr id="2" name="Slide Number">
             <a:extLst>
               <a:ext uri="{FF2B5EF4-FFF2-40B4-BE49-F238E27FC236}">
-                <a16:creationId xmlns:a16="http://schemas.microsoft.com/office/drawing/2014/main" id="{DF24DDF4-7731-4262-AC7E-A0F5D9D2201F}"/>
+                <a16:creationId xmlns:a16="http://schemas.microsoft.com/office/drawing/2014/main" id="{7FA99F57-42F9-C96A-3BB1-A9D7D9177904}"/>
               </a:ext>
             </a:extLst>
           </p:cNvPr>
@@ -17456,7 +16166,7 @@
     </p:spTree>
     <p:extLst>
       <p:ext uri="{BB962C8B-B14F-4D97-AF65-F5344CB8AC3E}">
-        <p14:creationId xmlns:p14="http://schemas.microsoft.com/office/powerpoint/2010/main" val="2134312476"/>
+        <p14:creationId xmlns:p14="http://schemas.microsoft.com/office/powerpoint/2010/main" val="2618545926"/>
       </p:ext>
     </p:extLst>
   </p:cSld>
@@ -18188,7 +16898,25 @@
                 </a:solidFill>
                 <a:latin typeface="Consolas"/>
               </a:rPr>
-              <a:t>// Продължаваме на следващият слайд ... </a:t>
+              <a:t>// Продължаваме на следващия </a:t>
+            </a:r>
+            <a:r>
+              <a:rPr lang="en-US" sz="2400" i="1" dirty="0" err="1">
+                <a:solidFill>
+                  <a:schemeClr val="accent2"/>
+                </a:solidFill>
+                <a:latin typeface="Consolas"/>
+              </a:rPr>
+              <a:t>слайд</a:t>
+            </a:r>
+            <a:r>
+              <a:rPr lang="en-US" sz="2400" i="1" dirty="0">
+                <a:solidFill>
+                  <a:schemeClr val="accent2"/>
+                </a:solidFill>
+                <a:latin typeface="Consolas"/>
+              </a:rPr>
+              <a:t>... </a:t>
             </a:r>
             <a:endParaRPr lang="en-US" sz="2400" b="0" dirty="0">
               <a:solidFill>
@@ -18201,10 +16929,10 @@
       </p:sp>
       <p:sp>
         <p:nvSpPr>
-          <p:cNvPr id="7" name="Slide Number">
+          <p:cNvPr id="2" name="Slide Number">
             <a:extLst>
               <a:ext uri="{FF2B5EF4-FFF2-40B4-BE49-F238E27FC236}">
-                <a16:creationId xmlns:a16="http://schemas.microsoft.com/office/drawing/2014/main" id="{783C1129-B3F9-478A-985D-C81E628955F7}"/>
+                <a16:creationId xmlns:a16="http://schemas.microsoft.com/office/drawing/2014/main" id="{1D993B2C-4C07-267E-3E90-A73533CE7381}"/>
               </a:ext>
             </a:extLst>
           </p:cNvPr>
@@ -18244,7 +16972,7 @@
     </p:spTree>
     <p:extLst>
       <p:ext uri="{BB962C8B-B14F-4D97-AF65-F5344CB8AC3E}">
-        <p14:creationId xmlns:p14="http://schemas.microsoft.com/office/powerpoint/2010/main" val="1197289208"/>
+        <p14:creationId xmlns:p14="http://schemas.microsoft.com/office/powerpoint/2010/main" val="3428459040"/>
       </p:ext>
     </p:extLst>
   </p:cSld>
@@ -18844,10 +17572,10 @@
       </p:sp>
       <p:sp>
         <p:nvSpPr>
-          <p:cNvPr id="5" name="Slide Number">
+          <p:cNvPr id="2" name="Slide Number">
             <a:extLst>
               <a:ext uri="{FF2B5EF4-FFF2-40B4-BE49-F238E27FC236}">
-                <a16:creationId xmlns:a16="http://schemas.microsoft.com/office/drawing/2014/main" id="{64EC87D9-E17F-44B9-8393-80A54964B1A1}"/>
+                <a16:creationId xmlns:a16="http://schemas.microsoft.com/office/drawing/2014/main" id="{78D222EA-690C-82F1-54C8-48830C6DE4BE}"/>
               </a:ext>
             </a:extLst>
           </p:cNvPr>
@@ -18975,7 +17703,7 @@
     </p:spTree>
     <p:extLst>
       <p:ext uri="{BB962C8B-B14F-4D97-AF65-F5344CB8AC3E}">
-        <p14:creationId xmlns:p14="http://schemas.microsoft.com/office/powerpoint/2010/main" val="3375843007"/>
+        <p14:creationId xmlns:p14="http://schemas.microsoft.com/office/powerpoint/2010/main" val="2364300153"/>
       </p:ext>
     </p:extLst>
   </p:cSld>
@@ -19710,10 +18438,63 @@
       </p:sp>
       <p:sp>
         <p:nvSpPr>
-          <p:cNvPr id="7" name="Slide Number">
+          <p:cNvPr id="8" name="TextBox 7">
             <a:extLst>
               <a:ext uri="{FF2B5EF4-FFF2-40B4-BE49-F238E27FC236}">
-                <a16:creationId xmlns:a16="http://schemas.microsoft.com/office/drawing/2014/main" id="{44F3514E-38D2-4396-A180-42FEE0458AAC}"/>
+                <a16:creationId xmlns:a16="http://schemas.microsoft.com/office/drawing/2014/main" id="{75B16E41-D0C8-4565-9A69-F617B774921A}"/>
+              </a:ext>
+            </a:extLst>
+          </p:cNvPr>
+          <p:cNvSpPr txBox="1"/>
+          <p:nvPr/>
+        </p:nvSpPr>
+        <p:spPr>
+          <a:xfrm>
+            <a:off x="625262" y="6359123"/>
+            <a:ext cx="10938303" cy="399877"/>
+          </a:xfrm>
+          <a:prstGeom prst="rect">
+            <a:avLst/>
+          </a:prstGeom>
+          <a:noFill/>
+        </p:spPr>
+        <p:txBody>
+          <a:bodyPr wrap="square" lIns="91440" tIns="45720" rIns="91440" bIns="45720" rtlCol="0" anchor="t">
+            <a:spAutoFit/>
+          </a:bodyPr>
+          <a:lstStyle/>
+          <a:p>
+            <a:pPr algn="ctr"/>
+            <a:r>
+              <a:rPr lang="en-US" sz="1950" dirty="0"/>
+              <a:t>Тествайте решението </a:t>
+            </a:r>
+            <a:r>
+              <a:rPr lang="bg-BG" sz="1950" dirty="0"/>
+              <a:t>си</a:t>
+            </a:r>
+            <a:r>
+              <a:rPr lang="en-US" sz="1950" dirty="0"/>
+              <a:t> в Judge: </a:t>
+            </a:r>
+            <a:r>
+              <a:rPr lang="en-US" sz="1950" dirty="0">
+                <a:hlinkClick r:id="rId2"/>
+              </a:rPr>
+              <a:t>https://judge.softuni.org/Contests/Practice/Index/4160#2</a:t>
+            </a:r>
+            <a:endParaRPr lang="en-US" sz="1950" dirty="0">
+              <a:cs typeface="Calibri"/>
+            </a:endParaRPr>
+          </a:p>
+        </p:txBody>
+      </p:sp>
+      <p:sp>
+        <p:nvSpPr>
+          <p:cNvPr id="2" name="Slide Number">
+            <a:extLst>
+              <a:ext uri="{FF2B5EF4-FFF2-40B4-BE49-F238E27FC236}">
+                <a16:creationId xmlns:a16="http://schemas.microsoft.com/office/drawing/2014/main" id="{3886972C-3343-677F-D42B-0B8860AB5014}"/>
               </a:ext>
             </a:extLst>
           </p:cNvPr>
@@ -19750,63 +18531,10 @@
           </a:p>
         </p:txBody>
       </p:sp>
-      <p:sp>
-        <p:nvSpPr>
-          <p:cNvPr id="8" name="TextBox 7">
-            <a:extLst>
-              <a:ext uri="{FF2B5EF4-FFF2-40B4-BE49-F238E27FC236}">
-                <a16:creationId xmlns:a16="http://schemas.microsoft.com/office/drawing/2014/main" id="{75B16E41-D0C8-4565-9A69-F617B774921A}"/>
-              </a:ext>
-            </a:extLst>
-          </p:cNvPr>
-          <p:cNvSpPr txBox="1"/>
-          <p:nvPr/>
-        </p:nvSpPr>
-        <p:spPr>
-          <a:xfrm>
-            <a:off x="625262" y="6359123"/>
-            <a:ext cx="10938303" cy="399877"/>
-          </a:xfrm>
-          <a:prstGeom prst="rect">
-            <a:avLst/>
-          </a:prstGeom>
-          <a:noFill/>
-        </p:spPr>
-        <p:txBody>
-          <a:bodyPr wrap="square" lIns="91440" tIns="45720" rIns="91440" bIns="45720" rtlCol="0" anchor="t">
-            <a:spAutoFit/>
-          </a:bodyPr>
-          <a:lstStyle/>
-          <a:p>
-            <a:pPr algn="ctr"/>
-            <a:r>
-              <a:rPr lang="en-US" sz="1950" dirty="0"/>
-              <a:t>Тествайте решението </a:t>
-            </a:r>
-            <a:r>
-              <a:rPr lang="bg-BG" sz="1950" dirty="0"/>
-              <a:t>си</a:t>
-            </a:r>
-            <a:r>
-              <a:rPr lang="en-US" sz="1950" dirty="0"/>
-              <a:t> в Judge: </a:t>
-            </a:r>
-            <a:r>
-              <a:rPr lang="en-US" sz="1950" dirty="0">
-                <a:hlinkClick r:id="rId2"/>
-              </a:rPr>
-              <a:t>https://judge.softuni.org/Contests/Practice/Index/4160#2</a:t>
-            </a:r>
-            <a:endParaRPr lang="en-US" sz="1950" dirty="0">
-              <a:cs typeface="Calibri"/>
-            </a:endParaRPr>
-          </a:p>
-        </p:txBody>
-      </p:sp>
     </p:spTree>
     <p:extLst>
       <p:ext uri="{BB962C8B-B14F-4D97-AF65-F5344CB8AC3E}">
-        <p14:creationId xmlns:p14="http://schemas.microsoft.com/office/powerpoint/2010/main" val="2002797452"/>
+        <p14:creationId xmlns:p14="http://schemas.microsoft.com/office/powerpoint/2010/main" val="2842991826"/>
       </p:ext>
     </p:extLst>
   </p:cSld>
@@ -20690,10 +19418,10 @@
       </p:sp>
       <p:sp>
         <p:nvSpPr>
-          <p:cNvPr id="11" name="Slide Number">
+          <p:cNvPr id="2" name="Slide Number">
             <a:extLst>
               <a:ext uri="{FF2B5EF4-FFF2-40B4-BE49-F238E27FC236}">
-                <a16:creationId xmlns:a16="http://schemas.microsoft.com/office/drawing/2014/main" id="{EF5BC65F-28D9-45D0-9B48-9D248CFEA43F}"/>
+                <a16:creationId xmlns:a16="http://schemas.microsoft.com/office/drawing/2014/main" id="{3E8538E5-955E-C0DB-9077-CC4F4A6D73DA}"/>
               </a:ext>
             </a:extLst>
           </p:cNvPr>
@@ -20733,7 +19461,7 @@
     </p:spTree>
     <p:extLst>
       <p:ext uri="{BB962C8B-B14F-4D97-AF65-F5344CB8AC3E}">
-        <p14:creationId xmlns:p14="http://schemas.microsoft.com/office/powerpoint/2010/main" val="2930850097"/>
+        <p14:creationId xmlns:p14="http://schemas.microsoft.com/office/powerpoint/2010/main" val="2785944321"/>
       </p:ext>
     </p:extLst>
   </p:cSld>
@@ -21324,7 +20052,25 @@
                 </a:solidFill>
                 <a:latin typeface="Consolas"/>
               </a:rPr>
-              <a:t>// Продължаваме на следващият слайд ... </a:t>
+              <a:t>// Продължаваме на следващия </a:t>
+            </a:r>
+            <a:r>
+              <a:rPr lang="en-US" sz="2400" i="1" dirty="0" err="1">
+                <a:solidFill>
+                  <a:schemeClr val="accent2"/>
+                </a:solidFill>
+                <a:latin typeface="Consolas"/>
+              </a:rPr>
+              <a:t>слайд</a:t>
+            </a:r>
+            <a:r>
+              <a:rPr lang="en-US" sz="2400" i="1" dirty="0">
+                <a:solidFill>
+                  <a:schemeClr val="accent2"/>
+                </a:solidFill>
+                <a:latin typeface="Consolas"/>
+              </a:rPr>
+              <a:t>... </a:t>
             </a:r>
             <a:endParaRPr lang="en-US" sz="2400" b="0" dirty="0">
               <a:solidFill>
@@ -21337,10 +20083,10 @@
       </p:sp>
       <p:sp>
         <p:nvSpPr>
-          <p:cNvPr id="7" name="Slide Number">
+          <p:cNvPr id="2" name="Slide Number">
             <a:extLst>
               <a:ext uri="{FF2B5EF4-FFF2-40B4-BE49-F238E27FC236}">
-                <a16:creationId xmlns:a16="http://schemas.microsoft.com/office/drawing/2014/main" id="{BF020EB4-69AE-4547-BC6D-47E719D54396}"/>
+                <a16:creationId xmlns:a16="http://schemas.microsoft.com/office/drawing/2014/main" id="{F522C140-C436-8642-784F-E5AA474EB070}"/>
               </a:ext>
             </a:extLst>
           </p:cNvPr>
@@ -21380,7 +20126,7 @@
     </p:spTree>
     <p:extLst>
       <p:ext uri="{BB962C8B-B14F-4D97-AF65-F5344CB8AC3E}">
-        <p14:creationId xmlns:p14="http://schemas.microsoft.com/office/powerpoint/2010/main" val="1431007273"/>
+        <p14:creationId xmlns:p14="http://schemas.microsoft.com/office/powerpoint/2010/main" val="746337221"/>
       </p:ext>
     </p:extLst>
   </p:cSld>
@@ -21655,15 +20401,33 @@
                                   </p:childTnLst>
                                 </p:cTn>
                               </p:par>
+                            </p:childTnLst>
+                          </p:cTn>
+                        </p:par>
+                      </p:childTnLst>
+                    </p:cTn>
+                  </p:par>
+                  <p:par>
+                    <p:cTn id="23" fill="hold">
+                      <p:stCondLst>
+                        <p:cond delay="indefinite"/>
+                      </p:stCondLst>
+                      <p:childTnLst>
+                        <p:par>
+                          <p:cTn id="24" fill="hold">
+                            <p:stCondLst>
+                              <p:cond delay="0"/>
+                            </p:stCondLst>
+                            <p:childTnLst>
                               <p:par>
-                                <p:cTn id="23" presetID="1" presetClass="entr" presetSubtype="0" fill="hold" nodeType="withEffect">
+                                <p:cTn id="25" presetID="1" presetClass="entr" presetSubtype="0" fill="hold" nodeType="clickEffect">
                                   <p:stCondLst>
                                     <p:cond delay="0"/>
                                   </p:stCondLst>
                                   <p:childTnLst>
                                     <p:set>
                                       <p:cBhvr>
-                                        <p:cTn id="24" dur="1" fill="hold">
+                                        <p:cTn id="26" dur="1" fill="hold">
                                           <p:stCondLst>
                                             <p:cond delay="0"/>
                                           </p:stCondLst>
@@ -22159,7 +20923,7 @@
                 </a:solidFill>
                 <a:latin typeface="Consolas"/>
               </a:rPr>
-              <a:t>// Продължаваме на следващият слайд ... </a:t>
+              <a:t>// Продължаваме на следващия слайд... </a:t>
             </a:r>
             <a:endParaRPr lang="en-US" sz="2400" i="1" noProof="1">
               <a:solidFill>
@@ -22488,10 +21252,10 @@
       </p:sp>
       <p:sp>
         <p:nvSpPr>
-          <p:cNvPr id="8" name="Slide Number">
+          <p:cNvPr id="2" name="Slide Number">
             <a:extLst>
               <a:ext uri="{FF2B5EF4-FFF2-40B4-BE49-F238E27FC236}">
-                <a16:creationId xmlns:a16="http://schemas.microsoft.com/office/drawing/2014/main" id="{628EBDF0-CA77-40FC-8D99-ABE4F9C4C2FF}"/>
+                <a16:creationId xmlns:a16="http://schemas.microsoft.com/office/drawing/2014/main" id="{253B72E4-1AF1-D60C-5960-D9B826675585}"/>
               </a:ext>
             </a:extLst>
           </p:cNvPr>
@@ -22531,7 +21295,7 @@
     </p:spTree>
     <p:extLst>
       <p:ext uri="{BB962C8B-B14F-4D97-AF65-F5344CB8AC3E}">
-        <p14:creationId xmlns:p14="http://schemas.microsoft.com/office/powerpoint/2010/main" val="337670360"/>
+        <p14:creationId xmlns:p14="http://schemas.microsoft.com/office/powerpoint/2010/main" val="1974211645"/>
       </p:ext>
     </p:extLst>
   </p:cSld>
@@ -23596,10 +22360,63 @@
       </p:sp>
       <p:sp>
         <p:nvSpPr>
-          <p:cNvPr id="6" name="Slide Number">
+          <p:cNvPr id="7" name="TextBox 6">
             <a:extLst>
               <a:ext uri="{FF2B5EF4-FFF2-40B4-BE49-F238E27FC236}">
-                <a16:creationId xmlns:a16="http://schemas.microsoft.com/office/drawing/2014/main" id="{920E79B2-6BBD-477A-8839-5857B566E985}"/>
+                <a16:creationId xmlns:a16="http://schemas.microsoft.com/office/drawing/2014/main" id="{41D931C4-A9FF-4BFD-9C42-45F7BABB3BFC}"/>
+              </a:ext>
+            </a:extLst>
+          </p:cNvPr>
+          <p:cNvSpPr txBox="1"/>
+          <p:nvPr/>
+        </p:nvSpPr>
+        <p:spPr>
+          <a:xfrm>
+            <a:off x="625262" y="6319283"/>
+            <a:ext cx="10938303" cy="399877"/>
+          </a:xfrm>
+          <a:prstGeom prst="rect">
+            <a:avLst/>
+          </a:prstGeom>
+          <a:noFill/>
+        </p:spPr>
+        <p:txBody>
+          <a:bodyPr wrap="square" lIns="91440" tIns="45720" rIns="91440" bIns="45720" rtlCol="0" anchor="t">
+            <a:spAutoFit/>
+          </a:bodyPr>
+          <a:lstStyle/>
+          <a:p>
+            <a:pPr algn="ctr"/>
+            <a:r>
+              <a:rPr lang="en-US" sz="1950" dirty="0"/>
+              <a:t>Тествайте решението </a:t>
+            </a:r>
+            <a:r>
+              <a:rPr lang="bg-BG" sz="1950" dirty="0"/>
+              <a:t>си </a:t>
+            </a:r>
+            <a:r>
+              <a:rPr lang="en-US" sz="1950" dirty="0"/>
+              <a:t>в Judge: </a:t>
+            </a:r>
+            <a:r>
+              <a:rPr lang="en-US" sz="1950" dirty="0">
+                <a:hlinkClick r:id="rId2"/>
+              </a:rPr>
+              <a:t>https://judge.softuni.org/Contests/Practice/Index/4160#3</a:t>
+            </a:r>
+            <a:endParaRPr lang="en-US" sz="1950" dirty="0">
+              <a:cs typeface="Calibri"/>
+            </a:endParaRPr>
+          </a:p>
+        </p:txBody>
+      </p:sp>
+      <p:sp>
+        <p:nvSpPr>
+          <p:cNvPr id="2" name="Slide Number">
+            <a:extLst>
+              <a:ext uri="{FF2B5EF4-FFF2-40B4-BE49-F238E27FC236}">
+                <a16:creationId xmlns:a16="http://schemas.microsoft.com/office/drawing/2014/main" id="{6B87C002-78A2-00FD-893D-BFD7E72BD73A}"/>
               </a:ext>
             </a:extLst>
           </p:cNvPr>
@@ -23636,63 +22453,10 @@
           </a:p>
         </p:txBody>
       </p:sp>
-      <p:sp>
-        <p:nvSpPr>
-          <p:cNvPr id="7" name="TextBox 6">
-            <a:extLst>
-              <a:ext uri="{FF2B5EF4-FFF2-40B4-BE49-F238E27FC236}">
-                <a16:creationId xmlns:a16="http://schemas.microsoft.com/office/drawing/2014/main" id="{41D931C4-A9FF-4BFD-9C42-45F7BABB3BFC}"/>
-              </a:ext>
-            </a:extLst>
-          </p:cNvPr>
-          <p:cNvSpPr txBox="1"/>
-          <p:nvPr/>
-        </p:nvSpPr>
-        <p:spPr>
-          <a:xfrm>
-            <a:off x="625262" y="6319283"/>
-            <a:ext cx="10938303" cy="399877"/>
-          </a:xfrm>
-          <a:prstGeom prst="rect">
-            <a:avLst/>
-          </a:prstGeom>
-          <a:noFill/>
-        </p:spPr>
-        <p:txBody>
-          <a:bodyPr wrap="square" lIns="91440" tIns="45720" rIns="91440" bIns="45720" rtlCol="0" anchor="t">
-            <a:spAutoFit/>
-          </a:bodyPr>
-          <a:lstStyle/>
-          <a:p>
-            <a:pPr algn="ctr"/>
-            <a:r>
-              <a:rPr lang="en-US" sz="1950" dirty="0"/>
-              <a:t>Тествайте решението </a:t>
-            </a:r>
-            <a:r>
-              <a:rPr lang="bg-BG" sz="1950" dirty="0"/>
-              <a:t>си </a:t>
-            </a:r>
-            <a:r>
-              <a:rPr lang="en-US" sz="1950" dirty="0"/>
-              <a:t>в Judge: </a:t>
-            </a:r>
-            <a:r>
-              <a:rPr lang="en-US" sz="1950" dirty="0">
-                <a:hlinkClick r:id="rId2"/>
-              </a:rPr>
-              <a:t>https://judge.softuni.org/Contests/Practice/Index/4160#3</a:t>
-            </a:r>
-            <a:endParaRPr lang="en-US" sz="1950" dirty="0">
-              <a:cs typeface="Calibri"/>
-            </a:endParaRPr>
-          </a:p>
-        </p:txBody>
-      </p:sp>
     </p:spTree>
     <p:extLst>
       <p:ext uri="{BB962C8B-B14F-4D97-AF65-F5344CB8AC3E}">
-        <p14:creationId xmlns:p14="http://schemas.microsoft.com/office/powerpoint/2010/main" val="1568860932"/>
+        <p14:creationId xmlns:p14="http://schemas.microsoft.com/office/powerpoint/2010/main" val="4267039659"/>
       </p:ext>
     </p:extLst>
   </p:cSld>
@@ -24141,10 +22905,10 @@
       </p:pic>
       <p:sp>
         <p:nvSpPr>
-          <p:cNvPr id="3" name="Subtitle 2">
+          <p:cNvPr id="4" name="Подзаглавие 3">
             <a:extLst>
               <a:ext uri="{FF2B5EF4-FFF2-40B4-BE49-F238E27FC236}">
-                <a16:creationId xmlns:a16="http://schemas.microsoft.com/office/drawing/2014/main" id="{96488454-BE5F-F13B-6668-C99FDF892FBE}"/>
+                <a16:creationId xmlns:a16="http://schemas.microsoft.com/office/drawing/2014/main" id="{A5CA3E30-019A-6AE1-624E-224220F53BDD}"/>
               </a:ext>
             </a:extLst>
           </p:cNvPr>
@@ -24161,38 +22925,27 @@
           <a:lstStyle/>
           <a:p>
             <a:r>
-              <a:rPr lang="en-GB" sz="4000" dirty="0">
-                <a:latin typeface="Consolas" panose="020B0609020204030204" pitchFamily="49" charset="0"/>
-                <a:cs typeface="Consolas" panose="020B0609020204030204" pitchFamily="49" charset="0"/>
-              </a:rPr>
-              <a:t>HashSet&lt;T&gt;</a:t>
-            </a:r>
-            <a:r>
-              <a:rPr lang="en-GB" sz="4000" dirty="0">
-                <a:cs typeface="Arial"/>
-              </a:rPr>
-              <a:t> и </a:t>
-            </a:r>
-            <a:r>
-              <a:rPr lang="en-GB" sz="4000" dirty="0">
-                <a:latin typeface="Consolas" panose="020B0609020204030204" pitchFamily="49" charset="0"/>
-                <a:cs typeface="Consolas" panose="020B0609020204030204" pitchFamily="49" charset="0"/>
-              </a:rPr>
+              <a:rPr lang="en-US" dirty="0"/>
+              <a:t>HashSet&lt;T&gt; </a:t>
+            </a:r>
+            <a:r>
+              <a:rPr lang="bg-BG" dirty="0"/>
+              <a:t>и </a:t>
+            </a:r>
+            <a:r>
+              <a:rPr lang="en-US" dirty="0"/>
               <a:t>SortedSet&lt;T&gt;</a:t>
             </a:r>
-            <a:endParaRPr lang="en-BG" dirty="0">
-              <a:latin typeface="Consolas" panose="020B0609020204030204" pitchFamily="49" charset="0"/>
-              <a:cs typeface="Consolas" panose="020B0609020204030204" pitchFamily="49" charset="0"/>
-            </a:endParaRPr>
+            <a:endParaRPr lang="bg-BG" dirty="0"/>
           </a:p>
         </p:txBody>
       </p:sp>
       <p:sp>
         <p:nvSpPr>
-          <p:cNvPr id="5" name="Title 4">
+          <p:cNvPr id="8" name="Заглавие 7">
             <a:extLst>
               <a:ext uri="{FF2B5EF4-FFF2-40B4-BE49-F238E27FC236}">
-                <a16:creationId xmlns:a16="http://schemas.microsoft.com/office/drawing/2014/main" id="{A9565E6B-C481-49C7-9067-35E5E2B16D53}"/>
+                <a16:creationId xmlns:a16="http://schemas.microsoft.com/office/drawing/2014/main" id="{8787CC13-04A0-7B29-D460-6F69C96BD017}"/>
               </a:ext>
             </a:extLst>
           </p:cNvPr>
@@ -24203,12 +22956,7 @@
             <p:ph type="title" sz="quarter" idx="10"/>
           </p:nvPr>
         </p:nvSpPr>
-        <p:spPr>
-          <a:xfrm>
-            <a:off x="615109" y="4704825"/>
-            <a:ext cx="10961783" cy="768084"/>
-          </a:xfrm>
-        </p:spPr>
+        <p:spPr/>
         <p:txBody>
           <a:bodyPr/>
           <a:lstStyle/>
@@ -24217,14 +22965,13 @@
               <a:rPr lang="bg-BG" dirty="0"/>
               <a:t>Множества</a:t>
             </a:r>
-            <a:endParaRPr lang="en-US" dirty="0"/>
           </a:p>
         </p:txBody>
       </p:sp>
     </p:spTree>
     <p:extLst>
       <p:ext uri="{BB962C8B-B14F-4D97-AF65-F5344CB8AC3E}">
-        <p14:creationId xmlns:p14="http://schemas.microsoft.com/office/powerpoint/2010/main" val="2983725705"/>
+        <p14:creationId xmlns:p14="http://schemas.microsoft.com/office/powerpoint/2010/main" val="2855438275"/>
       </p:ext>
     </p:extLst>
   </p:cSld>
@@ -24531,7 +23278,7 @@
           <a:p>
             <a:r>
               <a:rPr lang="bg-BG" sz="4000" dirty="0"/>
-              <a:t>Множества</a:t>
+              <a:t>Множество</a:t>
             </a:r>
             <a:endParaRPr lang="en-US" sz="4000" dirty="0"/>
           </a:p>
@@ -24539,10 +23286,10 @@
       </p:sp>
       <p:sp>
         <p:nvSpPr>
-          <p:cNvPr id="6" name="Slide Number">
+          <p:cNvPr id="2" name="Slide Number">
             <a:extLst>
               <a:ext uri="{FF2B5EF4-FFF2-40B4-BE49-F238E27FC236}">
-                <a16:creationId xmlns:a16="http://schemas.microsoft.com/office/drawing/2014/main" id="{F5E075C7-CDF3-4E5A-B0A7-549779A711D5}"/>
+                <a16:creationId xmlns:a16="http://schemas.microsoft.com/office/drawing/2014/main" id="{BF28B5B8-6AE1-0AB0-5314-9BA4B53F8554}"/>
               </a:ext>
             </a:extLst>
           </p:cNvPr>
@@ -24670,7 +23417,7 @@
     </p:spTree>
     <p:extLst>
       <p:ext uri="{BB962C8B-B14F-4D97-AF65-F5344CB8AC3E}">
-        <p14:creationId xmlns:p14="http://schemas.microsoft.com/office/powerpoint/2010/main" val="3503910061"/>
+        <p14:creationId xmlns:p14="http://schemas.microsoft.com/office/powerpoint/2010/main" val="1044039250"/>
       </p:ext>
     </p:extLst>
   </p:cSld>
@@ -24785,15 +23532,33 @@
                                   </p:childTnLst>
                                 </p:cTn>
                               </p:par>
+                            </p:childTnLst>
+                          </p:cTn>
+                        </p:par>
+                      </p:childTnLst>
+                    </p:cTn>
+                  </p:par>
+                  <p:par>
+                    <p:cTn id="11" fill="hold">
+                      <p:stCondLst>
+                        <p:cond delay="indefinite"/>
+                      </p:stCondLst>
+                      <p:childTnLst>
+                        <p:par>
+                          <p:cTn id="12" fill="hold">
+                            <p:stCondLst>
+                              <p:cond delay="0"/>
+                            </p:stCondLst>
+                            <p:childTnLst>
                               <p:par>
-                                <p:cTn id="11" presetID="1" presetClass="entr" presetSubtype="0" fill="hold" nodeType="withEffect">
+                                <p:cTn id="13" presetID="1" presetClass="entr" presetSubtype="0" fill="hold" nodeType="clickEffect">
                                   <p:stCondLst>
                                     <p:cond delay="0"/>
                                   </p:stCondLst>
                                   <p:childTnLst>
                                     <p:set>
                                       <p:cBhvr>
-                                        <p:cTn id="12" dur="1" fill="hold">
+                                        <p:cTn id="14" dur="1" fill="hold">
                                           <p:stCondLst>
                                             <p:cond delay="0"/>
                                           </p:stCondLst>
@@ -24823,26 +23588,26 @@
                     </p:cTn>
                   </p:par>
                   <p:par>
-                    <p:cTn id="13" fill="hold">
+                    <p:cTn id="15" fill="hold">
                       <p:stCondLst>
                         <p:cond delay="indefinite"/>
                       </p:stCondLst>
                       <p:childTnLst>
                         <p:par>
-                          <p:cTn id="14" fill="hold">
+                          <p:cTn id="16" fill="hold">
                             <p:stCondLst>
                               <p:cond delay="0"/>
                             </p:stCondLst>
                             <p:childTnLst>
                               <p:par>
-                                <p:cTn id="15" presetID="1" presetClass="entr" presetSubtype="0" fill="hold" nodeType="clickEffect">
+                                <p:cTn id="17" presetID="1" presetClass="entr" presetSubtype="0" fill="hold" nodeType="clickEffect">
                                   <p:stCondLst>
                                     <p:cond delay="0"/>
                                   </p:stCondLst>
                                   <p:childTnLst>
                                     <p:set>
                                       <p:cBhvr>
-                                        <p:cTn id="16" dur="1" fill="hold">
+                                        <p:cTn id="18" dur="1" fill="hold">
                                           <p:stCondLst>
                                             <p:cond delay="0"/>
                                           </p:stCondLst>
@@ -24872,26 +23637,26 @@
                     </p:cTn>
                   </p:par>
                   <p:par>
-                    <p:cTn id="17" fill="hold">
+                    <p:cTn id="19" fill="hold">
                       <p:stCondLst>
                         <p:cond delay="indefinite"/>
                       </p:stCondLst>
                       <p:childTnLst>
                         <p:par>
-                          <p:cTn id="18" fill="hold">
+                          <p:cTn id="20" fill="hold">
                             <p:stCondLst>
                               <p:cond delay="0"/>
                             </p:stCondLst>
                             <p:childTnLst>
                               <p:par>
-                                <p:cTn id="19" presetID="1" presetClass="entr" presetSubtype="0" fill="hold" nodeType="clickEffect">
+                                <p:cTn id="21" presetID="1" presetClass="entr" presetSubtype="0" fill="hold" nodeType="clickEffect">
                                   <p:stCondLst>
                                     <p:cond delay="0"/>
                                   </p:stCondLst>
                                   <p:childTnLst>
                                     <p:set>
                                       <p:cBhvr>
-                                        <p:cTn id="20" dur="1" fill="hold">
+                                        <p:cTn id="22" dur="1" fill="hold">
                                           <p:stCondLst>
                                             <p:cond delay="0"/>
                                           </p:stCondLst>
@@ -25431,10 +24196,10 @@
       </p:sp>
       <p:sp>
         <p:nvSpPr>
-          <p:cNvPr id="7" name="Slide Number">
+          <p:cNvPr id="2" name="Slide Number">
             <a:extLst>
               <a:ext uri="{FF2B5EF4-FFF2-40B4-BE49-F238E27FC236}">
-                <a16:creationId xmlns:a16="http://schemas.microsoft.com/office/drawing/2014/main" id="{F09D788B-6300-4BC2-BBAA-4A5E01E40409}"/>
+                <a16:creationId xmlns:a16="http://schemas.microsoft.com/office/drawing/2014/main" id="{C5876BC6-59AB-5581-D7E1-2F0A12AA122C}"/>
               </a:ext>
             </a:extLst>
           </p:cNvPr>
@@ -25474,7 +24239,7 @@
     </p:spTree>
     <p:extLst>
       <p:ext uri="{BB962C8B-B14F-4D97-AF65-F5344CB8AC3E}">
-        <p14:creationId xmlns:p14="http://schemas.microsoft.com/office/powerpoint/2010/main" val="1185824152"/>
+        <p14:creationId xmlns:p14="http://schemas.microsoft.com/office/powerpoint/2010/main" val="636964354"/>
       </p:ext>
     </p:extLst>
   </p:cSld>
@@ -26217,10 +24982,10 @@
       </p:sp>
       <p:sp>
         <p:nvSpPr>
-          <p:cNvPr id="6" name="Slide Number">
+          <p:cNvPr id="2" name="Slide Number">
             <a:extLst>
               <a:ext uri="{FF2B5EF4-FFF2-40B4-BE49-F238E27FC236}">
-                <a16:creationId xmlns:a16="http://schemas.microsoft.com/office/drawing/2014/main" id="{EE80A8AB-6CAF-43C5-8823-BA1026B0DE88}"/>
+                <a16:creationId xmlns:a16="http://schemas.microsoft.com/office/drawing/2014/main" id="{16C6638B-2607-7810-F161-B3D25D18D0A9}"/>
               </a:ext>
             </a:extLst>
           </p:cNvPr>
@@ -26348,7 +25113,7 @@
     </p:spTree>
     <p:extLst>
       <p:ext uri="{BB962C8B-B14F-4D97-AF65-F5344CB8AC3E}">
-        <p14:creationId xmlns:p14="http://schemas.microsoft.com/office/powerpoint/2010/main" val="1838741737"/>
+        <p14:creationId xmlns:p14="http://schemas.microsoft.com/office/powerpoint/2010/main" val="660309310"/>
       </p:ext>
     </p:extLst>
   </p:cSld>
@@ -27774,10 +26539,10 @@
       </p:sp>
       <p:sp>
         <p:nvSpPr>
-          <p:cNvPr id="16" name="Slide Number">
+          <p:cNvPr id="2" name="Slide Number">
             <a:extLst>
               <a:ext uri="{FF2B5EF4-FFF2-40B4-BE49-F238E27FC236}">
-                <a16:creationId xmlns:a16="http://schemas.microsoft.com/office/drawing/2014/main" id="{D178D2C3-70D6-4E6B-813B-166B4373A429}"/>
+                <a16:creationId xmlns:a16="http://schemas.microsoft.com/office/drawing/2014/main" id="{9AD1C22D-5502-83FD-EDE3-A44F055B3E00}"/>
               </a:ext>
             </a:extLst>
           </p:cNvPr>
@@ -27817,7 +26582,7 @@
     </p:spTree>
     <p:extLst>
       <p:ext uri="{BB962C8B-B14F-4D97-AF65-F5344CB8AC3E}">
-        <p14:creationId xmlns:p14="http://schemas.microsoft.com/office/powerpoint/2010/main" val="1233598613"/>
+        <p14:creationId xmlns:p14="http://schemas.microsoft.com/office/powerpoint/2010/main" val="392329170"/>
       </p:ext>
     </p:extLst>
   </p:cSld>
@@ -28190,73 +26955,6 @@
           <a:chExt cx="0" cy="0"/>
         </a:xfrm>
       </p:grpSpPr>
-      <p:sp>
-        <p:nvSpPr>
-          <p:cNvPr id="2" name="Подзаглавие 1">
-            <a:extLst>
-              <a:ext uri="{FF2B5EF4-FFF2-40B4-BE49-F238E27FC236}">
-                <a16:creationId xmlns:a16="http://schemas.microsoft.com/office/drawing/2014/main" id="{21B3659B-03B8-7FB0-AA90-108885A1A2BF}"/>
-              </a:ext>
-            </a:extLst>
-          </p:cNvPr>
-          <p:cNvSpPr>
-            <a:spLocks noGrp="1"/>
-          </p:cNvSpPr>
-          <p:nvPr>
-            <p:ph type="subTitle" sz="quarter" idx="11"/>
-          </p:nvPr>
-        </p:nvSpPr>
-        <p:spPr/>
-        <p:txBody>
-          <a:bodyPr/>
-          <a:lstStyle/>
-          <a:p>
-            <a:r>
-              <a:rPr lang="en-US" sz="4000" dirty="0">
-                <a:latin typeface="Consolas" panose="020B0609020204030204" pitchFamily="49" charset="0"/>
-                <a:ea typeface="+mj-lt"/>
-                <a:cs typeface="Consolas" panose="020B0609020204030204" pitchFamily="49" charset="0"/>
-              </a:rPr>
-              <a:t>Dictionary&lt;K, V&gt;</a:t>
-            </a:r>
-            <a:endParaRPr lang="bg-BG" dirty="0">
-              <a:latin typeface="Consolas" panose="020B0609020204030204" pitchFamily="49" charset="0"/>
-              <a:cs typeface="Consolas" panose="020B0609020204030204" pitchFamily="49" charset="0"/>
-            </a:endParaRPr>
-          </a:p>
-        </p:txBody>
-      </p:sp>
-      <p:sp>
-        <p:nvSpPr>
-          <p:cNvPr id="3" name="Заглавие 2">
-            <a:extLst>
-              <a:ext uri="{FF2B5EF4-FFF2-40B4-BE49-F238E27FC236}">
-                <a16:creationId xmlns:a16="http://schemas.microsoft.com/office/drawing/2014/main" id="{9150EBA4-2ECB-0C80-0D37-C521C101BC65}"/>
-              </a:ext>
-            </a:extLst>
-          </p:cNvPr>
-          <p:cNvSpPr>
-            <a:spLocks noGrp="1"/>
-          </p:cNvSpPr>
-          <p:nvPr>
-            <p:ph type="title" sz="quarter" idx="10"/>
-          </p:nvPr>
-        </p:nvSpPr>
-        <p:spPr/>
-        <p:txBody>
-          <a:bodyPr/>
-          <a:lstStyle/>
-          <a:p>
-            <a:r>
-              <a:rPr lang="bg-BG" sz="5400" dirty="0">
-                <a:ea typeface="+mj-lt"/>
-                <a:cs typeface="+mj-lt"/>
-              </a:rPr>
-              <a:t>Речници</a:t>
-            </a:r>
-          </a:p>
-        </p:txBody>
-      </p:sp>
       <p:pic>
         <p:nvPicPr>
           <p:cNvPr id="4" name="Картина 4">
@@ -28287,10 +26985,67 @@
           </a:prstGeom>
         </p:spPr>
       </p:pic>
+      <p:sp>
+        <p:nvSpPr>
+          <p:cNvPr id="6" name="Подзаглавие 5">
+            <a:extLst>
+              <a:ext uri="{FF2B5EF4-FFF2-40B4-BE49-F238E27FC236}">
+                <a16:creationId xmlns:a16="http://schemas.microsoft.com/office/drawing/2014/main" id="{9B18240C-8727-D082-2D42-F29DE00591E7}"/>
+              </a:ext>
+            </a:extLst>
+          </p:cNvPr>
+          <p:cNvSpPr>
+            <a:spLocks noGrp="1"/>
+          </p:cNvSpPr>
+          <p:nvPr>
+            <p:ph type="subTitle" sz="quarter" idx="11"/>
+          </p:nvPr>
+        </p:nvSpPr>
+        <p:spPr/>
+        <p:txBody>
+          <a:bodyPr/>
+          <a:lstStyle/>
+          <a:p>
+            <a:r>
+              <a:rPr lang="bg-BG"/>
+              <a:t>Речници</a:t>
+            </a:r>
+          </a:p>
+        </p:txBody>
+      </p:sp>
+      <p:sp>
+        <p:nvSpPr>
+          <p:cNvPr id="8" name="Заглавие 7">
+            <a:extLst>
+              <a:ext uri="{FF2B5EF4-FFF2-40B4-BE49-F238E27FC236}">
+                <a16:creationId xmlns:a16="http://schemas.microsoft.com/office/drawing/2014/main" id="{16583B42-8082-196E-B6BB-31EDDDE6A09A}"/>
+              </a:ext>
+            </a:extLst>
+          </p:cNvPr>
+          <p:cNvSpPr>
+            <a:spLocks noGrp="1"/>
+          </p:cNvSpPr>
+          <p:nvPr>
+            <p:ph type="title" sz="quarter" idx="10"/>
+          </p:nvPr>
+        </p:nvSpPr>
+        <p:spPr/>
+        <p:txBody>
+          <a:bodyPr/>
+          <a:lstStyle/>
+          <a:p>
+            <a:r>
+              <a:rPr lang="en-US"/>
+              <a:t>Dictionary&lt;K, V&gt;</a:t>
+            </a:r>
+            <a:endParaRPr lang="bg-BG"/>
+          </a:p>
+        </p:txBody>
+      </p:sp>
     </p:spTree>
     <p:extLst>
       <p:ext uri="{BB962C8B-B14F-4D97-AF65-F5344CB8AC3E}">
-        <p14:creationId xmlns:p14="http://schemas.microsoft.com/office/powerpoint/2010/main" val="1333587811"/>
+        <p14:creationId xmlns:p14="http://schemas.microsoft.com/office/powerpoint/2010/main" val="2689297858"/>
       </p:ext>
     </p:extLst>
   </p:cSld>
@@ -28796,8 +27551,18 @@
                 <a:solidFill>
                   <a:srgbClr val="FFFFFF"/>
                 </a:solidFill>
-              </a:rPr>
-              <a:t>HashSet събира само уникалните имена</a:t>
+                <a:latin typeface="Consolas" panose="020B0609020204030204" pitchFamily="49" charset="0"/>
+                <a:cs typeface="Consolas" panose="020B0609020204030204" pitchFamily="49" charset="0"/>
+              </a:rPr>
+              <a:t>HashSet</a:t>
+            </a:r>
+            <a:r>
+              <a:rPr lang="nb-NO" sz="2550" b="1" noProof="1">
+                <a:solidFill>
+                  <a:srgbClr val="FFFFFF"/>
+                </a:solidFill>
+              </a:rPr>
+              <a:t> събира само уникалните имена</a:t>
             </a:r>
             <a:endParaRPr lang="nb-NO" sz="2599" b="1" noProof="1">
               <a:solidFill>
@@ -28906,10 +27671,63 @@
       </p:sp>
       <p:sp>
         <p:nvSpPr>
-          <p:cNvPr id="9" name="Slide Number">
+          <p:cNvPr id="10" name="TextBox 9">
             <a:extLst>
               <a:ext uri="{FF2B5EF4-FFF2-40B4-BE49-F238E27FC236}">
-                <a16:creationId xmlns:a16="http://schemas.microsoft.com/office/drawing/2014/main" id="{A7A8AD36-E2C6-46A8-A64E-570E8B338ED7}"/>
+                <a16:creationId xmlns:a16="http://schemas.microsoft.com/office/drawing/2014/main" id="{49995462-87D2-418F-B426-6193FE9A836B}"/>
+              </a:ext>
+            </a:extLst>
+          </p:cNvPr>
+          <p:cNvSpPr txBox="1"/>
+          <p:nvPr/>
+        </p:nvSpPr>
+        <p:spPr>
+          <a:xfrm>
+            <a:off x="625262" y="6404123"/>
+            <a:ext cx="10938303" cy="399877"/>
+          </a:xfrm>
+          <a:prstGeom prst="rect">
+            <a:avLst/>
+          </a:prstGeom>
+          <a:noFill/>
+        </p:spPr>
+        <p:txBody>
+          <a:bodyPr wrap="square" lIns="91440" tIns="45720" rIns="91440" bIns="45720" rtlCol="0" anchor="t">
+            <a:spAutoFit/>
+          </a:bodyPr>
+          <a:lstStyle/>
+          <a:p>
+            <a:pPr algn="ctr"/>
+            <a:r>
+              <a:rPr lang="en-US" sz="1950" dirty="0"/>
+              <a:t>Тествайте решението</a:t>
+            </a:r>
+            <a:r>
+              <a:rPr lang="bg-BG" sz="1950" dirty="0"/>
+              <a:t> си</a:t>
+            </a:r>
+            <a:r>
+              <a:rPr lang="en-US" sz="1950" dirty="0"/>
+              <a:t> в Judge: </a:t>
+            </a:r>
+            <a:r>
+              <a:rPr lang="en-US" sz="1950" dirty="0">
+                <a:hlinkClick r:id="rId2"/>
+              </a:rPr>
+              <a:t>https://judge.softuni.org/Contests/Practice/Index/4160#4</a:t>
+            </a:r>
+            <a:endParaRPr lang="en-US" sz="1950" dirty="0">
+              <a:cs typeface="Calibri"/>
+            </a:endParaRPr>
+          </a:p>
+        </p:txBody>
+      </p:sp>
+      <p:sp>
+        <p:nvSpPr>
+          <p:cNvPr id="2" name="Slide Number">
+            <a:extLst>
+              <a:ext uri="{FF2B5EF4-FFF2-40B4-BE49-F238E27FC236}">
+                <a16:creationId xmlns:a16="http://schemas.microsoft.com/office/drawing/2014/main" id="{0882061D-48FD-A047-D75E-72994124312A}"/>
               </a:ext>
             </a:extLst>
           </p:cNvPr>
@@ -28946,63 +27764,10 @@
           </a:p>
         </p:txBody>
       </p:sp>
-      <p:sp>
-        <p:nvSpPr>
-          <p:cNvPr id="10" name="TextBox 9">
-            <a:extLst>
-              <a:ext uri="{FF2B5EF4-FFF2-40B4-BE49-F238E27FC236}">
-                <a16:creationId xmlns:a16="http://schemas.microsoft.com/office/drawing/2014/main" id="{49995462-87D2-418F-B426-6193FE9A836B}"/>
-              </a:ext>
-            </a:extLst>
-          </p:cNvPr>
-          <p:cNvSpPr txBox="1"/>
-          <p:nvPr/>
-        </p:nvSpPr>
-        <p:spPr>
-          <a:xfrm>
-            <a:off x="625262" y="6404123"/>
-            <a:ext cx="10938303" cy="399877"/>
-          </a:xfrm>
-          <a:prstGeom prst="rect">
-            <a:avLst/>
-          </a:prstGeom>
-          <a:noFill/>
-        </p:spPr>
-        <p:txBody>
-          <a:bodyPr wrap="square" lIns="91440" tIns="45720" rIns="91440" bIns="45720" rtlCol="0" anchor="t">
-            <a:spAutoFit/>
-          </a:bodyPr>
-          <a:lstStyle/>
-          <a:p>
-            <a:pPr algn="ctr"/>
-            <a:r>
-              <a:rPr lang="en-US" sz="1950" dirty="0"/>
-              <a:t>Тествайте решението</a:t>
-            </a:r>
-            <a:r>
-              <a:rPr lang="bg-BG" sz="1950" dirty="0"/>
-              <a:t> си</a:t>
-            </a:r>
-            <a:r>
-              <a:rPr lang="en-US" sz="1950" dirty="0"/>
-              <a:t> в Judge: </a:t>
-            </a:r>
-            <a:r>
-              <a:rPr lang="en-US" sz="1950" dirty="0">
-                <a:hlinkClick r:id="rId2"/>
-              </a:rPr>
-              <a:t>https://judge.softuni.org/Contests/Practice/Index/4160#4</a:t>
-            </a:r>
-            <a:endParaRPr lang="en-US" sz="1950" dirty="0">
-              <a:cs typeface="Calibri"/>
-            </a:endParaRPr>
-          </a:p>
-        </p:txBody>
-      </p:sp>
     </p:spTree>
     <p:extLst>
       <p:ext uri="{BB962C8B-B14F-4D97-AF65-F5344CB8AC3E}">
-        <p14:creationId xmlns:p14="http://schemas.microsoft.com/office/powerpoint/2010/main" val="870784692"/>
+        <p14:creationId xmlns:p14="http://schemas.microsoft.com/office/powerpoint/2010/main" val="1884185852"/>
       </p:ext>
     </p:extLst>
   </p:cSld>
@@ -29989,10 +28754,10 @@
       </p:sp>
       <p:sp>
         <p:nvSpPr>
-          <p:cNvPr id="8" name="Slide Number">
+          <p:cNvPr id="2" name="Slide Number">
             <a:extLst>
               <a:ext uri="{FF2B5EF4-FFF2-40B4-BE49-F238E27FC236}">
-                <a16:creationId xmlns:a16="http://schemas.microsoft.com/office/drawing/2014/main" id="{37A2510B-7C5C-433E-8174-4CB21910097B}"/>
+                <a16:creationId xmlns:a16="http://schemas.microsoft.com/office/drawing/2014/main" id="{E223802A-E421-468D-57A4-887EF05814E1}"/>
               </a:ext>
             </a:extLst>
           </p:cNvPr>
@@ -30120,7 +28885,7 @@
     </p:spTree>
     <p:extLst>
       <p:ext uri="{BB962C8B-B14F-4D97-AF65-F5344CB8AC3E}">
-        <p14:creationId xmlns:p14="http://schemas.microsoft.com/office/powerpoint/2010/main" val="3792717664"/>
+        <p14:creationId xmlns:p14="http://schemas.microsoft.com/office/powerpoint/2010/main" val="2622494152"/>
       </p:ext>
     </p:extLst>
   </p:cSld>
@@ -31001,7 +29766,16 @@
                 </a:solidFill>
                 <a:cs typeface="Calibri"/>
               </a:rPr>
-              <a:t>Речник ==</a:t>
+              <a:t>Речник </a:t>
+            </a:r>
+            <a:r>
+              <a:rPr lang="bg-BG" sz="3600" dirty="0">
+                <a:solidFill>
+                  <a:schemeClr val="bg2"/>
+                </a:solidFill>
+                <a:cs typeface="Calibri"/>
+              </a:rPr>
+              <a:t>==</a:t>
             </a:r>
             <a:r>
               <a:rPr lang="bg-BG" sz="3600" b="1" dirty="0">
@@ -31370,10 +30144,10 @@
       </p:sp>
       <p:sp>
         <p:nvSpPr>
-          <p:cNvPr id="13" name="Slide Number">
+          <p:cNvPr id="2" name="Slide Number">
             <a:extLst>
               <a:ext uri="{FF2B5EF4-FFF2-40B4-BE49-F238E27FC236}">
-                <a16:creationId xmlns:a16="http://schemas.microsoft.com/office/drawing/2014/main" id="{1171DE14-F6A1-4BE1-88D4-D3CAEEB15B51}"/>
+                <a16:creationId xmlns:a16="http://schemas.microsoft.com/office/drawing/2014/main" id="{D78A01F8-B986-47E0-595B-9D1A0A85C12C}"/>
               </a:ext>
             </a:extLst>
           </p:cNvPr>
@@ -31413,7 +30187,7 @@
     </p:spTree>
     <p:extLst>
       <p:ext uri="{BB962C8B-B14F-4D97-AF65-F5344CB8AC3E}">
-        <p14:creationId xmlns:p14="http://schemas.microsoft.com/office/powerpoint/2010/main" val="3624186006"/>
+        <p14:creationId xmlns:p14="http://schemas.microsoft.com/office/powerpoint/2010/main" val="72982581"/>
       </p:ext>
     </p:extLst>
   </p:cSld>
@@ -31727,21 +30501,140 @@
           <a:lstStyle/>
           <a:p>
             <a:r>
-              <a:rPr lang="en-US" sz="8800" dirty="0">
-                <a:solidFill>
-                  <a:srgbClr val="234465"/>
-                </a:solidFill>
-              </a:rPr>
-              <a:t>Въпроси?</a:t>
-            </a:r>
-            <a:endParaRPr lang="en-US" sz="8800" dirty="0"/>
+              <a:rPr lang="bg-BG" dirty="0"/>
+              <a:t>Въпроси</a:t>
+            </a:r>
+            <a:r>
+              <a:rPr lang="en-US" dirty="0"/>
+              <a:t>?</a:t>
+            </a:r>
+          </a:p>
+        </p:txBody>
+      </p:sp>
+      <p:sp>
+        <p:nvSpPr>
+          <p:cNvPr id="2" name="Rectangle Bottom Copyright">
+            <a:extLst>
+              <a:ext uri="{FF2B5EF4-FFF2-40B4-BE49-F238E27FC236}">
+                <a16:creationId xmlns:a16="http://schemas.microsoft.com/office/drawing/2014/main" id="{664812A4-2991-44D1-BFE9-32E55AADF8A5}"/>
+              </a:ext>
+            </a:extLst>
+          </p:cNvPr>
+          <p:cNvSpPr/>
+          <p:nvPr/>
+        </p:nvSpPr>
+        <p:spPr>
+          <a:xfrm>
+            <a:off x="111000" y="6454758"/>
+            <a:ext cx="11970000" cy="304242"/>
+          </a:xfrm>
+          <a:prstGeom prst="rect">
+            <a:avLst/>
+          </a:prstGeom>
+        </p:spPr>
+        <p:txBody>
+          <a:bodyPr wrap="square">
+            <a:noAutofit/>
+          </a:bodyPr>
+          <a:lstStyle/>
+          <a:p>
+            <a:pPr algn="ctr">
+              <a:lnSpc>
+                <a:spcPct val="100000"/>
+              </a:lnSpc>
+              <a:spcBef>
+                <a:spcPts val="0"/>
+              </a:spcBef>
+              <a:spcAft>
+                <a:spcPts val="0"/>
+              </a:spcAft>
+            </a:pPr>
+            <a:r>
+              <a:rPr lang="bg-BG" sz="1600" dirty="0">
+                <a:solidFill>
+                  <a:schemeClr val="bg2"/>
+                </a:solidFill>
+                <a:effectLst/>
+                <a:latin typeface="Calibri" panose="020F0502020204030204" pitchFamily="34" charset="0"/>
+                <a:ea typeface="Calibri" panose="020F0502020204030204" pitchFamily="34" charset="0"/>
+                <a:cs typeface="Arial" panose="020B0604020202020204" pitchFamily="34" charset="0"/>
+              </a:rPr>
+              <a:t>Проект "</a:t>
+            </a:r>
+            <a:r>
+              <a:rPr lang="bg-BG" sz="1600" dirty="0">
+                <a:solidFill>
+                  <a:schemeClr val="bg1">
+                    <a:lumMod val="20000"/>
+                    <a:lumOff val="80000"/>
+                  </a:schemeClr>
+                </a:solidFill>
+                <a:effectLst/>
+                <a:latin typeface="Calibri" panose="020F0502020204030204" pitchFamily="34" charset="0"/>
+                <a:ea typeface="Calibri" panose="020F0502020204030204" pitchFamily="34" charset="0"/>
+                <a:cs typeface="Arial" panose="020B0604020202020204" pitchFamily="34" charset="0"/>
+                <a:hlinkClick r:id="rId3">
+                  <a:extLst>
+                    <a:ext uri="{A12FA001-AC4F-418D-AE19-62706E023703}">
+                      <ahyp:hlinkClr xmlns:ahyp="http://schemas.microsoft.com/office/drawing/2018/hyperlinkcolor" val="tx"/>
+                    </a:ext>
+                  </a:extLst>
+                </a:hlinkClick>
+              </a:rPr>
+              <a:t>Отворено учебно съдържание по програмиране и ИТ</a:t>
+            </a:r>
+            <a:r>
+              <a:rPr lang="bg-BG" sz="1600" dirty="0">
+                <a:solidFill>
+                  <a:schemeClr val="bg2"/>
+                </a:solidFill>
+                <a:effectLst/>
+                <a:latin typeface="Calibri" panose="020F0502020204030204" pitchFamily="34" charset="0"/>
+                <a:ea typeface="Calibri" panose="020F0502020204030204" pitchFamily="34" charset="0"/>
+                <a:cs typeface="Arial" panose="020B0604020202020204" pitchFamily="34" charset="0"/>
+              </a:rPr>
+              <a:t>", СофтУни Фондация (лиценз </a:t>
+            </a:r>
+            <a:r>
+              <a:rPr lang="en-US" sz="1600" dirty="0">
+                <a:solidFill>
+                  <a:schemeClr val="bg2"/>
+                </a:solidFill>
+                <a:effectLst/>
+                <a:latin typeface="Calibri" panose="020F0502020204030204" pitchFamily="34" charset="0"/>
+                <a:ea typeface="Calibri" panose="020F0502020204030204" pitchFamily="34" charset="0"/>
+                <a:cs typeface="Arial" panose="020B0604020202020204" pitchFamily="34" charset="0"/>
+              </a:rPr>
+              <a:t>CC-BY-NC-SA</a:t>
+            </a:r>
+            <a:r>
+              <a:rPr lang="bg-BG" sz="1600" dirty="0">
+                <a:solidFill>
+                  <a:schemeClr val="bg2"/>
+                </a:solidFill>
+                <a:effectLst/>
+                <a:latin typeface="Calibri" panose="020F0502020204030204" pitchFamily="34" charset="0"/>
+                <a:ea typeface="Calibri" panose="020F0502020204030204" pitchFamily="34" charset="0"/>
+                <a:cs typeface="Arial" panose="020B0604020202020204" pitchFamily="34" charset="0"/>
+              </a:rPr>
+              <a:t>)</a:t>
+            </a:r>
+            <a:endParaRPr lang="bg-BG" sz="2400" dirty="0">
+              <a:solidFill>
+                <a:schemeClr val="bg2"/>
+              </a:solidFill>
+              <a:effectLst/>
+              <a:latin typeface="Calibri" panose="020F0502020204030204" pitchFamily="34" charset="0"/>
+              <a:ea typeface="Calibri" panose="020F0502020204030204" pitchFamily="34" charset="0"/>
+              <a:cs typeface="Arial" panose="020B0604020202020204" pitchFamily="34" charset="0"/>
+            </a:endParaRPr>
           </a:p>
         </p:txBody>
       </p:sp>
     </p:spTree>
     <p:extLst>
       <p:ext uri="{BB962C8B-B14F-4D97-AF65-F5344CB8AC3E}">
-        <p14:creationId xmlns:p14="http://schemas.microsoft.com/office/powerpoint/2010/main" val="3467490554"/>
+        <p14:creationId xmlns:p14="http://schemas.microsoft.com/office/powerpoint/2010/main" val="3306885278"/>
       </p:ext>
     </p:extLst>
   </p:cSld>
@@ -31795,11 +30688,13 @@
         <p:spPr>
           <a:xfrm>
             <a:off x="190402" y="1269001"/>
-            <a:ext cx="11818096" cy="5455890"/>
+            <a:ext cx="9865598" cy="2474999"/>
           </a:xfrm>
         </p:spPr>
         <p:txBody>
-          <a:bodyPr/>
+          <a:bodyPr>
+            <a:normAutofit/>
+          </a:bodyPr>
           <a:lstStyle/>
           <a:p>
             <a:pPr>
@@ -31808,113 +30703,42 @@
               </a:lnSpc>
             </a:pPr>
             <a:r>
-              <a:rPr lang="bg-BG" dirty="0"/>
+              <a:rPr lang="bg-BG" sz="3200" dirty="0"/>
               <a:t>Този курс</a:t>
             </a:r>
             <a:r>
-              <a:rPr lang="en-US" dirty="0"/>
+              <a:rPr lang="en-US" sz="3200" dirty="0"/>
               <a:t> (</a:t>
             </a:r>
             <a:r>
-              <a:rPr lang="bg-BG" dirty="0"/>
+              <a:rPr lang="bg-BG" sz="3200" dirty="0"/>
               <a:t>презентации, примери, демонстрационен код, упражнения, домашни, видео и други активи</a:t>
             </a:r>
             <a:r>
-              <a:rPr lang="en-US" dirty="0"/>
+              <a:rPr lang="en-US" sz="3200" dirty="0"/>
               <a:t>) </a:t>
             </a:r>
             <a:r>
-              <a:rPr lang="bg-BG" dirty="0"/>
+              <a:rPr lang="bg-BG" sz="3200" dirty="0"/>
               <a:t>представлява</a:t>
             </a:r>
             <a:r>
-              <a:rPr lang="en-US" dirty="0"/>
+              <a:rPr lang="en-US" sz="3200" dirty="0"/>
               <a:t> </a:t>
             </a:r>
             <a:r>
-              <a:rPr lang="bg-BG" b="1" dirty="0"/>
-              <a:t>защитено авторско съдържание</a:t>
-            </a:r>
-            <a:endParaRPr lang="en-US" dirty="0"/>
-          </a:p>
-          <a:p>
-            <a:pPr>
-              <a:lnSpc>
-                <a:spcPct val="120000"/>
-              </a:lnSpc>
-            </a:pPr>
-            <a:r>
-              <a:rPr lang="bg-BG" dirty="0"/>
-              <a:t>Нерегламентирано копиране</a:t>
-            </a:r>
-            <a:r>
-              <a:rPr lang="en-US" dirty="0"/>
-              <a:t>,</a:t>
-            </a:r>
-            <a:r>
-              <a:rPr lang="bg-BG" dirty="0"/>
-              <a:t> разпространение или използване е незаконно</a:t>
-            </a:r>
-          </a:p>
-          <a:p>
-            <a:pPr>
-              <a:lnSpc>
-                <a:spcPct val="120000"/>
-              </a:lnSpc>
-            </a:pPr>
-            <a:r>
-              <a:rPr lang="en-US" dirty="0"/>
-              <a:t>© </a:t>
-            </a:r>
-            <a:r>
-              <a:rPr lang="bg-BG" dirty="0"/>
-              <a:t>СофтУни</a:t>
-            </a:r>
-            <a:r>
-              <a:rPr lang="en-US" dirty="0"/>
-              <a:t> – </a:t>
-            </a:r>
-            <a:r>
-              <a:rPr lang="en-US" dirty="0">
-                <a:hlinkClick r:id="rId3"/>
-              </a:rPr>
-              <a:t>https://softuni.org</a:t>
-            </a:r>
-            <a:endParaRPr lang="en-US" dirty="0"/>
-          </a:p>
-          <a:p>
-            <a:pPr>
-              <a:lnSpc>
-                <a:spcPct val="120000"/>
-              </a:lnSpc>
-            </a:pPr>
-            <a:r>
-              <a:rPr lang="en-US" dirty="0"/>
-              <a:t>© </a:t>
-            </a:r>
-            <a:r>
-              <a:rPr lang="bg-BG" dirty="0"/>
-              <a:t>Софтуерен университет</a:t>
-            </a:r>
-            <a:r>
-              <a:rPr lang="en-US" dirty="0"/>
-              <a:t> – </a:t>
-            </a:r>
-            <a:r>
-              <a:rPr lang="en-US" dirty="0">
-                <a:hlinkClick r:id="rId4"/>
-              </a:rPr>
-              <a:t>https://softuni.bg</a:t>
-            </a:r>
-            <a:endParaRPr lang="bg-BG" dirty="0"/>
-          </a:p>
-          <a:p>
-            <a:pPr>
-              <a:lnSpc>
-                <a:spcPct val="120000"/>
-              </a:lnSpc>
-            </a:pPr>
-            <a:endParaRPr lang="bg-BG" dirty="0"/>
+              <a:rPr lang="bg-BG" sz="3200" b="1" dirty="0"/>
+              <a:t>свободно учебно съдържание </a:t>
+            </a:r>
+            <a:r>
+              <a:rPr lang="bg-BG" sz="3200" dirty="0"/>
+              <a:t>и се разпространява под свободен лиценз </a:t>
+            </a:r>
+            <a:r>
+              <a:rPr lang="en-US" sz="3200" b="1" dirty="0"/>
+              <a:t>CC-BY-NC-SA</a:t>
+            </a:r>
+            <a:endParaRPr lang="bg-BG" sz="3200" dirty="0"/>
           </a:p>
         </p:txBody>
       </p:sp>
@@ -31933,7 +30757,7 @@
           <p:nvPr/>
         </p:nvPicPr>
         <p:blipFill>
-          <a:blip r:embed="rId5">
+          <a:blip r:embed="rId3">
             <a:clrChange>
               <a:clrFrom>
                 <a:srgbClr val="FFFFFF"/>
@@ -31951,8 +30775,8 @@
         </p:blipFill>
         <p:spPr>
           <a:xfrm>
-            <a:off x="9745023" y="4445455"/>
-            <a:ext cx="1930977" cy="2043545"/>
+            <a:off x="10226175" y="1440120"/>
+            <a:ext cx="1198986" cy="1268880"/>
           </a:xfrm>
           <a:prstGeom prst="rect">
             <a:avLst/>
@@ -31989,10 +30813,171 @@
       </p:sp>
       <p:sp>
         <p:nvSpPr>
-          <p:cNvPr id="7" name="Slide Number">
+          <p:cNvPr id="11" name="TextBox 10">
             <a:extLst>
               <a:ext uri="{FF2B5EF4-FFF2-40B4-BE49-F238E27FC236}">
-                <a16:creationId xmlns:a16="http://schemas.microsoft.com/office/drawing/2014/main" id="{986F1241-4467-4A33-8F42-658BD1961EF6}"/>
+                <a16:creationId xmlns:a16="http://schemas.microsoft.com/office/drawing/2014/main" id="{0C18DF19-B750-4C88-975B-661A6BF61F5E}"/>
+              </a:ext>
+            </a:extLst>
+          </p:cNvPr>
+          <p:cNvSpPr txBox="1"/>
+          <p:nvPr/>
+        </p:nvSpPr>
+        <p:spPr>
+          <a:xfrm>
+            <a:off x="190401" y="3927519"/>
+            <a:ext cx="11710599" cy="1979644"/>
+          </a:xfrm>
+          <a:prstGeom prst="rect">
+            <a:avLst/>
+          </a:prstGeom>
+          <a:noFill/>
+          <a:ln w="12700">
+            <a:noFill/>
+          </a:ln>
+        </p:spPr>
+        <p:txBody>
+          <a:bodyPr wrap="square">
+            <a:spAutoFit/>
+          </a:bodyPr>
+          <a:lstStyle/>
+          <a:p>
+            <a:pPr marL="360363" indent="-360363" defTabSz="1218438">
+              <a:lnSpc>
+                <a:spcPct val="120000"/>
+              </a:lnSpc>
+              <a:spcBef>
+                <a:spcPts val="600"/>
+              </a:spcBef>
+              <a:spcAft>
+                <a:spcPts val="600"/>
+              </a:spcAft>
+              <a:buFont typeface="Wingdings" panose="05000000000000000000" pitchFamily="2" charset="2"/>
+              <a:buChar char="§"/>
+              <a:defRPr/>
+            </a:pPr>
+            <a:r>
+              <a:rPr lang="bg-BG" sz="3200" dirty="0"/>
+              <a:t>Проект "</a:t>
+            </a:r>
+            <a:r>
+              <a:rPr lang="bg-BG" sz="3200" b="1" dirty="0"/>
+              <a:t>Отворено учебно съдържание по програмиране и ИТ</a:t>
+            </a:r>
+            <a:r>
+              <a:rPr lang="bg-BG" sz="3200" dirty="0"/>
+              <a:t>" към Фондация "Софтуерен университет"</a:t>
+            </a:r>
+            <a:r>
+              <a:rPr lang="en-US" sz="3200" dirty="0"/>
+              <a:t>:</a:t>
+            </a:r>
+            <a:endParaRPr lang="bg-BG" sz="3200" dirty="0"/>
+          </a:p>
+          <a:p>
+            <a:pPr marL="817563" lvl="1" indent="-360363" defTabSz="1218438">
+              <a:lnSpc>
+                <a:spcPct val="120000"/>
+              </a:lnSpc>
+              <a:spcBef>
+                <a:spcPts val="600"/>
+              </a:spcBef>
+              <a:spcAft>
+                <a:spcPts val="600"/>
+              </a:spcAft>
+              <a:buFont typeface="Wingdings" panose="05000000000000000000" pitchFamily="2" charset="2"/>
+              <a:buChar char="§"/>
+              <a:defRPr/>
+            </a:pPr>
+            <a:r>
+              <a:rPr kumimoji="0" lang="en-US" sz="3200" b="0" i="0" u="none" strike="noStrike" kern="1200" cap="none" spc="0" normalizeH="0" baseline="0" noProof="0" dirty="0">
+                <a:ln>
+                  <a:noFill/>
+                </a:ln>
+                <a:solidFill>
+                  <a:srgbClr val="234465"/>
+                </a:solidFill>
+                <a:effectLst/>
+                <a:uLnTx/>
+                <a:uFillTx/>
+                <a:latin typeface="Calibri"/>
+                <a:ea typeface="+mn-ea"/>
+                <a:cs typeface="+mn-cs"/>
+                <a:hlinkClick r:id="rId4"/>
+              </a:rPr>
+              <a:t>https://github.com/BG-IT-Edu</a:t>
+            </a:r>
+            <a:endParaRPr kumimoji="0" lang="bg-BG" sz="3200" b="0" i="0" u="none" strike="noStrike" kern="1200" cap="none" spc="0" normalizeH="0" baseline="0" noProof="0" dirty="0">
+              <a:ln>
+                <a:noFill/>
+              </a:ln>
+              <a:solidFill>
+                <a:srgbClr val="234465"/>
+              </a:solidFill>
+              <a:effectLst/>
+              <a:uLnTx/>
+              <a:uFillTx/>
+              <a:latin typeface="Calibri"/>
+              <a:ea typeface="+mn-ea"/>
+              <a:cs typeface="+mn-cs"/>
+            </a:endParaRPr>
+          </a:p>
+        </p:txBody>
+      </p:sp>
+      <p:pic>
+        <p:nvPicPr>
+          <p:cNvPr id="7" name="Picture 6" title="CC-BY-NC-SA License">
+            <a:hlinkClick r:id="rId5" tooltip="This work is licensed under the &quot;Creative Commons Attribution-NonCommercial-ShareAlike 4.0 International&quot; license"/>
+            <a:extLst>
+              <a:ext uri="{FF2B5EF4-FFF2-40B4-BE49-F238E27FC236}">
+                <a16:creationId xmlns:a16="http://schemas.microsoft.com/office/drawing/2014/main" id="{F6C77C47-F7D8-A176-5C69-7FDE5C7E8003}"/>
+              </a:ext>
+            </a:extLst>
+          </p:cNvPr>
+          <p:cNvPicPr>
+            <a:picLocks noChangeAspect="1" noChangeArrowheads="1"/>
+          </p:cNvPicPr>
+          <p:nvPr/>
+        </p:nvPicPr>
+        <p:blipFill>
+          <a:blip r:embed="rId6">
+            <a:extLst>
+              <a:ext uri="{28A0092B-C50C-407E-A947-70E740481C1C}">
+                <a14:useLocalDpi xmlns:a14="http://schemas.microsoft.com/office/drawing/2010/main"/>
+              </a:ext>
+            </a:extLst>
+          </a:blip>
+          <a:srcRect/>
+          <a:stretch>
+            <a:fillRect/>
+          </a:stretch>
+        </p:blipFill>
+        <p:spPr bwMode="auto">
+          <a:xfrm>
+            <a:off x="9831000" y="2908593"/>
+            <a:ext cx="1989336" cy="696022"/>
+          </a:xfrm>
+          <a:prstGeom prst="roundRect">
+            <a:avLst>
+              <a:gd name="adj" fmla="val 3940"/>
+            </a:avLst>
+          </a:prstGeom>
+          <a:solidFill>
+            <a:srgbClr val="231F20">
+              <a:alpha val="50000"/>
+            </a:srgbClr>
+          </a:solidFill>
+          <a:ln>
+            <a:noFill/>
+          </a:ln>
+        </p:spPr>
+      </p:pic>
+      <p:sp>
+        <p:nvSpPr>
+          <p:cNvPr id="4" name="Slide Number">
+            <a:extLst>
+              <a:ext uri="{FF2B5EF4-FFF2-40B4-BE49-F238E27FC236}">
+                <a16:creationId xmlns:a16="http://schemas.microsoft.com/office/drawing/2014/main" id="{97751D3B-85B7-4FE0-3133-FFBF64FB7275}"/>
               </a:ext>
             </a:extLst>
           </p:cNvPr>
@@ -32032,7 +31017,7 @@
     </p:spTree>
     <p:extLst>
       <p:ext uri="{BB962C8B-B14F-4D97-AF65-F5344CB8AC3E}">
-        <p14:creationId xmlns:p14="http://schemas.microsoft.com/office/powerpoint/2010/main" val="424625589"/>
+        <p14:creationId xmlns:p14="http://schemas.microsoft.com/office/powerpoint/2010/main" val="3639923764"/>
       </p:ext>
     </p:extLst>
   </p:cSld>
@@ -33175,10 +32160,10 @@
       </p:grpSp>
       <p:sp>
         <p:nvSpPr>
-          <p:cNvPr id="16" name="Slide Number">
+          <p:cNvPr id="2" name="Slide Number">
             <a:extLst>
               <a:ext uri="{FF2B5EF4-FFF2-40B4-BE49-F238E27FC236}">
-                <a16:creationId xmlns:a16="http://schemas.microsoft.com/office/drawing/2014/main" id="{3D09270F-920C-4895-B587-0D210B6A4F87}"/>
+                <a16:creationId xmlns:a16="http://schemas.microsoft.com/office/drawing/2014/main" id="{AE100EFF-6DB4-EA76-7CF6-A7B64E825BD7}"/>
               </a:ext>
             </a:extLst>
           </p:cNvPr>
@@ -33306,7 +32291,7 @@
     </p:spTree>
     <p:extLst>
       <p:ext uri="{BB962C8B-B14F-4D97-AF65-F5344CB8AC3E}">
-        <p14:creationId xmlns:p14="http://schemas.microsoft.com/office/powerpoint/2010/main" val="935180840"/>
+        <p14:creationId xmlns:p14="http://schemas.microsoft.com/office/powerpoint/2010/main" val="2169261034"/>
       </p:ext>
     </p:extLst>
   </p:cSld>
@@ -33516,198 +32501,29 @@
       </p:grpSpPr>
       <p:sp>
         <p:nvSpPr>
-          <p:cNvPr id="12" name="Text Placeholder 1">
+          <p:cNvPr id="6" name="Text Placeholder 5">
             <a:extLst>
               <a:ext uri="{FF2B5EF4-FFF2-40B4-BE49-F238E27FC236}">
-                <a16:creationId xmlns:a16="http://schemas.microsoft.com/office/drawing/2014/main" id="{D17CA9C0-CCB8-4380-BDC2-691F9A242680}"/>
+                <a16:creationId xmlns:a16="http://schemas.microsoft.com/office/drawing/2014/main" id="{B136B201-A051-B0B3-C908-E89050C4F142}"/>
               </a:ext>
             </a:extLst>
           </p:cNvPr>
-          <p:cNvSpPr txBox="1">
-            <a:spLocks/>
+          <p:cNvSpPr>
+            <a:spLocks noGrp="1"/>
           </p:cNvSpPr>
-          <p:nvPr/>
+          <p:nvPr>
+            <p:ph type="body" sz="quarter" idx="10"/>
+          </p:nvPr>
         </p:nvSpPr>
         <p:spPr>
           <a:xfrm>
-            <a:off x="190353" y="1196124"/>
-            <a:ext cx="11815018" cy="5561125"/>
+            <a:off x="190406" y="1206668"/>
+            <a:ext cx="11930038" cy="5550582"/>
           </a:xfrm>
-          <a:prstGeom prst="rect">
-            <a:avLst/>
-          </a:prstGeom>
         </p:spPr>
         <p:txBody>
-          <a:bodyPr lIns="91440" tIns="45720" rIns="91440" bIns="45720" anchor="t">
-            <a:normAutofit/>
-          </a:bodyPr>
-          <a:lstStyle>
-            <a:lvl1pPr marL="360363" indent="-360363" algn="l" defTabSz="1218438" rtl="0" eaLnBrk="1" latinLnBrk="0" hangingPunct="1">
-              <a:lnSpc>
-                <a:spcPct val="105000"/>
-              </a:lnSpc>
-              <a:spcBef>
-                <a:spcPts val="600"/>
-              </a:spcBef>
-              <a:spcAft>
-                <a:spcPts val="600"/>
-              </a:spcAft>
-              <a:buFont typeface="Wingdings" panose="05000000000000000000" pitchFamily="2" charset="2"/>
-              <a:buChar char="§"/>
-              <a:defRPr sz="3398" kern="1200">
-                <a:solidFill>
-                  <a:schemeClr val="tx1"/>
-                </a:solidFill>
-                <a:latin typeface="+mn-lt"/>
-                <a:ea typeface="+mn-ea"/>
-                <a:cs typeface="+mn-cs"/>
-              </a:defRPr>
-            </a:lvl1pPr>
-            <a:lvl2pPr marL="803275" indent="-360363" algn="l" defTabSz="1218438" rtl="0" eaLnBrk="1" latinLnBrk="0" hangingPunct="1">
-              <a:lnSpc>
-                <a:spcPct val="105000"/>
-              </a:lnSpc>
-              <a:spcBef>
-                <a:spcPts val="600"/>
-              </a:spcBef>
-              <a:spcAft>
-                <a:spcPts val="600"/>
-              </a:spcAft>
-              <a:buFont typeface="Wingdings" panose="05000000000000000000" pitchFamily="2" charset="2"/>
-              <a:buChar char="§"/>
-              <a:defRPr sz="3198" kern="1200">
-                <a:solidFill>
-                  <a:schemeClr val="tx1"/>
-                </a:solidFill>
-                <a:latin typeface="+mn-lt"/>
-                <a:ea typeface="+mn-ea"/>
-                <a:cs typeface="+mn-cs"/>
-              </a:defRPr>
-            </a:lvl2pPr>
-            <a:lvl3pPr marL="1255713" indent="-360363" algn="l" defTabSz="1218438" rtl="0" eaLnBrk="1" latinLnBrk="0" hangingPunct="1">
-              <a:lnSpc>
-                <a:spcPct val="105000"/>
-              </a:lnSpc>
-              <a:spcBef>
-                <a:spcPts val="600"/>
-              </a:spcBef>
-              <a:spcAft>
-                <a:spcPts val="600"/>
-              </a:spcAft>
-              <a:buFont typeface="Wingdings" panose="05000000000000000000" pitchFamily="2" charset="2"/>
-              <a:buChar char="§"/>
-              <a:defRPr sz="2998" kern="1200">
-                <a:solidFill>
-                  <a:schemeClr val="tx1"/>
-                </a:solidFill>
-                <a:latin typeface="+mn-lt"/>
-                <a:ea typeface="+mn-ea"/>
-                <a:cs typeface="+mn-cs"/>
-              </a:defRPr>
-            </a:lvl3pPr>
-            <a:lvl4pPr marL="1700213" indent="-352425" algn="l" defTabSz="1218438" rtl="0" eaLnBrk="1" latinLnBrk="0" hangingPunct="1">
-              <a:lnSpc>
-                <a:spcPct val="105000"/>
-              </a:lnSpc>
-              <a:spcBef>
-                <a:spcPts val="600"/>
-              </a:spcBef>
-              <a:spcAft>
-                <a:spcPts val="600"/>
-              </a:spcAft>
-              <a:buFont typeface="Wingdings" panose="05000000000000000000" pitchFamily="2" charset="2"/>
-              <a:buChar char="§"/>
-              <a:defRPr sz="2798" kern="1200">
-                <a:solidFill>
-                  <a:schemeClr val="tx1"/>
-                </a:solidFill>
-                <a:latin typeface="+mn-lt"/>
-                <a:ea typeface="+mn-ea"/>
-                <a:cs typeface="+mn-cs"/>
-              </a:defRPr>
-            </a:lvl4pPr>
-            <a:lvl5pPr marL="2058988" indent="-266700" algn="l" defTabSz="1218438" rtl="0" eaLnBrk="1" latinLnBrk="0" hangingPunct="1">
-              <a:lnSpc>
-                <a:spcPct val="105000"/>
-              </a:lnSpc>
-              <a:spcBef>
-                <a:spcPts val="600"/>
-              </a:spcBef>
-              <a:spcAft>
-                <a:spcPts val="600"/>
-              </a:spcAft>
-              <a:buFont typeface="Wingdings" panose="05000000000000000000" pitchFamily="2" charset="2"/>
-              <a:buChar char="§"/>
-              <a:defRPr sz="2598" kern="1200">
-                <a:solidFill>
-                  <a:schemeClr val="tx1"/>
-                </a:solidFill>
-                <a:latin typeface="+mn-lt"/>
-                <a:ea typeface="+mn-ea"/>
-                <a:cs typeface="+mn-cs"/>
-              </a:defRPr>
-            </a:lvl5pPr>
-            <a:lvl6pPr marL="3350704" indent="-304610" algn="l" defTabSz="1218438" rtl="0" eaLnBrk="1" latinLnBrk="1" hangingPunct="1">
-              <a:spcBef>
-                <a:spcPct val="20000"/>
-              </a:spcBef>
-              <a:buFont typeface="Arial" pitchFamily="34" charset="0"/>
-              <a:buChar char="•"/>
-              <a:defRPr sz="2665" kern="1200">
-                <a:solidFill>
-                  <a:schemeClr val="tx1"/>
-                </a:solidFill>
-                <a:latin typeface="+mn-lt"/>
-                <a:ea typeface="+mn-ea"/>
-                <a:cs typeface="+mn-cs"/>
-              </a:defRPr>
-            </a:lvl6pPr>
-            <a:lvl7pPr marL="3959924" indent="-304610" algn="l" defTabSz="1218438" rtl="0" eaLnBrk="1" latinLnBrk="1" hangingPunct="1">
-              <a:spcBef>
-                <a:spcPct val="20000"/>
-              </a:spcBef>
-              <a:buFont typeface="Arial" pitchFamily="34" charset="0"/>
-              <a:buChar char="•"/>
-              <a:defRPr sz="2665" kern="1200">
-                <a:solidFill>
-                  <a:schemeClr val="tx1"/>
-                </a:solidFill>
-                <a:latin typeface="+mn-lt"/>
-                <a:ea typeface="+mn-ea"/>
-                <a:cs typeface="+mn-cs"/>
-              </a:defRPr>
-            </a:lvl7pPr>
-            <a:lvl8pPr marL="4569143" indent="-304610" algn="l" defTabSz="1218438" rtl="0" eaLnBrk="1" latinLnBrk="1" hangingPunct="1">
-              <a:spcBef>
-                <a:spcPct val="20000"/>
-              </a:spcBef>
-              <a:buFont typeface="Arial" pitchFamily="34" charset="0"/>
-              <a:buChar char="•"/>
-              <a:defRPr sz="2665" kern="1200">
-                <a:solidFill>
-                  <a:schemeClr val="tx1"/>
-                </a:solidFill>
-                <a:latin typeface="+mn-lt"/>
-                <a:ea typeface="+mn-ea"/>
-                <a:cs typeface="+mn-cs"/>
-              </a:defRPr>
-            </a:lvl8pPr>
-            <a:lvl9pPr marL="5178362" indent="-304610" algn="l" defTabSz="1218438" rtl="0" eaLnBrk="1" latinLnBrk="1" hangingPunct="1">
-              <a:spcBef>
-                <a:spcPct val="20000"/>
-              </a:spcBef>
-              <a:buFont typeface="Arial" pitchFamily="34" charset="0"/>
-              <a:buChar char="•"/>
-              <a:defRPr sz="2665" kern="1200">
-                <a:solidFill>
-                  <a:schemeClr val="tx1"/>
-                </a:solidFill>
-                <a:latin typeface="+mn-lt"/>
-                <a:ea typeface="+mn-ea"/>
-                <a:cs typeface="+mn-cs"/>
-              </a:defRPr>
-            </a:lvl9pPr>
-          </a:lstStyle>
+          <a:bodyPr/>
+          <a:lstStyle/>
           <a:p>
             <a:pPr marL="456565" indent="-456565">
               <a:buClr>
@@ -33715,43 +32531,58 @@
               </a:buClr>
             </a:pPr>
             <a:r>
-              <a:rPr lang="en-US" sz="3800" b="1" dirty="0">
+              <a:rPr lang="en-US" sz="3600" b="1" dirty="0">
                 <a:solidFill>
                   <a:schemeClr val="bg1"/>
                 </a:solidFill>
+                <a:latin typeface="Consolas" panose="020B0609020204030204" pitchFamily="49" charset="0"/>
+                <a:cs typeface="Consolas" panose="020B0609020204030204" pitchFamily="49" charset="0"/>
               </a:rPr>
               <a:t>Dictionary</a:t>
             </a:r>
             <a:r>
-              <a:rPr lang="en-US" sz="3800" dirty="0"/>
+              <a:rPr lang="en-US" sz="3600" dirty="0">
+                <a:latin typeface="Consolas" panose="020B0609020204030204" pitchFamily="49" charset="0"/>
+                <a:cs typeface="Consolas" panose="020B0609020204030204" pitchFamily="49" charset="0"/>
+              </a:rPr>
               <a:t>&lt;</a:t>
             </a:r>
             <a:r>
-              <a:rPr lang="en-US" sz="3800" b="1" dirty="0">
+              <a:rPr lang="en-US" sz="3600" b="1" dirty="0">
                 <a:solidFill>
                   <a:schemeClr val="bg1"/>
                 </a:solidFill>
+                <a:latin typeface="Consolas" panose="020B0609020204030204" pitchFamily="49" charset="0"/>
+                <a:cs typeface="Consolas" panose="020B0609020204030204" pitchFamily="49" charset="0"/>
               </a:rPr>
               <a:t>K</a:t>
             </a:r>
             <a:r>
-              <a:rPr lang="en-US" sz="3800" dirty="0"/>
+              <a:rPr lang="en-US" sz="3600" dirty="0">
+                <a:latin typeface="Consolas" panose="020B0609020204030204" pitchFamily="49" charset="0"/>
+                <a:cs typeface="Consolas" panose="020B0609020204030204" pitchFamily="49" charset="0"/>
+              </a:rPr>
               <a:t>,</a:t>
             </a:r>
             <a:r>
-              <a:rPr lang="en-US" sz="3800" b="1" dirty="0">
+              <a:rPr lang="en-US" sz="3600" b="1" dirty="0">
                 <a:solidFill>
                   <a:schemeClr val="bg1"/>
                 </a:solidFill>
+                <a:latin typeface="Consolas" panose="020B0609020204030204" pitchFamily="49" charset="0"/>
+                <a:cs typeface="Consolas" panose="020B0609020204030204" pitchFamily="49" charset="0"/>
               </a:rPr>
               <a:t> V</a:t>
             </a:r>
             <a:r>
-              <a:rPr lang="en-US" sz="3800" dirty="0"/>
+              <a:rPr lang="en-US" sz="3600" dirty="0">
+                <a:latin typeface="Consolas" panose="020B0609020204030204" pitchFamily="49" charset="0"/>
+                <a:cs typeface="Consolas" panose="020B0609020204030204" pitchFamily="49" charset="0"/>
+              </a:rPr>
               <a:t>&gt;</a:t>
             </a:r>
             <a:r>
-              <a:rPr lang="en-US" sz="3800" b="1" dirty="0">
+              <a:rPr lang="en-US" sz="3600" b="1" dirty="0">
                 <a:solidFill>
                   <a:schemeClr val="bg1"/>
                 </a:solidFill>
@@ -33759,11 +32590,11 @@
               <a:t> </a:t>
             </a:r>
             <a:r>
-              <a:rPr lang="bg-BG" sz="3800" dirty="0"/>
+              <a:rPr lang="bg-BG" sz="3600" dirty="0"/>
               <a:t>– </a:t>
             </a:r>
             <a:r>
-              <a:rPr lang="en-US" sz="3800" dirty="0"/>
+              <a:rPr lang="en-US" sz="3600" dirty="0"/>
               <a:t>представлява колекция от двойки </a:t>
             </a:r>
             <a:endParaRPr lang="bg-BG" dirty="0"/>
@@ -33775,22 +32606,22 @@
               </a:buClr>
             </a:pPr>
             <a:r>
-              <a:rPr lang="bg-BG" sz="3800" dirty="0"/>
+              <a:rPr lang="bg-BG" sz="3600" dirty="0"/>
               <a:t>Ключовете </a:t>
             </a:r>
             <a:r>
-              <a:rPr lang="en-US" sz="3800" dirty="0"/>
+              <a:rPr lang="en-US" sz="3600" dirty="0"/>
               <a:t>са </a:t>
             </a:r>
             <a:r>
-              <a:rPr lang="en-US" sz="3800" b="1" dirty="0">
+              <a:rPr lang="en-US" sz="3600" b="1" dirty="0">
                 <a:solidFill>
                   <a:schemeClr val="bg1"/>
                 </a:solidFill>
               </a:rPr>
               <a:t>уникални</a:t>
             </a:r>
-            <a:endParaRPr lang="en-US" sz="3800" b="1" dirty="0">
+            <a:endParaRPr lang="en-US" sz="3600" b="1" dirty="0">
               <a:solidFill>
                 <a:schemeClr val="bg1"/>
               </a:solidFill>
@@ -33804,14 +32635,14 @@
               </a:buClr>
             </a:pPr>
             <a:r>
-              <a:rPr lang="en-US" sz="3800" dirty="0">
+              <a:rPr lang="en-US" sz="3600" dirty="0">
                 <a:ea typeface="+mn-lt"/>
                 <a:cs typeface="+mn-lt"/>
               </a:rPr>
               <a:t>Поддържа ключовете в техния </a:t>
             </a:r>
             <a:r>
-              <a:rPr lang="en-US" sz="3800" b="1" dirty="0">
+              <a:rPr lang="en-US" sz="3600" b="1" dirty="0">
                 <a:solidFill>
                   <a:schemeClr val="bg1"/>
                 </a:solidFill>
@@ -33820,12 +32651,15 @@
               </a:rPr>
               <a:t>ред на добавяне</a:t>
             </a:r>
-            <a:endParaRPr lang="en-US" sz="3800" b="1" dirty="0">
+            <a:endParaRPr lang="en-US" sz="3600" b="1" dirty="0">
               <a:solidFill>
                 <a:schemeClr val="bg1"/>
               </a:solidFill>
               <a:cs typeface="Calibri"/>
             </a:endParaRPr>
+          </a:p>
+          <a:p>
+            <a:endParaRPr lang="bg-BG" dirty="0"/>
           </a:p>
         </p:txBody>
       </p:sp>
@@ -33847,8 +32681,8 @@
         </p:nvSpPr>
         <p:spPr>
           <a:xfrm>
-            <a:off x="190355" y="100750"/>
-            <a:ext cx="9792489" cy="882654"/>
+            <a:off x="190405" y="100750"/>
+            <a:ext cx="10239658" cy="882654"/>
           </a:xfrm>
         </p:spPr>
         <p:txBody>
@@ -33856,7 +32690,7 @@
           <a:lstStyle/>
           <a:p>
             <a:r>
-              <a:rPr lang="bg-BG" sz="3950" dirty="0"/>
+              <a:rPr lang="bg-BG" dirty="0"/>
               <a:t>Речници</a:t>
             </a:r>
             <a:endParaRPr lang="en-US" dirty="0"/>
@@ -34210,10 +33044,10 @@
       </p:sp>
       <p:sp>
         <p:nvSpPr>
-          <p:cNvPr id="15" name="Slide Number">
+          <p:cNvPr id="4" name="Slide Number">
             <a:extLst>
               <a:ext uri="{FF2B5EF4-FFF2-40B4-BE49-F238E27FC236}">
-                <a16:creationId xmlns:a16="http://schemas.microsoft.com/office/drawing/2014/main" id="{841AB188-0F25-4817-A93B-629F1FADD098}"/>
+                <a16:creationId xmlns:a16="http://schemas.microsoft.com/office/drawing/2014/main" id="{933F3E27-B853-5C5F-DD66-33B7671E7697}"/>
               </a:ext>
             </a:extLst>
           </p:cNvPr>
@@ -34341,7 +33175,7 @@
     </p:spTree>
     <p:extLst>
       <p:ext uri="{BB962C8B-B14F-4D97-AF65-F5344CB8AC3E}">
-        <p14:creationId xmlns:p14="http://schemas.microsoft.com/office/powerpoint/2010/main" val="1286726636"/>
+        <p14:creationId xmlns:p14="http://schemas.microsoft.com/office/powerpoint/2010/main" val="4006409983"/>
       </p:ext>
     </p:extLst>
   </p:cSld>
@@ -34390,7 +33224,7 @@
                                           </p:stCondLst>
                                         </p:cTn>
                                         <p:tgtEl>
-                                          <p:spTgt spid="12">
+                                          <p:spTgt spid="6">
                                             <p:txEl>
                                               <p:pRg st="1" end="1"/>
                                             </p:txEl>
@@ -34439,7 +33273,7 @@
                                           </p:stCondLst>
                                         </p:cTn>
                                         <p:tgtEl>
-                                          <p:spTgt spid="12">
+                                          <p:spTgt spid="6">
                                             <p:txEl>
                                               <p:pRg st="2" end="2"/>
                                             </p:txEl>
@@ -34716,198 +33550,24 @@
       </p:grpSpPr>
       <p:sp>
         <p:nvSpPr>
-          <p:cNvPr id="12" name="Text Placeholder 1">
+          <p:cNvPr id="6" name="Text Placeholder 5">
             <a:extLst>
               <a:ext uri="{FF2B5EF4-FFF2-40B4-BE49-F238E27FC236}">
-                <a16:creationId xmlns:a16="http://schemas.microsoft.com/office/drawing/2014/main" id="{EDC03249-CC29-4CD9-B0FB-F001E7339F4D}"/>
+                <a16:creationId xmlns:a16="http://schemas.microsoft.com/office/drawing/2014/main" id="{0E04B2AF-28F2-6DD5-8FFA-C5B2C211FDFA}"/>
               </a:ext>
             </a:extLst>
           </p:cNvPr>
-          <p:cNvSpPr txBox="1">
-            <a:spLocks/>
+          <p:cNvSpPr>
+            <a:spLocks noGrp="1"/>
           </p:cNvSpPr>
-          <p:nvPr/>
+          <p:nvPr>
+            <p:ph type="body" sz="quarter" idx="10"/>
+          </p:nvPr>
         </p:nvSpPr>
-        <p:spPr>
-          <a:xfrm>
-            <a:off x="190353" y="1196124"/>
-            <a:ext cx="11815018" cy="5561125"/>
-          </a:xfrm>
-          <a:prstGeom prst="rect">
-            <a:avLst/>
-          </a:prstGeom>
-        </p:spPr>
+        <p:spPr/>
         <p:txBody>
-          <a:bodyPr lIns="91440" tIns="45720" rIns="91440" bIns="45720" anchor="t">
-            <a:normAutofit/>
-          </a:bodyPr>
-          <a:lstStyle>
-            <a:lvl1pPr marL="360363" indent="-360363" algn="l" defTabSz="1218438" rtl="0" eaLnBrk="1" latinLnBrk="0" hangingPunct="1">
-              <a:lnSpc>
-                <a:spcPct val="105000"/>
-              </a:lnSpc>
-              <a:spcBef>
-                <a:spcPts val="600"/>
-              </a:spcBef>
-              <a:spcAft>
-                <a:spcPts val="600"/>
-              </a:spcAft>
-              <a:buFont typeface="Wingdings" panose="05000000000000000000" pitchFamily="2" charset="2"/>
-              <a:buChar char="§"/>
-              <a:defRPr sz="3398" kern="1200">
-                <a:solidFill>
-                  <a:schemeClr val="tx1"/>
-                </a:solidFill>
-                <a:latin typeface="+mn-lt"/>
-                <a:ea typeface="+mn-ea"/>
-                <a:cs typeface="+mn-cs"/>
-              </a:defRPr>
-            </a:lvl1pPr>
-            <a:lvl2pPr marL="803275" indent="-360363" algn="l" defTabSz="1218438" rtl="0" eaLnBrk="1" latinLnBrk="0" hangingPunct="1">
-              <a:lnSpc>
-                <a:spcPct val="105000"/>
-              </a:lnSpc>
-              <a:spcBef>
-                <a:spcPts val="600"/>
-              </a:spcBef>
-              <a:spcAft>
-                <a:spcPts val="600"/>
-              </a:spcAft>
-              <a:buFont typeface="Wingdings" panose="05000000000000000000" pitchFamily="2" charset="2"/>
-              <a:buChar char="§"/>
-              <a:defRPr sz="3198" kern="1200">
-                <a:solidFill>
-                  <a:schemeClr val="tx1"/>
-                </a:solidFill>
-                <a:latin typeface="+mn-lt"/>
-                <a:ea typeface="+mn-ea"/>
-                <a:cs typeface="+mn-cs"/>
-              </a:defRPr>
-            </a:lvl2pPr>
-            <a:lvl3pPr marL="1255713" indent="-360363" algn="l" defTabSz="1218438" rtl="0" eaLnBrk="1" latinLnBrk="0" hangingPunct="1">
-              <a:lnSpc>
-                <a:spcPct val="105000"/>
-              </a:lnSpc>
-              <a:spcBef>
-                <a:spcPts val="600"/>
-              </a:spcBef>
-              <a:spcAft>
-                <a:spcPts val="600"/>
-              </a:spcAft>
-              <a:buFont typeface="Wingdings" panose="05000000000000000000" pitchFamily="2" charset="2"/>
-              <a:buChar char="§"/>
-              <a:defRPr sz="2998" kern="1200">
-                <a:solidFill>
-                  <a:schemeClr val="tx1"/>
-                </a:solidFill>
-                <a:latin typeface="+mn-lt"/>
-                <a:ea typeface="+mn-ea"/>
-                <a:cs typeface="+mn-cs"/>
-              </a:defRPr>
-            </a:lvl3pPr>
-            <a:lvl4pPr marL="1700213" indent="-352425" algn="l" defTabSz="1218438" rtl="0" eaLnBrk="1" latinLnBrk="0" hangingPunct="1">
-              <a:lnSpc>
-                <a:spcPct val="105000"/>
-              </a:lnSpc>
-              <a:spcBef>
-                <a:spcPts val="600"/>
-              </a:spcBef>
-              <a:spcAft>
-                <a:spcPts val="600"/>
-              </a:spcAft>
-              <a:buFont typeface="Wingdings" panose="05000000000000000000" pitchFamily="2" charset="2"/>
-              <a:buChar char="§"/>
-              <a:defRPr sz="2798" kern="1200">
-                <a:solidFill>
-                  <a:schemeClr val="tx1"/>
-                </a:solidFill>
-                <a:latin typeface="+mn-lt"/>
-                <a:ea typeface="+mn-ea"/>
-                <a:cs typeface="+mn-cs"/>
-              </a:defRPr>
-            </a:lvl4pPr>
-            <a:lvl5pPr marL="2058988" indent="-266700" algn="l" defTabSz="1218438" rtl="0" eaLnBrk="1" latinLnBrk="0" hangingPunct="1">
-              <a:lnSpc>
-                <a:spcPct val="105000"/>
-              </a:lnSpc>
-              <a:spcBef>
-                <a:spcPts val="600"/>
-              </a:spcBef>
-              <a:spcAft>
-                <a:spcPts val="600"/>
-              </a:spcAft>
-              <a:buFont typeface="Wingdings" panose="05000000000000000000" pitchFamily="2" charset="2"/>
-              <a:buChar char="§"/>
-              <a:defRPr sz="2598" kern="1200">
-                <a:solidFill>
-                  <a:schemeClr val="tx1"/>
-                </a:solidFill>
-                <a:latin typeface="+mn-lt"/>
-                <a:ea typeface="+mn-ea"/>
-                <a:cs typeface="+mn-cs"/>
-              </a:defRPr>
-            </a:lvl5pPr>
-            <a:lvl6pPr marL="3350704" indent="-304610" algn="l" defTabSz="1218438" rtl="0" eaLnBrk="1" latinLnBrk="1" hangingPunct="1">
-              <a:spcBef>
-                <a:spcPct val="20000"/>
-              </a:spcBef>
-              <a:buFont typeface="Arial" pitchFamily="34" charset="0"/>
-              <a:buChar char="•"/>
-              <a:defRPr sz="2665" kern="1200">
-                <a:solidFill>
-                  <a:schemeClr val="tx1"/>
-                </a:solidFill>
-                <a:latin typeface="+mn-lt"/>
-                <a:ea typeface="+mn-ea"/>
-                <a:cs typeface="+mn-cs"/>
-              </a:defRPr>
-            </a:lvl6pPr>
-            <a:lvl7pPr marL="3959924" indent="-304610" algn="l" defTabSz="1218438" rtl="0" eaLnBrk="1" latinLnBrk="1" hangingPunct="1">
-              <a:spcBef>
-                <a:spcPct val="20000"/>
-              </a:spcBef>
-              <a:buFont typeface="Arial" pitchFamily="34" charset="0"/>
-              <a:buChar char="•"/>
-              <a:defRPr sz="2665" kern="1200">
-                <a:solidFill>
-                  <a:schemeClr val="tx1"/>
-                </a:solidFill>
-                <a:latin typeface="+mn-lt"/>
-                <a:ea typeface="+mn-ea"/>
-                <a:cs typeface="+mn-cs"/>
-              </a:defRPr>
-            </a:lvl7pPr>
-            <a:lvl8pPr marL="4569143" indent="-304610" algn="l" defTabSz="1218438" rtl="0" eaLnBrk="1" latinLnBrk="1" hangingPunct="1">
-              <a:spcBef>
-                <a:spcPct val="20000"/>
-              </a:spcBef>
-              <a:buFont typeface="Arial" pitchFamily="34" charset="0"/>
-              <a:buChar char="•"/>
-              <a:defRPr sz="2665" kern="1200">
-                <a:solidFill>
-                  <a:schemeClr val="tx1"/>
-                </a:solidFill>
-                <a:latin typeface="+mn-lt"/>
-                <a:ea typeface="+mn-ea"/>
-                <a:cs typeface="+mn-cs"/>
-              </a:defRPr>
-            </a:lvl8pPr>
-            <a:lvl9pPr marL="5178362" indent="-304610" algn="l" defTabSz="1218438" rtl="0" eaLnBrk="1" latinLnBrk="1" hangingPunct="1">
-              <a:spcBef>
-                <a:spcPct val="20000"/>
-              </a:spcBef>
-              <a:buFont typeface="Arial" pitchFamily="34" charset="0"/>
-              <a:buChar char="•"/>
-              <a:defRPr sz="2665" kern="1200">
-                <a:solidFill>
-                  <a:schemeClr val="tx1"/>
-                </a:solidFill>
-                <a:latin typeface="+mn-lt"/>
-                <a:ea typeface="+mn-ea"/>
-                <a:cs typeface="+mn-cs"/>
-              </a:defRPr>
-            </a:lvl9pPr>
-          </a:lstStyle>
+          <a:bodyPr/>
+          <a:lstStyle/>
           <a:p>
             <a:pPr marL="456565" indent="-456565">
               <a:buClr>
@@ -34915,42 +33575,60 @@
               </a:buClr>
             </a:pPr>
             <a:r>
-              <a:rPr lang="en-US" sz="3800" b="1" noProof="1">
+              <a:rPr lang="en-US" sz="4000" b="1" noProof="1">
                 <a:solidFill>
                   <a:schemeClr val="bg1"/>
                 </a:solidFill>
+                <a:latin typeface="Consolas" panose="020B0609020204030204" pitchFamily="49" charset="0"/>
+                <a:cs typeface="Consolas" panose="020B0609020204030204" pitchFamily="49" charset="0"/>
               </a:rPr>
               <a:t>SortedDictionary</a:t>
             </a:r>
             <a:r>
-              <a:rPr lang="en-US" sz="3800" dirty="0"/>
+              <a:rPr lang="en-US" sz="4000" dirty="0">
+                <a:latin typeface="Consolas" panose="020B0609020204030204" pitchFamily="49" charset="0"/>
+                <a:cs typeface="Consolas" panose="020B0609020204030204" pitchFamily="49" charset="0"/>
+              </a:rPr>
               <a:t>&lt;</a:t>
             </a:r>
             <a:r>
-              <a:rPr lang="en-US" sz="3800" b="1" dirty="0">
+              <a:rPr lang="en-US" sz="4000" b="1" dirty="0">
                 <a:solidFill>
                   <a:schemeClr val="bg1"/>
                 </a:solidFill>
+                <a:latin typeface="Consolas" panose="020B0609020204030204" pitchFamily="49" charset="0"/>
+                <a:cs typeface="Consolas" panose="020B0609020204030204" pitchFamily="49" charset="0"/>
               </a:rPr>
               <a:t>K</a:t>
             </a:r>
             <a:r>
-              <a:rPr lang="en-US" sz="3800" dirty="0"/>
+              <a:rPr lang="en-US" sz="4000" dirty="0">
+                <a:latin typeface="Consolas" panose="020B0609020204030204" pitchFamily="49" charset="0"/>
+                <a:cs typeface="Consolas" panose="020B0609020204030204" pitchFamily="49" charset="0"/>
+              </a:rPr>
               <a:t>, </a:t>
             </a:r>
             <a:r>
-              <a:rPr lang="en-US" sz="3800" b="1" dirty="0">
+              <a:rPr lang="en-US" sz="4000" b="1" dirty="0">
                 <a:solidFill>
                   <a:schemeClr val="bg1"/>
                 </a:solidFill>
+                <a:latin typeface="Consolas" panose="020B0609020204030204" pitchFamily="49" charset="0"/>
+                <a:cs typeface="Consolas" panose="020B0609020204030204" pitchFamily="49" charset="0"/>
               </a:rPr>
               <a:t>V</a:t>
             </a:r>
             <a:r>
-              <a:rPr lang="en-US" sz="3800" dirty="0"/>
+              <a:rPr lang="en-US" sz="4000" dirty="0">
+                <a:latin typeface="Consolas" panose="020B0609020204030204" pitchFamily="49" charset="0"/>
+                <a:cs typeface="Consolas" panose="020B0609020204030204" pitchFamily="49" charset="0"/>
+              </a:rPr>
               <a:t>&gt;</a:t>
             </a:r>
-            <a:endParaRPr lang="bg-BG" dirty="0"/>
+            <a:endParaRPr lang="bg-BG" sz="3600" dirty="0">
+              <a:latin typeface="Consolas" panose="020B0609020204030204" pitchFamily="49" charset="0"/>
+              <a:cs typeface="Consolas" panose="020B0609020204030204" pitchFamily="49" charset="0"/>
+            </a:endParaRPr>
           </a:p>
           <a:p>
             <a:pPr marL="456565" indent="-456565">
@@ -34959,26 +33637,26 @@
               </a:buClr>
             </a:pPr>
             <a:r>
-              <a:rPr lang="bg-BG" sz="3800" dirty="0"/>
+              <a:rPr lang="bg-BG" sz="4000" dirty="0"/>
               <a:t>Поддържа</a:t>
             </a:r>
             <a:r>
-              <a:rPr lang="en-US" sz="3800" dirty="0"/>
+              <a:rPr lang="en-US" sz="4000" dirty="0"/>
               <a:t> </a:t>
             </a:r>
             <a:r>
-              <a:rPr lang="bg-BG" sz="3800" dirty="0"/>
+              <a:rPr lang="bg-BG" sz="4000" dirty="0"/>
               <a:t>ключовете </a:t>
             </a:r>
             <a:r>
-              <a:rPr lang="bg-BG" sz="3800" b="1" dirty="0">
+              <a:rPr lang="bg-BG" sz="4000" b="1" dirty="0">
                 <a:solidFill>
                   <a:schemeClr val="bg1"/>
                 </a:solidFill>
               </a:rPr>
               <a:t>сортирани</a:t>
             </a:r>
-            <a:endParaRPr lang="en-US" sz="3800" b="1" dirty="0">
+            <a:endParaRPr lang="en-US" sz="4000" b="1" dirty="0">
               <a:solidFill>
                 <a:schemeClr val="bg1"/>
               </a:solidFill>
@@ -34992,12 +33670,15 @@
               </a:buClr>
             </a:pPr>
             <a:r>
-              <a:rPr lang="en-US" sz="3800" dirty="0"/>
+              <a:rPr lang="en-US" sz="4000" dirty="0"/>
               <a:t>Използва балансирано дърво</a:t>
             </a:r>
-            <a:endParaRPr lang="en-US" sz="3800" dirty="0">
+            <a:endParaRPr lang="en-US" sz="4000" dirty="0">
               <a:cs typeface="Calibri"/>
             </a:endParaRPr>
+          </a:p>
+          <a:p>
+            <a:endParaRPr lang="bg-BG" dirty="0"/>
           </a:p>
         </p:txBody>
       </p:sp>
@@ -35019,8 +33700,8 @@
         </p:nvSpPr>
         <p:spPr>
           <a:xfrm>
-            <a:off x="190355" y="100750"/>
-            <a:ext cx="9792489" cy="882654"/>
+            <a:off x="190405" y="100750"/>
+            <a:ext cx="10239658" cy="882654"/>
           </a:xfrm>
         </p:spPr>
         <p:txBody>
@@ -35028,18 +33709,17 @@
           <a:lstStyle/>
           <a:p>
             <a:r>
-              <a:rPr lang="bg-BG" sz="3950" dirty="0"/>
+              <a:rPr lang="bg-BG" dirty="0"/>
               <a:t>Сортирани</a:t>
             </a:r>
             <a:r>
-              <a:rPr lang="en-US" sz="3950" dirty="0"/>
+              <a:rPr lang="en-US" dirty="0"/>
               <a:t> </a:t>
             </a:r>
             <a:r>
-              <a:rPr lang="bg-BG" sz="3950" dirty="0"/>
+              <a:rPr lang="bg-BG" dirty="0"/>
               <a:t>речници</a:t>
             </a:r>
-            <a:endParaRPr lang="bg-BG" dirty="0"/>
           </a:p>
         </p:txBody>
       </p:sp>
@@ -35059,7 +33739,7 @@
         </p:nvSpPr>
         <p:spPr>
           <a:xfrm>
-            <a:off x="757423" y="3573016"/>
+            <a:off x="757423" y="3665270"/>
             <a:ext cx="10377549" cy="2328730"/>
           </a:xfrm>
           <a:prstGeom prst="rect">
@@ -35400,10 +34080,10 @@
       </p:sp>
       <p:sp>
         <p:nvSpPr>
-          <p:cNvPr id="15" name="Slide Number">
+          <p:cNvPr id="4" name="Slide Number">
             <a:extLst>
               <a:ext uri="{FF2B5EF4-FFF2-40B4-BE49-F238E27FC236}">
-                <a16:creationId xmlns:a16="http://schemas.microsoft.com/office/drawing/2014/main" id="{E0755E5B-0B03-40DA-A567-ABCAF14026A2}"/>
+                <a16:creationId xmlns:a16="http://schemas.microsoft.com/office/drawing/2014/main" id="{889F1448-892D-FB07-A3AC-7A6DDDCCB79C}"/>
               </a:ext>
             </a:extLst>
           </p:cNvPr>
@@ -35531,7 +34211,7 @@
     </p:spTree>
     <p:extLst>
       <p:ext uri="{BB962C8B-B14F-4D97-AF65-F5344CB8AC3E}">
-        <p14:creationId xmlns:p14="http://schemas.microsoft.com/office/powerpoint/2010/main" val="395834325"/>
+        <p14:creationId xmlns:p14="http://schemas.microsoft.com/office/powerpoint/2010/main" val="1380047318"/>
       </p:ext>
     </p:extLst>
   </p:cSld>
@@ -35580,7 +34260,7 @@
                                           </p:stCondLst>
                                         </p:cTn>
                                         <p:tgtEl>
-                                          <p:spTgt spid="12">
+                                          <p:spTgt spid="6">
                                             <p:txEl>
                                               <p:pRg st="1" end="1"/>
                                             </p:txEl>
@@ -35629,7 +34309,7 @@
                                           </p:stCondLst>
                                         </p:cTn>
                                         <p:tgtEl>
-                                          <p:spTgt spid="12">
+                                          <p:spTgt spid="6">
                                             <p:txEl>
                                               <p:pRg st="2" end="2"/>
                                             </p:txEl>
@@ -36284,12 +34964,7 @@
             <p:ph type="title"/>
           </p:nvPr>
         </p:nvSpPr>
-        <p:spPr>
-          <a:xfrm>
-            <a:off x="190355" y="100750"/>
-            <a:ext cx="9792489" cy="882654"/>
-          </a:xfrm>
-        </p:spPr>
+        <p:spPr/>
         <p:txBody>
           <a:bodyPr>
             <a:normAutofit/>
@@ -36825,10 +35500,10 @@
       </p:sp>
       <p:sp>
         <p:nvSpPr>
-          <p:cNvPr id="17" name="Slide Number">
+          <p:cNvPr id="4" name="Slide Number">
             <a:extLst>
               <a:ext uri="{FF2B5EF4-FFF2-40B4-BE49-F238E27FC236}">
-                <a16:creationId xmlns:a16="http://schemas.microsoft.com/office/drawing/2014/main" id="{D5D209FC-41D3-4AC4-B733-B50F3A79F5B8}"/>
+                <a16:creationId xmlns:a16="http://schemas.microsoft.com/office/drawing/2014/main" id="{01BC7614-DBBF-155D-F818-5355CC3D2391}"/>
               </a:ext>
             </a:extLst>
           </p:cNvPr>
@@ -36956,7 +35631,7 @@
     </p:spTree>
     <p:extLst>
       <p:ext uri="{BB962C8B-B14F-4D97-AF65-F5344CB8AC3E}">
-        <p14:creationId xmlns:p14="http://schemas.microsoft.com/office/powerpoint/2010/main" val="461720446"/>
+        <p14:creationId xmlns:p14="http://schemas.microsoft.com/office/powerpoint/2010/main" val="808259962"/>
       </p:ext>
     </p:extLst>
   </p:cSld>
@@ -37102,198 +35777,24 @@
       </p:grpSpPr>
       <p:sp>
         <p:nvSpPr>
-          <p:cNvPr id="13" name="Text Placeholder 1">
+          <p:cNvPr id="6" name="Text Placeholder 5">
             <a:extLst>
               <a:ext uri="{FF2B5EF4-FFF2-40B4-BE49-F238E27FC236}">
-                <a16:creationId xmlns:a16="http://schemas.microsoft.com/office/drawing/2014/main" id="{55567806-ED9D-4A69-8891-A7684708BA0F}"/>
+                <a16:creationId xmlns:a16="http://schemas.microsoft.com/office/drawing/2014/main" id="{9C169EFB-DB7A-1D86-DCAF-ABD0E0475F2A}"/>
               </a:ext>
             </a:extLst>
           </p:cNvPr>
-          <p:cNvSpPr txBox="1">
-            <a:spLocks/>
+          <p:cNvSpPr>
+            <a:spLocks noGrp="1"/>
           </p:cNvSpPr>
-          <p:nvPr/>
+          <p:nvPr>
+            <p:ph type="body" sz="quarter" idx="10"/>
+          </p:nvPr>
         </p:nvSpPr>
-        <p:spPr>
-          <a:xfrm>
-            <a:off x="190356" y="1212149"/>
-            <a:ext cx="11808021" cy="5184275"/>
-          </a:xfrm>
-          <a:prstGeom prst="rect">
-            <a:avLst/>
-          </a:prstGeom>
-        </p:spPr>
+        <p:spPr/>
         <p:txBody>
-          <a:bodyPr lIns="91440" tIns="45720" rIns="91440" bIns="45720" anchor="t">
-            <a:normAutofit/>
-          </a:bodyPr>
-          <a:lstStyle>
-            <a:lvl1pPr marL="360363" indent="-360363" algn="l" defTabSz="1218438" rtl="0" eaLnBrk="1" latinLnBrk="0" hangingPunct="1">
-              <a:lnSpc>
-                <a:spcPct val="105000"/>
-              </a:lnSpc>
-              <a:spcBef>
-                <a:spcPts val="600"/>
-              </a:spcBef>
-              <a:spcAft>
-                <a:spcPts val="600"/>
-              </a:spcAft>
-              <a:buFont typeface="Wingdings" panose="05000000000000000000" pitchFamily="2" charset="2"/>
-              <a:buChar char="§"/>
-              <a:defRPr sz="3398" kern="1200">
-                <a:solidFill>
-                  <a:schemeClr val="tx1"/>
-                </a:solidFill>
-                <a:latin typeface="+mn-lt"/>
-                <a:ea typeface="+mn-ea"/>
-                <a:cs typeface="+mn-cs"/>
-              </a:defRPr>
-            </a:lvl1pPr>
-            <a:lvl2pPr marL="803275" indent="-360363" algn="l" defTabSz="1218438" rtl="0" eaLnBrk="1" latinLnBrk="0" hangingPunct="1">
-              <a:lnSpc>
-                <a:spcPct val="105000"/>
-              </a:lnSpc>
-              <a:spcBef>
-                <a:spcPts val="600"/>
-              </a:spcBef>
-              <a:spcAft>
-                <a:spcPts val="600"/>
-              </a:spcAft>
-              <a:buFont typeface="Wingdings" panose="05000000000000000000" pitchFamily="2" charset="2"/>
-              <a:buChar char="§"/>
-              <a:defRPr sz="3198" kern="1200">
-                <a:solidFill>
-                  <a:schemeClr val="tx1"/>
-                </a:solidFill>
-                <a:latin typeface="+mn-lt"/>
-                <a:ea typeface="+mn-ea"/>
-                <a:cs typeface="+mn-cs"/>
-              </a:defRPr>
-            </a:lvl2pPr>
-            <a:lvl3pPr marL="1255713" indent="-360363" algn="l" defTabSz="1218438" rtl="0" eaLnBrk="1" latinLnBrk="0" hangingPunct="1">
-              <a:lnSpc>
-                <a:spcPct val="105000"/>
-              </a:lnSpc>
-              <a:spcBef>
-                <a:spcPts val="600"/>
-              </a:spcBef>
-              <a:spcAft>
-                <a:spcPts val="600"/>
-              </a:spcAft>
-              <a:buFont typeface="Wingdings" panose="05000000000000000000" pitchFamily="2" charset="2"/>
-              <a:buChar char="§"/>
-              <a:defRPr sz="2998" kern="1200">
-                <a:solidFill>
-                  <a:schemeClr val="tx1"/>
-                </a:solidFill>
-                <a:latin typeface="+mn-lt"/>
-                <a:ea typeface="+mn-ea"/>
-                <a:cs typeface="+mn-cs"/>
-              </a:defRPr>
-            </a:lvl3pPr>
-            <a:lvl4pPr marL="1700213" indent="-352425" algn="l" defTabSz="1218438" rtl="0" eaLnBrk="1" latinLnBrk="0" hangingPunct="1">
-              <a:lnSpc>
-                <a:spcPct val="105000"/>
-              </a:lnSpc>
-              <a:spcBef>
-                <a:spcPts val="600"/>
-              </a:spcBef>
-              <a:spcAft>
-                <a:spcPts val="600"/>
-              </a:spcAft>
-              <a:buFont typeface="Wingdings" panose="05000000000000000000" pitchFamily="2" charset="2"/>
-              <a:buChar char="§"/>
-              <a:defRPr sz="2798" kern="1200">
-                <a:solidFill>
-                  <a:schemeClr val="tx1"/>
-                </a:solidFill>
-                <a:latin typeface="+mn-lt"/>
-                <a:ea typeface="+mn-ea"/>
-                <a:cs typeface="+mn-cs"/>
-              </a:defRPr>
-            </a:lvl4pPr>
-            <a:lvl5pPr marL="2058988" indent="-266700" algn="l" defTabSz="1218438" rtl="0" eaLnBrk="1" latinLnBrk="0" hangingPunct="1">
-              <a:lnSpc>
-                <a:spcPct val="105000"/>
-              </a:lnSpc>
-              <a:spcBef>
-                <a:spcPts val="600"/>
-              </a:spcBef>
-              <a:spcAft>
-                <a:spcPts val="600"/>
-              </a:spcAft>
-              <a:buFont typeface="Wingdings" panose="05000000000000000000" pitchFamily="2" charset="2"/>
-              <a:buChar char="§"/>
-              <a:defRPr sz="2598" kern="1200">
-                <a:solidFill>
-                  <a:schemeClr val="tx1"/>
-                </a:solidFill>
-                <a:latin typeface="+mn-lt"/>
-                <a:ea typeface="+mn-ea"/>
-                <a:cs typeface="+mn-cs"/>
-              </a:defRPr>
-            </a:lvl5pPr>
-            <a:lvl6pPr marL="3350704" indent="-304610" algn="l" defTabSz="1218438" rtl="0" eaLnBrk="1" latinLnBrk="1" hangingPunct="1">
-              <a:spcBef>
-                <a:spcPct val="20000"/>
-              </a:spcBef>
-              <a:buFont typeface="Arial" pitchFamily="34" charset="0"/>
-              <a:buChar char="•"/>
-              <a:defRPr sz="2665" kern="1200">
-                <a:solidFill>
-                  <a:schemeClr val="tx1"/>
-                </a:solidFill>
-                <a:latin typeface="+mn-lt"/>
-                <a:ea typeface="+mn-ea"/>
-                <a:cs typeface="+mn-cs"/>
-              </a:defRPr>
-            </a:lvl6pPr>
-            <a:lvl7pPr marL="3959924" indent="-304610" algn="l" defTabSz="1218438" rtl="0" eaLnBrk="1" latinLnBrk="1" hangingPunct="1">
-              <a:spcBef>
-                <a:spcPct val="20000"/>
-              </a:spcBef>
-              <a:buFont typeface="Arial" pitchFamily="34" charset="0"/>
-              <a:buChar char="•"/>
-              <a:defRPr sz="2665" kern="1200">
-                <a:solidFill>
-                  <a:schemeClr val="tx1"/>
-                </a:solidFill>
-                <a:latin typeface="+mn-lt"/>
-                <a:ea typeface="+mn-ea"/>
-                <a:cs typeface="+mn-cs"/>
-              </a:defRPr>
-            </a:lvl7pPr>
-            <a:lvl8pPr marL="4569143" indent="-304610" algn="l" defTabSz="1218438" rtl="0" eaLnBrk="1" latinLnBrk="1" hangingPunct="1">
-              <a:spcBef>
-                <a:spcPct val="20000"/>
-              </a:spcBef>
-              <a:buFont typeface="Arial" pitchFamily="34" charset="0"/>
-              <a:buChar char="•"/>
-              <a:defRPr sz="2665" kern="1200">
-                <a:solidFill>
-                  <a:schemeClr val="tx1"/>
-                </a:solidFill>
-                <a:latin typeface="+mn-lt"/>
-                <a:ea typeface="+mn-ea"/>
-                <a:cs typeface="+mn-cs"/>
-              </a:defRPr>
-            </a:lvl8pPr>
-            <a:lvl9pPr marL="5178362" indent="-304610" algn="l" defTabSz="1218438" rtl="0" eaLnBrk="1" latinLnBrk="1" hangingPunct="1">
-              <a:spcBef>
-                <a:spcPct val="20000"/>
-              </a:spcBef>
-              <a:buFont typeface="Arial" pitchFamily="34" charset="0"/>
-              <a:buChar char="•"/>
-              <a:defRPr sz="2665" kern="1200">
-                <a:solidFill>
-                  <a:schemeClr val="tx1"/>
-                </a:solidFill>
-                <a:latin typeface="+mn-lt"/>
-                <a:ea typeface="+mn-ea"/>
-                <a:cs typeface="+mn-cs"/>
-              </a:defRPr>
-            </a:lvl9pPr>
-          </a:lstStyle>
+          <a:bodyPr/>
+          <a:lstStyle/>
           <a:p>
             <a:pPr marL="456565" indent="-456565">
               <a:lnSpc>
@@ -37307,7 +35808,7 @@
               </a:buClr>
             </a:pPr>
             <a:r>
-              <a:rPr lang="en-US" sz="3800" b="1" dirty="0">
+              <a:rPr lang="en-US" sz="3600" b="1" dirty="0">
                 <a:solidFill>
                   <a:schemeClr val="bg1"/>
                 </a:solidFill>
@@ -37317,7 +35818,7 @@
               <a:t>ContainsKey</a:t>
             </a:r>
             <a:r>
-              <a:rPr lang="en-US" sz="3800" dirty="0">
+              <a:rPr lang="en-US" sz="3600" dirty="0">
                 <a:solidFill>
                   <a:srgbClr val="234465"/>
                 </a:solidFill>
@@ -37325,7 +35826,7 @@
               <a:t>(</a:t>
             </a:r>
             <a:r>
-              <a:rPr lang="en-US" sz="3800" b="1" dirty="0">
+              <a:rPr lang="en-US" sz="3600" b="1" dirty="0">
                 <a:solidFill>
                   <a:schemeClr val="bg1"/>
                 </a:solidFill>
@@ -37333,7 +35834,7 @@
               <a:t>ключ</a:t>
             </a:r>
             <a:r>
-              <a:rPr lang="en-US" sz="3800" dirty="0">
+              <a:rPr lang="en-US" sz="3600" dirty="0">
                 <a:solidFill>
                   <a:srgbClr val="234465"/>
                 </a:solidFill>
@@ -37351,7 +35852,7 @@
                 <a:spcPts val="0"/>
               </a:spcBef>
             </a:pPr>
-            <a:endParaRPr lang="en-US" sz="3800" dirty="0">
+            <a:endParaRPr lang="en-US" sz="3600" dirty="0">
               <a:solidFill>
                 <a:srgbClr val="234465"/>
               </a:solidFill>
@@ -37367,7 +35868,7 @@
                 <a:spcPts val="0"/>
               </a:spcBef>
             </a:pPr>
-            <a:endParaRPr lang="en-US" sz="3800" dirty="0">
+            <a:endParaRPr lang="en-US" sz="3600" dirty="0">
               <a:solidFill>
                 <a:srgbClr val="234465"/>
               </a:solidFill>
@@ -37383,7 +35884,7 @@
                 <a:spcPts val="0"/>
               </a:spcBef>
             </a:pPr>
-            <a:endParaRPr lang="en-US" sz="3800" dirty="0">
+            <a:endParaRPr lang="en-US" sz="3600" dirty="0">
               <a:solidFill>
                 <a:srgbClr val="234465"/>
               </a:solidFill>
@@ -37396,14 +35897,14 @@
                 <a:spcPct val="100000"/>
               </a:lnSpc>
               <a:spcBef>
-                <a:spcPts val="0"/>
+                <a:spcPts val="500"/>
               </a:spcBef>
               <a:buClr>
                 <a:schemeClr val="tx1"/>
               </a:buClr>
             </a:pPr>
             <a:r>
-              <a:rPr lang="en-US" sz="3800" b="1" dirty="0">
+              <a:rPr lang="en-US" sz="3600" b="1" dirty="0">
                 <a:solidFill>
                   <a:schemeClr val="bg1"/>
                 </a:solidFill>
@@ -37413,7 +35914,7 @@
               <a:t>ContainsValue</a:t>
             </a:r>
             <a:r>
-              <a:rPr lang="en-US" sz="3800" dirty="0">
+              <a:rPr lang="en-US" sz="3600" dirty="0">
                 <a:solidFill>
                   <a:srgbClr val="234465"/>
                 </a:solidFill>
@@ -37421,7 +35922,7 @@
               <a:t>(</a:t>
             </a:r>
             <a:r>
-              <a:rPr lang="en-US" sz="3800" b="1" dirty="0">
+              <a:rPr lang="en-US" sz="3600" b="1" dirty="0">
                 <a:solidFill>
                   <a:schemeClr val="bg1"/>
                 </a:solidFill>
@@ -37429,19 +35930,22 @@
               <a:t>стойност</a:t>
             </a:r>
             <a:r>
-              <a:rPr lang="en-US" sz="3800" dirty="0">
+              <a:rPr lang="en-US" sz="3600" dirty="0">
                 <a:solidFill>
                   <a:srgbClr val="234465"/>
                 </a:solidFill>
               </a:rPr>
               <a:t>) – много бавна операция</a:t>
             </a:r>
-            <a:endParaRPr lang="en-US" sz="3800" dirty="0">
+            <a:endParaRPr lang="en-US" sz="3600" dirty="0">
               <a:solidFill>
                 <a:srgbClr val="234465"/>
               </a:solidFill>
               <a:cs typeface="Calibri"/>
             </a:endParaRPr>
+          </a:p>
+          <a:p>
+            <a:endParaRPr lang="bg-BG" dirty="0"/>
           </a:p>
         </p:txBody>
       </p:sp>
@@ -37463,8 +35967,8 @@
         </p:nvSpPr>
         <p:spPr>
           <a:xfrm>
-            <a:off x="190355" y="100750"/>
-            <a:ext cx="9792489" cy="882654"/>
+            <a:off x="190405" y="100750"/>
+            <a:ext cx="10239658" cy="882654"/>
           </a:xfrm>
         </p:spPr>
         <p:txBody>
@@ -37474,19 +35978,9 @@
           <a:lstStyle/>
           <a:p>
             <a:r>
-              <a:rPr lang="en-US" sz="4000" dirty="0">
-                <a:ea typeface="+mj-lt"/>
-                <a:cs typeface="+mj-lt"/>
-              </a:rPr>
-              <a:t>Вградени методи</a:t>
-            </a:r>
-            <a:r>
-              <a:rPr lang="en-US" sz="4000" dirty="0"/>
-              <a:t> (2)</a:t>
-            </a:r>
-            <a:endParaRPr lang="en-US" sz="4000" dirty="0">
-              <a:cs typeface="Calibri"/>
-            </a:endParaRPr>
+              <a:rPr lang="en-US" dirty="0"/>
+              <a:t>Вградени методи (2)</a:t>
+            </a:r>
           </a:p>
         </p:txBody>
       </p:sp>
@@ -37506,7 +36000,7 @@
         </p:nvSpPr>
         <p:spPr>
           <a:xfrm>
-            <a:off x="786211" y="1915292"/>
+            <a:off x="786211" y="1854000"/>
             <a:ext cx="10276752" cy="1853566"/>
           </a:xfrm>
           <a:prstGeom prst="rect">
@@ -38131,10 +36625,10 @@
       </p:sp>
       <p:sp>
         <p:nvSpPr>
-          <p:cNvPr id="17" name="Slide Number">
+          <p:cNvPr id="4" name="Slide Number">
             <a:extLst>
               <a:ext uri="{FF2B5EF4-FFF2-40B4-BE49-F238E27FC236}">
-                <a16:creationId xmlns:a16="http://schemas.microsoft.com/office/drawing/2014/main" id="{A4A22AD1-88F1-4370-A55D-00ACF9CE0E5E}"/>
+                <a16:creationId xmlns:a16="http://schemas.microsoft.com/office/drawing/2014/main" id="{1D7C4E05-8688-EB5A-DA1E-35F813FA3FF6}"/>
               </a:ext>
             </a:extLst>
           </p:cNvPr>
@@ -38262,7 +36756,7 @@
     </p:spTree>
     <p:extLst>
       <p:ext uri="{BB962C8B-B14F-4D97-AF65-F5344CB8AC3E}">
-        <p14:creationId xmlns:p14="http://schemas.microsoft.com/office/powerpoint/2010/main" val="3445324325"/>
+        <p14:creationId xmlns:p14="http://schemas.microsoft.com/office/powerpoint/2010/main" val="1783884040"/>
       </p:ext>
     </p:extLst>
   </p:cSld>
@@ -38311,7 +36805,7 @@
                                           </p:stCondLst>
                                         </p:cTn>
                                         <p:tgtEl>
-                                          <p:spTgt spid="13">
+                                          <p:spTgt spid="6">
                                             <p:txEl>
                                               <p:pRg st="4" end="4"/>
                                             </p:txEl>
@@ -38996,10 +37490,10 @@
       </p:sp>
       <p:sp>
         <p:nvSpPr>
-          <p:cNvPr id="14" name="Slide Number">
+          <p:cNvPr id="2" name="Slide Number">
             <a:extLst>
               <a:ext uri="{FF2B5EF4-FFF2-40B4-BE49-F238E27FC236}">
-                <a16:creationId xmlns:a16="http://schemas.microsoft.com/office/drawing/2014/main" id="{7E899081-554A-4597-92C1-05B52DB8673A}"/>
+                <a16:creationId xmlns:a16="http://schemas.microsoft.com/office/drawing/2014/main" id="{7B9FAC75-C0D2-2AD2-46B3-C6A55ACDC59B}"/>
               </a:ext>
             </a:extLst>
           </p:cNvPr>
@@ -39039,7 +37533,7 @@
     </p:spTree>
     <p:extLst>
       <p:ext uri="{BB962C8B-B14F-4D97-AF65-F5344CB8AC3E}">
-        <p14:creationId xmlns:p14="http://schemas.microsoft.com/office/powerpoint/2010/main" val="648777400"/>
+        <p14:creationId xmlns:p14="http://schemas.microsoft.com/office/powerpoint/2010/main" val="1763697731"/>
       </p:ext>
     </p:extLst>
   </p:cSld>
@@ -39296,12 +37790,12 @@
 <file path=ppt/theme/theme1.xml><?xml version="1.0" encoding="utf-8"?>
 <a:theme xmlns:a="http://schemas.openxmlformats.org/drawingml/2006/main" name="SoftUni">
   <a:themeElements>
-    <a:clrScheme name="Custom 28">
+    <a:clrScheme name="Custom 2">
       <a:dk1>
         <a:srgbClr val="234465"/>
       </a:dk1>
       <a:lt1>
-        <a:srgbClr val="FFA000"/>
+        <a:srgbClr val="BF7800"/>
       </a:lt1>
       <a:dk2>
         <a:srgbClr val="234465"/>
@@ -39310,7 +37804,7 @@
         <a:srgbClr val="FFFFFF"/>
       </a:lt2>
       <a:accent1>
-        <a:srgbClr val="F29600"/>
+        <a:srgbClr val="FFA000"/>
       </a:accent1>
       <a:accent2>
         <a:srgbClr val="00B050"/>
@@ -39328,10 +37822,10 @@
         <a:srgbClr val="F4F5F7"/>
       </a:accent6>
       <a:hlink>
-        <a:srgbClr val="F2AC44"/>
+        <a:srgbClr val="BF7800"/>
       </a:hlink>
       <a:folHlink>
-        <a:srgbClr val="F6C781"/>
+        <a:srgbClr val="EF9511"/>
       </a:folHlink>
     </a:clrScheme>
     <a:fontScheme name="SoftUni">

--- a/Courses/Software-Sciences/Module-2-DS-and-Algo/05.1-Sets-and-Dictionaries-Basics/05.1-Sets-and-Dictionaries-Basics.pptx
+++ b/Courses/Software-Sciences/Module-2-DS-and-Algo/05.1-Sets-and-Dictionaries-Basics/05.1-Sets-and-Dictionaries-Basics.pptx
@@ -317,7 +317,7 @@
           <a:p>
             <a:fld id="{4E087215-0C8F-4762-A664-737A353EC9A4}" type="datetimeFigureOut">
               <a:rPr lang="bg-BG" smtClean="0"/>
-              <a:t>17.9.2023 г.</a:t>
+              <a:t>25.06.24 г.</a:t>
             </a:fld>
             <a:endParaRPr lang="bg-BG"/>
           </a:p>
@@ -513,7 +513,7 @@
           <a:p>
             <a:fld id="{72D84649-876A-46C9-8472-14CB09C070D8}" type="datetimeFigureOut">
               <a:rPr lang="en-US" smtClean="0"/>
-              <a:t>9/17/2023</a:t>
+              <a:t>6/25/24</a:t>
             </a:fld>
             <a:endParaRPr lang="en-US"/>
           </a:p>
@@ -30653,7 +30653,7 @@
 </file>
 
 <file path=ppt/slides/slide34.xml><?xml version="1.0" encoding="utf-8"?>
-<p:sld xmlns:a="http://schemas.openxmlformats.org/drawingml/2006/main" xmlns:r="http://schemas.openxmlformats.org/officeDocument/2006/relationships" xmlns:p="http://schemas.openxmlformats.org/presentationml/2006/main">
+<p:sld xmlns:a="http://schemas.openxmlformats.org/drawingml/2006/main" xmlns:r="http://schemas.openxmlformats.org/officeDocument/2006/relationships" xmlns:p="http://schemas.openxmlformats.org/presentationml/2006/main" show="0">
   <p:cSld>
     <p:spTree>
       <p:nvGrpSpPr>
@@ -31024,11 +31024,11 @@
   <p:clrMapOvr>
     <a:masterClrMapping/>
   </p:clrMapOvr>
-  <mc:AlternateContent xmlns:mc="http://schemas.openxmlformats.org/markup-compatibility/2006" xmlns:p14="http://schemas.microsoft.com/office/powerpoint/2010/main">
-    <mc:Choice Requires="p14">
+  <mc:AlternateContent xmlns:mc="http://schemas.openxmlformats.org/markup-compatibility/2006">
+    <mc:Choice xmlns:p14="http://schemas.microsoft.com/office/powerpoint/2010/main" Requires="p14">
       <p:transition spd="slow" p14:dur="2000" advClick="0" advTm="5000"/>
     </mc:Choice>
-    <mc:Fallback xmlns="">
+    <mc:Fallback>
       <p:transition spd="slow" advClick="0" advTm="5000"/>
     </mc:Fallback>
   </mc:AlternateContent>

--- a/Courses/Software-Sciences/Module-2-DS-and-Algo/05.1-Sets-and-Dictionaries-Basics/05.1-Sets-and-Dictionaries-Basics.pptx
+++ b/Courses/Software-Sciences/Module-2-DS-and-Algo/05.1-Sets-and-Dictionaries-Basics/05.1-Sets-and-Dictionaries-Basics.pptx
@@ -317,7 +317,7 @@
           <a:p>
             <a:fld id="{4E087215-0C8F-4762-A664-737A353EC9A4}" type="datetimeFigureOut">
               <a:rPr lang="bg-BG" smtClean="0"/>
-              <a:t>25.06.24 г.</a:t>
+              <a:t>29.06.24 г.</a:t>
             </a:fld>
             <a:endParaRPr lang="bg-BG"/>
           </a:p>
@@ -513,7 +513,7 @@
           <a:p>
             <a:fld id="{72D84649-876A-46C9-8472-14CB09C070D8}" type="datetimeFigureOut">
               <a:rPr lang="en-US" smtClean="0"/>
-              <a:t>6/25/24</a:t>
+              <a:t>6/29/24</a:t>
             </a:fld>
             <a:endParaRPr lang="en-US"/>
           </a:p>
@@ -7941,8 +7941,16 @@
               </a:spcAft>
             </a:pPr>
             <a:r>
+              <a:rPr lang="en-US" sz="2399" dirty="0">
+                <a:solidFill>
+                  <a:schemeClr val="bg1"/>
+                </a:solidFill>
+              </a:rPr>
+              <a:t>Dictionary</a:t>
+            </a:r>
+            <a:r>
               <a:rPr lang="en-US" sz="2399" dirty="0"/>
-              <a:t>var counts = new </a:t>
+              <a:t>&lt;double, int&gt; counts = new </a:t>
             </a:r>
             <a:r>
               <a:rPr lang="en-US" sz="2399" dirty="0">
@@ -9011,7 +9019,7 @@
         <p:spPr>
           <a:xfrm>
             <a:off x="751287" y="3429001"/>
-            <a:ext cx="9175537" cy="2525279"/>
+            <a:ext cx="9439713" cy="2525279"/>
           </a:xfrm>
           <a:prstGeom prst="rect">
             <a:avLst/>
@@ -9247,16 +9255,16 @@
               <a:t>foreach (</a:t>
             </a:r>
             <a:r>
-              <a:rPr lang="en-GB" dirty="0">
+              <a:rPr lang="en-GB" dirty="0" err="1">
                 <a:solidFill>
                   <a:schemeClr val="bg1"/>
                 </a:solidFill>
               </a:rPr>
-              <a:t>var</a:t>
+              <a:t>KeyValuePair</a:t>
             </a:r>
             <a:r>
               <a:rPr lang="en-GB" dirty="0"/>
-              <a:t> fruit </a:t>
+              <a:t>&lt;string, double&gt; fruit </a:t>
             </a:r>
             <a:r>
               <a:rPr lang="en-GB" dirty="0">
@@ -9322,7 +9330,7 @@
         </p:nvSpPr>
         <p:spPr bwMode="auto">
           <a:xfrm>
-            <a:off x="6365930" y="4114725"/>
+            <a:off x="6970722" y="3960508"/>
             <a:ext cx="4980565" cy="1153170"/>
           </a:xfrm>
           <a:prstGeom prst="wedgeRoundRectCallout">
@@ -10810,7 +10818,7 @@
                                         <p:tgtEl>
                                           <p:spTgt spid="3">
                                             <p:txEl>
-                                              <p:pRg st="3" end="3"/>
+                                              <p:pRg st="1" end="1"/>
                                             </p:txEl>
                                           </p:spTgt>
                                         </p:tgtEl>
@@ -10844,7 +10852,7 @@
                             </p:stCondLst>
                             <p:childTnLst>
                               <p:par>
-                                <p:cTn id="9" presetID="1" presetClass="entr" presetSubtype="0" fill="hold" grpId="0" nodeType="clickEffect">
+                                <p:cTn id="9" presetID="1" presetClass="entr" presetSubtype="0" fill="hold" nodeType="clickEffect">
                                   <p:stCondLst>
                                     <p:cond delay="0"/>
                                   </p:stCondLst>
@@ -10857,36 +10865,9 @@
                                           </p:stCondLst>
                                         </p:cTn>
                                         <p:tgtEl>
-                                          <p:spTgt spid="6"/>
-                                        </p:tgtEl>
-                                        <p:attrNameLst>
-                                          <p:attrName>style.visibility</p:attrName>
-                                        </p:attrNameLst>
-                                      </p:cBhvr>
-                                      <p:to>
-                                        <p:strVal val="visible"/>
-                                      </p:to>
-                                    </p:set>
-                                  </p:childTnLst>
-                                </p:cTn>
-                              </p:par>
-                              <p:par>
-                                <p:cTn id="11" presetID="1" presetClass="entr" presetSubtype="0" fill="hold" nodeType="withEffect">
-                                  <p:stCondLst>
-                                    <p:cond delay="0"/>
-                                  </p:stCondLst>
-                                  <p:childTnLst>
-                                    <p:set>
-                                      <p:cBhvr>
-                                        <p:cTn id="12" dur="1" fill="hold">
-                                          <p:stCondLst>
-                                            <p:cond delay="0"/>
-                                          </p:stCondLst>
-                                        </p:cTn>
-                                        <p:tgtEl>
-                                          <p:spTgt spid="6">
+                                          <p:spTgt spid="3">
                                             <p:txEl>
-                                              <p:pRg st="0" end="0"/>
+                                              <p:pRg st="2" end="2"/>
                                             </p:txEl>
                                           </p:spTgt>
                                         </p:tgtEl>
@@ -10908,34 +10889,34 @@
                     </p:cTn>
                   </p:par>
                   <p:par>
-                    <p:cTn id="13" fill="hold">
+                    <p:cTn id="11" fill="hold">
                       <p:stCondLst>
                         <p:cond delay="indefinite"/>
                       </p:stCondLst>
                       <p:childTnLst>
                         <p:par>
-                          <p:cTn id="14" fill="hold">
+                          <p:cTn id="12" fill="hold">
                             <p:stCondLst>
                               <p:cond delay="0"/>
                             </p:stCondLst>
                             <p:childTnLst>
                               <p:par>
-                                <p:cTn id="15" presetID="1" presetClass="entr" presetSubtype="0" fill="hold" nodeType="clickEffect">
+                                <p:cTn id="13" presetID="1" presetClass="entr" presetSubtype="0" fill="hold" nodeType="clickEffect">
                                   <p:stCondLst>
                                     <p:cond delay="0"/>
                                   </p:stCondLst>
                                   <p:childTnLst>
                                     <p:set>
                                       <p:cBhvr>
-                                        <p:cTn id="16" dur="1" fill="hold">
+                                        <p:cTn id="14" dur="1" fill="hold">
                                           <p:stCondLst>
                                             <p:cond delay="0"/>
                                           </p:stCondLst>
                                         </p:cTn>
                                         <p:tgtEl>
-                                          <p:spTgt spid="6">
+                                          <p:spTgt spid="3">
                                             <p:txEl>
-                                              <p:pRg st="1" end="1"/>
+                                              <p:pRg st="3" end="3"/>
                                             </p:txEl>
                                           </p:spTgt>
                                         </p:tgtEl>
@@ -10957,19 +10938,46 @@
                     </p:cTn>
                   </p:par>
                   <p:par>
-                    <p:cTn id="17" fill="hold">
+                    <p:cTn id="15" fill="hold">
                       <p:stCondLst>
                         <p:cond delay="indefinite"/>
                       </p:stCondLst>
                       <p:childTnLst>
                         <p:par>
-                          <p:cTn id="18" fill="hold">
+                          <p:cTn id="16" fill="hold">
                             <p:stCondLst>
                               <p:cond delay="0"/>
                             </p:stCondLst>
                             <p:childTnLst>
                               <p:par>
-                                <p:cTn id="19" presetID="1" presetClass="entr" presetSubtype="0" fill="hold" nodeType="clickEffect">
+                                <p:cTn id="17" presetID="1" presetClass="entr" presetSubtype="0" fill="hold" grpId="0" nodeType="clickEffect">
+                                  <p:stCondLst>
+                                    <p:cond delay="0"/>
+                                  </p:stCondLst>
+                                  <p:childTnLst>
+                                    <p:set>
+                                      <p:cBhvr>
+                                        <p:cTn id="18" dur="1" fill="hold">
+                                          <p:stCondLst>
+                                            <p:cond delay="0"/>
+                                          </p:stCondLst>
+                                        </p:cTn>
+                                        <p:tgtEl>
+                                          <p:spTgt spid="6"/>
+                                        </p:tgtEl>
+                                        <p:attrNameLst>
+                                          <p:attrName>style.visibility</p:attrName>
+                                        </p:attrNameLst>
+                                      </p:cBhvr>
+                                      <p:to>
+                                        <p:strVal val="visible"/>
+                                      </p:to>
+                                    </p:set>
+                                  </p:childTnLst>
+                                </p:cTn>
+                              </p:par>
+                              <p:par>
+                                <p:cTn id="19" presetID="1" presetClass="entr" presetSubtype="0" fill="hold" nodeType="withEffect">
                                   <p:stCondLst>
                                     <p:cond delay="0"/>
                                   </p:stCondLst>
@@ -10984,7 +10992,7 @@
                                         <p:tgtEl>
                                           <p:spTgt spid="6">
                                             <p:txEl>
-                                              <p:pRg st="2" end="2"/>
+                                              <p:pRg st="0" end="0"/>
                                             </p:txEl>
                                           </p:spTgt>
                                         </p:tgtEl>
@@ -11033,7 +11041,7 @@
                                         <p:tgtEl>
                                           <p:spTgt spid="6">
                                             <p:txEl>
-                                              <p:pRg st="3" end="3"/>
+                                              <p:pRg st="1" end="1"/>
                                             </p:txEl>
                                           </p:spTgt>
                                         </p:tgtEl>
@@ -11075,6 +11083,104 @@
                                     <p:set>
                                       <p:cBhvr>
                                         <p:cTn id="28" dur="1" fill="hold">
+                                          <p:stCondLst>
+                                            <p:cond delay="0"/>
+                                          </p:stCondLst>
+                                        </p:cTn>
+                                        <p:tgtEl>
+                                          <p:spTgt spid="6">
+                                            <p:txEl>
+                                              <p:pRg st="2" end="2"/>
+                                            </p:txEl>
+                                          </p:spTgt>
+                                        </p:tgtEl>
+                                        <p:attrNameLst>
+                                          <p:attrName>style.visibility</p:attrName>
+                                        </p:attrNameLst>
+                                      </p:cBhvr>
+                                      <p:to>
+                                        <p:strVal val="visible"/>
+                                      </p:to>
+                                    </p:set>
+                                  </p:childTnLst>
+                                </p:cTn>
+                              </p:par>
+                            </p:childTnLst>
+                          </p:cTn>
+                        </p:par>
+                      </p:childTnLst>
+                    </p:cTn>
+                  </p:par>
+                  <p:par>
+                    <p:cTn id="29" fill="hold">
+                      <p:stCondLst>
+                        <p:cond delay="indefinite"/>
+                      </p:stCondLst>
+                      <p:childTnLst>
+                        <p:par>
+                          <p:cTn id="30" fill="hold">
+                            <p:stCondLst>
+                              <p:cond delay="0"/>
+                            </p:stCondLst>
+                            <p:childTnLst>
+                              <p:par>
+                                <p:cTn id="31" presetID="1" presetClass="entr" presetSubtype="0" fill="hold" nodeType="clickEffect">
+                                  <p:stCondLst>
+                                    <p:cond delay="0"/>
+                                  </p:stCondLst>
+                                  <p:childTnLst>
+                                    <p:set>
+                                      <p:cBhvr>
+                                        <p:cTn id="32" dur="1" fill="hold">
+                                          <p:stCondLst>
+                                            <p:cond delay="0"/>
+                                          </p:stCondLst>
+                                        </p:cTn>
+                                        <p:tgtEl>
+                                          <p:spTgt spid="6">
+                                            <p:txEl>
+                                              <p:pRg st="3" end="3"/>
+                                            </p:txEl>
+                                          </p:spTgt>
+                                        </p:tgtEl>
+                                        <p:attrNameLst>
+                                          <p:attrName>style.visibility</p:attrName>
+                                        </p:attrNameLst>
+                                      </p:cBhvr>
+                                      <p:to>
+                                        <p:strVal val="visible"/>
+                                      </p:to>
+                                    </p:set>
+                                  </p:childTnLst>
+                                </p:cTn>
+                              </p:par>
+                            </p:childTnLst>
+                          </p:cTn>
+                        </p:par>
+                      </p:childTnLst>
+                    </p:cTn>
+                  </p:par>
+                  <p:par>
+                    <p:cTn id="33" fill="hold">
+                      <p:stCondLst>
+                        <p:cond delay="indefinite"/>
+                      </p:stCondLst>
+                      <p:childTnLst>
+                        <p:par>
+                          <p:cTn id="34" fill="hold">
+                            <p:stCondLst>
+                              <p:cond delay="0"/>
+                            </p:stCondLst>
+                            <p:childTnLst>
+                              <p:par>
+                                <p:cTn id="35" presetID="1" presetClass="entr" presetSubtype="0" fill="hold" nodeType="clickEffect">
+                                  <p:stCondLst>
+                                    <p:cond delay="0"/>
+                                  </p:stCondLst>
+                                  <p:childTnLst>
+                                    <p:set>
+                                      <p:cBhvr>
+                                        <p:cTn id="36" dur="1" fill="hold">
                                           <p:stCondLst>
                                             <p:cond delay="0"/>
                                           </p:stCondLst>
@@ -23088,7 +23194,23 @@
             </a:pPr>
             <a:r>
               <a:rPr lang="en-US" sz="3350" dirty="0"/>
-              <a:t>С него можем да </a:t>
+              <a:t>С </a:t>
+            </a:r>
+            <a:r>
+              <a:rPr lang="en-US" sz="3350" dirty="0" err="1"/>
+              <a:t>него</a:t>
+            </a:r>
+            <a:r>
+              <a:rPr lang="en-US" sz="3350" dirty="0"/>
+              <a:t> </a:t>
+            </a:r>
+            <a:r>
+              <a:rPr lang="en-US" sz="3350" dirty="0" err="1"/>
+              <a:t>можем</a:t>
+            </a:r>
+            <a:r>
+              <a:rPr lang="en-US" sz="3350" dirty="0"/>
+              <a:t> да </a:t>
             </a:r>
             <a:r>
               <a:rPr lang="en-US" sz="3350" b="1" dirty="0">
@@ -23468,7 +23590,7 @@
                                         <p:tgtEl>
                                           <p:spTgt spid="3">
                                             <p:txEl>
-                                              <p:pRg st="2" end="2"/>
+                                              <p:pRg st="1" end="1"/>
                                             </p:txEl>
                                           </p:spTgt>
                                         </p:tgtEl>
@@ -23517,7 +23639,7 @@
                                         <p:tgtEl>
                                           <p:spTgt spid="3">
                                             <p:txEl>
-                                              <p:pRg st="3" end="3"/>
+                                              <p:pRg st="2" end="2"/>
                                             </p:txEl>
                                           </p:spTgt>
                                         </p:tgtEl>
@@ -23566,7 +23688,7 @@
                                         <p:tgtEl>
                                           <p:spTgt spid="3">
                                             <p:txEl>
-                                              <p:pRg st="4" end="4"/>
+                                              <p:pRg st="3" end="3"/>
                                             </p:txEl>
                                           </p:spTgt>
                                         </p:tgtEl>
@@ -23615,7 +23737,7 @@
                                         <p:tgtEl>
                                           <p:spTgt spid="3">
                                             <p:txEl>
-                                              <p:pRg st="5" end="5"/>
+                                              <p:pRg st="4" end="4"/>
                                             </p:txEl>
                                           </p:spTgt>
                                         </p:tgtEl>
@@ -23657,6 +23779,55 @@
                                     <p:set>
                                       <p:cBhvr>
                                         <p:cTn id="22" dur="1" fill="hold">
+                                          <p:stCondLst>
+                                            <p:cond delay="0"/>
+                                          </p:stCondLst>
+                                        </p:cTn>
+                                        <p:tgtEl>
+                                          <p:spTgt spid="3">
+                                            <p:txEl>
+                                              <p:pRg st="5" end="5"/>
+                                            </p:txEl>
+                                          </p:spTgt>
+                                        </p:tgtEl>
+                                        <p:attrNameLst>
+                                          <p:attrName>style.visibility</p:attrName>
+                                        </p:attrNameLst>
+                                      </p:cBhvr>
+                                      <p:to>
+                                        <p:strVal val="visible"/>
+                                      </p:to>
+                                    </p:set>
+                                  </p:childTnLst>
+                                </p:cTn>
+                              </p:par>
+                            </p:childTnLst>
+                          </p:cTn>
+                        </p:par>
+                      </p:childTnLst>
+                    </p:cTn>
+                  </p:par>
+                  <p:par>
+                    <p:cTn id="23" fill="hold">
+                      <p:stCondLst>
+                        <p:cond delay="indefinite"/>
+                      </p:stCondLst>
+                      <p:childTnLst>
+                        <p:par>
+                          <p:cTn id="24" fill="hold">
+                            <p:stCondLst>
+                              <p:cond delay="0"/>
+                            </p:stCondLst>
+                            <p:childTnLst>
+                              <p:par>
+                                <p:cTn id="25" presetID="1" presetClass="entr" presetSubtype="0" fill="hold" nodeType="clickEffect">
+                                  <p:stCondLst>
+                                    <p:cond delay="0"/>
+                                  </p:stCondLst>
+                                  <p:childTnLst>
+                                    <p:set>
+                                      <p:cBhvr>
+                                        <p:cTn id="26" dur="1" fill="hold">
                                           <p:stCondLst>
                                             <p:cond delay="0"/>
                                           </p:stCondLst>
@@ -24814,7 +24985,25 @@
               <a:rPr lang="en-US" sz="3200" dirty="0">
                 <a:sym typeface="Wingdings" panose="05000000000000000000" pitchFamily="2" charset="2"/>
               </a:rPr>
-              <a:t> за вмъкване не е </a:t>
+              <a:t> </a:t>
+            </a:r>
+            <a:r>
+              <a:rPr lang="bg-BG" sz="3200">
+                <a:sym typeface="Wingdings" panose="05000000000000000000" pitchFamily="2" charset="2"/>
+              </a:rPr>
+              <a:t>на</a:t>
+            </a:r>
+            <a:r>
+              <a:rPr lang="en-US" sz="3200">
+                <a:sym typeface="Wingdings" panose="05000000000000000000" pitchFamily="2" charset="2"/>
+              </a:rPr>
+              <a:t> </a:t>
+            </a:r>
+            <a:r>
+              <a:rPr lang="en-US" sz="3200" dirty="0">
+                <a:sym typeface="Wingdings" panose="05000000000000000000" pitchFamily="2" charset="2"/>
+              </a:rPr>
+              <a:t>вмъкване не е </a:t>
             </a:r>
             <a:r>
               <a:rPr lang="en-US" sz="3200" b="1" dirty="0">
@@ -24910,7 +25099,7 @@
               </a:buClr>
             </a:pPr>
             <a:r>
-              <a:rPr lang="en-US" sz="3200" b="1" dirty="0">
+              <a:rPr lang="bg-BG" sz="3200" b="1" dirty="0">
                 <a:solidFill>
                   <a:schemeClr val="bg1"/>
                 </a:solidFill>
@@ -24924,7 +25113,21 @@
                 <a:ea typeface="+mn-lt"/>
                 <a:cs typeface="+mn-lt"/>
               </a:rPr>
-              <a:t> за вмъкване е </a:t>
+              <a:t> </a:t>
+            </a:r>
+            <a:r>
+              <a:rPr lang="bg-BG" sz="3200" dirty="0">
+                <a:ea typeface="+mn-lt"/>
+                <a:cs typeface="+mn-lt"/>
+              </a:rPr>
+              <a:t>на </a:t>
+            </a:r>
+            <a:r>
+              <a:rPr lang="en-US" sz="3200" dirty="0">
+                <a:ea typeface="+mn-lt"/>
+                <a:cs typeface="+mn-lt"/>
+              </a:rPr>
+              <a:t>вмъкване е </a:t>
             </a:r>
             <a:r>
               <a:rPr lang="en-US" sz="3200" b="1" dirty="0">
@@ -31024,11 +31227,11 @@
   <p:clrMapOvr>
     <a:masterClrMapping/>
   </p:clrMapOvr>
-  <mc:AlternateContent xmlns:mc="http://schemas.openxmlformats.org/markup-compatibility/2006">
-    <mc:Choice xmlns:p14="http://schemas.microsoft.com/office/powerpoint/2010/main" Requires="p14">
+  <mc:AlternateContent xmlns:mc="http://schemas.openxmlformats.org/markup-compatibility/2006" xmlns:p14="http://schemas.microsoft.com/office/powerpoint/2010/main">
+    <mc:Choice Requires="p14">
       <p:transition spd="slow" p14:dur="2000" advClick="0" advTm="5000"/>
     </mc:Choice>
-    <mc:Fallback>
+    <mc:Fallback xmlns="">
       <p:transition spd="slow" advClick="0" advTm="5000"/>
     </mc:Fallback>
   </mc:AlternateContent>
@@ -32713,8 +32916,8 @@
         </p:nvSpPr>
         <p:spPr>
           <a:xfrm>
-            <a:off x="775733" y="3572736"/>
-            <a:ext cx="9567151" cy="1941658"/>
+            <a:off x="200005" y="3609000"/>
+            <a:ext cx="11801589" cy="2372545"/>
           </a:xfrm>
           <a:prstGeom prst="rect">
             <a:avLst/>
@@ -32916,7 +33119,7 @@
                   <a:schemeClr val="bg1"/>
                 </a:solidFill>
               </a:rPr>
-              <a:t>var</a:t>
+              <a:t>Dictionary&lt;string, double&gt;</a:t>
             </a:r>
             <a:r>
               <a:rPr lang="en-GB" dirty="0"/>
@@ -33663,23 +33866,6 @@
               <a:cs typeface="Calibri"/>
             </a:endParaRPr>
           </a:p>
-          <a:p>
-            <a:pPr marL="456565" indent="-456565">
-              <a:buClr>
-                <a:schemeClr val="tx1"/>
-              </a:buClr>
-            </a:pPr>
-            <a:r>
-              <a:rPr lang="en-US" sz="4000" dirty="0"/>
-              <a:t>Използва балансирано дърво</a:t>
-            </a:r>
-            <a:endParaRPr lang="en-US" sz="4000" dirty="0">
-              <a:cs typeface="Calibri"/>
-            </a:endParaRPr>
-          </a:p>
-          <a:p>
-            <a:endParaRPr lang="bg-BG" dirty="0"/>
-          </a:p>
         </p:txBody>
       </p:sp>
       <p:sp>
@@ -33739,8 +33925,8 @@
         </p:nvSpPr>
         <p:spPr>
           <a:xfrm>
-            <a:off x="757423" y="3665270"/>
-            <a:ext cx="10377549" cy="2328730"/>
+            <a:off x="1322821" y="3197566"/>
+            <a:ext cx="9540000" cy="2526434"/>
           </a:xfrm>
           <a:prstGeom prst="rect">
             <a:avLst/>
@@ -33937,15 +34123,15 @@
               </a:lnSpc>
             </a:pPr>
             <a:r>
-              <a:rPr lang="en-GB" sz="2798" dirty="0">
+              <a:rPr lang="en-GB" sz="3000" dirty="0">
                 <a:solidFill>
                   <a:schemeClr val="bg1"/>
                 </a:solidFill>
               </a:rPr>
-              <a:t>var</a:t>
-            </a:r>
-            <a:r>
-              <a:rPr lang="en-GB" sz="2798" dirty="0">
+              <a:t>SortedDictionary&lt;string, double&gt;</a:t>
+            </a:r>
+            <a:r>
+              <a:rPr lang="en-GB" sz="3000" dirty="0">
                 <a:solidFill>
                   <a:schemeClr val="bg1">
                     <a:lumMod val="75000"/>
@@ -33955,19 +34141,19 @@
               <a:t> </a:t>
             </a:r>
             <a:r>
-              <a:rPr lang="en-GB" sz="2798" dirty="0"/>
+              <a:rPr lang="en-GB" sz="3000" dirty="0"/>
               <a:t>fruits = </a:t>
             </a:r>
             <a:r>
-              <a:rPr lang="en-GB" sz="2798" dirty="0">
+              <a:rPr lang="en-GB" sz="3000" dirty="0">
                 <a:solidFill>
                   <a:schemeClr val="bg1"/>
                 </a:solidFill>
               </a:rPr>
-              <a:t>new SortedDictionary&lt;string, double&gt;</a:t>
-            </a:r>
-            <a:r>
-              <a:rPr lang="en-GB" sz="2798" dirty="0"/>
+              <a:t>new SortedDictionary &lt;string, double&gt;</a:t>
+            </a:r>
+            <a:r>
+              <a:rPr lang="en-GB" sz="3000" dirty="0"/>
               <a:t>();</a:t>
             </a:r>
           </a:p>
@@ -33978,11 +34164,11 @@
               </a:lnSpc>
             </a:pPr>
             <a:r>
-              <a:rPr lang="en-GB" sz="2798" dirty="0"/>
+              <a:rPr lang="en-GB" sz="3000" dirty="0"/>
               <a:t>fruits</a:t>
             </a:r>
             <a:r>
-              <a:rPr lang="en-GB" sz="2798" dirty="0">
+              <a:rPr lang="en-GB" sz="3000" dirty="0">
                 <a:solidFill>
                   <a:schemeClr val="bg1"/>
                 </a:solidFill>
@@ -33990,11 +34176,11 @@
               <a:t>[</a:t>
             </a:r>
             <a:r>
-              <a:rPr lang="en-GB" sz="2798" dirty="0"/>
+              <a:rPr lang="en-GB" sz="3000" dirty="0"/>
               <a:t>"kiwi"</a:t>
             </a:r>
             <a:r>
-              <a:rPr lang="en-GB" sz="2798" dirty="0">
+              <a:rPr lang="en-GB" sz="3000" dirty="0">
                 <a:solidFill>
                   <a:schemeClr val="bg1"/>
                 </a:solidFill>
@@ -34002,7 +34188,7 @@
               <a:t>]</a:t>
             </a:r>
             <a:r>
-              <a:rPr lang="en-GB" sz="2798" dirty="0"/>
+              <a:rPr lang="en-GB" sz="3000" dirty="0"/>
               <a:t> = 4.50;</a:t>
             </a:r>
           </a:p>
@@ -34013,11 +34199,11 @@
               </a:lnSpc>
             </a:pPr>
             <a:r>
-              <a:rPr lang="en-GB" sz="2798" dirty="0"/>
+              <a:rPr lang="en-GB" sz="3000" dirty="0"/>
               <a:t>fruits</a:t>
             </a:r>
             <a:r>
-              <a:rPr lang="en-GB" sz="2798" dirty="0">
+              <a:rPr lang="en-GB" sz="3000" dirty="0">
                 <a:solidFill>
                   <a:schemeClr val="bg1"/>
                 </a:solidFill>
@@ -34025,11 +34211,11 @@
               <a:t>[</a:t>
             </a:r>
             <a:r>
-              <a:rPr lang="en-GB" sz="2798" dirty="0"/>
+              <a:rPr lang="en-GB" sz="3000" dirty="0"/>
               <a:t>"orange"</a:t>
             </a:r>
             <a:r>
-              <a:rPr lang="en-GB" sz="2798" dirty="0">
+              <a:rPr lang="en-GB" sz="3000" dirty="0">
                 <a:solidFill>
                   <a:schemeClr val="bg1"/>
                 </a:solidFill>
@@ -34037,7 +34223,7 @@
               <a:t>]</a:t>
             </a:r>
             <a:r>
-              <a:rPr lang="en-GB" sz="2798" dirty="0"/>
+              <a:rPr lang="en-GB" sz="3000" dirty="0"/>
               <a:t> = 2.50;</a:t>
             </a:r>
           </a:p>
@@ -34048,11 +34234,11 @@
               </a:lnSpc>
             </a:pPr>
             <a:r>
-              <a:rPr lang="en-GB" sz="2798" dirty="0"/>
+              <a:rPr lang="en-GB" sz="3000" dirty="0"/>
               <a:t>fruits</a:t>
             </a:r>
             <a:r>
-              <a:rPr lang="en-GB" sz="2798" dirty="0">
+              <a:rPr lang="en-GB" sz="3000" dirty="0">
                 <a:solidFill>
                   <a:schemeClr val="bg1"/>
                 </a:solidFill>
@@ -34060,11 +34246,11 @@
               <a:t>[</a:t>
             </a:r>
             <a:r>
-              <a:rPr lang="en-GB" sz="2798" dirty="0"/>
+              <a:rPr lang="en-GB" sz="3000" dirty="0"/>
               <a:t>"banana"</a:t>
             </a:r>
             <a:r>
-              <a:rPr lang="en-GB" sz="2798" dirty="0">
+              <a:rPr lang="en-GB" sz="3000" dirty="0">
                 <a:solidFill>
                   <a:schemeClr val="bg1"/>
                 </a:solidFill>
@@ -34072,7 +34258,7 @@
               <a:t>]</a:t>
             </a:r>
             <a:r>
-              <a:rPr lang="en-GB" sz="2798" dirty="0"/>
+              <a:rPr lang="en-GB" sz="3000" dirty="0"/>
               <a:t> = 2.20;</a:t>
             </a:r>
           </a:p>
@@ -34296,7 +34482,7 @@
                             </p:stCondLst>
                             <p:childTnLst>
                               <p:par>
-                                <p:cTn id="9" presetID="1" presetClass="entr" presetSubtype="0" fill="hold" nodeType="clickEffect">
+                                <p:cTn id="9" presetID="1" presetClass="entr" presetSubtype="0" fill="hold" grpId="0" nodeType="clickEffect">
                                   <p:stCondLst>
                                     <p:cond delay="0"/>
                                   </p:stCondLst>
@@ -34309,9 +34495,38 @@
                                           </p:stCondLst>
                                         </p:cTn>
                                         <p:tgtEl>
-                                          <p:spTgt spid="6">
+                                          <p:spTgt spid="14">
+                                            <p:bg/>
+                                          </p:spTgt>
+                                        </p:tgtEl>
+                                        <p:attrNameLst>
+                                          <p:attrName>style.visibility</p:attrName>
+                                        </p:attrNameLst>
+                                      </p:cBhvr>
+                                      <p:to>
+                                        <p:strVal val="visible"/>
+                                      </p:to>
+                                    </p:set>
+                                  </p:childTnLst>
+                                </p:cTn>
+                              </p:par>
+                              <p:par>
+                                <p:cTn id="11" presetID="1" presetClass="entr" presetSubtype="0" fill="hold" grpId="0" nodeType="withEffect">
+                                  <p:stCondLst>
+                                    <p:cond delay="0"/>
+                                  </p:stCondLst>
+                                  <p:childTnLst>
+                                    <p:set>
+                                      <p:cBhvr>
+                                        <p:cTn id="12" dur="1" fill="hold">
+                                          <p:stCondLst>
+                                            <p:cond delay="0"/>
+                                          </p:stCondLst>
+                                        </p:cTn>
+                                        <p:tgtEl>
+                                          <p:spTgt spid="14">
                                             <p:txEl>
-                                              <p:pRg st="2" end="2"/>
+                                              <p:pRg st="0" end="0"/>
                                             </p:txEl>
                                           </p:spTgt>
                                         </p:tgtEl>
@@ -34333,48 +34548,19 @@
                     </p:cTn>
                   </p:par>
                   <p:par>
-                    <p:cTn id="11" fill="hold">
+                    <p:cTn id="13" fill="hold">
                       <p:stCondLst>
                         <p:cond delay="indefinite"/>
                       </p:stCondLst>
                       <p:childTnLst>
                         <p:par>
-                          <p:cTn id="12" fill="hold">
+                          <p:cTn id="14" fill="hold">
                             <p:stCondLst>
                               <p:cond delay="0"/>
                             </p:stCondLst>
                             <p:childTnLst>
                               <p:par>
-                                <p:cTn id="13" presetID="1" presetClass="entr" presetSubtype="0" fill="hold" grpId="0" nodeType="clickEffect">
-                                  <p:stCondLst>
-                                    <p:cond delay="0"/>
-                                  </p:stCondLst>
-                                  <p:childTnLst>
-                                    <p:set>
-                                      <p:cBhvr>
-                                        <p:cTn id="14" dur="1" fill="hold">
-                                          <p:stCondLst>
-                                            <p:cond delay="0"/>
-                                          </p:stCondLst>
-                                        </p:cTn>
-                                        <p:tgtEl>
-                                          <p:spTgt spid="14">
-                                            <p:bg/>
-                                          </p:spTgt>
-                                        </p:tgtEl>
-                                        <p:attrNameLst>
-                                          <p:attrName>style.visibility</p:attrName>
-                                        </p:attrNameLst>
-                                      </p:cBhvr>
-                                      <p:to>
-                                        <p:strVal val="visible"/>
-                                      </p:to>
-                                    </p:set>
-                                  </p:childTnLst>
-                                </p:cTn>
-                              </p:par>
-                              <p:par>
-                                <p:cTn id="15" presetID="1" presetClass="entr" presetSubtype="0" fill="hold" grpId="0" nodeType="withEffect">
+                                <p:cTn id="15" presetID="1" presetClass="entr" presetSubtype="0" fill="hold" grpId="0" nodeType="clickEffect">
                                   <p:stCondLst>
                                     <p:cond delay="0"/>
                                   </p:stCondLst>
@@ -34389,7 +34575,7 @@
                                         <p:tgtEl>
                                           <p:spTgt spid="14">
                                             <p:txEl>
-                                              <p:pRg st="0" end="0"/>
+                                              <p:pRg st="1" end="1"/>
                                             </p:txEl>
                                           </p:spTgt>
                                         </p:tgtEl>
@@ -34438,7 +34624,7 @@
                                         <p:tgtEl>
                                           <p:spTgt spid="14">
                                             <p:txEl>
-                                              <p:pRg st="1" end="1"/>
+                                              <p:pRg st="2" end="2"/>
                                             </p:txEl>
                                           </p:spTgt>
                                         </p:tgtEl>
@@ -34480,55 +34666,6 @@
                                     <p:set>
                                       <p:cBhvr>
                                         <p:cTn id="24" dur="1" fill="hold">
-                                          <p:stCondLst>
-                                            <p:cond delay="0"/>
-                                          </p:stCondLst>
-                                        </p:cTn>
-                                        <p:tgtEl>
-                                          <p:spTgt spid="14">
-                                            <p:txEl>
-                                              <p:pRg st="2" end="2"/>
-                                            </p:txEl>
-                                          </p:spTgt>
-                                        </p:tgtEl>
-                                        <p:attrNameLst>
-                                          <p:attrName>style.visibility</p:attrName>
-                                        </p:attrNameLst>
-                                      </p:cBhvr>
-                                      <p:to>
-                                        <p:strVal val="visible"/>
-                                      </p:to>
-                                    </p:set>
-                                  </p:childTnLst>
-                                </p:cTn>
-                              </p:par>
-                            </p:childTnLst>
-                          </p:cTn>
-                        </p:par>
-                      </p:childTnLst>
-                    </p:cTn>
-                  </p:par>
-                  <p:par>
-                    <p:cTn id="25" fill="hold">
-                      <p:stCondLst>
-                        <p:cond delay="indefinite"/>
-                      </p:stCondLst>
-                      <p:childTnLst>
-                        <p:par>
-                          <p:cTn id="26" fill="hold">
-                            <p:stCondLst>
-                              <p:cond delay="0"/>
-                            </p:stCondLst>
-                            <p:childTnLst>
-                              <p:par>
-                                <p:cTn id="27" presetID="1" presetClass="entr" presetSubtype="0" fill="hold" grpId="0" nodeType="clickEffect">
-                                  <p:stCondLst>
-                                    <p:cond delay="0"/>
-                                  </p:stCondLst>
-                                  <p:childTnLst>
-                                    <p:set>
-                                      <p:cBhvr>
-                                        <p:cTn id="28" dur="1" fill="hold">
                                           <p:stCondLst>
                                             <p:cond delay="0"/>
                                           </p:stCondLst>

--- a/Courses/Software-Sciences/Module-2-DS-and-Algo/05.1-Sets-and-Dictionaries-Basics/05.1-Sets-and-Dictionaries-Basics.pptx
+++ b/Courses/Software-Sciences/Module-2-DS-and-Algo/05.1-Sets-and-Dictionaries-Basics/05.1-Sets-and-Dictionaries-Basics.pptx
@@ -317,7 +317,7 @@
           <a:p>
             <a:fld id="{4E087215-0C8F-4762-A664-737A353EC9A4}" type="datetimeFigureOut">
               <a:rPr lang="bg-BG" smtClean="0"/>
-              <a:t>29.06.24 г.</a:t>
+              <a:t>1.07.24 г.</a:t>
             </a:fld>
             <a:endParaRPr lang="bg-BG"/>
           </a:p>
@@ -513,7 +513,7 @@
           <a:p>
             <a:fld id="{72D84649-876A-46C9-8472-14CB09C070D8}" type="datetimeFigureOut">
               <a:rPr lang="en-US" smtClean="0"/>
-              <a:t>6/29/24</a:t>
+              <a:t>7/1/24</a:t>
             </a:fld>
             <a:endParaRPr lang="en-US"/>
           </a:p>

--- a/Courses/Software-Sciences/Module-2-DS-and-Algo/05.1-Sets-and-Dictionaries-Basics/05.1-Sets-and-Dictionaries-Basics.pptx
+++ b/Courses/Software-Sciences/Module-2-DS-and-Algo/05.1-Sets-and-Dictionaries-Basics/05.1-Sets-and-Dictionaries-Basics.pptx
@@ -19,9 +19,9 @@
     <p:sldId id="335" r:id="rId7"/>
     <p:sldId id="499" r:id="rId8"/>
     <p:sldId id="500" r:id="rId9"/>
-    <p:sldId id="338" r:id="rId10"/>
-    <p:sldId id="339" r:id="rId11"/>
-    <p:sldId id="504" r:id="rId12"/>
+    <p:sldId id="504" r:id="rId10"/>
+    <p:sldId id="338" r:id="rId11"/>
+    <p:sldId id="339" r:id="rId12"/>
     <p:sldId id="340" r:id="rId13"/>
     <p:sldId id="341" r:id="rId14"/>
     <p:sldId id="342" r:id="rId15"/>
@@ -160,9 +160,9 @@
             <p14:sldId id="335"/>
             <p14:sldId id="499"/>
             <p14:sldId id="500"/>
+            <p14:sldId id="504"/>
             <p14:sldId id="338"/>
             <p14:sldId id="339"/>
-            <p14:sldId id="504"/>
           </p14:sldIdLst>
         </p14:section>
         <p14:section name="Мулти-речници" id="{978ED39D-6862-4D4B-8CAB-693BACAA9B0A}">
@@ -317,7 +317,7 @@
           <a:p>
             <a:fld id="{4E087215-0C8F-4762-A664-737A353EC9A4}" type="datetimeFigureOut">
               <a:rPr lang="bg-BG" smtClean="0"/>
-              <a:t>1.07.24 г.</a:t>
+              <a:t>3.07.24 г.</a:t>
             </a:fld>
             <a:endParaRPr lang="bg-BG"/>
           </a:p>
@@ -513,7 +513,7 @@
           <a:p>
             <a:fld id="{72D84649-876A-46C9-8472-14CB09C070D8}" type="datetimeFigureOut">
               <a:rPr lang="en-US" smtClean="0"/>
-              <a:t>7/1/24</a:t>
+              <a:t>7/3/24</a:t>
             </a:fld>
             <a:endParaRPr lang="en-US"/>
           </a:p>
@@ -7719,6 +7719,784 @@
       </p:grpSpPr>
       <p:sp>
         <p:nvSpPr>
+          <p:cNvPr id="3" name="Content Placeholder 2"/>
+          <p:cNvSpPr>
+            <a:spLocks noGrp="1"/>
+          </p:cNvSpPr>
+          <p:nvPr>
+            <p:ph type="body" sz="quarter" idx="10"/>
+          </p:nvPr>
+        </p:nvSpPr>
+        <p:spPr/>
+        <p:txBody>
+          <a:bodyPr vert="horz" lIns="108000" tIns="36000" rIns="108000" bIns="36000" rtlCol="0" anchor="t">
+            <a:normAutofit/>
+          </a:bodyPr>
+          <a:lstStyle/>
+          <a:p>
+            <a:pPr marL="360045" indent="-360045"/>
+            <a:r>
+              <a:rPr lang="en-US" sz="3600" dirty="0">
+                <a:cs typeface="Calibri"/>
+              </a:rPr>
+              <a:t>Прочетете </a:t>
+            </a:r>
+            <a:r>
+              <a:rPr lang="en-US" sz="3600" b="1" dirty="0">
+                <a:solidFill>
+                  <a:schemeClr val="bg1"/>
+                </a:solidFill>
+                <a:cs typeface="Calibri"/>
+              </a:rPr>
+              <a:t>масив </a:t>
+            </a:r>
+            <a:r>
+              <a:rPr lang="en-US" sz="3600" dirty="0">
+                <a:cs typeface="Calibri"/>
+              </a:rPr>
+              <a:t>от реални числа и отпечатайте </a:t>
+            </a:r>
+            <a:r>
+              <a:rPr lang="en-US" sz="3600" b="1" dirty="0">
+                <a:solidFill>
+                  <a:schemeClr val="bg1"/>
+                </a:solidFill>
+                <a:cs typeface="Calibri"/>
+              </a:rPr>
+              <a:t>колко пъти се </a:t>
+            </a:r>
+            <a:r>
+              <a:rPr lang="bg-BG" sz="3600" b="1" dirty="0">
+                <a:solidFill>
+                  <a:schemeClr val="bg1"/>
+                </a:solidFill>
+                <a:cs typeface="Calibri"/>
+              </a:rPr>
+              <a:t>среща всяко от тях</a:t>
+            </a:r>
+            <a:endParaRPr lang="en-US" sz="3600" b="1" dirty="0">
+              <a:solidFill>
+                <a:schemeClr val="bg1"/>
+              </a:solidFill>
+              <a:cs typeface="Calibri"/>
+            </a:endParaRPr>
+          </a:p>
+          <a:p>
+            <a:pPr marL="360045" indent="-360045"/>
+            <a:endParaRPr lang="bg-BG" sz="3350" dirty="0">
+              <a:solidFill>
+                <a:schemeClr val="bg1"/>
+              </a:solidFill>
+              <a:cs typeface="Calibri"/>
+            </a:endParaRPr>
+          </a:p>
+        </p:txBody>
+      </p:sp>
+      <p:sp>
+        <p:nvSpPr>
+          <p:cNvPr id="4" name="Title 3"/>
+          <p:cNvSpPr>
+            <a:spLocks noGrp="1"/>
+          </p:cNvSpPr>
+          <p:nvPr>
+            <p:ph type="title"/>
+          </p:nvPr>
+        </p:nvSpPr>
+        <p:spPr>
+          <a:xfrm>
+            <a:off x="201000" y="100750"/>
+            <a:ext cx="9955594" cy="882654"/>
+          </a:xfrm>
+        </p:spPr>
+        <p:txBody>
+          <a:bodyPr>
+            <a:noAutofit/>
+          </a:bodyPr>
+          <a:lstStyle/>
+          <a:p>
+            <a:r>
+              <a:rPr lang="en-US" sz="4000" dirty="0"/>
+              <a:t>Задача: Брой еднакви стойности в масив</a:t>
+            </a:r>
+            <a:endParaRPr lang="en-US" sz="4000" dirty="0">
+              <a:cs typeface="Calibri"/>
+            </a:endParaRPr>
+          </a:p>
+        </p:txBody>
+      </p:sp>
+      <p:sp>
+        <p:nvSpPr>
+          <p:cNvPr id="5" name="Rectangle 4"/>
+          <p:cNvSpPr>
+            <a:spLocks noChangeArrowheads="1"/>
+          </p:cNvSpPr>
+          <p:nvPr/>
+        </p:nvSpPr>
+        <p:spPr bwMode="auto">
+          <a:xfrm>
+            <a:off x="1877405" y="3072833"/>
+            <a:ext cx="3476091" cy="648659"/>
+          </a:xfrm>
+          <a:prstGeom prst="rect">
+            <a:avLst/>
+          </a:prstGeom>
+          <a:solidFill>
+            <a:schemeClr val="accent6">
+              <a:lumMod val="75000"/>
+              <a:alpha val="15000"/>
+            </a:schemeClr>
+          </a:solidFill>
+          <a:ln w="12700">
+            <a:solidFill>
+              <a:schemeClr val="tx1">
+                <a:lumMod val="50000"/>
+              </a:schemeClr>
+            </a:solidFill>
+          </a:ln>
+        </p:spPr>
+        <p:txBody>
+          <a:bodyPr vert="horz" wrap="square" lIns="143926" tIns="107944" rIns="143926" bIns="107944" rtlCol="0">
+            <a:spAutoFit/>
+          </a:bodyPr>
+          <a:lstStyle/>
+          <a:p>
+            <a:pPr algn="ctr" defTabSz="1217707" latinLnBrk="1">
+              <a:spcBef>
+                <a:spcPts val="600"/>
+              </a:spcBef>
+              <a:spcAft>
+                <a:spcPts val="600"/>
+              </a:spcAft>
+            </a:pPr>
+            <a:r>
+              <a:rPr lang="en-US" sz="2798" b="1" noProof="1">
+                <a:latin typeface="Consolas" pitchFamily="49" charset="0"/>
+              </a:rPr>
+              <a:t>8 2.5 2.5 8 2.5</a:t>
+            </a:r>
+            <a:endParaRPr lang="it-IT" sz="2798" b="1" noProof="1">
+              <a:latin typeface="Consolas" pitchFamily="49" charset="0"/>
+            </a:endParaRPr>
+          </a:p>
+        </p:txBody>
+      </p:sp>
+      <p:sp>
+        <p:nvSpPr>
+          <p:cNvPr id="6" name="Rectangle 5"/>
+          <p:cNvSpPr>
+            <a:spLocks noChangeArrowheads="1"/>
+          </p:cNvSpPr>
+          <p:nvPr/>
+        </p:nvSpPr>
+        <p:spPr bwMode="auto">
+          <a:xfrm>
+            <a:off x="6317899" y="2779401"/>
+            <a:ext cx="3076040" cy="1233138"/>
+          </a:xfrm>
+          <a:prstGeom prst="rect">
+            <a:avLst/>
+          </a:prstGeom>
+          <a:solidFill>
+            <a:schemeClr val="accent6">
+              <a:lumMod val="75000"/>
+              <a:alpha val="15000"/>
+            </a:schemeClr>
+          </a:solidFill>
+          <a:ln w="12700">
+            <a:solidFill>
+              <a:schemeClr val="tx1">
+                <a:lumMod val="50000"/>
+              </a:schemeClr>
+            </a:solidFill>
+          </a:ln>
+        </p:spPr>
+        <p:txBody>
+          <a:bodyPr vert="horz" wrap="square" lIns="143926" tIns="107944" rIns="143926" bIns="107944" rtlCol="0">
+            <a:spAutoFit/>
+          </a:bodyPr>
+          <a:lstStyle/>
+          <a:p>
+            <a:pPr algn="ctr" defTabSz="1217707" latinLnBrk="1">
+              <a:spcBef>
+                <a:spcPts val="600"/>
+              </a:spcBef>
+              <a:spcAft>
+                <a:spcPts val="600"/>
+              </a:spcAft>
+            </a:pPr>
+            <a:r>
+              <a:rPr lang="en-US" sz="2798" b="1" noProof="1">
+                <a:latin typeface="Consolas" pitchFamily="49" charset="0"/>
+              </a:rPr>
+              <a:t>8 - 2 times</a:t>
+            </a:r>
+          </a:p>
+          <a:p>
+            <a:pPr algn="ctr" defTabSz="1217707" latinLnBrk="1">
+              <a:spcBef>
+                <a:spcPts val="600"/>
+              </a:spcBef>
+              <a:spcAft>
+                <a:spcPts val="600"/>
+              </a:spcAft>
+            </a:pPr>
+            <a:r>
+              <a:rPr lang="en-US" sz="2798" b="1" noProof="1">
+                <a:latin typeface="Consolas" pitchFamily="49" charset="0"/>
+              </a:rPr>
+              <a:t>2.5 - 3 times</a:t>
+            </a:r>
+          </a:p>
+        </p:txBody>
+      </p:sp>
+      <p:sp>
+        <p:nvSpPr>
+          <p:cNvPr id="7" name="Down Arrow 6"/>
+          <p:cNvSpPr/>
+          <p:nvPr/>
+        </p:nvSpPr>
+        <p:spPr>
+          <a:xfrm rot="16200000">
+            <a:off x="5620862" y="3095789"/>
+            <a:ext cx="429668" cy="602748"/>
+          </a:xfrm>
+          <a:prstGeom prst="downArrow">
+            <a:avLst/>
+          </a:prstGeom>
+        </p:spPr>
+        <p:style>
+          <a:lnRef idx="2">
+            <a:schemeClr val="dk1">
+              <a:shade val="50000"/>
+            </a:schemeClr>
+          </a:lnRef>
+          <a:fillRef idx="1">
+            <a:schemeClr val="dk1"/>
+          </a:fillRef>
+          <a:effectRef idx="0">
+            <a:schemeClr val="dk1"/>
+          </a:effectRef>
+          <a:fontRef idx="minor">
+            <a:schemeClr val="lt1"/>
+          </a:fontRef>
+        </p:style>
+        <p:txBody>
+          <a:bodyPr rtlCol="0" anchor="ctr"/>
+          <a:lstStyle/>
+          <a:p>
+            <a:pPr algn="ctr"/>
+            <a:endParaRPr lang="en-US" sz="3598" dirty="0"/>
+          </a:p>
+        </p:txBody>
+      </p:sp>
+      <p:sp>
+        <p:nvSpPr>
+          <p:cNvPr id="8" name="Rectangle 7"/>
+          <p:cNvSpPr>
+            <a:spLocks noChangeArrowheads="1"/>
+          </p:cNvSpPr>
+          <p:nvPr/>
+        </p:nvSpPr>
+        <p:spPr bwMode="auto">
+          <a:xfrm>
+            <a:off x="2697662" y="4883374"/>
+            <a:ext cx="2655835" cy="648659"/>
+          </a:xfrm>
+          <a:prstGeom prst="rect">
+            <a:avLst/>
+          </a:prstGeom>
+          <a:solidFill>
+            <a:schemeClr val="accent6">
+              <a:lumMod val="75000"/>
+              <a:alpha val="15000"/>
+            </a:schemeClr>
+          </a:solidFill>
+          <a:ln w="12700">
+            <a:solidFill>
+              <a:schemeClr val="tx1">
+                <a:lumMod val="50000"/>
+              </a:schemeClr>
+            </a:solidFill>
+          </a:ln>
+        </p:spPr>
+        <p:txBody>
+          <a:bodyPr vert="horz" wrap="square" lIns="143926" tIns="107944" rIns="143926" bIns="107944" rtlCol="0">
+            <a:spAutoFit/>
+          </a:bodyPr>
+          <a:lstStyle/>
+          <a:p>
+            <a:pPr algn="ctr" defTabSz="1217707" latinLnBrk="1">
+              <a:spcBef>
+                <a:spcPts val="600"/>
+              </a:spcBef>
+              <a:spcAft>
+                <a:spcPts val="600"/>
+              </a:spcAft>
+            </a:pPr>
+            <a:r>
+              <a:rPr lang="en-US" sz="2798" b="1" noProof="1">
+                <a:latin typeface="Consolas" pitchFamily="49" charset="0"/>
+              </a:rPr>
+              <a:t>1.5 5 1.5 3</a:t>
+            </a:r>
+            <a:endParaRPr lang="it-IT" sz="2798" b="1" noProof="1">
+              <a:latin typeface="Consolas" pitchFamily="49" charset="0"/>
+            </a:endParaRPr>
+          </a:p>
+        </p:txBody>
+      </p:sp>
+      <p:sp>
+        <p:nvSpPr>
+          <p:cNvPr id="9" name="Rectangle 8"/>
+          <p:cNvSpPr>
+            <a:spLocks noChangeArrowheads="1"/>
+          </p:cNvSpPr>
+          <p:nvPr/>
+        </p:nvSpPr>
+        <p:spPr bwMode="auto">
+          <a:xfrm>
+            <a:off x="6317899" y="4401367"/>
+            <a:ext cx="3076040" cy="1817633"/>
+          </a:xfrm>
+          <a:prstGeom prst="rect">
+            <a:avLst/>
+          </a:prstGeom>
+          <a:solidFill>
+            <a:schemeClr val="accent6">
+              <a:lumMod val="75000"/>
+              <a:alpha val="15000"/>
+            </a:schemeClr>
+          </a:solidFill>
+          <a:ln w="12700">
+            <a:solidFill>
+              <a:schemeClr val="tx1">
+                <a:lumMod val="50000"/>
+              </a:schemeClr>
+            </a:solidFill>
+          </a:ln>
+        </p:spPr>
+        <p:txBody>
+          <a:bodyPr vert="horz" wrap="square" lIns="143926" tIns="107944" rIns="143926" bIns="107944" rtlCol="0">
+            <a:spAutoFit/>
+          </a:bodyPr>
+          <a:lstStyle/>
+          <a:p>
+            <a:pPr algn="ctr" defTabSz="1217707" latinLnBrk="1">
+              <a:spcBef>
+                <a:spcPts val="600"/>
+              </a:spcBef>
+              <a:spcAft>
+                <a:spcPts val="600"/>
+              </a:spcAft>
+            </a:pPr>
+            <a:r>
+              <a:rPr lang="en-US" sz="2798" b="1" noProof="1">
+                <a:latin typeface="Consolas" pitchFamily="49" charset="0"/>
+              </a:rPr>
+              <a:t>1.5 - 2 times</a:t>
+            </a:r>
+          </a:p>
+          <a:p>
+            <a:pPr algn="ctr" defTabSz="1217707" latinLnBrk="1">
+              <a:spcBef>
+                <a:spcPts val="600"/>
+              </a:spcBef>
+              <a:spcAft>
+                <a:spcPts val="600"/>
+              </a:spcAft>
+            </a:pPr>
+            <a:r>
+              <a:rPr lang="it-IT" sz="2798" b="1" noProof="1">
+                <a:latin typeface="Consolas" pitchFamily="49" charset="0"/>
+              </a:rPr>
+              <a:t>5 - 1 times</a:t>
+            </a:r>
+            <a:endParaRPr lang="en-US" sz="2798" b="1" noProof="1">
+              <a:latin typeface="Consolas" pitchFamily="49" charset="0"/>
+            </a:endParaRPr>
+          </a:p>
+          <a:p>
+            <a:pPr algn="ctr" defTabSz="1217707" latinLnBrk="1">
+              <a:spcBef>
+                <a:spcPts val="600"/>
+              </a:spcBef>
+              <a:spcAft>
+                <a:spcPts val="600"/>
+              </a:spcAft>
+            </a:pPr>
+            <a:r>
+              <a:rPr lang="en-US" sz="2798" b="1" noProof="1">
+                <a:latin typeface="Consolas" pitchFamily="49" charset="0"/>
+              </a:rPr>
+              <a:t>3 - 1 times</a:t>
+            </a:r>
+          </a:p>
+        </p:txBody>
+      </p:sp>
+      <p:sp>
+        <p:nvSpPr>
+          <p:cNvPr id="18" name="Down Arrow 6">
+            <a:extLst>
+              <a:ext uri="{FF2B5EF4-FFF2-40B4-BE49-F238E27FC236}">
+                <a16:creationId xmlns:a16="http://schemas.microsoft.com/office/drawing/2014/main" id="{7D008BA8-0FC1-4647-91E6-AD8A51840408}"/>
+              </a:ext>
+            </a:extLst>
+          </p:cNvPr>
+          <p:cNvSpPr/>
+          <p:nvPr/>
+        </p:nvSpPr>
+        <p:spPr>
+          <a:xfrm rot="16200000">
+            <a:off x="5620863" y="4906330"/>
+            <a:ext cx="429668" cy="602748"/>
+          </a:xfrm>
+          <a:prstGeom prst="downArrow">
+            <a:avLst/>
+          </a:prstGeom>
+        </p:spPr>
+        <p:style>
+          <a:lnRef idx="2">
+            <a:schemeClr val="dk1">
+              <a:shade val="50000"/>
+            </a:schemeClr>
+          </a:lnRef>
+          <a:fillRef idx="1">
+            <a:schemeClr val="dk1"/>
+          </a:fillRef>
+          <a:effectRef idx="0">
+            <a:schemeClr val="dk1"/>
+          </a:effectRef>
+          <a:fontRef idx="minor">
+            <a:schemeClr val="lt1"/>
+          </a:fontRef>
+        </p:style>
+        <p:txBody>
+          <a:bodyPr rtlCol="0" anchor="ctr"/>
+          <a:lstStyle/>
+          <a:p>
+            <a:pPr algn="ctr"/>
+            <a:endParaRPr lang="en-US" sz="3598" dirty="0"/>
+          </a:p>
+        </p:txBody>
+      </p:sp>
+      <p:sp>
+        <p:nvSpPr>
+          <p:cNvPr id="2" name="Slide Number">
+            <a:extLst>
+              <a:ext uri="{FF2B5EF4-FFF2-40B4-BE49-F238E27FC236}">
+                <a16:creationId xmlns:a16="http://schemas.microsoft.com/office/drawing/2014/main" id="{7B9FAC75-C0D2-2AD2-46B3-C6A55ACDC59B}"/>
+              </a:ext>
+            </a:extLst>
+          </p:cNvPr>
+          <p:cNvSpPr>
+            <a:spLocks noGrp="1"/>
+          </p:cNvSpPr>
+          <p:nvPr>
+            <p:ph type="sldNum" sz="quarter" idx="5"/>
+          </p:nvPr>
+        </p:nvSpPr>
+        <p:spPr>
+          <a:xfrm>
+            <a:off x="11753030" y="6507000"/>
+            <a:ext cx="367414" cy="297000"/>
+          </a:xfrm>
+          <a:prstGeom prst="rect">
+            <a:avLst/>
+          </a:prstGeom>
+        </p:spPr>
+        <p:txBody>
+          <a:bodyPr vert="horz" lIns="91440" tIns="45720" rIns="91440" bIns="45720" rtlCol="0" anchor="b"/>
+          <a:lstStyle>
+            <a:lvl1pPr algn="r">
+              <a:defRPr sz="1000"/>
+            </a:lvl1pPr>
+          </a:lstStyle>
+          <a:p>
+            <a:fld id="{2BF067CD-8E6B-4360-9AA8-C5DF2A48A6D1}" type="slidenum">
+              <a:rPr lang="en-US" noProof="0" smtClean="0"/>
+              <a:pPr/>
+              <a:t>10</a:t>
+            </a:fld>
+            <a:endParaRPr lang="en-US" noProof="0" dirty="0"/>
+          </a:p>
+        </p:txBody>
+      </p:sp>
+    </p:spTree>
+    <p:extLst>
+      <p:ext uri="{BB962C8B-B14F-4D97-AF65-F5344CB8AC3E}">
+        <p14:creationId xmlns:p14="http://schemas.microsoft.com/office/powerpoint/2010/main" val="1763697731"/>
+      </p:ext>
+    </p:extLst>
+  </p:cSld>
+  <p:clrMapOvr>
+    <a:masterClrMapping/>
+  </p:clrMapOvr>
+  <mc:AlternateContent xmlns:mc="http://schemas.openxmlformats.org/markup-compatibility/2006" xmlns:p14="http://schemas.microsoft.com/office/powerpoint/2010/main">
+    <mc:Choice Requires="p14">
+      <p:transition p14:dur="0" advClick="0" advTm="5000"/>
+    </mc:Choice>
+    <mc:Fallback xmlns="">
+      <p:transition advClick="0" advTm="5000"/>
+    </mc:Fallback>
+  </mc:AlternateContent>
+  <p:timing>
+    <p:tnLst>
+      <p:par>
+        <p:cTn id="1" dur="indefinite" restart="never" nodeType="tmRoot">
+          <p:childTnLst>
+            <p:seq concurrent="1" nextAc="seek">
+              <p:cTn id="2" dur="indefinite" nodeType="mainSeq">
+                <p:childTnLst>
+                  <p:par>
+                    <p:cTn id="3" fill="hold">
+                      <p:stCondLst>
+                        <p:cond delay="indefinite"/>
+                      </p:stCondLst>
+                      <p:childTnLst>
+                        <p:par>
+                          <p:cTn id="4" fill="hold">
+                            <p:stCondLst>
+                              <p:cond delay="0"/>
+                            </p:stCondLst>
+                            <p:childTnLst>
+                              <p:par>
+                                <p:cTn id="5" presetID="1" presetClass="entr" presetSubtype="0" fill="hold" grpId="0" nodeType="clickEffect">
+                                  <p:stCondLst>
+                                    <p:cond delay="0"/>
+                                  </p:stCondLst>
+                                  <p:childTnLst>
+                                    <p:set>
+                                      <p:cBhvr>
+                                        <p:cTn id="6" dur="1" fill="hold">
+                                          <p:stCondLst>
+                                            <p:cond delay="0"/>
+                                          </p:stCondLst>
+                                        </p:cTn>
+                                        <p:tgtEl>
+                                          <p:spTgt spid="5"/>
+                                        </p:tgtEl>
+                                        <p:attrNameLst>
+                                          <p:attrName>style.visibility</p:attrName>
+                                        </p:attrNameLst>
+                                      </p:cBhvr>
+                                      <p:to>
+                                        <p:strVal val="visible"/>
+                                      </p:to>
+                                    </p:set>
+                                  </p:childTnLst>
+                                </p:cTn>
+                              </p:par>
+                              <p:par>
+                                <p:cTn id="7" presetID="1" presetClass="entr" presetSubtype="0" fill="hold" grpId="0" nodeType="withEffect">
+                                  <p:stCondLst>
+                                    <p:cond delay="0"/>
+                                  </p:stCondLst>
+                                  <p:childTnLst>
+                                    <p:set>
+                                      <p:cBhvr>
+                                        <p:cTn id="8" dur="1" fill="hold">
+                                          <p:stCondLst>
+                                            <p:cond delay="0"/>
+                                          </p:stCondLst>
+                                        </p:cTn>
+                                        <p:tgtEl>
+                                          <p:spTgt spid="6"/>
+                                        </p:tgtEl>
+                                        <p:attrNameLst>
+                                          <p:attrName>style.visibility</p:attrName>
+                                        </p:attrNameLst>
+                                      </p:cBhvr>
+                                      <p:to>
+                                        <p:strVal val="visible"/>
+                                      </p:to>
+                                    </p:set>
+                                  </p:childTnLst>
+                                </p:cTn>
+                              </p:par>
+                              <p:par>
+                                <p:cTn id="9" presetID="1" presetClass="entr" presetSubtype="0" fill="hold" grpId="0" nodeType="withEffect">
+                                  <p:stCondLst>
+                                    <p:cond delay="0"/>
+                                  </p:stCondLst>
+                                  <p:childTnLst>
+                                    <p:set>
+                                      <p:cBhvr>
+                                        <p:cTn id="10" dur="1" fill="hold">
+                                          <p:stCondLst>
+                                            <p:cond delay="0"/>
+                                          </p:stCondLst>
+                                        </p:cTn>
+                                        <p:tgtEl>
+                                          <p:spTgt spid="7"/>
+                                        </p:tgtEl>
+                                        <p:attrNameLst>
+                                          <p:attrName>style.visibility</p:attrName>
+                                        </p:attrNameLst>
+                                      </p:cBhvr>
+                                      <p:to>
+                                        <p:strVal val="visible"/>
+                                      </p:to>
+                                    </p:set>
+                                  </p:childTnLst>
+                                </p:cTn>
+                              </p:par>
+                            </p:childTnLst>
+                          </p:cTn>
+                        </p:par>
+                      </p:childTnLst>
+                    </p:cTn>
+                  </p:par>
+                  <p:par>
+                    <p:cTn id="11" fill="hold">
+                      <p:stCondLst>
+                        <p:cond delay="indefinite"/>
+                      </p:stCondLst>
+                      <p:childTnLst>
+                        <p:par>
+                          <p:cTn id="12" fill="hold">
+                            <p:stCondLst>
+                              <p:cond delay="0"/>
+                            </p:stCondLst>
+                            <p:childTnLst>
+                              <p:par>
+                                <p:cTn id="13" presetID="1" presetClass="entr" presetSubtype="0" fill="hold" grpId="0" nodeType="clickEffect">
+                                  <p:stCondLst>
+                                    <p:cond delay="0"/>
+                                  </p:stCondLst>
+                                  <p:childTnLst>
+                                    <p:set>
+                                      <p:cBhvr>
+                                        <p:cTn id="14" dur="1" fill="hold">
+                                          <p:stCondLst>
+                                            <p:cond delay="0"/>
+                                          </p:stCondLst>
+                                        </p:cTn>
+                                        <p:tgtEl>
+                                          <p:spTgt spid="8"/>
+                                        </p:tgtEl>
+                                        <p:attrNameLst>
+                                          <p:attrName>style.visibility</p:attrName>
+                                        </p:attrNameLst>
+                                      </p:cBhvr>
+                                      <p:to>
+                                        <p:strVal val="visible"/>
+                                      </p:to>
+                                    </p:set>
+                                  </p:childTnLst>
+                                </p:cTn>
+                              </p:par>
+                              <p:par>
+                                <p:cTn id="15" presetID="1" presetClass="entr" presetSubtype="0" fill="hold" grpId="0" nodeType="withEffect">
+                                  <p:stCondLst>
+                                    <p:cond delay="0"/>
+                                  </p:stCondLst>
+                                  <p:childTnLst>
+                                    <p:set>
+                                      <p:cBhvr>
+                                        <p:cTn id="16" dur="1" fill="hold">
+                                          <p:stCondLst>
+                                            <p:cond delay="0"/>
+                                          </p:stCondLst>
+                                        </p:cTn>
+                                        <p:tgtEl>
+                                          <p:spTgt spid="9"/>
+                                        </p:tgtEl>
+                                        <p:attrNameLst>
+                                          <p:attrName>style.visibility</p:attrName>
+                                        </p:attrNameLst>
+                                      </p:cBhvr>
+                                      <p:to>
+                                        <p:strVal val="visible"/>
+                                      </p:to>
+                                    </p:set>
+                                  </p:childTnLst>
+                                </p:cTn>
+                              </p:par>
+                              <p:par>
+                                <p:cTn id="17" presetID="1" presetClass="entr" presetSubtype="0" fill="hold" grpId="0" nodeType="withEffect">
+                                  <p:stCondLst>
+                                    <p:cond delay="0"/>
+                                  </p:stCondLst>
+                                  <p:childTnLst>
+                                    <p:set>
+                                      <p:cBhvr>
+                                        <p:cTn id="18" dur="1" fill="hold">
+                                          <p:stCondLst>
+                                            <p:cond delay="0"/>
+                                          </p:stCondLst>
+                                        </p:cTn>
+                                        <p:tgtEl>
+                                          <p:spTgt spid="18"/>
+                                        </p:tgtEl>
+                                        <p:attrNameLst>
+                                          <p:attrName>style.visibility</p:attrName>
+                                        </p:attrNameLst>
+                                      </p:cBhvr>
+                                      <p:to>
+                                        <p:strVal val="visible"/>
+                                      </p:to>
+                                    </p:set>
+                                  </p:childTnLst>
+                                </p:cTn>
+                              </p:par>
+                            </p:childTnLst>
+                          </p:cTn>
+                        </p:par>
+                      </p:childTnLst>
+                    </p:cTn>
+                  </p:par>
+                </p:childTnLst>
+              </p:cTn>
+              <p:prevCondLst>
+                <p:cond evt="onPrev" delay="0">
+                  <p:tgtEl>
+                    <p:sldTgt/>
+                  </p:tgtEl>
+                </p:cond>
+              </p:prevCondLst>
+              <p:nextCondLst>
+                <p:cond evt="onNext" delay="0">
+                  <p:tgtEl>
+                    <p:sldTgt/>
+                  </p:tgtEl>
+                </p:cond>
+              </p:nextCondLst>
+            </p:seq>
+          </p:childTnLst>
+        </p:cTn>
+      </p:par>
+    </p:tnLst>
+    <p:bldLst>
+      <p:bldP spid="5" grpId="0" animBg="1"/>
+      <p:bldP spid="6" grpId="0" animBg="1"/>
+      <p:bldP spid="7" grpId="0" animBg="1"/>
+      <p:bldP spid="8" grpId="0" animBg="1"/>
+      <p:bldP spid="9" grpId="0" animBg="1"/>
+      <p:bldP spid="18" grpId="0" animBg="1"/>
+    </p:bldLst>
+  </p:timing>
+</p:sld>
+</file>
+
+<file path=ppt/slides/slide11.xml><?xml version="1.0" encoding="utf-8"?>
+<p:sld xmlns:a="http://schemas.openxmlformats.org/drawingml/2006/main" xmlns:r="http://schemas.openxmlformats.org/officeDocument/2006/relationships" xmlns:p="http://schemas.openxmlformats.org/presentationml/2006/main">
+  <p:cSld>
+    <p:spTree>
+      <p:nvGrpSpPr>
+        <p:cNvPr id="1" name=""/>
+        <p:cNvGrpSpPr/>
+        <p:nvPr/>
+      </p:nvGrpSpPr>
+      <p:grpSpPr>
+        <a:xfrm>
+          <a:off x="0" y="0"/>
+          <a:ext cx="0" cy="0"/>
+          <a:chOff x="0" y="0"/>
+          <a:chExt cx="0" cy="0"/>
+        </a:xfrm>
+      </p:grpSpPr>
+      <p:sp>
+        <p:nvSpPr>
           <p:cNvPr id="4" name="Title 3"/>
           <p:cNvSpPr>
             <a:spLocks noGrp="1"/>
@@ -7987,7 +8765,7 @@
             </a:pPr>
             <a:r>
               <a:rPr lang="en-US" sz="2399" dirty="0"/>
-              <a:t>foreach (var num in nums)</a:t>
+              <a:t>foreach (int num in nums)</a:t>
             </a:r>
           </a:p>
           <a:p>
@@ -8084,7 +8862,7 @@
             </a:pPr>
             <a:r>
               <a:rPr lang="en-US" sz="2399" dirty="0"/>
-              <a:t>foreach (var num in counts)</a:t>
+              <a:t>foreach (KeyValuePair&lt;double, int&gt; num in counts)</a:t>
             </a:r>
           </a:p>
           <a:p>
@@ -8334,7 +9112,7 @@
             <a:fld id="{2BF067CD-8E6B-4360-9AA8-C5DF2A48A6D1}" type="slidenum">
               <a:rPr lang="en-US" noProof="0" smtClean="0"/>
               <a:pPr/>
-              <a:t>10</a:t>
+              <a:t>11</a:t>
             </a:fld>
             <a:endParaRPr lang="en-US" noProof="0" dirty="0"/>
           </a:p>
@@ -8772,1214 +9550,6 @@
     </p:tnLst>
     <p:bldLst>
       <p:bldP spid="6" grpId="0" animBg="1"/>
-    </p:bldLst>
-  </p:timing>
-</p:sld>
-</file>
-
-<file path=ppt/slides/slide11.xml><?xml version="1.0" encoding="utf-8"?>
-<p:sld xmlns:a="http://schemas.openxmlformats.org/drawingml/2006/main" xmlns:r="http://schemas.openxmlformats.org/officeDocument/2006/relationships" xmlns:p="http://schemas.openxmlformats.org/presentationml/2006/main">
-  <p:cSld>
-    <p:spTree>
-      <p:nvGrpSpPr>
-        <p:cNvPr id="1" name=""/>
-        <p:cNvGrpSpPr/>
-        <p:nvPr/>
-      </p:nvGrpSpPr>
-      <p:grpSpPr>
-        <a:xfrm>
-          <a:off x="0" y="0"/>
-          <a:ext cx="0" cy="0"/>
-          <a:chOff x="0" y="0"/>
-          <a:chExt cx="0" cy="0"/>
-        </a:xfrm>
-      </p:grpSpPr>
-      <p:sp>
-        <p:nvSpPr>
-          <p:cNvPr id="3" name="Текстов контейнер 2">
-            <a:extLst>
-              <a:ext uri="{FF2B5EF4-FFF2-40B4-BE49-F238E27FC236}">
-                <a16:creationId xmlns:a16="http://schemas.microsoft.com/office/drawing/2014/main" id="{6FB18143-D49F-453D-A369-E34EE969B71A}"/>
-              </a:ext>
-            </a:extLst>
-          </p:cNvPr>
-          <p:cNvSpPr>
-            <a:spLocks noGrp="1"/>
-          </p:cNvSpPr>
-          <p:nvPr>
-            <p:ph type="body" sz="quarter" idx="10"/>
-          </p:nvPr>
-        </p:nvSpPr>
-        <p:spPr/>
-        <p:txBody>
-          <a:bodyPr vert="horz" lIns="108000" tIns="36000" rIns="108000" bIns="36000" rtlCol="0" anchor="t">
-            <a:normAutofit/>
-          </a:bodyPr>
-          <a:lstStyle/>
-          <a:p>
-            <a:pPr marL="457200" indent="-457200">
-              <a:lnSpc>
-                <a:spcPct val="100000"/>
-              </a:lnSpc>
-            </a:pPr>
-            <a:r>
-              <a:rPr lang="bg-BG" sz="3600" dirty="0"/>
-              <a:t>Можем да използваме</a:t>
-            </a:r>
-            <a:r>
-              <a:rPr lang="en-GB" sz="3600" dirty="0"/>
-              <a:t> </a:t>
-            </a:r>
-            <a:r>
-              <a:rPr lang="en-GB" sz="3600" b="1" dirty="0">
-                <a:solidFill>
-                  <a:schemeClr val="bg1"/>
-                </a:solidFill>
-                <a:latin typeface="Consolas" panose="020B0609020204030204" pitchFamily="49" charset="0"/>
-                <a:cs typeface="Consolas" panose="020B0609020204030204" pitchFamily="49" charset="0"/>
-              </a:rPr>
-              <a:t>foreach</a:t>
-            </a:r>
-            <a:r>
-              <a:rPr lang="en-GB" sz="3600" b="1" dirty="0">
-                <a:solidFill>
-                  <a:schemeClr val="bg1"/>
-                </a:solidFill>
-              </a:rPr>
-              <a:t>-цикъл</a:t>
-            </a:r>
-            <a:endParaRPr lang="en-GB" sz="3600" b="1" dirty="0">
-              <a:solidFill>
-                <a:schemeClr val="bg1"/>
-              </a:solidFill>
-              <a:cs typeface="Calibri"/>
-            </a:endParaRPr>
-          </a:p>
-          <a:p>
-            <a:pPr marL="457200" indent="-457200">
-              <a:lnSpc>
-                <a:spcPct val="100000"/>
-              </a:lnSpc>
-            </a:pPr>
-            <a:r>
-              <a:rPr lang="en-GB" sz="3600" dirty="0">
-                <a:solidFill>
-                  <a:srgbClr val="234465"/>
-                </a:solidFill>
-              </a:rPr>
-              <a:t>Минаваме през обекти от тип </a:t>
-            </a:r>
-            <a:r>
-              <a:rPr lang="en-GB" sz="3600" b="1" dirty="0">
-                <a:solidFill>
-                  <a:schemeClr val="bg1"/>
-                </a:solidFill>
-                <a:latin typeface="Consolas" panose="020B0609020204030204" pitchFamily="49" charset="0"/>
-                <a:cs typeface="Consolas" panose="020B0609020204030204" pitchFamily="49" charset="0"/>
-              </a:rPr>
-              <a:t>KeyValuePair</a:t>
-            </a:r>
-            <a:r>
-              <a:rPr lang="en-GB" sz="3600" dirty="0">
-                <a:latin typeface="Consolas" panose="020B0609020204030204" pitchFamily="49" charset="0"/>
-                <a:cs typeface="Consolas" panose="020B0609020204030204" pitchFamily="49" charset="0"/>
-              </a:rPr>
-              <a:t>&lt;</a:t>
-            </a:r>
-            <a:r>
-              <a:rPr lang="en-GB" sz="3600" b="1" dirty="0">
-                <a:solidFill>
-                  <a:schemeClr val="bg1"/>
-                </a:solidFill>
-                <a:latin typeface="Consolas" panose="020B0609020204030204" pitchFamily="49" charset="0"/>
-                <a:cs typeface="Consolas" panose="020B0609020204030204" pitchFamily="49" charset="0"/>
-              </a:rPr>
-              <a:t>K</a:t>
-            </a:r>
-            <a:r>
-              <a:rPr lang="en-GB" sz="3600" dirty="0">
-                <a:latin typeface="Consolas" panose="020B0609020204030204" pitchFamily="49" charset="0"/>
-                <a:cs typeface="Consolas" panose="020B0609020204030204" pitchFamily="49" charset="0"/>
-              </a:rPr>
-              <a:t>,</a:t>
-            </a:r>
-            <a:r>
-              <a:rPr lang="en-GB" sz="3600" b="1" dirty="0">
-                <a:solidFill>
-                  <a:schemeClr val="bg1"/>
-                </a:solidFill>
-                <a:latin typeface="Consolas" panose="020B0609020204030204" pitchFamily="49" charset="0"/>
-                <a:cs typeface="Consolas" panose="020B0609020204030204" pitchFamily="49" charset="0"/>
-              </a:rPr>
-              <a:t> V</a:t>
-            </a:r>
-            <a:r>
-              <a:rPr lang="en-GB" sz="3600" dirty="0">
-                <a:latin typeface="Consolas" panose="020B0609020204030204" pitchFamily="49" charset="0"/>
-                <a:cs typeface="Consolas" panose="020B0609020204030204" pitchFamily="49" charset="0"/>
-              </a:rPr>
-              <a:t>&gt;</a:t>
-            </a:r>
-          </a:p>
-          <a:p>
-            <a:pPr marL="457200" indent="-457200">
-              <a:lnSpc>
-                <a:spcPct val="100000"/>
-              </a:lnSpc>
-            </a:pPr>
-            <a:r>
-              <a:rPr lang="en-GB" sz="3600" dirty="0"/>
-              <a:t>Речникът </a:t>
-            </a:r>
-            <a:r>
-              <a:rPr lang="en-GB" sz="3600" b="1" dirty="0">
-                <a:solidFill>
-                  <a:schemeClr val="bg1"/>
-                </a:solidFill>
-              </a:rPr>
-              <a:t>не може </a:t>
-            </a:r>
-            <a:r>
-              <a:rPr lang="en-GB" sz="3600" dirty="0"/>
-              <a:t>да се </a:t>
-            </a:r>
-            <a:r>
-              <a:rPr lang="bg-BG" sz="3600" dirty="0"/>
-              <a:t>модифицира</a:t>
-            </a:r>
-            <a:r>
-              <a:rPr lang="en-GB" sz="3600" dirty="0"/>
-              <a:t> (</a:t>
-            </a:r>
-            <a:r>
-              <a:rPr lang="en-GB" sz="3600" b="1" dirty="0">
-                <a:solidFill>
-                  <a:schemeClr val="bg1"/>
-                </a:solidFill>
-              </a:rPr>
-              <a:t>read-only</a:t>
-            </a:r>
-            <a:r>
-              <a:rPr lang="en-GB" sz="3600" dirty="0"/>
-              <a:t>)</a:t>
-            </a:r>
-            <a:endParaRPr lang="en-US" sz="3600" dirty="0"/>
-          </a:p>
-          <a:p>
-            <a:pPr marL="360045" indent="-360045"/>
-            <a:endParaRPr lang="bg-BG" dirty="0">
-              <a:cs typeface="Calibri"/>
-            </a:endParaRPr>
-          </a:p>
-        </p:txBody>
-      </p:sp>
-      <p:sp>
-        <p:nvSpPr>
-          <p:cNvPr id="4" name="Заглавие 3">
-            <a:extLst>
-              <a:ext uri="{FF2B5EF4-FFF2-40B4-BE49-F238E27FC236}">
-                <a16:creationId xmlns:a16="http://schemas.microsoft.com/office/drawing/2014/main" id="{3BE217DD-0896-4195-B2A0-23DD13FFE1BB}"/>
-              </a:ext>
-            </a:extLst>
-          </p:cNvPr>
-          <p:cNvSpPr>
-            <a:spLocks noGrp="1"/>
-          </p:cNvSpPr>
-          <p:nvPr>
-            <p:ph type="title"/>
-          </p:nvPr>
-        </p:nvSpPr>
-        <p:spPr/>
-        <p:txBody>
-          <a:bodyPr/>
-          <a:lstStyle/>
-          <a:p>
-            <a:r>
-              <a:rPr lang="en-US" sz="3950" dirty="0"/>
-              <a:t>Обхождане на речник</a:t>
-            </a:r>
-            <a:endParaRPr lang="bg-BG" dirty="0"/>
-          </a:p>
-        </p:txBody>
-      </p:sp>
-      <p:sp>
-        <p:nvSpPr>
-          <p:cNvPr id="7" name="Text Placeholder 2">
-            <a:extLst>
-              <a:ext uri="{FF2B5EF4-FFF2-40B4-BE49-F238E27FC236}">
-                <a16:creationId xmlns:a16="http://schemas.microsoft.com/office/drawing/2014/main" id="{76DC9D7D-0016-4AD9-952B-FCA195245757}"/>
-              </a:ext>
-            </a:extLst>
-          </p:cNvPr>
-          <p:cNvSpPr txBox="1">
-            <a:spLocks/>
-          </p:cNvSpPr>
-          <p:nvPr/>
-        </p:nvSpPr>
-        <p:spPr>
-          <a:xfrm>
-            <a:off x="751287" y="3429001"/>
-            <a:ext cx="9439713" cy="2525279"/>
-          </a:xfrm>
-          <a:prstGeom prst="rect">
-            <a:avLst/>
-          </a:prstGeom>
-          <a:solidFill>
-            <a:srgbClr val="F4F5F7">
-              <a:lumMod val="75000"/>
-              <a:alpha val="15000"/>
-            </a:srgbClr>
-          </a:solidFill>
-          <a:ln w="12700">
-            <a:solidFill>
-              <a:srgbClr val="234465">
-                <a:lumMod val="50000"/>
-              </a:srgbClr>
-            </a:solidFill>
-          </a:ln>
-        </p:spPr>
-        <p:txBody>
-          <a:bodyPr vert="horz" wrap="square" lIns="144000" tIns="108000" rIns="144000" bIns="108000" rtlCol="0">
-            <a:spAutoFit/>
-          </a:bodyPr>
-          <a:lstStyle>
-            <a:lvl1pPr marL="0" indent="0" algn="l" defTabSz="1218438" rtl="0" eaLnBrk="1" latinLnBrk="0" hangingPunct="1">
-              <a:lnSpc>
-                <a:spcPct val="105000"/>
-              </a:lnSpc>
-              <a:spcBef>
-                <a:spcPts val="0"/>
-              </a:spcBef>
-              <a:spcAft>
-                <a:spcPts val="0"/>
-              </a:spcAft>
-              <a:buFont typeface="Wingdings" panose="05000000000000000000" pitchFamily="2" charset="2"/>
-              <a:buNone/>
-              <a:defRPr lang="en-US" sz="2398" b="1" kern="1200" noProof="1" smtClean="0">
-                <a:solidFill>
-                  <a:schemeClr val="tx1"/>
-                </a:solidFill>
-                <a:effectLst/>
-                <a:latin typeface="Consolas" pitchFamily="49" charset="0"/>
-                <a:ea typeface="+mn-ea"/>
-                <a:cs typeface="Consolas" pitchFamily="49" charset="0"/>
-              </a:defRPr>
-            </a:lvl1pPr>
-            <a:lvl2pPr marL="803275" indent="-360363" algn="l" defTabSz="1218438" rtl="0" eaLnBrk="1" latinLnBrk="0" hangingPunct="1">
-              <a:lnSpc>
-                <a:spcPct val="105000"/>
-              </a:lnSpc>
-              <a:spcBef>
-                <a:spcPts val="600"/>
-              </a:spcBef>
-              <a:spcAft>
-                <a:spcPts val="600"/>
-              </a:spcAft>
-              <a:buFont typeface="Wingdings" panose="05000000000000000000" pitchFamily="2" charset="2"/>
-              <a:buChar char="§"/>
-              <a:defRPr sz="3198" kern="1200">
-                <a:solidFill>
-                  <a:schemeClr val="tx1"/>
-                </a:solidFill>
-                <a:latin typeface="+mn-lt"/>
-                <a:ea typeface="+mn-ea"/>
-                <a:cs typeface="+mn-cs"/>
-              </a:defRPr>
-            </a:lvl2pPr>
-            <a:lvl3pPr marL="1255713" indent="-360363" algn="l" defTabSz="1218438" rtl="0" eaLnBrk="1" latinLnBrk="0" hangingPunct="1">
-              <a:lnSpc>
-                <a:spcPct val="105000"/>
-              </a:lnSpc>
-              <a:spcBef>
-                <a:spcPts val="600"/>
-              </a:spcBef>
-              <a:spcAft>
-                <a:spcPts val="600"/>
-              </a:spcAft>
-              <a:buFont typeface="Wingdings" panose="05000000000000000000" pitchFamily="2" charset="2"/>
-              <a:buChar char="§"/>
-              <a:defRPr sz="2998" kern="1200">
-                <a:solidFill>
-                  <a:schemeClr val="tx1"/>
-                </a:solidFill>
-                <a:latin typeface="+mn-lt"/>
-                <a:ea typeface="+mn-ea"/>
-                <a:cs typeface="+mn-cs"/>
-              </a:defRPr>
-            </a:lvl3pPr>
-            <a:lvl4pPr marL="1700213" indent="-352425" algn="l" defTabSz="1218438" rtl="0" eaLnBrk="1" latinLnBrk="0" hangingPunct="1">
-              <a:lnSpc>
-                <a:spcPct val="105000"/>
-              </a:lnSpc>
-              <a:spcBef>
-                <a:spcPts val="600"/>
-              </a:spcBef>
-              <a:spcAft>
-                <a:spcPts val="600"/>
-              </a:spcAft>
-              <a:buFont typeface="Wingdings" panose="05000000000000000000" pitchFamily="2" charset="2"/>
-              <a:buChar char="§"/>
-              <a:defRPr sz="2798" kern="1200">
-                <a:solidFill>
-                  <a:schemeClr val="tx1"/>
-                </a:solidFill>
-                <a:latin typeface="+mn-lt"/>
-                <a:ea typeface="+mn-ea"/>
-                <a:cs typeface="+mn-cs"/>
-              </a:defRPr>
-            </a:lvl4pPr>
-            <a:lvl5pPr marL="2058988" indent="-266700" algn="l" defTabSz="1218438" rtl="0" eaLnBrk="1" latinLnBrk="0" hangingPunct="1">
-              <a:lnSpc>
-                <a:spcPct val="105000"/>
-              </a:lnSpc>
-              <a:spcBef>
-                <a:spcPts val="600"/>
-              </a:spcBef>
-              <a:spcAft>
-                <a:spcPts val="600"/>
-              </a:spcAft>
-              <a:buFont typeface="Wingdings" panose="05000000000000000000" pitchFamily="2" charset="2"/>
-              <a:buChar char="§"/>
-              <a:defRPr sz="2598" kern="1200">
-                <a:solidFill>
-                  <a:schemeClr val="tx1"/>
-                </a:solidFill>
-                <a:latin typeface="+mn-lt"/>
-                <a:ea typeface="+mn-ea"/>
-                <a:cs typeface="+mn-cs"/>
-              </a:defRPr>
-            </a:lvl5pPr>
-            <a:lvl6pPr marL="3350704" indent="-304610" algn="l" defTabSz="1218438" rtl="0" eaLnBrk="1" latinLnBrk="1" hangingPunct="1">
-              <a:spcBef>
-                <a:spcPct val="20000"/>
-              </a:spcBef>
-              <a:buFont typeface="Arial" pitchFamily="34" charset="0"/>
-              <a:buChar char="•"/>
-              <a:defRPr sz="2665" kern="1200">
-                <a:solidFill>
-                  <a:schemeClr val="tx1"/>
-                </a:solidFill>
-                <a:latin typeface="+mn-lt"/>
-                <a:ea typeface="+mn-ea"/>
-                <a:cs typeface="+mn-cs"/>
-              </a:defRPr>
-            </a:lvl6pPr>
-            <a:lvl7pPr marL="3959924" indent="-304610" algn="l" defTabSz="1218438" rtl="0" eaLnBrk="1" latinLnBrk="1" hangingPunct="1">
-              <a:spcBef>
-                <a:spcPct val="20000"/>
-              </a:spcBef>
-              <a:buFont typeface="Arial" pitchFamily="34" charset="0"/>
-              <a:buChar char="•"/>
-              <a:defRPr sz="2665" kern="1200">
-                <a:solidFill>
-                  <a:schemeClr val="tx1"/>
-                </a:solidFill>
-                <a:latin typeface="+mn-lt"/>
-                <a:ea typeface="+mn-ea"/>
-                <a:cs typeface="+mn-cs"/>
-              </a:defRPr>
-            </a:lvl7pPr>
-            <a:lvl8pPr marL="4569143" indent="-304610" algn="l" defTabSz="1218438" rtl="0" eaLnBrk="1" latinLnBrk="1" hangingPunct="1">
-              <a:spcBef>
-                <a:spcPct val="20000"/>
-              </a:spcBef>
-              <a:buFont typeface="Arial" pitchFamily="34" charset="0"/>
-              <a:buChar char="•"/>
-              <a:defRPr sz="2665" kern="1200">
-                <a:solidFill>
-                  <a:schemeClr val="tx1"/>
-                </a:solidFill>
-                <a:latin typeface="+mn-lt"/>
-                <a:ea typeface="+mn-ea"/>
-                <a:cs typeface="+mn-cs"/>
-              </a:defRPr>
-            </a:lvl8pPr>
-            <a:lvl9pPr marL="5178362" indent="-304610" algn="l" defTabSz="1218438" rtl="0" eaLnBrk="1" latinLnBrk="1" hangingPunct="1">
-              <a:spcBef>
-                <a:spcPct val="20000"/>
-              </a:spcBef>
-              <a:buFont typeface="Arial" pitchFamily="34" charset="0"/>
-              <a:buChar char="•"/>
-              <a:defRPr sz="2665" kern="1200">
-                <a:solidFill>
-                  <a:schemeClr val="tx1"/>
-                </a:solidFill>
-                <a:latin typeface="+mn-lt"/>
-                <a:ea typeface="+mn-ea"/>
-                <a:cs typeface="+mn-cs"/>
-              </a:defRPr>
-            </a:lvl9pPr>
-          </a:lstStyle>
-          <a:p>
-            <a:pPr>
-              <a:defRPr/>
-            </a:pPr>
-            <a:r>
-              <a:rPr lang="en-GB" dirty="0"/>
-              <a:t>var fruits = new Dictionary&lt;string, double&gt;();</a:t>
-            </a:r>
-          </a:p>
-          <a:p>
-            <a:pPr>
-              <a:defRPr/>
-            </a:pPr>
-            <a:r>
-              <a:rPr lang="en-GB" dirty="0"/>
-              <a:t>fruits.Add("banana", 2.20);</a:t>
-            </a:r>
-          </a:p>
-          <a:p>
-            <a:pPr>
-              <a:defRPr/>
-            </a:pPr>
-            <a:r>
-              <a:rPr lang="en-GB" dirty="0"/>
-              <a:t>fruits.Add("kiwi", 4.50);</a:t>
-            </a:r>
-          </a:p>
-          <a:p>
-            <a:pPr>
-              <a:defRPr/>
-            </a:pPr>
-            <a:r>
-              <a:rPr lang="en-GB" dirty="0"/>
-              <a:t>fruits.Add("orange", 3.20);</a:t>
-            </a:r>
-          </a:p>
-          <a:p>
-            <a:pPr>
-              <a:defRPr/>
-            </a:pPr>
-            <a:r>
-              <a:rPr lang="en-GB" dirty="0"/>
-              <a:t>foreach (</a:t>
-            </a:r>
-            <a:r>
-              <a:rPr lang="en-GB" dirty="0" err="1">
-                <a:solidFill>
-                  <a:schemeClr val="bg1"/>
-                </a:solidFill>
-              </a:rPr>
-              <a:t>KeyValuePair</a:t>
-            </a:r>
-            <a:r>
-              <a:rPr lang="en-GB" dirty="0"/>
-              <a:t>&lt;string, double&gt; fruit </a:t>
-            </a:r>
-            <a:r>
-              <a:rPr lang="en-GB" dirty="0">
-                <a:solidFill>
-                  <a:schemeClr val="bg1"/>
-                </a:solidFill>
-              </a:rPr>
-              <a:t>in</a:t>
-            </a:r>
-            <a:r>
-              <a:rPr lang="en-GB" dirty="0"/>
-              <a:t> fruits)</a:t>
-            </a:r>
-          </a:p>
-          <a:p>
-            <a:pPr>
-              <a:defRPr/>
-            </a:pPr>
-            <a:r>
-              <a:rPr lang="en-GB" dirty="0"/>
-              <a:t>  Console.WriteLine($"{fruit.</a:t>
-            </a:r>
-            <a:r>
-              <a:rPr lang="en-GB" dirty="0">
-                <a:solidFill>
-                  <a:schemeClr val="bg1"/>
-                </a:solidFill>
-              </a:rPr>
-              <a:t>Key</a:t>
-            </a:r>
-            <a:r>
-              <a:rPr lang="en-GB" dirty="0"/>
-              <a:t>} -&gt; {fruit.</a:t>
-            </a:r>
-            <a:r>
-              <a:rPr lang="en-GB" dirty="0">
-                <a:solidFill>
-                  <a:schemeClr val="bg1"/>
-                </a:solidFill>
-              </a:rPr>
-              <a:t>Value</a:t>
-            </a:r>
-            <a:r>
-              <a:rPr lang="en-GB" dirty="0"/>
-              <a:t>}");</a:t>
-            </a:r>
-          </a:p>
-        </p:txBody>
-      </p:sp>
-      <p:sp>
-        <p:nvSpPr>
-          <p:cNvPr id="8" name="AutoShape 24">
-            <a:extLst>
-              <a:ext uri="{FF2B5EF4-FFF2-40B4-BE49-F238E27FC236}">
-                <a16:creationId xmlns:a16="http://schemas.microsoft.com/office/drawing/2014/main" id="{24A73CC1-9D9C-4763-9DD6-69A54C361199}"/>
-              </a:ext>
-            </a:extLst>
-          </p:cNvPr>
-          <p:cNvSpPr>
-            <a:spLocks noChangeArrowheads="1"/>
-          </p:cNvSpPr>
-          <p:nvPr/>
-        </p:nvSpPr>
-        <p:spPr bwMode="auto">
-          <a:xfrm>
-            <a:off x="6970722" y="3960508"/>
-            <a:ext cx="4980565" cy="1153170"/>
-          </a:xfrm>
-          <a:prstGeom prst="wedgeRoundRectCallout">
-            <a:avLst>
-              <a:gd name="adj1" fmla="val -34014"/>
-              <a:gd name="adj2" fmla="val -5999"/>
-              <a:gd name="adj3" fmla="val 16667"/>
-            </a:avLst>
-          </a:prstGeom>
-          <a:solidFill>
-            <a:schemeClr val="dk2">
-              <a:alpha val="80000"/>
-            </a:schemeClr>
-          </a:solidFill>
-          <a:ln w="19050">
-            <a:solidFill>
-              <a:schemeClr val="tx1">
-                <a:lumMod val="75000"/>
-                <a:alpha val="80000"/>
-              </a:schemeClr>
-            </a:solidFill>
-          </a:ln>
-          <a:effectLst/>
-        </p:spPr>
-        <p:style>
-          <a:lnRef idx="2">
-            <a:schemeClr val="accent1">
-              <a:shade val="50000"/>
-            </a:schemeClr>
-          </a:lnRef>
-          <a:fillRef idx="1001">
-            <a:schemeClr val="dk2"/>
-          </a:fillRef>
-          <a:effectRef idx="0">
-            <a:schemeClr val="accent1"/>
-          </a:effectRef>
-          <a:fontRef idx="minor">
-            <a:schemeClr val="lt1"/>
-          </a:fontRef>
-        </p:style>
-        <p:txBody>
-          <a:bodyPr rot="0" spcFirstLastPara="0" vertOverflow="overflow" horzOverflow="overflow" vert="horz" wrap="square" lIns="91416" tIns="45708" rIns="91416" bIns="45708" numCol="1" spcCol="0" rtlCol="0" fromWordArt="0" anchor="ctr" anchorCtr="0" forceAA="0" compatLnSpc="1">
-            <a:prstTxWarp prst="textNoShape">
-              <a:avLst/>
-            </a:prstTxWarp>
-            <a:noAutofit/>
-          </a:bodyPr>
-          <a:lstStyle/>
-          <a:p>
-            <a:pPr algn="ctr"/>
-            <a:r>
-              <a:rPr lang="en-US" sz="2750" b="1" noProof="1">
-                <a:solidFill>
-                  <a:srgbClr val="FFFFFF"/>
-                </a:solidFill>
-              </a:rPr>
-              <a:t>fruit.</a:t>
-            </a:r>
-            <a:r>
-              <a:rPr lang="en-US" sz="2750" b="1" noProof="1">
-                <a:solidFill>
-                  <a:schemeClr val="bg1">
-                    <a:lumMod val="60000"/>
-                    <a:lumOff val="40000"/>
-                  </a:schemeClr>
-                </a:solidFill>
-              </a:rPr>
-              <a:t>Key</a:t>
-            </a:r>
-            <a:r>
-              <a:rPr lang="en-US" sz="2750" b="1" noProof="1">
-                <a:solidFill>
-                  <a:srgbClr val="FFFFFF"/>
-                </a:solidFill>
-              </a:rPr>
-              <a:t> -&gt;</a:t>
-            </a:r>
-            <a:r>
-              <a:rPr lang="bg-BG" sz="2750" b="1" noProof="1">
-                <a:solidFill>
-                  <a:srgbClr val="FFFFFF"/>
-                </a:solidFill>
-              </a:rPr>
-              <a:t> </a:t>
-            </a:r>
-            <a:r>
-              <a:rPr lang="en-US" sz="2750" b="1" noProof="1">
-                <a:solidFill>
-                  <a:srgbClr val="FFFFFF"/>
-                </a:solidFill>
-              </a:rPr>
-              <a:t>името на </a:t>
-            </a:r>
-            <a:r>
-              <a:rPr lang="en-US" sz="2750" b="1" noProof="1">
-                <a:solidFill>
-                  <a:srgbClr val="FFFFFF"/>
-                </a:solidFill>
-                <a:ea typeface="+mn-lt"/>
-                <a:cs typeface="+mn-lt"/>
-              </a:rPr>
-              <a:t>плода</a:t>
-            </a:r>
-            <a:endParaRPr lang="en-US" sz="2799" b="1" noProof="1">
-              <a:solidFill>
-                <a:srgbClr val="FFFFFF"/>
-              </a:solidFill>
-            </a:endParaRPr>
-          </a:p>
-          <a:p>
-            <a:pPr algn="ctr"/>
-            <a:r>
-              <a:rPr lang="en-US" sz="2750" b="1" noProof="1">
-                <a:solidFill>
-                  <a:srgbClr val="FFFFFF"/>
-                </a:solidFill>
-              </a:rPr>
-              <a:t>fruit.</a:t>
-            </a:r>
-            <a:r>
-              <a:rPr lang="en-US" sz="2750" b="1" noProof="1">
-                <a:solidFill>
-                  <a:schemeClr val="bg1">
-                    <a:lumMod val="60000"/>
-                    <a:lumOff val="40000"/>
-                  </a:schemeClr>
-                </a:solidFill>
-              </a:rPr>
-              <a:t>Value</a:t>
-            </a:r>
-            <a:r>
-              <a:rPr lang="en-US" sz="2750" b="1" noProof="1">
-                <a:solidFill>
-                  <a:srgbClr val="FFFFFF"/>
-                </a:solidFill>
-              </a:rPr>
-              <a:t> -&gt; цената на плода</a:t>
-            </a:r>
-            <a:endParaRPr lang="en-US" sz="2750" b="1" noProof="1">
-              <a:solidFill>
-                <a:srgbClr val="FFFFFF"/>
-              </a:solidFill>
-              <a:cs typeface="Calibri"/>
-            </a:endParaRPr>
-          </a:p>
-        </p:txBody>
-      </p:sp>
-      <p:sp>
-        <p:nvSpPr>
-          <p:cNvPr id="2" name="Slide Number">
-            <a:extLst>
-              <a:ext uri="{FF2B5EF4-FFF2-40B4-BE49-F238E27FC236}">
-                <a16:creationId xmlns:a16="http://schemas.microsoft.com/office/drawing/2014/main" id="{26AD39DB-738A-7733-783F-C949B526BCF6}"/>
-              </a:ext>
-            </a:extLst>
-          </p:cNvPr>
-          <p:cNvSpPr>
-            <a:spLocks noGrp="1"/>
-          </p:cNvSpPr>
-          <p:nvPr>
-            <p:ph type="sldNum" sz="quarter" idx="5"/>
-          </p:nvPr>
-        </p:nvSpPr>
-        <p:spPr>
-          <a:xfrm>
-            <a:off x="11753030" y="6507000"/>
-            <a:ext cx="367414" cy="297000"/>
-          </a:xfrm>
-          <a:prstGeom prst="rect">
-            <a:avLst/>
-          </a:prstGeom>
-        </p:spPr>
-        <p:txBody>
-          <a:bodyPr vert="horz" lIns="91440" tIns="45720" rIns="91440" bIns="45720" rtlCol="0" anchor="b"/>
-          <a:lstStyle>
-            <a:lvl1pPr algn="r">
-              <a:defRPr sz="1000"/>
-            </a:lvl1pPr>
-          </a:lstStyle>
-          <a:p>
-            <a:fld id="{2BF067CD-8E6B-4360-9AA8-C5DF2A48A6D1}" type="slidenum">
-              <a:rPr lang="en-US" noProof="0" smtClean="0"/>
-              <a:pPr/>
-              <a:t>11</a:t>
-            </a:fld>
-            <a:endParaRPr lang="en-US" noProof="0" dirty="0"/>
-          </a:p>
-        </p:txBody>
-      </p:sp>
-    </p:spTree>
-    <p:extLst>
-      <p:ext uri="{BB962C8B-B14F-4D97-AF65-F5344CB8AC3E}">
-        <p14:creationId xmlns:p14="http://schemas.microsoft.com/office/powerpoint/2010/main" val="2481430840"/>
-      </p:ext>
-    </p:extLst>
-  </p:cSld>
-  <p:clrMapOvr>
-    <a:masterClrMapping/>
-  </p:clrMapOvr>
-  <mc:AlternateContent xmlns:mc="http://schemas.openxmlformats.org/markup-compatibility/2006" xmlns:p14="http://schemas.microsoft.com/office/powerpoint/2010/main">
-    <mc:Choice Requires="p14">
-      <p:transition spd="slow" p14:dur="2000" advClick="0" advTm="5000"/>
-    </mc:Choice>
-    <mc:Fallback xmlns="">
-      <p:transition spd="slow" advClick="0" advTm="5000"/>
-    </mc:Fallback>
-  </mc:AlternateContent>
-  <p:timing>
-    <p:tnLst>
-      <p:par>
-        <p:cTn id="1" dur="indefinite" restart="never" nodeType="tmRoot">
-          <p:childTnLst>
-            <p:seq concurrent="1" nextAc="seek">
-              <p:cTn id="2" dur="indefinite" nodeType="mainSeq">
-                <p:childTnLst>
-                  <p:par>
-                    <p:cTn id="3" fill="hold">
-                      <p:stCondLst>
-                        <p:cond delay="indefinite"/>
-                      </p:stCondLst>
-                      <p:childTnLst>
-                        <p:par>
-                          <p:cTn id="4" fill="hold">
-                            <p:stCondLst>
-                              <p:cond delay="0"/>
-                            </p:stCondLst>
-                            <p:childTnLst>
-                              <p:par>
-                                <p:cTn id="5" presetID="1" presetClass="entr" presetSubtype="0" fill="hold" nodeType="clickEffect">
-                                  <p:stCondLst>
-                                    <p:cond delay="0"/>
-                                  </p:stCondLst>
-                                  <p:childTnLst>
-                                    <p:set>
-                                      <p:cBhvr>
-                                        <p:cTn id="6" dur="1" fill="hold">
-                                          <p:stCondLst>
-                                            <p:cond delay="0"/>
-                                          </p:stCondLst>
-                                        </p:cTn>
-                                        <p:tgtEl>
-                                          <p:spTgt spid="3">
-                                            <p:txEl>
-                                              <p:pRg st="1" end="1"/>
-                                            </p:txEl>
-                                          </p:spTgt>
-                                        </p:tgtEl>
-                                        <p:attrNameLst>
-                                          <p:attrName>style.visibility</p:attrName>
-                                        </p:attrNameLst>
-                                      </p:cBhvr>
-                                      <p:to>
-                                        <p:strVal val="visible"/>
-                                      </p:to>
-                                    </p:set>
-                                  </p:childTnLst>
-                                </p:cTn>
-                              </p:par>
-                            </p:childTnLst>
-                          </p:cTn>
-                        </p:par>
-                      </p:childTnLst>
-                    </p:cTn>
-                  </p:par>
-                  <p:par>
-                    <p:cTn id="7" fill="hold">
-                      <p:stCondLst>
-                        <p:cond delay="indefinite"/>
-                      </p:stCondLst>
-                      <p:childTnLst>
-                        <p:par>
-                          <p:cTn id="8" fill="hold">
-                            <p:stCondLst>
-                              <p:cond delay="0"/>
-                            </p:stCondLst>
-                            <p:childTnLst>
-                              <p:par>
-                                <p:cTn id="9" presetID="1" presetClass="entr" presetSubtype="0" fill="hold" nodeType="clickEffect">
-                                  <p:stCondLst>
-                                    <p:cond delay="0"/>
-                                  </p:stCondLst>
-                                  <p:childTnLst>
-                                    <p:set>
-                                      <p:cBhvr>
-                                        <p:cTn id="10" dur="1" fill="hold">
-                                          <p:stCondLst>
-                                            <p:cond delay="0"/>
-                                          </p:stCondLst>
-                                        </p:cTn>
-                                        <p:tgtEl>
-                                          <p:spTgt spid="3">
-                                            <p:txEl>
-                                              <p:pRg st="2" end="2"/>
-                                            </p:txEl>
-                                          </p:spTgt>
-                                        </p:tgtEl>
-                                        <p:attrNameLst>
-                                          <p:attrName>style.visibility</p:attrName>
-                                        </p:attrNameLst>
-                                      </p:cBhvr>
-                                      <p:to>
-                                        <p:strVal val="visible"/>
-                                      </p:to>
-                                    </p:set>
-                                  </p:childTnLst>
-                                </p:cTn>
-                              </p:par>
-                            </p:childTnLst>
-                          </p:cTn>
-                        </p:par>
-                      </p:childTnLst>
-                    </p:cTn>
-                  </p:par>
-                  <p:par>
-                    <p:cTn id="11" fill="hold">
-                      <p:stCondLst>
-                        <p:cond delay="indefinite"/>
-                      </p:stCondLst>
-                      <p:childTnLst>
-                        <p:par>
-                          <p:cTn id="12" fill="hold">
-                            <p:stCondLst>
-                              <p:cond delay="0"/>
-                            </p:stCondLst>
-                            <p:childTnLst>
-                              <p:par>
-                                <p:cTn id="13" presetID="1" presetClass="entr" presetSubtype="0" fill="hold" grpId="0" nodeType="clickEffect">
-                                  <p:stCondLst>
-                                    <p:cond delay="0"/>
-                                  </p:stCondLst>
-                                  <p:childTnLst>
-                                    <p:set>
-                                      <p:cBhvr>
-                                        <p:cTn id="14" dur="1" fill="hold">
-                                          <p:stCondLst>
-                                            <p:cond delay="0"/>
-                                          </p:stCondLst>
-                                        </p:cTn>
-                                        <p:tgtEl>
-                                          <p:spTgt spid="7"/>
-                                        </p:tgtEl>
-                                        <p:attrNameLst>
-                                          <p:attrName>style.visibility</p:attrName>
-                                        </p:attrNameLst>
-                                      </p:cBhvr>
-                                      <p:to>
-                                        <p:strVal val="visible"/>
-                                      </p:to>
-                                    </p:set>
-                                  </p:childTnLst>
-                                </p:cTn>
-                              </p:par>
-                              <p:par>
-                                <p:cTn id="15" presetID="1" presetClass="entr" presetSubtype="0" fill="hold" nodeType="withEffect">
-                                  <p:stCondLst>
-                                    <p:cond delay="0"/>
-                                  </p:stCondLst>
-                                  <p:childTnLst>
-                                    <p:set>
-                                      <p:cBhvr>
-                                        <p:cTn id="16" dur="1" fill="hold">
-                                          <p:stCondLst>
-                                            <p:cond delay="0"/>
-                                          </p:stCondLst>
-                                        </p:cTn>
-                                        <p:tgtEl>
-                                          <p:spTgt spid="7">
-                                            <p:txEl>
-                                              <p:pRg st="0" end="0"/>
-                                            </p:txEl>
-                                          </p:spTgt>
-                                        </p:tgtEl>
-                                        <p:attrNameLst>
-                                          <p:attrName>style.visibility</p:attrName>
-                                        </p:attrNameLst>
-                                      </p:cBhvr>
-                                      <p:to>
-                                        <p:strVal val="visible"/>
-                                      </p:to>
-                                    </p:set>
-                                  </p:childTnLst>
-                                </p:cTn>
-                              </p:par>
-                            </p:childTnLst>
-                          </p:cTn>
-                        </p:par>
-                      </p:childTnLst>
-                    </p:cTn>
-                  </p:par>
-                  <p:par>
-                    <p:cTn id="17" fill="hold">
-                      <p:stCondLst>
-                        <p:cond delay="indefinite"/>
-                      </p:stCondLst>
-                      <p:childTnLst>
-                        <p:par>
-                          <p:cTn id="18" fill="hold">
-                            <p:stCondLst>
-                              <p:cond delay="0"/>
-                            </p:stCondLst>
-                            <p:childTnLst>
-                              <p:par>
-                                <p:cTn id="19" presetID="1" presetClass="entr" presetSubtype="0" fill="hold" nodeType="clickEffect">
-                                  <p:stCondLst>
-                                    <p:cond delay="0"/>
-                                  </p:stCondLst>
-                                  <p:childTnLst>
-                                    <p:set>
-                                      <p:cBhvr>
-                                        <p:cTn id="20" dur="1" fill="hold">
-                                          <p:stCondLst>
-                                            <p:cond delay="0"/>
-                                          </p:stCondLst>
-                                        </p:cTn>
-                                        <p:tgtEl>
-                                          <p:spTgt spid="7">
-                                            <p:txEl>
-                                              <p:pRg st="1" end="1"/>
-                                            </p:txEl>
-                                          </p:spTgt>
-                                        </p:tgtEl>
-                                        <p:attrNameLst>
-                                          <p:attrName>style.visibility</p:attrName>
-                                        </p:attrNameLst>
-                                      </p:cBhvr>
-                                      <p:to>
-                                        <p:strVal val="visible"/>
-                                      </p:to>
-                                    </p:set>
-                                  </p:childTnLst>
-                                </p:cTn>
-                              </p:par>
-                              <p:par>
-                                <p:cTn id="21" presetID="1" presetClass="entr" presetSubtype="0" fill="hold" nodeType="withEffect">
-                                  <p:stCondLst>
-                                    <p:cond delay="0"/>
-                                  </p:stCondLst>
-                                  <p:childTnLst>
-                                    <p:set>
-                                      <p:cBhvr>
-                                        <p:cTn id="22" dur="1" fill="hold">
-                                          <p:stCondLst>
-                                            <p:cond delay="0"/>
-                                          </p:stCondLst>
-                                        </p:cTn>
-                                        <p:tgtEl>
-                                          <p:spTgt spid="7">
-                                            <p:txEl>
-                                              <p:pRg st="2" end="2"/>
-                                            </p:txEl>
-                                          </p:spTgt>
-                                        </p:tgtEl>
-                                        <p:attrNameLst>
-                                          <p:attrName>style.visibility</p:attrName>
-                                        </p:attrNameLst>
-                                      </p:cBhvr>
-                                      <p:to>
-                                        <p:strVal val="visible"/>
-                                      </p:to>
-                                    </p:set>
-                                  </p:childTnLst>
-                                </p:cTn>
-                              </p:par>
-                              <p:par>
-                                <p:cTn id="23" presetID="1" presetClass="entr" presetSubtype="0" fill="hold" nodeType="withEffect">
-                                  <p:stCondLst>
-                                    <p:cond delay="0"/>
-                                  </p:stCondLst>
-                                  <p:childTnLst>
-                                    <p:set>
-                                      <p:cBhvr>
-                                        <p:cTn id="24" dur="1" fill="hold">
-                                          <p:stCondLst>
-                                            <p:cond delay="0"/>
-                                          </p:stCondLst>
-                                        </p:cTn>
-                                        <p:tgtEl>
-                                          <p:spTgt spid="7">
-                                            <p:txEl>
-                                              <p:pRg st="3" end="3"/>
-                                            </p:txEl>
-                                          </p:spTgt>
-                                        </p:tgtEl>
-                                        <p:attrNameLst>
-                                          <p:attrName>style.visibility</p:attrName>
-                                        </p:attrNameLst>
-                                      </p:cBhvr>
-                                      <p:to>
-                                        <p:strVal val="visible"/>
-                                      </p:to>
-                                    </p:set>
-                                  </p:childTnLst>
-                                </p:cTn>
-                              </p:par>
-                            </p:childTnLst>
-                          </p:cTn>
-                        </p:par>
-                      </p:childTnLst>
-                    </p:cTn>
-                  </p:par>
-                  <p:par>
-                    <p:cTn id="25" fill="hold">
-                      <p:stCondLst>
-                        <p:cond delay="indefinite"/>
-                      </p:stCondLst>
-                      <p:childTnLst>
-                        <p:par>
-                          <p:cTn id="26" fill="hold">
-                            <p:stCondLst>
-                              <p:cond delay="0"/>
-                            </p:stCondLst>
-                            <p:childTnLst>
-                              <p:par>
-                                <p:cTn id="27" presetID="1" presetClass="entr" presetSubtype="0" fill="hold" nodeType="clickEffect">
-                                  <p:stCondLst>
-                                    <p:cond delay="0"/>
-                                  </p:stCondLst>
-                                  <p:childTnLst>
-                                    <p:set>
-                                      <p:cBhvr>
-                                        <p:cTn id="28" dur="1" fill="hold">
-                                          <p:stCondLst>
-                                            <p:cond delay="0"/>
-                                          </p:stCondLst>
-                                        </p:cTn>
-                                        <p:tgtEl>
-                                          <p:spTgt spid="7">
-                                            <p:txEl>
-                                              <p:pRg st="4" end="4"/>
-                                            </p:txEl>
-                                          </p:spTgt>
-                                        </p:tgtEl>
-                                        <p:attrNameLst>
-                                          <p:attrName>style.visibility</p:attrName>
-                                        </p:attrNameLst>
-                                      </p:cBhvr>
-                                      <p:to>
-                                        <p:strVal val="visible"/>
-                                      </p:to>
-                                    </p:set>
-                                  </p:childTnLst>
-                                </p:cTn>
-                              </p:par>
-                              <p:par>
-                                <p:cTn id="29" presetID="1" presetClass="entr" presetSubtype="0" fill="hold" nodeType="withEffect">
-                                  <p:stCondLst>
-                                    <p:cond delay="0"/>
-                                  </p:stCondLst>
-                                  <p:childTnLst>
-                                    <p:set>
-                                      <p:cBhvr>
-                                        <p:cTn id="30" dur="1" fill="hold">
-                                          <p:stCondLst>
-                                            <p:cond delay="0"/>
-                                          </p:stCondLst>
-                                        </p:cTn>
-                                        <p:tgtEl>
-                                          <p:spTgt spid="7">
-                                            <p:txEl>
-                                              <p:pRg st="5" end="5"/>
-                                            </p:txEl>
-                                          </p:spTgt>
-                                        </p:tgtEl>
-                                        <p:attrNameLst>
-                                          <p:attrName>style.visibility</p:attrName>
-                                        </p:attrNameLst>
-                                      </p:cBhvr>
-                                      <p:to>
-                                        <p:strVal val="visible"/>
-                                      </p:to>
-                                    </p:set>
-                                  </p:childTnLst>
-                                </p:cTn>
-                              </p:par>
-                            </p:childTnLst>
-                          </p:cTn>
-                        </p:par>
-                      </p:childTnLst>
-                    </p:cTn>
-                  </p:par>
-                  <p:par>
-                    <p:cTn id="31" fill="hold">
-                      <p:stCondLst>
-                        <p:cond delay="indefinite"/>
-                      </p:stCondLst>
-                      <p:childTnLst>
-                        <p:par>
-                          <p:cTn id="32" fill="hold">
-                            <p:stCondLst>
-                              <p:cond delay="0"/>
-                            </p:stCondLst>
-                            <p:childTnLst>
-                              <p:par>
-                                <p:cTn id="33" presetID="1" presetClass="entr" presetSubtype="0" fill="hold" grpId="0" nodeType="clickEffect">
-                                  <p:stCondLst>
-                                    <p:cond delay="0"/>
-                                  </p:stCondLst>
-                                  <p:childTnLst>
-                                    <p:set>
-                                      <p:cBhvr>
-                                        <p:cTn id="34" dur="1" fill="hold">
-                                          <p:stCondLst>
-                                            <p:cond delay="0"/>
-                                          </p:stCondLst>
-                                        </p:cTn>
-                                        <p:tgtEl>
-                                          <p:spTgt spid="8"/>
-                                        </p:tgtEl>
-                                        <p:attrNameLst>
-                                          <p:attrName>style.visibility</p:attrName>
-                                        </p:attrNameLst>
-                                      </p:cBhvr>
-                                      <p:to>
-                                        <p:strVal val="visible"/>
-                                      </p:to>
-                                    </p:set>
-                                  </p:childTnLst>
-                                </p:cTn>
-                              </p:par>
-                            </p:childTnLst>
-                          </p:cTn>
-                        </p:par>
-                      </p:childTnLst>
-                    </p:cTn>
-                  </p:par>
-                </p:childTnLst>
-              </p:cTn>
-              <p:prevCondLst>
-                <p:cond evt="onPrev" delay="0">
-                  <p:tgtEl>
-                    <p:sldTgt/>
-                  </p:tgtEl>
-                </p:cond>
-              </p:prevCondLst>
-              <p:nextCondLst>
-                <p:cond evt="onNext" delay="0">
-                  <p:tgtEl>
-                    <p:sldTgt/>
-                  </p:tgtEl>
-                </p:cond>
-              </p:nextCondLst>
-            </p:seq>
-          </p:childTnLst>
-        </p:cTn>
-      </p:par>
-    </p:tnLst>
-    <p:bldLst>
-      <p:bldP spid="7" grpId="0" animBg="1"/>
-      <p:bldP spid="8" grpId="0" animBg="1"/>
     </p:bldLst>
   </p:timing>
 </p:sld>
@@ -37165,7 +36735,13 @@
       </p:grpSpPr>
       <p:sp>
         <p:nvSpPr>
-          <p:cNvPr id="3" name="Content Placeholder 2"/>
+          <p:cNvPr id="3" name="Текстов контейнер 2">
+            <a:extLst>
+              <a:ext uri="{FF2B5EF4-FFF2-40B4-BE49-F238E27FC236}">
+                <a16:creationId xmlns:a16="http://schemas.microsoft.com/office/drawing/2014/main" id="{6FB18143-D49F-453D-A369-E34EE969B71A}"/>
+              </a:ext>
+            </a:extLst>
+          </p:cNvPr>
           <p:cNvSpPr>
             <a:spLocks noGrp="1"/>
           </p:cNvSpPr>
@@ -37180,47 +36756,38 @@
           </a:bodyPr>
           <a:lstStyle/>
           <a:p>
-            <a:pPr marL="360045" indent="-360045"/>
-            <a:r>
-              <a:rPr lang="en-US" sz="3600" dirty="0">
-                <a:cs typeface="Calibri"/>
-              </a:rPr>
-              <a:t>Прочетете </a:t>
-            </a:r>
-            <a:r>
-              <a:rPr lang="en-US" sz="3600" b="1" dirty="0">
+            <a:pPr marL="457200" indent="-457200">
+              <a:lnSpc>
+                <a:spcPct val="100000"/>
+              </a:lnSpc>
+            </a:pPr>
+            <a:r>
+              <a:rPr lang="bg-BG" sz="3600" dirty="0"/>
+              <a:t>Можем да използваме</a:t>
+            </a:r>
+            <a:r>
+              <a:rPr lang="en-GB" sz="3600" dirty="0"/>
+              <a:t> </a:t>
+            </a:r>
+            <a:r>
+              <a:rPr lang="en-GB" sz="3600" b="1" dirty="0">
                 <a:solidFill>
                   <a:schemeClr val="bg1"/>
                 </a:solidFill>
-                <a:cs typeface="Calibri"/>
-              </a:rPr>
-              <a:t>масив </a:t>
-            </a:r>
-            <a:r>
-              <a:rPr lang="en-US" sz="3600" dirty="0">
-                <a:cs typeface="Calibri"/>
-              </a:rPr>
-              <a:t>от реални числа и отпечатайте </a:t>
-            </a:r>
-            <a:r>
-              <a:rPr lang="en-US" sz="3600" b="1" dirty="0">
+                <a:latin typeface="Consolas" panose="020B0609020204030204" pitchFamily="49" charset="0"/>
+                <a:cs typeface="Consolas" panose="020B0609020204030204" pitchFamily="49" charset="0"/>
+              </a:rPr>
+              <a:t>foreach</a:t>
+            </a:r>
+            <a:r>
+              <a:rPr lang="en-GB" sz="3600" b="1" dirty="0">
                 <a:solidFill>
                   <a:schemeClr val="bg1"/>
                 </a:solidFill>
-                <a:cs typeface="Calibri"/>
-              </a:rPr>
-              <a:t>колко пъти се </a:t>
-            </a:r>
-            <a:r>
-              <a:rPr lang="bg-BG" sz="3600" b="1" dirty="0">
-                <a:solidFill>
-                  <a:schemeClr val="bg1"/>
-                </a:solidFill>
-                <a:cs typeface="Calibri"/>
-              </a:rPr>
-              <a:t>среща всяко от тях</a:t>
-            </a:r>
-            <a:endParaRPr lang="en-US" sz="3600" b="1" dirty="0">
+              </a:rPr>
+              <a:t>-цикъл</a:t>
+            </a:r>
+            <a:endParaRPr lang="en-GB" sz="3600" b="1" dirty="0">
               <a:solidFill>
                 <a:schemeClr val="bg1"/>
               </a:solidFill>
@@ -37228,11 +36795,118 @@
             </a:endParaRPr>
           </a:p>
           <a:p>
+            <a:pPr marL="457200" indent="-457200">
+              <a:lnSpc>
+                <a:spcPct val="100000"/>
+              </a:lnSpc>
+            </a:pPr>
+            <a:r>
+              <a:rPr lang="en-GB" sz="3600" dirty="0">
+                <a:solidFill>
+                  <a:srgbClr val="234465"/>
+                </a:solidFill>
+              </a:rPr>
+              <a:t>Минаваме през обекти от тип </a:t>
+            </a:r>
+            <a:r>
+              <a:rPr lang="en-GB" sz="3600" b="1" dirty="0">
+                <a:solidFill>
+                  <a:schemeClr val="bg1"/>
+                </a:solidFill>
+                <a:latin typeface="Consolas" panose="020B0609020204030204" pitchFamily="49" charset="0"/>
+                <a:cs typeface="Consolas" panose="020B0609020204030204" pitchFamily="49" charset="0"/>
+              </a:rPr>
+              <a:t>KeyValuePair</a:t>
+            </a:r>
+            <a:r>
+              <a:rPr lang="en-GB" sz="3600" dirty="0">
+                <a:latin typeface="Consolas" panose="020B0609020204030204" pitchFamily="49" charset="0"/>
+                <a:cs typeface="Consolas" panose="020B0609020204030204" pitchFamily="49" charset="0"/>
+              </a:rPr>
+              <a:t>&lt;</a:t>
+            </a:r>
+            <a:r>
+              <a:rPr lang="en-GB" sz="3600" b="1" dirty="0">
+                <a:solidFill>
+                  <a:schemeClr val="bg1"/>
+                </a:solidFill>
+                <a:latin typeface="Consolas" panose="020B0609020204030204" pitchFamily="49" charset="0"/>
+                <a:cs typeface="Consolas" panose="020B0609020204030204" pitchFamily="49" charset="0"/>
+              </a:rPr>
+              <a:t>K</a:t>
+            </a:r>
+            <a:r>
+              <a:rPr lang="en-GB" sz="3600" dirty="0">
+                <a:latin typeface="Consolas" panose="020B0609020204030204" pitchFamily="49" charset="0"/>
+                <a:cs typeface="Consolas" panose="020B0609020204030204" pitchFamily="49" charset="0"/>
+              </a:rPr>
+              <a:t>,</a:t>
+            </a:r>
+            <a:r>
+              <a:rPr lang="en-GB" sz="3600" b="1" dirty="0">
+                <a:solidFill>
+                  <a:schemeClr val="bg1"/>
+                </a:solidFill>
+                <a:latin typeface="Consolas" panose="020B0609020204030204" pitchFamily="49" charset="0"/>
+                <a:cs typeface="Consolas" panose="020B0609020204030204" pitchFamily="49" charset="0"/>
+              </a:rPr>
+              <a:t> V</a:t>
+            </a:r>
+            <a:r>
+              <a:rPr lang="en-GB" sz="3600" dirty="0">
+                <a:latin typeface="Consolas" panose="020B0609020204030204" pitchFamily="49" charset="0"/>
+                <a:cs typeface="Consolas" panose="020B0609020204030204" pitchFamily="49" charset="0"/>
+              </a:rPr>
+              <a:t>&gt;</a:t>
+            </a:r>
+          </a:p>
+          <a:p>
+            <a:pPr marL="457200" indent="-457200">
+              <a:lnSpc>
+                <a:spcPct val="100000"/>
+              </a:lnSpc>
+            </a:pPr>
+            <a:r>
+              <a:rPr lang="en-GB" sz="3600" dirty="0"/>
+              <a:t>Речникът </a:t>
+            </a:r>
+            <a:r>
+              <a:rPr lang="en-GB" sz="3600" b="1" dirty="0">
+                <a:solidFill>
+                  <a:schemeClr val="bg1"/>
+                </a:solidFill>
+              </a:rPr>
+              <a:t>не може </a:t>
+            </a:r>
+            <a:r>
+              <a:rPr lang="en-GB" sz="3600" dirty="0"/>
+              <a:t>да се </a:t>
+            </a:r>
+            <a:r>
+              <a:rPr lang="bg-BG" sz="3600" dirty="0"/>
+              <a:t>модифицира</a:t>
+            </a:r>
+            <a:r>
+              <a:rPr lang="en-GB" sz="3600" dirty="0"/>
+              <a:t> (</a:t>
+            </a:r>
+            <a:r>
+              <a:rPr lang="en-GB" sz="3600" b="1" dirty="0">
+                <a:solidFill>
+                  <a:schemeClr val="bg1"/>
+                </a:solidFill>
+              </a:rPr>
+              <a:t>read-only</a:t>
+            </a:r>
+            <a:r>
+              <a:rPr lang="en-GB" sz="3600" dirty="0"/>
+              <a:t>)</a:t>
+            </a:r>
+            <a:endParaRPr lang="en-US" sz="3600" dirty="0"/>
+          </a:p>
+          <a:p>
             <a:pPr marL="360045" indent="-360045"/>
-            <a:endParaRPr lang="bg-BG" sz="3350" dirty="0">
-              <a:solidFill>
-                <a:schemeClr val="bg1"/>
-              </a:solidFill>
+            <a:endParaRPr lang="bg-BG" dirty="0">
               <a:cs typeface="Calibri"/>
             </a:endParaRPr>
           </a:p>
@@ -37240,7 +36914,13 @@
       </p:sp>
       <p:sp>
         <p:nvSpPr>
-          <p:cNvPr id="4" name="Title 3"/>
+          <p:cNvPr id="4" name="Заглавие 3">
+            <a:extLst>
+              <a:ext uri="{FF2B5EF4-FFF2-40B4-BE49-F238E27FC236}">
+                <a16:creationId xmlns:a16="http://schemas.microsoft.com/office/drawing/2014/main" id="{3BE217DD-0896-4195-B2A0-23DD13FFE1BB}"/>
+              </a:ext>
+            </a:extLst>
+          </p:cNvPr>
           <p:cNvSpPr>
             <a:spLocks noGrp="1"/>
           </p:cNvSpPr>
@@ -37248,31 +36928,340 @@
             <p:ph type="title"/>
           </p:nvPr>
         </p:nvSpPr>
-        <p:spPr>
-          <a:xfrm>
-            <a:off x="201000" y="100750"/>
-            <a:ext cx="9955594" cy="882654"/>
-          </a:xfrm>
-        </p:spPr>
+        <p:spPr/>
         <p:txBody>
-          <a:bodyPr>
-            <a:noAutofit/>
-          </a:bodyPr>
+          <a:bodyPr/>
           <a:lstStyle/>
           <a:p>
             <a:r>
-              <a:rPr lang="en-US" sz="4000" dirty="0"/>
-              <a:t>Задача: Брой еднакви стойности в масив</a:t>
-            </a:r>
-            <a:endParaRPr lang="en-US" sz="4000" dirty="0">
-              <a:cs typeface="Calibri"/>
-            </a:endParaRPr>
+              <a:rPr lang="en-US" sz="3950" dirty="0"/>
+              <a:t>Обхождане на речник</a:t>
+            </a:r>
+            <a:endParaRPr lang="bg-BG" dirty="0"/>
           </a:p>
         </p:txBody>
       </p:sp>
       <p:sp>
         <p:nvSpPr>
-          <p:cNvPr id="5" name="Rectangle 4"/>
+          <p:cNvPr id="7" name="Text Placeholder 2">
+            <a:extLst>
+              <a:ext uri="{FF2B5EF4-FFF2-40B4-BE49-F238E27FC236}">
+                <a16:creationId xmlns:a16="http://schemas.microsoft.com/office/drawing/2014/main" id="{76DC9D7D-0016-4AD9-952B-FCA195245757}"/>
+              </a:ext>
+            </a:extLst>
+          </p:cNvPr>
+          <p:cNvSpPr txBox="1">
+            <a:spLocks/>
+          </p:cNvSpPr>
+          <p:nvPr/>
+        </p:nvSpPr>
+        <p:spPr>
+          <a:xfrm>
+            <a:off x="751287" y="3429001"/>
+            <a:ext cx="9439713" cy="2525279"/>
+          </a:xfrm>
+          <a:prstGeom prst="rect">
+            <a:avLst/>
+          </a:prstGeom>
+          <a:solidFill>
+            <a:srgbClr val="F4F5F7">
+              <a:lumMod val="75000"/>
+              <a:alpha val="15000"/>
+            </a:srgbClr>
+          </a:solidFill>
+          <a:ln w="12700">
+            <a:solidFill>
+              <a:srgbClr val="234465">
+                <a:lumMod val="50000"/>
+              </a:srgbClr>
+            </a:solidFill>
+          </a:ln>
+        </p:spPr>
+        <p:txBody>
+          <a:bodyPr vert="horz" wrap="square" lIns="144000" tIns="108000" rIns="144000" bIns="108000" rtlCol="0">
+            <a:spAutoFit/>
+          </a:bodyPr>
+          <a:lstStyle>
+            <a:lvl1pPr marL="0" indent="0" algn="l" defTabSz="1218438" rtl="0" eaLnBrk="1" latinLnBrk="0" hangingPunct="1">
+              <a:lnSpc>
+                <a:spcPct val="105000"/>
+              </a:lnSpc>
+              <a:spcBef>
+                <a:spcPts val="0"/>
+              </a:spcBef>
+              <a:spcAft>
+                <a:spcPts val="0"/>
+              </a:spcAft>
+              <a:buFont typeface="Wingdings" panose="05000000000000000000" pitchFamily="2" charset="2"/>
+              <a:buNone/>
+              <a:defRPr lang="en-US" sz="2398" b="1" kern="1200" noProof="1" smtClean="0">
+                <a:solidFill>
+                  <a:schemeClr val="tx1"/>
+                </a:solidFill>
+                <a:effectLst/>
+                <a:latin typeface="Consolas" pitchFamily="49" charset="0"/>
+                <a:ea typeface="+mn-ea"/>
+                <a:cs typeface="Consolas" pitchFamily="49" charset="0"/>
+              </a:defRPr>
+            </a:lvl1pPr>
+            <a:lvl2pPr marL="803275" indent="-360363" algn="l" defTabSz="1218438" rtl="0" eaLnBrk="1" latinLnBrk="0" hangingPunct="1">
+              <a:lnSpc>
+                <a:spcPct val="105000"/>
+              </a:lnSpc>
+              <a:spcBef>
+                <a:spcPts val="600"/>
+              </a:spcBef>
+              <a:spcAft>
+                <a:spcPts val="600"/>
+              </a:spcAft>
+              <a:buFont typeface="Wingdings" panose="05000000000000000000" pitchFamily="2" charset="2"/>
+              <a:buChar char="§"/>
+              <a:defRPr sz="3198" kern="1200">
+                <a:solidFill>
+                  <a:schemeClr val="tx1"/>
+                </a:solidFill>
+                <a:latin typeface="+mn-lt"/>
+                <a:ea typeface="+mn-ea"/>
+                <a:cs typeface="+mn-cs"/>
+              </a:defRPr>
+            </a:lvl2pPr>
+            <a:lvl3pPr marL="1255713" indent="-360363" algn="l" defTabSz="1218438" rtl="0" eaLnBrk="1" latinLnBrk="0" hangingPunct="1">
+              <a:lnSpc>
+                <a:spcPct val="105000"/>
+              </a:lnSpc>
+              <a:spcBef>
+                <a:spcPts val="600"/>
+              </a:spcBef>
+              <a:spcAft>
+                <a:spcPts val="600"/>
+              </a:spcAft>
+              <a:buFont typeface="Wingdings" panose="05000000000000000000" pitchFamily="2" charset="2"/>
+              <a:buChar char="§"/>
+              <a:defRPr sz="2998" kern="1200">
+                <a:solidFill>
+                  <a:schemeClr val="tx1"/>
+                </a:solidFill>
+                <a:latin typeface="+mn-lt"/>
+                <a:ea typeface="+mn-ea"/>
+                <a:cs typeface="+mn-cs"/>
+              </a:defRPr>
+            </a:lvl3pPr>
+            <a:lvl4pPr marL="1700213" indent="-352425" algn="l" defTabSz="1218438" rtl="0" eaLnBrk="1" latinLnBrk="0" hangingPunct="1">
+              <a:lnSpc>
+                <a:spcPct val="105000"/>
+              </a:lnSpc>
+              <a:spcBef>
+                <a:spcPts val="600"/>
+              </a:spcBef>
+              <a:spcAft>
+                <a:spcPts val="600"/>
+              </a:spcAft>
+              <a:buFont typeface="Wingdings" panose="05000000000000000000" pitchFamily="2" charset="2"/>
+              <a:buChar char="§"/>
+              <a:defRPr sz="2798" kern="1200">
+                <a:solidFill>
+                  <a:schemeClr val="tx1"/>
+                </a:solidFill>
+                <a:latin typeface="+mn-lt"/>
+                <a:ea typeface="+mn-ea"/>
+                <a:cs typeface="+mn-cs"/>
+              </a:defRPr>
+            </a:lvl4pPr>
+            <a:lvl5pPr marL="2058988" indent="-266700" algn="l" defTabSz="1218438" rtl="0" eaLnBrk="1" latinLnBrk="0" hangingPunct="1">
+              <a:lnSpc>
+                <a:spcPct val="105000"/>
+              </a:lnSpc>
+              <a:spcBef>
+                <a:spcPts val="600"/>
+              </a:spcBef>
+              <a:spcAft>
+                <a:spcPts val="600"/>
+              </a:spcAft>
+              <a:buFont typeface="Wingdings" panose="05000000000000000000" pitchFamily="2" charset="2"/>
+              <a:buChar char="§"/>
+              <a:defRPr sz="2598" kern="1200">
+                <a:solidFill>
+                  <a:schemeClr val="tx1"/>
+                </a:solidFill>
+                <a:latin typeface="+mn-lt"/>
+                <a:ea typeface="+mn-ea"/>
+                <a:cs typeface="+mn-cs"/>
+              </a:defRPr>
+            </a:lvl5pPr>
+            <a:lvl6pPr marL="3350704" indent="-304610" algn="l" defTabSz="1218438" rtl="0" eaLnBrk="1" latinLnBrk="1" hangingPunct="1">
+              <a:spcBef>
+                <a:spcPct val="20000"/>
+              </a:spcBef>
+              <a:buFont typeface="Arial" pitchFamily="34" charset="0"/>
+              <a:buChar char="•"/>
+              <a:defRPr sz="2665" kern="1200">
+                <a:solidFill>
+                  <a:schemeClr val="tx1"/>
+                </a:solidFill>
+                <a:latin typeface="+mn-lt"/>
+                <a:ea typeface="+mn-ea"/>
+                <a:cs typeface="+mn-cs"/>
+              </a:defRPr>
+            </a:lvl6pPr>
+            <a:lvl7pPr marL="3959924" indent="-304610" algn="l" defTabSz="1218438" rtl="0" eaLnBrk="1" latinLnBrk="1" hangingPunct="1">
+              <a:spcBef>
+                <a:spcPct val="20000"/>
+              </a:spcBef>
+              <a:buFont typeface="Arial" pitchFamily="34" charset="0"/>
+              <a:buChar char="•"/>
+              <a:defRPr sz="2665" kern="1200">
+                <a:solidFill>
+                  <a:schemeClr val="tx1"/>
+                </a:solidFill>
+                <a:latin typeface="+mn-lt"/>
+                <a:ea typeface="+mn-ea"/>
+                <a:cs typeface="+mn-cs"/>
+              </a:defRPr>
+            </a:lvl7pPr>
+            <a:lvl8pPr marL="4569143" indent="-304610" algn="l" defTabSz="1218438" rtl="0" eaLnBrk="1" latinLnBrk="1" hangingPunct="1">
+              <a:spcBef>
+                <a:spcPct val="20000"/>
+              </a:spcBef>
+              <a:buFont typeface="Arial" pitchFamily="34" charset="0"/>
+              <a:buChar char="•"/>
+              <a:defRPr sz="2665" kern="1200">
+                <a:solidFill>
+                  <a:schemeClr val="tx1"/>
+                </a:solidFill>
+                <a:latin typeface="+mn-lt"/>
+                <a:ea typeface="+mn-ea"/>
+                <a:cs typeface="+mn-cs"/>
+              </a:defRPr>
+            </a:lvl8pPr>
+            <a:lvl9pPr marL="5178362" indent="-304610" algn="l" defTabSz="1218438" rtl="0" eaLnBrk="1" latinLnBrk="1" hangingPunct="1">
+              <a:spcBef>
+                <a:spcPct val="20000"/>
+              </a:spcBef>
+              <a:buFont typeface="Arial" pitchFamily="34" charset="0"/>
+              <a:buChar char="•"/>
+              <a:defRPr sz="2665" kern="1200">
+                <a:solidFill>
+                  <a:schemeClr val="tx1"/>
+                </a:solidFill>
+                <a:latin typeface="+mn-lt"/>
+                <a:ea typeface="+mn-ea"/>
+                <a:cs typeface="+mn-cs"/>
+              </a:defRPr>
+            </a:lvl9pPr>
+          </a:lstStyle>
+          <a:p>
+            <a:pPr>
+              <a:defRPr/>
+            </a:pPr>
+            <a:r>
+              <a:rPr lang="en-GB" dirty="0"/>
+              <a:t>var fruits = new Dictionary&lt;string, double&gt;();</a:t>
+            </a:r>
+          </a:p>
+          <a:p>
+            <a:pPr>
+              <a:defRPr/>
+            </a:pPr>
+            <a:r>
+              <a:rPr lang="en-GB" dirty="0"/>
+              <a:t>fruits.Add("banana", 2.20);</a:t>
+            </a:r>
+          </a:p>
+          <a:p>
+            <a:pPr>
+              <a:defRPr/>
+            </a:pPr>
+            <a:r>
+              <a:rPr lang="en-GB" dirty="0"/>
+              <a:t>fruits.Add("kiwi", 4.50);</a:t>
+            </a:r>
+          </a:p>
+          <a:p>
+            <a:pPr>
+              <a:defRPr/>
+            </a:pPr>
+            <a:r>
+              <a:rPr lang="en-GB" dirty="0"/>
+              <a:t>fruits.Add("orange", 3.20);</a:t>
+            </a:r>
+          </a:p>
+          <a:p>
+            <a:pPr>
+              <a:defRPr/>
+            </a:pPr>
+            <a:r>
+              <a:rPr lang="en-GB" dirty="0"/>
+              <a:t>foreach (</a:t>
+            </a:r>
+            <a:r>
+              <a:rPr lang="en-GB" dirty="0" err="1">
+                <a:solidFill>
+                  <a:schemeClr val="bg1"/>
+                </a:solidFill>
+              </a:rPr>
+              <a:t>KeyValuePair</a:t>
+            </a:r>
+            <a:r>
+              <a:rPr lang="en-GB" dirty="0"/>
+              <a:t>&lt;string, double&gt; fruit </a:t>
+            </a:r>
+            <a:r>
+              <a:rPr lang="en-GB" dirty="0">
+                <a:solidFill>
+                  <a:schemeClr val="bg1"/>
+                </a:solidFill>
+              </a:rPr>
+              <a:t>in</a:t>
+            </a:r>
+            <a:r>
+              <a:rPr lang="en-GB" dirty="0"/>
+              <a:t> fruits)</a:t>
+            </a:r>
+          </a:p>
+          <a:p>
+            <a:pPr>
+              <a:defRPr/>
+            </a:pPr>
+            <a:r>
+              <a:rPr lang="en-GB" dirty="0"/>
+              <a:t>  Console.WriteLine($"{fruit.</a:t>
+            </a:r>
+            <a:r>
+              <a:rPr lang="en-GB" dirty="0">
+                <a:solidFill>
+                  <a:schemeClr val="bg1"/>
+                </a:solidFill>
+              </a:rPr>
+              <a:t>Key</a:t>
+            </a:r>
+            <a:r>
+              <a:rPr lang="en-GB" dirty="0"/>
+              <a:t>} -&gt; {fruit.</a:t>
+            </a:r>
+            <a:r>
+              <a:rPr lang="en-GB" dirty="0">
+                <a:solidFill>
+                  <a:schemeClr val="bg1"/>
+                </a:solidFill>
+              </a:rPr>
+              <a:t>Value</a:t>
+            </a:r>
+            <a:r>
+              <a:rPr lang="en-GB" dirty="0"/>
+              <a:t>}");</a:t>
+            </a:r>
+          </a:p>
+        </p:txBody>
+      </p:sp>
+      <p:sp>
+        <p:nvSpPr>
+          <p:cNvPr id="8" name="AutoShape 24">
+            <a:extLst>
+              <a:ext uri="{FF2B5EF4-FFF2-40B4-BE49-F238E27FC236}">
+                <a16:creationId xmlns:a16="http://schemas.microsoft.com/office/drawing/2014/main" id="{24A73CC1-9D9C-4763-9DD6-69A54C361199}"/>
+              </a:ext>
+            </a:extLst>
+          </p:cNvPr>
           <p:cNvSpPr>
             <a:spLocks noChangeArrowheads="1"/>
           </p:cNvSpPr>
@@ -37280,348 +37269,151 @@
         </p:nvSpPr>
         <p:spPr bwMode="auto">
           <a:xfrm>
-            <a:off x="1877405" y="3072833"/>
-            <a:ext cx="3476091" cy="648659"/>
+            <a:off x="6970722" y="3960508"/>
+            <a:ext cx="4980565" cy="1153170"/>
           </a:xfrm>
-          <a:prstGeom prst="rect">
-            <a:avLst/>
+          <a:prstGeom prst="wedgeRoundRectCallout">
+            <a:avLst>
+              <a:gd name="adj1" fmla="val -34014"/>
+              <a:gd name="adj2" fmla="val -5999"/>
+              <a:gd name="adj3" fmla="val 16667"/>
+            </a:avLst>
           </a:prstGeom>
           <a:solidFill>
-            <a:schemeClr val="accent6">
-              <a:lumMod val="75000"/>
-              <a:alpha val="15000"/>
+            <a:schemeClr val="dk2">
+              <a:alpha val="80000"/>
             </a:schemeClr>
           </a:solidFill>
-          <a:ln w="12700">
+          <a:ln w="19050">
             <a:solidFill>
               <a:schemeClr val="tx1">
-                <a:lumMod val="50000"/>
+                <a:lumMod val="75000"/>
+                <a:alpha val="80000"/>
               </a:schemeClr>
             </a:solidFill>
           </a:ln>
-        </p:spPr>
-        <p:txBody>
-          <a:bodyPr vert="horz" wrap="square" lIns="143926" tIns="107944" rIns="143926" bIns="107944" rtlCol="0">
-            <a:spAutoFit/>
-          </a:bodyPr>
-          <a:lstStyle/>
-          <a:p>
-            <a:pPr algn="ctr" defTabSz="1217707" latinLnBrk="1">
-              <a:spcBef>
-                <a:spcPts val="600"/>
-              </a:spcBef>
-              <a:spcAft>
-                <a:spcPts val="600"/>
-              </a:spcAft>
-            </a:pPr>
-            <a:r>
-              <a:rPr lang="en-US" sz="2798" b="1" noProof="1">
-                <a:latin typeface="Consolas" pitchFamily="49" charset="0"/>
-              </a:rPr>
-              <a:t>8 2.5 2.5 8 2.5</a:t>
-            </a:r>
-            <a:endParaRPr lang="it-IT" sz="2798" b="1" noProof="1">
-              <a:latin typeface="Consolas" pitchFamily="49" charset="0"/>
-            </a:endParaRPr>
-          </a:p>
-        </p:txBody>
-      </p:sp>
-      <p:sp>
-        <p:nvSpPr>
-          <p:cNvPr id="6" name="Rectangle 5"/>
-          <p:cNvSpPr>
-            <a:spLocks noChangeArrowheads="1"/>
-          </p:cNvSpPr>
-          <p:nvPr/>
-        </p:nvSpPr>
-        <p:spPr bwMode="auto">
-          <a:xfrm>
-            <a:off x="6317899" y="2779401"/>
-            <a:ext cx="3076040" cy="1233138"/>
-          </a:xfrm>
-          <a:prstGeom prst="rect">
-            <a:avLst/>
-          </a:prstGeom>
-          <a:solidFill>
-            <a:schemeClr val="accent6">
-              <a:lumMod val="75000"/>
-              <a:alpha val="15000"/>
-            </a:schemeClr>
-          </a:solidFill>
-          <a:ln w="12700">
-            <a:solidFill>
-              <a:schemeClr val="tx1">
-                <a:lumMod val="50000"/>
-              </a:schemeClr>
-            </a:solidFill>
-          </a:ln>
-        </p:spPr>
-        <p:txBody>
-          <a:bodyPr vert="horz" wrap="square" lIns="143926" tIns="107944" rIns="143926" bIns="107944" rtlCol="0">
-            <a:spAutoFit/>
-          </a:bodyPr>
-          <a:lstStyle/>
-          <a:p>
-            <a:pPr algn="ctr" defTabSz="1217707" latinLnBrk="1">
-              <a:spcBef>
-                <a:spcPts val="600"/>
-              </a:spcBef>
-              <a:spcAft>
-                <a:spcPts val="600"/>
-              </a:spcAft>
-            </a:pPr>
-            <a:r>
-              <a:rPr lang="en-US" sz="2798" b="1" noProof="1">
-                <a:latin typeface="Consolas" pitchFamily="49" charset="0"/>
-              </a:rPr>
-              <a:t>8 - 2 times</a:t>
-            </a:r>
-          </a:p>
-          <a:p>
-            <a:pPr algn="ctr" defTabSz="1217707" latinLnBrk="1">
-              <a:spcBef>
-                <a:spcPts val="600"/>
-              </a:spcBef>
-              <a:spcAft>
-                <a:spcPts val="600"/>
-              </a:spcAft>
-            </a:pPr>
-            <a:r>
-              <a:rPr lang="en-US" sz="2798" b="1" noProof="1">
-                <a:latin typeface="Consolas" pitchFamily="49" charset="0"/>
-              </a:rPr>
-              <a:t>2.5 - 3 times</a:t>
-            </a:r>
-          </a:p>
-        </p:txBody>
-      </p:sp>
-      <p:sp>
-        <p:nvSpPr>
-          <p:cNvPr id="7" name="Down Arrow 6"/>
-          <p:cNvSpPr/>
-          <p:nvPr/>
-        </p:nvSpPr>
-        <p:spPr>
-          <a:xfrm rot="16200000">
-            <a:off x="5620862" y="3095789"/>
-            <a:ext cx="429668" cy="602748"/>
-          </a:xfrm>
-          <a:prstGeom prst="downArrow">
-            <a:avLst/>
-          </a:prstGeom>
+          <a:effectLst/>
         </p:spPr>
         <p:style>
           <a:lnRef idx="2">
-            <a:schemeClr val="dk1">
+            <a:schemeClr val="accent1">
               <a:shade val="50000"/>
             </a:schemeClr>
           </a:lnRef>
-          <a:fillRef idx="1">
-            <a:schemeClr val="dk1"/>
+          <a:fillRef idx="1001">
+            <a:schemeClr val="dk2"/>
           </a:fillRef>
           <a:effectRef idx="0">
-            <a:schemeClr val="dk1"/>
+            <a:schemeClr val="accent1"/>
           </a:effectRef>
           <a:fontRef idx="minor">
             <a:schemeClr val="lt1"/>
           </a:fontRef>
         </p:style>
         <p:txBody>
-          <a:bodyPr rtlCol="0" anchor="ctr"/>
-          <a:lstStyle/>
-          <a:p>
-            <a:pPr algn="ctr"/>
-            <a:endParaRPr lang="en-US" sz="3598" dirty="0"/>
-          </a:p>
-        </p:txBody>
-      </p:sp>
-      <p:sp>
-        <p:nvSpPr>
-          <p:cNvPr id="8" name="Rectangle 7"/>
-          <p:cNvSpPr>
-            <a:spLocks noChangeArrowheads="1"/>
-          </p:cNvSpPr>
-          <p:nvPr/>
-        </p:nvSpPr>
-        <p:spPr bwMode="auto">
-          <a:xfrm>
-            <a:off x="2697662" y="4883374"/>
-            <a:ext cx="2655835" cy="648659"/>
-          </a:xfrm>
-          <a:prstGeom prst="rect">
-            <a:avLst/>
-          </a:prstGeom>
-          <a:solidFill>
-            <a:schemeClr val="accent6">
-              <a:lumMod val="75000"/>
-              <a:alpha val="15000"/>
-            </a:schemeClr>
-          </a:solidFill>
-          <a:ln w="12700">
-            <a:solidFill>
-              <a:schemeClr val="tx1">
-                <a:lumMod val="50000"/>
-              </a:schemeClr>
-            </a:solidFill>
-          </a:ln>
-        </p:spPr>
-        <p:txBody>
-          <a:bodyPr vert="horz" wrap="square" lIns="143926" tIns="107944" rIns="143926" bIns="107944" rtlCol="0">
-            <a:spAutoFit/>
+          <a:bodyPr rot="0" spcFirstLastPara="0" vertOverflow="overflow" horzOverflow="overflow" vert="horz" wrap="square" lIns="91416" tIns="45708" rIns="91416" bIns="45708" numCol="1" spcCol="0" rtlCol="0" fromWordArt="0" anchor="ctr" anchorCtr="0" forceAA="0" compatLnSpc="1">
+            <a:prstTxWarp prst="textNoShape">
+              <a:avLst/>
+            </a:prstTxWarp>
+            <a:noAutofit/>
           </a:bodyPr>
           <a:lstStyle/>
           <a:p>
-            <a:pPr algn="ctr" defTabSz="1217707" latinLnBrk="1">
-              <a:spcBef>
-                <a:spcPts val="600"/>
-              </a:spcBef>
-              <a:spcAft>
-                <a:spcPts val="600"/>
-              </a:spcAft>
-            </a:pPr>
-            <a:r>
-              <a:rPr lang="en-US" sz="2798" b="1" noProof="1">
-                <a:latin typeface="Consolas" pitchFamily="49" charset="0"/>
-              </a:rPr>
-              <a:t>1.5 5 1.5 3</a:t>
-            </a:r>
-            <a:endParaRPr lang="it-IT" sz="2798" b="1" noProof="1">
-              <a:latin typeface="Consolas" pitchFamily="49" charset="0"/>
+            <a:pPr algn="ctr"/>
+            <a:r>
+              <a:rPr lang="en-US" sz="2750" b="1" noProof="1">
+                <a:solidFill>
+                  <a:srgbClr val="FFFFFF"/>
+                </a:solidFill>
+              </a:rPr>
+              <a:t>fruit.</a:t>
+            </a:r>
+            <a:r>
+              <a:rPr lang="en-US" sz="2750" b="1" noProof="1">
+                <a:solidFill>
+                  <a:schemeClr val="bg1">
+                    <a:lumMod val="60000"/>
+                    <a:lumOff val="40000"/>
+                  </a:schemeClr>
+                </a:solidFill>
+              </a:rPr>
+              <a:t>Key</a:t>
+            </a:r>
+            <a:r>
+              <a:rPr lang="en-US" sz="2750" b="1" noProof="1">
+                <a:solidFill>
+                  <a:srgbClr val="FFFFFF"/>
+                </a:solidFill>
+              </a:rPr>
+              <a:t> -&gt;</a:t>
+            </a:r>
+            <a:r>
+              <a:rPr lang="bg-BG" sz="2750" b="1" noProof="1">
+                <a:solidFill>
+                  <a:srgbClr val="FFFFFF"/>
+                </a:solidFill>
+              </a:rPr>
+              <a:t> </a:t>
+            </a:r>
+            <a:r>
+              <a:rPr lang="en-US" sz="2750" b="1" noProof="1">
+                <a:solidFill>
+                  <a:srgbClr val="FFFFFF"/>
+                </a:solidFill>
+              </a:rPr>
+              <a:t>името на </a:t>
+            </a:r>
+            <a:r>
+              <a:rPr lang="en-US" sz="2750" b="1" noProof="1">
+                <a:solidFill>
+                  <a:srgbClr val="FFFFFF"/>
+                </a:solidFill>
+                <a:ea typeface="+mn-lt"/>
+                <a:cs typeface="+mn-lt"/>
+              </a:rPr>
+              <a:t>плода</a:t>
+            </a:r>
+            <a:endParaRPr lang="en-US" sz="2799" b="1" noProof="1">
+              <a:solidFill>
+                <a:srgbClr val="FFFFFF"/>
+              </a:solidFill>
             </a:endParaRPr>
           </a:p>
-        </p:txBody>
-      </p:sp>
-      <p:sp>
-        <p:nvSpPr>
-          <p:cNvPr id="9" name="Rectangle 8"/>
-          <p:cNvSpPr>
-            <a:spLocks noChangeArrowheads="1"/>
-          </p:cNvSpPr>
-          <p:nvPr/>
-        </p:nvSpPr>
-        <p:spPr bwMode="auto">
-          <a:xfrm>
-            <a:off x="6317899" y="4401367"/>
-            <a:ext cx="3076040" cy="1817633"/>
-          </a:xfrm>
-          <a:prstGeom prst="rect">
-            <a:avLst/>
-          </a:prstGeom>
-          <a:solidFill>
-            <a:schemeClr val="accent6">
-              <a:lumMod val="75000"/>
-              <a:alpha val="15000"/>
-            </a:schemeClr>
-          </a:solidFill>
-          <a:ln w="12700">
-            <a:solidFill>
-              <a:schemeClr val="tx1">
-                <a:lumMod val="50000"/>
-              </a:schemeClr>
-            </a:solidFill>
-          </a:ln>
-        </p:spPr>
-        <p:txBody>
-          <a:bodyPr vert="horz" wrap="square" lIns="143926" tIns="107944" rIns="143926" bIns="107944" rtlCol="0">
-            <a:spAutoFit/>
-          </a:bodyPr>
-          <a:lstStyle/>
-          <a:p>
-            <a:pPr algn="ctr" defTabSz="1217707" latinLnBrk="1">
-              <a:spcBef>
-                <a:spcPts val="600"/>
-              </a:spcBef>
-              <a:spcAft>
-                <a:spcPts val="600"/>
-              </a:spcAft>
-            </a:pPr>
-            <a:r>
-              <a:rPr lang="en-US" sz="2798" b="1" noProof="1">
-                <a:latin typeface="Consolas" pitchFamily="49" charset="0"/>
-              </a:rPr>
-              <a:t>1.5 - 2 times</a:t>
-            </a:r>
-          </a:p>
-          <a:p>
-            <a:pPr algn="ctr" defTabSz="1217707" latinLnBrk="1">
-              <a:spcBef>
-                <a:spcPts val="600"/>
-              </a:spcBef>
-              <a:spcAft>
-                <a:spcPts val="600"/>
-              </a:spcAft>
-            </a:pPr>
-            <a:r>
-              <a:rPr lang="it-IT" sz="2798" b="1" noProof="1">
-                <a:latin typeface="Consolas" pitchFamily="49" charset="0"/>
-              </a:rPr>
-              <a:t>5 - 1 times</a:t>
-            </a:r>
-            <a:endParaRPr lang="en-US" sz="2798" b="1" noProof="1">
-              <a:latin typeface="Consolas" pitchFamily="49" charset="0"/>
+          <a:p>
+            <a:pPr algn="ctr"/>
+            <a:r>
+              <a:rPr lang="en-US" sz="2750" b="1" noProof="1">
+                <a:solidFill>
+                  <a:srgbClr val="FFFFFF"/>
+                </a:solidFill>
+              </a:rPr>
+              <a:t>fruit.</a:t>
+            </a:r>
+            <a:r>
+              <a:rPr lang="en-US" sz="2750" b="1" noProof="1">
+                <a:solidFill>
+                  <a:schemeClr val="bg1">
+                    <a:lumMod val="60000"/>
+                    <a:lumOff val="40000"/>
+                  </a:schemeClr>
+                </a:solidFill>
+              </a:rPr>
+              <a:t>Value</a:t>
+            </a:r>
+            <a:r>
+              <a:rPr lang="en-US" sz="2750" b="1" noProof="1">
+                <a:solidFill>
+                  <a:srgbClr val="FFFFFF"/>
+                </a:solidFill>
+              </a:rPr>
+              <a:t> -&gt; цената на плода</a:t>
+            </a:r>
+            <a:endParaRPr lang="en-US" sz="2750" b="1" noProof="1">
+              <a:solidFill>
+                <a:srgbClr val="FFFFFF"/>
+              </a:solidFill>
+              <a:cs typeface="Calibri"/>
             </a:endParaRPr>
-          </a:p>
-          <a:p>
-            <a:pPr algn="ctr" defTabSz="1217707" latinLnBrk="1">
-              <a:spcBef>
-                <a:spcPts val="600"/>
-              </a:spcBef>
-              <a:spcAft>
-                <a:spcPts val="600"/>
-              </a:spcAft>
-            </a:pPr>
-            <a:r>
-              <a:rPr lang="en-US" sz="2798" b="1" noProof="1">
-                <a:latin typeface="Consolas" pitchFamily="49" charset="0"/>
-              </a:rPr>
-              <a:t>3 - 1 times</a:t>
-            </a:r>
-          </a:p>
-        </p:txBody>
-      </p:sp>
-      <p:sp>
-        <p:nvSpPr>
-          <p:cNvPr id="18" name="Down Arrow 6">
-            <a:extLst>
-              <a:ext uri="{FF2B5EF4-FFF2-40B4-BE49-F238E27FC236}">
-                <a16:creationId xmlns:a16="http://schemas.microsoft.com/office/drawing/2014/main" id="{7D008BA8-0FC1-4647-91E6-AD8A51840408}"/>
-              </a:ext>
-            </a:extLst>
-          </p:cNvPr>
-          <p:cNvSpPr/>
-          <p:nvPr/>
-        </p:nvSpPr>
-        <p:spPr>
-          <a:xfrm rot="16200000">
-            <a:off x="5620863" y="4906330"/>
-            <a:ext cx="429668" cy="602748"/>
-          </a:xfrm>
-          <a:prstGeom prst="downArrow">
-            <a:avLst/>
-          </a:prstGeom>
-        </p:spPr>
-        <p:style>
-          <a:lnRef idx="2">
-            <a:schemeClr val="dk1">
-              <a:shade val="50000"/>
-            </a:schemeClr>
-          </a:lnRef>
-          <a:fillRef idx="1">
-            <a:schemeClr val="dk1"/>
-          </a:fillRef>
-          <a:effectRef idx="0">
-            <a:schemeClr val="dk1"/>
-          </a:effectRef>
-          <a:fontRef idx="minor">
-            <a:schemeClr val="lt1"/>
-          </a:fontRef>
-        </p:style>
-        <p:txBody>
-          <a:bodyPr rtlCol="0" anchor="ctr"/>
-          <a:lstStyle/>
-          <a:p>
-            <a:pPr algn="ctr"/>
-            <a:endParaRPr lang="en-US" sz="3598" dirty="0"/>
           </a:p>
         </p:txBody>
       </p:sp>
@@ -37630,7 +37422,7 @@
           <p:cNvPr id="2" name="Slide Number">
             <a:extLst>
               <a:ext uri="{FF2B5EF4-FFF2-40B4-BE49-F238E27FC236}">
-                <a16:creationId xmlns:a16="http://schemas.microsoft.com/office/drawing/2014/main" id="{7B9FAC75-C0D2-2AD2-46B3-C6A55ACDC59B}"/>
+                <a16:creationId xmlns:a16="http://schemas.microsoft.com/office/drawing/2014/main" id="{26AD39DB-738A-7733-783F-C949B526BCF6}"/>
               </a:ext>
             </a:extLst>
           </p:cNvPr>
@@ -37670,7 +37462,7 @@
     </p:spTree>
     <p:extLst>
       <p:ext uri="{BB962C8B-B14F-4D97-AF65-F5344CB8AC3E}">
-        <p14:creationId xmlns:p14="http://schemas.microsoft.com/office/powerpoint/2010/main" val="1763697731"/>
+        <p14:creationId xmlns:p14="http://schemas.microsoft.com/office/powerpoint/2010/main" val="2481430840"/>
       </p:ext>
     </p:extLst>
   </p:cSld>
@@ -37679,10 +37471,10 @@
   </p:clrMapOvr>
   <mc:AlternateContent xmlns:mc="http://schemas.openxmlformats.org/markup-compatibility/2006" xmlns:p14="http://schemas.microsoft.com/office/powerpoint/2010/main">
     <mc:Choice Requires="p14">
-      <p:transition p14:dur="0" advClick="0" advTm="5000"/>
+      <p:transition spd="slow" p14:dur="2000" advClick="0" advTm="5000"/>
     </mc:Choice>
     <mc:Fallback xmlns="">
-      <p:transition advClick="0" advTm="5000"/>
+      <p:transition spd="slow" advClick="0" advTm="5000"/>
     </mc:Fallback>
   </mc:AlternateContent>
   <p:timing>
@@ -37706,7 +37498,7 @@
                             </p:stCondLst>
                             <p:childTnLst>
                               <p:par>
-                                <p:cTn id="5" presetID="1" presetClass="entr" presetSubtype="0" fill="hold" grpId="0" nodeType="clickEffect">
+                                <p:cTn id="5" presetID="1" presetClass="entr" presetSubtype="0" fill="hold" nodeType="clickEffect">
                                   <p:stCondLst>
                                     <p:cond delay="0"/>
                                   </p:stCondLst>
@@ -37719,7 +37511,11 @@
                                           </p:stCondLst>
                                         </p:cTn>
                                         <p:tgtEl>
-                                          <p:spTgt spid="5"/>
+                                          <p:spTgt spid="3">
+                                            <p:txEl>
+                                              <p:pRg st="1" end="1"/>
+                                            </p:txEl>
+                                          </p:spTgt>
                                         </p:tgtEl>
                                         <p:attrNameLst>
                                           <p:attrName>style.visibility</p:attrName>
@@ -37732,35 +37528,26 @@
                                   </p:childTnLst>
                                 </p:cTn>
                               </p:par>
+                            </p:childTnLst>
+                          </p:cTn>
+                        </p:par>
+                      </p:childTnLst>
+                    </p:cTn>
+                  </p:par>
+                  <p:par>
+                    <p:cTn id="7" fill="hold">
+                      <p:stCondLst>
+                        <p:cond delay="indefinite"/>
+                      </p:stCondLst>
+                      <p:childTnLst>
+                        <p:par>
+                          <p:cTn id="8" fill="hold">
+                            <p:stCondLst>
+                              <p:cond delay="0"/>
+                            </p:stCondLst>
+                            <p:childTnLst>
                               <p:par>
-                                <p:cTn id="7" presetID="1" presetClass="entr" presetSubtype="0" fill="hold" grpId="0" nodeType="withEffect">
-                                  <p:stCondLst>
-                                    <p:cond delay="0"/>
-                                  </p:stCondLst>
-                                  <p:childTnLst>
-                                    <p:set>
-                                      <p:cBhvr>
-                                        <p:cTn id="8" dur="1" fill="hold">
-                                          <p:stCondLst>
-                                            <p:cond delay="0"/>
-                                          </p:stCondLst>
-                                        </p:cTn>
-                                        <p:tgtEl>
-                                          <p:spTgt spid="6"/>
-                                        </p:tgtEl>
-                                        <p:attrNameLst>
-                                          <p:attrName>style.visibility</p:attrName>
-                                        </p:attrNameLst>
-                                      </p:cBhvr>
-                                      <p:to>
-                                        <p:strVal val="visible"/>
-                                      </p:to>
-                                    </p:set>
-                                  </p:childTnLst>
-                                </p:cTn>
-                              </p:par>
-                              <p:par>
-                                <p:cTn id="9" presetID="1" presetClass="entr" presetSubtype="0" fill="hold" grpId="0" nodeType="withEffect">
+                                <p:cTn id="9" presetID="1" presetClass="entr" presetSubtype="0" fill="hold" nodeType="clickEffect">
                                   <p:stCondLst>
                                     <p:cond delay="0"/>
                                   </p:stCondLst>
@@ -37773,7 +37560,11 @@
                                           </p:stCondLst>
                                         </p:cTn>
                                         <p:tgtEl>
-                                          <p:spTgt spid="7"/>
+                                          <p:spTgt spid="3">
+                                            <p:txEl>
+                                              <p:pRg st="2" end="2"/>
+                                            </p:txEl>
+                                          </p:spTgt>
                                         </p:tgtEl>
                                         <p:attrNameLst>
                                           <p:attrName>style.visibility</p:attrName>
@@ -37818,7 +37609,7 @@
                                           </p:stCondLst>
                                         </p:cTn>
                                         <p:tgtEl>
-                                          <p:spTgt spid="8"/>
+                                          <p:spTgt spid="7"/>
                                         </p:tgtEl>
                                         <p:attrNameLst>
                                           <p:attrName>style.visibility</p:attrName>
@@ -37832,7 +37623,7 @@
                                 </p:cTn>
                               </p:par>
                               <p:par>
-                                <p:cTn id="15" presetID="1" presetClass="entr" presetSubtype="0" fill="hold" grpId="0" nodeType="withEffect">
+                                <p:cTn id="15" presetID="1" presetClass="entr" presetSubtype="0" fill="hold" nodeType="withEffect">
                                   <p:stCondLst>
                                     <p:cond delay="0"/>
                                   </p:stCondLst>
@@ -37845,7 +37636,60 @@
                                           </p:stCondLst>
                                         </p:cTn>
                                         <p:tgtEl>
-                                          <p:spTgt spid="9"/>
+                                          <p:spTgt spid="7">
+                                            <p:txEl>
+                                              <p:pRg st="0" end="0"/>
+                                            </p:txEl>
+                                          </p:spTgt>
+                                        </p:tgtEl>
+                                        <p:attrNameLst>
+                                          <p:attrName>style.visibility</p:attrName>
+                                        </p:attrNameLst>
+                                      </p:cBhvr>
+                                      <p:to>
+                                        <p:strVal val="visible"/>
+                                      </p:to>
+                                    </p:set>
+                                  </p:childTnLst>
+                                </p:cTn>
+                              </p:par>
+                            </p:childTnLst>
+                          </p:cTn>
+                        </p:par>
+                      </p:childTnLst>
+                    </p:cTn>
+                  </p:par>
+                  <p:par>
+                    <p:cTn id="17" fill="hold">
+                      <p:stCondLst>
+                        <p:cond delay="indefinite"/>
+                      </p:stCondLst>
+                      <p:childTnLst>
+                        <p:par>
+                          <p:cTn id="18" fill="hold">
+                            <p:stCondLst>
+                              <p:cond delay="0"/>
+                            </p:stCondLst>
+                            <p:childTnLst>
+                              <p:par>
+                                <p:cTn id="19" presetID="1" presetClass="entr" presetSubtype="0" fill="hold" nodeType="clickEffect">
+                                  <p:stCondLst>
+                                    <p:cond delay="0"/>
+                                  </p:stCondLst>
+                                  <p:childTnLst>
+                                    <p:set>
+                                      <p:cBhvr>
+                                        <p:cTn id="20" dur="1" fill="hold">
+                                          <p:stCondLst>
+                                            <p:cond delay="0"/>
+                                          </p:stCondLst>
+                                        </p:cTn>
+                                        <p:tgtEl>
+                                          <p:spTgt spid="7">
+                                            <p:txEl>
+                                              <p:pRg st="1" end="1"/>
+                                            </p:txEl>
+                                          </p:spTgt>
                                         </p:tgtEl>
                                         <p:attrNameLst>
                                           <p:attrName>style.visibility</p:attrName>
@@ -37859,20 +37703,180 @@
                                 </p:cTn>
                               </p:par>
                               <p:par>
-                                <p:cTn id="17" presetID="1" presetClass="entr" presetSubtype="0" fill="hold" grpId="0" nodeType="withEffect">
+                                <p:cTn id="21" presetID="1" presetClass="entr" presetSubtype="0" fill="hold" nodeType="withEffect">
                                   <p:stCondLst>
                                     <p:cond delay="0"/>
                                   </p:stCondLst>
                                   <p:childTnLst>
                                     <p:set>
                                       <p:cBhvr>
-                                        <p:cTn id="18" dur="1" fill="hold">
+                                        <p:cTn id="22" dur="1" fill="hold">
                                           <p:stCondLst>
                                             <p:cond delay="0"/>
                                           </p:stCondLst>
                                         </p:cTn>
                                         <p:tgtEl>
-                                          <p:spTgt spid="18"/>
+                                          <p:spTgt spid="7">
+                                            <p:txEl>
+                                              <p:pRg st="2" end="2"/>
+                                            </p:txEl>
+                                          </p:spTgt>
+                                        </p:tgtEl>
+                                        <p:attrNameLst>
+                                          <p:attrName>style.visibility</p:attrName>
+                                        </p:attrNameLst>
+                                      </p:cBhvr>
+                                      <p:to>
+                                        <p:strVal val="visible"/>
+                                      </p:to>
+                                    </p:set>
+                                  </p:childTnLst>
+                                </p:cTn>
+                              </p:par>
+                              <p:par>
+                                <p:cTn id="23" presetID="1" presetClass="entr" presetSubtype="0" fill="hold" nodeType="withEffect">
+                                  <p:stCondLst>
+                                    <p:cond delay="0"/>
+                                  </p:stCondLst>
+                                  <p:childTnLst>
+                                    <p:set>
+                                      <p:cBhvr>
+                                        <p:cTn id="24" dur="1" fill="hold">
+                                          <p:stCondLst>
+                                            <p:cond delay="0"/>
+                                          </p:stCondLst>
+                                        </p:cTn>
+                                        <p:tgtEl>
+                                          <p:spTgt spid="7">
+                                            <p:txEl>
+                                              <p:pRg st="3" end="3"/>
+                                            </p:txEl>
+                                          </p:spTgt>
+                                        </p:tgtEl>
+                                        <p:attrNameLst>
+                                          <p:attrName>style.visibility</p:attrName>
+                                        </p:attrNameLst>
+                                      </p:cBhvr>
+                                      <p:to>
+                                        <p:strVal val="visible"/>
+                                      </p:to>
+                                    </p:set>
+                                  </p:childTnLst>
+                                </p:cTn>
+                              </p:par>
+                            </p:childTnLst>
+                          </p:cTn>
+                        </p:par>
+                      </p:childTnLst>
+                    </p:cTn>
+                  </p:par>
+                  <p:par>
+                    <p:cTn id="25" fill="hold">
+                      <p:stCondLst>
+                        <p:cond delay="indefinite"/>
+                      </p:stCondLst>
+                      <p:childTnLst>
+                        <p:par>
+                          <p:cTn id="26" fill="hold">
+                            <p:stCondLst>
+                              <p:cond delay="0"/>
+                            </p:stCondLst>
+                            <p:childTnLst>
+                              <p:par>
+                                <p:cTn id="27" presetID="1" presetClass="entr" presetSubtype="0" fill="hold" nodeType="clickEffect">
+                                  <p:stCondLst>
+                                    <p:cond delay="0"/>
+                                  </p:stCondLst>
+                                  <p:childTnLst>
+                                    <p:set>
+                                      <p:cBhvr>
+                                        <p:cTn id="28" dur="1" fill="hold">
+                                          <p:stCondLst>
+                                            <p:cond delay="0"/>
+                                          </p:stCondLst>
+                                        </p:cTn>
+                                        <p:tgtEl>
+                                          <p:spTgt spid="7">
+                                            <p:txEl>
+                                              <p:pRg st="4" end="4"/>
+                                            </p:txEl>
+                                          </p:spTgt>
+                                        </p:tgtEl>
+                                        <p:attrNameLst>
+                                          <p:attrName>style.visibility</p:attrName>
+                                        </p:attrNameLst>
+                                      </p:cBhvr>
+                                      <p:to>
+                                        <p:strVal val="visible"/>
+                                      </p:to>
+                                    </p:set>
+                                  </p:childTnLst>
+                                </p:cTn>
+                              </p:par>
+                              <p:par>
+                                <p:cTn id="29" presetID="1" presetClass="entr" presetSubtype="0" fill="hold" nodeType="withEffect">
+                                  <p:stCondLst>
+                                    <p:cond delay="0"/>
+                                  </p:stCondLst>
+                                  <p:childTnLst>
+                                    <p:set>
+                                      <p:cBhvr>
+                                        <p:cTn id="30" dur="1" fill="hold">
+                                          <p:stCondLst>
+                                            <p:cond delay="0"/>
+                                          </p:stCondLst>
+                                        </p:cTn>
+                                        <p:tgtEl>
+                                          <p:spTgt spid="7">
+                                            <p:txEl>
+                                              <p:pRg st="5" end="5"/>
+                                            </p:txEl>
+                                          </p:spTgt>
+                                        </p:tgtEl>
+                                        <p:attrNameLst>
+                                          <p:attrName>style.visibility</p:attrName>
+                                        </p:attrNameLst>
+                                      </p:cBhvr>
+                                      <p:to>
+                                        <p:strVal val="visible"/>
+                                      </p:to>
+                                    </p:set>
+                                  </p:childTnLst>
+                                </p:cTn>
+                              </p:par>
+                            </p:childTnLst>
+                          </p:cTn>
+                        </p:par>
+                      </p:childTnLst>
+                    </p:cTn>
+                  </p:par>
+                  <p:par>
+                    <p:cTn id="31" fill="hold">
+                      <p:stCondLst>
+                        <p:cond delay="indefinite"/>
+                      </p:stCondLst>
+                      <p:childTnLst>
+                        <p:par>
+                          <p:cTn id="32" fill="hold">
+                            <p:stCondLst>
+                              <p:cond delay="0"/>
+                            </p:stCondLst>
+                            <p:childTnLst>
+                              <p:par>
+                                <p:cTn id="33" presetID="1" presetClass="entr" presetSubtype="0" fill="hold" grpId="0" nodeType="clickEffect">
+                                  <p:stCondLst>
+                                    <p:cond delay="0"/>
+                                  </p:stCondLst>
+                                  <p:childTnLst>
+                                    <p:set>
+                                      <p:cBhvr>
+                                        <p:cTn id="34" dur="1" fill="hold">
+                                          <p:stCondLst>
+                                            <p:cond delay="0"/>
+                                          </p:stCondLst>
+                                        </p:cTn>
+                                        <p:tgtEl>
+                                          <p:spTgt spid="8"/>
                                         </p:tgtEl>
                                         <p:attrNameLst>
                                           <p:attrName>style.visibility</p:attrName>
@@ -37913,12 +37917,8 @@
       </p:par>
     </p:tnLst>
     <p:bldLst>
-      <p:bldP spid="5" grpId="0" animBg="1"/>
-      <p:bldP spid="6" grpId="0" animBg="1"/>
       <p:bldP spid="7" grpId="0" animBg="1"/>
       <p:bldP spid="8" grpId="0" animBg="1"/>
-      <p:bldP spid="9" grpId="0" animBg="1"/>
-      <p:bldP spid="18" grpId="0" animBg="1"/>
     </p:bldLst>
   </p:timing>
 </p:sld>

--- a/Courses/Software-Sciences/Module-2-DS-and-Algo/05.1-Sets-and-Dictionaries-Basics/05.1-Sets-and-Dictionaries-Basics.pptx
+++ b/Courses/Software-Sciences/Module-2-DS-and-Algo/05.1-Sets-and-Dictionaries-Basics/05.1-Sets-and-Dictionaries-Basics.pptx
@@ -223,6 +223,38 @@
 </p:presentation>
 </file>
 
+<file path=ppt/authors.xml><?xml version="1.0" encoding="utf-8"?>
+<p188:authorLst xmlns:a="http://schemas.openxmlformats.org/drawingml/2006/main" xmlns:r="http://schemas.openxmlformats.org/officeDocument/2006/relationships" xmlns:p188="http://schemas.microsoft.com/office/powerpoint/2018/8/main">
+  <p188:author id="{61328A60-1351-1658-BC09-0F9214BEF0FD}" name="Александрина Ю. Механджийска" initials="АМ" userId="S::am43953203@edu.mon.bg::60a33b73-667f-441e-9a53-8ce9df28dca4" providerId="AD"/>
+</p188:authorLst>
+</file>
+
+<file path=ppt/comments/modernComment_14F_5241D9D6.xml><?xml version="1.0" encoding="utf-8"?>
+<p188:cmLst xmlns:a="http://schemas.openxmlformats.org/drawingml/2006/main" xmlns:r="http://schemas.openxmlformats.org/officeDocument/2006/relationships" xmlns:p188="http://schemas.microsoft.com/office/powerpoint/2018/8/main">
+  <p188:cm id="{56EC194C-D695-484F-B429-251652E49B60}" authorId="{61328A60-1351-1658-BC09-0F9214BEF0FD}" created="2024-07-04T08:20:09.239">
+    <ac:txMkLst xmlns:ac="http://schemas.microsoft.com/office/drawing/2013/main/command">
+      <pc:docMk xmlns:pc="http://schemas.microsoft.com/office/powerpoint/2013/main/command"/>
+      <pc:sldMk xmlns:pc="http://schemas.microsoft.com/office/powerpoint/2013/main/command" cId="1380047318" sldId="335"/>
+      <ac:spMk id="14" creationId="{9D31DF8D-5A2D-4541-8FE9-72B5F7E1A9DC}"/>
+      <ac:txMk cp="0" len="42">
+        <ac:context len="156" hash="3387376532"/>
+      </ac:txMk>
+    </ac:txMkLst>
+    <p188:pos x="9018914" y="563065"/>
+    <p188:txBody>
+      <a:bodyPr/>
+      <a:lstStyle/>
+      <a:p>
+        <a:r>
+          <a:rPr lang="bg-BG"/>
+          <a:t>Add result</a:t>
+        </a:r>
+      </a:p>
+    </p188:txBody>
+  </p188:cm>
+</p188:cmLst>
+</file>
+
 <file path=ppt/handoutMasters/handoutMaster1.xml><?xml version="1.0" encoding="utf-8"?>
 <p:handoutMaster xmlns:a="http://schemas.openxmlformats.org/drawingml/2006/main" xmlns:r="http://schemas.openxmlformats.org/officeDocument/2006/relationships" xmlns:p="http://schemas.openxmlformats.org/presentationml/2006/main">
   <p:cSld>
@@ -317,7 +349,7 @@
           <a:p>
             <a:fld id="{4E087215-0C8F-4762-A664-737A353EC9A4}" type="datetimeFigureOut">
               <a:rPr lang="bg-BG" smtClean="0"/>
-              <a:t>3.07.24 г.</a:t>
+              <a:t>4.07.24 г.</a:t>
             </a:fld>
             <a:endParaRPr lang="bg-BG"/>
           </a:p>
@@ -513,7 +545,7 @@
           <a:p>
             <a:fld id="{72D84649-876A-46C9-8472-14CB09C070D8}" type="datetimeFigureOut">
               <a:rPr lang="en-US" smtClean="0"/>
-              <a:t>7/3/24</a:t>
+              <a:t>7/4/24</a:t>
             </a:fld>
             <a:endParaRPr lang="en-US"/>
           </a:p>
@@ -34289,6 +34321,11 @@
       <p:bldP spid="14" grpId="0" build="p" animBg="1"/>
     </p:bldLst>
   </p:timing>
+  <p:extLst>
+    <p:ext uri="{6950BFC3-D8DA-4A85-94F7-54DA5524770B}">
+      <p188:commentRel xmlns:p188="http://schemas.microsoft.com/office/powerpoint/2018/8/main" r:id="rId2"/>
+    </p:ext>
+  </p:extLst>
 </p:sld>
 </file>
 
